--- a/论文图.pptx
+++ b/论文图.pptx
@@ -105,6 +105,11 @@
       </a:defRPr>
     </a:lvl9pPr>
   </p:defaultTextStyle>
+  <p:extLst>
+    <p:ext uri="{EFAFB233-063F-42B5-8137-9DF3F51BA10A}">
+      <p15:sldGuideLst xmlns:p15="http://schemas.microsoft.com/office/powerpoint/2012/main"/>
+    </p:ext>
+  </p:extLst>
 </p:presentation>
 </file>
 
@@ -255,7 +260,7 @@
           <a:p>
             <a:fld id="{0E53518D-3F35-4B0C-9D05-EDF88E72A843}" type="datetimeFigureOut">
               <a:rPr lang="zh-CN" altLang="en-US" smtClean="0"/>
-              <a:t>2020/11/11</a:t>
+              <a:t>2020/11/15</a:t>
             </a:fld>
             <a:endParaRPr lang="zh-CN" altLang="en-US"/>
           </a:p>
@@ -453,7 +458,7 @@
           <a:p>
             <a:fld id="{0E53518D-3F35-4B0C-9D05-EDF88E72A843}" type="datetimeFigureOut">
               <a:rPr lang="zh-CN" altLang="en-US" smtClean="0"/>
-              <a:t>2020/11/11</a:t>
+              <a:t>2020/11/15</a:t>
             </a:fld>
             <a:endParaRPr lang="zh-CN" altLang="en-US"/>
           </a:p>
@@ -661,7 +666,7 @@
           <a:p>
             <a:fld id="{0E53518D-3F35-4B0C-9D05-EDF88E72A843}" type="datetimeFigureOut">
               <a:rPr lang="zh-CN" altLang="en-US" smtClean="0"/>
-              <a:t>2020/11/11</a:t>
+              <a:t>2020/11/15</a:t>
             </a:fld>
             <a:endParaRPr lang="zh-CN" altLang="en-US"/>
           </a:p>
@@ -859,7 +864,7 @@
           <a:p>
             <a:fld id="{0E53518D-3F35-4B0C-9D05-EDF88E72A843}" type="datetimeFigureOut">
               <a:rPr lang="zh-CN" altLang="en-US" smtClean="0"/>
-              <a:t>2020/11/11</a:t>
+              <a:t>2020/11/15</a:t>
             </a:fld>
             <a:endParaRPr lang="zh-CN" altLang="en-US"/>
           </a:p>
@@ -1134,7 +1139,7 @@
           <a:p>
             <a:fld id="{0E53518D-3F35-4B0C-9D05-EDF88E72A843}" type="datetimeFigureOut">
               <a:rPr lang="zh-CN" altLang="en-US" smtClean="0"/>
-              <a:t>2020/11/11</a:t>
+              <a:t>2020/11/15</a:t>
             </a:fld>
             <a:endParaRPr lang="zh-CN" altLang="en-US"/>
           </a:p>
@@ -1399,7 +1404,7 @@
           <a:p>
             <a:fld id="{0E53518D-3F35-4B0C-9D05-EDF88E72A843}" type="datetimeFigureOut">
               <a:rPr lang="zh-CN" altLang="en-US" smtClean="0"/>
-              <a:t>2020/11/11</a:t>
+              <a:t>2020/11/15</a:t>
             </a:fld>
             <a:endParaRPr lang="zh-CN" altLang="en-US"/>
           </a:p>
@@ -1811,7 +1816,7 @@
           <a:p>
             <a:fld id="{0E53518D-3F35-4B0C-9D05-EDF88E72A843}" type="datetimeFigureOut">
               <a:rPr lang="zh-CN" altLang="en-US" smtClean="0"/>
-              <a:t>2020/11/11</a:t>
+              <a:t>2020/11/15</a:t>
             </a:fld>
             <a:endParaRPr lang="zh-CN" altLang="en-US"/>
           </a:p>
@@ -1952,7 +1957,7 @@
           <a:p>
             <a:fld id="{0E53518D-3F35-4B0C-9D05-EDF88E72A843}" type="datetimeFigureOut">
               <a:rPr lang="zh-CN" altLang="en-US" smtClean="0"/>
-              <a:t>2020/11/11</a:t>
+              <a:t>2020/11/15</a:t>
             </a:fld>
             <a:endParaRPr lang="zh-CN" altLang="en-US"/>
           </a:p>
@@ -2065,7 +2070,7 @@
           <a:p>
             <a:fld id="{0E53518D-3F35-4B0C-9D05-EDF88E72A843}" type="datetimeFigureOut">
               <a:rPr lang="zh-CN" altLang="en-US" smtClean="0"/>
-              <a:t>2020/11/11</a:t>
+              <a:t>2020/11/15</a:t>
             </a:fld>
             <a:endParaRPr lang="zh-CN" altLang="en-US"/>
           </a:p>
@@ -2376,7 +2381,7 @@
           <a:p>
             <a:fld id="{0E53518D-3F35-4B0C-9D05-EDF88E72A843}" type="datetimeFigureOut">
               <a:rPr lang="zh-CN" altLang="en-US" smtClean="0"/>
-              <a:t>2020/11/11</a:t>
+              <a:t>2020/11/15</a:t>
             </a:fld>
             <a:endParaRPr lang="zh-CN" altLang="en-US"/>
           </a:p>
@@ -2664,7 +2669,7 @@
           <a:p>
             <a:fld id="{0E53518D-3F35-4B0C-9D05-EDF88E72A843}" type="datetimeFigureOut">
               <a:rPr lang="zh-CN" altLang="en-US" smtClean="0"/>
-              <a:t>2020/11/11</a:t>
+              <a:t>2020/11/15</a:t>
             </a:fld>
             <a:endParaRPr lang="zh-CN" altLang="en-US"/>
           </a:p>
@@ -2905,7 +2910,7 @@
           <a:p>
             <a:fld id="{0E53518D-3F35-4B0C-9D05-EDF88E72A843}" type="datetimeFigureOut">
               <a:rPr lang="zh-CN" altLang="en-US" smtClean="0"/>
-              <a:t>2020/11/11</a:t>
+              <a:t>2020/11/15</a:t>
             </a:fld>
             <a:endParaRPr lang="zh-CN" altLang="en-US"/>
           </a:p>
@@ -8429,9 +8434,9 @@
             <a:avLst/>
           </a:prstGeom>
           <a:solidFill>
-            <a:schemeClr val="tx1">
-              <a:lumMod val="65000"/>
-              <a:lumOff val="35000"/>
+            <a:schemeClr val="accent5">
+              <a:lumMod val="60000"/>
+              <a:lumOff val="40000"/>
             </a:schemeClr>
           </a:solidFill>
         </p:spPr>
@@ -8481,9 +8486,9 @@
             <a:avLst/>
           </a:prstGeom>
           <a:solidFill>
-            <a:schemeClr val="tx1">
-              <a:lumMod val="65000"/>
-              <a:lumOff val="35000"/>
+            <a:schemeClr val="accent2">
+              <a:lumMod val="60000"/>
+              <a:lumOff val="40000"/>
             </a:schemeClr>
           </a:solidFill>
         </p:spPr>
@@ -8533,10 +8538,7 @@
             <a:avLst/>
           </a:prstGeom>
           <a:solidFill>
-            <a:schemeClr val="tx1">
-              <a:lumMod val="65000"/>
-              <a:lumOff val="35000"/>
-            </a:schemeClr>
+            <a:srgbClr val="92D050"/>
           </a:solidFill>
         </p:spPr>
         <p:style>
@@ -8585,9 +8587,9 @@
             <a:avLst/>
           </a:prstGeom>
           <a:solidFill>
-            <a:schemeClr val="tx1">
-              <a:lumMod val="65000"/>
-              <a:lumOff val="35000"/>
+            <a:schemeClr val="accent4">
+              <a:lumMod val="60000"/>
+              <a:lumOff val="40000"/>
             </a:schemeClr>
           </a:solidFill>
         </p:spPr>

--- a/论文图.pptx
+++ b/论文图.pptx
@@ -7,6 +7,7 @@
   <p:sldIdLst>
     <p:sldId id="256" r:id="rId2"/>
     <p:sldId id="257" r:id="rId3"/>
+    <p:sldId id="258" r:id="rId4"/>
   </p:sldIdLst>
   <p:sldSz cx="12192000" cy="6858000"/>
   <p:notesSz cx="6858000" cy="9144000"/>
@@ -260,7 +261,7 @@
           <a:p>
             <a:fld id="{0E53518D-3F35-4B0C-9D05-EDF88E72A843}" type="datetimeFigureOut">
               <a:rPr lang="zh-CN" altLang="en-US" smtClean="0"/>
-              <a:t>2020/11/15</a:t>
+              <a:t>2020/11/16</a:t>
             </a:fld>
             <a:endParaRPr lang="zh-CN" altLang="en-US"/>
           </a:p>
@@ -458,7 +459,7 @@
           <a:p>
             <a:fld id="{0E53518D-3F35-4B0C-9D05-EDF88E72A843}" type="datetimeFigureOut">
               <a:rPr lang="zh-CN" altLang="en-US" smtClean="0"/>
-              <a:t>2020/11/15</a:t>
+              <a:t>2020/11/16</a:t>
             </a:fld>
             <a:endParaRPr lang="zh-CN" altLang="en-US"/>
           </a:p>
@@ -666,7 +667,7 @@
           <a:p>
             <a:fld id="{0E53518D-3F35-4B0C-9D05-EDF88E72A843}" type="datetimeFigureOut">
               <a:rPr lang="zh-CN" altLang="en-US" smtClean="0"/>
-              <a:t>2020/11/15</a:t>
+              <a:t>2020/11/16</a:t>
             </a:fld>
             <a:endParaRPr lang="zh-CN" altLang="en-US"/>
           </a:p>
@@ -864,7 +865,7 @@
           <a:p>
             <a:fld id="{0E53518D-3F35-4B0C-9D05-EDF88E72A843}" type="datetimeFigureOut">
               <a:rPr lang="zh-CN" altLang="en-US" smtClean="0"/>
-              <a:t>2020/11/15</a:t>
+              <a:t>2020/11/16</a:t>
             </a:fld>
             <a:endParaRPr lang="zh-CN" altLang="en-US"/>
           </a:p>
@@ -1139,7 +1140,7 @@
           <a:p>
             <a:fld id="{0E53518D-3F35-4B0C-9D05-EDF88E72A843}" type="datetimeFigureOut">
               <a:rPr lang="zh-CN" altLang="en-US" smtClean="0"/>
-              <a:t>2020/11/15</a:t>
+              <a:t>2020/11/16</a:t>
             </a:fld>
             <a:endParaRPr lang="zh-CN" altLang="en-US"/>
           </a:p>
@@ -1404,7 +1405,7 @@
           <a:p>
             <a:fld id="{0E53518D-3F35-4B0C-9D05-EDF88E72A843}" type="datetimeFigureOut">
               <a:rPr lang="zh-CN" altLang="en-US" smtClean="0"/>
-              <a:t>2020/11/15</a:t>
+              <a:t>2020/11/16</a:t>
             </a:fld>
             <a:endParaRPr lang="zh-CN" altLang="en-US"/>
           </a:p>
@@ -1816,7 +1817,7 @@
           <a:p>
             <a:fld id="{0E53518D-3F35-4B0C-9D05-EDF88E72A843}" type="datetimeFigureOut">
               <a:rPr lang="zh-CN" altLang="en-US" smtClean="0"/>
-              <a:t>2020/11/15</a:t>
+              <a:t>2020/11/16</a:t>
             </a:fld>
             <a:endParaRPr lang="zh-CN" altLang="en-US"/>
           </a:p>
@@ -1957,7 +1958,7 @@
           <a:p>
             <a:fld id="{0E53518D-3F35-4B0C-9D05-EDF88E72A843}" type="datetimeFigureOut">
               <a:rPr lang="zh-CN" altLang="en-US" smtClean="0"/>
-              <a:t>2020/11/15</a:t>
+              <a:t>2020/11/16</a:t>
             </a:fld>
             <a:endParaRPr lang="zh-CN" altLang="en-US"/>
           </a:p>
@@ -2070,7 +2071,7 @@
           <a:p>
             <a:fld id="{0E53518D-3F35-4B0C-9D05-EDF88E72A843}" type="datetimeFigureOut">
               <a:rPr lang="zh-CN" altLang="en-US" smtClean="0"/>
-              <a:t>2020/11/15</a:t>
+              <a:t>2020/11/16</a:t>
             </a:fld>
             <a:endParaRPr lang="zh-CN" altLang="en-US"/>
           </a:p>
@@ -2381,7 +2382,7 @@
           <a:p>
             <a:fld id="{0E53518D-3F35-4B0C-9D05-EDF88E72A843}" type="datetimeFigureOut">
               <a:rPr lang="zh-CN" altLang="en-US" smtClean="0"/>
-              <a:t>2020/11/15</a:t>
+              <a:t>2020/11/16</a:t>
             </a:fld>
             <a:endParaRPr lang="zh-CN" altLang="en-US"/>
           </a:p>
@@ -2669,7 +2670,7 @@
           <a:p>
             <a:fld id="{0E53518D-3F35-4B0C-9D05-EDF88E72A843}" type="datetimeFigureOut">
               <a:rPr lang="zh-CN" altLang="en-US" smtClean="0"/>
-              <a:t>2020/11/15</a:t>
+              <a:t>2020/11/16</a:t>
             </a:fld>
             <a:endParaRPr lang="zh-CN" altLang="en-US"/>
           </a:p>
@@ -2910,7 +2911,7 @@
           <a:p>
             <a:fld id="{0E53518D-3F35-4B0C-9D05-EDF88E72A843}" type="datetimeFigureOut">
               <a:rPr lang="zh-CN" altLang="en-US" smtClean="0"/>
-              <a:t>2020/11/15</a:t>
+              <a:t>2020/11/16</a:t>
             </a:fld>
             <a:endParaRPr lang="zh-CN" altLang="en-US"/>
           </a:p>
@@ -3790,7 +3791,7 @@
         </p:nvSpPr>
         <p:spPr>
           <a:xfrm>
-            <a:off x="488596" y="1965960"/>
+            <a:off x="171043" y="2156059"/>
             <a:ext cx="461665" cy="2926080"/>
           </a:xfrm>
           <a:prstGeom prst="rect">
@@ -3826,13 +3827,13 @@
           <p:nvPr>
             <p:extLst>
               <p:ext uri="{D42A27DB-BD31-4B8C-83A1-F6EECF244321}">
-                <p14:modId xmlns:p14="http://schemas.microsoft.com/office/powerpoint/2010/main" val="3579902025"/>
+                <p14:modId xmlns:p14="http://schemas.microsoft.com/office/powerpoint/2010/main" val="1451055551"/>
               </p:ext>
             </p:extLst>
           </p:nvPr>
         </p:nvGraphicFramePr>
         <p:xfrm>
-          <a:off x="1148999" y="1965959"/>
+          <a:off x="831446" y="2156058"/>
           <a:ext cx="297245" cy="2926080"/>
         </p:xfrm>
         <a:graphic>
@@ -4061,13 +4062,13 @@
           <p:nvPr>
             <p:extLst>
               <p:ext uri="{D42A27DB-BD31-4B8C-83A1-F6EECF244321}">
-                <p14:modId xmlns:p14="http://schemas.microsoft.com/office/powerpoint/2010/main" val="1258611643"/>
+                <p14:modId xmlns:p14="http://schemas.microsoft.com/office/powerpoint/2010/main" val="1438143672"/>
               </p:ext>
             </p:extLst>
           </p:nvPr>
         </p:nvGraphicFramePr>
         <p:xfrm>
-          <a:off x="1809402" y="1961431"/>
+          <a:off x="1491849" y="2151530"/>
           <a:ext cx="1484305" cy="2930608"/>
         </p:xfrm>
         <a:graphic>
@@ -4781,7 +4782,7 @@
         </p:nvSpPr>
         <p:spPr>
           <a:xfrm>
-            <a:off x="1585835" y="677471"/>
+            <a:off x="1268282" y="867570"/>
             <a:ext cx="2230385" cy="646331"/>
           </a:xfrm>
           <a:prstGeom prst="rect">
@@ -4829,13 +4830,13 @@
           <p:nvPr>
             <p:extLst>
               <p:ext uri="{D42A27DB-BD31-4B8C-83A1-F6EECF244321}">
-                <p14:modId xmlns:p14="http://schemas.microsoft.com/office/powerpoint/2010/main" val="3734999253"/>
+                <p14:modId xmlns:p14="http://schemas.microsoft.com/office/powerpoint/2010/main" val="57945857"/>
               </p:ext>
             </p:extLst>
           </p:nvPr>
         </p:nvGraphicFramePr>
         <p:xfrm>
-          <a:off x="3816222" y="1445816"/>
+          <a:off x="5091348" y="1350073"/>
           <a:ext cx="1484305" cy="732652"/>
         </p:xfrm>
         <a:graphic>
@@ -5054,13 +5055,13 @@
           <p:nvPr>
             <p:extLst>
               <p:ext uri="{D42A27DB-BD31-4B8C-83A1-F6EECF244321}">
-                <p14:modId xmlns:p14="http://schemas.microsoft.com/office/powerpoint/2010/main" val="3759234230"/>
+                <p14:modId xmlns:p14="http://schemas.microsoft.com/office/powerpoint/2010/main" val="2496714938"/>
               </p:ext>
             </p:extLst>
           </p:nvPr>
         </p:nvGraphicFramePr>
         <p:xfrm>
-          <a:off x="3816222" y="2646720"/>
+          <a:off x="5091348" y="2550977"/>
           <a:ext cx="1484305" cy="732652"/>
         </p:xfrm>
         <a:graphic>
@@ -5283,13 +5284,13 @@
           <p:nvPr>
             <p:extLst>
               <p:ext uri="{D42A27DB-BD31-4B8C-83A1-F6EECF244321}">
-                <p14:modId xmlns:p14="http://schemas.microsoft.com/office/powerpoint/2010/main" val="2729992212"/>
+                <p14:modId xmlns:p14="http://schemas.microsoft.com/office/powerpoint/2010/main" val="1551388716"/>
               </p:ext>
             </p:extLst>
           </p:nvPr>
         </p:nvGraphicFramePr>
         <p:xfrm>
-          <a:off x="3816221" y="3847624"/>
+          <a:off x="5091347" y="3751881"/>
           <a:ext cx="1484305" cy="732652"/>
         </p:xfrm>
         <a:graphic>
@@ -5508,13 +5509,13 @@
           <p:nvPr>
             <p:extLst>
               <p:ext uri="{D42A27DB-BD31-4B8C-83A1-F6EECF244321}">
-                <p14:modId xmlns:p14="http://schemas.microsoft.com/office/powerpoint/2010/main" val="1596422830"/>
+                <p14:modId xmlns:p14="http://schemas.microsoft.com/office/powerpoint/2010/main" val="1848278730"/>
               </p:ext>
             </p:extLst>
           </p:nvPr>
         </p:nvGraphicFramePr>
         <p:xfrm>
-          <a:off x="3816220" y="5048528"/>
+          <a:off x="5091346" y="4952785"/>
           <a:ext cx="1484305" cy="732652"/>
         </p:xfrm>
         <a:graphic>
@@ -5762,7 +5763,7 @@
         </p:nvSpPr>
         <p:spPr>
           <a:xfrm>
-            <a:off x="4155369" y="3321111"/>
+            <a:off x="5430495" y="3225368"/>
             <a:ext cx="806006" cy="584775"/>
           </a:xfrm>
           <a:prstGeom prst="rect">
@@ -5799,7 +5800,7 @@
         </p:nvSpPr>
         <p:spPr>
           <a:xfrm>
-            <a:off x="3816220" y="677471"/>
+            <a:off x="5091346" y="581728"/>
             <a:ext cx="1484305" cy="380201"/>
           </a:xfrm>
           <a:prstGeom prst="rect">
@@ -5835,7 +5836,7 @@
         </p:nvSpPr>
         <p:spPr>
           <a:xfrm>
-            <a:off x="6201493" y="583113"/>
+            <a:off x="7476619" y="487370"/>
             <a:ext cx="1484305" cy="380201"/>
           </a:xfrm>
           <a:prstGeom prst="rect">
@@ -5872,13 +5873,13 @@
           <p:nvPr>
             <p:extLst>
               <p:ext uri="{D42A27DB-BD31-4B8C-83A1-F6EECF244321}">
-                <p14:modId xmlns:p14="http://schemas.microsoft.com/office/powerpoint/2010/main" val="2757521284"/>
+                <p14:modId xmlns:p14="http://schemas.microsoft.com/office/powerpoint/2010/main" val="3197475894"/>
               </p:ext>
             </p:extLst>
           </p:nvPr>
         </p:nvGraphicFramePr>
         <p:xfrm>
-          <a:off x="5680698" y="815090"/>
+          <a:off x="6955824" y="719347"/>
           <a:ext cx="284678" cy="1465304"/>
         </p:xfrm>
         <a:graphic>
@@ -6003,13 +6004,13 @@
           <p:nvPr>
             <p:extLst>
               <p:ext uri="{D42A27DB-BD31-4B8C-83A1-F6EECF244321}">
-                <p14:modId xmlns:p14="http://schemas.microsoft.com/office/powerpoint/2010/main" val="410128536"/>
+                <p14:modId xmlns:p14="http://schemas.microsoft.com/office/powerpoint/2010/main" val="789482642"/>
               </p:ext>
             </p:extLst>
           </p:nvPr>
         </p:nvGraphicFramePr>
         <p:xfrm>
-          <a:off x="6206323" y="2019151"/>
+          <a:off x="7481449" y="1923408"/>
           <a:ext cx="296861" cy="1465304"/>
         </p:xfrm>
         <a:graphic>
@@ -6134,13 +6135,13 @@
           <p:nvPr>
             <p:extLst>
               <p:ext uri="{D42A27DB-BD31-4B8C-83A1-F6EECF244321}">
-                <p14:modId xmlns:p14="http://schemas.microsoft.com/office/powerpoint/2010/main" val="3017218962"/>
+                <p14:modId xmlns:p14="http://schemas.microsoft.com/office/powerpoint/2010/main" val="1460843114"/>
               </p:ext>
             </p:extLst>
           </p:nvPr>
         </p:nvGraphicFramePr>
         <p:xfrm>
-          <a:off x="5676112" y="3807640"/>
+          <a:off x="6951238" y="3711897"/>
           <a:ext cx="296861" cy="1465304"/>
         </p:xfrm>
         <a:graphic>
@@ -6265,13 +6266,13 @@
           <p:nvPr>
             <p:extLst>
               <p:ext uri="{D42A27DB-BD31-4B8C-83A1-F6EECF244321}">
-                <p14:modId xmlns:p14="http://schemas.microsoft.com/office/powerpoint/2010/main" val="3853514619"/>
+                <p14:modId xmlns:p14="http://schemas.microsoft.com/office/powerpoint/2010/main" val="373765465"/>
               </p:ext>
             </p:extLst>
           </p:nvPr>
         </p:nvGraphicFramePr>
         <p:xfrm>
-          <a:off x="6213920" y="4989883"/>
+          <a:off x="7489046" y="4894140"/>
           <a:ext cx="296861" cy="1465304"/>
         </p:xfrm>
         <a:graphic>
@@ -6396,13 +6397,13 @@
           <p:nvPr>
             <p:extLst>
               <p:ext uri="{D42A27DB-BD31-4B8C-83A1-F6EECF244321}">
-                <p14:modId xmlns:p14="http://schemas.microsoft.com/office/powerpoint/2010/main" val="2641366814"/>
+                <p14:modId xmlns:p14="http://schemas.microsoft.com/office/powerpoint/2010/main" val="746589638"/>
               </p:ext>
             </p:extLst>
           </p:nvPr>
         </p:nvGraphicFramePr>
         <p:xfrm>
-          <a:off x="6885571" y="1547742"/>
+          <a:off x="8160697" y="1451999"/>
           <a:ext cx="296861" cy="1465304"/>
         </p:xfrm>
         <a:graphic>
@@ -6527,13 +6528,13 @@
           <p:nvPr>
             <p:extLst>
               <p:ext uri="{D42A27DB-BD31-4B8C-83A1-F6EECF244321}">
-                <p14:modId xmlns:p14="http://schemas.microsoft.com/office/powerpoint/2010/main" val="336294351"/>
+                <p14:modId xmlns:p14="http://schemas.microsoft.com/office/powerpoint/2010/main" val="647637507"/>
               </p:ext>
             </p:extLst>
           </p:nvPr>
         </p:nvGraphicFramePr>
         <p:xfrm>
-          <a:off x="6886370" y="3958881"/>
+          <a:off x="8161496" y="3863138"/>
           <a:ext cx="296861" cy="1465304"/>
         </p:xfrm>
         <a:graphic>
@@ -6657,7 +6658,7 @@
         </p:nvSpPr>
         <p:spPr>
           <a:xfrm>
-            <a:off x="5670291" y="3321111"/>
+            <a:off x="6945417" y="3225368"/>
             <a:ext cx="806006" cy="584775"/>
           </a:xfrm>
           <a:prstGeom prst="rect">
@@ -6694,7 +6695,7 @@
         </p:nvSpPr>
         <p:spPr>
           <a:xfrm>
-            <a:off x="6576087" y="3328752"/>
+            <a:off x="7851213" y="3233009"/>
             <a:ext cx="806006" cy="584775"/>
           </a:xfrm>
           <a:prstGeom prst="rect">
@@ -6732,13 +6733,13 @@
           <p:nvPr>
             <p:extLst>
               <p:ext uri="{D42A27DB-BD31-4B8C-83A1-F6EECF244321}">
-                <p14:modId xmlns:p14="http://schemas.microsoft.com/office/powerpoint/2010/main" val="220164836"/>
+                <p14:modId xmlns:p14="http://schemas.microsoft.com/office/powerpoint/2010/main" val="1332965898"/>
               </p:ext>
             </p:extLst>
           </p:nvPr>
         </p:nvGraphicFramePr>
         <p:xfrm>
-          <a:off x="7663611" y="2148194"/>
+          <a:off x="8938737" y="2052451"/>
           <a:ext cx="296861" cy="2930608"/>
         </p:xfrm>
         <a:graphic>
@@ -6948,7 +6949,7 @@
         </p:nvSpPr>
         <p:spPr>
           <a:xfrm>
-            <a:off x="1510652" y="3342049"/>
+            <a:off x="1193099" y="3532148"/>
             <a:ext cx="240947" cy="202997"/>
           </a:xfrm>
           <a:prstGeom prst="rightArrow">
@@ -6985,23 +6986,24 @@
       </p:sp>
       <p:cxnSp>
         <p:nvCxnSpPr>
-          <p:cNvPr id="28" name="直接箭头连接符 27">
-            <a:extLst>
-              <a:ext uri="{FF2B5EF4-FFF2-40B4-BE49-F238E27FC236}">
-                <a16:creationId xmlns:a16="http://schemas.microsoft.com/office/drawing/2014/main" id="{EFB813BF-C8A1-49DA-99EC-44B8BD1726D2}"/>
+          <p:cNvPr id="41" name="直接箭头连接符 40">
+            <a:extLst>
+              <a:ext uri="{FF2B5EF4-FFF2-40B4-BE49-F238E27FC236}">
+                <a16:creationId xmlns:a16="http://schemas.microsoft.com/office/drawing/2014/main" id="{D5E8672F-DE60-410D-A5DF-BFECC7263BBC}"/>
               </a:ext>
             </a:extLst>
           </p:cNvPr>
           <p:cNvCxnSpPr>
             <a:cxnSpLocks/>
-            <a:endCxn id="9" idx="1"/>
+            <a:stCxn id="10" idx="3"/>
+            <a:endCxn id="17" idx="1"/>
           </p:cNvCxnSpPr>
           <p:nvPr/>
         </p:nvCxnSpPr>
         <p:spPr>
           <a:xfrm flipV="1">
-            <a:off x="3293707" y="1812142"/>
-            <a:ext cx="522515" cy="468252"/>
+            <a:off x="6575653" y="2656060"/>
+            <a:ext cx="905796" cy="261243"/>
           </a:xfrm>
           <a:prstGeom prst="straightConnector1">
             <a:avLst/>
@@ -7030,23 +7032,24 @@
       </p:cxnSp>
       <p:cxnSp>
         <p:nvCxnSpPr>
-          <p:cNvPr id="31" name="直接箭头连接符 30">
-            <a:extLst>
-              <a:ext uri="{FF2B5EF4-FFF2-40B4-BE49-F238E27FC236}">
-                <a16:creationId xmlns:a16="http://schemas.microsoft.com/office/drawing/2014/main" id="{D933BF6B-67B7-4A9A-BC8F-2DA52DD85DF8}"/>
+          <p:cNvPr id="44" name="直接箭头连接符 43">
+            <a:extLst>
+              <a:ext uri="{FF2B5EF4-FFF2-40B4-BE49-F238E27FC236}">
+                <a16:creationId xmlns:a16="http://schemas.microsoft.com/office/drawing/2014/main" id="{996C997B-5318-49DB-922C-DEB7B50DAF2E}"/>
               </a:ext>
             </a:extLst>
           </p:cNvPr>
           <p:cNvCxnSpPr>
             <a:cxnSpLocks/>
-            <a:endCxn id="10" idx="1"/>
+            <a:stCxn id="9" idx="3"/>
+            <a:endCxn id="16" idx="1"/>
           </p:cNvCxnSpPr>
           <p:nvPr/>
         </p:nvCxnSpPr>
         <p:spPr>
           <a:xfrm flipV="1">
-            <a:off x="3286305" y="3013046"/>
-            <a:ext cx="529917" cy="37314"/>
+            <a:off x="6575653" y="1451999"/>
+            <a:ext cx="380171" cy="264400"/>
           </a:xfrm>
           <a:prstGeom prst="straightConnector1">
             <a:avLst/>
@@ -7075,23 +7078,24 @@
       </p:cxnSp>
       <p:cxnSp>
         <p:nvCxnSpPr>
-          <p:cNvPr id="32" name="直接箭头连接符 31">
-            <a:extLst>
-              <a:ext uri="{FF2B5EF4-FFF2-40B4-BE49-F238E27FC236}">
-                <a16:creationId xmlns:a16="http://schemas.microsoft.com/office/drawing/2014/main" id="{0CE0DEF7-DD72-4D53-8F09-F0474E7CE18C}"/>
+          <p:cNvPr id="47" name="直接箭头连接符 46">
+            <a:extLst>
+              <a:ext uri="{FF2B5EF4-FFF2-40B4-BE49-F238E27FC236}">
+                <a16:creationId xmlns:a16="http://schemas.microsoft.com/office/drawing/2014/main" id="{FE956638-4682-4527-A874-ECF27D1DB363}"/>
               </a:ext>
             </a:extLst>
           </p:cNvPr>
           <p:cNvCxnSpPr>
             <a:cxnSpLocks/>
-            <a:endCxn id="11" idx="1"/>
+            <a:stCxn id="11" idx="3"/>
+            <a:endCxn id="18" idx="1"/>
           </p:cNvCxnSpPr>
           <p:nvPr/>
         </p:nvCxnSpPr>
         <p:spPr>
           <a:xfrm>
-            <a:off x="3302452" y="3807640"/>
-            <a:ext cx="513769" cy="406310"/>
+            <a:off x="6575652" y="4118207"/>
+            <a:ext cx="375586" cy="326342"/>
           </a:xfrm>
           <a:prstGeom prst="straightConnector1">
             <a:avLst/>
@@ -7120,23 +7124,24 @@
       </p:cxnSp>
       <p:cxnSp>
         <p:nvCxnSpPr>
-          <p:cNvPr id="35" name="直接箭头连接符 34">
-            <a:extLst>
-              <a:ext uri="{FF2B5EF4-FFF2-40B4-BE49-F238E27FC236}">
-                <a16:creationId xmlns:a16="http://schemas.microsoft.com/office/drawing/2014/main" id="{CC94E680-721F-4DAD-A6C6-A31070CCCD1B}"/>
+          <p:cNvPr id="50" name="直接箭头连接符 49">
+            <a:extLst>
+              <a:ext uri="{FF2B5EF4-FFF2-40B4-BE49-F238E27FC236}">
+                <a16:creationId xmlns:a16="http://schemas.microsoft.com/office/drawing/2014/main" id="{3D66A65A-8004-4ACD-A41E-3F84FBD904E4}"/>
               </a:ext>
             </a:extLst>
           </p:cNvPr>
           <p:cNvCxnSpPr>
             <a:cxnSpLocks/>
-            <a:endCxn id="12" idx="1"/>
+            <a:stCxn id="12" idx="3"/>
+            <a:endCxn id="19" idx="1"/>
           </p:cNvCxnSpPr>
           <p:nvPr/>
         </p:nvCxnSpPr>
         <p:spPr>
           <a:xfrm>
-            <a:off x="3312897" y="4562110"/>
-            <a:ext cx="503323" cy="852744"/>
+            <a:off x="6575651" y="5319111"/>
+            <a:ext cx="913395" cy="307681"/>
           </a:xfrm>
           <a:prstGeom prst="straightConnector1">
             <a:avLst/>
@@ -7165,24 +7170,23 @@
       </p:cxnSp>
       <p:cxnSp>
         <p:nvCxnSpPr>
-          <p:cNvPr id="41" name="直接箭头连接符 40">
-            <a:extLst>
-              <a:ext uri="{FF2B5EF4-FFF2-40B4-BE49-F238E27FC236}">
-                <a16:creationId xmlns:a16="http://schemas.microsoft.com/office/drawing/2014/main" id="{D5E8672F-DE60-410D-A5DF-BFECC7263BBC}"/>
+          <p:cNvPr id="53" name="直接箭头连接符 52">
+            <a:extLst>
+              <a:ext uri="{FF2B5EF4-FFF2-40B4-BE49-F238E27FC236}">
+                <a16:creationId xmlns:a16="http://schemas.microsoft.com/office/drawing/2014/main" id="{90C70B78-22D9-4235-B5B8-53E593F0F53D}"/>
               </a:ext>
             </a:extLst>
           </p:cNvPr>
           <p:cNvCxnSpPr>
             <a:cxnSpLocks/>
-            <a:stCxn id="10" idx="3"/>
-            <a:endCxn id="17" idx="1"/>
+            <a:stCxn id="19" idx="3"/>
           </p:cNvCxnSpPr>
           <p:nvPr/>
         </p:nvCxnSpPr>
         <p:spPr>
           <a:xfrm flipV="1">
-            <a:off x="5300527" y="2751803"/>
-            <a:ext cx="905796" cy="261243"/>
+            <a:off x="7785907" y="4952786"/>
+            <a:ext cx="374790" cy="674006"/>
           </a:xfrm>
           <a:prstGeom prst="straightConnector1">
             <a:avLst/>
@@ -7211,24 +7215,23 @@
       </p:cxnSp>
       <p:cxnSp>
         <p:nvCxnSpPr>
-          <p:cNvPr id="44" name="直接箭头连接符 43">
-            <a:extLst>
-              <a:ext uri="{FF2B5EF4-FFF2-40B4-BE49-F238E27FC236}">
-                <a16:creationId xmlns:a16="http://schemas.microsoft.com/office/drawing/2014/main" id="{996C997B-5318-49DB-922C-DEB7B50DAF2E}"/>
+          <p:cNvPr id="57" name="直接箭头连接符 56">
+            <a:extLst>
+              <a:ext uri="{FF2B5EF4-FFF2-40B4-BE49-F238E27FC236}">
+                <a16:creationId xmlns:a16="http://schemas.microsoft.com/office/drawing/2014/main" id="{8AEA2982-20E2-41F6-AEEA-4EAE1FA9ED2D}"/>
               </a:ext>
             </a:extLst>
           </p:cNvPr>
           <p:cNvCxnSpPr>
             <a:cxnSpLocks/>
-            <a:stCxn id="9" idx="3"/>
-            <a:endCxn id="16" idx="1"/>
+            <a:stCxn id="18" idx="3"/>
           </p:cNvCxnSpPr>
           <p:nvPr/>
         </p:nvCxnSpPr>
         <p:spPr>
           <a:xfrm flipV="1">
-            <a:off x="5300527" y="1547742"/>
-            <a:ext cx="380171" cy="264400"/>
+            <a:off x="7248099" y="4281379"/>
+            <a:ext cx="912598" cy="163170"/>
           </a:xfrm>
           <a:prstGeom prst="straightConnector1">
             <a:avLst/>
@@ -7257,24 +7260,23 @@
       </p:cxnSp>
       <p:cxnSp>
         <p:nvCxnSpPr>
-          <p:cNvPr id="47" name="直接箭头连接符 46">
-            <a:extLst>
-              <a:ext uri="{FF2B5EF4-FFF2-40B4-BE49-F238E27FC236}">
-                <a16:creationId xmlns:a16="http://schemas.microsoft.com/office/drawing/2014/main" id="{FE956638-4682-4527-A874-ECF27D1DB363}"/>
+          <p:cNvPr id="60" name="直接箭头连接符 59">
+            <a:extLst>
+              <a:ext uri="{FF2B5EF4-FFF2-40B4-BE49-F238E27FC236}">
+                <a16:creationId xmlns:a16="http://schemas.microsoft.com/office/drawing/2014/main" id="{B5E91012-7872-41F0-9DA5-6C6A79B1B758}"/>
               </a:ext>
             </a:extLst>
           </p:cNvPr>
           <p:cNvCxnSpPr>
             <a:cxnSpLocks/>
-            <a:stCxn id="11" idx="3"/>
-            <a:endCxn id="18" idx="1"/>
+            <a:stCxn id="17" idx="3"/>
           </p:cNvCxnSpPr>
           <p:nvPr/>
         </p:nvCxnSpPr>
         <p:spPr>
-          <a:xfrm>
-            <a:off x="5300526" y="4213950"/>
-            <a:ext cx="375586" cy="326342"/>
+          <a:xfrm flipV="1">
+            <a:off x="7778310" y="2550978"/>
+            <a:ext cx="382387" cy="105082"/>
           </a:xfrm>
           <a:prstGeom prst="straightConnector1">
             <a:avLst/>
@@ -7303,24 +7305,23 @@
       </p:cxnSp>
       <p:cxnSp>
         <p:nvCxnSpPr>
-          <p:cNvPr id="50" name="直接箭头连接符 49">
-            <a:extLst>
-              <a:ext uri="{FF2B5EF4-FFF2-40B4-BE49-F238E27FC236}">
-                <a16:creationId xmlns:a16="http://schemas.microsoft.com/office/drawing/2014/main" id="{3D66A65A-8004-4ACD-A41E-3F84FBD904E4}"/>
+          <p:cNvPr id="63" name="直接箭头连接符 62">
+            <a:extLst>
+              <a:ext uri="{FF2B5EF4-FFF2-40B4-BE49-F238E27FC236}">
+                <a16:creationId xmlns:a16="http://schemas.microsoft.com/office/drawing/2014/main" id="{29721B02-BA3F-45AF-9BFF-C37394119373}"/>
               </a:ext>
             </a:extLst>
           </p:cNvPr>
           <p:cNvCxnSpPr>
             <a:cxnSpLocks/>
-            <a:stCxn id="12" idx="3"/>
-            <a:endCxn id="19" idx="1"/>
+            <a:stCxn id="16" idx="3"/>
           </p:cNvCxnSpPr>
           <p:nvPr/>
         </p:nvCxnSpPr>
         <p:spPr>
           <a:xfrm>
-            <a:off x="5300525" y="5414854"/>
-            <a:ext cx="913395" cy="307681"/>
+            <a:off x="7240502" y="1451999"/>
+            <a:ext cx="920195" cy="355234"/>
           </a:xfrm>
           <a:prstGeom prst="straightConnector1">
             <a:avLst/>
@@ -7347,25 +7348,384 @@
           </a:fontRef>
         </p:style>
       </p:cxnSp>
+      <p:sp>
+        <p:nvSpPr>
+          <p:cNvPr id="66" name="矩形: 圆角 65">
+            <a:extLst>
+              <a:ext uri="{FF2B5EF4-FFF2-40B4-BE49-F238E27FC236}">
+                <a16:creationId xmlns:a16="http://schemas.microsoft.com/office/drawing/2014/main" id="{7FA4CEDD-32D2-43E9-8EF9-92C1B78425EB}"/>
+              </a:ext>
+            </a:extLst>
+          </p:cNvPr>
+          <p:cNvSpPr/>
+          <p:nvPr/>
+        </p:nvSpPr>
+        <p:spPr>
+          <a:xfrm>
+            <a:off x="9627703" y="1407972"/>
+            <a:ext cx="811763" cy="457160"/>
+          </a:xfrm>
+          <a:prstGeom prst="roundRect">
+            <a:avLst/>
+          </a:prstGeom>
+          <a:solidFill>
+            <a:schemeClr val="accent3"/>
+          </a:solidFill>
+        </p:spPr>
+        <p:style>
+          <a:lnRef idx="2">
+            <a:schemeClr val="accent1">
+              <a:shade val="50000"/>
+            </a:schemeClr>
+          </a:lnRef>
+          <a:fillRef idx="1">
+            <a:schemeClr val="accent1"/>
+          </a:fillRef>
+          <a:effectRef idx="0">
+            <a:schemeClr val="accent1"/>
+          </a:effectRef>
+          <a:fontRef idx="minor">
+            <a:schemeClr val="lt1"/>
+          </a:fontRef>
+        </p:style>
+        <p:txBody>
+          <a:bodyPr rtlCol="0" anchor="ctr"/>
+          <a:lstStyle/>
+          <a:p>
+            <a:pPr algn="ctr"/>
+            <a:r>
+              <a:rPr lang="en-US" altLang="zh-CN" dirty="0"/>
+              <a:t>LSTM</a:t>
+            </a:r>
+            <a:endParaRPr lang="zh-CN" altLang="en-US" dirty="0"/>
+          </a:p>
+        </p:txBody>
+      </p:sp>
+      <p:sp>
+        <p:nvSpPr>
+          <p:cNvPr id="67" name="矩形: 圆角 66">
+            <a:extLst>
+              <a:ext uri="{FF2B5EF4-FFF2-40B4-BE49-F238E27FC236}">
+                <a16:creationId xmlns:a16="http://schemas.microsoft.com/office/drawing/2014/main" id="{74B0727A-2238-4198-B0A6-3FF039707B00}"/>
+              </a:ext>
+            </a:extLst>
+          </p:cNvPr>
+          <p:cNvSpPr/>
+          <p:nvPr/>
+        </p:nvSpPr>
+        <p:spPr>
+          <a:xfrm>
+            <a:off x="9627703" y="2148101"/>
+            <a:ext cx="811763" cy="457160"/>
+          </a:xfrm>
+          <a:prstGeom prst="roundRect">
+            <a:avLst/>
+          </a:prstGeom>
+          <a:solidFill>
+            <a:schemeClr val="accent3"/>
+          </a:solidFill>
+        </p:spPr>
+        <p:style>
+          <a:lnRef idx="2">
+            <a:schemeClr val="accent1">
+              <a:shade val="50000"/>
+            </a:schemeClr>
+          </a:lnRef>
+          <a:fillRef idx="1">
+            <a:schemeClr val="accent1"/>
+          </a:fillRef>
+          <a:effectRef idx="0">
+            <a:schemeClr val="accent1"/>
+          </a:effectRef>
+          <a:fontRef idx="minor">
+            <a:schemeClr val="lt1"/>
+          </a:fontRef>
+        </p:style>
+        <p:txBody>
+          <a:bodyPr rtlCol="0" anchor="ctr"/>
+          <a:lstStyle/>
+          <a:p>
+            <a:pPr algn="ctr"/>
+            <a:r>
+              <a:rPr lang="en-US" altLang="zh-CN" dirty="0"/>
+              <a:t>LSTM</a:t>
+            </a:r>
+            <a:endParaRPr lang="zh-CN" altLang="en-US" dirty="0"/>
+          </a:p>
+        </p:txBody>
+      </p:sp>
+      <p:sp>
+        <p:nvSpPr>
+          <p:cNvPr id="68" name="矩形: 圆角 67">
+            <a:extLst>
+              <a:ext uri="{FF2B5EF4-FFF2-40B4-BE49-F238E27FC236}">
+                <a16:creationId xmlns:a16="http://schemas.microsoft.com/office/drawing/2014/main" id="{73124CF2-B9F2-4C3F-BA3B-3FF0DEFCF010}"/>
+              </a:ext>
+            </a:extLst>
+          </p:cNvPr>
+          <p:cNvSpPr/>
+          <p:nvPr/>
+        </p:nvSpPr>
+        <p:spPr>
+          <a:xfrm>
+            <a:off x="9627702" y="2871499"/>
+            <a:ext cx="811763" cy="457160"/>
+          </a:xfrm>
+          <a:prstGeom prst="roundRect">
+            <a:avLst/>
+          </a:prstGeom>
+          <a:solidFill>
+            <a:schemeClr val="accent3"/>
+          </a:solidFill>
+        </p:spPr>
+        <p:style>
+          <a:lnRef idx="2">
+            <a:schemeClr val="accent1">
+              <a:shade val="50000"/>
+            </a:schemeClr>
+          </a:lnRef>
+          <a:fillRef idx="1">
+            <a:schemeClr val="accent1"/>
+          </a:fillRef>
+          <a:effectRef idx="0">
+            <a:schemeClr val="accent1"/>
+          </a:effectRef>
+          <a:fontRef idx="minor">
+            <a:schemeClr val="lt1"/>
+          </a:fontRef>
+        </p:style>
+        <p:txBody>
+          <a:bodyPr rtlCol="0" anchor="ctr"/>
+          <a:lstStyle/>
+          <a:p>
+            <a:pPr algn="ctr"/>
+            <a:r>
+              <a:rPr lang="en-US" altLang="zh-CN" dirty="0"/>
+              <a:t>LSTM</a:t>
+            </a:r>
+            <a:endParaRPr lang="zh-CN" altLang="en-US" dirty="0"/>
+          </a:p>
+        </p:txBody>
+      </p:sp>
+      <p:sp>
+        <p:nvSpPr>
+          <p:cNvPr id="69" name="矩形: 圆角 68">
+            <a:extLst>
+              <a:ext uri="{FF2B5EF4-FFF2-40B4-BE49-F238E27FC236}">
+                <a16:creationId xmlns:a16="http://schemas.microsoft.com/office/drawing/2014/main" id="{56A33906-13DC-46BD-90D4-9C7A15403A4E}"/>
+              </a:ext>
+            </a:extLst>
+          </p:cNvPr>
+          <p:cNvSpPr/>
+          <p:nvPr/>
+        </p:nvSpPr>
+        <p:spPr>
+          <a:xfrm>
+            <a:off x="9649740" y="3611628"/>
+            <a:ext cx="811763" cy="457160"/>
+          </a:xfrm>
+          <a:prstGeom prst="roundRect">
+            <a:avLst/>
+          </a:prstGeom>
+          <a:solidFill>
+            <a:schemeClr val="accent3"/>
+          </a:solidFill>
+        </p:spPr>
+        <p:style>
+          <a:lnRef idx="2">
+            <a:schemeClr val="accent1">
+              <a:shade val="50000"/>
+            </a:schemeClr>
+          </a:lnRef>
+          <a:fillRef idx="1">
+            <a:schemeClr val="accent1"/>
+          </a:fillRef>
+          <a:effectRef idx="0">
+            <a:schemeClr val="accent1"/>
+          </a:effectRef>
+          <a:fontRef idx="minor">
+            <a:schemeClr val="lt1"/>
+          </a:fontRef>
+        </p:style>
+        <p:txBody>
+          <a:bodyPr rtlCol="0" anchor="ctr"/>
+          <a:lstStyle/>
+          <a:p>
+            <a:pPr algn="ctr"/>
+            <a:r>
+              <a:rPr lang="en-US" altLang="zh-CN" dirty="0"/>
+              <a:t>LSTM</a:t>
+            </a:r>
+            <a:endParaRPr lang="zh-CN" altLang="en-US" dirty="0"/>
+          </a:p>
+        </p:txBody>
+      </p:sp>
+      <p:sp>
+        <p:nvSpPr>
+          <p:cNvPr id="70" name="矩形: 圆角 69">
+            <a:extLst>
+              <a:ext uri="{FF2B5EF4-FFF2-40B4-BE49-F238E27FC236}">
+                <a16:creationId xmlns:a16="http://schemas.microsoft.com/office/drawing/2014/main" id="{1F03027C-7B81-4DB0-9AFE-B5FBCAD24E31}"/>
+              </a:ext>
+            </a:extLst>
+          </p:cNvPr>
+          <p:cNvSpPr/>
+          <p:nvPr/>
+        </p:nvSpPr>
+        <p:spPr>
+          <a:xfrm>
+            <a:off x="9649740" y="4351757"/>
+            <a:ext cx="811763" cy="457160"/>
+          </a:xfrm>
+          <a:prstGeom prst="roundRect">
+            <a:avLst/>
+          </a:prstGeom>
+          <a:solidFill>
+            <a:schemeClr val="accent3"/>
+          </a:solidFill>
+        </p:spPr>
+        <p:style>
+          <a:lnRef idx="2">
+            <a:schemeClr val="accent1">
+              <a:shade val="50000"/>
+            </a:schemeClr>
+          </a:lnRef>
+          <a:fillRef idx="1">
+            <a:schemeClr val="accent1"/>
+          </a:fillRef>
+          <a:effectRef idx="0">
+            <a:schemeClr val="accent1"/>
+          </a:effectRef>
+          <a:fontRef idx="minor">
+            <a:schemeClr val="lt1"/>
+          </a:fontRef>
+        </p:style>
+        <p:txBody>
+          <a:bodyPr rtlCol="0" anchor="ctr"/>
+          <a:lstStyle/>
+          <a:p>
+            <a:pPr algn="ctr"/>
+            <a:r>
+              <a:rPr lang="en-US" altLang="zh-CN" dirty="0"/>
+              <a:t>LSTM</a:t>
+            </a:r>
+            <a:endParaRPr lang="zh-CN" altLang="en-US" dirty="0"/>
+          </a:p>
+        </p:txBody>
+      </p:sp>
+      <p:sp>
+        <p:nvSpPr>
+          <p:cNvPr id="71" name="矩形: 圆角 70">
+            <a:extLst>
+              <a:ext uri="{FF2B5EF4-FFF2-40B4-BE49-F238E27FC236}">
+                <a16:creationId xmlns:a16="http://schemas.microsoft.com/office/drawing/2014/main" id="{8BB2682D-D29C-4CD5-BC62-8689549F00D7}"/>
+              </a:ext>
+            </a:extLst>
+          </p:cNvPr>
+          <p:cNvSpPr/>
+          <p:nvPr/>
+        </p:nvSpPr>
+        <p:spPr>
+          <a:xfrm>
+            <a:off x="9649739" y="5075155"/>
+            <a:ext cx="811763" cy="457160"/>
+          </a:xfrm>
+          <a:prstGeom prst="roundRect">
+            <a:avLst/>
+          </a:prstGeom>
+          <a:solidFill>
+            <a:schemeClr val="accent3"/>
+          </a:solidFill>
+        </p:spPr>
+        <p:style>
+          <a:lnRef idx="2">
+            <a:schemeClr val="accent1">
+              <a:shade val="50000"/>
+            </a:schemeClr>
+          </a:lnRef>
+          <a:fillRef idx="1">
+            <a:schemeClr val="accent1"/>
+          </a:fillRef>
+          <a:effectRef idx="0">
+            <a:schemeClr val="accent1"/>
+          </a:effectRef>
+          <a:fontRef idx="minor">
+            <a:schemeClr val="lt1"/>
+          </a:fontRef>
+        </p:style>
+        <p:txBody>
+          <a:bodyPr rtlCol="0" anchor="ctr"/>
+          <a:lstStyle/>
+          <a:p>
+            <a:pPr algn="ctr"/>
+            <a:r>
+              <a:rPr lang="en-US" altLang="zh-CN" dirty="0"/>
+              <a:t>LSTM</a:t>
+            </a:r>
+            <a:endParaRPr lang="zh-CN" altLang="en-US" dirty="0"/>
+          </a:p>
+        </p:txBody>
+      </p:sp>
+      <p:sp>
+        <p:nvSpPr>
+          <p:cNvPr id="72" name="文本框 71">
+            <a:extLst>
+              <a:ext uri="{FF2B5EF4-FFF2-40B4-BE49-F238E27FC236}">
+                <a16:creationId xmlns:a16="http://schemas.microsoft.com/office/drawing/2014/main" id="{6564469A-CAB5-469F-98F4-85C36D4B419D}"/>
+              </a:ext>
+            </a:extLst>
+          </p:cNvPr>
+          <p:cNvSpPr txBox="1"/>
+          <p:nvPr/>
+        </p:nvSpPr>
+        <p:spPr>
+          <a:xfrm>
+            <a:off x="9321124" y="487369"/>
+            <a:ext cx="1484305" cy="380201"/>
+          </a:xfrm>
+          <a:prstGeom prst="rect">
+            <a:avLst/>
+          </a:prstGeom>
+          <a:noFill/>
+        </p:spPr>
+        <p:txBody>
+          <a:bodyPr wrap="square" rtlCol="0">
+            <a:spAutoFit/>
+          </a:bodyPr>
+          <a:lstStyle/>
+          <a:p>
+            <a:pPr algn="ctr"/>
+            <a:r>
+              <a:rPr lang="en-US" altLang="zh-CN" dirty="0"/>
+              <a:t>LSTM</a:t>
+            </a:r>
+            <a:r>
+              <a:rPr lang="zh-CN" altLang="en-US" dirty="0"/>
+              <a:t>层</a:t>
+            </a:r>
+          </a:p>
+        </p:txBody>
+      </p:sp>
       <p:cxnSp>
         <p:nvCxnSpPr>
-          <p:cNvPr id="53" name="直接箭头连接符 52">
-            <a:extLst>
-              <a:ext uri="{FF2B5EF4-FFF2-40B4-BE49-F238E27FC236}">
-                <a16:creationId xmlns:a16="http://schemas.microsoft.com/office/drawing/2014/main" id="{90C70B78-22D9-4235-B5B8-53E593F0F53D}"/>
+          <p:cNvPr id="73" name="直接箭头连接符 72">
+            <a:extLst>
+              <a:ext uri="{FF2B5EF4-FFF2-40B4-BE49-F238E27FC236}">
+                <a16:creationId xmlns:a16="http://schemas.microsoft.com/office/drawing/2014/main" id="{B6BDC900-12EA-4D30-BCFE-344D7E1EBD71}"/>
               </a:ext>
             </a:extLst>
           </p:cNvPr>
           <p:cNvCxnSpPr>
             <a:cxnSpLocks/>
-            <a:stCxn id="19" idx="3"/>
+            <a:stCxn id="66" idx="2"/>
+            <a:endCxn id="67" idx="0"/>
           </p:cNvCxnSpPr>
           <p:nvPr/>
         </p:nvCxnSpPr>
         <p:spPr>
-          <a:xfrm flipV="1">
-            <a:off x="6510781" y="5048529"/>
-            <a:ext cx="374790" cy="674006"/>
+          <a:xfrm>
+            <a:off x="10033585" y="1865132"/>
+            <a:ext cx="0" cy="282969"/>
           </a:xfrm>
           <a:prstGeom prst="straightConnector1">
             <a:avLst/>
@@ -7394,23 +7754,22 @@
       </p:cxnSp>
       <p:cxnSp>
         <p:nvCxnSpPr>
-          <p:cNvPr id="57" name="直接箭头连接符 56">
-            <a:extLst>
-              <a:ext uri="{FF2B5EF4-FFF2-40B4-BE49-F238E27FC236}">
-                <a16:creationId xmlns:a16="http://schemas.microsoft.com/office/drawing/2014/main" id="{8AEA2982-20E2-41F6-AEEA-4EAE1FA9ED2D}"/>
+          <p:cNvPr id="76" name="直接箭头连接符 75">
+            <a:extLst>
+              <a:ext uri="{FF2B5EF4-FFF2-40B4-BE49-F238E27FC236}">
+                <a16:creationId xmlns:a16="http://schemas.microsoft.com/office/drawing/2014/main" id="{AE5F25E8-09E9-4CD6-80C3-F17127ABFF99}"/>
               </a:ext>
             </a:extLst>
           </p:cNvPr>
           <p:cNvCxnSpPr>
             <a:cxnSpLocks/>
-            <a:stCxn id="18" idx="3"/>
           </p:cNvCxnSpPr>
           <p:nvPr/>
         </p:nvCxnSpPr>
         <p:spPr>
-          <a:xfrm flipV="1">
-            <a:off x="5972973" y="4377122"/>
-            <a:ext cx="912598" cy="163170"/>
+          <a:xfrm>
+            <a:off x="10032029" y="2605261"/>
+            <a:ext cx="0" cy="282969"/>
           </a:xfrm>
           <a:prstGeom prst="straightConnector1">
             <a:avLst/>
@@ -7439,23 +7798,22 @@
       </p:cxnSp>
       <p:cxnSp>
         <p:nvCxnSpPr>
-          <p:cNvPr id="60" name="直接箭头连接符 59">
-            <a:extLst>
-              <a:ext uri="{FF2B5EF4-FFF2-40B4-BE49-F238E27FC236}">
-                <a16:creationId xmlns:a16="http://schemas.microsoft.com/office/drawing/2014/main" id="{B5E91012-7872-41F0-9DA5-6C6A79B1B758}"/>
+          <p:cNvPr id="77" name="直接箭头连接符 76">
+            <a:extLst>
+              <a:ext uri="{FF2B5EF4-FFF2-40B4-BE49-F238E27FC236}">
+                <a16:creationId xmlns:a16="http://schemas.microsoft.com/office/drawing/2014/main" id="{4CE362F0-D7D3-4221-AAE1-F7EBE42D31F5}"/>
               </a:ext>
             </a:extLst>
           </p:cNvPr>
           <p:cNvCxnSpPr>
             <a:cxnSpLocks/>
-            <a:stCxn id="17" idx="3"/>
           </p:cNvCxnSpPr>
           <p:nvPr/>
         </p:nvCxnSpPr>
         <p:spPr>
-          <a:xfrm flipV="1">
-            <a:off x="6503184" y="2646721"/>
-            <a:ext cx="382387" cy="105082"/>
+          <a:xfrm>
+            <a:off x="10026074" y="3321018"/>
+            <a:ext cx="0" cy="282969"/>
           </a:xfrm>
           <a:prstGeom prst="straightConnector1">
             <a:avLst/>
@@ -7484,23 +7842,22 @@
       </p:cxnSp>
       <p:cxnSp>
         <p:nvCxnSpPr>
-          <p:cNvPr id="63" name="直接箭头连接符 62">
-            <a:extLst>
-              <a:ext uri="{FF2B5EF4-FFF2-40B4-BE49-F238E27FC236}">
-                <a16:creationId xmlns:a16="http://schemas.microsoft.com/office/drawing/2014/main" id="{29721B02-BA3F-45AF-9BFF-C37394119373}"/>
+          <p:cNvPr id="78" name="直接箭头连接符 77">
+            <a:extLst>
+              <a:ext uri="{FF2B5EF4-FFF2-40B4-BE49-F238E27FC236}">
+                <a16:creationId xmlns:a16="http://schemas.microsoft.com/office/drawing/2014/main" id="{C709A06D-E1B8-496C-8B1D-2DF1EB60A138}"/>
               </a:ext>
             </a:extLst>
           </p:cNvPr>
           <p:cNvCxnSpPr>
             <a:cxnSpLocks/>
-            <a:stCxn id="16" idx="3"/>
           </p:cNvCxnSpPr>
           <p:nvPr/>
         </p:nvCxnSpPr>
         <p:spPr>
           <a:xfrm>
-            <a:off x="5965376" y="1547742"/>
-            <a:ext cx="920195" cy="355234"/>
+            <a:off x="10033583" y="4068788"/>
+            <a:ext cx="0" cy="282969"/>
           </a:xfrm>
           <a:prstGeom prst="straightConnector1">
             <a:avLst/>
@@ -7527,383 +7884,23 @@
           </a:fontRef>
         </p:style>
       </p:cxnSp>
-      <p:sp>
-        <p:nvSpPr>
-          <p:cNvPr id="66" name="矩形: 圆角 65">
-            <a:extLst>
-              <a:ext uri="{FF2B5EF4-FFF2-40B4-BE49-F238E27FC236}">
-                <a16:creationId xmlns:a16="http://schemas.microsoft.com/office/drawing/2014/main" id="{7FA4CEDD-32D2-43E9-8EF9-92C1B78425EB}"/>
-              </a:ext>
-            </a:extLst>
-          </p:cNvPr>
-          <p:cNvSpPr/>
-          <p:nvPr/>
-        </p:nvSpPr>
-        <p:spPr>
-          <a:xfrm>
-            <a:off x="8352577" y="1503715"/>
-            <a:ext cx="811763" cy="457160"/>
-          </a:xfrm>
-          <a:prstGeom prst="roundRect">
-            <a:avLst/>
-          </a:prstGeom>
-          <a:solidFill>
-            <a:schemeClr val="accent3"/>
-          </a:solidFill>
-        </p:spPr>
-        <p:style>
-          <a:lnRef idx="2">
-            <a:schemeClr val="accent1">
-              <a:shade val="50000"/>
-            </a:schemeClr>
-          </a:lnRef>
-          <a:fillRef idx="1">
-            <a:schemeClr val="accent1"/>
-          </a:fillRef>
-          <a:effectRef idx="0">
-            <a:schemeClr val="accent1"/>
-          </a:effectRef>
-          <a:fontRef idx="minor">
-            <a:schemeClr val="lt1"/>
-          </a:fontRef>
-        </p:style>
-        <p:txBody>
-          <a:bodyPr rtlCol="0" anchor="ctr"/>
-          <a:lstStyle/>
-          <a:p>
-            <a:pPr algn="ctr"/>
-            <a:r>
-              <a:rPr lang="en-US" altLang="zh-CN" dirty="0"/>
-              <a:t>LSTM</a:t>
-            </a:r>
-            <a:endParaRPr lang="zh-CN" altLang="en-US" dirty="0"/>
-          </a:p>
-        </p:txBody>
-      </p:sp>
-      <p:sp>
-        <p:nvSpPr>
-          <p:cNvPr id="67" name="矩形: 圆角 66">
-            <a:extLst>
-              <a:ext uri="{FF2B5EF4-FFF2-40B4-BE49-F238E27FC236}">
-                <a16:creationId xmlns:a16="http://schemas.microsoft.com/office/drawing/2014/main" id="{74B0727A-2238-4198-B0A6-3FF039707B00}"/>
-              </a:ext>
-            </a:extLst>
-          </p:cNvPr>
-          <p:cNvSpPr/>
-          <p:nvPr/>
-        </p:nvSpPr>
-        <p:spPr>
-          <a:xfrm>
-            <a:off x="8352577" y="2243844"/>
-            <a:ext cx="811763" cy="457160"/>
-          </a:xfrm>
-          <a:prstGeom prst="roundRect">
-            <a:avLst/>
-          </a:prstGeom>
-          <a:solidFill>
-            <a:schemeClr val="accent3"/>
-          </a:solidFill>
-        </p:spPr>
-        <p:style>
-          <a:lnRef idx="2">
-            <a:schemeClr val="accent1">
-              <a:shade val="50000"/>
-            </a:schemeClr>
-          </a:lnRef>
-          <a:fillRef idx="1">
-            <a:schemeClr val="accent1"/>
-          </a:fillRef>
-          <a:effectRef idx="0">
-            <a:schemeClr val="accent1"/>
-          </a:effectRef>
-          <a:fontRef idx="minor">
-            <a:schemeClr val="lt1"/>
-          </a:fontRef>
-        </p:style>
-        <p:txBody>
-          <a:bodyPr rtlCol="0" anchor="ctr"/>
-          <a:lstStyle/>
-          <a:p>
-            <a:pPr algn="ctr"/>
-            <a:r>
-              <a:rPr lang="en-US" altLang="zh-CN" dirty="0"/>
-              <a:t>LSTM</a:t>
-            </a:r>
-            <a:endParaRPr lang="zh-CN" altLang="en-US" dirty="0"/>
-          </a:p>
-        </p:txBody>
-      </p:sp>
-      <p:sp>
-        <p:nvSpPr>
-          <p:cNvPr id="68" name="矩形: 圆角 67">
-            <a:extLst>
-              <a:ext uri="{FF2B5EF4-FFF2-40B4-BE49-F238E27FC236}">
-                <a16:creationId xmlns:a16="http://schemas.microsoft.com/office/drawing/2014/main" id="{73124CF2-B9F2-4C3F-BA3B-3FF0DEFCF010}"/>
-              </a:ext>
-            </a:extLst>
-          </p:cNvPr>
-          <p:cNvSpPr/>
-          <p:nvPr/>
-        </p:nvSpPr>
-        <p:spPr>
-          <a:xfrm>
-            <a:off x="8352576" y="2967242"/>
-            <a:ext cx="811763" cy="457160"/>
-          </a:xfrm>
-          <a:prstGeom prst="roundRect">
-            <a:avLst/>
-          </a:prstGeom>
-          <a:solidFill>
-            <a:schemeClr val="accent3"/>
-          </a:solidFill>
-        </p:spPr>
-        <p:style>
-          <a:lnRef idx="2">
-            <a:schemeClr val="accent1">
-              <a:shade val="50000"/>
-            </a:schemeClr>
-          </a:lnRef>
-          <a:fillRef idx="1">
-            <a:schemeClr val="accent1"/>
-          </a:fillRef>
-          <a:effectRef idx="0">
-            <a:schemeClr val="accent1"/>
-          </a:effectRef>
-          <a:fontRef idx="minor">
-            <a:schemeClr val="lt1"/>
-          </a:fontRef>
-        </p:style>
-        <p:txBody>
-          <a:bodyPr rtlCol="0" anchor="ctr"/>
-          <a:lstStyle/>
-          <a:p>
-            <a:pPr algn="ctr"/>
-            <a:r>
-              <a:rPr lang="en-US" altLang="zh-CN" dirty="0"/>
-              <a:t>LSTM</a:t>
-            </a:r>
-            <a:endParaRPr lang="zh-CN" altLang="en-US" dirty="0"/>
-          </a:p>
-        </p:txBody>
-      </p:sp>
-      <p:sp>
-        <p:nvSpPr>
-          <p:cNvPr id="69" name="矩形: 圆角 68">
-            <a:extLst>
-              <a:ext uri="{FF2B5EF4-FFF2-40B4-BE49-F238E27FC236}">
-                <a16:creationId xmlns:a16="http://schemas.microsoft.com/office/drawing/2014/main" id="{56A33906-13DC-46BD-90D4-9C7A15403A4E}"/>
-              </a:ext>
-            </a:extLst>
-          </p:cNvPr>
-          <p:cNvSpPr/>
-          <p:nvPr/>
-        </p:nvSpPr>
-        <p:spPr>
-          <a:xfrm>
-            <a:off x="8374614" y="3707371"/>
-            <a:ext cx="811763" cy="457160"/>
-          </a:xfrm>
-          <a:prstGeom prst="roundRect">
-            <a:avLst/>
-          </a:prstGeom>
-          <a:solidFill>
-            <a:schemeClr val="accent3"/>
-          </a:solidFill>
-        </p:spPr>
-        <p:style>
-          <a:lnRef idx="2">
-            <a:schemeClr val="accent1">
-              <a:shade val="50000"/>
-            </a:schemeClr>
-          </a:lnRef>
-          <a:fillRef idx="1">
-            <a:schemeClr val="accent1"/>
-          </a:fillRef>
-          <a:effectRef idx="0">
-            <a:schemeClr val="accent1"/>
-          </a:effectRef>
-          <a:fontRef idx="minor">
-            <a:schemeClr val="lt1"/>
-          </a:fontRef>
-        </p:style>
-        <p:txBody>
-          <a:bodyPr rtlCol="0" anchor="ctr"/>
-          <a:lstStyle/>
-          <a:p>
-            <a:pPr algn="ctr"/>
-            <a:r>
-              <a:rPr lang="en-US" altLang="zh-CN" dirty="0"/>
-              <a:t>LSTM</a:t>
-            </a:r>
-            <a:endParaRPr lang="zh-CN" altLang="en-US" dirty="0"/>
-          </a:p>
-        </p:txBody>
-      </p:sp>
-      <p:sp>
-        <p:nvSpPr>
-          <p:cNvPr id="70" name="矩形: 圆角 69">
-            <a:extLst>
-              <a:ext uri="{FF2B5EF4-FFF2-40B4-BE49-F238E27FC236}">
-                <a16:creationId xmlns:a16="http://schemas.microsoft.com/office/drawing/2014/main" id="{1F03027C-7B81-4DB0-9AFE-B5FBCAD24E31}"/>
-              </a:ext>
-            </a:extLst>
-          </p:cNvPr>
-          <p:cNvSpPr/>
-          <p:nvPr/>
-        </p:nvSpPr>
-        <p:spPr>
-          <a:xfrm>
-            <a:off x="8374614" y="4447500"/>
-            <a:ext cx="811763" cy="457160"/>
-          </a:xfrm>
-          <a:prstGeom prst="roundRect">
-            <a:avLst/>
-          </a:prstGeom>
-          <a:solidFill>
-            <a:schemeClr val="accent3"/>
-          </a:solidFill>
-        </p:spPr>
-        <p:style>
-          <a:lnRef idx="2">
-            <a:schemeClr val="accent1">
-              <a:shade val="50000"/>
-            </a:schemeClr>
-          </a:lnRef>
-          <a:fillRef idx="1">
-            <a:schemeClr val="accent1"/>
-          </a:fillRef>
-          <a:effectRef idx="0">
-            <a:schemeClr val="accent1"/>
-          </a:effectRef>
-          <a:fontRef idx="minor">
-            <a:schemeClr val="lt1"/>
-          </a:fontRef>
-        </p:style>
-        <p:txBody>
-          <a:bodyPr rtlCol="0" anchor="ctr"/>
-          <a:lstStyle/>
-          <a:p>
-            <a:pPr algn="ctr"/>
-            <a:r>
-              <a:rPr lang="en-US" altLang="zh-CN" dirty="0"/>
-              <a:t>LSTM</a:t>
-            </a:r>
-            <a:endParaRPr lang="zh-CN" altLang="en-US" dirty="0"/>
-          </a:p>
-        </p:txBody>
-      </p:sp>
-      <p:sp>
-        <p:nvSpPr>
-          <p:cNvPr id="71" name="矩形: 圆角 70">
-            <a:extLst>
-              <a:ext uri="{FF2B5EF4-FFF2-40B4-BE49-F238E27FC236}">
-                <a16:creationId xmlns:a16="http://schemas.microsoft.com/office/drawing/2014/main" id="{8BB2682D-D29C-4CD5-BC62-8689549F00D7}"/>
-              </a:ext>
-            </a:extLst>
-          </p:cNvPr>
-          <p:cNvSpPr/>
-          <p:nvPr/>
-        </p:nvSpPr>
-        <p:spPr>
-          <a:xfrm>
-            <a:off x="8374613" y="5170898"/>
-            <a:ext cx="811763" cy="457160"/>
-          </a:xfrm>
-          <a:prstGeom prst="roundRect">
-            <a:avLst/>
-          </a:prstGeom>
-          <a:solidFill>
-            <a:schemeClr val="accent3"/>
-          </a:solidFill>
-        </p:spPr>
-        <p:style>
-          <a:lnRef idx="2">
-            <a:schemeClr val="accent1">
-              <a:shade val="50000"/>
-            </a:schemeClr>
-          </a:lnRef>
-          <a:fillRef idx="1">
-            <a:schemeClr val="accent1"/>
-          </a:fillRef>
-          <a:effectRef idx="0">
-            <a:schemeClr val="accent1"/>
-          </a:effectRef>
-          <a:fontRef idx="minor">
-            <a:schemeClr val="lt1"/>
-          </a:fontRef>
-        </p:style>
-        <p:txBody>
-          <a:bodyPr rtlCol="0" anchor="ctr"/>
-          <a:lstStyle/>
-          <a:p>
-            <a:pPr algn="ctr"/>
-            <a:r>
-              <a:rPr lang="en-US" altLang="zh-CN" dirty="0"/>
-              <a:t>LSTM</a:t>
-            </a:r>
-            <a:endParaRPr lang="zh-CN" altLang="en-US" dirty="0"/>
-          </a:p>
-        </p:txBody>
-      </p:sp>
-      <p:sp>
-        <p:nvSpPr>
-          <p:cNvPr id="72" name="文本框 71">
-            <a:extLst>
-              <a:ext uri="{FF2B5EF4-FFF2-40B4-BE49-F238E27FC236}">
-                <a16:creationId xmlns:a16="http://schemas.microsoft.com/office/drawing/2014/main" id="{6564469A-CAB5-469F-98F4-85C36D4B419D}"/>
-              </a:ext>
-            </a:extLst>
-          </p:cNvPr>
-          <p:cNvSpPr txBox="1"/>
-          <p:nvPr/>
-        </p:nvSpPr>
-        <p:spPr>
-          <a:xfrm>
-            <a:off x="8045998" y="583112"/>
-            <a:ext cx="1484305" cy="380201"/>
-          </a:xfrm>
-          <a:prstGeom prst="rect">
-            <a:avLst/>
-          </a:prstGeom>
-          <a:noFill/>
-        </p:spPr>
-        <p:txBody>
-          <a:bodyPr wrap="square" rtlCol="0">
-            <a:spAutoFit/>
-          </a:bodyPr>
-          <a:lstStyle/>
-          <a:p>
-            <a:pPr algn="ctr"/>
-            <a:r>
-              <a:rPr lang="en-US" altLang="zh-CN" dirty="0"/>
-              <a:t>LSTM</a:t>
-            </a:r>
-            <a:r>
-              <a:rPr lang="zh-CN" altLang="en-US" dirty="0"/>
-              <a:t>层</a:t>
-            </a:r>
-          </a:p>
-        </p:txBody>
-      </p:sp>
       <p:cxnSp>
         <p:nvCxnSpPr>
-          <p:cNvPr id="73" name="直接箭头连接符 72">
-            <a:extLst>
-              <a:ext uri="{FF2B5EF4-FFF2-40B4-BE49-F238E27FC236}">
-                <a16:creationId xmlns:a16="http://schemas.microsoft.com/office/drawing/2014/main" id="{B6BDC900-12EA-4D30-BCFE-344D7E1EBD71}"/>
+          <p:cNvPr id="79" name="直接箭头连接符 78">
+            <a:extLst>
+              <a:ext uri="{FF2B5EF4-FFF2-40B4-BE49-F238E27FC236}">
+                <a16:creationId xmlns:a16="http://schemas.microsoft.com/office/drawing/2014/main" id="{14D2D4DC-9756-43F5-8F68-29C08F973DE9}"/>
               </a:ext>
             </a:extLst>
           </p:cNvPr>
           <p:cNvCxnSpPr>
             <a:cxnSpLocks/>
-            <a:stCxn id="66" idx="2"/>
-            <a:endCxn id="67" idx="0"/>
           </p:cNvCxnSpPr>
           <p:nvPr/>
         </p:nvCxnSpPr>
         <p:spPr>
           <a:xfrm>
-            <a:off x="8758459" y="1960875"/>
+            <a:off x="10033583" y="4819514"/>
             <a:ext cx="0" cy="282969"/>
           </a:xfrm>
           <a:prstGeom prst="straightConnector1">
@@ -7933,22 +7930,23 @@
       </p:cxnSp>
       <p:cxnSp>
         <p:nvCxnSpPr>
-          <p:cNvPr id="76" name="直接箭头连接符 75">
-            <a:extLst>
-              <a:ext uri="{FF2B5EF4-FFF2-40B4-BE49-F238E27FC236}">
-                <a16:creationId xmlns:a16="http://schemas.microsoft.com/office/drawing/2014/main" id="{AE5F25E8-09E9-4CD6-80C3-F17127ABFF99}"/>
+          <p:cNvPr id="81" name="直接箭头连接符 80">
+            <a:extLst>
+              <a:ext uri="{FF2B5EF4-FFF2-40B4-BE49-F238E27FC236}">
+                <a16:creationId xmlns:a16="http://schemas.microsoft.com/office/drawing/2014/main" id="{869D0DA4-DFB0-46B1-B0B1-1DBFAB8B2057}"/>
               </a:ext>
             </a:extLst>
           </p:cNvPr>
           <p:cNvCxnSpPr>
             <a:cxnSpLocks/>
+            <a:stCxn id="22" idx="3"/>
           </p:cNvCxnSpPr>
           <p:nvPr/>
         </p:nvCxnSpPr>
         <p:spPr>
-          <a:xfrm>
-            <a:off x="8756903" y="2701004"/>
-            <a:ext cx="0" cy="282969"/>
+          <a:xfrm flipV="1">
+            <a:off x="8458357" y="4259736"/>
+            <a:ext cx="502567" cy="336054"/>
           </a:xfrm>
           <a:prstGeom prst="straightConnector1">
             <a:avLst/>
@@ -7977,22 +7975,23 @@
       </p:cxnSp>
       <p:cxnSp>
         <p:nvCxnSpPr>
-          <p:cNvPr id="77" name="直接箭头连接符 76">
-            <a:extLst>
-              <a:ext uri="{FF2B5EF4-FFF2-40B4-BE49-F238E27FC236}">
-                <a16:creationId xmlns:a16="http://schemas.microsoft.com/office/drawing/2014/main" id="{4CE362F0-D7D3-4221-AAE1-F7EBE42D31F5}"/>
+          <p:cNvPr id="84" name="直接箭头连接符 83">
+            <a:extLst>
+              <a:ext uri="{FF2B5EF4-FFF2-40B4-BE49-F238E27FC236}">
+                <a16:creationId xmlns:a16="http://schemas.microsoft.com/office/drawing/2014/main" id="{DA88FB0B-73CB-4D5C-B058-D809782312F7}"/>
               </a:ext>
             </a:extLst>
           </p:cNvPr>
           <p:cNvCxnSpPr>
             <a:cxnSpLocks/>
+            <a:stCxn id="20" idx="3"/>
           </p:cNvCxnSpPr>
           <p:nvPr/>
         </p:nvCxnSpPr>
         <p:spPr>
           <a:xfrm>
-            <a:off x="8750948" y="3416761"/>
-            <a:ext cx="0" cy="282969"/>
+            <a:off x="8457558" y="2184651"/>
+            <a:ext cx="481179" cy="606406"/>
           </a:xfrm>
           <a:prstGeom prst="straightConnector1">
             <a:avLst/>
@@ -8021,22 +8020,23 @@
       </p:cxnSp>
       <p:cxnSp>
         <p:nvCxnSpPr>
-          <p:cNvPr id="78" name="直接箭头连接符 77">
-            <a:extLst>
-              <a:ext uri="{FF2B5EF4-FFF2-40B4-BE49-F238E27FC236}">
-                <a16:creationId xmlns:a16="http://schemas.microsoft.com/office/drawing/2014/main" id="{C709A06D-E1B8-496C-8B1D-2DF1EB60A138}"/>
+          <p:cNvPr id="87" name="直接箭头连接符 86">
+            <a:extLst>
+              <a:ext uri="{FF2B5EF4-FFF2-40B4-BE49-F238E27FC236}">
+                <a16:creationId xmlns:a16="http://schemas.microsoft.com/office/drawing/2014/main" id="{F91D3E28-7609-4CEA-8E50-CA8FAFE56267}"/>
               </a:ext>
             </a:extLst>
           </p:cNvPr>
           <p:cNvCxnSpPr>
             <a:cxnSpLocks/>
+            <a:endCxn id="67" idx="1"/>
           </p:cNvCxnSpPr>
           <p:nvPr/>
         </p:nvCxnSpPr>
         <p:spPr>
-          <a:xfrm>
-            <a:off x="8758457" y="4164531"/>
-            <a:ext cx="0" cy="282969"/>
+          <a:xfrm flipV="1">
+            <a:off x="9235598" y="2376681"/>
+            <a:ext cx="392105" cy="36137"/>
           </a:xfrm>
           <a:prstGeom prst="straightConnector1">
             <a:avLst/>
@@ -8065,22 +8065,23 @@
       </p:cxnSp>
       <p:cxnSp>
         <p:nvCxnSpPr>
-          <p:cNvPr id="79" name="直接箭头连接符 78">
-            <a:extLst>
-              <a:ext uri="{FF2B5EF4-FFF2-40B4-BE49-F238E27FC236}">
-                <a16:creationId xmlns:a16="http://schemas.microsoft.com/office/drawing/2014/main" id="{14D2D4DC-9756-43F5-8F68-29C08F973DE9}"/>
+          <p:cNvPr id="90" name="直接箭头连接符 89">
+            <a:extLst>
+              <a:ext uri="{FF2B5EF4-FFF2-40B4-BE49-F238E27FC236}">
+                <a16:creationId xmlns:a16="http://schemas.microsoft.com/office/drawing/2014/main" id="{68CEBCC2-8123-4FF2-9937-B93E65E09D46}"/>
               </a:ext>
             </a:extLst>
           </p:cNvPr>
           <p:cNvCxnSpPr>
             <a:cxnSpLocks/>
+            <a:endCxn id="68" idx="1"/>
           </p:cNvCxnSpPr>
           <p:nvPr/>
         </p:nvCxnSpPr>
         <p:spPr>
-          <a:xfrm>
-            <a:off x="8758457" y="4915257"/>
-            <a:ext cx="0" cy="282969"/>
+          <a:xfrm flipV="1">
+            <a:off x="9235598" y="3100079"/>
+            <a:ext cx="392104" cy="29938"/>
           </a:xfrm>
           <a:prstGeom prst="straightConnector1">
             <a:avLst/>
@@ -8109,23 +8110,23 @@
       </p:cxnSp>
       <p:cxnSp>
         <p:nvCxnSpPr>
-          <p:cNvPr id="81" name="直接箭头连接符 80">
-            <a:extLst>
-              <a:ext uri="{FF2B5EF4-FFF2-40B4-BE49-F238E27FC236}">
-                <a16:creationId xmlns:a16="http://schemas.microsoft.com/office/drawing/2014/main" id="{869D0DA4-DFB0-46B1-B0B1-1DBFAB8B2057}"/>
+          <p:cNvPr id="93" name="直接箭头连接符 92">
+            <a:extLst>
+              <a:ext uri="{FF2B5EF4-FFF2-40B4-BE49-F238E27FC236}">
+                <a16:creationId xmlns:a16="http://schemas.microsoft.com/office/drawing/2014/main" id="{9800DB5D-B7DC-4AFD-A33C-87D7A1D0537D}"/>
               </a:ext>
             </a:extLst>
           </p:cNvPr>
           <p:cNvCxnSpPr>
             <a:cxnSpLocks/>
-            <a:stCxn id="22" idx="3"/>
+            <a:endCxn id="69" idx="1"/>
           </p:cNvCxnSpPr>
           <p:nvPr/>
         </p:nvCxnSpPr>
         <p:spPr>
           <a:xfrm flipV="1">
-            <a:off x="7183231" y="4355479"/>
-            <a:ext cx="502567" cy="336054"/>
+            <a:off x="9203104" y="3840208"/>
+            <a:ext cx="446636" cy="22930"/>
           </a:xfrm>
           <a:prstGeom prst="straightConnector1">
             <a:avLst/>
@@ -8154,23 +8155,23 @@
       </p:cxnSp>
       <p:cxnSp>
         <p:nvCxnSpPr>
-          <p:cNvPr id="84" name="直接箭头连接符 83">
-            <a:extLst>
-              <a:ext uri="{FF2B5EF4-FFF2-40B4-BE49-F238E27FC236}">
-                <a16:creationId xmlns:a16="http://schemas.microsoft.com/office/drawing/2014/main" id="{DA88FB0B-73CB-4D5C-B058-D809782312F7}"/>
+          <p:cNvPr id="96" name="直接箭头连接符 95">
+            <a:extLst>
+              <a:ext uri="{FF2B5EF4-FFF2-40B4-BE49-F238E27FC236}">
+                <a16:creationId xmlns:a16="http://schemas.microsoft.com/office/drawing/2014/main" id="{29128536-FC49-4175-8543-15B459F34FC1}"/>
               </a:ext>
             </a:extLst>
           </p:cNvPr>
           <p:cNvCxnSpPr>
             <a:cxnSpLocks/>
-            <a:stCxn id="20" idx="3"/>
+            <a:endCxn id="70" idx="1"/>
           </p:cNvCxnSpPr>
           <p:nvPr/>
         </p:nvCxnSpPr>
         <p:spPr>
-          <a:xfrm>
-            <a:off x="7182432" y="2280394"/>
-            <a:ext cx="481179" cy="606406"/>
+          <a:xfrm flipV="1">
+            <a:off x="9235598" y="4580337"/>
+            <a:ext cx="414142" cy="40685"/>
           </a:xfrm>
           <a:prstGeom prst="straightConnector1">
             <a:avLst/>
@@ -8197,25 +8198,266 @@
           </a:fontRef>
         </p:style>
       </p:cxnSp>
+      <p:sp>
+        <p:nvSpPr>
+          <p:cNvPr id="101" name="文本框 100">
+            <a:extLst>
+              <a:ext uri="{FF2B5EF4-FFF2-40B4-BE49-F238E27FC236}">
+                <a16:creationId xmlns:a16="http://schemas.microsoft.com/office/drawing/2014/main" id="{5591CA8F-E0D9-49A0-9A3A-3FB32B969C28}"/>
+              </a:ext>
+            </a:extLst>
+          </p:cNvPr>
+          <p:cNvSpPr txBox="1"/>
+          <p:nvPr/>
+        </p:nvSpPr>
+        <p:spPr>
+          <a:xfrm>
+            <a:off x="10639631" y="524692"/>
+            <a:ext cx="1484305" cy="380201"/>
+          </a:xfrm>
+          <a:prstGeom prst="rect">
+            <a:avLst/>
+          </a:prstGeom>
+          <a:noFill/>
+        </p:spPr>
+        <p:txBody>
+          <a:bodyPr wrap="square" rtlCol="0">
+            <a:spAutoFit/>
+          </a:bodyPr>
+          <a:lstStyle/>
+          <a:p>
+            <a:pPr algn="ctr"/>
+            <a:r>
+              <a:rPr lang="zh-CN" altLang="en-US" dirty="0"/>
+              <a:t>决策层</a:t>
+            </a:r>
+          </a:p>
+        </p:txBody>
+      </p:sp>
+      <p:sp>
+        <p:nvSpPr>
+          <p:cNvPr id="103" name="流程图: 接点 102">
+            <a:extLst>
+              <a:ext uri="{FF2B5EF4-FFF2-40B4-BE49-F238E27FC236}">
+                <a16:creationId xmlns:a16="http://schemas.microsoft.com/office/drawing/2014/main" id="{6C5BA989-4128-4046-B8E9-626957E3F428}"/>
+              </a:ext>
+            </a:extLst>
+          </p:cNvPr>
+          <p:cNvSpPr/>
+          <p:nvPr/>
+        </p:nvSpPr>
+        <p:spPr>
+          <a:xfrm>
+            <a:off x="11088169" y="2049206"/>
+            <a:ext cx="587230" cy="515436"/>
+          </a:xfrm>
+          <a:prstGeom prst="flowChartConnector">
+            <a:avLst/>
+          </a:prstGeom>
+          <a:solidFill>
+            <a:schemeClr val="accent5">
+              <a:lumMod val="60000"/>
+              <a:lumOff val="40000"/>
+            </a:schemeClr>
+          </a:solidFill>
+        </p:spPr>
+        <p:style>
+          <a:lnRef idx="2">
+            <a:schemeClr val="accent1">
+              <a:shade val="50000"/>
+            </a:schemeClr>
+          </a:lnRef>
+          <a:fillRef idx="1">
+            <a:schemeClr val="accent1"/>
+          </a:fillRef>
+          <a:effectRef idx="0">
+            <a:schemeClr val="accent1"/>
+          </a:effectRef>
+          <a:fontRef idx="minor">
+            <a:schemeClr val="lt1"/>
+          </a:fontRef>
+        </p:style>
+        <p:txBody>
+          <a:bodyPr rtlCol="0" anchor="ctr"/>
+          <a:lstStyle/>
+          <a:p>
+            <a:pPr algn="ctr"/>
+            <a:endParaRPr lang="zh-CN" altLang="en-US"/>
+          </a:p>
+        </p:txBody>
+      </p:sp>
+      <p:sp>
+        <p:nvSpPr>
+          <p:cNvPr id="104" name="流程图: 接点 103">
+            <a:extLst>
+              <a:ext uri="{FF2B5EF4-FFF2-40B4-BE49-F238E27FC236}">
+                <a16:creationId xmlns:a16="http://schemas.microsoft.com/office/drawing/2014/main" id="{B81F01AC-AE0E-4CF4-9ED8-56F1B5D32644}"/>
+              </a:ext>
+            </a:extLst>
+          </p:cNvPr>
+          <p:cNvSpPr/>
+          <p:nvPr/>
+        </p:nvSpPr>
+        <p:spPr>
+          <a:xfrm>
+            <a:off x="11088169" y="2788406"/>
+            <a:ext cx="587230" cy="515436"/>
+          </a:xfrm>
+          <a:prstGeom prst="flowChartConnector">
+            <a:avLst/>
+          </a:prstGeom>
+          <a:solidFill>
+            <a:schemeClr val="accent2">
+              <a:lumMod val="60000"/>
+              <a:lumOff val="40000"/>
+            </a:schemeClr>
+          </a:solidFill>
+        </p:spPr>
+        <p:style>
+          <a:lnRef idx="2">
+            <a:schemeClr val="accent1">
+              <a:shade val="50000"/>
+            </a:schemeClr>
+          </a:lnRef>
+          <a:fillRef idx="1">
+            <a:schemeClr val="accent1"/>
+          </a:fillRef>
+          <a:effectRef idx="0">
+            <a:schemeClr val="accent1"/>
+          </a:effectRef>
+          <a:fontRef idx="minor">
+            <a:schemeClr val="lt1"/>
+          </a:fontRef>
+        </p:style>
+        <p:txBody>
+          <a:bodyPr rtlCol="0" anchor="ctr"/>
+          <a:lstStyle/>
+          <a:p>
+            <a:pPr algn="ctr"/>
+            <a:endParaRPr lang="zh-CN" altLang="en-US"/>
+          </a:p>
+        </p:txBody>
+      </p:sp>
+      <p:sp>
+        <p:nvSpPr>
+          <p:cNvPr id="105" name="流程图: 接点 104">
+            <a:extLst>
+              <a:ext uri="{FF2B5EF4-FFF2-40B4-BE49-F238E27FC236}">
+                <a16:creationId xmlns:a16="http://schemas.microsoft.com/office/drawing/2014/main" id="{66239410-7DF3-46AE-9413-EAD47C896931}"/>
+              </a:ext>
+            </a:extLst>
+          </p:cNvPr>
+          <p:cNvSpPr/>
+          <p:nvPr/>
+        </p:nvSpPr>
+        <p:spPr>
+          <a:xfrm>
+            <a:off x="11088169" y="3586136"/>
+            <a:ext cx="587230" cy="515436"/>
+          </a:xfrm>
+          <a:prstGeom prst="flowChartConnector">
+            <a:avLst/>
+          </a:prstGeom>
+          <a:solidFill>
+            <a:srgbClr val="92D050"/>
+          </a:solidFill>
+        </p:spPr>
+        <p:style>
+          <a:lnRef idx="2">
+            <a:schemeClr val="accent1">
+              <a:shade val="50000"/>
+            </a:schemeClr>
+          </a:lnRef>
+          <a:fillRef idx="1">
+            <a:schemeClr val="accent1"/>
+          </a:fillRef>
+          <a:effectRef idx="0">
+            <a:schemeClr val="accent1"/>
+          </a:effectRef>
+          <a:fontRef idx="minor">
+            <a:schemeClr val="lt1"/>
+          </a:fontRef>
+        </p:style>
+        <p:txBody>
+          <a:bodyPr rtlCol="0" anchor="ctr"/>
+          <a:lstStyle/>
+          <a:p>
+            <a:pPr algn="ctr"/>
+            <a:endParaRPr lang="zh-CN" altLang="en-US"/>
+          </a:p>
+        </p:txBody>
+      </p:sp>
+      <p:sp>
+        <p:nvSpPr>
+          <p:cNvPr id="106" name="流程图: 接点 105">
+            <a:extLst>
+              <a:ext uri="{FF2B5EF4-FFF2-40B4-BE49-F238E27FC236}">
+                <a16:creationId xmlns:a16="http://schemas.microsoft.com/office/drawing/2014/main" id="{E3C9F95E-5A42-47BF-A8A5-CE585B9B6E44}"/>
+              </a:ext>
+            </a:extLst>
+          </p:cNvPr>
+          <p:cNvSpPr/>
+          <p:nvPr/>
+        </p:nvSpPr>
+        <p:spPr>
+          <a:xfrm>
+            <a:off x="11088169" y="4323260"/>
+            <a:ext cx="587230" cy="515436"/>
+          </a:xfrm>
+          <a:prstGeom prst="flowChartConnector">
+            <a:avLst/>
+          </a:prstGeom>
+          <a:solidFill>
+            <a:schemeClr val="accent4">
+              <a:lumMod val="60000"/>
+              <a:lumOff val="40000"/>
+            </a:schemeClr>
+          </a:solidFill>
+        </p:spPr>
+        <p:style>
+          <a:lnRef idx="2">
+            <a:schemeClr val="accent1">
+              <a:shade val="50000"/>
+            </a:schemeClr>
+          </a:lnRef>
+          <a:fillRef idx="1">
+            <a:schemeClr val="accent1"/>
+          </a:fillRef>
+          <a:effectRef idx="0">
+            <a:schemeClr val="accent1"/>
+          </a:effectRef>
+          <a:fontRef idx="minor">
+            <a:schemeClr val="lt1"/>
+          </a:fontRef>
+        </p:style>
+        <p:txBody>
+          <a:bodyPr rtlCol="0" anchor="ctr"/>
+          <a:lstStyle/>
+          <a:p>
+            <a:pPr algn="ctr"/>
+            <a:endParaRPr lang="zh-CN" altLang="en-US"/>
+          </a:p>
+        </p:txBody>
+      </p:sp>
       <p:cxnSp>
         <p:nvCxnSpPr>
-          <p:cNvPr id="87" name="直接箭头连接符 86">
-            <a:extLst>
-              <a:ext uri="{FF2B5EF4-FFF2-40B4-BE49-F238E27FC236}">
-                <a16:creationId xmlns:a16="http://schemas.microsoft.com/office/drawing/2014/main" id="{F91D3E28-7609-4CEA-8E50-CA8FAFE56267}"/>
+          <p:cNvPr id="108" name="直接箭头连接符 107">
+            <a:extLst>
+              <a:ext uri="{FF2B5EF4-FFF2-40B4-BE49-F238E27FC236}">
+                <a16:creationId xmlns:a16="http://schemas.microsoft.com/office/drawing/2014/main" id="{A3F2F9D1-C972-4C20-84F3-330F59ACEFC2}"/>
               </a:ext>
             </a:extLst>
           </p:cNvPr>
           <p:cNvCxnSpPr>
-            <a:cxnSpLocks/>
-            <a:endCxn id="67" idx="1"/>
+            <a:stCxn id="67" idx="3"/>
+            <a:endCxn id="103" idx="2"/>
           </p:cNvCxnSpPr>
           <p:nvPr/>
         </p:nvCxnSpPr>
         <p:spPr>
           <a:xfrm flipV="1">
-            <a:off x="7960472" y="2472424"/>
-            <a:ext cx="392105" cy="36137"/>
+            <a:off x="10439466" y="2306924"/>
+            <a:ext cx="648703" cy="69757"/>
           </a:xfrm>
           <a:prstGeom prst="straightConnector1">
             <a:avLst/>
@@ -8244,23 +8486,23 @@
       </p:cxnSp>
       <p:cxnSp>
         <p:nvCxnSpPr>
-          <p:cNvPr id="90" name="直接箭头连接符 89">
-            <a:extLst>
-              <a:ext uri="{FF2B5EF4-FFF2-40B4-BE49-F238E27FC236}">
-                <a16:creationId xmlns:a16="http://schemas.microsoft.com/office/drawing/2014/main" id="{68CEBCC2-8123-4FF2-9937-B93E65E09D46}"/>
+          <p:cNvPr id="110" name="直接箭头连接符 109">
+            <a:extLst>
+              <a:ext uri="{FF2B5EF4-FFF2-40B4-BE49-F238E27FC236}">
+                <a16:creationId xmlns:a16="http://schemas.microsoft.com/office/drawing/2014/main" id="{A7E406B8-D1FA-4697-86D0-B2691AB5EA31}"/>
               </a:ext>
             </a:extLst>
           </p:cNvPr>
           <p:cNvCxnSpPr>
-            <a:cxnSpLocks/>
-            <a:endCxn id="68" idx="1"/>
+            <a:stCxn id="68" idx="3"/>
+            <a:endCxn id="104" idx="2"/>
           </p:cNvCxnSpPr>
           <p:nvPr/>
         </p:nvCxnSpPr>
         <p:spPr>
           <a:xfrm flipV="1">
-            <a:off x="7960472" y="3195822"/>
-            <a:ext cx="392104" cy="29938"/>
+            <a:off x="10439465" y="3046124"/>
+            <a:ext cx="648704" cy="53955"/>
           </a:xfrm>
           <a:prstGeom prst="straightConnector1">
             <a:avLst/>
@@ -8289,23 +8531,23 @@
       </p:cxnSp>
       <p:cxnSp>
         <p:nvCxnSpPr>
-          <p:cNvPr id="93" name="直接箭头连接符 92">
-            <a:extLst>
-              <a:ext uri="{FF2B5EF4-FFF2-40B4-BE49-F238E27FC236}">
-                <a16:creationId xmlns:a16="http://schemas.microsoft.com/office/drawing/2014/main" id="{9800DB5D-B7DC-4AFD-A33C-87D7A1D0537D}"/>
+          <p:cNvPr id="112" name="直接箭头连接符 111">
+            <a:extLst>
+              <a:ext uri="{FF2B5EF4-FFF2-40B4-BE49-F238E27FC236}">
+                <a16:creationId xmlns:a16="http://schemas.microsoft.com/office/drawing/2014/main" id="{61F68E3F-F58E-457D-9B39-21C13EAE2047}"/>
               </a:ext>
             </a:extLst>
           </p:cNvPr>
           <p:cNvCxnSpPr>
-            <a:cxnSpLocks/>
-            <a:endCxn id="69" idx="1"/>
+            <a:stCxn id="69" idx="3"/>
+            <a:endCxn id="105" idx="2"/>
           </p:cNvCxnSpPr>
           <p:nvPr/>
         </p:nvCxnSpPr>
         <p:spPr>
-          <a:xfrm flipV="1">
-            <a:off x="7927978" y="3935951"/>
-            <a:ext cx="446636" cy="22930"/>
+          <a:xfrm>
+            <a:off x="10461503" y="3840208"/>
+            <a:ext cx="626666" cy="3646"/>
           </a:xfrm>
           <a:prstGeom prst="straightConnector1">
             <a:avLst/>
@@ -8334,23 +8576,23 @@
       </p:cxnSp>
       <p:cxnSp>
         <p:nvCxnSpPr>
-          <p:cNvPr id="96" name="直接箭头连接符 95">
-            <a:extLst>
-              <a:ext uri="{FF2B5EF4-FFF2-40B4-BE49-F238E27FC236}">
-                <a16:creationId xmlns:a16="http://schemas.microsoft.com/office/drawing/2014/main" id="{29128536-FC49-4175-8543-15B459F34FC1}"/>
+          <p:cNvPr id="114" name="直接箭头连接符 113">
+            <a:extLst>
+              <a:ext uri="{FF2B5EF4-FFF2-40B4-BE49-F238E27FC236}">
+                <a16:creationId xmlns:a16="http://schemas.microsoft.com/office/drawing/2014/main" id="{48AABDB2-0211-4431-A3F2-D37F51DD4961}"/>
               </a:ext>
             </a:extLst>
           </p:cNvPr>
           <p:cNvCxnSpPr>
-            <a:cxnSpLocks/>
-            <a:endCxn id="70" idx="1"/>
+            <a:stCxn id="70" idx="3"/>
+            <a:endCxn id="106" idx="2"/>
           </p:cNvCxnSpPr>
           <p:nvPr/>
         </p:nvCxnSpPr>
         <p:spPr>
-          <a:xfrm flipV="1">
-            <a:off x="7960472" y="4676080"/>
-            <a:ext cx="414142" cy="40685"/>
+          <a:xfrm>
+            <a:off x="10461503" y="4580337"/>
+            <a:ext cx="626666" cy="641"/>
           </a:xfrm>
           <a:prstGeom prst="straightConnector1">
             <a:avLst/>
@@ -8379,46 +8621,10 @@
       </p:cxnSp>
       <p:sp>
         <p:nvSpPr>
-          <p:cNvPr id="101" name="文本框 100">
-            <a:extLst>
-              <a:ext uri="{FF2B5EF4-FFF2-40B4-BE49-F238E27FC236}">
-                <a16:creationId xmlns:a16="http://schemas.microsoft.com/office/drawing/2014/main" id="{5591CA8F-E0D9-49A0-9A3A-3FB32B969C28}"/>
-              </a:ext>
-            </a:extLst>
-          </p:cNvPr>
-          <p:cNvSpPr txBox="1"/>
-          <p:nvPr/>
-        </p:nvSpPr>
-        <p:spPr>
-          <a:xfrm>
-            <a:off x="9364505" y="620435"/>
-            <a:ext cx="1484305" cy="380201"/>
-          </a:xfrm>
-          <a:prstGeom prst="rect">
-            <a:avLst/>
-          </a:prstGeom>
-          <a:noFill/>
-        </p:spPr>
-        <p:txBody>
-          <a:bodyPr wrap="square" rtlCol="0">
-            <a:spAutoFit/>
-          </a:bodyPr>
-          <a:lstStyle/>
-          <a:p>
-            <a:pPr algn="ctr"/>
-            <a:r>
-              <a:rPr lang="zh-CN" altLang="en-US" dirty="0"/>
-              <a:t>决策层</a:t>
-            </a:r>
-          </a:p>
-        </p:txBody>
-      </p:sp>
-      <p:sp>
-        <p:nvSpPr>
-          <p:cNvPr id="103" name="流程图: 接点 102">
-            <a:extLst>
-              <a:ext uri="{FF2B5EF4-FFF2-40B4-BE49-F238E27FC236}">
-                <a16:creationId xmlns:a16="http://schemas.microsoft.com/office/drawing/2014/main" id="{6C5BA989-4128-4046-B8E9-626957E3F428}"/>
+          <p:cNvPr id="3" name="立方体 2">
+            <a:extLst>
+              <a:ext uri="{FF2B5EF4-FFF2-40B4-BE49-F238E27FC236}">
+                <a16:creationId xmlns:a16="http://schemas.microsoft.com/office/drawing/2014/main" id="{A4A22FFB-A0E7-429E-924D-B2943B9D81C1}"/>
               </a:ext>
             </a:extLst>
           </p:cNvPr>
@@ -8427,16 +8633,15 @@
         </p:nvSpPr>
         <p:spPr>
           <a:xfrm>
-            <a:off x="9813043" y="2144949"/>
-            <a:ext cx="587230" cy="515436"/>
-          </a:xfrm>
-          <a:prstGeom prst="flowChartConnector">
+            <a:off x="3589969" y="2148101"/>
+            <a:ext cx="883763" cy="2934037"/>
+          </a:xfrm>
+          <a:prstGeom prst="cube">
             <a:avLst/>
           </a:prstGeom>
           <a:solidFill>
-            <a:schemeClr val="accent5">
-              <a:lumMod val="60000"/>
-              <a:lumOff val="40000"/>
+            <a:schemeClr val="bg1">
+              <a:lumMod val="65000"/>
             </a:schemeClr>
           </a:solidFill>
         </p:spPr>
@@ -8467,10 +8672,50 @@
       </p:sp>
       <p:sp>
         <p:nvSpPr>
-          <p:cNvPr id="104" name="流程图: 接点 103">
-            <a:extLst>
-              <a:ext uri="{FF2B5EF4-FFF2-40B4-BE49-F238E27FC236}">
-                <a16:creationId xmlns:a16="http://schemas.microsoft.com/office/drawing/2014/main" id="{B81F01AC-AE0E-4CF4-9ED8-56F1B5D32644}"/>
+          <p:cNvPr id="64" name="文本框 63">
+            <a:extLst>
+              <a:ext uri="{FF2B5EF4-FFF2-40B4-BE49-F238E27FC236}">
+                <a16:creationId xmlns:a16="http://schemas.microsoft.com/office/drawing/2014/main" id="{AC5F12C8-36C5-4069-B4FF-B0520F42D130}"/>
+              </a:ext>
+            </a:extLst>
+          </p:cNvPr>
+          <p:cNvSpPr txBox="1"/>
+          <p:nvPr/>
+        </p:nvSpPr>
+        <p:spPr>
+          <a:xfrm>
+            <a:off x="3390897" y="959257"/>
+            <a:ext cx="1484305" cy="380201"/>
+          </a:xfrm>
+          <a:prstGeom prst="rect">
+            <a:avLst/>
+          </a:prstGeom>
+          <a:noFill/>
+        </p:spPr>
+        <p:txBody>
+          <a:bodyPr wrap="square" rtlCol="0">
+            <a:spAutoFit/>
+          </a:bodyPr>
+          <a:lstStyle/>
+          <a:p>
+            <a:pPr algn="ctr"/>
+            <a:r>
+              <a:rPr lang="en-US" altLang="zh-CN" dirty="0"/>
+              <a:t>attention</a:t>
+            </a:r>
+            <a:r>
+              <a:rPr lang="zh-CN" altLang="en-US" dirty="0"/>
+              <a:t>层</a:t>
+            </a:r>
+          </a:p>
+        </p:txBody>
+      </p:sp>
+      <p:sp>
+        <p:nvSpPr>
+          <p:cNvPr id="65" name="箭头: 右 64">
+            <a:extLst>
+              <a:ext uri="{FF2B5EF4-FFF2-40B4-BE49-F238E27FC236}">
+                <a16:creationId xmlns:a16="http://schemas.microsoft.com/office/drawing/2014/main" id="{25BA695F-AF67-4B32-9C1B-48CFA5C978CC}"/>
               </a:ext>
             </a:extLst>
           </p:cNvPr>
@@ -8479,17 +8724,14 @@
         </p:nvSpPr>
         <p:spPr>
           <a:xfrm>
-            <a:off x="9813043" y="2884149"/>
-            <a:ext cx="587230" cy="515436"/>
-          </a:xfrm>
-          <a:prstGeom prst="flowChartConnector">
+            <a:off x="3098365" y="3534192"/>
+            <a:ext cx="240947" cy="202997"/>
+          </a:xfrm>
+          <a:prstGeom prst="rightArrow">
             <a:avLst/>
           </a:prstGeom>
           <a:solidFill>
-            <a:schemeClr val="accent2">
-              <a:lumMod val="60000"/>
-              <a:lumOff val="40000"/>
-            </a:schemeClr>
+            <a:schemeClr val="tx1"/>
           </a:solidFill>
         </p:spPr>
         <p:style>
@@ -8519,10 +8761,10 @@
       </p:sp>
       <p:sp>
         <p:nvSpPr>
-          <p:cNvPr id="105" name="流程图: 接点 104">
-            <a:extLst>
-              <a:ext uri="{FF2B5EF4-FFF2-40B4-BE49-F238E27FC236}">
-                <a16:creationId xmlns:a16="http://schemas.microsoft.com/office/drawing/2014/main" id="{66239410-7DF3-46AE-9413-EAD47C896931}"/>
+          <p:cNvPr id="74" name="箭头: 右 73">
+            <a:extLst>
+              <a:ext uri="{FF2B5EF4-FFF2-40B4-BE49-F238E27FC236}">
+                <a16:creationId xmlns:a16="http://schemas.microsoft.com/office/drawing/2014/main" id="{78F76E33-BB52-4597-A425-69C7C833F7C8}"/>
               </a:ext>
             </a:extLst>
           </p:cNvPr>
@@ -8531,14 +8773,14 @@
         </p:nvSpPr>
         <p:spPr>
           <a:xfrm>
-            <a:off x="9813043" y="3681879"/>
-            <a:ext cx="587230" cy="515436"/>
-          </a:xfrm>
-          <a:prstGeom prst="flowChartConnector">
+            <a:off x="4685682" y="2815804"/>
+            <a:ext cx="240947" cy="202997"/>
+          </a:xfrm>
+          <a:prstGeom prst="rightArrow">
             <a:avLst/>
           </a:prstGeom>
           <a:solidFill>
-            <a:srgbClr val="92D050"/>
+            <a:schemeClr val="tx1"/>
           </a:solidFill>
         </p:spPr>
         <p:style>
@@ -8568,10 +8810,10 @@
       </p:sp>
       <p:sp>
         <p:nvSpPr>
-          <p:cNvPr id="106" name="流程图: 接点 105">
-            <a:extLst>
-              <a:ext uri="{FF2B5EF4-FFF2-40B4-BE49-F238E27FC236}">
-                <a16:creationId xmlns:a16="http://schemas.microsoft.com/office/drawing/2014/main" id="{E3C9F95E-5A42-47BF-A8A5-CE585B9B6E44}"/>
+          <p:cNvPr id="75" name="箭头: 右 74">
+            <a:extLst>
+              <a:ext uri="{FF2B5EF4-FFF2-40B4-BE49-F238E27FC236}">
+                <a16:creationId xmlns:a16="http://schemas.microsoft.com/office/drawing/2014/main" id="{122C9E10-5155-49DF-B336-5E37F3BCE62A}"/>
               </a:ext>
             </a:extLst>
           </p:cNvPr>
@@ -8580,17 +8822,14 @@
         </p:nvSpPr>
         <p:spPr>
           <a:xfrm>
-            <a:off x="9813043" y="4419003"/>
-            <a:ext cx="587230" cy="515436"/>
-          </a:xfrm>
-          <a:prstGeom prst="flowChartConnector">
+            <a:off x="4654815" y="4016708"/>
+            <a:ext cx="240947" cy="202997"/>
+          </a:xfrm>
+          <a:prstGeom prst="rightArrow">
             <a:avLst/>
           </a:prstGeom>
           <a:solidFill>
-            <a:schemeClr val="accent4">
-              <a:lumMod val="60000"/>
-              <a:lumOff val="40000"/>
-            </a:schemeClr>
+            <a:schemeClr val="tx1"/>
           </a:solidFill>
         </p:spPr>
         <p:style>
@@ -8618,25 +8857,1917 @@
           </a:p>
         </p:txBody>
       </p:sp>
+    </p:spTree>
+    <p:extLst>
+      <p:ext uri="{BB962C8B-B14F-4D97-AF65-F5344CB8AC3E}">
+        <p14:creationId xmlns:p14="http://schemas.microsoft.com/office/powerpoint/2010/main" val="274082761"/>
+      </p:ext>
+    </p:extLst>
+  </p:cSld>
+  <p:clrMapOvr>
+    <a:masterClrMapping/>
+  </p:clrMapOvr>
+</p:sld>
+</file>
+
+<file path=ppt/slides/slide3.xml><?xml version="1.0" encoding="utf-8"?>
+<p:sld xmlns:a="http://schemas.openxmlformats.org/drawingml/2006/main" xmlns:r="http://schemas.openxmlformats.org/officeDocument/2006/relationships" xmlns:p="http://schemas.openxmlformats.org/presentationml/2006/main">
+  <p:cSld>
+    <p:spTree>
+      <p:nvGrpSpPr>
+        <p:cNvPr id="1" name=""/>
+        <p:cNvGrpSpPr/>
+        <p:nvPr/>
+      </p:nvGrpSpPr>
+      <p:grpSpPr>
+        <a:xfrm>
+          <a:off x="0" y="0"/>
+          <a:ext cx="0" cy="0"/>
+          <a:chOff x="0" y="0"/>
+          <a:chExt cx="0" cy="0"/>
+        </a:xfrm>
+      </p:grpSpPr>
+      <p:sp>
+        <p:nvSpPr>
+          <p:cNvPr id="3" name="矩形 2">
+            <a:extLst>
+              <a:ext uri="{FF2B5EF4-FFF2-40B4-BE49-F238E27FC236}">
+                <a16:creationId xmlns:a16="http://schemas.microsoft.com/office/drawing/2014/main" id="{B30C6E88-ADC1-4BDB-9512-1477961AF61D}"/>
+              </a:ext>
+            </a:extLst>
+          </p:cNvPr>
+          <p:cNvSpPr/>
+          <p:nvPr/>
+        </p:nvSpPr>
+        <p:spPr>
+          <a:xfrm>
+            <a:off x="6030686" y="1461012"/>
+            <a:ext cx="1595535" cy="298405"/>
+          </a:xfrm>
+          <a:prstGeom prst="rect">
+            <a:avLst/>
+          </a:prstGeom>
+          <a:solidFill>
+            <a:srgbClr val="FF0000">
+              <a:alpha val="49804"/>
+            </a:srgbClr>
+          </a:solidFill>
+          <a:ln w="25400">
+            <a:solidFill>
+              <a:schemeClr val="tx1"/>
+            </a:solidFill>
+          </a:ln>
+        </p:spPr>
+        <p:style>
+          <a:lnRef idx="2">
+            <a:schemeClr val="accent1">
+              <a:shade val="50000"/>
+            </a:schemeClr>
+          </a:lnRef>
+          <a:fillRef idx="1">
+            <a:schemeClr val="accent1"/>
+          </a:fillRef>
+          <a:effectRef idx="0">
+            <a:schemeClr val="accent1"/>
+          </a:effectRef>
+          <a:fontRef idx="minor">
+            <a:schemeClr val="lt1"/>
+          </a:fontRef>
+        </p:style>
+        <p:txBody>
+          <a:bodyPr rtlCol="0" anchor="ctr"/>
+          <a:lstStyle/>
+          <a:p>
+            <a:pPr algn="ctr"/>
+            <a:endParaRPr lang="zh-CN" altLang="en-US"/>
+          </a:p>
+        </p:txBody>
+      </p:sp>
+      <p:sp>
+        <p:nvSpPr>
+          <p:cNvPr id="4" name="矩形 3">
+            <a:extLst>
+              <a:ext uri="{FF2B5EF4-FFF2-40B4-BE49-F238E27FC236}">
+                <a16:creationId xmlns:a16="http://schemas.microsoft.com/office/drawing/2014/main" id="{41529FC5-2ECF-41E2-913A-87BF5DF6B26D}"/>
+              </a:ext>
+            </a:extLst>
+          </p:cNvPr>
+          <p:cNvSpPr/>
+          <p:nvPr/>
+        </p:nvSpPr>
+        <p:spPr>
+          <a:xfrm>
+            <a:off x="1570654" y="1462873"/>
+            <a:ext cx="1595535" cy="298405"/>
+          </a:xfrm>
+          <a:prstGeom prst="rect">
+            <a:avLst/>
+          </a:prstGeom>
+          <a:solidFill>
+            <a:srgbClr val="0070C0">
+              <a:alpha val="52000"/>
+            </a:srgbClr>
+          </a:solidFill>
+          <a:ln w="25400"/>
+        </p:spPr>
+        <p:style>
+          <a:lnRef idx="2">
+            <a:schemeClr val="accent1">
+              <a:shade val="50000"/>
+            </a:schemeClr>
+          </a:lnRef>
+          <a:fillRef idx="1">
+            <a:schemeClr val="accent1"/>
+          </a:fillRef>
+          <a:effectRef idx="0">
+            <a:schemeClr val="accent1"/>
+          </a:effectRef>
+          <a:fontRef idx="minor">
+            <a:schemeClr val="lt1"/>
+          </a:fontRef>
+        </p:style>
+        <p:txBody>
+          <a:bodyPr rtlCol="0" anchor="ctr"/>
+          <a:lstStyle/>
+          <a:p>
+            <a:pPr algn="ctr"/>
+            <a:endParaRPr lang="zh-CN" altLang="en-US"/>
+          </a:p>
+        </p:txBody>
+      </p:sp>
+      <p:sp>
+        <p:nvSpPr>
+          <p:cNvPr id="5" name="文本框 4">
+            <a:extLst>
+              <a:ext uri="{FF2B5EF4-FFF2-40B4-BE49-F238E27FC236}">
+                <a16:creationId xmlns:a16="http://schemas.microsoft.com/office/drawing/2014/main" id="{22837272-C31A-42C6-A3C1-26BC9151EB82}"/>
+              </a:ext>
+            </a:extLst>
+          </p:cNvPr>
+          <p:cNvSpPr txBox="1"/>
+          <p:nvPr/>
+        </p:nvSpPr>
+        <p:spPr>
+          <a:xfrm>
+            <a:off x="1129004" y="1427409"/>
+            <a:ext cx="559837" cy="369332"/>
+          </a:xfrm>
+          <a:prstGeom prst="rect">
+            <a:avLst/>
+          </a:prstGeom>
+          <a:noFill/>
+        </p:spPr>
+        <p:txBody>
+          <a:bodyPr wrap="square" rtlCol="0">
+            <a:spAutoFit/>
+          </a:bodyPr>
+          <a:lstStyle/>
+          <a:p>
+            <a:r>
+              <a:rPr lang="en-US" altLang="zh-CN" dirty="0"/>
+              <a:t>X1</a:t>
+            </a:r>
+            <a:endParaRPr lang="zh-CN" altLang="en-US" dirty="0"/>
+          </a:p>
+        </p:txBody>
+      </p:sp>
+      <p:sp>
+        <p:nvSpPr>
+          <p:cNvPr id="6" name="矩形 5">
+            <a:extLst>
+              <a:ext uri="{FF2B5EF4-FFF2-40B4-BE49-F238E27FC236}">
+                <a16:creationId xmlns:a16="http://schemas.microsoft.com/office/drawing/2014/main" id="{0DC41DAD-75E3-4265-AE10-C343D87CAAD7}"/>
+              </a:ext>
+            </a:extLst>
+          </p:cNvPr>
+          <p:cNvSpPr/>
+          <p:nvPr/>
+        </p:nvSpPr>
+        <p:spPr>
+          <a:xfrm>
+            <a:off x="1564434" y="2175110"/>
+            <a:ext cx="1595535" cy="298405"/>
+          </a:xfrm>
+          <a:prstGeom prst="rect">
+            <a:avLst/>
+          </a:prstGeom>
+          <a:solidFill>
+            <a:srgbClr val="0070C0">
+              <a:alpha val="49804"/>
+            </a:srgbClr>
+          </a:solidFill>
+          <a:ln w="25400"/>
+        </p:spPr>
+        <p:style>
+          <a:lnRef idx="2">
+            <a:schemeClr val="accent1">
+              <a:shade val="50000"/>
+            </a:schemeClr>
+          </a:lnRef>
+          <a:fillRef idx="1">
+            <a:schemeClr val="accent1"/>
+          </a:fillRef>
+          <a:effectRef idx="0">
+            <a:schemeClr val="accent1"/>
+          </a:effectRef>
+          <a:fontRef idx="minor">
+            <a:schemeClr val="lt1"/>
+          </a:fontRef>
+        </p:style>
+        <p:txBody>
+          <a:bodyPr rtlCol="0" anchor="ctr"/>
+          <a:lstStyle/>
+          <a:p>
+            <a:pPr algn="ctr"/>
+            <a:endParaRPr lang="zh-CN" altLang="en-US"/>
+          </a:p>
+        </p:txBody>
+      </p:sp>
+      <p:sp>
+        <p:nvSpPr>
+          <p:cNvPr id="7" name="文本框 6">
+            <a:extLst>
+              <a:ext uri="{FF2B5EF4-FFF2-40B4-BE49-F238E27FC236}">
+                <a16:creationId xmlns:a16="http://schemas.microsoft.com/office/drawing/2014/main" id="{7C125F39-750D-436A-823B-09C841D60CFC}"/>
+              </a:ext>
+            </a:extLst>
+          </p:cNvPr>
+          <p:cNvSpPr txBox="1"/>
+          <p:nvPr/>
+        </p:nvSpPr>
+        <p:spPr>
+          <a:xfrm>
+            <a:off x="1122784" y="2139646"/>
+            <a:ext cx="559837" cy="369332"/>
+          </a:xfrm>
+          <a:prstGeom prst="rect">
+            <a:avLst/>
+          </a:prstGeom>
+          <a:noFill/>
+        </p:spPr>
+        <p:txBody>
+          <a:bodyPr wrap="square" rtlCol="0">
+            <a:spAutoFit/>
+          </a:bodyPr>
+          <a:lstStyle/>
+          <a:p>
+            <a:r>
+              <a:rPr lang="en-US" altLang="zh-CN" dirty="0"/>
+              <a:t>X2</a:t>
+            </a:r>
+            <a:endParaRPr lang="zh-CN" altLang="en-US" dirty="0"/>
+          </a:p>
+        </p:txBody>
+      </p:sp>
+      <p:sp>
+        <p:nvSpPr>
+          <p:cNvPr id="8" name="矩形 7">
+            <a:extLst>
+              <a:ext uri="{FF2B5EF4-FFF2-40B4-BE49-F238E27FC236}">
+                <a16:creationId xmlns:a16="http://schemas.microsoft.com/office/drawing/2014/main" id="{8F4AB8F7-CC8E-475C-87D9-E68E8FC67C9C}"/>
+              </a:ext>
+            </a:extLst>
+          </p:cNvPr>
+          <p:cNvSpPr/>
+          <p:nvPr/>
+        </p:nvSpPr>
+        <p:spPr>
+          <a:xfrm>
+            <a:off x="1564434" y="2884236"/>
+            <a:ext cx="1595535" cy="298405"/>
+          </a:xfrm>
+          <a:prstGeom prst="rect">
+            <a:avLst/>
+          </a:prstGeom>
+          <a:solidFill>
+            <a:srgbClr val="0070C0">
+              <a:alpha val="49804"/>
+            </a:srgbClr>
+          </a:solidFill>
+          <a:ln w="25400"/>
+        </p:spPr>
+        <p:style>
+          <a:lnRef idx="2">
+            <a:schemeClr val="accent1">
+              <a:shade val="50000"/>
+            </a:schemeClr>
+          </a:lnRef>
+          <a:fillRef idx="1">
+            <a:schemeClr val="accent1"/>
+          </a:fillRef>
+          <a:effectRef idx="0">
+            <a:schemeClr val="accent1"/>
+          </a:effectRef>
+          <a:fontRef idx="minor">
+            <a:schemeClr val="lt1"/>
+          </a:fontRef>
+        </p:style>
+        <p:txBody>
+          <a:bodyPr rtlCol="0" anchor="ctr"/>
+          <a:lstStyle/>
+          <a:p>
+            <a:pPr algn="ctr"/>
+            <a:endParaRPr lang="zh-CN" altLang="en-US"/>
+          </a:p>
+        </p:txBody>
+      </p:sp>
+      <p:sp>
+        <p:nvSpPr>
+          <p:cNvPr id="9" name="文本框 8">
+            <a:extLst>
+              <a:ext uri="{FF2B5EF4-FFF2-40B4-BE49-F238E27FC236}">
+                <a16:creationId xmlns:a16="http://schemas.microsoft.com/office/drawing/2014/main" id="{0D39BECB-B5FB-41CF-ABA9-E7AAD615933C}"/>
+              </a:ext>
+            </a:extLst>
+          </p:cNvPr>
+          <p:cNvSpPr txBox="1"/>
+          <p:nvPr/>
+        </p:nvSpPr>
+        <p:spPr>
+          <a:xfrm>
+            <a:off x="1122784" y="2848772"/>
+            <a:ext cx="559837" cy="369332"/>
+          </a:xfrm>
+          <a:prstGeom prst="rect">
+            <a:avLst/>
+          </a:prstGeom>
+          <a:noFill/>
+        </p:spPr>
+        <p:txBody>
+          <a:bodyPr wrap="square" rtlCol="0">
+            <a:spAutoFit/>
+          </a:bodyPr>
+          <a:lstStyle/>
+          <a:p>
+            <a:r>
+              <a:rPr lang="en-US" altLang="zh-CN" dirty="0"/>
+              <a:t>X3</a:t>
+            </a:r>
+            <a:endParaRPr lang="zh-CN" altLang="en-US" dirty="0"/>
+          </a:p>
+        </p:txBody>
+      </p:sp>
+      <p:sp>
+        <p:nvSpPr>
+          <p:cNvPr id="10" name="矩形 9">
+            <a:extLst>
+              <a:ext uri="{FF2B5EF4-FFF2-40B4-BE49-F238E27FC236}">
+                <a16:creationId xmlns:a16="http://schemas.microsoft.com/office/drawing/2014/main" id="{20E9FD25-04BD-4F03-AD29-87963F649A70}"/>
+              </a:ext>
+            </a:extLst>
+          </p:cNvPr>
+          <p:cNvSpPr/>
+          <p:nvPr/>
+        </p:nvSpPr>
+        <p:spPr>
+          <a:xfrm>
+            <a:off x="1564434" y="3628825"/>
+            <a:ext cx="1595535" cy="298405"/>
+          </a:xfrm>
+          <a:prstGeom prst="rect">
+            <a:avLst/>
+          </a:prstGeom>
+          <a:solidFill>
+            <a:srgbClr val="0070C0">
+              <a:alpha val="49804"/>
+            </a:srgbClr>
+          </a:solidFill>
+          <a:ln w="25400"/>
+        </p:spPr>
+        <p:style>
+          <a:lnRef idx="2">
+            <a:schemeClr val="accent1">
+              <a:shade val="50000"/>
+            </a:schemeClr>
+          </a:lnRef>
+          <a:fillRef idx="1">
+            <a:schemeClr val="accent1"/>
+          </a:fillRef>
+          <a:effectRef idx="0">
+            <a:schemeClr val="accent1"/>
+          </a:effectRef>
+          <a:fontRef idx="minor">
+            <a:schemeClr val="lt1"/>
+          </a:fontRef>
+        </p:style>
+        <p:txBody>
+          <a:bodyPr rtlCol="0" anchor="ctr"/>
+          <a:lstStyle/>
+          <a:p>
+            <a:pPr algn="ctr"/>
+            <a:endParaRPr lang="zh-CN" altLang="en-US"/>
+          </a:p>
+        </p:txBody>
+      </p:sp>
+      <p:sp>
+        <p:nvSpPr>
+          <p:cNvPr id="11" name="文本框 10">
+            <a:extLst>
+              <a:ext uri="{FF2B5EF4-FFF2-40B4-BE49-F238E27FC236}">
+                <a16:creationId xmlns:a16="http://schemas.microsoft.com/office/drawing/2014/main" id="{884CB58F-826D-4315-B530-04D2603CD6C7}"/>
+              </a:ext>
+            </a:extLst>
+          </p:cNvPr>
+          <p:cNvSpPr txBox="1"/>
+          <p:nvPr/>
+        </p:nvSpPr>
+        <p:spPr>
+          <a:xfrm>
+            <a:off x="1122784" y="3593361"/>
+            <a:ext cx="559837" cy="369332"/>
+          </a:xfrm>
+          <a:prstGeom prst="rect">
+            <a:avLst/>
+          </a:prstGeom>
+          <a:noFill/>
+        </p:spPr>
+        <p:txBody>
+          <a:bodyPr wrap="square" rtlCol="0">
+            <a:spAutoFit/>
+          </a:bodyPr>
+          <a:lstStyle/>
+          <a:p>
+            <a:r>
+              <a:rPr lang="en-US" altLang="zh-CN" dirty="0"/>
+              <a:t>X4</a:t>
+            </a:r>
+            <a:endParaRPr lang="zh-CN" altLang="en-US" dirty="0"/>
+          </a:p>
+        </p:txBody>
+      </p:sp>
+      <p:sp>
+        <p:nvSpPr>
+          <p:cNvPr id="12" name="矩形 11">
+            <a:extLst>
+              <a:ext uri="{FF2B5EF4-FFF2-40B4-BE49-F238E27FC236}">
+                <a16:creationId xmlns:a16="http://schemas.microsoft.com/office/drawing/2014/main" id="{2531EC3C-16B5-4181-B36C-AA7CF445FA52}"/>
+              </a:ext>
+            </a:extLst>
+          </p:cNvPr>
+          <p:cNvSpPr/>
+          <p:nvPr/>
+        </p:nvSpPr>
+        <p:spPr>
+          <a:xfrm>
+            <a:off x="1570656" y="4373414"/>
+            <a:ext cx="1595535" cy="298405"/>
+          </a:xfrm>
+          <a:prstGeom prst="rect">
+            <a:avLst/>
+          </a:prstGeom>
+          <a:solidFill>
+            <a:srgbClr val="0070C0">
+              <a:alpha val="49804"/>
+            </a:srgbClr>
+          </a:solidFill>
+          <a:ln w="25400"/>
+        </p:spPr>
+        <p:style>
+          <a:lnRef idx="2">
+            <a:schemeClr val="accent1">
+              <a:shade val="50000"/>
+            </a:schemeClr>
+          </a:lnRef>
+          <a:fillRef idx="1">
+            <a:schemeClr val="accent1"/>
+          </a:fillRef>
+          <a:effectRef idx="0">
+            <a:schemeClr val="accent1"/>
+          </a:effectRef>
+          <a:fontRef idx="minor">
+            <a:schemeClr val="lt1"/>
+          </a:fontRef>
+        </p:style>
+        <p:txBody>
+          <a:bodyPr rtlCol="0" anchor="ctr"/>
+          <a:lstStyle/>
+          <a:p>
+            <a:pPr algn="ctr"/>
+            <a:endParaRPr lang="zh-CN" altLang="en-US"/>
+          </a:p>
+        </p:txBody>
+      </p:sp>
+      <p:sp>
+        <p:nvSpPr>
+          <p:cNvPr id="13" name="文本框 12">
+            <a:extLst>
+              <a:ext uri="{FF2B5EF4-FFF2-40B4-BE49-F238E27FC236}">
+                <a16:creationId xmlns:a16="http://schemas.microsoft.com/office/drawing/2014/main" id="{306A3783-A44E-4944-B5B5-D2181ADEB112}"/>
+              </a:ext>
+            </a:extLst>
+          </p:cNvPr>
+          <p:cNvSpPr txBox="1"/>
+          <p:nvPr/>
+        </p:nvSpPr>
+        <p:spPr>
+          <a:xfrm>
+            <a:off x="1129006" y="4337950"/>
+            <a:ext cx="559837" cy="369332"/>
+          </a:xfrm>
+          <a:prstGeom prst="rect">
+            <a:avLst/>
+          </a:prstGeom>
+          <a:noFill/>
+        </p:spPr>
+        <p:txBody>
+          <a:bodyPr wrap="square" rtlCol="0">
+            <a:spAutoFit/>
+          </a:bodyPr>
+          <a:lstStyle/>
+          <a:p>
+            <a:r>
+              <a:rPr lang="en-US" altLang="zh-CN" dirty="0"/>
+              <a:t>X5</a:t>
+            </a:r>
+            <a:endParaRPr lang="zh-CN" altLang="en-US" dirty="0"/>
+          </a:p>
+        </p:txBody>
+      </p:sp>
+      <p:sp>
+        <p:nvSpPr>
+          <p:cNvPr id="14" name="矩形 13">
+            <a:extLst>
+              <a:ext uri="{FF2B5EF4-FFF2-40B4-BE49-F238E27FC236}">
+                <a16:creationId xmlns:a16="http://schemas.microsoft.com/office/drawing/2014/main" id="{6D948EDC-9BE7-448D-A562-FE21E254DB18}"/>
+              </a:ext>
+            </a:extLst>
+          </p:cNvPr>
+          <p:cNvSpPr/>
+          <p:nvPr/>
+        </p:nvSpPr>
+        <p:spPr>
+          <a:xfrm>
+            <a:off x="1564434" y="5082539"/>
+            <a:ext cx="1595535" cy="298405"/>
+          </a:xfrm>
+          <a:prstGeom prst="rect">
+            <a:avLst/>
+          </a:prstGeom>
+          <a:solidFill>
+            <a:srgbClr val="0070C0">
+              <a:alpha val="49804"/>
+            </a:srgbClr>
+          </a:solidFill>
+          <a:ln w="25400"/>
+        </p:spPr>
+        <p:style>
+          <a:lnRef idx="2">
+            <a:schemeClr val="accent1">
+              <a:shade val="50000"/>
+            </a:schemeClr>
+          </a:lnRef>
+          <a:fillRef idx="1">
+            <a:schemeClr val="accent1"/>
+          </a:fillRef>
+          <a:effectRef idx="0">
+            <a:schemeClr val="accent1"/>
+          </a:effectRef>
+          <a:fontRef idx="minor">
+            <a:schemeClr val="lt1"/>
+          </a:fontRef>
+        </p:style>
+        <p:txBody>
+          <a:bodyPr rtlCol="0" anchor="ctr"/>
+          <a:lstStyle/>
+          <a:p>
+            <a:pPr algn="ctr"/>
+            <a:endParaRPr lang="zh-CN" altLang="en-US"/>
+          </a:p>
+        </p:txBody>
+      </p:sp>
+      <p:sp>
+        <p:nvSpPr>
+          <p:cNvPr id="15" name="文本框 14">
+            <a:extLst>
+              <a:ext uri="{FF2B5EF4-FFF2-40B4-BE49-F238E27FC236}">
+                <a16:creationId xmlns:a16="http://schemas.microsoft.com/office/drawing/2014/main" id="{D8740C1E-B394-47E7-8EA0-FAB15E14D7BE}"/>
+              </a:ext>
+            </a:extLst>
+          </p:cNvPr>
+          <p:cNvSpPr txBox="1"/>
+          <p:nvPr/>
+        </p:nvSpPr>
+        <p:spPr>
+          <a:xfrm>
+            <a:off x="1122784" y="5047075"/>
+            <a:ext cx="559837" cy="369332"/>
+          </a:xfrm>
+          <a:prstGeom prst="rect">
+            <a:avLst/>
+          </a:prstGeom>
+          <a:noFill/>
+        </p:spPr>
+        <p:txBody>
+          <a:bodyPr wrap="square" rtlCol="0">
+            <a:spAutoFit/>
+          </a:bodyPr>
+          <a:lstStyle/>
+          <a:p>
+            <a:r>
+              <a:rPr lang="en-US" altLang="zh-CN" dirty="0"/>
+              <a:t>X6</a:t>
+            </a:r>
+            <a:endParaRPr lang="zh-CN" altLang="en-US" dirty="0"/>
+          </a:p>
+        </p:txBody>
+      </p:sp>
+      <p:sp>
+        <p:nvSpPr>
+          <p:cNvPr id="16" name="矩形 15">
+            <a:extLst>
+              <a:ext uri="{FF2B5EF4-FFF2-40B4-BE49-F238E27FC236}">
+                <a16:creationId xmlns:a16="http://schemas.microsoft.com/office/drawing/2014/main" id="{D72D32B3-6200-41E5-9091-46A5F8C1DC8C}"/>
+              </a:ext>
+            </a:extLst>
+          </p:cNvPr>
+          <p:cNvSpPr/>
+          <p:nvPr/>
+        </p:nvSpPr>
+        <p:spPr>
+          <a:xfrm>
+            <a:off x="1564434" y="5827127"/>
+            <a:ext cx="1595535" cy="298405"/>
+          </a:xfrm>
+          <a:prstGeom prst="rect">
+            <a:avLst/>
+          </a:prstGeom>
+          <a:solidFill>
+            <a:srgbClr val="0070C0">
+              <a:alpha val="49804"/>
+            </a:srgbClr>
+          </a:solidFill>
+          <a:ln w="25400"/>
+        </p:spPr>
+        <p:style>
+          <a:lnRef idx="2">
+            <a:schemeClr val="accent1">
+              <a:shade val="50000"/>
+            </a:schemeClr>
+          </a:lnRef>
+          <a:fillRef idx="1">
+            <a:schemeClr val="accent1"/>
+          </a:fillRef>
+          <a:effectRef idx="0">
+            <a:schemeClr val="accent1"/>
+          </a:effectRef>
+          <a:fontRef idx="minor">
+            <a:schemeClr val="lt1"/>
+          </a:fontRef>
+        </p:style>
+        <p:txBody>
+          <a:bodyPr rtlCol="0" anchor="ctr"/>
+          <a:lstStyle/>
+          <a:p>
+            <a:pPr algn="ctr"/>
+            <a:endParaRPr lang="zh-CN" altLang="en-US"/>
+          </a:p>
+        </p:txBody>
+      </p:sp>
+      <p:sp>
+        <p:nvSpPr>
+          <p:cNvPr id="17" name="文本框 16">
+            <a:extLst>
+              <a:ext uri="{FF2B5EF4-FFF2-40B4-BE49-F238E27FC236}">
+                <a16:creationId xmlns:a16="http://schemas.microsoft.com/office/drawing/2014/main" id="{29942936-7ABA-4554-9E30-3AA48D532022}"/>
+              </a:ext>
+            </a:extLst>
+          </p:cNvPr>
+          <p:cNvSpPr txBox="1"/>
+          <p:nvPr/>
+        </p:nvSpPr>
+        <p:spPr>
+          <a:xfrm>
+            <a:off x="1122784" y="5791663"/>
+            <a:ext cx="559837" cy="369332"/>
+          </a:xfrm>
+          <a:prstGeom prst="rect">
+            <a:avLst/>
+          </a:prstGeom>
+          <a:noFill/>
+        </p:spPr>
+        <p:txBody>
+          <a:bodyPr wrap="square" rtlCol="0">
+            <a:spAutoFit/>
+          </a:bodyPr>
+          <a:lstStyle/>
+          <a:p>
+            <a:r>
+              <a:rPr lang="en-US" altLang="zh-CN" dirty="0"/>
+              <a:t>X7</a:t>
+            </a:r>
+            <a:endParaRPr lang="zh-CN" altLang="en-US" dirty="0"/>
+          </a:p>
+        </p:txBody>
+      </p:sp>
+      <p:sp>
+        <p:nvSpPr>
+          <p:cNvPr id="18" name="椭圆 17">
+            <a:extLst>
+              <a:ext uri="{FF2B5EF4-FFF2-40B4-BE49-F238E27FC236}">
+                <a16:creationId xmlns:a16="http://schemas.microsoft.com/office/drawing/2014/main" id="{0BAC13FA-9D57-445A-A8C0-5EF578F01467}"/>
+              </a:ext>
+            </a:extLst>
+          </p:cNvPr>
+          <p:cNvSpPr/>
+          <p:nvPr/>
+        </p:nvSpPr>
+        <p:spPr>
+          <a:xfrm>
+            <a:off x="3881535" y="1355395"/>
+            <a:ext cx="1017037" cy="513359"/>
+          </a:xfrm>
+          <a:prstGeom prst="ellipse">
+            <a:avLst/>
+          </a:prstGeom>
+          <a:solidFill>
+            <a:schemeClr val="bg1">
+              <a:lumMod val="65000"/>
+            </a:schemeClr>
+          </a:solidFill>
+          <a:ln w="28575">
+            <a:solidFill>
+              <a:schemeClr val="tx1"/>
+            </a:solidFill>
+          </a:ln>
+        </p:spPr>
+        <p:style>
+          <a:lnRef idx="2">
+            <a:schemeClr val="accent1">
+              <a:shade val="50000"/>
+            </a:schemeClr>
+          </a:lnRef>
+          <a:fillRef idx="1">
+            <a:schemeClr val="accent1"/>
+          </a:fillRef>
+          <a:effectRef idx="0">
+            <a:schemeClr val="accent1"/>
+          </a:effectRef>
+          <a:fontRef idx="minor">
+            <a:schemeClr val="lt1"/>
+          </a:fontRef>
+        </p:style>
+        <p:txBody>
+          <a:bodyPr rtlCol="0" anchor="ctr"/>
+          <a:lstStyle/>
+          <a:p>
+            <a:pPr algn="ctr"/>
+            <a:r>
+              <a:rPr lang="en-US" altLang="zh-CN" dirty="0">
+                <a:solidFill>
+                  <a:schemeClr val="tx1"/>
+                </a:solidFill>
+              </a:rPr>
+              <a:t>α 3,1</a:t>
+            </a:r>
+            <a:endParaRPr lang="zh-CN" altLang="en-US" dirty="0">
+              <a:solidFill>
+                <a:schemeClr val="tx1"/>
+              </a:solidFill>
+            </a:endParaRPr>
+          </a:p>
+        </p:txBody>
+      </p:sp>
+      <p:sp>
+        <p:nvSpPr>
+          <p:cNvPr id="19" name="椭圆 18">
+            <a:extLst>
+              <a:ext uri="{FF2B5EF4-FFF2-40B4-BE49-F238E27FC236}">
+                <a16:creationId xmlns:a16="http://schemas.microsoft.com/office/drawing/2014/main" id="{7B7F24E4-8877-44A2-BC92-58B55FA73B71}"/>
+              </a:ext>
+            </a:extLst>
+          </p:cNvPr>
+          <p:cNvSpPr/>
+          <p:nvPr/>
+        </p:nvSpPr>
+        <p:spPr>
+          <a:xfrm>
+            <a:off x="3881535" y="2067632"/>
+            <a:ext cx="1017037" cy="513359"/>
+          </a:xfrm>
+          <a:prstGeom prst="ellipse">
+            <a:avLst/>
+          </a:prstGeom>
+          <a:solidFill>
+            <a:schemeClr val="bg1">
+              <a:lumMod val="65000"/>
+            </a:schemeClr>
+          </a:solidFill>
+          <a:ln w="28575">
+            <a:solidFill>
+              <a:schemeClr val="tx1"/>
+            </a:solidFill>
+          </a:ln>
+        </p:spPr>
+        <p:style>
+          <a:lnRef idx="2">
+            <a:schemeClr val="accent1">
+              <a:shade val="50000"/>
+            </a:schemeClr>
+          </a:lnRef>
+          <a:fillRef idx="1">
+            <a:schemeClr val="accent1"/>
+          </a:fillRef>
+          <a:effectRef idx="0">
+            <a:schemeClr val="accent1"/>
+          </a:effectRef>
+          <a:fontRef idx="minor">
+            <a:schemeClr val="lt1"/>
+          </a:fontRef>
+        </p:style>
+        <p:txBody>
+          <a:bodyPr rtlCol="0" anchor="ctr"/>
+          <a:lstStyle/>
+          <a:p>
+            <a:pPr algn="ctr"/>
+            <a:r>
+              <a:rPr lang="en-US" altLang="zh-CN" dirty="0">
+                <a:solidFill>
+                  <a:schemeClr val="tx1"/>
+                </a:solidFill>
+              </a:rPr>
+              <a:t>α 3,2</a:t>
+            </a:r>
+            <a:endParaRPr lang="zh-CN" altLang="en-US" dirty="0">
+              <a:solidFill>
+                <a:schemeClr val="tx1"/>
+              </a:solidFill>
+            </a:endParaRPr>
+          </a:p>
+        </p:txBody>
+      </p:sp>
+      <p:sp>
+        <p:nvSpPr>
+          <p:cNvPr id="21" name="椭圆 20">
+            <a:extLst>
+              <a:ext uri="{FF2B5EF4-FFF2-40B4-BE49-F238E27FC236}">
+                <a16:creationId xmlns:a16="http://schemas.microsoft.com/office/drawing/2014/main" id="{7828037E-F6F9-4FFE-B386-095C78FA80AA}"/>
+              </a:ext>
+            </a:extLst>
+          </p:cNvPr>
+          <p:cNvSpPr/>
+          <p:nvPr/>
+        </p:nvSpPr>
+        <p:spPr>
+          <a:xfrm>
+            <a:off x="3881533" y="3521347"/>
+            <a:ext cx="1017037" cy="513359"/>
+          </a:xfrm>
+          <a:prstGeom prst="ellipse">
+            <a:avLst/>
+          </a:prstGeom>
+          <a:solidFill>
+            <a:schemeClr val="bg1">
+              <a:lumMod val="65000"/>
+            </a:schemeClr>
+          </a:solidFill>
+          <a:ln w="28575">
+            <a:solidFill>
+              <a:schemeClr val="tx1"/>
+            </a:solidFill>
+          </a:ln>
+        </p:spPr>
+        <p:style>
+          <a:lnRef idx="2">
+            <a:schemeClr val="accent1">
+              <a:shade val="50000"/>
+            </a:schemeClr>
+          </a:lnRef>
+          <a:fillRef idx="1">
+            <a:schemeClr val="accent1"/>
+          </a:fillRef>
+          <a:effectRef idx="0">
+            <a:schemeClr val="accent1"/>
+          </a:effectRef>
+          <a:fontRef idx="minor">
+            <a:schemeClr val="lt1"/>
+          </a:fontRef>
+        </p:style>
+        <p:txBody>
+          <a:bodyPr rtlCol="0" anchor="ctr"/>
+          <a:lstStyle/>
+          <a:p>
+            <a:pPr algn="ctr"/>
+            <a:r>
+              <a:rPr lang="en-US" altLang="zh-CN" dirty="0">
+                <a:solidFill>
+                  <a:schemeClr val="tx1"/>
+                </a:solidFill>
+              </a:rPr>
+              <a:t>α 3,4</a:t>
+            </a:r>
+            <a:endParaRPr lang="zh-CN" altLang="en-US" dirty="0">
+              <a:solidFill>
+                <a:schemeClr val="tx1"/>
+              </a:solidFill>
+            </a:endParaRPr>
+          </a:p>
+        </p:txBody>
+      </p:sp>
+      <p:sp>
+        <p:nvSpPr>
+          <p:cNvPr id="22" name="椭圆 21">
+            <a:extLst>
+              <a:ext uri="{FF2B5EF4-FFF2-40B4-BE49-F238E27FC236}">
+                <a16:creationId xmlns:a16="http://schemas.microsoft.com/office/drawing/2014/main" id="{FCDD6C01-B053-41D7-9EC2-7E4CD000F7BE}"/>
+              </a:ext>
+            </a:extLst>
+          </p:cNvPr>
+          <p:cNvSpPr/>
+          <p:nvPr/>
+        </p:nvSpPr>
+        <p:spPr>
+          <a:xfrm>
+            <a:off x="3881533" y="4265936"/>
+            <a:ext cx="1017037" cy="513359"/>
+          </a:xfrm>
+          <a:prstGeom prst="ellipse">
+            <a:avLst/>
+          </a:prstGeom>
+          <a:solidFill>
+            <a:schemeClr val="bg1">
+              <a:lumMod val="65000"/>
+            </a:schemeClr>
+          </a:solidFill>
+          <a:ln w="28575">
+            <a:solidFill>
+              <a:schemeClr val="tx1"/>
+            </a:solidFill>
+          </a:ln>
+        </p:spPr>
+        <p:style>
+          <a:lnRef idx="2">
+            <a:schemeClr val="accent1">
+              <a:shade val="50000"/>
+            </a:schemeClr>
+          </a:lnRef>
+          <a:fillRef idx="1">
+            <a:schemeClr val="accent1"/>
+          </a:fillRef>
+          <a:effectRef idx="0">
+            <a:schemeClr val="accent1"/>
+          </a:effectRef>
+          <a:fontRef idx="minor">
+            <a:schemeClr val="lt1"/>
+          </a:fontRef>
+        </p:style>
+        <p:txBody>
+          <a:bodyPr rtlCol="0" anchor="ctr"/>
+          <a:lstStyle/>
+          <a:p>
+            <a:pPr algn="ctr"/>
+            <a:r>
+              <a:rPr lang="en-US" altLang="zh-CN" dirty="0">
+                <a:solidFill>
+                  <a:schemeClr val="tx1"/>
+                </a:solidFill>
+              </a:rPr>
+              <a:t>α 3,5</a:t>
+            </a:r>
+            <a:endParaRPr lang="zh-CN" altLang="en-US" dirty="0">
+              <a:solidFill>
+                <a:schemeClr val="tx1"/>
+              </a:solidFill>
+            </a:endParaRPr>
+          </a:p>
+        </p:txBody>
+      </p:sp>
+      <p:sp>
+        <p:nvSpPr>
+          <p:cNvPr id="23" name="椭圆 22">
+            <a:extLst>
+              <a:ext uri="{FF2B5EF4-FFF2-40B4-BE49-F238E27FC236}">
+                <a16:creationId xmlns:a16="http://schemas.microsoft.com/office/drawing/2014/main" id="{F7322DFD-3158-44CF-B539-1EBED0BD80D2}"/>
+              </a:ext>
+            </a:extLst>
+          </p:cNvPr>
+          <p:cNvSpPr/>
+          <p:nvPr/>
+        </p:nvSpPr>
+        <p:spPr>
+          <a:xfrm>
+            <a:off x="3881531" y="4980002"/>
+            <a:ext cx="1017037" cy="513359"/>
+          </a:xfrm>
+          <a:prstGeom prst="ellipse">
+            <a:avLst/>
+          </a:prstGeom>
+          <a:solidFill>
+            <a:schemeClr val="bg1">
+              <a:lumMod val="65000"/>
+            </a:schemeClr>
+          </a:solidFill>
+          <a:ln w="28575">
+            <a:solidFill>
+              <a:schemeClr val="tx1"/>
+            </a:solidFill>
+          </a:ln>
+        </p:spPr>
+        <p:style>
+          <a:lnRef idx="2">
+            <a:schemeClr val="accent1">
+              <a:shade val="50000"/>
+            </a:schemeClr>
+          </a:lnRef>
+          <a:fillRef idx="1">
+            <a:schemeClr val="accent1"/>
+          </a:fillRef>
+          <a:effectRef idx="0">
+            <a:schemeClr val="accent1"/>
+          </a:effectRef>
+          <a:fontRef idx="minor">
+            <a:schemeClr val="lt1"/>
+          </a:fontRef>
+        </p:style>
+        <p:txBody>
+          <a:bodyPr rtlCol="0" anchor="ctr"/>
+          <a:lstStyle/>
+          <a:p>
+            <a:pPr algn="ctr"/>
+            <a:r>
+              <a:rPr lang="en-US" altLang="zh-CN" dirty="0">
+                <a:solidFill>
+                  <a:schemeClr val="tx1"/>
+                </a:solidFill>
+              </a:rPr>
+              <a:t>α 3,6</a:t>
+            </a:r>
+            <a:endParaRPr lang="zh-CN" altLang="en-US" dirty="0">
+              <a:solidFill>
+                <a:schemeClr val="tx1"/>
+              </a:solidFill>
+            </a:endParaRPr>
+          </a:p>
+        </p:txBody>
+      </p:sp>
+      <p:sp>
+        <p:nvSpPr>
+          <p:cNvPr id="24" name="椭圆 23">
+            <a:extLst>
+              <a:ext uri="{FF2B5EF4-FFF2-40B4-BE49-F238E27FC236}">
+                <a16:creationId xmlns:a16="http://schemas.microsoft.com/office/drawing/2014/main" id="{459DACBF-7265-4066-8756-67F517B09C54}"/>
+              </a:ext>
+            </a:extLst>
+          </p:cNvPr>
+          <p:cNvSpPr/>
+          <p:nvPr/>
+        </p:nvSpPr>
+        <p:spPr>
+          <a:xfrm>
+            <a:off x="3881531" y="5724591"/>
+            <a:ext cx="1017037" cy="513359"/>
+          </a:xfrm>
+          <a:prstGeom prst="ellipse">
+            <a:avLst/>
+          </a:prstGeom>
+          <a:solidFill>
+            <a:schemeClr val="bg1">
+              <a:lumMod val="65000"/>
+            </a:schemeClr>
+          </a:solidFill>
+          <a:ln w="28575">
+            <a:solidFill>
+              <a:schemeClr val="tx1"/>
+            </a:solidFill>
+          </a:ln>
+        </p:spPr>
+        <p:style>
+          <a:lnRef idx="2">
+            <a:schemeClr val="accent1">
+              <a:shade val="50000"/>
+            </a:schemeClr>
+          </a:lnRef>
+          <a:fillRef idx="1">
+            <a:schemeClr val="accent1"/>
+          </a:fillRef>
+          <a:effectRef idx="0">
+            <a:schemeClr val="accent1"/>
+          </a:effectRef>
+          <a:fontRef idx="minor">
+            <a:schemeClr val="lt1"/>
+          </a:fontRef>
+        </p:style>
+        <p:txBody>
+          <a:bodyPr rtlCol="0" anchor="ctr"/>
+          <a:lstStyle/>
+          <a:p>
+            <a:pPr algn="ctr"/>
+            <a:r>
+              <a:rPr lang="en-US" altLang="zh-CN" dirty="0">
+                <a:solidFill>
+                  <a:schemeClr val="tx1"/>
+                </a:solidFill>
+              </a:rPr>
+              <a:t>α 3,7</a:t>
+            </a:r>
+            <a:endParaRPr lang="zh-CN" altLang="en-US" dirty="0">
+              <a:solidFill>
+                <a:schemeClr val="tx1"/>
+              </a:solidFill>
+            </a:endParaRPr>
+          </a:p>
+        </p:txBody>
+      </p:sp>
+      <p:sp>
+        <p:nvSpPr>
+          <p:cNvPr id="25" name="矩形 24">
+            <a:extLst>
+              <a:ext uri="{FF2B5EF4-FFF2-40B4-BE49-F238E27FC236}">
+                <a16:creationId xmlns:a16="http://schemas.microsoft.com/office/drawing/2014/main" id="{BCEB0DFE-561C-4EF9-A94C-ECB451149339}"/>
+              </a:ext>
+            </a:extLst>
+          </p:cNvPr>
+          <p:cNvSpPr/>
+          <p:nvPr/>
+        </p:nvSpPr>
+        <p:spPr>
+          <a:xfrm>
+            <a:off x="7626221" y="1461011"/>
+            <a:ext cx="1595535" cy="298405"/>
+          </a:xfrm>
+          <a:prstGeom prst="rect">
+            <a:avLst/>
+          </a:prstGeom>
+          <a:solidFill>
+            <a:srgbClr val="0070C0">
+              <a:alpha val="49804"/>
+            </a:srgbClr>
+          </a:solidFill>
+          <a:ln w="25400">
+            <a:solidFill>
+              <a:schemeClr val="tx1"/>
+            </a:solidFill>
+          </a:ln>
+        </p:spPr>
+        <p:style>
+          <a:lnRef idx="2">
+            <a:schemeClr val="accent1">
+              <a:shade val="50000"/>
+            </a:schemeClr>
+          </a:lnRef>
+          <a:fillRef idx="1">
+            <a:schemeClr val="accent1"/>
+          </a:fillRef>
+          <a:effectRef idx="0">
+            <a:schemeClr val="accent1"/>
+          </a:effectRef>
+          <a:fontRef idx="minor">
+            <a:schemeClr val="lt1"/>
+          </a:fontRef>
+        </p:style>
+        <p:txBody>
+          <a:bodyPr rtlCol="0" anchor="ctr"/>
+          <a:lstStyle/>
+          <a:p>
+            <a:pPr algn="ctr"/>
+            <a:endParaRPr lang="zh-CN" altLang="en-US"/>
+          </a:p>
+        </p:txBody>
+      </p:sp>
+      <p:sp>
+        <p:nvSpPr>
+          <p:cNvPr id="26" name="矩形 25">
+            <a:extLst>
+              <a:ext uri="{FF2B5EF4-FFF2-40B4-BE49-F238E27FC236}">
+                <a16:creationId xmlns:a16="http://schemas.microsoft.com/office/drawing/2014/main" id="{88C6825E-7E48-4676-9804-B30703E8F0A8}"/>
+              </a:ext>
+            </a:extLst>
+          </p:cNvPr>
+          <p:cNvSpPr/>
+          <p:nvPr/>
+        </p:nvSpPr>
+        <p:spPr>
+          <a:xfrm>
+            <a:off x="6030686" y="2175111"/>
+            <a:ext cx="1595535" cy="298405"/>
+          </a:xfrm>
+          <a:prstGeom prst="rect">
+            <a:avLst/>
+          </a:prstGeom>
+          <a:solidFill>
+            <a:srgbClr val="FF0000">
+              <a:alpha val="49804"/>
+            </a:srgbClr>
+          </a:solidFill>
+          <a:ln w="25400">
+            <a:solidFill>
+              <a:schemeClr val="tx1"/>
+            </a:solidFill>
+          </a:ln>
+        </p:spPr>
+        <p:style>
+          <a:lnRef idx="2">
+            <a:schemeClr val="accent1">
+              <a:shade val="50000"/>
+            </a:schemeClr>
+          </a:lnRef>
+          <a:fillRef idx="1">
+            <a:schemeClr val="accent1"/>
+          </a:fillRef>
+          <a:effectRef idx="0">
+            <a:schemeClr val="accent1"/>
+          </a:effectRef>
+          <a:fontRef idx="minor">
+            <a:schemeClr val="lt1"/>
+          </a:fontRef>
+        </p:style>
+        <p:txBody>
+          <a:bodyPr rtlCol="0" anchor="ctr"/>
+          <a:lstStyle/>
+          <a:p>
+            <a:pPr algn="ctr"/>
+            <a:endParaRPr lang="zh-CN" altLang="en-US"/>
+          </a:p>
+        </p:txBody>
+      </p:sp>
+      <p:sp>
+        <p:nvSpPr>
+          <p:cNvPr id="27" name="矩形 26">
+            <a:extLst>
+              <a:ext uri="{FF2B5EF4-FFF2-40B4-BE49-F238E27FC236}">
+                <a16:creationId xmlns:a16="http://schemas.microsoft.com/office/drawing/2014/main" id="{239FB18C-7EA2-4474-B15F-23A383A20E4C}"/>
+              </a:ext>
+            </a:extLst>
+          </p:cNvPr>
+          <p:cNvSpPr/>
+          <p:nvPr/>
+        </p:nvSpPr>
+        <p:spPr>
+          <a:xfrm>
+            <a:off x="7626221" y="2175110"/>
+            <a:ext cx="1595535" cy="298405"/>
+          </a:xfrm>
+          <a:prstGeom prst="rect">
+            <a:avLst/>
+          </a:prstGeom>
+          <a:solidFill>
+            <a:srgbClr val="0070C0">
+              <a:alpha val="49804"/>
+            </a:srgbClr>
+          </a:solidFill>
+          <a:ln w="25400">
+            <a:solidFill>
+              <a:schemeClr val="tx1"/>
+            </a:solidFill>
+          </a:ln>
+        </p:spPr>
+        <p:style>
+          <a:lnRef idx="2">
+            <a:schemeClr val="accent1">
+              <a:shade val="50000"/>
+            </a:schemeClr>
+          </a:lnRef>
+          <a:fillRef idx="1">
+            <a:schemeClr val="accent1"/>
+          </a:fillRef>
+          <a:effectRef idx="0">
+            <a:schemeClr val="accent1"/>
+          </a:effectRef>
+          <a:fontRef idx="minor">
+            <a:schemeClr val="lt1"/>
+          </a:fontRef>
+        </p:style>
+        <p:txBody>
+          <a:bodyPr rtlCol="0" anchor="ctr"/>
+          <a:lstStyle/>
+          <a:p>
+            <a:pPr algn="ctr"/>
+            <a:endParaRPr lang="zh-CN" altLang="en-US"/>
+          </a:p>
+        </p:txBody>
+      </p:sp>
+      <p:sp>
+        <p:nvSpPr>
+          <p:cNvPr id="28" name="矩形 27">
+            <a:extLst>
+              <a:ext uri="{FF2B5EF4-FFF2-40B4-BE49-F238E27FC236}">
+                <a16:creationId xmlns:a16="http://schemas.microsoft.com/office/drawing/2014/main" id="{80E5BD38-C18C-4275-A4A5-755EB077663B}"/>
+              </a:ext>
+            </a:extLst>
+          </p:cNvPr>
+          <p:cNvSpPr/>
+          <p:nvPr/>
+        </p:nvSpPr>
+        <p:spPr>
+          <a:xfrm>
+            <a:off x="6030686" y="2884237"/>
+            <a:ext cx="1595535" cy="298405"/>
+          </a:xfrm>
+          <a:prstGeom prst="rect">
+            <a:avLst/>
+          </a:prstGeom>
+          <a:solidFill>
+            <a:srgbClr val="FF0000">
+              <a:alpha val="49804"/>
+            </a:srgbClr>
+          </a:solidFill>
+          <a:ln w="25400">
+            <a:solidFill>
+              <a:schemeClr val="tx1"/>
+            </a:solidFill>
+          </a:ln>
+        </p:spPr>
+        <p:style>
+          <a:lnRef idx="2">
+            <a:schemeClr val="accent1">
+              <a:shade val="50000"/>
+            </a:schemeClr>
+          </a:lnRef>
+          <a:fillRef idx="1">
+            <a:schemeClr val="accent1"/>
+          </a:fillRef>
+          <a:effectRef idx="0">
+            <a:schemeClr val="accent1"/>
+          </a:effectRef>
+          <a:fontRef idx="minor">
+            <a:schemeClr val="lt1"/>
+          </a:fontRef>
+        </p:style>
+        <p:txBody>
+          <a:bodyPr rtlCol="0" anchor="ctr"/>
+          <a:lstStyle/>
+          <a:p>
+            <a:pPr algn="ctr"/>
+            <a:endParaRPr lang="zh-CN" altLang="en-US"/>
+          </a:p>
+        </p:txBody>
+      </p:sp>
+      <p:sp>
+        <p:nvSpPr>
+          <p:cNvPr id="29" name="矩形 28">
+            <a:extLst>
+              <a:ext uri="{FF2B5EF4-FFF2-40B4-BE49-F238E27FC236}">
+                <a16:creationId xmlns:a16="http://schemas.microsoft.com/office/drawing/2014/main" id="{F515D5C3-0762-4631-9D83-79F576FBED27}"/>
+              </a:ext>
+            </a:extLst>
+          </p:cNvPr>
+          <p:cNvSpPr/>
+          <p:nvPr/>
+        </p:nvSpPr>
+        <p:spPr>
+          <a:xfrm>
+            <a:off x="7626221" y="2884236"/>
+            <a:ext cx="1595535" cy="298405"/>
+          </a:xfrm>
+          <a:prstGeom prst="rect">
+            <a:avLst/>
+          </a:prstGeom>
+          <a:solidFill>
+            <a:srgbClr val="0070C0">
+              <a:alpha val="49804"/>
+            </a:srgbClr>
+          </a:solidFill>
+          <a:ln w="25400">
+            <a:solidFill>
+              <a:schemeClr val="tx1"/>
+            </a:solidFill>
+          </a:ln>
+        </p:spPr>
+        <p:style>
+          <a:lnRef idx="2">
+            <a:schemeClr val="accent1">
+              <a:shade val="50000"/>
+            </a:schemeClr>
+          </a:lnRef>
+          <a:fillRef idx="1">
+            <a:schemeClr val="accent1"/>
+          </a:fillRef>
+          <a:effectRef idx="0">
+            <a:schemeClr val="accent1"/>
+          </a:effectRef>
+          <a:fontRef idx="minor">
+            <a:schemeClr val="lt1"/>
+          </a:fontRef>
+        </p:style>
+        <p:txBody>
+          <a:bodyPr rtlCol="0" anchor="ctr"/>
+          <a:lstStyle/>
+          <a:p>
+            <a:pPr algn="ctr"/>
+            <a:endParaRPr lang="zh-CN" altLang="en-US"/>
+          </a:p>
+        </p:txBody>
+      </p:sp>
+      <p:sp>
+        <p:nvSpPr>
+          <p:cNvPr id="30" name="矩形 29">
+            <a:extLst>
+              <a:ext uri="{FF2B5EF4-FFF2-40B4-BE49-F238E27FC236}">
+                <a16:creationId xmlns:a16="http://schemas.microsoft.com/office/drawing/2014/main" id="{42E45D57-A812-4FDA-88E8-5F9177C54AF2}"/>
+              </a:ext>
+            </a:extLst>
+          </p:cNvPr>
+          <p:cNvSpPr/>
+          <p:nvPr/>
+        </p:nvSpPr>
+        <p:spPr>
+          <a:xfrm>
+            <a:off x="6030686" y="3628826"/>
+            <a:ext cx="1595535" cy="298405"/>
+          </a:xfrm>
+          <a:prstGeom prst="rect">
+            <a:avLst/>
+          </a:prstGeom>
+          <a:solidFill>
+            <a:srgbClr val="FF0000">
+              <a:alpha val="49804"/>
+            </a:srgbClr>
+          </a:solidFill>
+          <a:ln w="25400">
+            <a:solidFill>
+              <a:schemeClr val="tx1"/>
+            </a:solidFill>
+          </a:ln>
+        </p:spPr>
+        <p:style>
+          <a:lnRef idx="2">
+            <a:schemeClr val="accent1">
+              <a:shade val="50000"/>
+            </a:schemeClr>
+          </a:lnRef>
+          <a:fillRef idx="1">
+            <a:schemeClr val="accent1"/>
+          </a:fillRef>
+          <a:effectRef idx="0">
+            <a:schemeClr val="accent1"/>
+          </a:effectRef>
+          <a:fontRef idx="minor">
+            <a:schemeClr val="lt1"/>
+          </a:fontRef>
+        </p:style>
+        <p:txBody>
+          <a:bodyPr rtlCol="0" anchor="ctr"/>
+          <a:lstStyle/>
+          <a:p>
+            <a:pPr algn="ctr"/>
+            <a:endParaRPr lang="zh-CN" altLang="en-US"/>
+          </a:p>
+        </p:txBody>
+      </p:sp>
+      <p:sp>
+        <p:nvSpPr>
+          <p:cNvPr id="31" name="矩形 30">
+            <a:extLst>
+              <a:ext uri="{FF2B5EF4-FFF2-40B4-BE49-F238E27FC236}">
+                <a16:creationId xmlns:a16="http://schemas.microsoft.com/office/drawing/2014/main" id="{95C6F855-1A7D-4F58-AA8B-D0A286F23C9B}"/>
+              </a:ext>
+            </a:extLst>
+          </p:cNvPr>
+          <p:cNvSpPr/>
+          <p:nvPr/>
+        </p:nvSpPr>
+        <p:spPr>
+          <a:xfrm>
+            <a:off x="7626221" y="3628825"/>
+            <a:ext cx="1595535" cy="298405"/>
+          </a:xfrm>
+          <a:prstGeom prst="rect">
+            <a:avLst/>
+          </a:prstGeom>
+          <a:solidFill>
+            <a:srgbClr val="0070C0">
+              <a:alpha val="49804"/>
+            </a:srgbClr>
+          </a:solidFill>
+          <a:ln w="25400">
+            <a:solidFill>
+              <a:schemeClr val="tx1"/>
+            </a:solidFill>
+          </a:ln>
+        </p:spPr>
+        <p:style>
+          <a:lnRef idx="2">
+            <a:schemeClr val="accent1">
+              <a:shade val="50000"/>
+            </a:schemeClr>
+          </a:lnRef>
+          <a:fillRef idx="1">
+            <a:schemeClr val="accent1"/>
+          </a:fillRef>
+          <a:effectRef idx="0">
+            <a:schemeClr val="accent1"/>
+          </a:effectRef>
+          <a:fontRef idx="minor">
+            <a:schemeClr val="lt1"/>
+          </a:fontRef>
+        </p:style>
+        <p:txBody>
+          <a:bodyPr rtlCol="0" anchor="ctr"/>
+          <a:lstStyle/>
+          <a:p>
+            <a:pPr algn="ctr"/>
+            <a:endParaRPr lang="zh-CN" altLang="en-US"/>
+          </a:p>
+        </p:txBody>
+      </p:sp>
+      <p:sp>
+        <p:nvSpPr>
+          <p:cNvPr id="32" name="矩形 31">
+            <a:extLst>
+              <a:ext uri="{FF2B5EF4-FFF2-40B4-BE49-F238E27FC236}">
+                <a16:creationId xmlns:a16="http://schemas.microsoft.com/office/drawing/2014/main" id="{6FA5225C-FA85-4E7C-9121-327CC4D79E89}"/>
+              </a:ext>
+            </a:extLst>
+          </p:cNvPr>
+          <p:cNvSpPr/>
+          <p:nvPr/>
+        </p:nvSpPr>
+        <p:spPr>
+          <a:xfrm>
+            <a:off x="6030686" y="4372658"/>
+            <a:ext cx="1595535" cy="298405"/>
+          </a:xfrm>
+          <a:prstGeom prst="rect">
+            <a:avLst/>
+          </a:prstGeom>
+          <a:solidFill>
+            <a:srgbClr val="FF0000">
+              <a:alpha val="49804"/>
+            </a:srgbClr>
+          </a:solidFill>
+          <a:ln w="25400">
+            <a:solidFill>
+              <a:schemeClr val="tx1"/>
+            </a:solidFill>
+          </a:ln>
+        </p:spPr>
+        <p:style>
+          <a:lnRef idx="2">
+            <a:schemeClr val="accent1">
+              <a:shade val="50000"/>
+            </a:schemeClr>
+          </a:lnRef>
+          <a:fillRef idx="1">
+            <a:schemeClr val="accent1"/>
+          </a:fillRef>
+          <a:effectRef idx="0">
+            <a:schemeClr val="accent1"/>
+          </a:effectRef>
+          <a:fontRef idx="minor">
+            <a:schemeClr val="lt1"/>
+          </a:fontRef>
+        </p:style>
+        <p:txBody>
+          <a:bodyPr rtlCol="0" anchor="ctr"/>
+          <a:lstStyle/>
+          <a:p>
+            <a:pPr algn="ctr"/>
+            <a:endParaRPr lang="zh-CN" altLang="en-US"/>
+          </a:p>
+        </p:txBody>
+      </p:sp>
+      <p:sp>
+        <p:nvSpPr>
+          <p:cNvPr id="33" name="矩形 32">
+            <a:extLst>
+              <a:ext uri="{FF2B5EF4-FFF2-40B4-BE49-F238E27FC236}">
+                <a16:creationId xmlns:a16="http://schemas.microsoft.com/office/drawing/2014/main" id="{FC08CF7A-026F-4C3E-894C-FB6DB176772A}"/>
+              </a:ext>
+            </a:extLst>
+          </p:cNvPr>
+          <p:cNvSpPr/>
+          <p:nvPr/>
+        </p:nvSpPr>
+        <p:spPr>
+          <a:xfrm>
+            <a:off x="7626221" y="4372657"/>
+            <a:ext cx="1595535" cy="298405"/>
+          </a:xfrm>
+          <a:prstGeom prst="rect">
+            <a:avLst/>
+          </a:prstGeom>
+          <a:solidFill>
+            <a:srgbClr val="0070C0">
+              <a:alpha val="49804"/>
+            </a:srgbClr>
+          </a:solidFill>
+          <a:ln w="25400">
+            <a:solidFill>
+              <a:schemeClr val="tx1"/>
+            </a:solidFill>
+          </a:ln>
+        </p:spPr>
+        <p:style>
+          <a:lnRef idx="2">
+            <a:schemeClr val="accent1">
+              <a:shade val="50000"/>
+            </a:schemeClr>
+          </a:lnRef>
+          <a:fillRef idx="1">
+            <a:schemeClr val="accent1"/>
+          </a:fillRef>
+          <a:effectRef idx="0">
+            <a:schemeClr val="accent1"/>
+          </a:effectRef>
+          <a:fontRef idx="minor">
+            <a:schemeClr val="lt1"/>
+          </a:fontRef>
+        </p:style>
+        <p:txBody>
+          <a:bodyPr rtlCol="0" anchor="ctr"/>
+          <a:lstStyle/>
+          <a:p>
+            <a:pPr algn="ctr"/>
+            <a:endParaRPr lang="zh-CN" altLang="en-US"/>
+          </a:p>
+        </p:txBody>
+      </p:sp>
+      <p:sp>
+        <p:nvSpPr>
+          <p:cNvPr id="34" name="矩形 33">
+            <a:extLst>
+              <a:ext uri="{FF2B5EF4-FFF2-40B4-BE49-F238E27FC236}">
+                <a16:creationId xmlns:a16="http://schemas.microsoft.com/office/drawing/2014/main" id="{E831E213-B203-4D81-9418-9CD744BA6D2A}"/>
+              </a:ext>
+            </a:extLst>
+          </p:cNvPr>
+          <p:cNvSpPr/>
+          <p:nvPr/>
+        </p:nvSpPr>
+        <p:spPr>
+          <a:xfrm>
+            <a:off x="6030686" y="5081784"/>
+            <a:ext cx="1595535" cy="298405"/>
+          </a:xfrm>
+          <a:prstGeom prst="rect">
+            <a:avLst/>
+          </a:prstGeom>
+          <a:solidFill>
+            <a:srgbClr val="FF0000">
+              <a:alpha val="49804"/>
+            </a:srgbClr>
+          </a:solidFill>
+          <a:ln w="25400">
+            <a:solidFill>
+              <a:schemeClr val="tx1"/>
+            </a:solidFill>
+          </a:ln>
+        </p:spPr>
+        <p:style>
+          <a:lnRef idx="2">
+            <a:schemeClr val="accent1">
+              <a:shade val="50000"/>
+            </a:schemeClr>
+          </a:lnRef>
+          <a:fillRef idx="1">
+            <a:schemeClr val="accent1"/>
+          </a:fillRef>
+          <a:effectRef idx="0">
+            <a:schemeClr val="accent1"/>
+          </a:effectRef>
+          <a:fontRef idx="minor">
+            <a:schemeClr val="lt1"/>
+          </a:fontRef>
+        </p:style>
+        <p:txBody>
+          <a:bodyPr rtlCol="0" anchor="ctr"/>
+          <a:lstStyle/>
+          <a:p>
+            <a:pPr algn="ctr"/>
+            <a:endParaRPr lang="zh-CN" altLang="en-US"/>
+          </a:p>
+        </p:txBody>
+      </p:sp>
+      <p:sp>
+        <p:nvSpPr>
+          <p:cNvPr id="35" name="矩形 34">
+            <a:extLst>
+              <a:ext uri="{FF2B5EF4-FFF2-40B4-BE49-F238E27FC236}">
+                <a16:creationId xmlns:a16="http://schemas.microsoft.com/office/drawing/2014/main" id="{43909E2E-EADB-4012-9793-1418B62C1C6A}"/>
+              </a:ext>
+            </a:extLst>
+          </p:cNvPr>
+          <p:cNvSpPr/>
+          <p:nvPr/>
+        </p:nvSpPr>
+        <p:spPr>
+          <a:xfrm>
+            <a:off x="7626221" y="5081783"/>
+            <a:ext cx="1595535" cy="298405"/>
+          </a:xfrm>
+          <a:prstGeom prst="rect">
+            <a:avLst/>
+          </a:prstGeom>
+          <a:solidFill>
+            <a:srgbClr val="0070C0">
+              <a:alpha val="49804"/>
+            </a:srgbClr>
+          </a:solidFill>
+          <a:ln w="25400">
+            <a:solidFill>
+              <a:schemeClr val="tx1"/>
+            </a:solidFill>
+          </a:ln>
+        </p:spPr>
+        <p:style>
+          <a:lnRef idx="2">
+            <a:schemeClr val="accent1">
+              <a:shade val="50000"/>
+            </a:schemeClr>
+          </a:lnRef>
+          <a:fillRef idx="1">
+            <a:schemeClr val="accent1"/>
+          </a:fillRef>
+          <a:effectRef idx="0">
+            <a:schemeClr val="accent1"/>
+          </a:effectRef>
+          <a:fontRef idx="minor">
+            <a:schemeClr val="lt1"/>
+          </a:fontRef>
+        </p:style>
+        <p:txBody>
+          <a:bodyPr rtlCol="0" anchor="ctr"/>
+          <a:lstStyle/>
+          <a:p>
+            <a:pPr algn="ctr"/>
+            <a:endParaRPr lang="zh-CN" altLang="en-US"/>
+          </a:p>
+        </p:txBody>
+      </p:sp>
+      <p:sp>
+        <p:nvSpPr>
+          <p:cNvPr id="36" name="矩形 35">
+            <a:extLst>
+              <a:ext uri="{FF2B5EF4-FFF2-40B4-BE49-F238E27FC236}">
+                <a16:creationId xmlns:a16="http://schemas.microsoft.com/office/drawing/2014/main" id="{D3054093-C12C-4051-9FF0-572901CB5076}"/>
+              </a:ext>
+            </a:extLst>
+          </p:cNvPr>
+          <p:cNvSpPr/>
+          <p:nvPr/>
+        </p:nvSpPr>
+        <p:spPr>
+          <a:xfrm>
+            <a:off x="6030686" y="5826373"/>
+            <a:ext cx="1595535" cy="298405"/>
+          </a:xfrm>
+          <a:prstGeom prst="rect">
+            <a:avLst/>
+          </a:prstGeom>
+          <a:solidFill>
+            <a:srgbClr val="FF0000">
+              <a:alpha val="49804"/>
+            </a:srgbClr>
+          </a:solidFill>
+          <a:ln w="25400">
+            <a:solidFill>
+              <a:schemeClr val="tx1"/>
+            </a:solidFill>
+          </a:ln>
+        </p:spPr>
+        <p:style>
+          <a:lnRef idx="2">
+            <a:schemeClr val="accent1">
+              <a:shade val="50000"/>
+            </a:schemeClr>
+          </a:lnRef>
+          <a:fillRef idx="1">
+            <a:schemeClr val="accent1"/>
+          </a:fillRef>
+          <a:effectRef idx="0">
+            <a:schemeClr val="accent1"/>
+          </a:effectRef>
+          <a:fontRef idx="minor">
+            <a:schemeClr val="lt1"/>
+          </a:fontRef>
+        </p:style>
+        <p:txBody>
+          <a:bodyPr rtlCol="0" anchor="ctr"/>
+          <a:lstStyle/>
+          <a:p>
+            <a:pPr algn="ctr"/>
+            <a:endParaRPr lang="zh-CN" altLang="en-US"/>
+          </a:p>
+        </p:txBody>
+      </p:sp>
+      <p:sp>
+        <p:nvSpPr>
+          <p:cNvPr id="37" name="矩形 36">
+            <a:extLst>
+              <a:ext uri="{FF2B5EF4-FFF2-40B4-BE49-F238E27FC236}">
+                <a16:creationId xmlns:a16="http://schemas.microsoft.com/office/drawing/2014/main" id="{DCC90D45-D571-4CE6-9F5F-8E7A5C605BB8}"/>
+              </a:ext>
+            </a:extLst>
+          </p:cNvPr>
+          <p:cNvSpPr/>
+          <p:nvPr/>
+        </p:nvSpPr>
+        <p:spPr>
+          <a:xfrm>
+            <a:off x="7626221" y="5826372"/>
+            <a:ext cx="1595535" cy="298405"/>
+          </a:xfrm>
+          <a:prstGeom prst="rect">
+            <a:avLst/>
+          </a:prstGeom>
+          <a:solidFill>
+            <a:srgbClr val="0070C0">
+              <a:alpha val="49804"/>
+            </a:srgbClr>
+          </a:solidFill>
+          <a:ln w="25400">
+            <a:solidFill>
+              <a:schemeClr val="tx1"/>
+            </a:solidFill>
+          </a:ln>
+        </p:spPr>
+        <p:style>
+          <a:lnRef idx="2">
+            <a:schemeClr val="accent1">
+              <a:shade val="50000"/>
+            </a:schemeClr>
+          </a:lnRef>
+          <a:fillRef idx="1">
+            <a:schemeClr val="accent1"/>
+          </a:fillRef>
+          <a:effectRef idx="0">
+            <a:schemeClr val="accent1"/>
+          </a:effectRef>
+          <a:fontRef idx="minor">
+            <a:schemeClr val="lt1"/>
+          </a:fontRef>
+        </p:style>
+        <p:txBody>
+          <a:bodyPr rtlCol="0" anchor="ctr"/>
+          <a:lstStyle/>
+          <a:p>
+            <a:pPr algn="ctr"/>
+            <a:endParaRPr lang="zh-CN" altLang="en-US"/>
+          </a:p>
+        </p:txBody>
+      </p:sp>
+      <p:sp>
+        <p:nvSpPr>
+          <p:cNvPr id="38" name="流程图: 或者 37">
+            <a:extLst>
+              <a:ext uri="{FF2B5EF4-FFF2-40B4-BE49-F238E27FC236}">
+                <a16:creationId xmlns:a16="http://schemas.microsoft.com/office/drawing/2014/main" id="{ADC81E67-25EB-45FB-B6AC-0C4ED17B3B6D}"/>
+              </a:ext>
+            </a:extLst>
+          </p:cNvPr>
+          <p:cNvSpPr/>
+          <p:nvPr/>
+        </p:nvSpPr>
+        <p:spPr>
+          <a:xfrm>
+            <a:off x="5169160" y="2875951"/>
+            <a:ext cx="373225" cy="369332"/>
+          </a:xfrm>
+          <a:prstGeom prst="flowChartOr">
+            <a:avLst/>
+          </a:prstGeom>
+          <a:solidFill>
+            <a:schemeClr val="bg1"/>
+          </a:solidFill>
+          <a:ln w="47625">
+            <a:solidFill>
+              <a:schemeClr val="tx1"/>
+            </a:solidFill>
+          </a:ln>
+        </p:spPr>
+        <p:style>
+          <a:lnRef idx="2">
+            <a:schemeClr val="accent1">
+              <a:shade val="50000"/>
+            </a:schemeClr>
+          </a:lnRef>
+          <a:fillRef idx="1">
+            <a:schemeClr val="accent1"/>
+          </a:fillRef>
+          <a:effectRef idx="0">
+            <a:schemeClr val="accent1"/>
+          </a:effectRef>
+          <a:fontRef idx="minor">
+            <a:schemeClr val="lt1"/>
+          </a:fontRef>
+        </p:style>
+        <p:txBody>
+          <a:bodyPr rtlCol="0" anchor="ctr"/>
+          <a:lstStyle/>
+          <a:p>
+            <a:pPr algn="ctr"/>
+            <a:endParaRPr lang="zh-CN" altLang="en-US"/>
+          </a:p>
+        </p:txBody>
+      </p:sp>
       <p:cxnSp>
         <p:nvCxnSpPr>
-          <p:cNvPr id="108" name="直接箭头连接符 107">
-            <a:extLst>
-              <a:ext uri="{FF2B5EF4-FFF2-40B4-BE49-F238E27FC236}">
-                <a16:creationId xmlns:a16="http://schemas.microsoft.com/office/drawing/2014/main" id="{A3F2F9D1-C972-4C20-84F3-330F59ACEFC2}"/>
+          <p:cNvPr id="40" name="直接箭头连接符 39">
+            <a:extLst>
+              <a:ext uri="{FF2B5EF4-FFF2-40B4-BE49-F238E27FC236}">
+                <a16:creationId xmlns:a16="http://schemas.microsoft.com/office/drawing/2014/main" id="{897AE159-0D77-4271-BB03-FCEC798A6819}"/>
               </a:ext>
             </a:extLst>
           </p:cNvPr>
           <p:cNvCxnSpPr>
-            <a:stCxn id="67" idx="3"/>
-            <a:endCxn id="103" idx="2"/>
+            <a:stCxn id="4" idx="3"/>
+            <a:endCxn id="18" idx="2"/>
           </p:cNvCxnSpPr>
           <p:nvPr/>
         </p:nvCxnSpPr>
         <p:spPr>
           <a:xfrm flipV="1">
-            <a:off x="9164340" y="2402667"/>
-            <a:ext cx="648703" cy="69757"/>
+            <a:off x="3166189" y="1612075"/>
+            <a:ext cx="715346" cy="1"/>
           </a:xfrm>
           <a:prstGeom prst="straightConnector1">
             <a:avLst/>
@@ -8665,23 +10796,23 @@
       </p:cxnSp>
       <p:cxnSp>
         <p:nvCxnSpPr>
-          <p:cNvPr id="110" name="直接箭头连接符 109">
-            <a:extLst>
-              <a:ext uri="{FF2B5EF4-FFF2-40B4-BE49-F238E27FC236}">
-                <a16:creationId xmlns:a16="http://schemas.microsoft.com/office/drawing/2014/main" id="{A7E406B8-D1FA-4697-86D0-B2691AB5EA31}"/>
+          <p:cNvPr id="42" name="直接箭头连接符 41">
+            <a:extLst>
+              <a:ext uri="{FF2B5EF4-FFF2-40B4-BE49-F238E27FC236}">
+                <a16:creationId xmlns:a16="http://schemas.microsoft.com/office/drawing/2014/main" id="{50212D7F-76CA-4EF1-A3AA-C91D8C30B658}"/>
               </a:ext>
             </a:extLst>
           </p:cNvPr>
           <p:cNvCxnSpPr>
-            <a:stCxn id="68" idx="3"/>
-            <a:endCxn id="104" idx="2"/>
+            <a:stCxn id="6" idx="3"/>
+            <a:endCxn id="19" idx="2"/>
           </p:cNvCxnSpPr>
           <p:nvPr/>
         </p:nvCxnSpPr>
         <p:spPr>
           <a:xfrm flipV="1">
-            <a:off x="9164339" y="3141867"/>
-            <a:ext cx="648704" cy="53955"/>
+            <a:off x="3159969" y="2324312"/>
+            <a:ext cx="721566" cy="1"/>
           </a:xfrm>
           <a:prstGeom prst="straightConnector1">
             <a:avLst/>
@@ -8710,23 +10841,23 @@
       </p:cxnSp>
       <p:cxnSp>
         <p:nvCxnSpPr>
-          <p:cNvPr id="112" name="直接箭头连接符 111">
-            <a:extLst>
-              <a:ext uri="{FF2B5EF4-FFF2-40B4-BE49-F238E27FC236}">
-                <a16:creationId xmlns:a16="http://schemas.microsoft.com/office/drawing/2014/main" id="{61F68E3F-F58E-457D-9B39-21C13EAE2047}"/>
+          <p:cNvPr id="44" name="直接箭头连接符 43">
+            <a:extLst>
+              <a:ext uri="{FF2B5EF4-FFF2-40B4-BE49-F238E27FC236}">
+                <a16:creationId xmlns:a16="http://schemas.microsoft.com/office/drawing/2014/main" id="{E6B505FE-C0DB-4FAE-B21C-4838A1DC0B1C}"/>
               </a:ext>
             </a:extLst>
           </p:cNvPr>
           <p:cNvCxnSpPr>
-            <a:stCxn id="69" idx="3"/>
-            <a:endCxn id="105" idx="2"/>
+            <a:stCxn id="10" idx="3"/>
+            <a:endCxn id="21" idx="2"/>
           </p:cNvCxnSpPr>
           <p:nvPr/>
         </p:nvCxnSpPr>
         <p:spPr>
-          <a:xfrm>
-            <a:off x="9186377" y="3935951"/>
-            <a:ext cx="626666" cy="3646"/>
+          <a:xfrm flipV="1">
+            <a:off x="3159969" y="3778027"/>
+            <a:ext cx="721564" cy="1"/>
           </a:xfrm>
           <a:prstGeom prst="straightConnector1">
             <a:avLst/>
@@ -8755,23 +10886,23 @@
       </p:cxnSp>
       <p:cxnSp>
         <p:nvCxnSpPr>
-          <p:cNvPr id="114" name="直接箭头连接符 113">
-            <a:extLst>
-              <a:ext uri="{FF2B5EF4-FFF2-40B4-BE49-F238E27FC236}">
-                <a16:creationId xmlns:a16="http://schemas.microsoft.com/office/drawing/2014/main" id="{48AABDB2-0211-4431-A3F2-D37F51DD4961}"/>
+          <p:cNvPr id="46" name="直接箭头连接符 45">
+            <a:extLst>
+              <a:ext uri="{FF2B5EF4-FFF2-40B4-BE49-F238E27FC236}">
+                <a16:creationId xmlns:a16="http://schemas.microsoft.com/office/drawing/2014/main" id="{94032EC7-51FE-492A-B5E3-3E52D01533CA}"/>
               </a:ext>
             </a:extLst>
           </p:cNvPr>
           <p:cNvCxnSpPr>
-            <a:stCxn id="70" idx="3"/>
-            <a:endCxn id="106" idx="2"/>
+            <a:stCxn id="12" idx="3"/>
+            <a:endCxn id="22" idx="2"/>
           </p:cNvCxnSpPr>
           <p:nvPr/>
         </p:nvCxnSpPr>
         <p:spPr>
-          <a:xfrm>
-            <a:off x="9186377" y="4676080"/>
-            <a:ext cx="626666" cy="641"/>
+          <a:xfrm flipV="1">
+            <a:off x="3166191" y="4522616"/>
+            <a:ext cx="715342" cy="1"/>
           </a:xfrm>
           <a:prstGeom prst="straightConnector1">
             <a:avLst/>
@@ -8798,10 +10929,798 @@
           </a:fontRef>
         </p:style>
       </p:cxnSp>
+      <p:cxnSp>
+        <p:nvCxnSpPr>
+          <p:cNvPr id="48" name="直接箭头连接符 47">
+            <a:extLst>
+              <a:ext uri="{FF2B5EF4-FFF2-40B4-BE49-F238E27FC236}">
+                <a16:creationId xmlns:a16="http://schemas.microsoft.com/office/drawing/2014/main" id="{787F7F87-E9E3-4070-9005-0C1A710AADE4}"/>
+              </a:ext>
+            </a:extLst>
+          </p:cNvPr>
+          <p:cNvCxnSpPr>
+            <a:stCxn id="14" idx="3"/>
+            <a:endCxn id="23" idx="2"/>
+          </p:cNvCxnSpPr>
+          <p:nvPr/>
+        </p:nvCxnSpPr>
+        <p:spPr>
+          <a:xfrm>
+            <a:off x="3159969" y="5231742"/>
+            <a:ext cx="721562" cy="4940"/>
+          </a:xfrm>
+          <a:prstGeom prst="straightConnector1">
+            <a:avLst/>
+          </a:prstGeom>
+          <a:ln>
+            <a:solidFill>
+              <a:schemeClr val="tx1"/>
+            </a:solidFill>
+            <a:tailEnd type="triangle"/>
+          </a:ln>
+        </p:spPr>
+        <p:style>
+          <a:lnRef idx="1">
+            <a:schemeClr val="accent1"/>
+          </a:lnRef>
+          <a:fillRef idx="0">
+            <a:schemeClr val="accent1"/>
+          </a:fillRef>
+          <a:effectRef idx="0">
+            <a:schemeClr val="accent1"/>
+          </a:effectRef>
+          <a:fontRef idx="minor">
+            <a:schemeClr val="tx1"/>
+          </a:fontRef>
+        </p:style>
+      </p:cxnSp>
+      <p:cxnSp>
+        <p:nvCxnSpPr>
+          <p:cNvPr id="50" name="直接箭头连接符 49">
+            <a:extLst>
+              <a:ext uri="{FF2B5EF4-FFF2-40B4-BE49-F238E27FC236}">
+                <a16:creationId xmlns:a16="http://schemas.microsoft.com/office/drawing/2014/main" id="{A820B2F7-A361-42DA-BE23-CF0AC7036AF6}"/>
+              </a:ext>
+            </a:extLst>
+          </p:cNvPr>
+          <p:cNvCxnSpPr>
+            <a:stCxn id="16" idx="3"/>
+            <a:endCxn id="24" idx="2"/>
+          </p:cNvCxnSpPr>
+          <p:nvPr/>
+        </p:nvCxnSpPr>
+        <p:spPr>
+          <a:xfrm>
+            <a:off x="3159969" y="5976330"/>
+            <a:ext cx="721562" cy="4941"/>
+          </a:xfrm>
+          <a:prstGeom prst="straightConnector1">
+            <a:avLst/>
+          </a:prstGeom>
+          <a:ln>
+            <a:solidFill>
+              <a:schemeClr val="tx1"/>
+            </a:solidFill>
+            <a:tailEnd type="triangle"/>
+          </a:ln>
+        </p:spPr>
+        <p:style>
+          <a:lnRef idx="1">
+            <a:schemeClr val="accent1"/>
+          </a:lnRef>
+          <a:fillRef idx="0">
+            <a:schemeClr val="accent1"/>
+          </a:fillRef>
+          <a:effectRef idx="0">
+            <a:schemeClr val="accent1"/>
+          </a:effectRef>
+          <a:fontRef idx="minor">
+            <a:schemeClr val="tx1"/>
+          </a:fontRef>
+        </p:style>
+      </p:cxnSp>
+      <p:cxnSp>
+        <p:nvCxnSpPr>
+          <p:cNvPr id="52" name="直接箭头连接符 51">
+            <a:extLst>
+              <a:ext uri="{FF2B5EF4-FFF2-40B4-BE49-F238E27FC236}">
+                <a16:creationId xmlns:a16="http://schemas.microsoft.com/office/drawing/2014/main" id="{FC7189EC-FBD5-4E5E-BB36-875186D18EC5}"/>
+              </a:ext>
+            </a:extLst>
+          </p:cNvPr>
+          <p:cNvCxnSpPr>
+            <a:stCxn id="8" idx="3"/>
+            <a:endCxn id="18" idx="2"/>
+          </p:cNvCxnSpPr>
+          <p:nvPr/>
+        </p:nvCxnSpPr>
+        <p:spPr>
+          <a:xfrm flipV="1">
+            <a:off x="3159969" y="1612075"/>
+            <a:ext cx="721566" cy="1421364"/>
+          </a:xfrm>
+          <a:prstGeom prst="straightConnector1">
+            <a:avLst/>
+          </a:prstGeom>
+          <a:ln>
+            <a:solidFill>
+              <a:schemeClr val="tx1"/>
+            </a:solidFill>
+            <a:tailEnd type="triangle"/>
+          </a:ln>
+        </p:spPr>
+        <p:style>
+          <a:lnRef idx="1">
+            <a:schemeClr val="accent1"/>
+          </a:lnRef>
+          <a:fillRef idx="0">
+            <a:schemeClr val="accent1"/>
+          </a:fillRef>
+          <a:effectRef idx="0">
+            <a:schemeClr val="accent1"/>
+          </a:effectRef>
+          <a:fontRef idx="minor">
+            <a:schemeClr val="tx1"/>
+          </a:fontRef>
+        </p:style>
+      </p:cxnSp>
+      <p:cxnSp>
+        <p:nvCxnSpPr>
+          <p:cNvPr id="54" name="直接箭头连接符 53">
+            <a:extLst>
+              <a:ext uri="{FF2B5EF4-FFF2-40B4-BE49-F238E27FC236}">
+                <a16:creationId xmlns:a16="http://schemas.microsoft.com/office/drawing/2014/main" id="{3DC5FB31-466F-4688-906B-67007AEE1DC0}"/>
+              </a:ext>
+            </a:extLst>
+          </p:cNvPr>
+          <p:cNvCxnSpPr>
+            <a:stCxn id="8" idx="3"/>
+            <a:endCxn id="19" idx="2"/>
+          </p:cNvCxnSpPr>
+          <p:nvPr/>
+        </p:nvCxnSpPr>
+        <p:spPr>
+          <a:xfrm flipV="1">
+            <a:off x="3159969" y="2324312"/>
+            <a:ext cx="721566" cy="709127"/>
+          </a:xfrm>
+          <a:prstGeom prst="straightConnector1">
+            <a:avLst/>
+          </a:prstGeom>
+          <a:ln>
+            <a:solidFill>
+              <a:schemeClr val="tx1"/>
+            </a:solidFill>
+            <a:tailEnd type="triangle"/>
+          </a:ln>
+        </p:spPr>
+        <p:style>
+          <a:lnRef idx="1">
+            <a:schemeClr val="accent1"/>
+          </a:lnRef>
+          <a:fillRef idx="0">
+            <a:schemeClr val="accent1"/>
+          </a:fillRef>
+          <a:effectRef idx="0">
+            <a:schemeClr val="accent1"/>
+          </a:effectRef>
+          <a:fontRef idx="minor">
+            <a:schemeClr val="tx1"/>
+          </a:fontRef>
+        </p:style>
+      </p:cxnSp>
+      <p:cxnSp>
+        <p:nvCxnSpPr>
+          <p:cNvPr id="56" name="直接箭头连接符 55">
+            <a:extLst>
+              <a:ext uri="{FF2B5EF4-FFF2-40B4-BE49-F238E27FC236}">
+                <a16:creationId xmlns:a16="http://schemas.microsoft.com/office/drawing/2014/main" id="{E3B6B368-9FF6-4F8F-9E54-F4BB5CB2909E}"/>
+              </a:ext>
+            </a:extLst>
+          </p:cNvPr>
+          <p:cNvCxnSpPr>
+            <a:stCxn id="8" idx="3"/>
+            <a:endCxn id="21" idx="2"/>
+          </p:cNvCxnSpPr>
+          <p:nvPr/>
+        </p:nvCxnSpPr>
+        <p:spPr>
+          <a:xfrm>
+            <a:off x="3159969" y="3033439"/>
+            <a:ext cx="721564" cy="744588"/>
+          </a:xfrm>
+          <a:prstGeom prst="straightConnector1">
+            <a:avLst/>
+          </a:prstGeom>
+          <a:ln>
+            <a:solidFill>
+              <a:schemeClr val="tx1"/>
+            </a:solidFill>
+            <a:tailEnd type="triangle"/>
+          </a:ln>
+        </p:spPr>
+        <p:style>
+          <a:lnRef idx="1">
+            <a:schemeClr val="accent1"/>
+          </a:lnRef>
+          <a:fillRef idx="0">
+            <a:schemeClr val="accent1"/>
+          </a:fillRef>
+          <a:effectRef idx="0">
+            <a:schemeClr val="accent1"/>
+          </a:effectRef>
+          <a:fontRef idx="minor">
+            <a:schemeClr val="tx1"/>
+          </a:fontRef>
+        </p:style>
+      </p:cxnSp>
+      <p:cxnSp>
+        <p:nvCxnSpPr>
+          <p:cNvPr id="58" name="直接箭头连接符 57">
+            <a:extLst>
+              <a:ext uri="{FF2B5EF4-FFF2-40B4-BE49-F238E27FC236}">
+                <a16:creationId xmlns:a16="http://schemas.microsoft.com/office/drawing/2014/main" id="{0173F866-4D80-4A40-BE33-0C499C8218DD}"/>
+              </a:ext>
+            </a:extLst>
+          </p:cNvPr>
+          <p:cNvCxnSpPr>
+            <a:stCxn id="8" idx="3"/>
+            <a:endCxn id="22" idx="2"/>
+          </p:cNvCxnSpPr>
+          <p:nvPr/>
+        </p:nvCxnSpPr>
+        <p:spPr>
+          <a:xfrm>
+            <a:off x="3159969" y="3033439"/>
+            <a:ext cx="721564" cy="1489177"/>
+          </a:xfrm>
+          <a:prstGeom prst="straightConnector1">
+            <a:avLst/>
+          </a:prstGeom>
+          <a:ln>
+            <a:solidFill>
+              <a:schemeClr val="tx1"/>
+            </a:solidFill>
+            <a:tailEnd type="triangle"/>
+          </a:ln>
+        </p:spPr>
+        <p:style>
+          <a:lnRef idx="1">
+            <a:schemeClr val="accent1"/>
+          </a:lnRef>
+          <a:fillRef idx="0">
+            <a:schemeClr val="accent1"/>
+          </a:fillRef>
+          <a:effectRef idx="0">
+            <a:schemeClr val="accent1"/>
+          </a:effectRef>
+          <a:fontRef idx="minor">
+            <a:schemeClr val="tx1"/>
+          </a:fontRef>
+        </p:style>
+      </p:cxnSp>
+      <p:cxnSp>
+        <p:nvCxnSpPr>
+          <p:cNvPr id="60" name="直接箭头连接符 59">
+            <a:extLst>
+              <a:ext uri="{FF2B5EF4-FFF2-40B4-BE49-F238E27FC236}">
+                <a16:creationId xmlns:a16="http://schemas.microsoft.com/office/drawing/2014/main" id="{632837C9-6D32-4CAE-8C9C-52512B4A0290}"/>
+              </a:ext>
+            </a:extLst>
+          </p:cNvPr>
+          <p:cNvCxnSpPr>
+            <a:stCxn id="8" idx="3"/>
+            <a:endCxn id="23" idx="2"/>
+          </p:cNvCxnSpPr>
+          <p:nvPr/>
+        </p:nvCxnSpPr>
+        <p:spPr>
+          <a:xfrm>
+            <a:off x="3159969" y="3033439"/>
+            <a:ext cx="721562" cy="2203243"/>
+          </a:xfrm>
+          <a:prstGeom prst="straightConnector1">
+            <a:avLst/>
+          </a:prstGeom>
+          <a:ln>
+            <a:solidFill>
+              <a:schemeClr val="tx1"/>
+            </a:solidFill>
+            <a:tailEnd type="triangle"/>
+          </a:ln>
+        </p:spPr>
+        <p:style>
+          <a:lnRef idx="1">
+            <a:schemeClr val="accent1"/>
+          </a:lnRef>
+          <a:fillRef idx="0">
+            <a:schemeClr val="accent1"/>
+          </a:fillRef>
+          <a:effectRef idx="0">
+            <a:schemeClr val="accent1"/>
+          </a:effectRef>
+          <a:fontRef idx="minor">
+            <a:schemeClr val="tx1"/>
+          </a:fontRef>
+        </p:style>
+      </p:cxnSp>
+      <p:cxnSp>
+        <p:nvCxnSpPr>
+          <p:cNvPr id="62" name="直接箭头连接符 61">
+            <a:extLst>
+              <a:ext uri="{FF2B5EF4-FFF2-40B4-BE49-F238E27FC236}">
+                <a16:creationId xmlns:a16="http://schemas.microsoft.com/office/drawing/2014/main" id="{F67856E4-3901-49D7-9870-5E284B254B0E}"/>
+              </a:ext>
+            </a:extLst>
+          </p:cNvPr>
+          <p:cNvCxnSpPr>
+            <a:stCxn id="8" idx="3"/>
+            <a:endCxn id="24" idx="2"/>
+          </p:cNvCxnSpPr>
+          <p:nvPr/>
+        </p:nvCxnSpPr>
+        <p:spPr>
+          <a:xfrm>
+            <a:off x="3159969" y="3033439"/>
+            <a:ext cx="721562" cy="2947832"/>
+          </a:xfrm>
+          <a:prstGeom prst="straightConnector1">
+            <a:avLst/>
+          </a:prstGeom>
+          <a:ln>
+            <a:solidFill>
+              <a:schemeClr val="tx1"/>
+            </a:solidFill>
+            <a:tailEnd type="triangle"/>
+          </a:ln>
+        </p:spPr>
+        <p:style>
+          <a:lnRef idx="1">
+            <a:schemeClr val="accent1"/>
+          </a:lnRef>
+          <a:fillRef idx="0">
+            <a:schemeClr val="accent1"/>
+          </a:fillRef>
+          <a:effectRef idx="0">
+            <a:schemeClr val="accent1"/>
+          </a:effectRef>
+          <a:fontRef idx="minor">
+            <a:schemeClr val="tx1"/>
+          </a:fontRef>
+        </p:style>
+      </p:cxnSp>
+      <p:cxnSp>
+        <p:nvCxnSpPr>
+          <p:cNvPr id="64" name="直接箭头连接符 63">
+            <a:extLst>
+              <a:ext uri="{FF2B5EF4-FFF2-40B4-BE49-F238E27FC236}">
+                <a16:creationId xmlns:a16="http://schemas.microsoft.com/office/drawing/2014/main" id="{303B366C-0178-455D-852F-F6C2F10BC3CB}"/>
+              </a:ext>
+            </a:extLst>
+          </p:cNvPr>
+          <p:cNvCxnSpPr>
+            <a:stCxn id="18" idx="6"/>
+            <a:endCxn id="38" idx="0"/>
+          </p:cNvCxnSpPr>
+          <p:nvPr/>
+        </p:nvCxnSpPr>
+        <p:spPr>
+          <a:xfrm>
+            <a:off x="4898572" y="1612075"/>
+            <a:ext cx="457201" cy="1263876"/>
+          </a:xfrm>
+          <a:prstGeom prst="straightConnector1">
+            <a:avLst/>
+          </a:prstGeom>
+          <a:ln>
+            <a:solidFill>
+              <a:schemeClr val="tx1"/>
+            </a:solidFill>
+            <a:tailEnd type="triangle"/>
+          </a:ln>
+        </p:spPr>
+        <p:style>
+          <a:lnRef idx="1">
+            <a:schemeClr val="accent1"/>
+          </a:lnRef>
+          <a:fillRef idx="0">
+            <a:schemeClr val="accent1"/>
+          </a:fillRef>
+          <a:effectRef idx="0">
+            <a:schemeClr val="accent1"/>
+          </a:effectRef>
+          <a:fontRef idx="minor">
+            <a:schemeClr val="tx1"/>
+          </a:fontRef>
+        </p:style>
+      </p:cxnSp>
+      <p:cxnSp>
+        <p:nvCxnSpPr>
+          <p:cNvPr id="66" name="直接箭头连接符 65">
+            <a:extLst>
+              <a:ext uri="{FF2B5EF4-FFF2-40B4-BE49-F238E27FC236}">
+                <a16:creationId xmlns:a16="http://schemas.microsoft.com/office/drawing/2014/main" id="{91D5E3BD-1462-4C7B-BDD9-3126D47E50C6}"/>
+              </a:ext>
+            </a:extLst>
+          </p:cNvPr>
+          <p:cNvCxnSpPr>
+            <a:stCxn id="19" idx="6"/>
+            <a:endCxn id="38" idx="1"/>
+          </p:cNvCxnSpPr>
+          <p:nvPr/>
+        </p:nvCxnSpPr>
+        <p:spPr>
+          <a:xfrm>
+            <a:off x="4898572" y="2324312"/>
+            <a:ext cx="325246" cy="605726"/>
+          </a:xfrm>
+          <a:prstGeom prst="straightConnector1">
+            <a:avLst/>
+          </a:prstGeom>
+          <a:ln>
+            <a:solidFill>
+              <a:schemeClr val="tx1"/>
+            </a:solidFill>
+            <a:tailEnd type="triangle"/>
+          </a:ln>
+        </p:spPr>
+        <p:style>
+          <a:lnRef idx="1">
+            <a:schemeClr val="accent1"/>
+          </a:lnRef>
+          <a:fillRef idx="0">
+            <a:schemeClr val="accent1"/>
+          </a:fillRef>
+          <a:effectRef idx="0">
+            <a:schemeClr val="accent1"/>
+          </a:effectRef>
+          <a:fontRef idx="minor">
+            <a:schemeClr val="tx1"/>
+          </a:fontRef>
+        </p:style>
+      </p:cxnSp>
+      <p:cxnSp>
+        <p:nvCxnSpPr>
+          <p:cNvPr id="68" name="直接箭头连接符 67">
+            <a:extLst>
+              <a:ext uri="{FF2B5EF4-FFF2-40B4-BE49-F238E27FC236}">
+                <a16:creationId xmlns:a16="http://schemas.microsoft.com/office/drawing/2014/main" id="{5AD2666A-EBEA-485C-BD47-8122B26EDEF9}"/>
+              </a:ext>
+            </a:extLst>
+          </p:cNvPr>
+          <p:cNvCxnSpPr>
+            <a:stCxn id="21" idx="6"/>
+            <a:endCxn id="38" idx="3"/>
+          </p:cNvCxnSpPr>
+          <p:nvPr/>
+        </p:nvCxnSpPr>
+        <p:spPr>
+          <a:xfrm flipV="1">
+            <a:off x="4898570" y="3191196"/>
+            <a:ext cx="325248" cy="586831"/>
+          </a:xfrm>
+          <a:prstGeom prst="straightConnector1">
+            <a:avLst/>
+          </a:prstGeom>
+          <a:ln>
+            <a:solidFill>
+              <a:schemeClr val="tx1"/>
+            </a:solidFill>
+            <a:tailEnd type="triangle"/>
+          </a:ln>
+        </p:spPr>
+        <p:style>
+          <a:lnRef idx="1">
+            <a:schemeClr val="accent1"/>
+          </a:lnRef>
+          <a:fillRef idx="0">
+            <a:schemeClr val="accent1"/>
+          </a:fillRef>
+          <a:effectRef idx="0">
+            <a:schemeClr val="accent1"/>
+          </a:effectRef>
+          <a:fontRef idx="minor">
+            <a:schemeClr val="tx1"/>
+          </a:fontRef>
+        </p:style>
+      </p:cxnSp>
+      <p:cxnSp>
+        <p:nvCxnSpPr>
+          <p:cNvPr id="70" name="直接箭头连接符 69">
+            <a:extLst>
+              <a:ext uri="{FF2B5EF4-FFF2-40B4-BE49-F238E27FC236}">
+                <a16:creationId xmlns:a16="http://schemas.microsoft.com/office/drawing/2014/main" id="{59AEFAD9-AABC-4B96-812A-7E58A763DBB8}"/>
+              </a:ext>
+            </a:extLst>
+          </p:cNvPr>
+          <p:cNvCxnSpPr>
+            <a:cxnSpLocks/>
+            <a:stCxn id="22" idx="6"/>
+            <a:endCxn id="38" idx="3"/>
+          </p:cNvCxnSpPr>
+          <p:nvPr/>
+        </p:nvCxnSpPr>
+        <p:spPr>
+          <a:xfrm flipV="1">
+            <a:off x="4898570" y="3191196"/>
+            <a:ext cx="325248" cy="1331420"/>
+          </a:xfrm>
+          <a:prstGeom prst="straightConnector1">
+            <a:avLst/>
+          </a:prstGeom>
+          <a:ln>
+            <a:solidFill>
+              <a:schemeClr val="tx1"/>
+            </a:solidFill>
+            <a:tailEnd type="triangle"/>
+          </a:ln>
+        </p:spPr>
+        <p:style>
+          <a:lnRef idx="1">
+            <a:schemeClr val="accent1"/>
+          </a:lnRef>
+          <a:fillRef idx="0">
+            <a:schemeClr val="accent1"/>
+          </a:fillRef>
+          <a:effectRef idx="0">
+            <a:schemeClr val="accent1"/>
+          </a:effectRef>
+          <a:fontRef idx="minor">
+            <a:schemeClr val="tx1"/>
+          </a:fontRef>
+        </p:style>
+      </p:cxnSp>
+      <p:cxnSp>
+        <p:nvCxnSpPr>
+          <p:cNvPr id="72" name="直接箭头连接符 71">
+            <a:extLst>
+              <a:ext uri="{FF2B5EF4-FFF2-40B4-BE49-F238E27FC236}">
+                <a16:creationId xmlns:a16="http://schemas.microsoft.com/office/drawing/2014/main" id="{AC74B3DC-D899-4472-92C1-D2928BC85579}"/>
+              </a:ext>
+            </a:extLst>
+          </p:cNvPr>
+          <p:cNvCxnSpPr>
+            <a:cxnSpLocks/>
+            <a:stCxn id="23" idx="6"/>
+            <a:endCxn id="38" idx="3"/>
+          </p:cNvCxnSpPr>
+          <p:nvPr/>
+        </p:nvCxnSpPr>
+        <p:spPr>
+          <a:xfrm flipV="1">
+            <a:off x="4898568" y="3191196"/>
+            <a:ext cx="325250" cy="2045486"/>
+          </a:xfrm>
+          <a:prstGeom prst="straightConnector1">
+            <a:avLst/>
+          </a:prstGeom>
+          <a:ln>
+            <a:solidFill>
+              <a:schemeClr val="tx1"/>
+            </a:solidFill>
+            <a:tailEnd type="triangle"/>
+          </a:ln>
+        </p:spPr>
+        <p:style>
+          <a:lnRef idx="1">
+            <a:schemeClr val="accent1"/>
+          </a:lnRef>
+          <a:fillRef idx="0">
+            <a:schemeClr val="accent1"/>
+          </a:fillRef>
+          <a:effectRef idx="0">
+            <a:schemeClr val="accent1"/>
+          </a:effectRef>
+          <a:fontRef idx="minor">
+            <a:schemeClr val="tx1"/>
+          </a:fontRef>
+        </p:style>
+      </p:cxnSp>
+      <p:cxnSp>
+        <p:nvCxnSpPr>
+          <p:cNvPr id="75" name="直接箭头连接符 74">
+            <a:extLst>
+              <a:ext uri="{FF2B5EF4-FFF2-40B4-BE49-F238E27FC236}">
+                <a16:creationId xmlns:a16="http://schemas.microsoft.com/office/drawing/2014/main" id="{621D163F-9B35-423D-A444-30DA36ABA136}"/>
+              </a:ext>
+            </a:extLst>
+          </p:cNvPr>
+          <p:cNvCxnSpPr>
+            <a:cxnSpLocks/>
+            <a:stCxn id="24" idx="6"/>
+            <a:endCxn id="38" idx="4"/>
+          </p:cNvCxnSpPr>
+          <p:nvPr/>
+        </p:nvCxnSpPr>
+        <p:spPr>
+          <a:xfrm flipV="1">
+            <a:off x="4898568" y="3245283"/>
+            <a:ext cx="457205" cy="2735988"/>
+          </a:xfrm>
+          <a:prstGeom prst="straightConnector1">
+            <a:avLst/>
+          </a:prstGeom>
+          <a:ln>
+            <a:solidFill>
+              <a:schemeClr val="tx1"/>
+            </a:solidFill>
+            <a:tailEnd type="triangle"/>
+          </a:ln>
+        </p:spPr>
+        <p:style>
+          <a:lnRef idx="1">
+            <a:schemeClr val="accent1"/>
+          </a:lnRef>
+          <a:fillRef idx="0">
+            <a:schemeClr val="accent1"/>
+          </a:fillRef>
+          <a:effectRef idx="0">
+            <a:schemeClr val="accent1"/>
+          </a:effectRef>
+          <a:fontRef idx="minor">
+            <a:schemeClr val="tx1"/>
+          </a:fontRef>
+        </p:style>
+      </p:cxnSp>
+      <p:cxnSp>
+        <p:nvCxnSpPr>
+          <p:cNvPr id="77" name="直接箭头连接符 76">
+            <a:extLst>
+              <a:ext uri="{FF2B5EF4-FFF2-40B4-BE49-F238E27FC236}">
+                <a16:creationId xmlns:a16="http://schemas.microsoft.com/office/drawing/2014/main" id="{4E4C993D-AF33-4491-8943-9D5583EED7A8}"/>
+              </a:ext>
+            </a:extLst>
+          </p:cNvPr>
+          <p:cNvCxnSpPr>
+            <a:stCxn id="38" idx="6"/>
+            <a:endCxn id="28" idx="1"/>
+          </p:cNvCxnSpPr>
+          <p:nvPr/>
+        </p:nvCxnSpPr>
+        <p:spPr>
+          <a:xfrm flipV="1">
+            <a:off x="5542385" y="3033440"/>
+            <a:ext cx="488301" cy="27177"/>
+          </a:xfrm>
+          <a:prstGeom prst="straightConnector1">
+            <a:avLst/>
+          </a:prstGeom>
+          <a:ln>
+            <a:solidFill>
+              <a:schemeClr val="tx1"/>
+            </a:solidFill>
+            <a:tailEnd type="triangle"/>
+          </a:ln>
+        </p:spPr>
+        <p:style>
+          <a:lnRef idx="1">
+            <a:schemeClr val="accent1"/>
+          </a:lnRef>
+          <a:fillRef idx="0">
+            <a:schemeClr val="accent1"/>
+          </a:fillRef>
+          <a:effectRef idx="0">
+            <a:schemeClr val="accent1"/>
+          </a:effectRef>
+          <a:fontRef idx="minor">
+            <a:schemeClr val="tx1"/>
+          </a:fontRef>
+        </p:style>
+      </p:cxnSp>
+      <p:sp>
+        <p:nvSpPr>
+          <p:cNvPr id="82" name="文本框 81">
+            <a:extLst>
+              <a:ext uri="{FF2B5EF4-FFF2-40B4-BE49-F238E27FC236}">
+                <a16:creationId xmlns:a16="http://schemas.microsoft.com/office/drawing/2014/main" id="{430175D7-2062-42BA-A5CE-4874857AF8AE}"/>
+              </a:ext>
+            </a:extLst>
+          </p:cNvPr>
+          <p:cNvSpPr txBox="1"/>
+          <p:nvPr/>
+        </p:nvSpPr>
+        <p:spPr>
+          <a:xfrm>
+            <a:off x="1564434" y="541176"/>
+            <a:ext cx="1477346" cy="369332"/>
+          </a:xfrm>
+          <a:prstGeom prst="rect">
+            <a:avLst/>
+          </a:prstGeom>
+          <a:noFill/>
+        </p:spPr>
+        <p:txBody>
+          <a:bodyPr wrap="square" rtlCol="0">
+            <a:spAutoFit/>
+          </a:bodyPr>
+          <a:lstStyle/>
+          <a:p>
+            <a:r>
+              <a:rPr lang="zh-CN" altLang="en-US" dirty="0"/>
+              <a:t>输入层</a:t>
+            </a:r>
+          </a:p>
+        </p:txBody>
+      </p:sp>
+      <p:sp>
+        <p:nvSpPr>
+          <p:cNvPr id="83" name="文本框 82">
+            <a:extLst>
+              <a:ext uri="{FF2B5EF4-FFF2-40B4-BE49-F238E27FC236}">
+                <a16:creationId xmlns:a16="http://schemas.microsoft.com/office/drawing/2014/main" id="{447AD865-DBBC-4CC5-BC19-83E86853C8DC}"/>
+              </a:ext>
+            </a:extLst>
+          </p:cNvPr>
+          <p:cNvSpPr txBox="1"/>
+          <p:nvPr/>
+        </p:nvSpPr>
+        <p:spPr>
+          <a:xfrm>
+            <a:off x="4898568" y="533718"/>
+            <a:ext cx="1477346" cy="369332"/>
+          </a:xfrm>
+          <a:prstGeom prst="rect">
+            <a:avLst/>
+          </a:prstGeom>
+          <a:noFill/>
+        </p:spPr>
+        <p:txBody>
+          <a:bodyPr wrap="square" rtlCol="0">
+            <a:spAutoFit/>
+          </a:bodyPr>
+          <a:lstStyle/>
+          <a:p>
+            <a:r>
+              <a:rPr lang="en-US" altLang="zh-CN" dirty="0"/>
+              <a:t>attention</a:t>
+            </a:r>
+            <a:r>
+              <a:rPr lang="zh-CN" altLang="en-US" dirty="0"/>
+              <a:t>层</a:t>
+            </a:r>
+          </a:p>
+        </p:txBody>
+      </p:sp>
+      <p:sp>
+        <p:nvSpPr>
+          <p:cNvPr id="86" name="文本框 85">
+            <a:extLst>
+              <a:ext uri="{FF2B5EF4-FFF2-40B4-BE49-F238E27FC236}">
+                <a16:creationId xmlns:a16="http://schemas.microsoft.com/office/drawing/2014/main" id="{C142FFF0-C066-429E-80B7-58D5A4928F78}"/>
+              </a:ext>
+            </a:extLst>
+          </p:cNvPr>
+          <p:cNvSpPr txBox="1"/>
+          <p:nvPr/>
+        </p:nvSpPr>
+        <p:spPr>
+          <a:xfrm>
+            <a:off x="6002698" y="2526855"/>
+            <a:ext cx="625151" cy="369332"/>
+          </a:xfrm>
+          <a:prstGeom prst="rect">
+            <a:avLst/>
+          </a:prstGeom>
+          <a:noFill/>
+        </p:spPr>
+        <p:txBody>
+          <a:bodyPr wrap="square" rtlCol="0">
+            <a:spAutoFit/>
+          </a:bodyPr>
+          <a:lstStyle/>
+          <a:p>
+            <a:r>
+              <a:rPr lang="en-US" altLang="zh-CN" dirty="0"/>
+              <a:t>g3</a:t>
+            </a:r>
+            <a:endParaRPr lang="zh-CN" altLang="en-US" dirty="0"/>
+          </a:p>
+        </p:txBody>
+      </p:sp>
     </p:spTree>
     <p:extLst>
       <p:ext uri="{BB962C8B-B14F-4D97-AF65-F5344CB8AC3E}">
-        <p14:creationId xmlns:p14="http://schemas.microsoft.com/office/powerpoint/2010/main" val="274082761"/>
+        <p14:creationId xmlns:p14="http://schemas.microsoft.com/office/powerpoint/2010/main" val="2863465124"/>
       </p:ext>
     </p:extLst>
   </p:cSld>

--- a/论文图.pptx
+++ b/论文图.pptx
@@ -261,7 +261,7 @@
           <a:p>
             <a:fld id="{0E53518D-3F35-4B0C-9D05-EDF88E72A843}" type="datetimeFigureOut">
               <a:rPr lang="zh-CN" altLang="en-US" smtClean="0"/>
-              <a:t>2020/11/16</a:t>
+              <a:t>2020/11/17</a:t>
             </a:fld>
             <a:endParaRPr lang="zh-CN" altLang="en-US"/>
           </a:p>
@@ -459,7 +459,7 @@
           <a:p>
             <a:fld id="{0E53518D-3F35-4B0C-9D05-EDF88E72A843}" type="datetimeFigureOut">
               <a:rPr lang="zh-CN" altLang="en-US" smtClean="0"/>
-              <a:t>2020/11/16</a:t>
+              <a:t>2020/11/17</a:t>
             </a:fld>
             <a:endParaRPr lang="zh-CN" altLang="en-US"/>
           </a:p>
@@ -667,7 +667,7 @@
           <a:p>
             <a:fld id="{0E53518D-3F35-4B0C-9D05-EDF88E72A843}" type="datetimeFigureOut">
               <a:rPr lang="zh-CN" altLang="en-US" smtClean="0"/>
-              <a:t>2020/11/16</a:t>
+              <a:t>2020/11/17</a:t>
             </a:fld>
             <a:endParaRPr lang="zh-CN" altLang="en-US"/>
           </a:p>
@@ -865,7 +865,7 @@
           <a:p>
             <a:fld id="{0E53518D-3F35-4B0C-9D05-EDF88E72A843}" type="datetimeFigureOut">
               <a:rPr lang="zh-CN" altLang="en-US" smtClean="0"/>
-              <a:t>2020/11/16</a:t>
+              <a:t>2020/11/17</a:t>
             </a:fld>
             <a:endParaRPr lang="zh-CN" altLang="en-US"/>
           </a:p>
@@ -1140,7 +1140,7 @@
           <a:p>
             <a:fld id="{0E53518D-3F35-4B0C-9D05-EDF88E72A843}" type="datetimeFigureOut">
               <a:rPr lang="zh-CN" altLang="en-US" smtClean="0"/>
-              <a:t>2020/11/16</a:t>
+              <a:t>2020/11/17</a:t>
             </a:fld>
             <a:endParaRPr lang="zh-CN" altLang="en-US"/>
           </a:p>
@@ -1405,7 +1405,7 @@
           <a:p>
             <a:fld id="{0E53518D-3F35-4B0C-9D05-EDF88E72A843}" type="datetimeFigureOut">
               <a:rPr lang="zh-CN" altLang="en-US" smtClean="0"/>
-              <a:t>2020/11/16</a:t>
+              <a:t>2020/11/17</a:t>
             </a:fld>
             <a:endParaRPr lang="zh-CN" altLang="en-US"/>
           </a:p>
@@ -1817,7 +1817,7 @@
           <a:p>
             <a:fld id="{0E53518D-3F35-4B0C-9D05-EDF88E72A843}" type="datetimeFigureOut">
               <a:rPr lang="zh-CN" altLang="en-US" smtClean="0"/>
-              <a:t>2020/11/16</a:t>
+              <a:t>2020/11/17</a:t>
             </a:fld>
             <a:endParaRPr lang="zh-CN" altLang="en-US"/>
           </a:p>
@@ -1958,7 +1958,7 @@
           <a:p>
             <a:fld id="{0E53518D-3F35-4B0C-9D05-EDF88E72A843}" type="datetimeFigureOut">
               <a:rPr lang="zh-CN" altLang="en-US" smtClean="0"/>
-              <a:t>2020/11/16</a:t>
+              <a:t>2020/11/17</a:t>
             </a:fld>
             <a:endParaRPr lang="zh-CN" altLang="en-US"/>
           </a:p>
@@ -2071,7 +2071,7 @@
           <a:p>
             <a:fld id="{0E53518D-3F35-4B0C-9D05-EDF88E72A843}" type="datetimeFigureOut">
               <a:rPr lang="zh-CN" altLang="en-US" smtClean="0"/>
-              <a:t>2020/11/16</a:t>
+              <a:t>2020/11/17</a:t>
             </a:fld>
             <a:endParaRPr lang="zh-CN" altLang="en-US"/>
           </a:p>
@@ -2382,7 +2382,7 @@
           <a:p>
             <a:fld id="{0E53518D-3F35-4B0C-9D05-EDF88E72A843}" type="datetimeFigureOut">
               <a:rPr lang="zh-CN" altLang="en-US" smtClean="0"/>
-              <a:t>2020/11/16</a:t>
+              <a:t>2020/11/17</a:t>
             </a:fld>
             <a:endParaRPr lang="zh-CN" altLang="en-US"/>
           </a:p>
@@ -2670,7 +2670,7 @@
           <a:p>
             <a:fld id="{0E53518D-3F35-4B0C-9D05-EDF88E72A843}" type="datetimeFigureOut">
               <a:rPr lang="zh-CN" altLang="en-US" smtClean="0"/>
-              <a:t>2020/11/16</a:t>
+              <a:t>2020/11/17</a:t>
             </a:fld>
             <a:endParaRPr lang="zh-CN" altLang="en-US"/>
           </a:p>
@@ -2911,7 +2911,7 @@
           <a:p>
             <a:fld id="{0E53518D-3F35-4B0C-9D05-EDF88E72A843}" type="datetimeFigureOut">
               <a:rPr lang="zh-CN" altLang="en-US" smtClean="0"/>
-              <a:t>2020/11/16</a:t>
+              <a:t>2020/11/17</a:t>
             </a:fld>
             <a:endParaRPr lang="zh-CN" altLang="en-US"/>
           </a:p>
@@ -3505,8 +3505,13 @@
             <a:pPr algn="ctr"/>
             <a:r>
               <a:rPr lang="zh-CN" altLang="en-US" dirty="0"/>
-              <a:t>服务：？？</a:t>
+              <a:t>服务：</a:t>
             </a:r>
+            <a:r>
+              <a:rPr lang="en-US" altLang="zh-CN" dirty="0"/>
+              <a:t>train</a:t>
+            </a:r>
+            <a:endParaRPr lang="zh-CN" altLang="en-US" dirty="0"/>
           </a:p>
         </p:txBody>
       </p:sp>
@@ -3546,8 +3551,13 @@
             <a:pPr algn="ctr"/>
             <a:r>
               <a:rPr lang="zh-CN" altLang="en-US" dirty="0"/>
-              <a:t>意图：？？</a:t>
+              <a:t>意图：</a:t>
             </a:r>
+            <a:r>
+              <a:rPr lang="en-US" altLang="zh-CN" dirty="0"/>
+              <a:t>query</a:t>
+            </a:r>
+            <a:endParaRPr lang="zh-CN" altLang="en-US" dirty="0"/>
           </a:p>
         </p:txBody>
       </p:sp>
@@ -4806,7 +4816,7 @@
             </a:r>
             <a:r>
               <a:rPr lang="en-US" altLang="zh-CN" dirty="0"/>
-              <a:t>32×256</a:t>
+              <a:t>32×128</a:t>
             </a:r>
             <a:r>
               <a:rPr lang="zh-CN" altLang="en-US" dirty="0"/>
@@ -5852,8 +5862,12 @@
           <a:p>
             <a:pPr algn="ctr"/>
             <a:r>
+              <a:rPr lang="en-US" altLang="zh-CN" dirty="0"/>
+              <a:t>pooling</a:t>
+            </a:r>
+            <a:r>
               <a:rPr lang="zh-CN" altLang="en-US" dirty="0"/>
-              <a:t>池化层</a:t>
+              <a:t>层</a:t>
             </a:r>
           </a:p>
         </p:txBody>

--- a/论文图.pptx
+++ b/论文图.pptx
@@ -11635,7 +11635,7 @@
         </p:nvSpPr>
         <p:spPr>
           <a:xfrm>
-            <a:off x="1564434" y="541176"/>
+            <a:off x="1933549" y="539051"/>
             <a:ext cx="1477346" cy="369332"/>
           </a:xfrm>
           <a:prstGeom prst="rect">

--- a/论文图.pptx
+++ b/论文图.pptx
@@ -8,6 +8,8 @@
     <p:sldId id="256" r:id="rId2"/>
     <p:sldId id="257" r:id="rId3"/>
     <p:sldId id="258" r:id="rId4"/>
+    <p:sldId id="259" r:id="rId5"/>
+    <p:sldId id="260" r:id="rId6"/>
   </p:sldIdLst>
   <p:sldSz cx="12192000" cy="6858000"/>
   <p:notesSz cx="6858000" cy="9144000"/>
@@ -4072,7 +4074,7 @@
           <p:nvPr>
             <p:extLst>
               <p:ext uri="{D42A27DB-BD31-4B8C-83A1-F6EECF244321}">
-                <p14:modId xmlns:p14="http://schemas.microsoft.com/office/powerpoint/2010/main" val="1438143672"/>
+                <p14:modId xmlns:p14="http://schemas.microsoft.com/office/powerpoint/2010/main" val="541320771"/>
               </p:ext>
             </p:extLst>
           </p:nvPr>
@@ -5847,7 +5849,7 @@
         <p:spPr>
           <a:xfrm>
             <a:off x="7476619" y="487370"/>
-            <a:ext cx="1484305" cy="380201"/>
+            <a:ext cx="1484305" cy="646331"/>
           </a:xfrm>
           <a:prstGeom prst="rect">
             <a:avLst/>
@@ -5859,6 +5861,13 @@
             <a:spAutoFit/>
           </a:bodyPr>
           <a:lstStyle/>
+          <a:p>
+            <a:pPr algn="ctr"/>
+            <a:r>
+              <a:rPr lang="en-US" altLang="zh-CN" dirty="0"/>
+              <a:t>K-max</a:t>
+            </a:r>
+          </a:p>
           <a:p>
             <a:pPr algn="ctr"/>
             <a:r>
@@ -8654,8 +8663,8 @@
             <a:avLst/>
           </a:prstGeom>
           <a:solidFill>
-            <a:schemeClr val="bg1">
-              <a:lumMod val="65000"/>
+            <a:schemeClr val="accent2">
+              <a:lumMod val="75000"/>
             </a:schemeClr>
           </a:solidFill>
         </p:spPr>
@@ -11735,6 +11744,7725 @@
     <p:extLst>
       <p:ext uri="{BB962C8B-B14F-4D97-AF65-F5344CB8AC3E}">
         <p14:creationId xmlns:p14="http://schemas.microsoft.com/office/powerpoint/2010/main" val="2863465124"/>
+      </p:ext>
+    </p:extLst>
+  </p:cSld>
+  <p:clrMapOvr>
+    <a:masterClrMapping/>
+  </p:clrMapOvr>
+</p:sld>
+</file>
+
+<file path=ppt/slides/slide4.xml><?xml version="1.0" encoding="utf-8"?>
+<p:sld xmlns:a="http://schemas.openxmlformats.org/drawingml/2006/main" xmlns:r="http://schemas.openxmlformats.org/officeDocument/2006/relationships" xmlns:p="http://schemas.openxmlformats.org/presentationml/2006/main">
+  <p:cSld>
+    <p:spTree>
+      <p:nvGrpSpPr>
+        <p:cNvPr id="1" name=""/>
+        <p:cNvGrpSpPr/>
+        <p:nvPr/>
+      </p:nvGrpSpPr>
+      <p:grpSpPr>
+        <a:xfrm>
+          <a:off x="0" y="0"/>
+          <a:ext cx="0" cy="0"/>
+          <a:chOff x="0" y="0"/>
+          <a:chExt cx="0" cy="0"/>
+        </a:xfrm>
+      </p:grpSpPr>
+      <p:sp>
+        <p:nvSpPr>
+          <p:cNvPr id="6" name="矩形: 圆角 5">
+            <a:extLst>
+              <a:ext uri="{FF2B5EF4-FFF2-40B4-BE49-F238E27FC236}">
+                <a16:creationId xmlns:a16="http://schemas.microsoft.com/office/drawing/2014/main" id="{ACCA5CD8-41B1-406C-9FD0-65E054D8142F}"/>
+              </a:ext>
+            </a:extLst>
+          </p:cNvPr>
+          <p:cNvSpPr/>
+          <p:nvPr/>
+        </p:nvSpPr>
+        <p:spPr>
+          <a:xfrm>
+            <a:off x="3048507" y="4721290"/>
+            <a:ext cx="355390" cy="1449709"/>
+          </a:xfrm>
+          <a:prstGeom prst="roundRect">
+            <a:avLst/>
+          </a:prstGeom>
+          <a:solidFill>
+            <a:schemeClr val="accent4">
+              <a:lumMod val="40000"/>
+              <a:lumOff val="60000"/>
+            </a:schemeClr>
+          </a:solidFill>
+          <a:ln>
+            <a:solidFill>
+              <a:schemeClr val="tx1"/>
+            </a:solidFill>
+          </a:ln>
+        </p:spPr>
+        <p:style>
+          <a:lnRef idx="2">
+            <a:schemeClr val="accent1">
+              <a:shade val="50000"/>
+            </a:schemeClr>
+          </a:lnRef>
+          <a:fillRef idx="1">
+            <a:schemeClr val="accent1"/>
+          </a:fillRef>
+          <a:effectRef idx="0">
+            <a:schemeClr val="accent1"/>
+          </a:effectRef>
+          <a:fontRef idx="minor">
+            <a:schemeClr val="lt1"/>
+          </a:fontRef>
+        </p:style>
+        <p:txBody>
+          <a:bodyPr rtlCol="0" anchor="ctr"/>
+          <a:lstStyle/>
+          <a:p>
+            <a:pPr algn="ctr"/>
+            <a:endParaRPr lang="zh-CN" altLang="en-US"/>
+          </a:p>
+        </p:txBody>
+      </p:sp>
+      <p:sp>
+        <p:nvSpPr>
+          <p:cNvPr id="3" name="椭圆 2">
+            <a:extLst>
+              <a:ext uri="{FF2B5EF4-FFF2-40B4-BE49-F238E27FC236}">
+                <a16:creationId xmlns:a16="http://schemas.microsoft.com/office/drawing/2014/main" id="{75F170D4-87C5-4048-9610-A47BF71FE249}"/>
+              </a:ext>
+            </a:extLst>
+          </p:cNvPr>
+          <p:cNvSpPr/>
+          <p:nvPr/>
+        </p:nvSpPr>
+        <p:spPr>
+          <a:xfrm>
+            <a:off x="3097649" y="4770730"/>
+            <a:ext cx="257106" cy="251241"/>
+          </a:xfrm>
+          <a:prstGeom prst="ellipse">
+            <a:avLst/>
+          </a:prstGeom>
+          <a:solidFill>
+            <a:schemeClr val="accent4">
+              <a:lumMod val="40000"/>
+              <a:lumOff val="60000"/>
+            </a:schemeClr>
+          </a:solidFill>
+          <a:ln>
+            <a:solidFill>
+              <a:schemeClr val="tx1"/>
+            </a:solidFill>
+          </a:ln>
+        </p:spPr>
+        <p:style>
+          <a:lnRef idx="2">
+            <a:schemeClr val="accent1">
+              <a:shade val="50000"/>
+            </a:schemeClr>
+          </a:lnRef>
+          <a:fillRef idx="1">
+            <a:schemeClr val="accent1"/>
+          </a:fillRef>
+          <a:effectRef idx="0">
+            <a:schemeClr val="accent1"/>
+          </a:effectRef>
+          <a:fontRef idx="minor">
+            <a:schemeClr val="lt1"/>
+          </a:fontRef>
+        </p:style>
+        <p:txBody>
+          <a:bodyPr rtlCol="0" anchor="ctr"/>
+          <a:lstStyle/>
+          <a:p>
+            <a:pPr algn="ctr"/>
+            <a:endParaRPr lang="zh-CN" altLang="en-US"/>
+          </a:p>
+        </p:txBody>
+      </p:sp>
+      <p:sp>
+        <p:nvSpPr>
+          <p:cNvPr id="7" name="椭圆 6">
+            <a:extLst>
+              <a:ext uri="{FF2B5EF4-FFF2-40B4-BE49-F238E27FC236}">
+                <a16:creationId xmlns:a16="http://schemas.microsoft.com/office/drawing/2014/main" id="{5EEFF059-9F01-40B5-8C21-82BCBF770034}"/>
+              </a:ext>
+            </a:extLst>
+          </p:cNvPr>
+          <p:cNvSpPr/>
+          <p:nvPr/>
+        </p:nvSpPr>
+        <p:spPr>
+          <a:xfrm>
+            <a:off x="3097649" y="5071485"/>
+            <a:ext cx="257106" cy="251241"/>
+          </a:xfrm>
+          <a:prstGeom prst="ellipse">
+            <a:avLst/>
+          </a:prstGeom>
+          <a:solidFill>
+            <a:schemeClr val="accent4">
+              <a:lumMod val="40000"/>
+              <a:lumOff val="60000"/>
+            </a:schemeClr>
+          </a:solidFill>
+          <a:ln>
+            <a:solidFill>
+              <a:schemeClr val="tx1"/>
+            </a:solidFill>
+          </a:ln>
+        </p:spPr>
+        <p:style>
+          <a:lnRef idx="2">
+            <a:schemeClr val="accent1">
+              <a:shade val="50000"/>
+            </a:schemeClr>
+          </a:lnRef>
+          <a:fillRef idx="1">
+            <a:schemeClr val="accent1"/>
+          </a:fillRef>
+          <a:effectRef idx="0">
+            <a:schemeClr val="accent1"/>
+          </a:effectRef>
+          <a:fontRef idx="minor">
+            <a:schemeClr val="lt1"/>
+          </a:fontRef>
+        </p:style>
+        <p:txBody>
+          <a:bodyPr rtlCol="0" anchor="ctr"/>
+          <a:lstStyle/>
+          <a:p>
+            <a:pPr algn="ctr"/>
+            <a:endParaRPr lang="zh-CN" altLang="en-US"/>
+          </a:p>
+        </p:txBody>
+      </p:sp>
+      <p:sp>
+        <p:nvSpPr>
+          <p:cNvPr id="8" name="椭圆 7">
+            <a:extLst>
+              <a:ext uri="{FF2B5EF4-FFF2-40B4-BE49-F238E27FC236}">
+                <a16:creationId xmlns:a16="http://schemas.microsoft.com/office/drawing/2014/main" id="{8FB9CA9B-0E63-495C-AB0D-E8EACA79A9DA}"/>
+              </a:ext>
+            </a:extLst>
+          </p:cNvPr>
+          <p:cNvSpPr/>
+          <p:nvPr/>
+        </p:nvSpPr>
+        <p:spPr>
+          <a:xfrm>
+            <a:off x="3097649" y="5851126"/>
+            <a:ext cx="257106" cy="251241"/>
+          </a:xfrm>
+          <a:prstGeom prst="ellipse">
+            <a:avLst/>
+          </a:prstGeom>
+          <a:solidFill>
+            <a:schemeClr val="accent4">
+              <a:lumMod val="40000"/>
+              <a:lumOff val="60000"/>
+            </a:schemeClr>
+          </a:solidFill>
+          <a:ln>
+            <a:solidFill>
+              <a:schemeClr val="tx1"/>
+            </a:solidFill>
+          </a:ln>
+        </p:spPr>
+        <p:style>
+          <a:lnRef idx="2">
+            <a:schemeClr val="accent1">
+              <a:shade val="50000"/>
+            </a:schemeClr>
+          </a:lnRef>
+          <a:fillRef idx="1">
+            <a:schemeClr val="accent1"/>
+          </a:fillRef>
+          <a:effectRef idx="0">
+            <a:schemeClr val="accent1"/>
+          </a:effectRef>
+          <a:fontRef idx="minor">
+            <a:schemeClr val="lt1"/>
+          </a:fontRef>
+        </p:style>
+        <p:txBody>
+          <a:bodyPr rtlCol="0" anchor="ctr"/>
+          <a:lstStyle/>
+          <a:p>
+            <a:pPr algn="ctr"/>
+            <a:endParaRPr lang="zh-CN" altLang="en-US"/>
+          </a:p>
+        </p:txBody>
+      </p:sp>
+      <p:sp>
+        <p:nvSpPr>
+          <p:cNvPr id="10" name="流程图: 接点 9">
+            <a:extLst>
+              <a:ext uri="{FF2B5EF4-FFF2-40B4-BE49-F238E27FC236}">
+                <a16:creationId xmlns:a16="http://schemas.microsoft.com/office/drawing/2014/main" id="{013FE63D-43BA-4EE5-9A18-9B7F15703E83}"/>
+              </a:ext>
+            </a:extLst>
+          </p:cNvPr>
+          <p:cNvSpPr/>
+          <p:nvPr/>
+        </p:nvSpPr>
+        <p:spPr>
+          <a:xfrm>
+            <a:off x="3184214" y="5415211"/>
+            <a:ext cx="83976" cy="83976"/>
+          </a:xfrm>
+          <a:prstGeom prst="flowChartConnector">
+            <a:avLst/>
+          </a:prstGeom>
+          <a:solidFill>
+            <a:schemeClr val="accent4">
+              <a:lumMod val="40000"/>
+              <a:lumOff val="60000"/>
+            </a:schemeClr>
+          </a:solidFill>
+          <a:ln>
+            <a:solidFill>
+              <a:schemeClr val="tx1"/>
+            </a:solidFill>
+          </a:ln>
+        </p:spPr>
+        <p:style>
+          <a:lnRef idx="2">
+            <a:schemeClr val="accent1">
+              <a:shade val="50000"/>
+            </a:schemeClr>
+          </a:lnRef>
+          <a:fillRef idx="1">
+            <a:schemeClr val="accent1"/>
+          </a:fillRef>
+          <a:effectRef idx="0">
+            <a:schemeClr val="accent1"/>
+          </a:effectRef>
+          <a:fontRef idx="minor">
+            <a:schemeClr val="lt1"/>
+          </a:fontRef>
+        </p:style>
+        <p:txBody>
+          <a:bodyPr rtlCol="0" anchor="ctr"/>
+          <a:lstStyle/>
+          <a:p>
+            <a:pPr algn="ctr"/>
+            <a:endParaRPr lang="zh-CN" altLang="en-US"/>
+          </a:p>
+        </p:txBody>
+      </p:sp>
+      <p:sp>
+        <p:nvSpPr>
+          <p:cNvPr id="11" name="流程图: 接点 10">
+            <a:extLst>
+              <a:ext uri="{FF2B5EF4-FFF2-40B4-BE49-F238E27FC236}">
+                <a16:creationId xmlns:a16="http://schemas.microsoft.com/office/drawing/2014/main" id="{B2D38514-5571-4C08-A3AE-13DFB0A04A39}"/>
+              </a:ext>
+            </a:extLst>
+          </p:cNvPr>
+          <p:cNvSpPr/>
+          <p:nvPr/>
+        </p:nvSpPr>
+        <p:spPr>
+          <a:xfrm>
+            <a:off x="3184214" y="5549684"/>
+            <a:ext cx="83976" cy="83976"/>
+          </a:xfrm>
+          <a:prstGeom prst="flowChartConnector">
+            <a:avLst/>
+          </a:prstGeom>
+          <a:solidFill>
+            <a:schemeClr val="accent4">
+              <a:lumMod val="40000"/>
+              <a:lumOff val="60000"/>
+            </a:schemeClr>
+          </a:solidFill>
+          <a:ln>
+            <a:solidFill>
+              <a:schemeClr val="tx1"/>
+            </a:solidFill>
+          </a:ln>
+        </p:spPr>
+        <p:style>
+          <a:lnRef idx="2">
+            <a:schemeClr val="accent1">
+              <a:shade val="50000"/>
+            </a:schemeClr>
+          </a:lnRef>
+          <a:fillRef idx="1">
+            <a:schemeClr val="accent1"/>
+          </a:fillRef>
+          <a:effectRef idx="0">
+            <a:schemeClr val="accent1"/>
+          </a:effectRef>
+          <a:fontRef idx="minor">
+            <a:schemeClr val="lt1"/>
+          </a:fontRef>
+        </p:style>
+        <p:txBody>
+          <a:bodyPr rtlCol="0" anchor="ctr"/>
+          <a:lstStyle/>
+          <a:p>
+            <a:pPr algn="ctr"/>
+            <a:endParaRPr lang="zh-CN" altLang="en-US"/>
+          </a:p>
+        </p:txBody>
+      </p:sp>
+      <p:sp>
+        <p:nvSpPr>
+          <p:cNvPr id="12" name="流程图: 接点 11">
+            <a:extLst>
+              <a:ext uri="{FF2B5EF4-FFF2-40B4-BE49-F238E27FC236}">
+                <a16:creationId xmlns:a16="http://schemas.microsoft.com/office/drawing/2014/main" id="{F20B6948-BE90-483B-97D8-8828FE86E745}"/>
+              </a:ext>
+            </a:extLst>
+          </p:cNvPr>
+          <p:cNvSpPr/>
+          <p:nvPr/>
+        </p:nvSpPr>
+        <p:spPr>
+          <a:xfrm>
+            <a:off x="3184214" y="5675878"/>
+            <a:ext cx="83976" cy="83976"/>
+          </a:xfrm>
+          <a:prstGeom prst="flowChartConnector">
+            <a:avLst/>
+          </a:prstGeom>
+          <a:solidFill>
+            <a:schemeClr val="accent4">
+              <a:lumMod val="40000"/>
+              <a:lumOff val="60000"/>
+            </a:schemeClr>
+          </a:solidFill>
+          <a:ln>
+            <a:solidFill>
+              <a:schemeClr val="tx1"/>
+            </a:solidFill>
+          </a:ln>
+        </p:spPr>
+        <p:style>
+          <a:lnRef idx="2">
+            <a:schemeClr val="accent1">
+              <a:shade val="50000"/>
+            </a:schemeClr>
+          </a:lnRef>
+          <a:fillRef idx="1">
+            <a:schemeClr val="accent1"/>
+          </a:fillRef>
+          <a:effectRef idx="0">
+            <a:schemeClr val="accent1"/>
+          </a:effectRef>
+          <a:fontRef idx="minor">
+            <a:schemeClr val="lt1"/>
+          </a:fontRef>
+        </p:style>
+        <p:txBody>
+          <a:bodyPr rtlCol="0" anchor="ctr"/>
+          <a:lstStyle/>
+          <a:p>
+            <a:pPr algn="ctr"/>
+            <a:endParaRPr lang="zh-CN" altLang="en-US"/>
+          </a:p>
+        </p:txBody>
+      </p:sp>
+      <p:sp>
+        <p:nvSpPr>
+          <p:cNvPr id="13" name="文本框 12">
+            <a:extLst>
+              <a:ext uri="{FF2B5EF4-FFF2-40B4-BE49-F238E27FC236}">
+                <a16:creationId xmlns:a16="http://schemas.microsoft.com/office/drawing/2014/main" id="{2B0963B2-B2EC-4EB8-88E7-18625022886D}"/>
+              </a:ext>
+            </a:extLst>
+          </p:cNvPr>
+          <p:cNvSpPr txBox="1"/>
+          <p:nvPr/>
+        </p:nvSpPr>
+        <p:spPr>
+          <a:xfrm>
+            <a:off x="2862308" y="6306915"/>
+            <a:ext cx="727788" cy="369332"/>
+          </a:xfrm>
+          <a:prstGeom prst="rect">
+            <a:avLst/>
+          </a:prstGeom>
+          <a:noFill/>
+        </p:spPr>
+        <p:txBody>
+          <a:bodyPr wrap="square" rtlCol="0">
+            <a:spAutoFit/>
+          </a:bodyPr>
+          <a:lstStyle/>
+          <a:p>
+            <a:pPr algn="ctr"/>
+            <a:r>
+              <a:rPr lang="zh-CN" altLang="en-US" dirty="0"/>
+              <a:t>查询</a:t>
+            </a:r>
+          </a:p>
+        </p:txBody>
+      </p:sp>
+      <p:sp>
+        <p:nvSpPr>
+          <p:cNvPr id="14" name="矩形: 圆角 13">
+            <a:extLst>
+              <a:ext uri="{FF2B5EF4-FFF2-40B4-BE49-F238E27FC236}">
+                <a16:creationId xmlns:a16="http://schemas.microsoft.com/office/drawing/2014/main" id="{BBFE40E4-6FF2-4701-AC48-F8F9CDC54ADA}"/>
+              </a:ext>
+            </a:extLst>
+          </p:cNvPr>
+          <p:cNvSpPr/>
+          <p:nvPr/>
+        </p:nvSpPr>
+        <p:spPr>
+          <a:xfrm>
+            <a:off x="4031332" y="4721290"/>
+            <a:ext cx="355390" cy="1449709"/>
+          </a:xfrm>
+          <a:prstGeom prst="roundRect">
+            <a:avLst/>
+          </a:prstGeom>
+          <a:solidFill>
+            <a:schemeClr val="accent4">
+              <a:lumMod val="40000"/>
+              <a:lumOff val="60000"/>
+            </a:schemeClr>
+          </a:solidFill>
+          <a:ln>
+            <a:solidFill>
+              <a:schemeClr val="tx1"/>
+            </a:solidFill>
+          </a:ln>
+        </p:spPr>
+        <p:style>
+          <a:lnRef idx="2">
+            <a:schemeClr val="accent1">
+              <a:shade val="50000"/>
+            </a:schemeClr>
+          </a:lnRef>
+          <a:fillRef idx="1">
+            <a:schemeClr val="accent1"/>
+          </a:fillRef>
+          <a:effectRef idx="0">
+            <a:schemeClr val="accent1"/>
+          </a:effectRef>
+          <a:fontRef idx="minor">
+            <a:schemeClr val="lt1"/>
+          </a:fontRef>
+        </p:style>
+        <p:txBody>
+          <a:bodyPr rtlCol="0" anchor="ctr"/>
+          <a:lstStyle/>
+          <a:p>
+            <a:pPr algn="ctr"/>
+            <a:endParaRPr lang="zh-CN" altLang="en-US"/>
+          </a:p>
+        </p:txBody>
+      </p:sp>
+      <p:sp>
+        <p:nvSpPr>
+          <p:cNvPr id="15" name="椭圆 14">
+            <a:extLst>
+              <a:ext uri="{FF2B5EF4-FFF2-40B4-BE49-F238E27FC236}">
+                <a16:creationId xmlns:a16="http://schemas.microsoft.com/office/drawing/2014/main" id="{622A66A1-D246-4562-BC36-D8347187B872}"/>
+              </a:ext>
+            </a:extLst>
+          </p:cNvPr>
+          <p:cNvSpPr/>
+          <p:nvPr/>
+        </p:nvSpPr>
+        <p:spPr>
+          <a:xfrm>
+            <a:off x="4080474" y="4770730"/>
+            <a:ext cx="257106" cy="251241"/>
+          </a:xfrm>
+          <a:prstGeom prst="ellipse">
+            <a:avLst/>
+          </a:prstGeom>
+          <a:solidFill>
+            <a:schemeClr val="accent4">
+              <a:lumMod val="40000"/>
+              <a:lumOff val="60000"/>
+            </a:schemeClr>
+          </a:solidFill>
+          <a:ln>
+            <a:solidFill>
+              <a:schemeClr val="tx1"/>
+            </a:solidFill>
+          </a:ln>
+        </p:spPr>
+        <p:style>
+          <a:lnRef idx="2">
+            <a:schemeClr val="accent1">
+              <a:shade val="50000"/>
+            </a:schemeClr>
+          </a:lnRef>
+          <a:fillRef idx="1">
+            <a:schemeClr val="accent1"/>
+          </a:fillRef>
+          <a:effectRef idx="0">
+            <a:schemeClr val="accent1"/>
+          </a:effectRef>
+          <a:fontRef idx="minor">
+            <a:schemeClr val="lt1"/>
+          </a:fontRef>
+        </p:style>
+        <p:txBody>
+          <a:bodyPr rtlCol="0" anchor="ctr"/>
+          <a:lstStyle/>
+          <a:p>
+            <a:pPr algn="ctr"/>
+            <a:endParaRPr lang="zh-CN" altLang="en-US"/>
+          </a:p>
+        </p:txBody>
+      </p:sp>
+      <p:sp>
+        <p:nvSpPr>
+          <p:cNvPr id="16" name="椭圆 15">
+            <a:extLst>
+              <a:ext uri="{FF2B5EF4-FFF2-40B4-BE49-F238E27FC236}">
+                <a16:creationId xmlns:a16="http://schemas.microsoft.com/office/drawing/2014/main" id="{1A55A679-9323-49A7-842C-85133A2426DC}"/>
+              </a:ext>
+            </a:extLst>
+          </p:cNvPr>
+          <p:cNvSpPr/>
+          <p:nvPr/>
+        </p:nvSpPr>
+        <p:spPr>
+          <a:xfrm>
+            <a:off x="4080474" y="5071485"/>
+            <a:ext cx="257106" cy="251241"/>
+          </a:xfrm>
+          <a:prstGeom prst="ellipse">
+            <a:avLst/>
+          </a:prstGeom>
+          <a:solidFill>
+            <a:schemeClr val="accent4">
+              <a:lumMod val="40000"/>
+              <a:lumOff val="60000"/>
+            </a:schemeClr>
+          </a:solidFill>
+          <a:ln>
+            <a:solidFill>
+              <a:schemeClr val="tx1"/>
+            </a:solidFill>
+          </a:ln>
+        </p:spPr>
+        <p:style>
+          <a:lnRef idx="2">
+            <a:schemeClr val="accent1">
+              <a:shade val="50000"/>
+            </a:schemeClr>
+          </a:lnRef>
+          <a:fillRef idx="1">
+            <a:schemeClr val="accent1"/>
+          </a:fillRef>
+          <a:effectRef idx="0">
+            <a:schemeClr val="accent1"/>
+          </a:effectRef>
+          <a:fontRef idx="minor">
+            <a:schemeClr val="lt1"/>
+          </a:fontRef>
+        </p:style>
+        <p:txBody>
+          <a:bodyPr rtlCol="0" anchor="ctr"/>
+          <a:lstStyle/>
+          <a:p>
+            <a:pPr algn="ctr"/>
+            <a:endParaRPr lang="zh-CN" altLang="en-US"/>
+          </a:p>
+        </p:txBody>
+      </p:sp>
+      <p:sp>
+        <p:nvSpPr>
+          <p:cNvPr id="17" name="椭圆 16">
+            <a:extLst>
+              <a:ext uri="{FF2B5EF4-FFF2-40B4-BE49-F238E27FC236}">
+                <a16:creationId xmlns:a16="http://schemas.microsoft.com/office/drawing/2014/main" id="{9B5125EA-5361-4316-8586-973C2D19C69F}"/>
+              </a:ext>
+            </a:extLst>
+          </p:cNvPr>
+          <p:cNvSpPr/>
+          <p:nvPr/>
+        </p:nvSpPr>
+        <p:spPr>
+          <a:xfrm>
+            <a:off x="4080474" y="5851126"/>
+            <a:ext cx="257106" cy="251241"/>
+          </a:xfrm>
+          <a:prstGeom prst="ellipse">
+            <a:avLst/>
+          </a:prstGeom>
+          <a:solidFill>
+            <a:schemeClr val="accent4">
+              <a:lumMod val="40000"/>
+              <a:lumOff val="60000"/>
+            </a:schemeClr>
+          </a:solidFill>
+          <a:ln>
+            <a:solidFill>
+              <a:schemeClr val="tx1"/>
+            </a:solidFill>
+          </a:ln>
+        </p:spPr>
+        <p:style>
+          <a:lnRef idx="2">
+            <a:schemeClr val="accent1">
+              <a:shade val="50000"/>
+            </a:schemeClr>
+          </a:lnRef>
+          <a:fillRef idx="1">
+            <a:schemeClr val="accent1"/>
+          </a:fillRef>
+          <a:effectRef idx="0">
+            <a:schemeClr val="accent1"/>
+          </a:effectRef>
+          <a:fontRef idx="minor">
+            <a:schemeClr val="lt1"/>
+          </a:fontRef>
+        </p:style>
+        <p:txBody>
+          <a:bodyPr rtlCol="0" anchor="ctr"/>
+          <a:lstStyle/>
+          <a:p>
+            <a:pPr algn="ctr"/>
+            <a:endParaRPr lang="zh-CN" altLang="en-US"/>
+          </a:p>
+        </p:txBody>
+      </p:sp>
+      <p:sp>
+        <p:nvSpPr>
+          <p:cNvPr id="18" name="流程图: 接点 17">
+            <a:extLst>
+              <a:ext uri="{FF2B5EF4-FFF2-40B4-BE49-F238E27FC236}">
+                <a16:creationId xmlns:a16="http://schemas.microsoft.com/office/drawing/2014/main" id="{DD91C95B-8C92-4DF8-88E9-C57BCAAB82C6}"/>
+              </a:ext>
+            </a:extLst>
+          </p:cNvPr>
+          <p:cNvSpPr/>
+          <p:nvPr/>
+        </p:nvSpPr>
+        <p:spPr>
+          <a:xfrm>
+            <a:off x="4167039" y="5415211"/>
+            <a:ext cx="83976" cy="83976"/>
+          </a:xfrm>
+          <a:prstGeom prst="flowChartConnector">
+            <a:avLst/>
+          </a:prstGeom>
+          <a:solidFill>
+            <a:schemeClr val="accent4">
+              <a:lumMod val="40000"/>
+              <a:lumOff val="60000"/>
+            </a:schemeClr>
+          </a:solidFill>
+          <a:ln>
+            <a:solidFill>
+              <a:schemeClr val="tx1"/>
+            </a:solidFill>
+          </a:ln>
+        </p:spPr>
+        <p:style>
+          <a:lnRef idx="2">
+            <a:schemeClr val="accent1">
+              <a:shade val="50000"/>
+            </a:schemeClr>
+          </a:lnRef>
+          <a:fillRef idx="1">
+            <a:schemeClr val="accent1"/>
+          </a:fillRef>
+          <a:effectRef idx="0">
+            <a:schemeClr val="accent1"/>
+          </a:effectRef>
+          <a:fontRef idx="minor">
+            <a:schemeClr val="lt1"/>
+          </a:fontRef>
+        </p:style>
+        <p:txBody>
+          <a:bodyPr rtlCol="0" anchor="ctr"/>
+          <a:lstStyle/>
+          <a:p>
+            <a:pPr algn="ctr"/>
+            <a:endParaRPr lang="zh-CN" altLang="en-US"/>
+          </a:p>
+        </p:txBody>
+      </p:sp>
+      <p:sp>
+        <p:nvSpPr>
+          <p:cNvPr id="19" name="流程图: 接点 18">
+            <a:extLst>
+              <a:ext uri="{FF2B5EF4-FFF2-40B4-BE49-F238E27FC236}">
+                <a16:creationId xmlns:a16="http://schemas.microsoft.com/office/drawing/2014/main" id="{194A1BC4-16AF-4043-B0F0-C72112DE7983}"/>
+              </a:ext>
+            </a:extLst>
+          </p:cNvPr>
+          <p:cNvSpPr/>
+          <p:nvPr/>
+        </p:nvSpPr>
+        <p:spPr>
+          <a:xfrm>
+            <a:off x="4167039" y="5549684"/>
+            <a:ext cx="83976" cy="83976"/>
+          </a:xfrm>
+          <a:prstGeom prst="flowChartConnector">
+            <a:avLst/>
+          </a:prstGeom>
+          <a:solidFill>
+            <a:schemeClr val="accent4">
+              <a:lumMod val="40000"/>
+              <a:lumOff val="60000"/>
+            </a:schemeClr>
+          </a:solidFill>
+          <a:ln>
+            <a:solidFill>
+              <a:schemeClr val="tx1"/>
+            </a:solidFill>
+          </a:ln>
+        </p:spPr>
+        <p:style>
+          <a:lnRef idx="2">
+            <a:schemeClr val="accent1">
+              <a:shade val="50000"/>
+            </a:schemeClr>
+          </a:lnRef>
+          <a:fillRef idx="1">
+            <a:schemeClr val="accent1"/>
+          </a:fillRef>
+          <a:effectRef idx="0">
+            <a:schemeClr val="accent1"/>
+          </a:effectRef>
+          <a:fontRef idx="minor">
+            <a:schemeClr val="lt1"/>
+          </a:fontRef>
+        </p:style>
+        <p:txBody>
+          <a:bodyPr rtlCol="0" anchor="ctr"/>
+          <a:lstStyle/>
+          <a:p>
+            <a:pPr algn="ctr"/>
+            <a:endParaRPr lang="zh-CN" altLang="en-US"/>
+          </a:p>
+        </p:txBody>
+      </p:sp>
+      <p:sp>
+        <p:nvSpPr>
+          <p:cNvPr id="20" name="流程图: 接点 19">
+            <a:extLst>
+              <a:ext uri="{FF2B5EF4-FFF2-40B4-BE49-F238E27FC236}">
+                <a16:creationId xmlns:a16="http://schemas.microsoft.com/office/drawing/2014/main" id="{F3F651F5-833E-4DB4-A317-C95F3335D152}"/>
+              </a:ext>
+            </a:extLst>
+          </p:cNvPr>
+          <p:cNvSpPr/>
+          <p:nvPr/>
+        </p:nvSpPr>
+        <p:spPr>
+          <a:xfrm>
+            <a:off x="4167039" y="5675878"/>
+            <a:ext cx="83976" cy="83976"/>
+          </a:xfrm>
+          <a:prstGeom prst="flowChartConnector">
+            <a:avLst/>
+          </a:prstGeom>
+          <a:solidFill>
+            <a:schemeClr val="accent4">
+              <a:lumMod val="40000"/>
+              <a:lumOff val="60000"/>
+            </a:schemeClr>
+          </a:solidFill>
+          <a:ln>
+            <a:solidFill>
+              <a:schemeClr val="tx1"/>
+            </a:solidFill>
+          </a:ln>
+        </p:spPr>
+        <p:style>
+          <a:lnRef idx="2">
+            <a:schemeClr val="accent1">
+              <a:shade val="50000"/>
+            </a:schemeClr>
+          </a:lnRef>
+          <a:fillRef idx="1">
+            <a:schemeClr val="accent1"/>
+          </a:fillRef>
+          <a:effectRef idx="0">
+            <a:schemeClr val="accent1"/>
+          </a:effectRef>
+          <a:fontRef idx="minor">
+            <a:schemeClr val="lt1"/>
+          </a:fontRef>
+        </p:style>
+        <p:txBody>
+          <a:bodyPr rtlCol="0" anchor="ctr"/>
+          <a:lstStyle/>
+          <a:p>
+            <a:pPr algn="ctr"/>
+            <a:endParaRPr lang="zh-CN" altLang="en-US"/>
+          </a:p>
+        </p:txBody>
+      </p:sp>
+      <p:sp>
+        <p:nvSpPr>
+          <p:cNvPr id="21" name="文本框 20">
+            <a:extLst>
+              <a:ext uri="{FF2B5EF4-FFF2-40B4-BE49-F238E27FC236}">
+                <a16:creationId xmlns:a16="http://schemas.microsoft.com/office/drawing/2014/main" id="{494E2A93-0CEF-409A-B84D-9F01B982D56B}"/>
+              </a:ext>
+            </a:extLst>
+          </p:cNvPr>
+          <p:cNvSpPr txBox="1"/>
+          <p:nvPr/>
+        </p:nvSpPr>
+        <p:spPr>
+          <a:xfrm>
+            <a:off x="3845133" y="6306915"/>
+            <a:ext cx="727788" cy="369332"/>
+          </a:xfrm>
+          <a:prstGeom prst="rect">
+            <a:avLst/>
+          </a:prstGeom>
+          <a:noFill/>
+        </p:spPr>
+        <p:txBody>
+          <a:bodyPr wrap="square" rtlCol="0">
+            <a:spAutoFit/>
+          </a:bodyPr>
+          <a:lstStyle/>
+          <a:p>
+            <a:pPr algn="ctr"/>
+            <a:r>
+              <a:rPr lang="zh-CN" altLang="en-US" dirty="0"/>
+              <a:t>成都</a:t>
+            </a:r>
+          </a:p>
+        </p:txBody>
+      </p:sp>
+      <p:sp>
+        <p:nvSpPr>
+          <p:cNvPr id="22" name="矩形: 圆角 21">
+            <a:extLst>
+              <a:ext uri="{FF2B5EF4-FFF2-40B4-BE49-F238E27FC236}">
+                <a16:creationId xmlns:a16="http://schemas.microsoft.com/office/drawing/2014/main" id="{C7B54C88-3949-49CC-A605-81D9D8A94929}"/>
+              </a:ext>
+            </a:extLst>
+          </p:cNvPr>
+          <p:cNvSpPr/>
+          <p:nvPr/>
+        </p:nvSpPr>
+        <p:spPr>
+          <a:xfrm>
+            <a:off x="5009808" y="4721290"/>
+            <a:ext cx="355390" cy="1449709"/>
+          </a:xfrm>
+          <a:prstGeom prst="roundRect">
+            <a:avLst/>
+          </a:prstGeom>
+          <a:solidFill>
+            <a:schemeClr val="accent4">
+              <a:lumMod val="40000"/>
+              <a:lumOff val="60000"/>
+            </a:schemeClr>
+          </a:solidFill>
+          <a:ln>
+            <a:solidFill>
+              <a:schemeClr val="tx1"/>
+            </a:solidFill>
+          </a:ln>
+        </p:spPr>
+        <p:style>
+          <a:lnRef idx="2">
+            <a:schemeClr val="accent1">
+              <a:shade val="50000"/>
+            </a:schemeClr>
+          </a:lnRef>
+          <a:fillRef idx="1">
+            <a:schemeClr val="accent1"/>
+          </a:fillRef>
+          <a:effectRef idx="0">
+            <a:schemeClr val="accent1"/>
+          </a:effectRef>
+          <a:fontRef idx="minor">
+            <a:schemeClr val="lt1"/>
+          </a:fontRef>
+        </p:style>
+        <p:txBody>
+          <a:bodyPr rtlCol="0" anchor="ctr"/>
+          <a:lstStyle/>
+          <a:p>
+            <a:pPr algn="ctr"/>
+            <a:endParaRPr lang="zh-CN" altLang="en-US"/>
+          </a:p>
+        </p:txBody>
+      </p:sp>
+      <p:sp>
+        <p:nvSpPr>
+          <p:cNvPr id="23" name="椭圆 22">
+            <a:extLst>
+              <a:ext uri="{FF2B5EF4-FFF2-40B4-BE49-F238E27FC236}">
+                <a16:creationId xmlns:a16="http://schemas.microsoft.com/office/drawing/2014/main" id="{E5CAE296-4D46-4928-8983-9D419411B6F7}"/>
+              </a:ext>
+            </a:extLst>
+          </p:cNvPr>
+          <p:cNvSpPr/>
+          <p:nvPr/>
+        </p:nvSpPr>
+        <p:spPr>
+          <a:xfrm>
+            <a:off x="5058950" y="4770730"/>
+            <a:ext cx="257106" cy="251241"/>
+          </a:xfrm>
+          <a:prstGeom prst="ellipse">
+            <a:avLst/>
+          </a:prstGeom>
+          <a:solidFill>
+            <a:schemeClr val="accent4">
+              <a:lumMod val="40000"/>
+              <a:lumOff val="60000"/>
+            </a:schemeClr>
+          </a:solidFill>
+          <a:ln>
+            <a:solidFill>
+              <a:schemeClr val="tx1"/>
+            </a:solidFill>
+          </a:ln>
+        </p:spPr>
+        <p:style>
+          <a:lnRef idx="2">
+            <a:schemeClr val="accent1">
+              <a:shade val="50000"/>
+            </a:schemeClr>
+          </a:lnRef>
+          <a:fillRef idx="1">
+            <a:schemeClr val="accent1"/>
+          </a:fillRef>
+          <a:effectRef idx="0">
+            <a:schemeClr val="accent1"/>
+          </a:effectRef>
+          <a:fontRef idx="minor">
+            <a:schemeClr val="lt1"/>
+          </a:fontRef>
+        </p:style>
+        <p:txBody>
+          <a:bodyPr rtlCol="0" anchor="ctr"/>
+          <a:lstStyle/>
+          <a:p>
+            <a:pPr algn="ctr"/>
+            <a:endParaRPr lang="zh-CN" altLang="en-US"/>
+          </a:p>
+        </p:txBody>
+      </p:sp>
+      <p:sp>
+        <p:nvSpPr>
+          <p:cNvPr id="24" name="椭圆 23">
+            <a:extLst>
+              <a:ext uri="{FF2B5EF4-FFF2-40B4-BE49-F238E27FC236}">
+                <a16:creationId xmlns:a16="http://schemas.microsoft.com/office/drawing/2014/main" id="{C48E0D15-AAA3-45FC-9824-49034F059F34}"/>
+              </a:ext>
+            </a:extLst>
+          </p:cNvPr>
+          <p:cNvSpPr/>
+          <p:nvPr/>
+        </p:nvSpPr>
+        <p:spPr>
+          <a:xfrm>
+            <a:off x="5058950" y="5071485"/>
+            <a:ext cx="257106" cy="251241"/>
+          </a:xfrm>
+          <a:prstGeom prst="ellipse">
+            <a:avLst/>
+          </a:prstGeom>
+          <a:solidFill>
+            <a:schemeClr val="accent4">
+              <a:lumMod val="40000"/>
+              <a:lumOff val="60000"/>
+            </a:schemeClr>
+          </a:solidFill>
+          <a:ln>
+            <a:solidFill>
+              <a:schemeClr val="tx1"/>
+            </a:solidFill>
+          </a:ln>
+        </p:spPr>
+        <p:style>
+          <a:lnRef idx="2">
+            <a:schemeClr val="accent1">
+              <a:shade val="50000"/>
+            </a:schemeClr>
+          </a:lnRef>
+          <a:fillRef idx="1">
+            <a:schemeClr val="accent1"/>
+          </a:fillRef>
+          <a:effectRef idx="0">
+            <a:schemeClr val="accent1"/>
+          </a:effectRef>
+          <a:fontRef idx="minor">
+            <a:schemeClr val="lt1"/>
+          </a:fontRef>
+        </p:style>
+        <p:txBody>
+          <a:bodyPr rtlCol="0" anchor="ctr"/>
+          <a:lstStyle/>
+          <a:p>
+            <a:pPr algn="ctr"/>
+            <a:endParaRPr lang="zh-CN" altLang="en-US"/>
+          </a:p>
+        </p:txBody>
+      </p:sp>
+      <p:sp>
+        <p:nvSpPr>
+          <p:cNvPr id="25" name="椭圆 24">
+            <a:extLst>
+              <a:ext uri="{FF2B5EF4-FFF2-40B4-BE49-F238E27FC236}">
+                <a16:creationId xmlns:a16="http://schemas.microsoft.com/office/drawing/2014/main" id="{26D2BEF8-1B3C-4EA4-93EA-9AB279D87162}"/>
+              </a:ext>
+            </a:extLst>
+          </p:cNvPr>
+          <p:cNvSpPr/>
+          <p:nvPr/>
+        </p:nvSpPr>
+        <p:spPr>
+          <a:xfrm>
+            <a:off x="5058950" y="5851126"/>
+            <a:ext cx="257106" cy="251241"/>
+          </a:xfrm>
+          <a:prstGeom prst="ellipse">
+            <a:avLst/>
+          </a:prstGeom>
+          <a:solidFill>
+            <a:schemeClr val="accent4">
+              <a:lumMod val="40000"/>
+              <a:lumOff val="60000"/>
+            </a:schemeClr>
+          </a:solidFill>
+          <a:ln>
+            <a:solidFill>
+              <a:schemeClr val="tx1"/>
+            </a:solidFill>
+          </a:ln>
+        </p:spPr>
+        <p:style>
+          <a:lnRef idx="2">
+            <a:schemeClr val="accent1">
+              <a:shade val="50000"/>
+            </a:schemeClr>
+          </a:lnRef>
+          <a:fillRef idx="1">
+            <a:schemeClr val="accent1"/>
+          </a:fillRef>
+          <a:effectRef idx="0">
+            <a:schemeClr val="accent1"/>
+          </a:effectRef>
+          <a:fontRef idx="minor">
+            <a:schemeClr val="lt1"/>
+          </a:fontRef>
+        </p:style>
+        <p:txBody>
+          <a:bodyPr rtlCol="0" anchor="ctr"/>
+          <a:lstStyle/>
+          <a:p>
+            <a:pPr algn="ctr"/>
+            <a:endParaRPr lang="zh-CN" altLang="en-US"/>
+          </a:p>
+        </p:txBody>
+      </p:sp>
+      <p:sp>
+        <p:nvSpPr>
+          <p:cNvPr id="26" name="流程图: 接点 25">
+            <a:extLst>
+              <a:ext uri="{FF2B5EF4-FFF2-40B4-BE49-F238E27FC236}">
+                <a16:creationId xmlns:a16="http://schemas.microsoft.com/office/drawing/2014/main" id="{342D6349-FD5E-4915-BBD9-005482FECE26}"/>
+              </a:ext>
+            </a:extLst>
+          </p:cNvPr>
+          <p:cNvSpPr/>
+          <p:nvPr/>
+        </p:nvSpPr>
+        <p:spPr>
+          <a:xfrm>
+            <a:off x="5145515" y="5415211"/>
+            <a:ext cx="83976" cy="83976"/>
+          </a:xfrm>
+          <a:prstGeom prst="flowChartConnector">
+            <a:avLst/>
+          </a:prstGeom>
+          <a:solidFill>
+            <a:schemeClr val="accent4">
+              <a:lumMod val="40000"/>
+              <a:lumOff val="60000"/>
+            </a:schemeClr>
+          </a:solidFill>
+          <a:ln>
+            <a:solidFill>
+              <a:schemeClr val="tx1"/>
+            </a:solidFill>
+          </a:ln>
+        </p:spPr>
+        <p:style>
+          <a:lnRef idx="2">
+            <a:schemeClr val="accent1">
+              <a:shade val="50000"/>
+            </a:schemeClr>
+          </a:lnRef>
+          <a:fillRef idx="1">
+            <a:schemeClr val="accent1"/>
+          </a:fillRef>
+          <a:effectRef idx="0">
+            <a:schemeClr val="accent1"/>
+          </a:effectRef>
+          <a:fontRef idx="minor">
+            <a:schemeClr val="lt1"/>
+          </a:fontRef>
+        </p:style>
+        <p:txBody>
+          <a:bodyPr rtlCol="0" anchor="ctr"/>
+          <a:lstStyle/>
+          <a:p>
+            <a:pPr algn="ctr"/>
+            <a:endParaRPr lang="zh-CN" altLang="en-US"/>
+          </a:p>
+        </p:txBody>
+      </p:sp>
+      <p:sp>
+        <p:nvSpPr>
+          <p:cNvPr id="27" name="流程图: 接点 26">
+            <a:extLst>
+              <a:ext uri="{FF2B5EF4-FFF2-40B4-BE49-F238E27FC236}">
+                <a16:creationId xmlns:a16="http://schemas.microsoft.com/office/drawing/2014/main" id="{0ABDD1EB-EEBD-4C9A-B6C1-2E8169D6A08B}"/>
+              </a:ext>
+            </a:extLst>
+          </p:cNvPr>
+          <p:cNvSpPr/>
+          <p:nvPr/>
+        </p:nvSpPr>
+        <p:spPr>
+          <a:xfrm>
+            <a:off x="5145515" y="5549684"/>
+            <a:ext cx="83976" cy="83976"/>
+          </a:xfrm>
+          <a:prstGeom prst="flowChartConnector">
+            <a:avLst/>
+          </a:prstGeom>
+          <a:solidFill>
+            <a:schemeClr val="accent4">
+              <a:lumMod val="40000"/>
+              <a:lumOff val="60000"/>
+            </a:schemeClr>
+          </a:solidFill>
+          <a:ln>
+            <a:solidFill>
+              <a:schemeClr val="tx1"/>
+            </a:solidFill>
+          </a:ln>
+        </p:spPr>
+        <p:style>
+          <a:lnRef idx="2">
+            <a:schemeClr val="accent1">
+              <a:shade val="50000"/>
+            </a:schemeClr>
+          </a:lnRef>
+          <a:fillRef idx="1">
+            <a:schemeClr val="accent1"/>
+          </a:fillRef>
+          <a:effectRef idx="0">
+            <a:schemeClr val="accent1"/>
+          </a:effectRef>
+          <a:fontRef idx="minor">
+            <a:schemeClr val="lt1"/>
+          </a:fontRef>
+        </p:style>
+        <p:txBody>
+          <a:bodyPr rtlCol="0" anchor="ctr"/>
+          <a:lstStyle/>
+          <a:p>
+            <a:pPr algn="ctr"/>
+            <a:endParaRPr lang="zh-CN" altLang="en-US"/>
+          </a:p>
+        </p:txBody>
+      </p:sp>
+      <p:sp>
+        <p:nvSpPr>
+          <p:cNvPr id="28" name="流程图: 接点 27">
+            <a:extLst>
+              <a:ext uri="{FF2B5EF4-FFF2-40B4-BE49-F238E27FC236}">
+                <a16:creationId xmlns:a16="http://schemas.microsoft.com/office/drawing/2014/main" id="{53375F3E-CD34-4ECC-8FAA-E37A53ADDF39}"/>
+              </a:ext>
+            </a:extLst>
+          </p:cNvPr>
+          <p:cNvSpPr/>
+          <p:nvPr/>
+        </p:nvSpPr>
+        <p:spPr>
+          <a:xfrm>
+            <a:off x="5145515" y="5675878"/>
+            <a:ext cx="83976" cy="83976"/>
+          </a:xfrm>
+          <a:prstGeom prst="flowChartConnector">
+            <a:avLst/>
+          </a:prstGeom>
+          <a:solidFill>
+            <a:schemeClr val="accent4">
+              <a:lumMod val="40000"/>
+              <a:lumOff val="60000"/>
+            </a:schemeClr>
+          </a:solidFill>
+          <a:ln>
+            <a:solidFill>
+              <a:schemeClr val="tx1"/>
+            </a:solidFill>
+          </a:ln>
+        </p:spPr>
+        <p:style>
+          <a:lnRef idx="2">
+            <a:schemeClr val="accent1">
+              <a:shade val="50000"/>
+            </a:schemeClr>
+          </a:lnRef>
+          <a:fillRef idx="1">
+            <a:schemeClr val="accent1"/>
+          </a:fillRef>
+          <a:effectRef idx="0">
+            <a:schemeClr val="accent1"/>
+          </a:effectRef>
+          <a:fontRef idx="minor">
+            <a:schemeClr val="lt1"/>
+          </a:fontRef>
+        </p:style>
+        <p:txBody>
+          <a:bodyPr rtlCol="0" anchor="ctr"/>
+          <a:lstStyle/>
+          <a:p>
+            <a:pPr algn="ctr"/>
+            <a:endParaRPr lang="zh-CN" altLang="en-US"/>
+          </a:p>
+        </p:txBody>
+      </p:sp>
+      <p:sp>
+        <p:nvSpPr>
+          <p:cNvPr id="29" name="文本框 28">
+            <a:extLst>
+              <a:ext uri="{FF2B5EF4-FFF2-40B4-BE49-F238E27FC236}">
+                <a16:creationId xmlns:a16="http://schemas.microsoft.com/office/drawing/2014/main" id="{FC6CCFE0-C15B-4454-9786-94457241DA1B}"/>
+              </a:ext>
+            </a:extLst>
+          </p:cNvPr>
+          <p:cNvSpPr txBox="1"/>
+          <p:nvPr/>
+        </p:nvSpPr>
+        <p:spPr>
+          <a:xfrm>
+            <a:off x="4823609" y="6306915"/>
+            <a:ext cx="727788" cy="369332"/>
+          </a:xfrm>
+          <a:prstGeom prst="rect">
+            <a:avLst/>
+          </a:prstGeom>
+          <a:noFill/>
+        </p:spPr>
+        <p:txBody>
+          <a:bodyPr wrap="square" rtlCol="0">
+            <a:spAutoFit/>
+          </a:bodyPr>
+          <a:lstStyle/>
+          <a:p>
+            <a:pPr algn="ctr"/>
+            <a:r>
+              <a:rPr lang="zh-CN" altLang="en-US" dirty="0"/>
+              <a:t>前</a:t>
+            </a:r>
+          </a:p>
+        </p:txBody>
+      </p:sp>
+      <p:sp>
+        <p:nvSpPr>
+          <p:cNvPr id="30" name="矩形: 圆角 29">
+            <a:extLst>
+              <a:ext uri="{FF2B5EF4-FFF2-40B4-BE49-F238E27FC236}">
+                <a16:creationId xmlns:a16="http://schemas.microsoft.com/office/drawing/2014/main" id="{92C8D266-87BC-4F2E-859C-ED7BD0DF5CCB}"/>
+              </a:ext>
+            </a:extLst>
+          </p:cNvPr>
+          <p:cNvSpPr/>
+          <p:nvPr/>
+        </p:nvSpPr>
+        <p:spPr>
+          <a:xfrm>
+            <a:off x="5988284" y="4721290"/>
+            <a:ext cx="355390" cy="1449709"/>
+          </a:xfrm>
+          <a:prstGeom prst="roundRect">
+            <a:avLst/>
+          </a:prstGeom>
+          <a:solidFill>
+            <a:schemeClr val="accent4">
+              <a:lumMod val="40000"/>
+              <a:lumOff val="60000"/>
+            </a:schemeClr>
+          </a:solidFill>
+          <a:ln>
+            <a:solidFill>
+              <a:schemeClr val="tx1"/>
+            </a:solidFill>
+          </a:ln>
+        </p:spPr>
+        <p:style>
+          <a:lnRef idx="2">
+            <a:schemeClr val="accent1">
+              <a:shade val="50000"/>
+            </a:schemeClr>
+          </a:lnRef>
+          <a:fillRef idx="1">
+            <a:schemeClr val="accent1"/>
+          </a:fillRef>
+          <a:effectRef idx="0">
+            <a:schemeClr val="accent1"/>
+          </a:effectRef>
+          <a:fontRef idx="minor">
+            <a:schemeClr val="lt1"/>
+          </a:fontRef>
+        </p:style>
+        <p:txBody>
+          <a:bodyPr rtlCol="0" anchor="ctr"/>
+          <a:lstStyle/>
+          <a:p>
+            <a:pPr algn="ctr"/>
+            <a:endParaRPr lang="zh-CN" altLang="en-US"/>
+          </a:p>
+        </p:txBody>
+      </p:sp>
+      <p:sp>
+        <p:nvSpPr>
+          <p:cNvPr id="31" name="椭圆 30">
+            <a:extLst>
+              <a:ext uri="{FF2B5EF4-FFF2-40B4-BE49-F238E27FC236}">
+                <a16:creationId xmlns:a16="http://schemas.microsoft.com/office/drawing/2014/main" id="{7FDB2E61-944B-416A-880D-FE308C231899}"/>
+              </a:ext>
+            </a:extLst>
+          </p:cNvPr>
+          <p:cNvSpPr/>
+          <p:nvPr/>
+        </p:nvSpPr>
+        <p:spPr>
+          <a:xfrm>
+            <a:off x="6037426" y="4770730"/>
+            <a:ext cx="257106" cy="251241"/>
+          </a:xfrm>
+          <a:prstGeom prst="ellipse">
+            <a:avLst/>
+          </a:prstGeom>
+          <a:solidFill>
+            <a:schemeClr val="accent4">
+              <a:lumMod val="40000"/>
+              <a:lumOff val="60000"/>
+            </a:schemeClr>
+          </a:solidFill>
+          <a:ln>
+            <a:solidFill>
+              <a:schemeClr val="tx1"/>
+            </a:solidFill>
+          </a:ln>
+        </p:spPr>
+        <p:style>
+          <a:lnRef idx="2">
+            <a:schemeClr val="accent1">
+              <a:shade val="50000"/>
+            </a:schemeClr>
+          </a:lnRef>
+          <a:fillRef idx="1">
+            <a:schemeClr val="accent1"/>
+          </a:fillRef>
+          <a:effectRef idx="0">
+            <a:schemeClr val="accent1"/>
+          </a:effectRef>
+          <a:fontRef idx="minor">
+            <a:schemeClr val="lt1"/>
+          </a:fontRef>
+        </p:style>
+        <p:txBody>
+          <a:bodyPr rtlCol="0" anchor="ctr"/>
+          <a:lstStyle/>
+          <a:p>
+            <a:pPr algn="ctr"/>
+            <a:endParaRPr lang="zh-CN" altLang="en-US"/>
+          </a:p>
+        </p:txBody>
+      </p:sp>
+      <p:sp>
+        <p:nvSpPr>
+          <p:cNvPr id="32" name="椭圆 31">
+            <a:extLst>
+              <a:ext uri="{FF2B5EF4-FFF2-40B4-BE49-F238E27FC236}">
+                <a16:creationId xmlns:a16="http://schemas.microsoft.com/office/drawing/2014/main" id="{49860E1A-A6CE-4648-8EB2-0091DD9E3CD0}"/>
+              </a:ext>
+            </a:extLst>
+          </p:cNvPr>
+          <p:cNvSpPr/>
+          <p:nvPr/>
+        </p:nvSpPr>
+        <p:spPr>
+          <a:xfrm>
+            <a:off x="6037426" y="5071485"/>
+            <a:ext cx="257106" cy="251241"/>
+          </a:xfrm>
+          <a:prstGeom prst="ellipse">
+            <a:avLst/>
+          </a:prstGeom>
+          <a:solidFill>
+            <a:schemeClr val="accent4">
+              <a:lumMod val="40000"/>
+              <a:lumOff val="60000"/>
+            </a:schemeClr>
+          </a:solidFill>
+          <a:ln>
+            <a:solidFill>
+              <a:schemeClr val="tx1"/>
+            </a:solidFill>
+          </a:ln>
+        </p:spPr>
+        <p:style>
+          <a:lnRef idx="2">
+            <a:schemeClr val="accent1">
+              <a:shade val="50000"/>
+            </a:schemeClr>
+          </a:lnRef>
+          <a:fillRef idx="1">
+            <a:schemeClr val="accent1"/>
+          </a:fillRef>
+          <a:effectRef idx="0">
+            <a:schemeClr val="accent1"/>
+          </a:effectRef>
+          <a:fontRef idx="minor">
+            <a:schemeClr val="lt1"/>
+          </a:fontRef>
+        </p:style>
+        <p:txBody>
+          <a:bodyPr rtlCol="0" anchor="ctr"/>
+          <a:lstStyle/>
+          <a:p>
+            <a:pPr algn="ctr"/>
+            <a:endParaRPr lang="zh-CN" altLang="en-US"/>
+          </a:p>
+        </p:txBody>
+      </p:sp>
+      <p:sp>
+        <p:nvSpPr>
+          <p:cNvPr id="33" name="椭圆 32">
+            <a:extLst>
+              <a:ext uri="{FF2B5EF4-FFF2-40B4-BE49-F238E27FC236}">
+                <a16:creationId xmlns:a16="http://schemas.microsoft.com/office/drawing/2014/main" id="{5D780138-BC37-4F84-AF0D-85B3698DF349}"/>
+              </a:ext>
+            </a:extLst>
+          </p:cNvPr>
+          <p:cNvSpPr/>
+          <p:nvPr/>
+        </p:nvSpPr>
+        <p:spPr>
+          <a:xfrm>
+            <a:off x="6037426" y="5851126"/>
+            <a:ext cx="257106" cy="251241"/>
+          </a:xfrm>
+          <a:prstGeom prst="ellipse">
+            <a:avLst/>
+          </a:prstGeom>
+          <a:solidFill>
+            <a:schemeClr val="accent4">
+              <a:lumMod val="40000"/>
+              <a:lumOff val="60000"/>
+            </a:schemeClr>
+          </a:solidFill>
+          <a:ln>
+            <a:solidFill>
+              <a:schemeClr val="tx1"/>
+            </a:solidFill>
+          </a:ln>
+        </p:spPr>
+        <p:style>
+          <a:lnRef idx="2">
+            <a:schemeClr val="accent1">
+              <a:shade val="50000"/>
+            </a:schemeClr>
+          </a:lnRef>
+          <a:fillRef idx="1">
+            <a:schemeClr val="accent1"/>
+          </a:fillRef>
+          <a:effectRef idx="0">
+            <a:schemeClr val="accent1"/>
+          </a:effectRef>
+          <a:fontRef idx="minor">
+            <a:schemeClr val="lt1"/>
+          </a:fontRef>
+        </p:style>
+        <p:txBody>
+          <a:bodyPr rtlCol="0" anchor="ctr"/>
+          <a:lstStyle/>
+          <a:p>
+            <a:pPr algn="ctr"/>
+            <a:endParaRPr lang="zh-CN" altLang="en-US"/>
+          </a:p>
+        </p:txBody>
+      </p:sp>
+      <p:sp>
+        <p:nvSpPr>
+          <p:cNvPr id="34" name="流程图: 接点 33">
+            <a:extLst>
+              <a:ext uri="{FF2B5EF4-FFF2-40B4-BE49-F238E27FC236}">
+                <a16:creationId xmlns:a16="http://schemas.microsoft.com/office/drawing/2014/main" id="{19235D77-78C5-4344-8C67-48C5CE27EDE8}"/>
+              </a:ext>
+            </a:extLst>
+          </p:cNvPr>
+          <p:cNvSpPr/>
+          <p:nvPr/>
+        </p:nvSpPr>
+        <p:spPr>
+          <a:xfrm>
+            <a:off x="6123991" y="5415211"/>
+            <a:ext cx="83976" cy="83976"/>
+          </a:xfrm>
+          <a:prstGeom prst="flowChartConnector">
+            <a:avLst/>
+          </a:prstGeom>
+          <a:solidFill>
+            <a:schemeClr val="accent4">
+              <a:lumMod val="40000"/>
+              <a:lumOff val="60000"/>
+            </a:schemeClr>
+          </a:solidFill>
+          <a:ln>
+            <a:solidFill>
+              <a:schemeClr val="tx1"/>
+            </a:solidFill>
+          </a:ln>
+        </p:spPr>
+        <p:style>
+          <a:lnRef idx="2">
+            <a:schemeClr val="accent1">
+              <a:shade val="50000"/>
+            </a:schemeClr>
+          </a:lnRef>
+          <a:fillRef idx="1">
+            <a:schemeClr val="accent1"/>
+          </a:fillRef>
+          <a:effectRef idx="0">
+            <a:schemeClr val="accent1"/>
+          </a:effectRef>
+          <a:fontRef idx="minor">
+            <a:schemeClr val="lt1"/>
+          </a:fontRef>
+        </p:style>
+        <p:txBody>
+          <a:bodyPr rtlCol="0" anchor="ctr"/>
+          <a:lstStyle/>
+          <a:p>
+            <a:pPr algn="ctr"/>
+            <a:endParaRPr lang="zh-CN" altLang="en-US"/>
+          </a:p>
+        </p:txBody>
+      </p:sp>
+      <p:sp>
+        <p:nvSpPr>
+          <p:cNvPr id="35" name="流程图: 接点 34">
+            <a:extLst>
+              <a:ext uri="{FF2B5EF4-FFF2-40B4-BE49-F238E27FC236}">
+                <a16:creationId xmlns:a16="http://schemas.microsoft.com/office/drawing/2014/main" id="{BD203F8A-3972-45D5-9CE1-906FCE3C1E9C}"/>
+              </a:ext>
+            </a:extLst>
+          </p:cNvPr>
+          <p:cNvSpPr/>
+          <p:nvPr/>
+        </p:nvSpPr>
+        <p:spPr>
+          <a:xfrm>
+            <a:off x="6123991" y="5549684"/>
+            <a:ext cx="83976" cy="83976"/>
+          </a:xfrm>
+          <a:prstGeom prst="flowChartConnector">
+            <a:avLst/>
+          </a:prstGeom>
+          <a:solidFill>
+            <a:schemeClr val="accent4">
+              <a:lumMod val="40000"/>
+              <a:lumOff val="60000"/>
+            </a:schemeClr>
+          </a:solidFill>
+          <a:ln>
+            <a:solidFill>
+              <a:schemeClr val="tx1"/>
+            </a:solidFill>
+          </a:ln>
+        </p:spPr>
+        <p:style>
+          <a:lnRef idx="2">
+            <a:schemeClr val="accent1">
+              <a:shade val="50000"/>
+            </a:schemeClr>
+          </a:lnRef>
+          <a:fillRef idx="1">
+            <a:schemeClr val="accent1"/>
+          </a:fillRef>
+          <a:effectRef idx="0">
+            <a:schemeClr val="accent1"/>
+          </a:effectRef>
+          <a:fontRef idx="minor">
+            <a:schemeClr val="lt1"/>
+          </a:fontRef>
+        </p:style>
+        <p:txBody>
+          <a:bodyPr rtlCol="0" anchor="ctr"/>
+          <a:lstStyle/>
+          <a:p>
+            <a:pPr algn="ctr"/>
+            <a:endParaRPr lang="zh-CN" altLang="en-US"/>
+          </a:p>
+        </p:txBody>
+      </p:sp>
+      <p:sp>
+        <p:nvSpPr>
+          <p:cNvPr id="36" name="流程图: 接点 35">
+            <a:extLst>
+              <a:ext uri="{FF2B5EF4-FFF2-40B4-BE49-F238E27FC236}">
+                <a16:creationId xmlns:a16="http://schemas.microsoft.com/office/drawing/2014/main" id="{A577ECEA-A9A0-45EC-B025-4C84DF0BF227}"/>
+              </a:ext>
+            </a:extLst>
+          </p:cNvPr>
+          <p:cNvSpPr/>
+          <p:nvPr/>
+        </p:nvSpPr>
+        <p:spPr>
+          <a:xfrm>
+            <a:off x="6123991" y="5675878"/>
+            <a:ext cx="83976" cy="83976"/>
+          </a:xfrm>
+          <a:prstGeom prst="flowChartConnector">
+            <a:avLst/>
+          </a:prstGeom>
+          <a:solidFill>
+            <a:schemeClr val="accent4">
+              <a:lumMod val="40000"/>
+              <a:lumOff val="60000"/>
+            </a:schemeClr>
+          </a:solidFill>
+          <a:ln>
+            <a:solidFill>
+              <a:schemeClr val="tx1"/>
+            </a:solidFill>
+          </a:ln>
+        </p:spPr>
+        <p:style>
+          <a:lnRef idx="2">
+            <a:schemeClr val="accent1">
+              <a:shade val="50000"/>
+            </a:schemeClr>
+          </a:lnRef>
+          <a:fillRef idx="1">
+            <a:schemeClr val="accent1"/>
+          </a:fillRef>
+          <a:effectRef idx="0">
+            <a:schemeClr val="accent1"/>
+          </a:effectRef>
+          <a:fontRef idx="minor">
+            <a:schemeClr val="lt1"/>
+          </a:fontRef>
+        </p:style>
+        <p:txBody>
+          <a:bodyPr rtlCol="0" anchor="ctr"/>
+          <a:lstStyle/>
+          <a:p>
+            <a:pPr algn="ctr"/>
+            <a:endParaRPr lang="zh-CN" altLang="en-US"/>
+          </a:p>
+        </p:txBody>
+      </p:sp>
+      <p:sp>
+        <p:nvSpPr>
+          <p:cNvPr id="37" name="文本框 36">
+            <a:extLst>
+              <a:ext uri="{FF2B5EF4-FFF2-40B4-BE49-F238E27FC236}">
+                <a16:creationId xmlns:a16="http://schemas.microsoft.com/office/drawing/2014/main" id="{639128AD-5E34-47C7-8446-55EA5A67E1A7}"/>
+              </a:ext>
+            </a:extLst>
+          </p:cNvPr>
+          <p:cNvSpPr txBox="1"/>
+          <p:nvPr/>
+        </p:nvSpPr>
+        <p:spPr>
+          <a:xfrm>
+            <a:off x="5802085" y="6306915"/>
+            <a:ext cx="727788" cy="369332"/>
+          </a:xfrm>
+          <a:prstGeom prst="rect">
+            <a:avLst/>
+          </a:prstGeom>
+          <a:noFill/>
+        </p:spPr>
+        <p:txBody>
+          <a:bodyPr wrap="square" rtlCol="0">
+            <a:spAutoFit/>
+          </a:bodyPr>
+          <a:lstStyle/>
+          <a:p>
+            <a:pPr algn="ctr"/>
+            <a:r>
+              <a:rPr lang="zh-CN" altLang="en-US" dirty="0"/>
+              <a:t>往</a:t>
+            </a:r>
+          </a:p>
+        </p:txBody>
+      </p:sp>
+      <p:sp>
+        <p:nvSpPr>
+          <p:cNvPr id="38" name="矩形: 圆角 37">
+            <a:extLst>
+              <a:ext uri="{FF2B5EF4-FFF2-40B4-BE49-F238E27FC236}">
+                <a16:creationId xmlns:a16="http://schemas.microsoft.com/office/drawing/2014/main" id="{414D55F8-131C-40E2-AA9D-29A81E1942A7}"/>
+              </a:ext>
+            </a:extLst>
+          </p:cNvPr>
+          <p:cNvSpPr/>
+          <p:nvPr/>
+        </p:nvSpPr>
+        <p:spPr>
+          <a:xfrm>
+            <a:off x="6966760" y="4721290"/>
+            <a:ext cx="355390" cy="1449709"/>
+          </a:xfrm>
+          <a:prstGeom prst="roundRect">
+            <a:avLst/>
+          </a:prstGeom>
+          <a:solidFill>
+            <a:schemeClr val="accent4">
+              <a:lumMod val="40000"/>
+              <a:lumOff val="60000"/>
+            </a:schemeClr>
+          </a:solidFill>
+          <a:ln>
+            <a:solidFill>
+              <a:schemeClr val="tx1"/>
+            </a:solidFill>
+          </a:ln>
+        </p:spPr>
+        <p:style>
+          <a:lnRef idx="2">
+            <a:schemeClr val="accent1">
+              <a:shade val="50000"/>
+            </a:schemeClr>
+          </a:lnRef>
+          <a:fillRef idx="1">
+            <a:schemeClr val="accent1"/>
+          </a:fillRef>
+          <a:effectRef idx="0">
+            <a:schemeClr val="accent1"/>
+          </a:effectRef>
+          <a:fontRef idx="minor">
+            <a:schemeClr val="lt1"/>
+          </a:fontRef>
+        </p:style>
+        <p:txBody>
+          <a:bodyPr rtlCol="0" anchor="ctr"/>
+          <a:lstStyle/>
+          <a:p>
+            <a:pPr algn="ctr"/>
+            <a:endParaRPr lang="zh-CN" altLang="en-US"/>
+          </a:p>
+        </p:txBody>
+      </p:sp>
+      <p:sp>
+        <p:nvSpPr>
+          <p:cNvPr id="39" name="椭圆 38">
+            <a:extLst>
+              <a:ext uri="{FF2B5EF4-FFF2-40B4-BE49-F238E27FC236}">
+                <a16:creationId xmlns:a16="http://schemas.microsoft.com/office/drawing/2014/main" id="{F418D1E7-1932-4EF9-83B5-E3DF9B8BB47D}"/>
+              </a:ext>
+            </a:extLst>
+          </p:cNvPr>
+          <p:cNvSpPr/>
+          <p:nvPr/>
+        </p:nvSpPr>
+        <p:spPr>
+          <a:xfrm>
+            <a:off x="7015902" y="4770730"/>
+            <a:ext cx="257106" cy="251241"/>
+          </a:xfrm>
+          <a:prstGeom prst="ellipse">
+            <a:avLst/>
+          </a:prstGeom>
+          <a:solidFill>
+            <a:schemeClr val="accent4">
+              <a:lumMod val="40000"/>
+              <a:lumOff val="60000"/>
+            </a:schemeClr>
+          </a:solidFill>
+          <a:ln>
+            <a:solidFill>
+              <a:schemeClr val="tx1"/>
+            </a:solidFill>
+          </a:ln>
+        </p:spPr>
+        <p:style>
+          <a:lnRef idx="2">
+            <a:schemeClr val="accent1">
+              <a:shade val="50000"/>
+            </a:schemeClr>
+          </a:lnRef>
+          <a:fillRef idx="1">
+            <a:schemeClr val="accent1"/>
+          </a:fillRef>
+          <a:effectRef idx="0">
+            <a:schemeClr val="accent1"/>
+          </a:effectRef>
+          <a:fontRef idx="minor">
+            <a:schemeClr val="lt1"/>
+          </a:fontRef>
+        </p:style>
+        <p:txBody>
+          <a:bodyPr rtlCol="0" anchor="ctr"/>
+          <a:lstStyle/>
+          <a:p>
+            <a:pPr algn="ctr"/>
+            <a:endParaRPr lang="zh-CN" altLang="en-US"/>
+          </a:p>
+        </p:txBody>
+      </p:sp>
+      <p:sp>
+        <p:nvSpPr>
+          <p:cNvPr id="40" name="椭圆 39">
+            <a:extLst>
+              <a:ext uri="{FF2B5EF4-FFF2-40B4-BE49-F238E27FC236}">
+                <a16:creationId xmlns:a16="http://schemas.microsoft.com/office/drawing/2014/main" id="{8D9F4082-698E-4EF2-A2AB-144B748CCB4D}"/>
+              </a:ext>
+            </a:extLst>
+          </p:cNvPr>
+          <p:cNvSpPr/>
+          <p:nvPr/>
+        </p:nvSpPr>
+        <p:spPr>
+          <a:xfrm>
+            <a:off x="7015902" y="5071485"/>
+            <a:ext cx="257106" cy="251241"/>
+          </a:xfrm>
+          <a:prstGeom prst="ellipse">
+            <a:avLst/>
+          </a:prstGeom>
+          <a:solidFill>
+            <a:schemeClr val="accent4">
+              <a:lumMod val="40000"/>
+              <a:lumOff val="60000"/>
+            </a:schemeClr>
+          </a:solidFill>
+          <a:ln>
+            <a:solidFill>
+              <a:schemeClr val="tx1"/>
+            </a:solidFill>
+          </a:ln>
+        </p:spPr>
+        <p:style>
+          <a:lnRef idx="2">
+            <a:schemeClr val="accent1">
+              <a:shade val="50000"/>
+            </a:schemeClr>
+          </a:lnRef>
+          <a:fillRef idx="1">
+            <a:schemeClr val="accent1"/>
+          </a:fillRef>
+          <a:effectRef idx="0">
+            <a:schemeClr val="accent1"/>
+          </a:effectRef>
+          <a:fontRef idx="minor">
+            <a:schemeClr val="lt1"/>
+          </a:fontRef>
+        </p:style>
+        <p:txBody>
+          <a:bodyPr rtlCol="0" anchor="ctr"/>
+          <a:lstStyle/>
+          <a:p>
+            <a:pPr algn="ctr"/>
+            <a:endParaRPr lang="zh-CN" altLang="en-US"/>
+          </a:p>
+        </p:txBody>
+      </p:sp>
+      <p:sp>
+        <p:nvSpPr>
+          <p:cNvPr id="41" name="椭圆 40">
+            <a:extLst>
+              <a:ext uri="{FF2B5EF4-FFF2-40B4-BE49-F238E27FC236}">
+                <a16:creationId xmlns:a16="http://schemas.microsoft.com/office/drawing/2014/main" id="{F3B57FAB-24DF-4398-A921-2D50B4EB7C5A}"/>
+              </a:ext>
+            </a:extLst>
+          </p:cNvPr>
+          <p:cNvSpPr/>
+          <p:nvPr/>
+        </p:nvSpPr>
+        <p:spPr>
+          <a:xfrm>
+            <a:off x="7015902" y="5851126"/>
+            <a:ext cx="257106" cy="251241"/>
+          </a:xfrm>
+          <a:prstGeom prst="ellipse">
+            <a:avLst/>
+          </a:prstGeom>
+          <a:solidFill>
+            <a:schemeClr val="accent4">
+              <a:lumMod val="40000"/>
+              <a:lumOff val="60000"/>
+            </a:schemeClr>
+          </a:solidFill>
+          <a:ln>
+            <a:solidFill>
+              <a:schemeClr val="tx1"/>
+            </a:solidFill>
+          </a:ln>
+        </p:spPr>
+        <p:style>
+          <a:lnRef idx="2">
+            <a:schemeClr val="accent1">
+              <a:shade val="50000"/>
+            </a:schemeClr>
+          </a:lnRef>
+          <a:fillRef idx="1">
+            <a:schemeClr val="accent1"/>
+          </a:fillRef>
+          <a:effectRef idx="0">
+            <a:schemeClr val="accent1"/>
+          </a:effectRef>
+          <a:fontRef idx="minor">
+            <a:schemeClr val="lt1"/>
+          </a:fontRef>
+        </p:style>
+        <p:txBody>
+          <a:bodyPr rtlCol="0" anchor="ctr"/>
+          <a:lstStyle/>
+          <a:p>
+            <a:pPr algn="ctr"/>
+            <a:endParaRPr lang="zh-CN" altLang="en-US"/>
+          </a:p>
+        </p:txBody>
+      </p:sp>
+      <p:sp>
+        <p:nvSpPr>
+          <p:cNvPr id="42" name="流程图: 接点 41">
+            <a:extLst>
+              <a:ext uri="{FF2B5EF4-FFF2-40B4-BE49-F238E27FC236}">
+                <a16:creationId xmlns:a16="http://schemas.microsoft.com/office/drawing/2014/main" id="{66BDE08A-AECF-4569-AD7C-FE5B67FFE60A}"/>
+              </a:ext>
+            </a:extLst>
+          </p:cNvPr>
+          <p:cNvSpPr/>
+          <p:nvPr/>
+        </p:nvSpPr>
+        <p:spPr>
+          <a:xfrm>
+            <a:off x="7102467" y="5415211"/>
+            <a:ext cx="83976" cy="83976"/>
+          </a:xfrm>
+          <a:prstGeom prst="flowChartConnector">
+            <a:avLst/>
+          </a:prstGeom>
+          <a:solidFill>
+            <a:schemeClr val="accent4">
+              <a:lumMod val="40000"/>
+              <a:lumOff val="60000"/>
+            </a:schemeClr>
+          </a:solidFill>
+          <a:ln>
+            <a:solidFill>
+              <a:schemeClr val="tx1"/>
+            </a:solidFill>
+          </a:ln>
+        </p:spPr>
+        <p:style>
+          <a:lnRef idx="2">
+            <a:schemeClr val="accent1">
+              <a:shade val="50000"/>
+            </a:schemeClr>
+          </a:lnRef>
+          <a:fillRef idx="1">
+            <a:schemeClr val="accent1"/>
+          </a:fillRef>
+          <a:effectRef idx="0">
+            <a:schemeClr val="accent1"/>
+          </a:effectRef>
+          <a:fontRef idx="minor">
+            <a:schemeClr val="lt1"/>
+          </a:fontRef>
+        </p:style>
+        <p:txBody>
+          <a:bodyPr rtlCol="0" anchor="ctr"/>
+          <a:lstStyle/>
+          <a:p>
+            <a:pPr algn="ctr"/>
+            <a:endParaRPr lang="zh-CN" altLang="en-US"/>
+          </a:p>
+        </p:txBody>
+      </p:sp>
+      <p:sp>
+        <p:nvSpPr>
+          <p:cNvPr id="43" name="流程图: 接点 42">
+            <a:extLst>
+              <a:ext uri="{FF2B5EF4-FFF2-40B4-BE49-F238E27FC236}">
+                <a16:creationId xmlns:a16="http://schemas.microsoft.com/office/drawing/2014/main" id="{CC9EACF4-B080-46C8-A48D-742E044801ED}"/>
+              </a:ext>
+            </a:extLst>
+          </p:cNvPr>
+          <p:cNvSpPr/>
+          <p:nvPr/>
+        </p:nvSpPr>
+        <p:spPr>
+          <a:xfrm>
+            <a:off x="7102467" y="5549684"/>
+            <a:ext cx="83976" cy="83976"/>
+          </a:xfrm>
+          <a:prstGeom prst="flowChartConnector">
+            <a:avLst/>
+          </a:prstGeom>
+          <a:solidFill>
+            <a:schemeClr val="accent4">
+              <a:lumMod val="40000"/>
+              <a:lumOff val="60000"/>
+            </a:schemeClr>
+          </a:solidFill>
+          <a:ln>
+            <a:solidFill>
+              <a:schemeClr val="tx1"/>
+            </a:solidFill>
+          </a:ln>
+        </p:spPr>
+        <p:style>
+          <a:lnRef idx="2">
+            <a:schemeClr val="accent1">
+              <a:shade val="50000"/>
+            </a:schemeClr>
+          </a:lnRef>
+          <a:fillRef idx="1">
+            <a:schemeClr val="accent1"/>
+          </a:fillRef>
+          <a:effectRef idx="0">
+            <a:schemeClr val="accent1"/>
+          </a:effectRef>
+          <a:fontRef idx="minor">
+            <a:schemeClr val="lt1"/>
+          </a:fontRef>
+        </p:style>
+        <p:txBody>
+          <a:bodyPr rtlCol="0" anchor="ctr"/>
+          <a:lstStyle/>
+          <a:p>
+            <a:pPr algn="ctr"/>
+            <a:endParaRPr lang="zh-CN" altLang="en-US"/>
+          </a:p>
+        </p:txBody>
+      </p:sp>
+      <p:sp>
+        <p:nvSpPr>
+          <p:cNvPr id="44" name="流程图: 接点 43">
+            <a:extLst>
+              <a:ext uri="{FF2B5EF4-FFF2-40B4-BE49-F238E27FC236}">
+                <a16:creationId xmlns:a16="http://schemas.microsoft.com/office/drawing/2014/main" id="{75150D71-5E77-482A-BB34-74268DEF708F}"/>
+              </a:ext>
+            </a:extLst>
+          </p:cNvPr>
+          <p:cNvSpPr/>
+          <p:nvPr/>
+        </p:nvSpPr>
+        <p:spPr>
+          <a:xfrm>
+            <a:off x="7102467" y="5675878"/>
+            <a:ext cx="83976" cy="83976"/>
+          </a:xfrm>
+          <a:prstGeom prst="flowChartConnector">
+            <a:avLst/>
+          </a:prstGeom>
+          <a:solidFill>
+            <a:schemeClr val="accent4">
+              <a:lumMod val="40000"/>
+              <a:lumOff val="60000"/>
+            </a:schemeClr>
+          </a:solidFill>
+          <a:ln>
+            <a:solidFill>
+              <a:schemeClr val="tx1"/>
+            </a:solidFill>
+          </a:ln>
+        </p:spPr>
+        <p:style>
+          <a:lnRef idx="2">
+            <a:schemeClr val="accent1">
+              <a:shade val="50000"/>
+            </a:schemeClr>
+          </a:lnRef>
+          <a:fillRef idx="1">
+            <a:schemeClr val="accent1"/>
+          </a:fillRef>
+          <a:effectRef idx="0">
+            <a:schemeClr val="accent1"/>
+          </a:effectRef>
+          <a:fontRef idx="minor">
+            <a:schemeClr val="lt1"/>
+          </a:fontRef>
+        </p:style>
+        <p:txBody>
+          <a:bodyPr rtlCol="0" anchor="ctr"/>
+          <a:lstStyle/>
+          <a:p>
+            <a:pPr algn="ctr"/>
+            <a:endParaRPr lang="zh-CN" altLang="en-US"/>
+          </a:p>
+        </p:txBody>
+      </p:sp>
+      <p:sp>
+        <p:nvSpPr>
+          <p:cNvPr id="45" name="文本框 44">
+            <a:extLst>
+              <a:ext uri="{FF2B5EF4-FFF2-40B4-BE49-F238E27FC236}">
+                <a16:creationId xmlns:a16="http://schemas.microsoft.com/office/drawing/2014/main" id="{2D1C38FC-7F2F-4AC8-8BD0-A346DC83B206}"/>
+              </a:ext>
+            </a:extLst>
+          </p:cNvPr>
+          <p:cNvSpPr txBox="1"/>
+          <p:nvPr/>
+        </p:nvSpPr>
+        <p:spPr>
+          <a:xfrm>
+            <a:off x="6780561" y="6306915"/>
+            <a:ext cx="727788" cy="369332"/>
+          </a:xfrm>
+          <a:prstGeom prst="rect">
+            <a:avLst/>
+          </a:prstGeom>
+          <a:noFill/>
+        </p:spPr>
+        <p:txBody>
+          <a:bodyPr wrap="square" rtlCol="0">
+            <a:spAutoFit/>
+          </a:bodyPr>
+          <a:lstStyle/>
+          <a:p>
+            <a:pPr algn="ctr"/>
+            <a:r>
+              <a:rPr lang="zh-CN" altLang="en-US" dirty="0"/>
+              <a:t>杭州</a:t>
+            </a:r>
+          </a:p>
+        </p:txBody>
+      </p:sp>
+      <p:sp>
+        <p:nvSpPr>
+          <p:cNvPr id="46" name="矩形: 圆角 45">
+            <a:extLst>
+              <a:ext uri="{FF2B5EF4-FFF2-40B4-BE49-F238E27FC236}">
+                <a16:creationId xmlns:a16="http://schemas.microsoft.com/office/drawing/2014/main" id="{E69420F7-2396-4C05-8DBC-B57C07FA08B1}"/>
+              </a:ext>
+            </a:extLst>
+          </p:cNvPr>
+          <p:cNvSpPr/>
+          <p:nvPr/>
+        </p:nvSpPr>
+        <p:spPr>
+          <a:xfrm>
+            <a:off x="7945236" y="4722121"/>
+            <a:ext cx="355390" cy="1449709"/>
+          </a:xfrm>
+          <a:prstGeom prst="roundRect">
+            <a:avLst/>
+          </a:prstGeom>
+          <a:solidFill>
+            <a:schemeClr val="accent4">
+              <a:lumMod val="40000"/>
+              <a:lumOff val="60000"/>
+            </a:schemeClr>
+          </a:solidFill>
+          <a:ln>
+            <a:solidFill>
+              <a:schemeClr val="tx1"/>
+            </a:solidFill>
+          </a:ln>
+        </p:spPr>
+        <p:style>
+          <a:lnRef idx="2">
+            <a:schemeClr val="accent1">
+              <a:shade val="50000"/>
+            </a:schemeClr>
+          </a:lnRef>
+          <a:fillRef idx="1">
+            <a:schemeClr val="accent1"/>
+          </a:fillRef>
+          <a:effectRef idx="0">
+            <a:schemeClr val="accent1"/>
+          </a:effectRef>
+          <a:fontRef idx="minor">
+            <a:schemeClr val="lt1"/>
+          </a:fontRef>
+        </p:style>
+        <p:txBody>
+          <a:bodyPr rtlCol="0" anchor="ctr"/>
+          <a:lstStyle/>
+          <a:p>
+            <a:pPr algn="ctr"/>
+            <a:endParaRPr lang="zh-CN" altLang="en-US"/>
+          </a:p>
+        </p:txBody>
+      </p:sp>
+      <p:sp>
+        <p:nvSpPr>
+          <p:cNvPr id="47" name="椭圆 46">
+            <a:extLst>
+              <a:ext uri="{FF2B5EF4-FFF2-40B4-BE49-F238E27FC236}">
+                <a16:creationId xmlns:a16="http://schemas.microsoft.com/office/drawing/2014/main" id="{D8B6AEDE-D18A-4D22-84E7-5053FA6F9802}"/>
+              </a:ext>
+            </a:extLst>
+          </p:cNvPr>
+          <p:cNvSpPr/>
+          <p:nvPr/>
+        </p:nvSpPr>
+        <p:spPr>
+          <a:xfrm>
+            <a:off x="7994378" y="4771561"/>
+            <a:ext cx="257106" cy="251241"/>
+          </a:xfrm>
+          <a:prstGeom prst="ellipse">
+            <a:avLst/>
+          </a:prstGeom>
+          <a:solidFill>
+            <a:schemeClr val="accent4">
+              <a:lumMod val="40000"/>
+              <a:lumOff val="60000"/>
+            </a:schemeClr>
+          </a:solidFill>
+          <a:ln>
+            <a:solidFill>
+              <a:schemeClr val="tx1"/>
+            </a:solidFill>
+          </a:ln>
+        </p:spPr>
+        <p:style>
+          <a:lnRef idx="2">
+            <a:schemeClr val="accent1">
+              <a:shade val="50000"/>
+            </a:schemeClr>
+          </a:lnRef>
+          <a:fillRef idx="1">
+            <a:schemeClr val="accent1"/>
+          </a:fillRef>
+          <a:effectRef idx="0">
+            <a:schemeClr val="accent1"/>
+          </a:effectRef>
+          <a:fontRef idx="minor">
+            <a:schemeClr val="lt1"/>
+          </a:fontRef>
+        </p:style>
+        <p:txBody>
+          <a:bodyPr rtlCol="0" anchor="ctr"/>
+          <a:lstStyle/>
+          <a:p>
+            <a:pPr algn="ctr"/>
+            <a:endParaRPr lang="zh-CN" altLang="en-US"/>
+          </a:p>
+        </p:txBody>
+      </p:sp>
+      <p:sp>
+        <p:nvSpPr>
+          <p:cNvPr id="48" name="椭圆 47">
+            <a:extLst>
+              <a:ext uri="{FF2B5EF4-FFF2-40B4-BE49-F238E27FC236}">
+                <a16:creationId xmlns:a16="http://schemas.microsoft.com/office/drawing/2014/main" id="{8380D21A-DE51-4FFC-919F-F838D70421D3}"/>
+              </a:ext>
+            </a:extLst>
+          </p:cNvPr>
+          <p:cNvSpPr/>
+          <p:nvPr/>
+        </p:nvSpPr>
+        <p:spPr>
+          <a:xfrm>
+            <a:off x="7994378" y="5072316"/>
+            <a:ext cx="257106" cy="251241"/>
+          </a:xfrm>
+          <a:prstGeom prst="ellipse">
+            <a:avLst/>
+          </a:prstGeom>
+          <a:solidFill>
+            <a:schemeClr val="accent4">
+              <a:lumMod val="40000"/>
+              <a:lumOff val="60000"/>
+            </a:schemeClr>
+          </a:solidFill>
+          <a:ln>
+            <a:solidFill>
+              <a:schemeClr val="tx1"/>
+            </a:solidFill>
+          </a:ln>
+        </p:spPr>
+        <p:style>
+          <a:lnRef idx="2">
+            <a:schemeClr val="accent1">
+              <a:shade val="50000"/>
+            </a:schemeClr>
+          </a:lnRef>
+          <a:fillRef idx="1">
+            <a:schemeClr val="accent1"/>
+          </a:fillRef>
+          <a:effectRef idx="0">
+            <a:schemeClr val="accent1"/>
+          </a:effectRef>
+          <a:fontRef idx="minor">
+            <a:schemeClr val="lt1"/>
+          </a:fontRef>
+        </p:style>
+        <p:txBody>
+          <a:bodyPr rtlCol="0" anchor="ctr"/>
+          <a:lstStyle/>
+          <a:p>
+            <a:pPr algn="ctr"/>
+            <a:endParaRPr lang="zh-CN" altLang="en-US"/>
+          </a:p>
+        </p:txBody>
+      </p:sp>
+      <p:sp>
+        <p:nvSpPr>
+          <p:cNvPr id="49" name="椭圆 48">
+            <a:extLst>
+              <a:ext uri="{FF2B5EF4-FFF2-40B4-BE49-F238E27FC236}">
+                <a16:creationId xmlns:a16="http://schemas.microsoft.com/office/drawing/2014/main" id="{75927970-76A6-4B7F-8EE9-1C5EB1E6CB43}"/>
+              </a:ext>
+            </a:extLst>
+          </p:cNvPr>
+          <p:cNvSpPr/>
+          <p:nvPr/>
+        </p:nvSpPr>
+        <p:spPr>
+          <a:xfrm>
+            <a:off x="7994378" y="5851957"/>
+            <a:ext cx="257106" cy="251241"/>
+          </a:xfrm>
+          <a:prstGeom prst="ellipse">
+            <a:avLst/>
+          </a:prstGeom>
+          <a:solidFill>
+            <a:schemeClr val="accent4">
+              <a:lumMod val="40000"/>
+              <a:lumOff val="60000"/>
+            </a:schemeClr>
+          </a:solidFill>
+          <a:ln>
+            <a:solidFill>
+              <a:schemeClr val="tx1"/>
+            </a:solidFill>
+          </a:ln>
+        </p:spPr>
+        <p:style>
+          <a:lnRef idx="2">
+            <a:schemeClr val="accent1">
+              <a:shade val="50000"/>
+            </a:schemeClr>
+          </a:lnRef>
+          <a:fillRef idx="1">
+            <a:schemeClr val="accent1"/>
+          </a:fillRef>
+          <a:effectRef idx="0">
+            <a:schemeClr val="accent1"/>
+          </a:effectRef>
+          <a:fontRef idx="minor">
+            <a:schemeClr val="lt1"/>
+          </a:fontRef>
+        </p:style>
+        <p:txBody>
+          <a:bodyPr rtlCol="0" anchor="ctr"/>
+          <a:lstStyle/>
+          <a:p>
+            <a:pPr algn="ctr"/>
+            <a:endParaRPr lang="zh-CN" altLang="en-US"/>
+          </a:p>
+        </p:txBody>
+      </p:sp>
+      <p:sp>
+        <p:nvSpPr>
+          <p:cNvPr id="50" name="流程图: 接点 49">
+            <a:extLst>
+              <a:ext uri="{FF2B5EF4-FFF2-40B4-BE49-F238E27FC236}">
+                <a16:creationId xmlns:a16="http://schemas.microsoft.com/office/drawing/2014/main" id="{269FC8F8-875A-48C3-BC47-52816C818678}"/>
+              </a:ext>
+            </a:extLst>
+          </p:cNvPr>
+          <p:cNvSpPr/>
+          <p:nvPr/>
+        </p:nvSpPr>
+        <p:spPr>
+          <a:xfrm>
+            <a:off x="8080943" y="5416042"/>
+            <a:ext cx="83976" cy="83976"/>
+          </a:xfrm>
+          <a:prstGeom prst="flowChartConnector">
+            <a:avLst/>
+          </a:prstGeom>
+          <a:solidFill>
+            <a:schemeClr val="accent4">
+              <a:lumMod val="40000"/>
+              <a:lumOff val="60000"/>
+            </a:schemeClr>
+          </a:solidFill>
+          <a:ln>
+            <a:solidFill>
+              <a:schemeClr val="tx1"/>
+            </a:solidFill>
+          </a:ln>
+        </p:spPr>
+        <p:style>
+          <a:lnRef idx="2">
+            <a:schemeClr val="accent1">
+              <a:shade val="50000"/>
+            </a:schemeClr>
+          </a:lnRef>
+          <a:fillRef idx="1">
+            <a:schemeClr val="accent1"/>
+          </a:fillRef>
+          <a:effectRef idx="0">
+            <a:schemeClr val="accent1"/>
+          </a:effectRef>
+          <a:fontRef idx="minor">
+            <a:schemeClr val="lt1"/>
+          </a:fontRef>
+        </p:style>
+        <p:txBody>
+          <a:bodyPr rtlCol="0" anchor="ctr"/>
+          <a:lstStyle/>
+          <a:p>
+            <a:pPr algn="ctr"/>
+            <a:endParaRPr lang="zh-CN" altLang="en-US"/>
+          </a:p>
+        </p:txBody>
+      </p:sp>
+      <p:sp>
+        <p:nvSpPr>
+          <p:cNvPr id="51" name="流程图: 接点 50">
+            <a:extLst>
+              <a:ext uri="{FF2B5EF4-FFF2-40B4-BE49-F238E27FC236}">
+                <a16:creationId xmlns:a16="http://schemas.microsoft.com/office/drawing/2014/main" id="{1D55E872-19DD-47C4-9573-A4CCC6016A3D}"/>
+              </a:ext>
+            </a:extLst>
+          </p:cNvPr>
+          <p:cNvSpPr/>
+          <p:nvPr/>
+        </p:nvSpPr>
+        <p:spPr>
+          <a:xfrm>
+            <a:off x="8080943" y="5550515"/>
+            <a:ext cx="83976" cy="83976"/>
+          </a:xfrm>
+          <a:prstGeom prst="flowChartConnector">
+            <a:avLst/>
+          </a:prstGeom>
+          <a:solidFill>
+            <a:schemeClr val="accent4">
+              <a:lumMod val="40000"/>
+              <a:lumOff val="60000"/>
+            </a:schemeClr>
+          </a:solidFill>
+          <a:ln>
+            <a:solidFill>
+              <a:schemeClr val="tx1"/>
+            </a:solidFill>
+          </a:ln>
+        </p:spPr>
+        <p:style>
+          <a:lnRef idx="2">
+            <a:schemeClr val="accent1">
+              <a:shade val="50000"/>
+            </a:schemeClr>
+          </a:lnRef>
+          <a:fillRef idx="1">
+            <a:schemeClr val="accent1"/>
+          </a:fillRef>
+          <a:effectRef idx="0">
+            <a:schemeClr val="accent1"/>
+          </a:effectRef>
+          <a:fontRef idx="minor">
+            <a:schemeClr val="lt1"/>
+          </a:fontRef>
+        </p:style>
+        <p:txBody>
+          <a:bodyPr rtlCol="0" anchor="ctr"/>
+          <a:lstStyle/>
+          <a:p>
+            <a:pPr algn="ctr"/>
+            <a:endParaRPr lang="zh-CN" altLang="en-US"/>
+          </a:p>
+        </p:txBody>
+      </p:sp>
+      <p:sp>
+        <p:nvSpPr>
+          <p:cNvPr id="52" name="流程图: 接点 51">
+            <a:extLst>
+              <a:ext uri="{FF2B5EF4-FFF2-40B4-BE49-F238E27FC236}">
+                <a16:creationId xmlns:a16="http://schemas.microsoft.com/office/drawing/2014/main" id="{208803D3-9F0E-44F2-BA47-9A9CB11765CF}"/>
+              </a:ext>
+            </a:extLst>
+          </p:cNvPr>
+          <p:cNvSpPr/>
+          <p:nvPr/>
+        </p:nvSpPr>
+        <p:spPr>
+          <a:xfrm>
+            <a:off x="8080943" y="5676709"/>
+            <a:ext cx="83976" cy="83976"/>
+          </a:xfrm>
+          <a:prstGeom prst="flowChartConnector">
+            <a:avLst/>
+          </a:prstGeom>
+          <a:solidFill>
+            <a:schemeClr val="accent4">
+              <a:lumMod val="40000"/>
+              <a:lumOff val="60000"/>
+            </a:schemeClr>
+          </a:solidFill>
+          <a:ln>
+            <a:solidFill>
+              <a:schemeClr val="tx1"/>
+            </a:solidFill>
+          </a:ln>
+        </p:spPr>
+        <p:style>
+          <a:lnRef idx="2">
+            <a:schemeClr val="accent1">
+              <a:shade val="50000"/>
+            </a:schemeClr>
+          </a:lnRef>
+          <a:fillRef idx="1">
+            <a:schemeClr val="accent1"/>
+          </a:fillRef>
+          <a:effectRef idx="0">
+            <a:schemeClr val="accent1"/>
+          </a:effectRef>
+          <a:fontRef idx="minor">
+            <a:schemeClr val="lt1"/>
+          </a:fontRef>
+        </p:style>
+        <p:txBody>
+          <a:bodyPr rtlCol="0" anchor="ctr"/>
+          <a:lstStyle/>
+          <a:p>
+            <a:pPr algn="ctr"/>
+            <a:endParaRPr lang="zh-CN" altLang="en-US"/>
+          </a:p>
+        </p:txBody>
+      </p:sp>
+      <p:sp>
+        <p:nvSpPr>
+          <p:cNvPr id="53" name="文本框 52">
+            <a:extLst>
+              <a:ext uri="{FF2B5EF4-FFF2-40B4-BE49-F238E27FC236}">
+                <a16:creationId xmlns:a16="http://schemas.microsoft.com/office/drawing/2014/main" id="{C424B03D-F3BF-49E6-88A1-07866A3BA4D6}"/>
+              </a:ext>
+            </a:extLst>
+          </p:cNvPr>
+          <p:cNvSpPr txBox="1"/>
+          <p:nvPr/>
+        </p:nvSpPr>
+        <p:spPr>
+          <a:xfrm>
+            <a:off x="7759037" y="6307746"/>
+            <a:ext cx="727788" cy="369332"/>
+          </a:xfrm>
+          <a:prstGeom prst="rect">
+            <a:avLst/>
+          </a:prstGeom>
+          <a:noFill/>
+        </p:spPr>
+        <p:txBody>
+          <a:bodyPr wrap="square" rtlCol="0">
+            <a:spAutoFit/>
+          </a:bodyPr>
+          <a:lstStyle/>
+          <a:p>
+            <a:pPr algn="ctr"/>
+            <a:r>
+              <a:rPr lang="zh-CN" altLang="en-US" dirty="0"/>
+              <a:t>的</a:t>
+            </a:r>
+          </a:p>
+        </p:txBody>
+      </p:sp>
+      <p:sp>
+        <p:nvSpPr>
+          <p:cNvPr id="54" name="矩形: 圆角 53">
+            <a:extLst>
+              <a:ext uri="{FF2B5EF4-FFF2-40B4-BE49-F238E27FC236}">
+                <a16:creationId xmlns:a16="http://schemas.microsoft.com/office/drawing/2014/main" id="{685B2A46-9736-4E8F-B140-DEFFA1C0FDC1}"/>
+              </a:ext>
+            </a:extLst>
+          </p:cNvPr>
+          <p:cNvSpPr/>
+          <p:nvPr/>
+        </p:nvSpPr>
+        <p:spPr>
+          <a:xfrm>
+            <a:off x="8842448" y="4721290"/>
+            <a:ext cx="355390" cy="1449709"/>
+          </a:xfrm>
+          <a:prstGeom prst="roundRect">
+            <a:avLst/>
+          </a:prstGeom>
+          <a:solidFill>
+            <a:schemeClr val="accent4">
+              <a:lumMod val="40000"/>
+              <a:lumOff val="60000"/>
+            </a:schemeClr>
+          </a:solidFill>
+          <a:ln>
+            <a:solidFill>
+              <a:schemeClr val="tx1"/>
+            </a:solidFill>
+          </a:ln>
+        </p:spPr>
+        <p:style>
+          <a:lnRef idx="2">
+            <a:schemeClr val="accent1">
+              <a:shade val="50000"/>
+            </a:schemeClr>
+          </a:lnRef>
+          <a:fillRef idx="1">
+            <a:schemeClr val="accent1"/>
+          </a:fillRef>
+          <a:effectRef idx="0">
+            <a:schemeClr val="accent1"/>
+          </a:effectRef>
+          <a:fontRef idx="minor">
+            <a:schemeClr val="lt1"/>
+          </a:fontRef>
+        </p:style>
+        <p:txBody>
+          <a:bodyPr rtlCol="0" anchor="ctr"/>
+          <a:lstStyle/>
+          <a:p>
+            <a:pPr algn="ctr"/>
+            <a:endParaRPr lang="zh-CN" altLang="en-US"/>
+          </a:p>
+        </p:txBody>
+      </p:sp>
+      <p:sp>
+        <p:nvSpPr>
+          <p:cNvPr id="55" name="椭圆 54">
+            <a:extLst>
+              <a:ext uri="{FF2B5EF4-FFF2-40B4-BE49-F238E27FC236}">
+                <a16:creationId xmlns:a16="http://schemas.microsoft.com/office/drawing/2014/main" id="{B0DA89C9-087E-4706-A5D6-376D1679F80F}"/>
+              </a:ext>
+            </a:extLst>
+          </p:cNvPr>
+          <p:cNvSpPr/>
+          <p:nvPr/>
+        </p:nvSpPr>
+        <p:spPr>
+          <a:xfrm>
+            <a:off x="8891590" y="4770730"/>
+            <a:ext cx="257106" cy="251241"/>
+          </a:xfrm>
+          <a:prstGeom prst="ellipse">
+            <a:avLst/>
+          </a:prstGeom>
+          <a:solidFill>
+            <a:schemeClr val="accent4">
+              <a:lumMod val="40000"/>
+              <a:lumOff val="60000"/>
+            </a:schemeClr>
+          </a:solidFill>
+          <a:ln>
+            <a:solidFill>
+              <a:schemeClr val="tx1"/>
+            </a:solidFill>
+          </a:ln>
+        </p:spPr>
+        <p:style>
+          <a:lnRef idx="2">
+            <a:schemeClr val="accent1">
+              <a:shade val="50000"/>
+            </a:schemeClr>
+          </a:lnRef>
+          <a:fillRef idx="1">
+            <a:schemeClr val="accent1"/>
+          </a:fillRef>
+          <a:effectRef idx="0">
+            <a:schemeClr val="accent1"/>
+          </a:effectRef>
+          <a:fontRef idx="minor">
+            <a:schemeClr val="lt1"/>
+          </a:fontRef>
+        </p:style>
+        <p:txBody>
+          <a:bodyPr rtlCol="0" anchor="ctr"/>
+          <a:lstStyle/>
+          <a:p>
+            <a:pPr algn="ctr"/>
+            <a:endParaRPr lang="zh-CN" altLang="en-US"/>
+          </a:p>
+        </p:txBody>
+      </p:sp>
+      <p:sp>
+        <p:nvSpPr>
+          <p:cNvPr id="56" name="椭圆 55">
+            <a:extLst>
+              <a:ext uri="{FF2B5EF4-FFF2-40B4-BE49-F238E27FC236}">
+                <a16:creationId xmlns:a16="http://schemas.microsoft.com/office/drawing/2014/main" id="{D976FD65-0737-45A1-974E-FDCF93BFEAFC}"/>
+              </a:ext>
+            </a:extLst>
+          </p:cNvPr>
+          <p:cNvSpPr/>
+          <p:nvPr/>
+        </p:nvSpPr>
+        <p:spPr>
+          <a:xfrm>
+            <a:off x="8891590" y="5071485"/>
+            <a:ext cx="257106" cy="251241"/>
+          </a:xfrm>
+          <a:prstGeom prst="ellipse">
+            <a:avLst/>
+          </a:prstGeom>
+          <a:solidFill>
+            <a:schemeClr val="accent4">
+              <a:lumMod val="40000"/>
+              <a:lumOff val="60000"/>
+            </a:schemeClr>
+          </a:solidFill>
+          <a:ln>
+            <a:solidFill>
+              <a:schemeClr val="tx1"/>
+            </a:solidFill>
+          </a:ln>
+        </p:spPr>
+        <p:style>
+          <a:lnRef idx="2">
+            <a:schemeClr val="accent1">
+              <a:shade val="50000"/>
+            </a:schemeClr>
+          </a:lnRef>
+          <a:fillRef idx="1">
+            <a:schemeClr val="accent1"/>
+          </a:fillRef>
+          <a:effectRef idx="0">
+            <a:schemeClr val="accent1"/>
+          </a:effectRef>
+          <a:fontRef idx="minor">
+            <a:schemeClr val="lt1"/>
+          </a:fontRef>
+        </p:style>
+        <p:txBody>
+          <a:bodyPr rtlCol="0" anchor="ctr"/>
+          <a:lstStyle/>
+          <a:p>
+            <a:pPr algn="ctr"/>
+            <a:endParaRPr lang="zh-CN" altLang="en-US"/>
+          </a:p>
+        </p:txBody>
+      </p:sp>
+      <p:sp>
+        <p:nvSpPr>
+          <p:cNvPr id="57" name="椭圆 56">
+            <a:extLst>
+              <a:ext uri="{FF2B5EF4-FFF2-40B4-BE49-F238E27FC236}">
+                <a16:creationId xmlns:a16="http://schemas.microsoft.com/office/drawing/2014/main" id="{0452714B-06F5-4146-BD85-5BF7EA24FD1A}"/>
+              </a:ext>
+            </a:extLst>
+          </p:cNvPr>
+          <p:cNvSpPr/>
+          <p:nvPr/>
+        </p:nvSpPr>
+        <p:spPr>
+          <a:xfrm>
+            <a:off x="8891590" y="5851126"/>
+            <a:ext cx="257106" cy="251241"/>
+          </a:xfrm>
+          <a:prstGeom prst="ellipse">
+            <a:avLst/>
+          </a:prstGeom>
+          <a:solidFill>
+            <a:schemeClr val="accent4">
+              <a:lumMod val="40000"/>
+              <a:lumOff val="60000"/>
+            </a:schemeClr>
+          </a:solidFill>
+          <a:ln>
+            <a:solidFill>
+              <a:schemeClr val="tx1"/>
+            </a:solidFill>
+          </a:ln>
+        </p:spPr>
+        <p:style>
+          <a:lnRef idx="2">
+            <a:schemeClr val="accent1">
+              <a:shade val="50000"/>
+            </a:schemeClr>
+          </a:lnRef>
+          <a:fillRef idx="1">
+            <a:schemeClr val="accent1"/>
+          </a:fillRef>
+          <a:effectRef idx="0">
+            <a:schemeClr val="accent1"/>
+          </a:effectRef>
+          <a:fontRef idx="minor">
+            <a:schemeClr val="lt1"/>
+          </a:fontRef>
+        </p:style>
+        <p:txBody>
+          <a:bodyPr rtlCol="0" anchor="ctr"/>
+          <a:lstStyle/>
+          <a:p>
+            <a:pPr algn="ctr"/>
+            <a:endParaRPr lang="zh-CN" altLang="en-US"/>
+          </a:p>
+        </p:txBody>
+      </p:sp>
+      <p:sp>
+        <p:nvSpPr>
+          <p:cNvPr id="58" name="流程图: 接点 57">
+            <a:extLst>
+              <a:ext uri="{FF2B5EF4-FFF2-40B4-BE49-F238E27FC236}">
+                <a16:creationId xmlns:a16="http://schemas.microsoft.com/office/drawing/2014/main" id="{E2E87288-E679-4334-B4AD-30DB4EBA18D8}"/>
+              </a:ext>
+            </a:extLst>
+          </p:cNvPr>
+          <p:cNvSpPr/>
+          <p:nvPr/>
+        </p:nvSpPr>
+        <p:spPr>
+          <a:xfrm>
+            <a:off x="8978155" y="5415211"/>
+            <a:ext cx="83976" cy="83976"/>
+          </a:xfrm>
+          <a:prstGeom prst="flowChartConnector">
+            <a:avLst/>
+          </a:prstGeom>
+          <a:solidFill>
+            <a:schemeClr val="accent4">
+              <a:lumMod val="40000"/>
+              <a:lumOff val="60000"/>
+            </a:schemeClr>
+          </a:solidFill>
+          <a:ln>
+            <a:solidFill>
+              <a:schemeClr val="tx1"/>
+            </a:solidFill>
+          </a:ln>
+        </p:spPr>
+        <p:style>
+          <a:lnRef idx="2">
+            <a:schemeClr val="accent1">
+              <a:shade val="50000"/>
+            </a:schemeClr>
+          </a:lnRef>
+          <a:fillRef idx="1">
+            <a:schemeClr val="accent1"/>
+          </a:fillRef>
+          <a:effectRef idx="0">
+            <a:schemeClr val="accent1"/>
+          </a:effectRef>
+          <a:fontRef idx="minor">
+            <a:schemeClr val="lt1"/>
+          </a:fontRef>
+        </p:style>
+        <p:txBody>
+          <a:bodyPr rtlCol="0" anchor="ctr"/>
+          <a:lstStyle/>
+          <a:p>
+            <a:pPr algn="ctr"/>
+            <a:endParaRPr lang="zh-CN" altLang="en-US"/>
+          </a:p>
+        </p:txBody>
+      </p:sp>
+      <p:sp>
+        <p:nvSpPr>
+          <p:cNvPr id="59" name="流程图: 接点 58">
+            <a:extLst>
+              <a:ext uri="{FF2B5EF4-FFF2-40B4-BE49-F238E27FC236}">
+                <a16:creationId xmlns:a16="http://schemas.microsoft.com/office/drawing/2014/main" id="{0AE8BB20-9CCD-4AB8-97CD-4E464BE4B595}"/>
+              </a:ext>
+            </a:extLst>
+          </p:cNvPr>
+          <p:cNvSpPr/>
+          <p:nvPr/>
+        </p:nvSpPr>
+        <p:spPr>
+          <a:xfrm>
+            <a:off x="8978155" y="5549684"/>
+            <a:ext cx="83976" cy="83976"/>
+          </a:xfrm>
+          <a:prstGeom prst="flowChartConnector">
+            <a:avLst/>
+          </a:prstGeom>
+          <a:solidFill>
+            <a:schemeClr val="accent4">
+              <a:lumMod val="40000"/>
+              <a:lumOff val="60000"/>
+            </a:schemeClr>
+          </a:solidFill>
+          <a:ln>
+            <a:solidFill>
+              <a:schemeClr val="tx1"/>
+            </a:solidFill>
+          </a:ln>
+        </p:spPr>
+        <p:style>
+          <a:lnRef idx="2">
+            <a:schemeClr val="accent1">
+              <a:shade val="50000"/>
+            </a:schemeClr>
+          </a:lnRef>
+          <a:fillRef idx="1">
+            <a:schemeClr val="accent1"/>
+          </a:fillRef>
+          <a:effectRef idx="0">
+            <a:schemeClr val="accent1"/>
+          </a:effectRef>
+          <a:fontRef idx="minor">
+            <a:schemeClr val="lt1"/>
+          </a:fontRef>
+        </p:style>
+        <p:txBody>
+          <a:bodyPr rtlCol="0" anchor="ctr"/>
+          <a:lstStyle/>
+          <a:p>
+            <a:pPr algn="ctr"/>
+            <a:endParaRPr lang="zh-CN" altLang="en-US"/>
+          </a:p>
+        </p:txBody>
+      </p:sp>
+      <p:sp>
+        <p:nvSpPr>
+          <p:cNvPr id="60" name="流程图: 接点 59">
+            <a:extLst>
+              <a:ext uri="{FF2B5EF4-FFF2-40B4-BE49-F238E27FC236}">
+                <a16:creationId xmlns:a16="http://schemas.microsoft.com/office/drawing/2014/main" id="{FE8D0D79-11F1-4BFE-9475-ED42D8AEF9D1}"/>
+              </a:ext>
+            </a:extLst>
+          </p:cNvPr>
+          <p:cNvSpPr/>
+          <p:nvPr/>
+        </p:nvSpPr>
+        <p:spPr>
+          <a:xfrm>
+            <a:off x="8978155" y="5675878"/>
+            <a:ext cx="83976" cy="83976"/>
+          </a:xfrm>
+          <a:prstGeom prst="flowChartConnector">
+            <a:avLst/>
+          </a:prstGeom>
+          <a:solidFill>
+            <a:schemeClr val="accent4">
+              <a:lumMod val="40000"/>
+              <a:lumOff val="60000"/>
+            </a:schemeClr>
+          </a:solidFill>
+          <a:ln>
+            <a:solidFill>
+              <a:schemeClr val="tx1"/>
+            </a:solidFill>
+          </a:ln>
+        </p:spPr>
+        <p:style>
+          <a:lnRef idx="2">
+            <a:schemeClr val="accent1">
+              <a:shade val="50000"/>
+            </a:schemeClr>
+          </a:lnRef>
+          <a:fillRef idx="1">
+            <a:schemeClr val="accent1"/>
+          </a:fillRef>
+          <a:effectRef idx="0">
+            <a:schemeClr val="accent1"/>
+          </a:effectRef>
+          <a:fontRef idx="minor">
+            <a:schemeClr val="lt1"/>
+          </a:fontRef>
+        </p:style>
+        <p:txBody>
+          <a:bodyPr rtlCol="0" anchor="ctr"/>
+          <a:lstStyle/>
+          <a:p>
+            <a:pPr algn="ctr"/>
+            <a:endParaRPr lang="zh-CN" altLang="en-US"/>
+          </a:p>
+        </p:txBody>
+      </p:sp>
+      <p:sp>
+        <p:nvSpPr>
+          <p:cNvPr id="61" name="文本框 60">
+            <a:extLst>
+              <a:ext uri="{FF2B5EF4-FFF2-40B4-BE49-F238E27FC236}">
+                <a16:creationId xmlns:a16="http://schemas.microsoft.com/office/drawing/2014/main" id="{B5B7D69F-EB2B-4A41-9415-41200B0B5F90}"/>
+              </a:ext>
+            </a:extLst>
+          </p:cNvPr>
+          <p:cNvSpPr txBox="1"/>
+          <p:nvPr/>
+        </p:nvSpPr>
+        <p:spPr>
+          <a:xfrm>
+            <a:off x="8538076" y="6303297"/>
+            <a:ext cx="964134" cy="369332"/>
+          </a:xfrm>
+          <a:prstGeom prst="rect">
+            <a:avLst/>
+          </a:prstGeom>
+          <a:noFill/>
+        </p:spPr>
+        <p:txBody>
+          <a:bodyPr wrap="square" rtlCol="0">
+            <a:spAutoFit/>
+          </a:bodyPr>
+          <a:lstStyle/>
+          <a:p>
+            <a:pPr algn="ctr"/>
+            <a:r>
+              <a:rPr lang="zh-CN" altLang="en-US" dirty="0"/>
+              <a:t>火车票</a:t>
+            </a:r>
+          </a:p>
+        </p:txBody>
+      </p:sp>
+      <p:sp>
+        <p:nvSpPr>
+          <p:cNvPr id="62" name="箭头: 上 61">
+            <a:extLst>
+              <a:ext uri="{FF2B5EF4-FFF2-40B4-BE49-F238E27FC236}">
+                <a16:creationId xmlns:a16="http://schemas.microsoft.com/office/drawing/2014/main" id="{E382FA59-D3F2-4EE4-B0C8-0963309F004E}"/>
+              </a:ext>
+            </a:extLst>
+          </p:cNvPr>
+          <p:cNvSpPr/>
+          <p:nvPr/>
+        </p:nvSpPr>
+        <p:spPr>
+          <a:xfrm>
+            <a:off x="5991394" y="4289584"/>
+            <a:ext cx="368927" cy="289469"/>
+          </a:xfrm>
+          <a:prstGeom prst="upArrow">
+            <a:avLst/>
+          </a:prstGeom>
+          <a:solidFill>
+            <a:schemeClr val="tx1"/>
+          </a:solidFill>
+        </p:spPr>
+        <p:style>
+          <a:lnRef idx="2">
+            <a:schemeClr val="accent1">
+              <a:shade val="50000"/>
+            </a:schemeClr>
+          </a:lnRef>
+          <a:fillRef idx="1">
+            <a:schemeClr val="accent1"/>
+          </a:fillRef>
+          <a:effectRef idx="0">
+            <a:schemeClr val="accent1"/>
+          </a:effectRef>
+          <a:fontRef idx="minor">
+            <a:schemeClr val="lt1"/>
+          </a:fontRef>
+        </p:style>
+        <p:txBody>
+          <a:bodyPr rtlCol="0" anchor="ctr"/>
+          <a:lstStyle/>
+          <a:p>
+            <a:pPr algn="ctr"/>
+            <a:endParaRPr lang="zh-CN" altLang="en-US"/>
+          </a:p>
+        </p:txBody>
+      </p:sp>
+      <p:sp>
+        <p:nvSpPr>
+          <p:cNvPr id="63" name="文本框 62">
+            <a:extLst>
+              <a:ext uri="{FF2B5EF4-FFF2-40B4-BE49-F238E27FC236}">
+                <a16:creationId xmlns:a16="http://schemas.microsoft.com/office/drawing/2014/main" id="{69FE6BE8-A028-4C49-8984-FBAD06C1AB80}"/>
+              </a:ext>
+            </a:extLst>
+          </p:cNvPr>
+          <p:cNvSpPr txBox="1"/>
+          <p:nvPr/>
+        </p:nvSpPr>
+        <p:spPr>
+          <a:xfrm>
+            <a:off x="1091763" y="5230545"/>
+            <a:ext cx="1604865" cy="369332"/>
+          </a:xfrm>
+          <a:prstGeom prst="rect">
+            <a:avLst/>
+          </a:prstGeom>
+          <a:noFill/>
+        </p:spPr>
+        <p:txBody>
+          <a:bodyPr wrap="square" rtlCol="0">
+            <a:spAutoFit/>
+          </a:bodyPr>
+          <a:lstStyle/>
+          <a:p>
+            <a:r>
+              <a:rPr lang="en-US" altLang="zh-CN" dirty="0"/>
+              <a:t>embedding</a:t>
+            </a:r>
+            <a:r>
+              <a:rPr lang="zh-CN" altLang="en-US" dirty="0"/>
+              <a:t>层</a:t>
+            </a:r>
+          </a:p>
+        </p:txBody>
+      </p:sp>
+      <p:sp>
+        <p:nvSpPr>
+          <p:cNvPr id="64" name="立方体 63">
+            <a:extLst>
+              <a:ext uri="{FF2B5EF4-FFF2-40B4-BE49-F238E27FC236}">
+                <a16:creationId xmlns:a16="http://schemas.microsoft.com/office/drawing/2014/main" id="{CBFB4C2C-71CF-45EF-8FF4-8C85CE1E304C}"/>
+              </a:ext>
+            </a:extLst>
+          </p:cNvPr>
+          <p:cNvSpPr/>
+          <p:nvPr/>
+        </p:nvSpPr>
+        <p:spPr>
+          <a:xfrm>
+            <a:off x="3845133" y="2780523"/>
+            <a:ext cx="4692943" cy="1282103"/>
+          </a:xfrm>
+          <a:prstGeom prst="cube">
+            <a:avLst/>
+          </a:prstGeom>
+          <a:solidFill>
+            <a:schemeClr val="accent2">
+              <a:lumMod val="75000"/>
+            </a:schemeClr>
+          </a:solidFill>
+        </p:spPr>
+        <p:style>
+          <a:lnRef idx="2">
+            <a:schemeClr val="accent1">
+              <a:shade val="50000"/>
+            </a:schemeClr>
+          </a:lnRef>
+          <a:fillRef idx="1">
+            <a:schemeClr val="accent1"/>
+          </a:fillRef>
+          <a:effectRef idx="0">
+            <a:schemeClr val="accent1"/>
+          </a:effectRef>
+          <a:fontRef idx="minor">
+            <a:schemeClr val="lt1"/>
+          </a:fontRef>
+        </p:style>
+        <p:txBody>
+          <a:bodyPr rtlCol="0" anchor="ctr"/>
+          <a:lstStyle/>
+          <a:p>
+            <a:pPr algn="ctr"/>
+            <a:r>
+              <a:rPr lang="en-US" altLang="zh-CN" dirty="0"/>
+              <a:t>Transformable Convolution</a:t>
+            </a:r>
+            <a:endParaRPr lang="zh-CN" altLang="en-US" dirty="0"/>
+          </a:p>
+        </p:txBody>
+      </p:sp>
+      <p:sp>
+        <p:nvSpPr>
+          <p:cNvPr id="65" name="立方体 64">
+            <a:extLst>
+              <a:ext uri="{FF2B5EF4-FFF2-40B4-BE49-F238E27FC236}">
+                <a16:creationId xmlns:a16="http://schemas.microsoft.com/office/drawing/2014/main" id="{F21E931D-8A95-4731-A66A-F86EFDD90370}"/>
+              </a:ext>
+            </a:extLst>
+          </p:cNvPr>
+          <p:cNvSpPr/>
+          <p:nvPr/>
+        </p:nvSpPr>
+        <p:spPr>
+          <a:xfrm>
+            <a:off x="3861495" y="970020"/>
+            <a:ext cx="4692943" cy="1282103"/>
+          </a:xfrm>
+          <a:prstGeom prst="cube">
+            <a:avLst/>
+          </a:prstGeom>
+          <a:solidFill>
+            <a:schemeClr val="accent5">
+              <a:lumMod val="60000"/>
+              <a:lumOff val="40000"/>
+            </a:schemeClr>
+          </a:solidFill>
+        </p:spPr>
+        <p:style>
+          <a:lnRef idx="2">
+            <a:schemeClr val="accent1">
+              <a:shade val="50000"/>
+            </a:schemeClr>
+          </a:lnRef>
+          <a:fillRef idx="1">
+            <a:schemeClr val="accent1"/>
+          </a:fillRef>
+          <a:effectRef idx="0">
+            <a:schemeClr val="accent1"/>
+          </a:effectRef>
+          <a:fontRef idx="minor">
+            <a:schemeClr val="lt1"/>
+          </a:fontRef>
+        </p:style>
+        <p:txBody>
+          <a:bodyPr rtlCol="0" anchor="ctr"/>
+          <a:lstStyle/>
+          <a:p>
+            <a:pPr algn="ctr"/>
+            <a:r>
+              <a:rPr lang="en-US" altLang="zh-CN" dirty="0"/>
+              <a:t>Transformable Pooling</a:t>
+            </a:r>
+            <a:endParaRPr lang="zh-CN" altLang="en-US" dirty="0"/>
+          </a:p>
+        </p:txBody>
+      </p:sp>
+      <p:sp>
+        <p:nvSpPr>
+          <p:cNvPr id="66" name="箭头: 上 65">
+            <a:extLst>
+              <a:ext uri="{FF2B5EF4-FFF2-40B4-BE49-F238E27FC236}">
+                <a16:creationId xmlns:a16="http://schemas.microsoft.com/office/drawing/2014/main" id="{4C48C849-92E0-4329-9761-F5F2959935F8}"/>
+              </a:ext>
+            </a:extLst>
+          </p:cNvPr>
+          <p:cNvSpPr/>
+          <p:nvPr/>
+        </p:nvSpPr>
+        <p:spPr>
+          <a:xfrm>
+            <a:off x="5991394" y="2370339"/>
+            <a:ext cx="368927" cy="289469"/>
+          </a:xfrm>
+          <a:prstGeom prst="upArrow">
+            <a:avLst/>
+          </a:prstGeom>
+          <a:solidFill>
+            <a:schemeClr val="tx1"/>
+          </a:solidFill>
+        </p:spPr>
+        <p:style>
+          <a:lnRef idx="2">
+            <a:schemeClr val="accent1">
+              <a:shade val="50000"/>
+            </a:schemeClr>
+          </a:lnRef>
+          <a:fillRef idx="1">
+            <a:schemeClr val="accent1"/>
+          </a:fillRef>
+          <a:effectRef idx="0">
+            <a:schemeClr val="accent1"/>
+          </a:effectRef>
+          <a:fontRef idx="minor">
+            <a:schemeClr val="lt1"/>
+          </a:fontRef>
+        </p:style>
+        <p:txBody>
+          <a:bodyPr rtlCol="0" anchor="ctr"/>
+          <a:lstStyle/>
+          <a:p>
+            <a:pPr algn="ctr"/>
+            <a:endParaRPr lang="zh-CN" altLang="en-US"/>
+          </a:p>
+        </p:txBody>
+      </p:sp>
+      <p:sp>
+        <p:nvSpPr>
+          <p:cNvPr id="70" name="矩形: 圆角 69">
+            <a:extLst>
+              <a:ext uri="{FF2B5EF4-FFF2-40B4-BE49-F238E27FC236}">
+                <a16:creationId xmlns:a16="http://schemas.microsoft.com/office/drawing/2014/main" id="{C5BC0E68-B1BE-47CC-9EF2-FDD532C88279}"/>
+              </a:ext>
+            </a:extLst>
+          </p:cNvPr>
+          <p:cNvSpPr/>
+          <p:nvPr/>
+        </p:nvSpPr>
+        <p:spPr>
+          <a:xfrm>
+            <a:off x="2998015" y="-228580"/>
+            <a:ext cx="811763" cy="457160"/>
+          </a:xfrm>
+          <a:prstGeom prst="roundRect">
+            <a:avLst/>
+          </a:prstGeom>
+          <a:solidFill>
+            <a:schemeClr val="accent3"/>
+          </a:solidFill>
+        </p:spPr>
+        <p:style>
+          <a:lnRef idx="2">
+            <a:schemeClr val="accent1">
+              <a:shade val="50000"/>
+            </a:schemeClr>
+          </a:lnRef>
+          <a:fillRef idx="1">
+            <a:schemeClr val="accent1"/>
+          </a:fillRef>
+          <a:effectRef idx="0">
+            <a:schemeClr val="accent1"/>
+          </a:effectRef>
+          <a:fontRef idx="minor">
+            <a:schemeClr val="lt1"/>
+          </a:fontRef>
+        </p:style>
+        <p:txBody>
+          <a:bodyPr rtlCol="0" anchor="ctr"/>
+          <a:lstStyle/>
+          <a:p>
+            <a:pPr algn="ctr"/>
+            <a:r>
+              <a:rPr lang="en-US" altLang="zh-CN" dirty="0"/>
+              <a:t>LSTM</a:t>
+            </a:r>
+            <a:endParaRPr lang="zh-CN" altLang="en-US" dirty="0"/>
+          </a:p>
+        </p:txBody>
+      </p:sp>
+      <p:sp>
+        <p:nvSpPr>
+          <p:cNvPr id="71" name="矩形: 圆角 70">
+            <a:extLst>
+              <a:ext uri="{FF2B5EF4-FFF2-40B4-BE49-F238E27FC236}">
+                <a16:creationId xmlns:a16="http://schemas.microsoft.com/office/drawing/2014/main" id="{5FF84239-BAF2-4D67-8988-2157F0215A44}"/>
+              </a:ext>
+            </a:extLst>
+          </p:cNvPr>
+          <p:cNvSpPr/>
+          <p:nvPr/>
+        </p:nvSpPr>
+        <p:spPr>
+          <a:xfrm>
+            <a:off x="4080474" y="-228580"/>
+            <a:ext cx="811763" cy="457160"/>
+          </a:xfrm>
+          <a:prstGeom prst="roundRect">
+            <a:avLst/>
+          </a:prstGeom>
+          <a:solidFill>
+            <a:schemeClr val="accent3"/>
+          </a:solidFill>
+        </p:spPr>
+        <p:style>
+          <a:lnRef idx="2">
+            <a:schemeClr val="accent1">
+              <a:shade val="50000"/>
+            </a:schemeClr>
+          </a:lnRef>
+          <a:fillRef idx="1">
+            <a:schemeClr val="accent1"/>
+          </a:fillRef>
+          <a:effectRef idx="0">
+            <a:schemeClr val="accent1"/>
+          </a:effectRef>
+          <a:fontRef idx="minor">
+            <a:schemeClr val="lt1"/>
+          </a:fontRef>
+        </p:style>
+        <p:txBody>
+          <a:bodyPr rtlCol="0" anchor="ctr"/>
+          <a:lstStyle/>
+          <a:p>
+            <a:pPr algn="ctr"/>
+            <a:r>
+              <a:rPr lang="en-US" altLang="zh-CN" dirty="0"/>
+              <a:t>LSTM</a:t>
+            </a:r>
+            <a:endParaRPr lang="zh-CN" altLang="en-US" dirty="0"/>
+          </a:p>
+        </p:txBody>
+      </p:sp>
+      <p:sp>
+        <p:nvSpPr>
+          <p:cNvPr id="72" name="矩形: 圆角 71">
+            <a:extLst>
+              <a:ext uri="{FF2B5EF4-FFF2-40B4-BE49-F238E27FC236}">
+                <a16:creationId xmlns:a16="http://schemas.microsoft.com/office/drawing/2014/main" id="{08CC9DAC-0502-4336-A1E9-57FCF8E19E3D}"/>
+              </a:ext>
+            </a:extLst>
+          </p:cNvPr>
+          <p:cNvSpPr/>
+          <p:nvPr/>
+        </p:nvSpPr>
+        <p:spPr>
+          <a:xfrm>
+            <a:off x="5162933" y="-228580"/>
+            <a:ext cx="811763" cy="457160"/>
+          </a:xfrm>
+          <a:prstGeom prst="roundRect">
+            <a:avLst/>
+          </a:prstGeom>
+          <a:solidFill>
+            <a:schemeClr val="accent3"/>
+          </a:solidFill>
+        </p:spPr>
+        <p:style>
+          <a:lnRef idx="2">
+            <a:schemeClr val="accent1">
+              <a:shade val="50000"/>
+            </a:schemeClr>
+          </a:lnRef>
+          <a:fillRef idx="1">
+            <a:schemeClr val="accent1"/>
+          </a:fillRef>
+          <a:effectRef idx="0">
+            <a:schemeClr val="accent1"/>
+          </a:effectRef>
+          <a:fontRef idx="minor">
+            <a:schemeClr val="lt1"/>
+          </a:fontRef>
+        </p:style>
+        <p:txBody>
+          <a:bodyPr rtlCol="0" anchor="ctr"/>
+          <a:lstStyle/>
+          <a:p>
+            <a:pPr algn="ctr"/>
+            <a:r>
+              <a:rPr lang="en-US" altLang="zh-CN" dirty="0"/>
+              <a:t>LSTM</a:t>
+            </a:r>
+            <a:endParaRPr lang="zh-CN" altLang="en-US" dirty="0"/>
+          </a:p>
+        </p:txBody>
+      </p:sp>
+      <p:sp>
+        <p:nvSpPr>
+          <p:cNvPr id="74" name="矩形: 圆角 73">
+            <a:extLst>
+              <a:ext uri="{FF2B5EF4-FFF2-40B4-BE49-F238E27FC236}">
+                <a16:creationId xmlns:a16="http://schemas.microsoft.com/office/drawing/2014/main" id="{D48B2E6A-2E1F-4AA5-AC00-7A8A350EBFFF}"/>
+              </a:ext>
+            </a:extLst>
+          </p:cNvPr>
+          <p:cNvSpPr/>
+          <p:nvPr/>
+        </p:nvSpPr>
+        <p:spPr>
+          <a:xfrm>
+            <a:off x="6245392" y="-228580"/>
+            <a:ext cx="811763" cy="457160"/>
+          </a:xfrm>
+          <a:prstGeom prst="roundRect">
+            <a:avLst/>
+          </a:prstGeom>
+          <a:solidFill>
+            <a:schemeClr val="accent3"/>
+          </a:solidFill>
+        </p:spPr>
+        <p:style>
+          <a:lnRef idx="2">
+            <a:schemeClr val="accent1">
+              <a:shade val="50000"/>
+            </a:schemeClr>
+          </a:lnRef>
+          <a:fillRef idx="1">
+            <a:schemeClr val="accent1"/>
+          </a:fillRef>
+          <a:effectRef idx="0">
+            <a:schemeClr val="accent1"/>
+          </a:effectRef>
+          <a:fontRef idx="minor">
+            <a:schemeClr val="lt1"/>
+          </a:fontRef>
+        </p:style>
+        <p:txBody>
+          <a:bodyPr rtlCol="0" anchor="ctr"/>
+          <a:lstStyle/>
+          <a:p>
+            <a:pPr algn="ctr"/>
+            <a:r>
+              <a:rPr lang="en-US" altLang="zh-CN" dirty="0"/>
+              <a:t>LSTM</a:t>
+            </a:r>
+            <a:endParaRPr lang="zh-CN" altLang="en-US" dirty="0"/>
+          </a:p>
+        </p:txBody>
+      </p:sp>
+      <p:sp>
+        <p:nvSpPr>
+          <p:cNvPr id="75" name="矩形: 圆角 74">
+            <a:extLst>
+              <a:ext uri="{FF2B5EF4-FFF2-40B4-BE49-F238E27FC236}">
+                <a16:creationId xmlns:a16="http://schemas.microsoft.com/office/drawing/2014/main" id="{C3E7DE5A-B613-495D-86DF-84A5C9FE8FB1}"/>
+              </a:ext>
+            </a:extLst>
+          </p:cNvPr>
+          <p:cNvSpPr/>
+          <p:nvPr/>
+        </p:nvSpPr>
+        <p:spPr>
+          <a:xfrm>
+            <a:off x="7327851" y="-228580"/>
+            <a:ext cx="811763" cy="457160"/>
+          </a:xfrm>
+          <a:prstGeom prst="roundRect">
+            <a:avLst/>
+          </a:prstGeom>
+          <a:solidFill>
+            <a:schemeClr val="accent3"/>
+          </a:solidFill>
+        </p:spPr>
+        <p:style>
+          <a:lnRef idx="2">
+            <a:schemeClr val="accent1">
+              <a:shade val="50000"/>
+            </a:schemeClr>
+          </a:lnRef>
+          <a:fillRef idx="1">
+            <a:schemeClr val="accent1"/>
+          </a:fillRef>
+          <a:effectRef idx="0">
+            <a:schemeClr val="accent1"/>
+          </a:effectRef>
+          <a:fontRef idx="minor">
+            <a:schemeClr val="lt1"/>
+          </a:fontRef>
+        </p:style>
+        <p:txBody>
+          <a:bodyPr rtlCol="0" anchor="ctr"/>
+          <a:lstStyle/>
+          <a:p>
+            <a:pPr algn="ctr"/>
+            <a:r>
+              <a:rPr lang="en-US" altLang="zh-CN" dirty="0"/>
+              <a:t>LSTM</a:t>
+            </a:r>
+            <a:endParaRPr lang="zh-CN" altLang="en-US" dirty="0"/>
+          </a:p>
+        </p:txBody>
+      </p:sp>
+      <p:sp>
+        <p:nvSpPr>
+          <p:cNvPr id="76" name="矩形: 圆角 75">
+            <a:extLst>
+              <a:ext uri="{FF2B5EF4-FFF2-40B4-BE49-F238E27FC236}">
+                <a16:creationId xmlns:a16="http://schemas.microsoft.com/office/drawing/2014/main" id="{ECB120CC-BDED-49E6-92FA-5E403516CEC3}"/>
+              </a:ext>
+            </a:extLst>
+          </p:cNvPr>
+          <p:cNvSpPr/>
+          <p:nvPr/>
+        </p:nvSpPr>
+        <p:spPr>
+          <a:xfrm>
+            <a:off x="8410310" y="-228580"/>
+            <a:ext cx="811763" cy="457160"/>
+          </a:xfrm>
+          <a:prstGeom prst="roundRect">
+            <a:avLst/>
+          </a:prstGeom>
+          <a:solidFill>
+            <a:schemeClr val="accent3"/>
+          </a:solidFill>
+        </p:spPr>
+        <p:style>
+          <a:lnRef idx="2">
+            <a:schemeClr val="accent1">
+              <a:shade val="50000"/>
+            </a:schemeClr>
+          </a:lnRef>
+          <a:fillRef idx="1">
+            <a:schemeClr val="accent1"/>
+          </a:fillRef>
+          <a:effectRef idx="0">
+            <a:schemeClr val="accent1"/>
+          </a:effectRef>
+          <a:fontRef idx="minor">
+            <a:schemeClr val="lt1"/>
+          </a:fontRef>
+        </p:style>
+        <p:txBody>
+          <a:bodyPr rtlCol="0" anchor="ctr"/>
+          <a:lstStyle/>
+          <a:p>
+            <a:pPr algn="ctr"/>
+            <a:r>
+              <a:rPr lang="en-US" altLang="zh-CN" dirty="0"/>
+              <a:t>LSTM</a:t>
+            </a:r>
+            <a:endParaRPr lang="zh-CN" altLang="en-US" dirty="0"/>
+          </a:p>
+        </p:txBody>
+      </p:sp>
+      <p:sp>
+        <p:nvSpPr>
+          <p:cNvPr id="77" name="矩形: 圆角 76">
+            <a:extLst>
+              <a:ext uri="{FF2B5EF4-FFF2-40B4-BE49-F238E27FC236}">
+                <a16:creationId xmlns:a16="http://schemas.microsoft.com/office/drawing/2014/main" id="{F570EC6F-BF7C-4257-A57B-49A183645AB9}"/>
+              </a:ext>
+            </a:extLst>
+          </p:cNvPr>
+          <p:cNvSpPr/>
+          <p:nvPr/>
+        </p:nvSpPr>
+        <p:spPr>
+          <a:xfrm>
+            <a:off x="4996541" y="-1351924"/>
+            <a:ext cx="2254899" cy="579222"/>
+          </a:xfrm>
+          <a:prstGeom prst="roundRect">
+            <a:avLst/>
+          </a:prstGeom>
+          <a:solidFill>
+            <a:schemeClr val="accent4">
+              <a:lumMod val="75000"/>
+            </a:schemeClr>
+          </a:solidFill>
+        </p:spPr>
+        <p:style>
+          <a:lnRef idx="2">
+            <a:schemeClr val="accent1">
+              <a:shade val="50000"/>
+            </a:schemeClr>
+          </a:lnRef>
+          <a:fillRef idx="1">
+            <a:schemeClr val="accent1"/>
+          </a:fillRef>
+          <a:effectRef idx="0">
+            <a:schemeClr val="accent1"/>
+          </a:effectRef>
+          <a:fontRef idx="minor">
+            <a:schemeClr val="lt1"/>
+          </a:fontRef>
+        </p:style>
+        <p:txBody>
+          <a:bodyPr rtlCol="0" anchor="ctr"/>
+          <a:lstStyle/>
+          <a:p>
+            <a:pPr algn="ctr"/>
+            <a:r>
+              <a:rPr lang="zh-CN" altLang="en-US" sz="2400" dirty="0">
+                <a:solidFill>
+                  <a:schemeClr val="bg1"/>
+                </a:solidFill>
+              </a:rPr>
+              <a:t>决策层</a:t>
+            </a:r>
+          </a:p>
+        </p:txBody>
+      </p:sp>
+      <p:cxnSp>
+        <p:nvCxnSpPr>
+          <p:cNvPr id="79" name="直接箭头连接符 78">
+            <a:extLst>
+              <a:ext uri="{FF2B5EF4-FFF2-40B4-BE49-F238E27FC236}">
+                <a16:creationId xmlns:a16="http://schemas.microsoft.com/office/drawing/2014/main" id="{FF1553CC-1912-460A-8909-22306E11B7E3}"/>
+              </a:ext>
+            </a:extLst>
+          </p:cNvPr>
+          <p:cNvCxnSpPr>
+            <a:stCxn id="70" idx="3"/>
+            <a:endCxn id="71" idx="1"/>
+          </p:cNvCxnSpPr>
+          <p:nvPr/>
+        </p:nvCxnSpPr>
+        <p:spPr>
+          <a:xfrm>
+            <a:off x="3809778" y="0"/>
+            <a:ext cx="270696" cy="0"/>
+          </a:xfrm>
+          <a:prstGeom prst="straightConnector1">
+            <a:avLst/>
+          </a:prstGeom>
+          <a:ln>
+            <a:solidFill>
+              <a:schemeClr val="tx1"/>
+            </a:solidFill>
+            <a:tailEnd type="triangle"/>
+          </a:ln>
+        </p:spPr>
+        <p:style>
+          <a:lnRef idx="1">
+            <a:schemeClr val="accent1"/>
+          </a:lnRef>
+          <a:fillRef idx="0">
+            <a:schemeClr val="accent1"/>
+          </a:fillRef>
+          <a:effectRef idx="0">
+            <a:schemeClr val="accent1"/>
+          </a:effectRef>
+          <a:fontRef idx="minor">
+            <a:schemeClr val="tx1"/>
+          </a:fontRef>
+        </p:style>
+      </p:cxnSp>
+      <p:cxnSp>
+        <p:nvCxnSpPr>
+          <p:cNvPr id="81" name="直接箭头连接符 80">
+            <a:extLst>
+              <a:ext uri="{FF2B5EF4-FFF2-40B4-BE49-F238E27FC236}">
+                <a16:creationId xmlns:a16="http://schemas.microsoft.com/office/drawing/2014/main" id="{AE598020-C100-4530-9187-867FD612AFD7}"/>
+              </a:ext>
+            </a:extLst>
+          </p:cNvPr>
+          <p:cNvCxnSpPr>
+            <a:stCxn id="71" idx="3"/>
+            <a:endCxn id="72" idx="1"/>
+          </p:cNvCxnSpPr>
+          <p:nvPr/>
+        </p:nvCxnSpPr>
+        <p:spPr>
+          <a:xfrm>
+            <a:off x="4892237" y="0"/>
+            <a:ext cx="270696" cy="0"/>
+          </a:xfrm>
+          <a:prstGeom prst="straightConnector1">
+            <a:avLst/>
+          </a:prstGeom>
+          <a:ln>
+            <a:solidFill>
+              <a:schemeClr val="tx1"/>
+            </a:solidFill>
+            <a:tailEnd type="triangle"/>
+          </a:ln>
+        </p:spPr>
+        <p:style>
+          <a:lnRef idx="1">
+            <a:schemeClr val="accent1"/>
+          </a:lnRef>
+          <a:fillRef idx="0">
+            <a:schemeClr val="accent1"/>
+          </a:fillRef>
+          <a:effectRef idx="0">
+            <a:schemeClr val="accent1"/>
+          </a:effectRef>
+          <a:fontRef idx="minor">
+            <a:schemeClr val="tx1"/>
+          </a:fontRef>
+        </p:style>
+      </p:cxnSp>
+      <p:cxnSp>
+        <p:nvCxnSpPr>
+          <p:cNvPr id="83" name="直接箭头连接符 82">
+            <a:extLst>
+              <a:ext uri="{FF2B5EF4-FFF2-40B4-BE49-F238E27FC236}">
+                <a16:creationId xmlns:a16="http://schemas.microsoft.com/office/drawing/2014/main" id="{958F8B50-B953-4D6B-8340-4BD434D27316}"/>
+              </a:ext>
+            </a:extLst>
+          </p:cNvPr>
+          <p:cNvCxnSpPr>
+            <a:stCxn id="72" idx="3"/>
+            <a:endCxn id="74" idx="1"/>
+          </p:cNvCxnSpPr>
+          <p:nvPr/>
+        </p:nvCxnSpPr>
+        <p:spPr>
+          <a:xfrm>
+            <a:off x="5974696" y="0"/>
+            <a:ext cx="270696" cy="0"/>
+          </a:xfrm>
+          <a:prstGeom prst="straightConnector1">
+            <a:avLst/>
+          </a:prstGeom>
+          <a:ln>
+            <a:solidFill>
+              <a:schemeClr val="tx1"/>
+            </a:solidFill>
+            <a:tailEnd type="triangle"/>
+          </a:ln>
+        </p:spPr>
+        <p:style>
+          <a:lnRef idx="1">
+            <a:schemeClr val="accent1"/>
+          </a:lnRef>
+          <a:fillRef idx="0">
+            <a:schemeClr val="accent1"/>
+          </a:fillRef>
+          <a:effectRef idx="0">
+            <a:schemeClr val="accent1"/>
+          </a:effectRef>
+          <a:fontRef idx="minor">
+            <a:schemeClr val="tx1"/>
+          </a:fontRef>
+        </p:style>
+      </p:cxnSp>
+      <p:cxnSp>
+        <p:nvCxnSpPr>
+          <p:cNvPr id="85" name="直接箭头连接符 84">
+            <a:extLst>
+              <a:ext uri="{FF2B5EF4-FFF2-40B4-BE49-F238E27FC236}">
+                <a16:creationId xmlns:a16="http://schemas.microsoft.com/office/drawing/2014/main" id="{247B90A2-BB26-46EF-AFD6-216542E2CB81}"/>
+              </a:ext>
+            </a:extLst>
+          </p:cNvPr>
+          <p:cNvCxnSpPr>
+            <a:stCxn id="74" idx="3"/>
+            <a:endCxn id="75" idx="1"/>
+          </p:cNvCxnSpPr>
+          <p:nvPr/>
+        </p:nvCxnSpPr>
+        <p:spPr>
+          <a:xfrm>
+            <a:off x="7057155" y="0"/>
+            <a:ext cx="270696" cy="0"/>
+          </a:xfrm>
+          <a:prstGeom prst="straightConnector1">
+            <a:avLst/>
+          </a:prstGeom>
+          <a:ln>
+            <a:solidFill>
+              <a:schemeClr val="tx1"/>
+            </a:solidFill>
+            <a:tailEnd type="triangle"/>
+          </a:ln>
+        </p:spPr>
+        <p:style>
+          <a:lnRef idx="1">
+            <a:schemeClr val="accent1"/>
+          </a:lnRef>
+          <a:fillRef idx="0">
+            <a:schemeClr val="accent1"/>
+          </a:fillRef>
+          <a:effectRef idx="0">
+            <a:schemeClr val="accent1"/>
+          </a:effectRef>
+          <a:fontRef idx="minor">
+            <a:schemeClr val="tx1"/>
+          </a:fontRef>
+        </p:style>
+      </p:cxnSp>
+      <p:cxnSp>
+        <p:nvCxnSpPr>
+          <p:cNvPr id="87" name="直接箭头连接符 86">
+            <a:extLst>
+              <a:ext uri="{FF2B5EF4-FFF2-40B4-BE49-F238E27FC236}">
+                <a16:creationId xmlns:a16="http://schemas.microsoft.com/office/drawing/2014/main" id="{BAC64E11-A516-4356-9A34-C17A8E06BE91}"/>
+              </a:ext>
+            </a:extLst>
+          </p:cNvPr>
+          <p:cNvCxnSpPr>
+            <a:stCxn id="75" idx="3"/>
+            <a:endCxn id="76" idx="1"/>
+          </p:cNvCxnSpPr>
+          <p:nvPr/>
+        </p:nvCxnSpPr>
+        <p:spPr>
+          <a:xfrm>
+            <a:off x="8139614" y="0"/>
+            <a:ext cx="270696" cy="0"/>
+          </a:xfrm>
+          <a:prstGeom prst="straightConnector1">
+            <a:avLst/>
+          </a:prstGeom>
+          <a:ln>
+            <a:solidFill>
+              <a:schemeClr val="tx1"/>
+            </a:solidFill>
+            <a:tailEnd type="triangle"/>
+          </a:ln>
+        </p:spPr>
+        <p:style>
+          <a:lnRef idx="1">
+            <a:schemeClr val="accent1"/>
+          </a:lnRef>
+          <a:fillRef idx="0">
+            <a:schemeClr val="accent1"/>
+          </a:fillRef>
+          <a:effectRef idx="0">
+            <a:schemeClr val="accent1"/>
+          </a:effectRef>
+          <a:fontRef idx="minor">
+            <a:schemeClr val="tx1"/>
+          </a:fontRef>
+        </p:style>
+      </p:cxnSp>
+      <p:cxnSp>
+        <p:nvCxnSpPr>
+          <p:cNvPr id="89" name="直接箭头连接符 88">
+            <a:extLst>
+              <a:ext uri="{FF2B5EF4-FFF2-40B4-BE49-F238E27FC236}">
+                <a16:creationId xmlns:a16="http://schemas.microsoft.com/office/drawing/2014/main" id="{D18C1D3A-E0D6-49E0-949F-9487A48E2E63}"/>
+              </a:ext>
+            </a:extLst>
+          </p:cNvPr>
+          <p:cNvCxnSpPr>
+            <a:cxnSpLocks/>
+            <a:endCxn id="70" idx="2"/>
+          </p:cNvCxnSpPr>
+          <p:nvPr/>
+        </p:nvCxnSpPr>
+        <p:spPr>
+          <a:xfrm flipV="1">
+            <a:off x="3403897" y="228580"/>
+            <a:ext cx="0" cy="340587"/>
+          </a:xfrm>
+          <a:prstGeom prst="straightConnector1">
+            <a:avLst/>
+          </a:prstGeom>
+          <a:ln>
+            <a:solidFill>
+              <a:schemeClr val="tx1"/>
+            </a:solidFill>
+            <a:tailEnd type="triangle"/>
+          </a:ln>
+        </p:spPr>
+        <p:style>
+          <a:lnRef idx="1">
+            <a:schemeClr val="accent1"/>
+          </a:lnRef>
+          <a:fillRef idx="0">
+            <a:schemeClr val="accent1"/>
+          </a:fillRef>
+          <a:effectRef idx="0">
+            <a:schemeClr val="accent1"/>
+          </a:effectRef>
+          <a:fontRef idx="minor">
+            <a:schemeClr val="tx1"/>
+          </a:fontRef>
+        </p:style>
+      </p:cxnSp>
+      <p:sp>
+        <p:nvSpPr>
+          <p:cNvPr id="115" name="箭头: 上 114">
+            <a:extLst>
+              <a:ext uri="{FF2B5EF4-FFF2-40B4-BE49-F238E27FC236}">
+                <a16:creationId xmlns:a16="http://schemas.microsoft.com/office/drawing/2014/main" id="{76059558-7545-4645-8FC8-596A5859B0BA}"/>
+              </a:ext>
+            </a:extLst>
+          </p:cNvPr>
+          <p:cNvSpPr/>
+          <p:nvPr/>
+        </p:nvSpPr>
+        <p:spPr>
+          <a:xfrm>
+            <a:off x="5991394" y="559836"/>
+            <a:ext cx="368927" cy="289469"/>
+          </a:xfrm>
+          <a:prstGeom prst="upArrow">
+            <a:avLst/>
+          </a:prstGeom>
+          <a:solidFill>
+            <a:schemeClr val="tx1"/>
+          </a:solidFill>
+        </p:spPr>
+        <p:style>
+          <a:lnRef idx="2">
+            <a:schemeClr val="accent1">
+              <a:shade val="50000"/>
+            </a:schemeClr>
+          </a:lnRef>
+          <a:fillRef idx="1">
+            <a:schemeClr val="accent1"/>
+          </a:fillRef>
+          <a:effectRef idx="0">
+            <a:schemeClr val="accent1"/>
+          </a:effectRef>
+          <a:fontRef idx="minor">
+            <a:schemeClr val="lt1"/>
+          </a:fontRef>
+        </p:style>
+        <p:txBody>
+          <a:bodyPr rtlCol="0" anchor="ctr"/>
+          <a:lstStyle/>
+          <a:p>
+            <a:pPr algn="ctr"/>
+            <a:endParaRPr lang="zh-CN" altLang="en-US"/>
+          </a:p>
+        </p:txBody>
+      </p:sp>
+      <p:cxnSp>
+        <p:nvCxnSpPr>
+          <p:cNvPr id="116" name="直接箭头连接符 115">
+            <a:extLst>
+              <a:ext uri="{FF2B5EF4-FFF2-40B4-BE49-F238E27FC236}">
+                <a16:creationId xmlns:a16="http://schemas.microsoft.com/office/drawing/2014/main" id="{C7F84196-7713-4842-A63C-7A9CB7A0FD22}"/>
+              </a:ext>
+            </a:extLst>
+          </p:cNvPr>
+          <p:cNvCxnSpPr>
+            <a:cxnSpLocks/>
+          </p:cNvCxnSpPr>
+          <p:nvPr/>
+        </p:nvCxnSpPr>
+        <p:spPr>
+          <a:xfrm flipV="1">
+            <a:off x="4486355" y="219249"/>
+            <a:ext cx="0" cy="340587"/>
+          </a:xfrm>
+          <a:prstGeom prst="straightConnector1">
+            <a:avLst/>
+          </a:prstGeom>
+          <a:ln>
+            <a:solidFill>
+              <a:schemeClr val="tx1"/>
+            </a:solidFill>
+            <a:tailEnd type="triangle"/>
+          </a:ln>
+        </p:spPr>
+        <p:style>
+          <a:lnRef idx="1">
+            <a:schemeClr val="accent1"/>
+          </a:lnRef>
+          <a:fillRef idx="0">
+            <a:schemeClr val="accent1"/>
+          </a:fillRef>
+          <a:effectRef idx="0">
+            <a:schemeClr val="accent1"/>
+          </a:effectRef>
+          <a:fontRef idx="minor">
+            <a:schemeClr val="tx1"/>
+          </a:fontRef>
+        </p:style>
+      </p:cxnSp>
+      <p:cxnSp>
+        <p:nvCxnSpPr>
+          <p:cNvPr id="117" name="直接箭头连接符 116">
+            <a:extLst>
+              <a:ext uri="{FF2B5EF4-FFF2-40B4-BE49-F238E27FC236}">
+                <a16:creationId xmlns:a16="http://schemas.microsoft.com/office/drawing/2014/main" id="{68341318-787E-4B24-A943-84EF106564E2}"/>
+              </a:ext>
+            </a:extLst>
+          </p:cNvPr>
+          <p:cNvCxnSpPr>
+            <a:cxnSpLocks/>
+          </p:cNvCxnSpPr>
+          <p:nvPr/>
+        </p:nvCxnSpPr>
+        <p:spPr>
+          <a:xfrm flipV="1">
+            <a:off x="5568814" y="219248"/>
+            <a:ext cx="0" cy="340587"/>
+          </a:xfrm>
+          <a:prstGeom prst="straightConnector1">
+            <a:avLst/>
+          </a:prstGeom>
+          <a:ln>
+            <a:solidFill>
+              <a:schemeClr val="tx1"/>
+            </a:solidFill>
+            <a:tailEnd type="triangle"/>
+          </a:ln>
+        </p:spPr>
+        <p:style>
+          <a:lnRef idx="1">
+            <a:schemeClr val="accent1"/>
+          </a:lnRef>
+          <a:fillRef idx="0">
+            <a:schemeClr val="accent1"/>
+          </a:fillRef>
+          <a:effectRef idx="0">
+            <a:schemeClr val="accent1"/>
+          </a:effectRef>
+          <a:fontRef idx="minor">
+            <a:schemeClr val="tx1"/>
+          </a:fontRef>
+        </p:style>
+      </p:cxnSp>
+      <p:cxnSp>
+        <p:nvCxnSpPr>
+          <p:cNvPr id="118" name="直接箭头连接符 117">
+            <a:extLst>
+              <a:ext uri="{FF2B5EF4-FFF2-40B4-BE49-F238E27FC236}">
+                <a16:creationId xmlns:a16="http://schemas.microsoft.com/office/drawing/2014/main" id="{1DEEB98B-825D-42AB-A38E-4C8BFC0BA89C}"/>
+              </a:ext>
+            </a:extLst>
+          </p:cNvPr>
+          <p:cNvCxnSpPr>
+            <a:cxnSpLocks/>
+          </p:cNvCxnSpPr>
+          <p:nvPr/>
+        </p:nvCxnSpPr>
+        <p:spPr>
+          <a:xfrm flipV="1">
+            <a:off x="6671268" y="219247"/>
+            <a:ext cx="0" cy="340587"/>
+          </a:xfrm>
+          <a:prstGeom prst="straightConnector1">
+            <a:avLst/>
+          </a:prstGeom>
+          <a:ln>
+            <a:solidFill>
+              <a:schemeClr val="tx1"/>
+            </a:solidFill>
+            <a:tailEnd type="triangle"/>
+          </a:ln>
+        </p:spPr>
+        <p:style>
+          <a:lnRef idx="1">
+            <a:schemeClr val="accent1"/>
+          </a:lnRef>
+          <a:fillRef idx="0">
+            <a:schemeClr val="accent1"/>
+          </a:fillRef>
+          <a:effectRef idx="0">
+            <a:schemeClr val="accent1"/>
+          </a:effectRef>
+          <a:fontRef idx="minor">
+            <a:schemeClr val="tx1"/>
+          </a:fontRef>
+        </p:style>
+      </p:cxnSp>
+      <p:cxnSp>
+        <p:nvCxnSpPr>
+          <p:cNvPr id="119" name="直接箭头连接符 118">
+            <a:extLst>
+              <a:ext uri="{FF2B5EF4-FFF2-40B4-BE49-F238E27FC236}">
+                <a16:creationId xmlns:a16="http://schemas.microsoft.com/office/drawing/2014/main" id="{DC578F1B-0A16-4C79-A38B-EBD94AB1BF43}"/>
+              </a:ext>
+            </a:extLst>
+          </p:cNvPr>
+          <p:cNvCxnSpPr>
+            <a:cxnSpLocks/>
+          </p:cNvCxnSpPr>
+          <p:nvPr/>
+        </p:nvCxnSpPr>
+        <p:spPr>
+          <a:xfrm flipV="1">
+            <a:off x="7733732" y="228580"/>
+            <a:ext cx="0" cy="340587"/>
+          </a:xfrm>
+          <a:prstGeom prst="straightConnector1">
+            <a:avLst/>
+          </a:prstGeom>
+          <a:ln>
+            <a:solidFill>
+              <a:schemeClr val="tx1"/>
+            </a:solidFill>
+            <a:tailEnd type="triangle"/>
+          </a:ln>
+        </p:spPr>
+        <p:style>
+          <a:lnRef idx="1">
+            <a:schemeClr val="accent1"/>
+          </a:lnRef>
+          <a:fillRef idx="0">
+            <a:schemeClr val="accent1"/>
+          </a:fillRef>
+          <a:effectRef idx="0">
+            <a:schemeClr val="accent1"/>
+          </a:effectRef>
+          <a:fontRef idx="minor">
+            <a:schemeClr val="tx1"/>
+          </a:fontRef>
+        </p:style>
+      </p:cxnSp>
+      <p:cxnSp>
+        <p:nvCxnSpPr>
+          <p:cNvPr id="120" name="直接箭头连接符 119">
+            <a:extLst>
+              <a:ext uri="{FF2B5EF4-FFF2-40B4-BE49-F238E27FC236}">
+                <a16:creationId xmlns:a16="http://schemas.microsoft.com/office/drawing/2014/main" id="{2086607E-9654-4EA8-A548-1BE1DAD8ACB1}"/>
+              </a:ext>
+            </a:extLst>
+          </p:cNvPr>
+          <p:cNvCxnSpPr>
+            <a:cxnSpLocks/>
+          </p:cNvCxnSpPr>
+          <p:nvPr/>
+        </p:nvCxnSpPr>
+        <p:spPr>
+          <a:xfrm flipV="1">
+            <a:off x="8789964" y="228580"/>
+            <a:ext cx="0" cy="340587"/>
+          </a:xfrm>
+          <a:prstGeom prst="straightConnector1">
+            <a:avLst/>
+          </a:prstGeom>
+          <a:ln>
+            <a:solidFill>
+              <a:schemeClr val="tx1"/>
+            </a:solidFill>
+            <a:tailEnd type="triangle"/>
+          </a:ln>
+        </p:spPr>
+        <p:style>
+          <a:lnRef idx="1">
+            <a:schemeClr val="accent1"/>
+          </a:lnRef>
+          <a:fillRef idx="0">
+            <a:schemeClr val="accent1"/>
+          </a:fillRef>
+          <a:effectRef idx="0">
+            <a:schemeClr val="accent1"/>
+          </a:effectRef>
+          <a:fontRef idx="minor">
+            <a:schemeClr val="tx1"/>
+          </a:fontRef>
+        </p:style>
+      </p:cxnSp>
+      <p:cxnSp>
+        <p:nvCxnSpPr>
+          <p:cNvPr id="121" name="直接箭头连接符 120">
+            <a:extLst>
+              <a:ext uri="{FF2B5EF4-FFF2-40B4-BE49-F238E27FC236}">
+                <a16:creationId xmlns:a16="http://schemas.microsoft.com/office/drawing/2014/main" id="{AEF24F5F-58C0-43A9-8E39-7D0001698A07}"/>
+              </a:ext>
+            </a:extLst>
+          </p:cNvPr>
+          <p:cNvCxnSpPr>
+            <a:cxnSpLocks/>
+          </p:cNvCxnSpPr>
+          <p:nvPr/>
+        </p:nvCxnSpPr>
+        <p:spPr>
+          <a:xfrm flipV="1">
+            <a:off x="3403897" y="-569167"/>
+            <a:ext cx="0" cy="340587"/>
+          </a:xfrm>
+          <a:prstGeom prst="straightConnector1">
+            <a:avLst/>
+          </a:prstGeom>
+          <a:ln>
+            <a:solidFill>
+              <a:schemeClr val="tx1"/>
+            </a:solidFill>
+            <a:tailEnd type="triangle"/>
+          </a:ln>
+        </p:spPr>
+        <p:style>
+          <a:lnRef idx="1">
+            <a:schemeClr val="accent1"/>
+          </a:lnRef>
+          <a:fillRef idx="0">
+            <a:schemeClr val="accent1"/>
+          </a:fillRef>
+          <a:effectRef idx="0">
+            <a:schemeClr val="accent1"/>
+          </a:effectRef>
+          <a:fontRef idx="minor">
+            <a:schemeClr val="tx1"/>
+          </a:fontRef>
+        </p:style>
+      </p:cxnSp>
+      <p:cxnSp>
+        <p:nvCxnSpPr>
+          <p:cNvPr id="122" name="直接箭头连接符 121">
+            <a:extLst>
+              <a:ext uri="{FF2B5EF4-FFF2-40B4-BE49-F238E27FC236}">
+                <a16:creationId xmlns:a16="http://schemas.microsoft.com/office/drawing/2014/main" id="{6BEB49EB-4C8B-484F-B035-03D5B082E1C0}"/>
+              </a:ext>
+            </a:extLst>
+          </p:cNvPr>
+          <p:cNvCxnSpPr>
+            <a:cxnSpLocks/>
+          </p:cNvCxnSpPr>
+          <p:nvPr/>
+        </p:nvCxnSpPr>
+        <p:spPr>
+          <a:xfrm flipV="1">
+            <a:off x="4486355" y="-569167"/>
+            <a:ext cx="0" cy="340587"/>
+          </a:xfrm>
+          <a:prstGeom prst="straightConnector1">
+            <a:avLst/>
+          </a:prstGeom>
+          <a:ln>
+            <a:solidFill>
+              <a:schemeClr val="tx1"/>
+            </a:solidFill>
+            <a:tailEnd type="triangle"/>
+          </a:ln>
+        </p:spPr>
+        <p:style>
+          <a:lnRef idx="1">
+            <a:schemeClr val="accent1"/>
+          </a:lnRef>
+          <a:fillRef idx="0">
+            <a:schemeClr val="accent1"/>
+          </a:fillRef>
+          <a:effectRef idx="0">
+            <a:schemeClr val="accent1"/>
+          </a:effectRef>
+          <a:fontRef idx="minor">
+            <a:schemeClr val="tx1"/>
+          </a:fontRef>
+        </p:style>
+      </p:cxnSp>
+      <p:cxnSp>
+        <p:nvCxnSpPr>
+          <p:cNvPr id="123" name="直接箭头连接符 122">
+            <a:extLst>
+              <a:ext uri="{FF2B5EF4-FFF2-40B4-BE49-F238E27FC236}">
+                <a16:creationId xmlns:a16="http://schemas.microsoft.com/office/drawing/2014/main" id="{740A0042-091A-4009-8B41-5FD07B2B1A7C}"/>
+              </a:ext>
+            </a:extLst>
+          </p:cNvPr>
+          <p:cNvCxnSpPr>
+            <a:cxnSpLocks/>
+          </p:cNvCxnSpPr>
+          <p:nvPr/>
+        </p:nvCxnSpPr>
+        <p:spPr>
+          <a:xfrm flipV="1">
+            <a:off x="5551397" y="-569167"/>
+            <a:ext cx="0" cy="340587"/>
+          </a:xfrm>
+          <a:prstGeom prst="straightConnector1">
+            <a:avLst/>
+          </a:prstGeom>
+          <a:ln>
+            <a:solidFill>
+              <a:schemeClr val="tx1"/>
+            </a:solidFill>
+            <a:tailEnd type="triangle"/>
+          </a:ln>
+        </p:spPr>
+        <p:style>
+          <a:lnRef idx="1">
+            <a:schemeClr val="accent1"/>
+          </a:lnRef>
+          <a:fillRef idx="0">
+            <a:schemeClr val="accent1"/>
+          </a:fillRef>
+          <a:effectRef idx="0">
+            <a:schemeClr val="accent1"/>
+          </a:effectRef>
+          <a:fontRef idx="minor">
+            <a:schemeClr val="tx1"/>
+          </a:fontRef>
+        </p:style>
+      </p:cxnSp>
+      <p:cxnSp>
+        <p:nvCxnSpPr>
+          <p:cNvPr id="124" name="直接箭头连接符 123">
+            <a:extLst>
+              <a:ext uri="{FF2B5EF4-FFF2-40B4-BE49-F238E27FC236}">
+                <a16:creationId xmlns:a16="http://schemas.microsoft.com/office/drawing/2014/main" id="{479E59C0-D0CA-4F81-80A7-B7D186210949}"/>
+              </a:ext>
+            </a:extLst>
+          </p:cNvPr>
+          <p:cNvCxnSpPr>
+            <a:cxnSpLocks/>
+          </p:cNvCxnSpPr>
+          <p:nvPr/>
+        </p:nvCxnSpPr>
+        <p:spPr>
+          <a:xfrm flipV="1">
+            <a:off x="6663486" y="-569167"/>
+            <a:ext cx="0" cy="340587"/>
+          </a:xfrm>
+          <a:prstGeom prst="straightConnector1">
+            <a:avLst/>
+          </a:prstGeom>
+          <a:ln>
+            <a:solidFill>
+              <a:schemeClr val="tx1"/>
+            </a:solidFill>
+            <a:tailEnd type="triangle"/>
+          </a:ln>
+        </p:spPr>
+        <p:style>
+          <a:lnRef idx="1">
+            <a:schemeClr val="accent1"/>
+          </a:lnRef>
+          <a:fillRef idx="0">
+            <a:schemeClr val="accent1"/>
+          </a:fillRef>
+          <a:effectRef idx="0">
+            <a:schemeClr val="accent1"/>
+          </a:effectRef>
+          <a:fontRef idx="minor">
+            <a:schemeClr val="tx1"/>
+          </a:fontRef>
+        </p:style>
+      </p:cxnSp>
+      <p:cxnSp>
+        <p:nvCxnSpPr>
+          <p:cNvPr id="125" name="直接箭头连接符 124">
+            <a:extLst>
+              <a:ext uri="{FF2B5EF4-FFF2-40B4-BE49-F238E27FC236}">
+                <a16:creationId xmlns:a16="http://schemas.microsoft.com/office/drawing/2014/main" id="{77FB8961-9D6A-482C-9285-6E8DAFDA78D4}"/>
+              </a:ext>
+            </a:extLst>
+          </p:cNvPr>
+          <p:cNvCxnSpPr>
+            <a:cxnSpLocks/>
+          </p:cNvCxnSpPr>
+          <p:nvPr/>
+        </p:nvCxnSpPr>
+        <p:spPr>
+          <a:xfrm flipV="1">
+            <a:off x="7733732" y="-569167"/>
+            <a:ext cx="0" cy="340587"/>
+          </a:xfrm>
+          <a:prstGeom prst="straightConnector1">
+            <a:avLst/>
+          </a:prstGeom>
+          <a:ln>
+            <a:solidFill>
+              <a:schemeClr val="tx1"/>
+            </a:solidFill>
+            <a:tailEnd type="triangle"/>
+          </a:ln>
+        </p:spPr>
+        <p:style>
+          <a:lnRef idx="1">
+            <a:schemeClr val="accent1"/>
+          </a:lnRef>
+          <a:fillRef idx="0">
+            <a:schemeClr val="accent1"/>
+          </a:fillRef>
+          <a:effectRef idx="0">
+            <a:schemeClr val="accent1"/>
+          </a:effectRef>
+          <a:fontRef idx="minor">
+            <a:schemeClr val="tx1"/>
+          </a:fontRef>
+        </p:style>
+      </p:cxnSp>
+      <p:cxnSp>
+        <p:nvCxnSpPr>
+          <p:cNvPr id="126" name="直接箭头连接符 125">
+            <a:extLst>
+              <a:ext uri="{FF2B5EF4-FFF2-40B4-BE49-F238E27FC236}">
+                <a16:creationId xmlns:a16="http://schemas.microsoft.com/office/drawing/2014/main" id="{502D908D-E1F5-4B58-824E-17C42D7C0025}"/>
+              </a:ext>
+            </a:extLst>
+          </p:cNvPr>
+          <p:cNvCxnSpPr>
+            <a:cxnSpLocks/>
+          </p:cNvCxnSpPr>
+          <p:nvPr/>
+        </p:nvCxnSpPr>
+        <p:spPr>
+          <a:xfrm flipV="1">
+            <a:off x="8789964" y="-569167"/>
+            <a:ext cx="0" cy="340587"/>
+          </a:xfrm>
+          <a:prstGeom prst="straightConnector1">
+            <a:avLst/>
+          </a:prstGeom>
+          <a:ln>
+            <a:solidFill>
+              <a:schemeClr val="tx1"/>
+            </a:solidFill>
+            <a:tailEnd type="triangle"/>
+          </a:ln>
+        </p:spPr>
+        <p:style>
+          <a:lnRef idx="1">
+            <a:schemeClr val="accent1"/>
+          </a:lnRef>
+          <a:fillRef idx="0">
+            <a:schemeClr val="accent1"/>
+          </a:fillRef>
+          <a:effectRef idx="0">
+            <a:schemeClr val="accent1"/>
+          </a:effectRef>
+          <a:fontRef idx="minor">
+            <a:schemeClr val="tx1"/>
+          </a:fontRef>
+        </p:style>
+      </p:cxnSp>
+    </p:spTree>
+    <p:extLst>
+      <p:ext uri="{BB962C8B-B14F-4D97-AF65-F5344CB8AC3E}">
+        <p14:creationId xmlns:p14="http://schemas.microsoft.com/office/powerpoint/2010/main" val="3905396607"/>
+      </p:ext>
+    </p:extLst>
+  </p:cSld>
+  <p:clrMapOvr>
+    <a:masterClrMapping/>
+  </p:clrMapOvr>
+</p:sld>
+</file>
+
+<file path=ppt/slides/slide5.xml><?xml version="1.0" encoding="utf-8"?>
+<p:sld xmlns:a="http://schemas.openxmlformats.org/drawingml/2006/main" xmlns:r="http://schemas.openxmlformats.org/officeDocument/2006/relationships" xmlns:p="http://schemas.openxmlformats.org/presentationml/2006/main">
+  <p:cSld>
+    <p:spTree>
+      <p:nvGrpSpPr>
+        <p:cNvPr id="1" name=""/>
+        <p:cNvGrpSpPr/>
+        <p:nvPr/>
+      </p:nvGrpSpPr>
+      <p:grpSpPr>
+        <a:xfrm>
+          <a:off x="0" y="0"/>
+          <a:ext cx="0" cy="0"/>
+          <a:chOff x="0" y="0"/>
+          <a:chExt cx="0" cy="0"/>
+        </a:xfrm>
+      </p:grpSpPr>
+      <p:graphicFrame>
+        <p:nvGraphicFramePr>
+          <p:cNvPr id="4" name="表格 3">
+            <a:extLst>
+              <a:ext uri="{FF2B5EF4-FFF2-40B4-BE49-F238E27FC236}">
+                <a16:creationId xmlns:a16="http://schemas.microsoft.com/office/drawing/2014/main" id="{456BD7F5-5131-4B88-B1C6-A8710F28043C}"/>
+              </a:ext>
+            </a:extLst>
+          </p:cNvPr>
+          <p:cNvGraphicFramePr>
+            <a:graphicFrameLocks noGrp="1"/>
+          </p:cNvGraphicFramePr>
+          <p:nvPr>
+            <p:extLst>
+              <p:ext uri="{D42A27DB-BD31-4B8C-83A1-F6EECF244321}">
+                <p14:modId xmlns:p14="http://schemas.microsoft.com/office/powerpoint/2010/main" val="1612179348"/>
+              </p:ext>
+            </p:extLst>
+          </p:nvPr>
+        </p:nvGraphicFramePr>
+        <p:xfrm>
+          <a:off x="1024294" y="2270051"/>
+          <a:ext cx="2642635" cy="3033240"/>
+        </p:xfrm>
+        <a:graphic>
+          <a:graphicData uri="http://schemas.openxmlformats.org/drawingml/2006/table">
+            <a:tbl>
+              <a:tblPr firstRow="1" bandRow="1">
+                <a:tableStyleId>{5C22544A-7EE6-4342-B048-85BDC9FD1C3A}</a:tableStyleId>
+              </a:tblPr>
+              <a:tblGrid>
+                <a:gridCol w="528527">
+                  <a:extLst>
+                    <a:ext uri="{9D8B030D-6E8A-4147-A177-3AD203B41FA5}">
+                      <a16:colId xmlns:a16="http://schemas.microsoft.com/office/drawing/2014/main" val="587256215"/>
+                    </a:ext>
+                  </a:extLst>
+                </a:gridCol>
+                <a:gridCol w="528527">
+                  <a:extLst>
+                    <a:ext uri="{9D8B030D-6E8A-4147-A177-3AD203B41FA5}">
+                      <a16:colId xmlns:a16="http://schemas.microsoft.com/office/drawing/2014/main" val="970748690"/>
+                    </a:ext>
+                  </a:extLst>
+                </a:gridCol>
+                <a:gridCol w="528527">
+                  <a:extLst>
+                    <a:ext uri="{9D8B030D-6E8A-4147-A177-3AD203B41FA5}">
+                      <a16:colId xmlns:a16="http://schemas.microsoft.com/office/drawing/2014/main" val="974145179"/>
+                    </a:ext>
+                  </a:extLst>
+                </a:gridCol>
+                <a:gridCol w="528527">
+                  <a:extLst>
+                    <a:ext uri="{9D8B030D-6E8A-4147-A177-3AD203B41FA5}">
+                      <a16:colId xmlns:a16="http://schemas.microsoft.com/office/drawing/2014/main" val="1735380645"/>
+                    </a:ext>
+                  </a:extLst>
+                </a:gridCol>
+                <a:gridCol w="528527">
+                  <a:extLst>
+                    <a:ext uri="{9D8B030D-6E8A-4147-A177-3AD203B41FA5}">
+                      <a16:colId xmlns:a16="http://schemas.microsoft.com/office/drawing/2014/main" val="2197528422"/>
+                    </a:ext>
+                  </a:extLst>
+                </a:gridCol>
+              </a:tblGrid>
+              <a:tr h="379155">
+                <a:tc>
+                  <a:txBody>
+                    <a:bodyPr/>
+                    <a:lstStyle/>
+                    <a:p>
+                      <a:endParaRPr lang="zh-CN" altLang="en-US" dirty="0"/>
+                    </a:p>
+                  </a:txBody>
+                  <a:tcPr>
+                    <a:solidFill>
+                      <a:schemeClr val="accent1">
+                        <a:lumMod val="60000"/>
+                        <a:lumOff val="40000"/>
+                      </a:schemeClr>
+                    </a:solidFill>
+                  </a:tcPr>
+                </a:tc>
+                <a:tc>
+                  <a:txBody>
+                    <a:bodyPr/>
+                    <a:lstStyle/>
+                    <a:p>
+                      <a:endParaRPr lang="zh-CN" altLang="en-US" dirty="0"/>
+                    </a:p>
+                  </a:txBody>
+                  <a:tcPr>
+                    <a:solidFill>
+                      <a:schemeClr val="accent1">
+                        <a:lumMod val="60000"/>
+                        <a:lumOff val="40000"/>
+                      </a:schemeClr>
+                    </a:solidFill>
+                  </a:tcPr>
+                </a:tc>
+                <a:tc>
+                  <a:txBody>
+                    <a:bodyPr/>
+                    <a:lstStyle/>
+                    <a:p>
+                      <a:endParaRPr lang="zh-CN" altLang="en-US" dirty="0"/>
+                    </a:p>
+                  </a:txBody>
+                  <a:tcPr>
+                    <a:solidFill>
+                      <a:schemeClr val="accent1">
+                        <a:lumMod val="60000"/>
+                        <a:lumOff val="40000"/>
+                      </a:schemeClr>
+                    </a:solidFill>
+                  </a:tcPr>
+                </a:tc>
+                <a:tc>
+                  <a:txBody>
+                    <a:bodyPr/>
+                    <a:lstStyle/>
+                    <a:p>
+                      <a:endParaRPr lang="zh-CN" altLang="en-US"/>
+                    </a:p>
+                  </a:txBody>
+                  <a:tcPr>
+                    <a:solidFill>
+                      <a:schemeClr val="accent1">
+                        <a:lumMod val="60000"/>
+                        <a:lumOff val="40000"/>
+                      </a:schemeClr>
+                    </a:solidFill>
+                  </a:tcPr>
+                </a:tc>
+                <a:tc>
+                  <a:txBody>
+                    <a:bodyPr/>
+                    <a:lstStyle/>
+                    <a:p>
+                      <a:endParaRPr lang="zh-CN" altLang="en-US"/>
+                    </a:p>
+                  </a:txBody>
+                  <a:tcPr>
+                    <a:solidFill>
+                      <a:schemeClr val="accent1">
+                        <a:lumMod val="60000"/>
+                        <a:lumOff val="40000"/>
+                      </a:schemeClr>
+                    </a:solidFill>
+                  </a:tcPr>
+                </a:tc>
+                <a:extLst>
+                  <a:ext uri="{0D108BD9-81ED-4DB2-BD59-A6C34878D82A}">
+                    <a16:rowId xmlns:a16="http://schemas.microsoft.com/office/drawing/2014/main" val="416481663"/>
+                  </a:ext>
+                </a:extLst>
+              </a:tr>
+              <a:tr h="379155">
+                <a:tc>
+                  <a:txBody>
+                    <a:bodyPr/>
+                    <a:lstStyle/>
+                    <a:p>
+                      <a:endParaRPr lang="zh-CN" altLang="en-US"/>
+                    </a:p>
+                  </a:txBody>
+                  <a:tcPr>
+                    <a:solidFill>
+                      <a:schemeClr val="accent1">
+                        <a:lumMod val="60000"/>
+                        <a:lumOff val="40000"/>
+                      </a:schemeClr>
+                    </a:solidFill>
+                  </a:tcPr>
+                </a:tc>
+                <a:tc>
+                  <a:txBody>
+                    <a:bodyPr/>
+                    <a:lstStyle/>
+                    <a:p>
+                      <a:endParaRPr lang="zh-CN" altLang="en-US" dirty="0"/>
+                    </a:p>
+                  </a:txBody>
+                  <a:tcPr>
+                    <a:solidFill>
+                      <a:schemeClr val="accent1">
+                        <a:lumMod val="60000"/>
+                        <a:lumOff val="40000"/>
+                      </a:schemeClr>
+                    </a:solidFill>
+                  </a:tcPr>
+                </a:tc>
+                <a:tc>
+                  <a:txBody>
+                    <a:bodyPr/>
+                    <a:lstStyle/>
+                    <a:p>
+                      <a:endParaRPr lang="zh-CN" altLang="en-US" dirty="0"/>
+                    </a:p>
+                  </a:txBody>
+                  <a:tcPr>
+                    <a:solidFill>
+                      <a:schemeClr val="accent1">
+                        <a:lumMod val="60000"/>
+                        <a:lumOff val="40000"/>
+                      </a:schemeClr>
+                    </a:solidFill>
+                  </a:tcPr>
+                </a:tc>
+                <a:tc>
+                  <a:txBody>
+                    <a:bodyPr/>
+                    <a:lstStyle/>
+                    <a:p>
+                      <a:endParaRPr lang="zh-CN" altLang="en-US"/>
+                    </a:p>
+                  </a:txBody>
+                  <a:tcPr>
+                    <a:solidFill>
+                      <a:schemeClr val="accent1">
+                        <a:lumMod val="60000"/>
+                        <a:lumOff val="40000"/>
+                      </a:schemeClr>
+                    </a:solidFill>
+                  </a:tcPr>
+                </a:tc>
+                <a:tc>
+                  <a:txBody>
+                    <a:bodyPr/>
+                    <a:lstStyle/>
+                    <a:p>
+                      <a:endParaRPr lang="zh-CN" altLang="en-US" dirty="0"/>
+                    </a:p>
+                  </a:txBody>
+                  <a:tcPr>
+                    <a:solidFill>
+                      <a:schemeClr val="accent1">
+                        <a:lumMod val="60000"/>
+                        <a:lumOff val="40000"/>
+                      </a:schemeClr>
+                    </a:solidFill>
+                  </a:tcPr>
+                </a:tc>
+                <a:extLst>
+                  <a:ext uri="{0D108BD9-81ED-4DB2-BD59-A6C34878D82A}">
+                    <a16:rowId xmlns:a16="http://schemas.microsoft.com/office/drawing/2014/main" val="3092248001"/>
+                  </a:ext>
+                </a:extLst>
+              </a:tr>
+              <a:tr h="379155">
+                <a:tc>
+                  <a:txBody>
+                    <a:bodyPr/>
+                    <a:lstStyle/>
+                    <a:p>
+                      <a:endParaRPr lang="zh-CN" altLang="en-US"/>
+                    </a:p>
+                  </a:txBody>
+                  <a:tcPr>
+                    <a:solidFill>
+                      <a:schemeClr val="accent1">
+                        <a:lumMod val="60000"/>
+                        <a:lumOff val="40000"/>
+                      </a:schemeClr>
+                    </a:solidFill>
+                  </a:tcPr>
+                </a:tc>
+                <a:tc>
+                  <a:txBody>
+                    <a:bodyPr/>
+                    <a:lstStyle/>
+                    <a:p>
+                      <a:endParaRPr lang="zh-CN" altLang="en-US" dirty="0"/>
+                    </a:p>
+                  </a:txBody>
+                  <a:tcPr>
+                    <a:solidFill>
+                      <a:schemeClr val="accent1">
+                        <a:lumMod val="60000"/>
+                        <a:lumOff val="40000"/>
+                      </a:schemeClr>
+                    </a:solidFill>
+                  </a:tcPr>
+                </a:tc>
+                <a:tc>
+                  <a:txBody>
+                    <a:bodyPr/>
+                    <a:lstStyle/>
+                    <a:p>
+                      <a:endParaRPr lang="zh-CN" altLang="en-US" dirty="0"/>
+                    </a:p>
+                  </a:txBody>
+                  <a:tcPr>
+                    <a:solidFill>
+                      <a:schemeClr val="accent1">
+                        <a:lumMod val="60000"/>
+                        <a:lumOff val="40000"/>
+                      </a:schemeClr>
+                    </a:solidFill>
+                  </a:tcPr>
+                </a:tc>
+                <a:tc>
+                  <a:txBody>
+                    <a:bodyPr/>
+                    <a:lstStyle/>
+                    <a:p>
+                      <a:endParaRPr lang="zh-CN" altLang="en-US" dirty="0"/>
+                    </a:p>
+                  </a:txBody>
+                  <a:tcPr>
+                    <a:solidFill>
+                      <a:schemeClr val="accent1">
+                        <a:lumMod val="60000"/>
+                        <a:lumOff val="40000"/>
+                      </a:schemeClr>
+                    </a:solidFill>
+                  </a:tcPr>
+                </a:tc>
+                <a:tc>
+                  <a:txBody>
+                    <a:bodyPr/>
+                    <a:lstStyle/>
+                    <a:p>
+                      <a:endParaRPr lang="zh-CN" altLang="en-US" dirty="0"/>
+                    </a:p>
+                  </a:txBody>
+                  <a:tcPr>
+                    <a:solidFill>
+                      <a:schemeClr val="accent1">
+                        <a:lumMod val="60000"/>
+                        <a:lumOff val="40000"/>
+                      </a:schemeClr>
+                    </a:solidFill>
+                  </a:tcPr>
+                </a:tc>
+                <a:extLst>
+                  <a:ext uri="{0D108BD9-81ED-4DB2-BD59-A6C34878D82A}">
+                    <a16:rowId xmlns:a16="http://schemas.microsoft.com/office/drawing/2014/main" val="4005364191"/>
+                  </a:ext>
+                </a:extLst>
+              </a:tr>
+              <a:tr h="379155">
+                <a:tc>
+                  <a:txBody>
+                    <a:bodyPr/>
+                    <a:lstStyle/>
+                    <a:p>
+                      <a:endParaRPr lang="zh-CN" altLang="en-US"/>
+                    </a:p>
+                  </a:txBody>
+                  <a:tcPr>
+                    <a:solidFill>
+                      <a:schemeClr val="accent1">
+                        <a:lumMod val="60000"/>
+                        <a:lumOff val="40000"/>
+                      </a:schemeClr>
+                    </a:solidFill>
+                  </a:tcPr>
+                </a:tc>
+                <a:tc>
+                  <a:txBody>
+                    <a:bodyPr/>
+                    <a:lstStyle/>
+                    <a:p>
+                      <a:endParaRPr lang="zh-CN" altLang="en-US"/>
+                    </a:p>
+                  </a:txBody>
+                  <a:tcPr>
+                    <a:solidFill>
+                      <a:schemeClr val="accent1">
+                        <a:lumMod val="60000"/>
+                        <a:lumOff val="40000"/>
+                      </a:schemeClr>
+                    </a:solidFill>
+                  </a:tcPr>
+                </a:tc>
+                <a:tc>
+                  <a:txBody>
+                    <a:bodyPr/>
+                    <a:lstStyle/>
+                    <a:p>
+                      <a:endParaRPr lang="zh-CN" altLang="en-US" dirty="0"/>
+                    </a:p>
+                  </a:txBody>
+                  <a:tcPr>
+                    <a:solidFill>
+                      <a:schemeClr val="accent1">
+                        <a:lumMod val="60000"/>
+                        <a:lumOff val="40000"/>
+                      </a:schemeClr>
+                    </a:solidFill>
+                  </a:tcPr>
+                </a:tc>
+                <a:tc>
+                  <a:txBody>
+                    <a:bodyPr/>
+                    <a:lstStyle/>
+                    <a:p>
+                      <a:endParaRPr lang="zh-CN" altLang="en-US" dirty="0"/>
+                    </a:p>
+                  </a:txBody>
+                  <a:tcPr>
+                    <a:solidFill>
+                      <a:schemeClr val="accent1">
+                        <a:lumMod val="60000"/>
+                        <a:lumOff val="40000"/>
+                      </a:schemeClr>
+                    </a:solidFill>
+                  </a:tcPr>
+                </a:tc>
+                <a:tc>
+                  <a:txBody>
+                    <a:bodyPr/>
+                    <a:lstStyle/>
+                    <a:p>
+                      <a:endParaRPr lang="zh-CN" altLang="en-US" dirty="0"/>
+                    </a:p>
+                  </a:txBody>
+                  <a:tcPr>
+                    <a:solidFill>
+                      <a:schemeClr val="accent1">
+                        <a:lumMod val="60000"/>
+                        <a:lumOff val="40000"/>
+                      </a:schemeClr>
+                    </a:solidFill>
+                  </a:tcPr>
+                </a:tc>
+                <a:extLst>
+                  <a:ext uri="{0D108BD9-81ED-4DB2-BD59-A6C34878D82A}">
+                    <a16:rowId xmlns:a16="http://schemas.microsoft.com/office/drawing/2014/main" val="3758184835"/>
+                  </a:ext>
+                </a:extLst>
+              </a:tr>
+              <a:tr h="379155">
+                <a:tc>
+                  <a:txBody>
+                    <a:bodyPr/>
+                    <a:lstStyle/>
+                    <a:p>
+                      <a:endParaRPr lang="zh-CN" altLang="en-US"/>
+                    </a:p>
+                  </a:txBody>
+                  <a:tcPr>
+                    <a:solidFill>
+                      <a:schemeClr val="accent1">
+                        <a:lumMod val="60000"/>
+                        <a:lumOff val="40000"/>
+                      </a:schemeClr>
+                    </a:solidFill>
+                  </a:tcPr>
+                </a:tc>
+                <a:tc>
+                  <a:txBody>
+                    <a:bodyPr/>
+                    <a:lstStyle/>
+                    <a:p>
+                      <a:endParaRPr lang="zh-CN" altLang="en-US"/>
+                    </a:p>
+                  </a:txBody>
+                  <a:tcPr>
+                    <a:solidFill>
+                      <a:schemeClr val="accent1">
+                        <a:lumMod val="60000"/>
+                        <a:lumOff val="40000"/>
+                      </a:schemeClr>
+                    </a:solidFill>
+                  </a:tcPr>
+                </a:tc>
+                <a:tc>
+                  <a:txBody>
+                    <a:bodyPr/>
+                    <a:lstStyle/>
+                    <a:p>
+                      <a:endParaRPr lang="zh-CN" altLang="en-US"/>
+                    </a:p>
+                  </a:txBody>
+                  <a:tcPr>
+                    <a:solidFill>
+                      <a:schemeClr val="accent1">
+                        <a:lumMod val="60000"/>
+                        <a:lumOff val="40000"/>
+                      </a:schemeClr>
+                    </a:solidFill>
+                  </a:tcPr>
+                </a:tc>
+                <a:tc>
+                  <a:txBody>
+                    <a:bodyPr/>
+                    <a:lstStyle/>
+                    <a:p>
+                      <a:endParaRPr lang="zh-CN" altLang="en-US" dirty="0"/>
+                    </a:p>
+                  </a:txBody>
+                  <a:tcPr>
+                    <a:solidFill>
+                      <a:schemeClr val="accent1">
+                        <a:lumMod val="60000"/>
+                        <a:lumOff val="40000"/>
+                      </a:schemeClr>
+                    </a:solidFill>
+                  </a:tcPr>
+                </a:tc>
+                <a:tc>
+                  <a:txBody>
+                    <a:bodyPr/>
+                    <a:lstStyle/>
+                    <a:p>
+                      <a:endParaRPr lang="zh-CN" altLang="en-US"/>
+                    </a:p>
+                  </a:txBody>
+                  <a:tcPr>
+                    <a:solidFill>
+                      <a:schemeClr val="accent1">
+                        <a:lumMod val="60000"/>
+                        <a:lumOff val="40000"/>
+                      </a:schemeClr>
+                    </a:solidFill>
+                  </a:tcPr>
+                </a:tc>
+                <a:extLst>
+                  <a:ext uri="{0D108BD9-81ED-4DB2-BD59-A6C34878D82A}">
+                    <a16:rowId xmlns:a16="http://schemas.microsoft.com/office/drawing/2014/main" val="3426520159"/>
+                  </a:ext>
+                </a:extLst>
+              </a:tr>
+              <a:tr h="379155">
+                <a:tc>
+                  <a:txBody>
+                    <a:bodyPr/>
+                    <a:lstStyle/>
+                    <a:p>
+                      <a:endParaRPr lang="zh-CN" altLang="en-US"/>
+                    </a:p>
+                  </a:txBody>
+                  <a:tcPr>
+                    <a:solidFill>
+                      <a:schemeClr val="accent1">
+                        <a:lumMod val="60000"/>
+                        <a:lumOff val="40000"/>
+                      </a:schemeClr>
+                    </a:solidFill>
+                  </a:tcPr>
+                </a:tc>
+                <a:tc>
+                  <a:txBody>
+                    <a:bodyPr/>
+                    <a:lstStyle/>
+                    <a:p>
+                      <a:endParaRPr lang="zh-CN" altLang="en-US" dirty="0"/>
+                    </a:p>
+                  </a:txBody>
+                  <a:tcPr>
+                    <a:solidFill>
+                      <a:schemeClr val="accent1">
+                        <a:lumMod val="60000"/>
+                        <a:lumOff val="40000"/>
+                      </a:schemeClr>
+                    </a:solidFill>
+                  </a:tcPr>
+                </a:tc>
+                <a:tc>
+                  <a:txBody>
+                    <a:bodyPr/>
+                    <a:lstStyle/>
+                    <a:p>
+                      <a:endParaRPr lang="zh-CN" altLang="en-US"/>
+                    </a:p>
+                  </a:txBody>
+                  <a:tcPr>
+                    <a:solidFill>
+                      <a:schemeClr val="accent1">
+                        <a:lumMod val="60000"/>
+                        <a:lumOff val="40000"/>
+                      </a:schemeClr>
+                    </a:solidFill>
+                  </a:tcPr>
+                </a:tc>
+                <a:tc>
+                  <a:txBody>
+                    <a:bodyPr/>
+                    <a:lstStyle/>
+                    <a:p>
+                      <a:endParaRPr lang="zh-CN" altLang="en-US" dirty="0"/>
+                    </a:p>
+                  </a:txBody>
+                  <a:tcPr>
+                    <a:solidFill>
+                      <a:schemeClr val="accent1">
+                        <a:lumMod val="60000"/>
+                        <a:lumOff val="40000"/>
+                      </a:schemeClr>
+                    </a:solidFill>
+                  </a:tcPr>
+                </a:tc>
+                <a:tc>
+                  <a:txBody>
+                    <a:bodyPr/>
+                    <a:lstStyle/>
+                    <a:p>
+                      <a:endParaRPr lang="zh-CN" altLang="en-US" dirty="0"/>
+                    </a:p>
+                  </a:txBody>
+                  <a:tcPr>
+                    <a:solidFill>
+                      <a:schemeClr val="accent1">
+                        <a:lumMod val="60000"/>
+                        <a:lumOff val="40000"/>
+                      </a:schemeClr>
+                    </a:solidFill>
+                  </a:tcPr>
+                </a:tc>
+                <a:extLst>
+                  <a:ext uri="{0D108BD9-81ED-4DB2-BD59-A6C34878D82A}">
+                    <a16:rowId xmlns:a16="http://schemas.microsoft.com/office/drawing/2014/main" val="3341049520"/>
+                  </a:ext>
+                </a:extLst>
+              </a:tr>
+              <a:tr h="379155">
+                <a:tc>
+                  <a:txBody>
+                    <a:bodyPr/>
+                    <a:lstStyle/>
+                    <a:p>
+                      <a:endParaRPr lang="zh-CN" altLang="en-US"/>
+                    </a:p>
+                  </a:txBody>
+                  <a:tcPr>
+                    <a:solidFill>
+                      <a:schemeClr val="accent1">
+                        <a:lumMod val="60000"/>
+                        <a:lumOff val="40000"/>
+                      </a:schemeClr>
+                    </a:solidFill>
+                  </a:tcPr>
+                </a:tc>
+                <a:tc>
+                  <a:txBody>
+                    <a:bodyPr/>
+                    <a:lstStyle/>
+                    <a:p>
+                      <a:endParaRPr lang="zh-CN" altLang="en-US"/>
+                    </a:p>
+                  </a:txBody>
+                  <a:tcPr>
+                    <a:solidFill>
+                      <a:schemeClr val="accent1">
+                        <a:lumMod val="60000"/>
+                        <a:lumOff val="40000"/>
+                      </a:schemeClr>
+                    </a:solidFill>
+                  </a:tcPr>
+                </a:tc>
+                <a:tc>
+                  <a:txBody>
+                    <a:bodyPr/>
+                    <a:lstStyle/>
+                    <a:p>
+                      <a:endParaRPr lang="zh-CN" altLang="en-US"/>
+                    </a:p>
+                  </a:txBody>
+                  <a:tcPr>
+                    <a:solidFill>
+                      <a:schemeClr val="accent1">
+                        <a:lumMod val="60000"/>
+                        <a:lumOff val="40000"/>
+                      </a:schemeClr>
+                    </a:solidFill>
+                  </a:tcPr>
+                </a:tc>
+                <a:tc>
+                  <a:txBody>
+                    <a:bodyPr/>
+                    <a:lstStyle/>
+                    <a:p>
+                      <a:endParaRPr lang="zh-CN" altLang="en-US" dirty="0"/>
+                    </a:p>
+                  </a:txBody>
+                  <a:tcPr>
+                    <a:solidFill>
+                      <a:schemeClr val="accent1">
+                        <a:lumMod val="60000"/>
+                        <a:lumOff val="40000"/>
+                      </a:schemeClr>
+                    </a:solidFill>
+                  </a:tcPr>
+                </a:tc>
+                <a:tc>
+                  <a:txBody>
+                    <a:bodyPr/>
+                    <a:lstStyle/>
+                    <a:p>
+                      <a:endParaRPr lang="zh-CN" altLang="en-US" dirty="0"/>
+                    </a:p>
+                  </a:txBody>
+                  <a:tcPr>
+                    <a:solidFill>
+                      <a:schemeClr val="accent1">
+                        <a:lumMod val="60000"/>
+                        <a:lumOff val="40000"/>
+                      </a:schemeClr>
+                    </a:solidFill>
+                  </a:tcPr>
+                </a:tc>
+                <a:extLst>
+                  <a:ext uri="{0D108BD9-81ED-4DB2-BD59-A6C34878D82A}">
+                    <a16:rowId xmlns:a16="http://schemas.microsoft.com/office/drawing/2014/main" val="206254195"/>
+                  </a:ext>
+                </a:extLst>
+              </a:tr>
+              <a:tr h="379155">
+                <a:tc>
+                  <a:txBody>
+                    <a:bodyPr/>
+                    <a:lstStyle/>
+                    <a:p>
+                      <a:endParaRPr lang="zh-CN" altLang="en-US"/>
+                    </a:p>
+                  </a:txBody>
+                  <a:tcPr>
+                    <a:solidFill>
+                      <a:schemeClr val="accent1">
+                        <a:lumMod val="60000"/>
+                        <a:lumOff val="40000"/>
+                      </a:schemeClr>
+                    </a:solidFill>
+                  </a:tcPr>
+                </a:tc>
+                <a:tc>
+                  <a:txBody>
+                    <a:bodyPr/>
+                    <a:lstStyle/>
+                    <a:p>
+                      <a:endParaRPr lang="zh-CN" altLang="en-US"/>
+                    </a:p>
+                  </a:txBody>
+                  <a:tcPr>
+                    <a:solidFill>
+                      <a:schemeClr val="accent1">
+                        <a:lumMod val="60000"/>
+                        <a:lumOff val="40000"/>
+                      </a:schemeClr>
+                    </a:solidFill>
+                  </a:tcPr>
+                </a:tc>
+                <a:tc>
+                  <a:txBody>
+                    <a:bodyPr/>
+                    <a:lstStyle/>
+                    <a:p>
+                      <a:endParaRPr lang="zh-CN" altLang="en-US"/>
+                    </a:p>
+                  </a:txBody>
+                  <a:tcPr>
+                    <a:solidFill>
+                      <a:schemeClr val="accent1">
+                        <a:lumMod val="60000"/>
+                        <a:lumOff val="40000"/>
+                      </a:schemeClr>
+                    </a:solidFill>
+                  </a:tcPr>
+                </a:tc>
+                <a:tc>
+                  <a:txBody>
+                    <a:bodyPr/>
+                    <a:lstStyle/>
+                    <a:p>
+                      <a:endParaRPr lang="zh-CN" altLang="en-US"/>
+                    </a:p>
+                  </a:txBody>
+                  <a:tcPr>
+                    <a:solidFill>
+                      <a:schemeClr val="accent1">
+                        <a:lumMod val="60000"/>
+                        <a:lumOff val="40000"/>
+                      </a:schemeClr>
+                    </a:solidFill>
+                  </a:tcPr>
+                </a:tc>
+                <a:tc>
+                  <a:txBody>
+                    <a:bodyPr/>
+                    <a:lstStyle/>
+                    <a:p>
+                      <a:endParaRPr lang="zh-CN" altLang="en-US" dirty="0"/>
+                    </a:p>
+                  </a:txBody>
+                  <a:tcPr>
+                    <a:solidFill>
+                      <a:schemeClr val="accent1">
+                        <a:lumMod val="60000"/>
+                        <a:lumOff val="40000"/>
+                      </a:schemeClr>
+                    </a:solidFill>
+                  </a:tcPr>
+                </a:tc>
+                <a:extLst>
+                  <a:ext uri="{0D108BD9-81ED-4DB2-BD59-A6C34878D82A}">
+                    <a16:rowId xmlns:a16="http://schemas.microsoft.com/office/drawing/2014/main" val="2485094975"/>
+                  </a:ext>
+                </a:extLst>
+              </a:tr>
+            </a:tbl>
+          </a:graphicData>
+        </a:graphic>
+      </p:graphicFrame>
+      <p:sp>
+        <p:nvSpPr>
+          <p:cNvPr id="7" name="文本框 6">
+            <a:extLst>
+              <a:ext uri="{FF2B5EF4-FFF2-40B4-BE49-F238E27FC236}">
+                <a16:creationId xmlns:a16="http://schemas.microsoft.com/office/drawing/2014/main" id="{7F685806-2C0A-497D-8A70-0FE22DF79784}"/>
+              </a:ext>
+            </a:extLst>
+          </p:cNvPr>
+          <p:cNvSpPr txBox="1"/>
+          <p:nvPr/>
+        </p:nvSpPr>
+        <p:spPr>
+          <a:xfrm>
+            <a:off x="1006147" y="3037888"/>
+            <a:ext cx="2642635" cy="755780"/>
+          </a:xfrm>
+          <a:prstGeom prst="rect">
+            <a:avLst/>
+          </a:prstGeom>
+          <a:noFill/>
+          <a:ln w="47625">
+            <a:solidFill>
+              <a:schemeClr val="accent2"/>
+            </a:solidFill>
+          </a:ln>
+        </p:spPr>
+        <p:txBody>
+          <a:bodyPr wrap="square" rtlCol="0">
+            <a:spAutoFit/>
+          </a:bodyPr>
+          <a:lstStyle/>
+          <a:p>
+            <a:endParaRPr lang="zh-CN" altLang="en-US" dirty="0"/>
+          </a:p>
+        </p:txBody>
+      </p:sp>
+      <p:sp>
+        <p:nvSpPr>
+          <p:cNvPr id="10" name="立方体 9">
+            <a:extLst>
+              <a:ext uri="{FF2B5EF4-FFF2-40B4-BE49-F238E27FC236}">
+                <a16:creationId xmlns:a16="http://schemas.microsoft.com/office/drawing/2014/main" id="{E52C0F10-F1B3-4295-9183-04AF70253B7B}"/>
+              </a:ext>
+            </a:extLst>
+          </p:cNvPr>
+          <p:cNvSpPr/>
+          <p:nvPr/>
+        </p:nvSpPr>
+        <p:spPr>
+          <a:xfrm>
+            <a:off x="3365242" y="198654"/>
+            <a:ext cx="460310" cy="1357604"/>
+          </a:xfrm>
+          <a:prstGeom prst="cube">
+            <a:avLst>
+              <a:gd name="adj" fmla="val 65927"/>
+            </a:avLst>
+          </a:prstGeom>
+          <a:solidFill>
+            <a:schemeClr val="bg2"/>
+          </a:solidFill>
+        </p:spPr>
+        <p:style>
+          <a:lnRef idx="2">
+            <a:schemeClr val="accent1">
+              <a:shade val="50000"/>
+            </a:schemeClr>
+          </a:lnRef>
+          <a:fillRef idx="1">
+            <a:schemeClr val="accent1"/>
+          </a:fillRef>
+          <a:effectRef idx="0">
+            <a:schemeClr val="accent1"/>
+          </a:effectRef>
+          <a:fontRef idx="minor">
+            <a:schemeClr val="lt1"/>
+          </a:fontRef>
+        </p:style>
+        <p:txBody>
+          <a:bodyPr rtlCol="0" anchor="ctr"/>
+          <a:lstStyle/>
+          <a:p>
+            <a:pPr algn="ctr"/>
+            <a:endParaRPr lang="zh-CN" altLang="en-US"/>
+          </a:p>
+        </p:txBody>
+      </p:sp>
+      <p:sp>
+        <p:nvSpPr>
+          <p:cNvPr id="14" name="立方体 13">
+            <a:extLst>
+              <a:ext uri="{FF2B5EF4-FFF2-40B4-BE49-F238E27FC236}">
+                <a16:creationId xmlns:a16="http://schemas.microsoft.com/office/drawing/2014/main" id="{9B17DE1F-B016-4427-9855-C48DAB003897}"/>
+              </a:ext>
+            </a:extLst>
+          </p:cNvPr>
+          <p:cNvSpPr/>
+          <p:nvPr/>
+        </p:nvSpPr>
+        <p:spPr>
+          <a:xfrm>
+            <a:off x="3638937" y="198654"/>
+            <a:ext cx="460310" cy="1357604"/>
+          </a:xfrm>
+          <a:prstGeom prst="cube">
+            <a:avLst>
+              <a:gd name="adj" fmla="val 65927"/>
+            </a:avLst>
+          </a:prstGeom>
+          <a:solidFill>
+            <a:schemeClr val="bg2"/>
+          </a:solidFill>
+        </p:spPr>
+        <p:style>
+          <a:lnRef idx="2">
+            <a:schemeClr val="accent1">
+              <a:shade val="50000"/>
+            </a:schemeClr>
+          </a:lnRef>
+          <a:fillRef idx="1">
+            <a:schemeClr val="accent1"/>
+          </a:fillRef>
+          <a:effectRef idx="0">
+            <a:schemeClr val="accent1"/>
+          </a:effectRef>
+          <a:fontRef idx="minor">
+            <a:schemeClr val="lt1"/>
+          </a:fontRef>
+        </p:style>
+        <p:txBody>
+          <a:bodyPr rtlCol="0" anchor="ctr"/>
+          <a:lstStyle/>
+          <a:p>
+            <a:pPr algn="ctr"/>
+            <a:endParaRPr lang="zh-CN" altLang="en-US"/>
+          </a:p>
+        </p:txBody>
+      </p:sp>
+      <p:sp>
+        <p:nvSpPr>
+          <p:cNvPr id="15" name="立方体 14">
+            <a:extLst>
+              <a:ext uri="{FF2B5EF4-FFF2-40B4-BE49-F238E27FC236}">
+                <a16:creationId xmlns:a16="http://schemas.microsoft.com/office/drawing/2014/main" id="{1446316D-AE0E-4BF0-BA95-4FBAC7332435}"/>
+              </a:ext>
+            </a:extLst>
+          </p:cNvPr>
+          <p:cNvSpPr/>
+          <p:nvPr/>
+        </p:nvSpPr>
+        <p:spPr>
+          <a:xfrm>
+            <a:off x="3912632" y="198654"/>
+            <a:ext cx="460310" cy="1357604"/>
+          </a:xfrm>
+          <a:prstGeom prst="cube">
+            <a:avLst>
+              <a:gd name="adj" fmla="val 65927"/>
+            </a:avLst>
+          </a:prstGeom>
+          <a:solidFill>
+            <a:schemeClr val="bg2"/>
+          </a:solidFill>
+        </p:spPr>
+        <p:style>
+          <a:lnRef idx="2">
+            <a:schemeClr val="accent1">
+              <a:shade val="50000"/>
+            </a:schemeClr>
+          </a:lnRef>
+          <a:fillRef idx="1">
+            <a:schemeClr val="accent1"/>
+          </a:fillRef>
+          <a:effectRef idx="0">
+            <a:schemeClr val="accent1"/>
+          </a:effectRef>
+          <a:fontRef idx="minor">
+            <a:schemeClr val="lt1"/>
+          </a:fontRef>
+        </p:style>
+        <p:txBody>
+          <a:bodyPr rtlCol="0" anchor="ctr"/>
+          <a:lstStyle/>
+          <a:p>
+            <a:pPr algn="ctr"/>
+            <a:endParaRPr lang="zh-CN" altLang="en-US"/>
+          </a:p>
+        </p:txBody>
+      </p:sp>
+      <p:sp>
+        <p:nvSpPr>
+          <p:cNvPr id="21" name="文本框 20">
+            <a:extLst>
+              <a:ext uri="{FF2B5EF4-FFF2-40B4-BE49-F238E27FC236}">
+                <a16:creationId xmlns:a16="http://schemas.microsoft.com/office/drawing/2014/main" id="{8213CB4F-A35B-4637-8844-D8BB7C272D78}"/>
+              </a:ext>
+            </a:extLst>
+          </p:cNvPr>
+          <p:cNvSpPr txBox="1"/>
+          <p:nvPr/>
+        </p:nvSpPr>
+        <p:spPr>
+          <a:xfrm>
+            <a:off x="3321697" y="1569481"/>
+            <a:ext cx="1082351" cy="369332"/>
+          </a:xfrm>
+          <a:prstGeom prst="rect">
+            <a:avLst/>
+          </a:prstGeom>
+          <a:noFill/>
+        </p:spPr>
+        <p:txBody>
+          <a:bodyPr wrap="square" rtlCol="0">
+            <a:spAutoFit/>
+          </a:bodyPr>
+          <a:lstStyle/>
+          <a:p>
+            <a:pPr algn="ctr"/>
+            <a:r>
+              <a:rPr lang="en-US" altLang="zh-CN" dirty="0"/>
+              <a:t>conv</a:t>
+            </a:r>
+            <a:endParaRPr lang="zh-CN" altLang="en-US" dirty="0"/>
+          </a:p>
+        </p:txBody>
+      </p:sp>
+      <p:sp>
+        <p:nvSpPr>
+          <p:cNvPr id="23" name="立方体 22">
+            <a:extLst>
+              <a:ext uri="{FF2B5EF4-FFF2-40B4-BE49-F238E27FC236}">
+                <a16:creationId xmlns:a16="http://schemas.microsoft.com/office/drawing/2014/main" id="{17971F9F-179A-4E6B-AA1B-78A179A117C0}"/>
+              </a:ext>
+            </a:extLst>
+          </p:cNvPr>
+          <p:cNvSpPr/>
+          <p:nvPr/>
+        </p:nvSpPr>
+        <p:spPr>
+          <a:xfrm>
+            <a:off x="6319923" y="203320"/>
+            <a:ext cx="970381" cy="1063689"/>
+          </a:xfrm>
+          <a:prstGeom prst="cube">
+            <a:avLst>
+              <a:gd name="adj" fmla="val 10444"/>
+            </a:avLst>
+          </a:prstGeom>
+          <a:solidFill>
+            <a:schemeClr val="accent2"/>
+          </a:solidFill>
+        </p:spPr>
+        <p:style>
+          <a:lnRef idx="2">
+            <a:schemeClr val="accent1">
+              <a:shade val="50000"/>
+            </a:schemeClr>
+          </a:lnRef>
+          <a:fillRef idx="1">
+            <a:schemeClr val="accent1"/>
+          </a:fillRef>
+          <a:effectRef idx="0">
+            <a:schemeClr val="accent1"/>
+          </a:effectRef>
+          <a:fontRef idx="minor">
+            <a:schemeClr val="lt1"/>
+          </a:fontRef>
+        </p:style>
+        <p:txBody>
+          <a:bodyPr rtlCol="0" anchor="ctr"/>
+          <a:lstStyle/>
+          <a:p>
+            <a:pPr algn="ctr"/>
+            <a:endParaRPr lang="zh-CN" altLang="en-US"/>
+          </a:p>
+        </p:txBody>
+      </p:sp>
+      <p:sp>
+        <p:nvSpPr>
+          <p:cNvPr id="24" name="立方体 23">
+            <a:extLst>
+              <a:ext uri="{FF2B5EF4-FFF2-40B4-BE49-F238E27FC236}">
+                <a16:creationId xmlns:a16="http://schemas.microsoft.com/office/drawing/2014/main" id="{5571032A-1973-49AB-A400-41794E0ACCEA}"/>
+              </a:ext>
+            </a:extLst>
+          </p:cNvPr>
+          <p:cNvSpPr/>
+          <p:nvPr/>
+        </p:nvSpPr>
+        <p:spPr>
+          <a:xfrm>
+            <a:off x="6096000" y="394597"/>
+            <a:ext cx="970381" cy="1063689"/>
+          </a:xfrm>
+          <a:prstGeom prst="cube">
+            <a:avLst>
+              <a:gd name="adj" fmla="val 10444"/>
+            </a:avLst>
+          </a:prstGeom>
+          <a:solidFill>
+            <a:schemeClr val="accent2"/>
+          </a:solidFill>
+        </p:spPr>
+        <p:style>
+          <a:lnRef idx="2">
+            <a:schemeClr val="accent1">
+              <a:shade val="50000"/>
+            </a:schemeClr>
+          </a:lnRef>
+          <a:fillRef idx="1">
+            <a:schemeClr val="accent1"/>
+          </a:fillRef>
+          <a:effectRef idx="0">
+            <a:schemeClr val="accent1"/>
+          </a:effectRef>
+          <a:fontRef idx="minor">
+            <a:schemeClr val="lt1"/>
+          </a:fontRef>
+        </p:style>
+        <p:txBody>
+          <a:bodyPr rtlCol="0" anchor="ctr"/>
+          <a:lstStyle/>
+          <a:p>
+            <a:pPr algn="ctr"/>
+            <a:endParaRPr lang="zh-CN" altLang="en-US"/>
+          </a:p>
+        </p:txBody>
+      </p:sp>
+      <p:sp>
+        <p:nvSpPr>
+          <p:cNvPr id="26" name="文本框 25">
+            <a:extLst>
+              <a:ext uri="{FF2B5EF4-FFF2-40B4-BE49-F238E27FC236}">
+                <a16:creationId xmlns:a16="http://schemas.microsoft.com/office/drawing/2014/main" id="{E536A094-0A4C-45B0-AF88-4A07E1FDD32A}"/>
+              </a:ext>
+            </a:extLst>
+          </p:cNvPr>
+          <p:cNvSpPr txBox="1"/>
+          <p:nvPr/>
+        </p:nvSpPr>
+        <p:spPr>
+          <a:xfrm>
+            <a:off x="7327649" y="546598"/>
+            <a:ext cx="1408914" cy="646331"/>
+          </a:xfrm>
+          <a:prstGeom prst="rect">
+            <a:avLst/>
+          </a:prstGeom>
+          <a:noFill/>
+        </p:spPr>
+        <p:txBody>
+          <a:bodyPr wrap="square" rtlCol="0">
+            <a:spAutoFit/>
+          </a:bodyPr>
+          <a:lstStyle/>
+          <a:p>
+            <a:pPr algn="ctr"/>
+            <a:r>
+              <a:rPr lang="zh-CN" altLang="en-US" dirty="0"/>
+              <a:t>位置信息动态偏移量</a:t>
+            </a:r>
+          </a:p>
+        </p:txBody>
+      </p:sp>
+      <p:sp>
+        <p:nvSpPr>
+          <p:cNvPr id="28" name="文本框 27">
+            <a:extLst>
+              <a:ext uri="{FF2B5EF4-FFF2-40B4-BE49-F238E27FC236}">
+                <a16:creationId xmlns:a16="http://schemas.microsoft.com/office/drawing/2014/main" id="{76E36292-152A-48DA-B065-AE1978B83021}"/>
+              </a:ext>
+            </a:extLst>
+          </p:cNvPr>
+          <p:cNvSpPr txBox="1"/>
+          <p:nvPr/>
+        </p:nvSpPr>
+        <p:spPr>
+          <a:xfrm>
+            <a:off x="4788354" y="6086093"/>
+            <a:ext cx="1408914" cy="646331"/>
+          </a:xfrm>
+          <a:prstGeom prst="rect">
+            <a:avLst/>
+          </a:prstGeom>
+          <a:noFill/>
+        </p:spPr>
+        <p:txBody>
+          <a:bodyPr wrap="square" rtlCol="0">
+            <a:spAutoFit/>
+          </a:bodyPr>
+          <a:lstStyle/>
+          <a:p>
+            <a:pPr algn="ctr"/>
+            <a:r>
+              <a:rPr lang="zh-CN" altLang="en-US" dirty="0"/>
+              <a:t>位置信息静态偏移量</a:t>
+            </a:r>
+          </a:p>
+        </p:txBody>
+      </p:sp>
+      <p:sp>
+        <p:nvSpPr>
+          <p:cNvPr id="29" name="立方体 28">
+            <a:extLst>
+              <a:ext uri="{FF2B5EF4-FFF2-40B4-BE49-F238E27FC236}">
+                <a16:creationId xmlns:a16="http://schemas.microsoft.com/office/drawing/2014/main" id="{B83CD15D-A0FE-4B58-8642-D90252A862F5}"/>
+              </a:ext>
+            </a:extLst>
+          </p:cNvPr>
+          <p:cNvSpPr/>
+          <p:nvPr/>
+        </p:nvSpPr>
+        <p:spPr>
+          <a:xfrm>
+            <a:off x="6432075" y="5716762"/>
+            <a:ext cx="970381" cy="1063689"/>
+          </a:xfrm>
+          <a:prstGeom prst="cube">
+            <a:avLst>
+              <a:gd name="adj" fmla="val 10444"/>
+            </a:avLst>
+          </a:prstGeom>
+          <a:solidFill>
+            <a:schemeClr val="accent2"/>
+          </a:solidFill>
+        </p:spPr>
+        <p:style>
+          <a:lnRef idx="2">
+            <a:schemeClr val="accent1">
+              <a:shade val="50000"/>
+            </a:schemeClr>
+          </a:lnRef>
+          <a:fillRef idx="1">
+            <a:schemeClr val="accent1"/>
+          </a:fillRef>
+          <a:effectRef idx="0">
+            <a:schemeClr val="accent1"/>
+          </a:effectRef>
+          <a:fontRef idx="minor">
+            <a:schemeClr val="lt1"/>
+          </a:fontRef>
+        </p:style>
+        <p:txBody>
+          <a:bodyPr rtlCol="0" anchor="ctr"/>
+          <a:lstStyle/>
+          <a:p>
+            <a:pPr algn="ctr"/>
+            <a:endParaRPr lang="zh-CN" altLang="en-US"/>
+          </a:p>
+        </p:txBody>
+      </p:sp>
+      <p:sp>
+        <p:nvSpPr>
+          <p:cNvPr id="30" name="立方体 29">
+            <a:extLst>
+              <a:ext uri="{FF2B5EF4-FFF2-40B4-BE49-F238E27FC236}">
+                <a16:creationId xmlns:a16="http://schemas.microsoft.com/office/drawing/2014/main" id="{40B25156-B4B4-4BCF-9CE1-6ECBE4A1408F}"/>
+              </a:ext>
+            </a:extLst>
+          </p:cNvPr>
+          <p:cNvSpPr/>
+          <p:nvPr/>
+        </p:nvSpPr>
+        <p:spPr>
+          <a:xfrm>
+            <a:off x="6208152" y="5908039"/>
+            <a:ext cx="970381" cy="1063689"/>
+          </a:xfrm>
+          <a:prstGeom prst="cube">
+            <a:avLst>
+              <a:gd name="adj" fmla="val 10444"/>
+            </a:avLst>
+          </a:prstGeom>
+          <a:solidFill>
+            <a:schemeClr val="accent2"/>
+          </a:solidFill>
+        </p:spPr>
+        <p:style>
+          <a:lnRef idx="2">
+            <a:schemeClr val="accent1">
+              <a:shade val="50000"/>
+            </a:schemeClr>
+          </a:lnRef>
+          <a:fillRef idx="1">
+            <a:schemeClr val="accent1"/>
+          </a:fillRef>
+          <a:effectRef idx="0">
+            <a:schemeClr val="accent1"/>
+          </a:effectRef>
+          <a:fontRef idx="minor">
+            <a:schemeClr val="lt1"/>
+          </a:fontRef>
+        </p:style>
+        <p:txBody>
+          <a:bodyPr rtlCol="0" anchor="ctr"/>
+          <a:lstStyle/>
+          <a:p>
+            <a:pPr algn="ctr"/>
+            <a:endParaRPr lang="zh-CN" altLang="en-US"/>
+          </a:p>
+        </p:txBody>
+      </p:sp>
+      <p:graphicFrame>
+        <p:nvGraphicFramePr>
+          <p:cNvPr id="31" name="表格 30">
+            <a:extLst>
+              <a:ext uri="{FF2B5EF4-FFF2-40B4-BE49-F238E27FC236}">
+                <a16:creationId xmlns:a16="http://schemas.microsoft.com/office/drawing/2014/main" id="{A3A63F3B-5E00-41E3-B428-DEF046D366BA}"/>
+              </a:ext>
+            </a:extLst>
+          </p:cNvPr>
+          <p:cNvGraphicFramePr>
+            <a:graphicFrameLocks noGrp="1"/>
+          </p:cNvGraphicFramePr>
+          <p:nvPr>
+            <p:extLst>
+              <p:ext uri="{D42A27DB-BD31-4B8C-83A1-F6EECF244321}">
+                <p14:modId xmlns:p14="http://schemas.microsoft.com/office/powerpoint/2010/main" val="2573195980"/>
+              </p:ext>
+            </p:extLst>
+          </p:nvPr>
+        </p:nvGraphicFramePr>
+        <p:xfrm>
+          <a:off x="8525071" y="2270051"/>
+          <a:ext cx="2642635" cy="3033240"/>
+        </p:xfrm>
+        <a:graphic>
+          <a:graphicData uri="http://schemas.openxmlformats.org/drawingml/2006/table">
+            <a:tbl>
+              <a:tblPr firstRow="1" bandRow="1">
+                <a:tableStyleId>{5C22544A-7EE6-4342-B048-85BDC9FD1C3A}</a:tableStyleId>
+              </a:tblPr>
+              <a:tblGrid>
+                <a:gridCol w="528527">
+                  <a:extLst>
+                    <a:ext uri="{9D8B030D-6E8A-4147-A177-3AD203B41FA5}">
+                      <a16:colId xmlns:a16="http://schemas.microsoft.com/office/drawing/2014/main" val="587256215"/>
+                    </a:ext>
+                  </a:extLst>
+                </a:gridCol>
+                <a:gridCol w="528527">
+                  <a:extLst>
+                    <a:ext uri="{9D8B030D-6E8A-4147-A177-3AD203B41FA5}">
+                      <a16:colId xmlns:a16="http://schemas.microsoft.com/office/drawing/2014/main" val="970748690"/>
+                    </a:ext>
+                  </a:extLst>
+                </a:gridCol>
+                <a:gridCol w="528527">
+                  <a:extLst>
+                    <a:ext uri="{9D8B030D-6E8A-4147-A177-3AD203B41FA5}">
+                      <a16:colId xmlns:a16="http://schemas.microsoft.com/office/drawing/2014/main" val="974145179"/>
+                    </a:ext>
+                  </a:extLst>
+                </a:gridCol>
+                <a:gridCol w="528527">
+                  <a:extLst>
+                    <a:ext uri="{9D8B030D-6E8A-4147-A177-3AD203B41FA5}">
+                      <a16:colId xmlns:a16="http://schemas.microsoft.com/office/drawing/2014/main" val="1735380645"/>
+                    </a:ext>
+                  </a:extLst>
+                </a:gridCol>
+                <a:gridCol w="528527">
+                  <a:extLst>
+                    <a:ext uri="{9D8B030D-6E8A-4147-A177-3AD203B41FA5}">
+                      <a16:colId xmlns:a16="http://schemas.microsoft.com/office/drawing/2014/main" val="2197528422"/>
+                    </a:ext>
+                  </a:extLst>
+                </a:gridCol>
+              </a:tblGrid>
+              <a:tr h="379155">
+                <a:tc>
+                  <a:txBody>
+                    <a:bodyPr/>
+                    <a:lstStyle/>
+                    <a:p>
+                      <a:endParaRPr lang="zh-CN" altLang="en-US" dirty="0"/>
+                    </a:p>
+                  </a:txBody>
+                  <a:tcPr>
+                    <a:solidFill>
+                      <a:schemeClr val="accent1">
+                        <a:lumMod val="60000"/>
+                        <a:lumOff val="40000"/>
+                      </a:schemeClr>
+                    </a:solidFill>
+                  </a:tcPr>
+                </a:tc>
+                <a:tc>
+                  <a:txBody>
+                    <a:bodyPr/>
+                    <a:lstStyle/>
+                    <a:p>
+                      <a:endParaRPr lang="zh-CN" altLang="en-US" dirty="0"/>
+                    </a:p>
+                  </a:txBody>
+                  <a:tcPr>
+                    <a:solidFill>
+                      <a:schemeClr val="accent1">
+                        <a:lumMod val="60000"/>
+                        <a:lumOff val="40000"/>
+                      </a:schemeClr>
+                    </a:solidFill>
+                  </a:tcPr>
+                </a:tc>
+                <a:tc>
+                  <a:txBody>
+                    <a:bodyPr/>
+                    <a:lstStyle/>
+                    <a:p>
+                      <a:endParaRPr lang="zh-CN" altLang="en-US" dirty="0"/>
+                    </a:p>
+                  </a:txBody>
+                  <a:tcPr>
+                    <a:solidFill>
+                      <a:schemeClr val="accent1">
+                        <a:lumMod val="60000"/>
+                        <a:lumOff val="40000"/>
+                      </a:schemeClr>
+                    </a:solidFill>
+                  </a:tcPr>
+                </a:tc>
+                <a:tc>
+                  <a:txBody>
+                    <a:bodyPr/>
+                    <a:lstStyle/>
+                    <a:p>
+                      <a:endParaRPr lang="zh-CN" altLang="en-US"/>
+                    </a:p>
+                  </a:txBody>
+                  <a:tcPr>
+                    <a:solidFill>
+                      <a:schemeClr val="accent1">
+                        <a:lumMod val="60000"/>
+                        <a:lumOff val="40000"/>
+                      </a:schemeClr>
+                    </a:solidFill>
+                  </a:tcPr>
+                </a:tc>
+                <a:tc>
+                  <a:txBody>
+                    <a:bodyPr/>
+                    <a:lstStyle/>
+                    <a:p>
+                      <a:endParaRPr lang="zh-CN" altLang="en-US"/>
+                    </a:p>
+                  </a:txBody>
+                  <a:tcPr>
+                    <a:solidFill>
+                      <a:schemeClr val="accent1">
+                        <a:lumMod val="60000"/>
+                        <a:lumOff val="40000"/>
+                      </a:schemeClr>
+                    </a:solidFill>
+                  </a:tcPr>
+                </a:tc>
+                <a:extLst>
+                  <a:ext uri="{0D108BD9-81ED-4DB2-BD59-A6C34878D82A}">
+                    <a16:rowId xmlns:a16="http://schemas.microsoft.com/office/drawing/2014/main" val="416481663"/>
+                  </a:ext>
+                </a:extLst>
+              </a:tr>
+              <a:tr h="379155">
+                <a:tc>
+                  <a:txBody>
+                    <a:bodyPr/>
+                    <a:lstStyle/>
+                    <a:p>
+                      <a:endParaRPr lang="zh-CN" altLang="en-US"/>
+                    </a:p>
+                  </a:txBody>
+                  <a:tcPr>
+                    <a:solidFill>
+                      <a:schemeClr val="accent1">
+                        <a:lumMod val="60000"/>
+                        <a:lumOff val="40000"/>
+                      </a:schemeClr>
+                    </a:solidFill>
+                  </a:tcPr>
+                </a:tc>
+                <a:tc>
+                  <a:txBody>
+                    <a:bodyPr/>
+                    <a:lstStyle/>
+                    <a:p>
+                      <a:endParaRPr lang="zh-CN" altLang="en-US" dirty="0"/>
+                    </a:p>
+                  </a:txBody>
+                  <a:tcPr>
+                    <a:solidFill>
+                      <a:schemeClr val="accent1">
+                        <a:lumMod val="60000"/>
+                        <a:lumOff val="40000"/>
+                      </a:schemeClr>
+                    </a:solidFill>
+                  </a:tcPr>
+                </a:tc>
+                <a:tc>
+                  <a:txBody>
+                    <a:bodyPr/>
+                    <a:lstStyle/>
+                    <a:p>
+                      <a:endParaRPr lang="zh-CN" altLang="en-US" dirty="0"/>
+                    </a:p>
+                  </a:txBody>
+                  <a:tcPr>
+                    <a:solidFill>
+                      <a:schemeClr val="accent1">
+                        <a:lumMod val="60000"/>
+                        <a:lumOff val="40000"/>
+                      </a:schemeClr>
+                    </a:solidFill>
+                  </a:tcPr>
+                </a:tc>
+                <a:tc>
+                  <a:txBody>
+                    <a:bodyPr/>
+                    <a:lstStyle/>
+                    <a:p>
+                      <a:endParaRPr lang="zh-CN" altLang="en-US"/>
+                    </a:p>
+                  </a:txBody>
+                  <a:tcPr>
+                    <a:solidFill>
+                      <a:schemeClr val="accent1">
+                        <a:lumMod val="60000"/>
+                        <a:lumOff val="40000"/>
+                      </a:schemeClr>
+                    </a:solidFill>
+                  </a:tcPr>
+                </a:tc>
+                <a:tc>
+                  <a:txBody>
+                    <a:bodyPr/>
+                    <a:lstStyle/>
+                    <a:p>
+                      <a:endParaRPr lang="zh-CN" altLang="en-US" dirty="0"/>
+                    </a:p>
+                  </a:txBody>
+                  <a:tcPr>
+                    <a:solidFill>
+                      <a:schemeClr val="accent1">
+                        <a:lumMod val="60000"/>
+                        <a:lumOff val="40000"/>
+                      </a:schemeClr>
+                    </a:solidFill>
+                  </a:tcPr>
+                </a:tc>
+                <a:extLst>
+                  <a:ext uri="{0D108BD9-81ED-4DB2-BD59-A6C34878D82A}">
+                    <a16:rowId xmlns:a16="http://schemas.microsoft.com/office/drawing/2014/main" val="3092248001"/>
+                  </a:ext>
+                </a:extLst>
+              </a:tr>
+              <a:tr h="379155">
+                <a:tc>
+                  <a:txBody>
+                    <a:bodyPr/>
+                    <a:lstStyle/>
+                    <a:p>
+                      <a:endParaRPr lang="zh-CN" altLang="en-US"/>
+                    </a:p>
+                  </a:txBody>
+                  <a:tcPr>
+                    <a:solidFill>
+                      <a:schemeClr val="accent1">
+                        <a:lumMod val="60000"/>
+                        <a:lumOff val="40000"/>
+                      </a:schemeClr>
+                    </a:solidFill>
+                  </a:tcPr>
+                </a:tc>
+                <a:tc>
+                  <a:txBody>
+                    <a:bodyPr/>
+                    <a:lstStyle/>
+                    <a:p>
+                      <a:endParaRPr lang="zh-CN" altLang="en-US" dirty="0"/>
+                    </a:p>
+                  </a:txBody>
+                  <a:tcPr>
+                    <a:solidFill>
+                      <a:schemeClr val="accent1">
+                        <a:lumMod val="60000"/>
+                        <a:lumOff val="40000"/>
+                      </a:schemeClr>
+                    </a:solidFill>
+                  </a:tcPr>
+                </a:tc>
+                <a:tc>
+                  <a:txBody>
+                    <a:bodyPr/>
+                    <a:lstStyle/>
+                    <a:p>
+                      <a:endParaRPr lang="zh-CN" altLang="en-US" dirty="0"/>
+                    </a:p>
+                  </a:txBody>
+                  <a:tcPr>
+                    <a:solidFill>
+                      <a:schemeClr val="accent1">
+                        <a:lumMod val="60000"/>
+                        <a:lumOff val="40000"/>
+                      </a:schemeClr>
+                    </a:solidFill>
+                  </a:tcPr>
+                </a:tc>
+                <a:tc>
+                  <a:txBody>
+                    <a:bodyPr/>
+                    <a:lstStyle/>
+                    <a:p>
+                      <a:endParaRPr lang="zh-CN" altLang="en-US" dirty="0"/>
+                    </a:p>
+                  </a:txBody>
+                  <a:tcPr>
+                    <a:solidFill>
+                      <a:schemeClr val="accent1">
+                        <a:lumMod val="60000"/>
+                        <a:lumOff val="40000"/>
+                      </a:schemeClr>
+                    </a:solidFill>
+                  </a:tcPr>
+                </a:tc>
+                <a:tc>
+                  <a:txBody>
+                    <a:bodyPr/>
+                    <a:lstStyle/>
+                    <a:p>
+                      <a:endParaRPr lang="zh-CN" altLang="en-US" dirty="0"/>
+                    </a:p>
+                  </a:txBody>
+                  <a:tcPr>
+                    <a:solidFill>
+                      <a:schemeClr val="accent1">
+                        <a:lumMod val="60000"/>
+                        <a:lumOff val="40000"/>
+                      </a:schemeClr>
+                    </a:solidFill>
+                  </a:tcPr>
+                </a:tc>
+                <a:extLst>
+                  <a:ext uri="{0D108BD9-81ED-4DB2-BD59-A6C34878D82A}">
+                    <a16:rowId xmlns:a16="http://schemas.microsoft.com/office/drawing/2014/main" val="4005364191"/>
+                  </a:ext>
+                </a:extLst>
+              </a:tr>
+              <a:tr h="379155">
+                <a:tc>
+                  <a:txBody>
+                    <a:bodyPr/>
+                    <a:lstStyle/>
+                    <a:p>
+                      <a:endParaRPr lang="zh-CN" altLang="en-US"/>
+                    </a:p>
+                  </a:txBody>
+                  <a:tcPr>
+                    <a:solidFill>
+                      <a:schemeClr val="accent1">
+                        <a:lumMod val="60000"/>
+                        <a:lumOff val="40000"/>
+                      </a:schemeClr>
+                    </a:solidFill>
+                  </a:tcPr>
+                </a:tc>
+                <a:tc>
+                  <a:txBody>
+                    <a:bodyPr/>
+                    <a:lstStyle/>
+                    <a:p>
+                      <a:endParaRPr lang="zh-CN" altLang="en-US"/>
+                    </a:p>
+                  </a:txBody>
+                  <a:tcPr>
+                    <a:solidFill>
+                      <a:schemeClr val="accent1">
+                        <a:lumMod val="60000"/>
+                        <a:lumOff val="40000"/>
+                      </a:schemeClr>
+                    </a:solidFill>
+                  </a:tcPr>
+                </a:tc>
+                <a:tc>
+                  <a:txBody>
+                    <a:bodyPr/>
+                    <a:lstStyle/>
+                    <a:p>
+                      <a:endParaRPr lang="zh-CN" altLang="en-US" dirty="0"/>
+                    </a:p>
+                  </a:txBody>
+                  <a:tcPr>
+                    <a:solidFill>
+                      <a:schemeClr val="accent1">
+                        <a:lumMod val="60000"/>
+                        <a:lumOff val="40000"/>
+                      </a:schemeClr>
+                    </a:solidFill>
+                  </a:tcPr>
+                </a:tc>
+                <a:tc>
+                  <a:txBody>
+                    <a:bodyPr/>
+                    <a:lstStyle/>
+                    <a:p>
+                      <a:endParaRPr lang="zh-CN" altLang="en-US" dirty="0"/>
+                    </a:p>
+                  </a:txBody>
+                  <a:tcPr>
+                    <a:solidFill>
+                      <a:schemeClr val="accent1">
+                        <a:lumMod val="60000"/>
+                        <a:lumOff val="40000"/>
+                      </a:schemeClr>
+                    </a:solidFill>
+                  </a:tcPr>
+                </a:tc>
+                <a:tc>
+                  <a:txBody>
+                    <a:bodyPr/>
+                    <a:lstStyle/>
+                    <a:p>
+                      <a:endParaRPr lang="zh-CN" altLang="en-US" dirty="0"/>
+                    </a:p>
+                  </a:txBody>
+                  <a:tcPr>
+                    <a:solidFill>
+                      <a:schemeClr val="accent1">
+                        <a:lumMod val="60000"/>
+                        <a:lumOff val="40000"/>
+                      </a:schemeClr>
+                    </a:solidFill>
+                  </a:tcPr>
+                </a:tc>
+                <a:extLst>
+                  <a:ext uri="{0D108BD9-81ED-4DB2-BD59-A6C34878D82A}">
+                    <a16:rowId xmlns:a16="http://schemas.microsoft.com/office/drawing/2014/main" val="3758184835"/>
+                  </a:ext>
+                </a:extLst>
+              </a:tr>
+              <a:tr h="379155">
+                <a:tc>
+                  <a:txBody>
+                    <a:bodyPr/>
+                    <a:lstStyle/>
+                    <a:p>
+                      <a:endParaRPr lang="zh-CN" altLang="en-US"/>
+                    </a:p>
+                  </a:txBody>
+                  <a:tcPr>
+                    <a:solidFill>
+                      <a:schemeClr val="accent1">
+                        <a:lumMod val="60000"/>
+                        <a:lumOff val="40000"/>
+                      </a:schemeClr>
+                    </a:solidFill>
+                  </a:tcPr>
+                </a:tc>
+                <a:tc>
+                  <a:txBody>
+                    <a:bodyPr/>
+                    <a:lstStyle/>
+                    <a:p>
+                      <a:endParaRPr lang="zh-CN" altLang="en-US"/>
+                    </a:p>
+                  </a:txBody>
+                  <a:tcPr>
+                    <a:solidFill>
+                      <a:schemeClr val="accent1">
+                        <a:lumMod val="60000"/>
+                        <a:lumOff val="40000"/>
+                      </a:schemeClr>
+                    </a:solidFill>
+                  </a:tcPr>
+                </a:tc>
+                <a:tc>
+                  <a:txBody>
+                    <a:bodyPr/>
+                    <a:lstStyle/>
+                    <a:p>
+                      <a:endParaRPr lang="zh-CN" altLang="en-US"/>
+                    </a:p>
+                  </a:txBody>
+                  <a:tcPr>
+                    <a:solidFill>
+                      <a:schemeClr val="accent1">
+                        <a:lumMod val="60000"/>
+                        <a:lumOff val="40000"/>
+                      </a:schemeClr>
+                    </a:solidFill>
+                  </a:tcPr>
+                </a:tc>
+                <a:tc>
+                  <a:txBody>
+                    <a:bodyPr/>
+                    <a:lstStyle/>
+                    <a:p>
+                      <a:endParaRPr lang="zh-CN" altLang="en-US" dirty="0"/>
+                    </a:p>
+                  </a:txBody>
+                  <a:tcPr>
+                    <a:solidFill>
+                      <a:schemeClr val="accent1">
+                        <a:lumMod val="60000"/>
+                        <a:lumOff val="40000"/>
+                      </a:schemeClr>
+                    </a:solidFill>
+                  </a:tcPr>
+                </a:tc>
+                <a:tc>
+                  <a:txBody>
+                    <a:bodyPr/>
+                    <a:lstStyle/>
+                    <a:p>
+                      <a:endParaRPr lang="zh-CN" altLang="en-US"/>
+                    </a:p>
+                  </a:txBody>
+                  <a:tcPr>
+                    <a:solidFill>
+                      <a:schemeClr val="accent1">
+                        <a:lumMod val="60000"/>
+                        <a:lumOff val="40000"/>
+                      </a:schemeClr>
+                    </a:solidFill>
+                  </a:tcPr>
+                </a:tc>
+                <a:extLst>
+                  <a:ext uri="{0D108BD9-81ED-4DB2-BD59-A6C34878D82A}">
+                    <a16:rowId xmlns:a16="http://schemas.microsoft.com/office/drawing/2014/main" val="3426520159"/>
+                  </a:ext>
+                </a:extLst>
+              </a:tr>
+              <a:tr h="379155">
+                <a:tc>
+                  <a:txBody>
+                    <a:bodyPr/>
+                    <a:lstStyle/>
+                    <a:p>
+                      <a:endParaRPr lang="zh-CN" altLang="en-US"/>
+                    </a:p>
+                  </a:txBody>
+                  <a:tcPr>
+                    <a:solidFill>
+                      <a:schemeClr val="accent1">
+                        <a:lumMod val="60000"/>
+                        <a:lumOff val="40000"/>
+                      </a:schemeClr>
+                    </a:solidFill>
+                  </a:tcPr>
+                </a:tc>
+                <a:tc>
+                  <a:txBody>
+                    <a:bodyPr/>
+                    <a:lstStyle/>
+                    <a:p>
+                      <a:endParaRPr lang="zh-CN" altLang="en-US" dirty="0"/>
+                    </a:p>
+                  </a:txBody>
+                  <a:tcPr>
+                    <a:solidFill>
+                      <a:schemeClr val="accent1">
+                        <a:lumMod val="60000"/>
+                        <a:lumOff val="40000"/>
+                      </a:schemeClr>
+                    </a:solidFill>
+                  </a:tcPr>
+                </a:tc>
+                <a:tc>
+                  <a:txBody>
+                    <a:bodyPr/>
+                    <a:lstStyle/>
+                    <a:p>
+                      <a:endParaRPr lang="zh-CN" altLang="en-US"/>
+                    </a:p>
+                  </a:txBody>
+                  <a:tcPr>
+                    <a:solidFill>
+                      <a:schemeClr val="accent1">
+                        <a:lumMod val="60000"/>
+                        <a:lumOff val="40000"/>
+                      </a:schemeClr>
+                    </a:solidFill>
+                  </a:tcPr>
+                </a:tc>
+                <a:tc>
+                  <a:txBody>
+                    <a:bodyPr/>
+                    <a:lstStyle/>
+                    <a:p>
+                      <a:endParaRPr lang="zh-CN" altLang="en-US" dirty="0"/>
+                    </a:p>
+                  </a:txBody>
+                  <a:tcPr>
+                    <a:solidFill>
+                      <a:schemeClr val="accent1">
+                        <a:lumMod val="60000"/>
+                        <a:lumOff val="40000"/>
+                      </a:schemeClr>
+                    </a:solidFill>
+                  </a:tcPr>
+                </a:tc>
+                <a:tc>
+                  <a:txBody>
+                    <a:bodyPr/>
+                    <a:lstStyle/>
+                    <a:p>
+                      <a:endParaRPr lang="zh-CN" altLang="en-US" dirty="0"/>
+                    </a:p>
+                  </a:txBody>
+                  <a:tcPr>
+                    <a:solidFill>
+                      <a:schemeClr val="accent1">
+                        <a:lumMod val="60000"/>
+                        <a:lumOff val="40000"/>
+                      </a:schemeClr>
+                    </a:solidFill>
+                  </a:tcPr>
+                </a:tc>
+                <a:extLst>
+                  <a:ext uri="{0D108BD9-81ED-4DB2-BD59-A6C34878D82A}">
+                    <a16:rowId xmlns:a16="http://schemas.microsoft.com/office/drawing/2014/main" val="3341049520"/>
+                  </a:ext>
+                </a:extLst>
+              </a:tr>
+              <a:tr h="379155">
+                <a:tc>
+                  <a:txBody>
+                    <a:bodyPr/>
+                    <a:lstStyle/>
+                    <a:p>
+                      <a:endParaRPr lang="zh-CN" altLang="en-US"/>
+                    </a:p>
+                  </a:txBody>
+                  <a:tcPr>
+                    <a:solidFill>
+                      <a:schemeClr val="accent1">
+                        <a:lumMod val="60000"/>
+                        <a:lumOff val="40000"/>
+                      </a:schemeClr>
+                    </a:solidFill>
+                  </a:tcPr>
+                </a:tc>
+                <a:tc>
+                  <a:txBody>
+                    <a:bodyPr/>
+                    <a:lstStyle/>
+                    <a:p>
+                      <a:endParaRPr lang="zh-CN" altLang="en-US"/>
+                    </a:p>
+                  </a:txBody>
+                  <a:tcPr>
+                    <a:solidFill>
+                      <a:schemeClr val="accent1">
+                        <a:lumMod val="60000"/>
+                        <a:lumOff val="40000"/>
+                      </a:schemeClr>
+                    </a:solidFill>
+                  </a:tcPr>
+                </a:tc>
+                <a:tc>
+                  <a:txBody>
+                    <a:bodyPr/>
+                    <a:lstStyle/>
+                    <a:p>
+                      <a:endParaRPr lang="zh-CN" altLang="en-US"/>
+                    </a:p>
+                  </a:txBody>
+                  <a:tcPr>
+                    <a:solidFill>
+                      <a:schemeClr val="accent1">
+                        <a:lumMod val="60000"/>
+                        <a:lumOff val="40000"/>
+                      </a:schemeClr>
+                    </a:solidFill>
+                  </a:tcPr>
+                </a:tc>
+                <a:tc>
+                  <a:txBody>
+                    <a:bodyPr/>
+                    <a:lstStyle/>
+                    <a:p>
+                      <a:endParaRPr lang="zh-CN" altLang="en-US" dirty="0"/>
+                    </a:p>
+                  </a:txBody>
+                  <a:tcPr>
+                    <a:solidFill>
+                      <a:schemeClr val="accent1">
+                        <a:lumMod val="60000"/>
+                        <a:lumOff val="40000"/>
+                      </a:schemeClr>
+                    </a:solidFill>
+                  </a:tcPr>
+                </a:tc>
+                <a:tc>
+                  <a:txBody>
+                    <a:bodyPr/>
+                    <a:lstStyle/>
+                    <a:p>
+                      <a:endParaRPr lang="zh-CN" altLang="en-US" dirty="0"/>
+                    </a:p>
+                  </a:txBody>
+                  <a:tcPr>
+                    <a:solidFill>
+                      <a:schemeClr val="accent1">
+                        <a:lumMod val="60000"/>
+                        <a:lumOff val="40000"/>
+                      </a:schemeClr>
+                    </a:solidFill>
+                  </a:tcPr>
+                </a:tc>
+                <a:extLst>
+                  <a:ext uri="{0D108BD9-81ED-4DB2-BD59-A6C34878D82A}">
+                    <a16:rowId xmlns:a16="http://schemas.microsoft.com/office/drawing/2014/main" val="206254195"/>
+                  </a:ext>
+                </a:extLst>
+              </a:tr>
+              <a:tr h="379155">
+                <a:tc>
+                  <a:txBody>
+                    <a:bodyPr/>
+                    <a:lstStyle/>
+                    <a:p>
+                      <a:endParaRPr lang="zh-CN" altLang="en-US"/>
+                    </a:p>
+                  </a:txBody>
+                  <a:tcPr>
+                    <a:solidFill>
+                      <a:schemeClr val="accent1">
+                        <a:lumMod val="60000"/>
+                        <a:lumOff val="40000"/>
+                      </a:schemeClr>
+                    </a:solidFill>
+                  </a:tcPr>
+                </a:tc>
+                <a:tc>
+                  <a:txBody>
+                    <a:bodyPr/>
+                    <a:lstStyle/>
+                    <a:p>
+                      <a:endParaRPr lang="zh-CN" altLang="en-US"/>
+                    </a:p>
+                  </a:txBody>
+                  <a:tcPr>
+                    <a:solidFill>
+                      <a:schemeClr val="accent1">
+                        <a:lumMod val="60000"/>
+                        <a:lumOff val="40000"/>
+                      </a:schemeClr>
+                    </a:solidFill>
+                  </a:tcPr>
+                </a:tc>
+                <a:tc>
+                  <a:txBody>
+                    <a:bodyPr/>
+                    <a:lstStyle/>
+                    <a:p>
+                      <a:endParaRPr lang="zh-CN" altLang="en-US"/>
+                    </a:p>
+                  </a:txBody>
+                  <a:tcPr>
+                    <a:solidFill>
+                      <a:schemeClr val="accent1">
+                        <a:lumMod val="60000"/>
+                        <a:lumOff val="40000"/>
+                      </a:schemeClr>
+                    </a:solidFill>
+                  </a:tcPr>
+                </a:tc>
+                <a:tc>
+                  <a:txBody>
+                    <a:bodyPr/>
+                    <a:lstStyle/>
+                    <a:p>
+                      <a:endParaRPr lang="zh-CN" altLang="en-US"/>
+                    </a:p>
+                  </a:txBody>
+                  <a:tcPr>
+                    <a:solidFill>
+                      <a:schemeClr val="accent1">
+                        <a:lumMod val="60000"/>
+                        <a:lumOff val="40000"/>
+                      </a:schemeClr>
+                    </a:solidFill>
+                  </a:tcPr>
+                </a:tc>
+                <a:tc>
+                  <a:txBody>
+                    <a:bodyPr/>
+                    <a:lstStyle/>
+                    <a:p>
+                      <a:endParaRPr lang="zh-CN" altLang="en-US" dirty="0"/>
+                    </a:p>
+                  </a:txBody>
+                  <a:tcPr>
+                    <a:solidFill>
+                      <a:schemeClr val="accent1">
+                        <a:lumMod val="60000"/>
+                        <a:lumOff val="40000"/>
+                      </a:schemeClr>
+                    </a:solidFill>
+                  </a:tcPr>
+                </a:tc>
+                <a:extLst>
+                  <a:ext uri="{0D108BD9-81ED-4DB2-BD59-A6C34878D82A}">
+                    <a16:rowId xmlns:a16="http://schemas.microsoft.com/office/drawing/2014/main" val="2485094975"/>
+                  </a:ext>
+                </a:extLst>
+              </a:tr>
+            </a:tbl>
+          </a:graphicData>
+        </a:graphic>
+      </p:graphicFrame>
+      <p:sp>
+        <p:nvSpPr>
+          <p:cNvPr id="32" name="文本框 31">
+            <a:extLst>
+              <a:ext uri="{FF2B5EF4-FFF2-40B4-BE49-F238E27FC236}">
+                <a16:creationId xmlns:a16="http://schemas.microsoft.com/office/drawing/2014/main" id="{C944988D-BF2E-4B6B-B924-E52E45ABC9BF}"/>
+              </a:ext>
+            </a:extLst>
+          </p:cNvPr>
+          <p:cNvSpPr txBox="1"/>
+          <p:nvPr/>
+        </p:nvSpPr>
+        <p:spPr>
+          <a:xfrm>
+            <a:off x="962798" y="5542250"/>
+            <a:ext cx="2729331" cy="646331"/>
+          </a:xfrm>
+          <a:prstGeom prst="rect">
+            <a:avLst/>
+          </a:prstGeom>
+          <a:noFill/>
+        </p:spPr>
+        <p:txBody>
+          <a:bodyPr wrap="square" rtlCol="0">
+            <a:spAutoFit/>
+          </a:bodyPr>
+          <a:lstStyle/>
+          <a:p>
+            <a:pPr algn="ctr"/>
+            <a:r>
+              <a:rPr lang="en-US" altLang="zh-CN" dirty="0"/>
+              <a:t>h=2</a:t>
+            </a:r>
+            <a:r>
+              <a:rPr lang="zh-CN" altLang="en-US" dirty="0"/>
+              <a:t>的卷积核在输入矩阵中框定的范围</a:t>
+            </a:r>
+          </a:p>
+        </p:txBody>
+      </p:sp>
+      <p:sp>
+        <p:nvSpPr>
+          <p:cNvPr id="33" name="文本框 32">
+            <a:extLst>
+              <a:ext uri="{FF2B5EF4-FFF2-40B4-BE49-F238E27FC236}">
+                <a16:creationId xmlns:a16="http://schemas.microsoft.com/office/drawing/2014/main" id="{300C5B14-F229-438F-921A-FFEB5D626979}"/>
+              </a:ext>
+            </a:extLst>
+          </p:cNvPr>
+          <p:cNvSpPr txBox="1"/>
+          <p:nvPr/>
+        </p:nvSpPr>
+        <p:spPr>
+          <a:xfrm>
+            <a:off x="8768144" y="5523070"/>
+            <a:ext cx="2349502" cy="646331"/>
+          </a:xfrm>
+          <a:prstGeom prst="rect">
+            <a:avLst/>
+          </a:prstGeom>
+          <a:noFill/>
+        </p:spPr>
+        <p:txBody>
+          <a:bodyPr wrap="square" rtlCol="0">
+            <a:spAutoFit/>
+          </a:bodyPr>
+          <a:lstStyle/>
+          <a:p>
+            <a:pPr algn="ctr"/>
+            <a:r>
+              <a:rPr lang="zh-CN" altLang="en-US" dirty="0"/>
+              <a:t>经可转换卷积处理后卷积框定的范围</a:t>
+            </a:r>
+          </a:p>
+        </p:txBody>
+      </p:sp>
+      <p:sp>
+        <p:nvSpPr>
+          <p:cNvPr id="34" name="箭头: 右 33">
+            <a:extLst>
+              <a:ext uri="{FF2B5EF4-FFF2-40B4-BE49-F238E27FC236}">
+                <a16:creationId xmlns:a16="http://schemas.microsoft.com/office/drawing/2014/main" id="{CCA62D0E-EF13-41F4-9E19-1C4B851EFAB8}"/>
+              </a:ext>
+            </a:extLst>
+          </p:cNvPr>
+          <p:cNvSpPr/>
+          <p:nvPr/>
+        </p:nvSpPr>
+        <p:spPr>
+          <a:xfrm>
+            <a:off x="11439335" y="3590728"/>
+            <a:ext cx="1066796" cy="391885"/>
+          </a:xfrm>
+          <a:prstGeom prst="rightArrow">
+            <a:avLst/>
+          </a:prstGeom>
+          <a:solidFill>
+            <a:schemeClr val="bg1"/>
+          </a:solidFill>
+          <a:ln>
+            <a:solidFill>
+              <a:schemeClr val="tx1"/>
+            </a:solidFill>
+          </a:ln>
+        </p:spPr>
+        <p:style>
+          <a:lnRef idx="2">
+            <a:schemeClr val="accent1">
+              <a:shade val="50000"/>
+            </a:schemeClr>
+          </a:lnRef>
+          <a:fillRef idx="1">
+            <a:schemeClr val="accent1"/>
+          </a:fillRef>
+          <a:effectRef idx="0">
+            <a:schemeClr val="accent1"/>
+          </a:effectRef>
+          <a:fontRef idx="minor">
+            <a:schemeClr val="lt1"/>
+          </a:fontRef>
+        </p:style>
+        <p:txBody>
+          <a:bodyPr rtlCol="0" anchor="ctr"/>
+          <a:lstStyle/>
+          <a:p>
+            <a:pPr algn="ctr"/>
+            <a:endParaRPr lang="zh-CN" altLang="en-US"/>
+          </a:p>
+        </p:txBody>
+      </p:sp>
+      <p:sp>
+        <p:nvSpPr>
+          <p:cNvPr id="35" name="文本框 34">
+            <a:extLst>
+              <a:ext uri="{FF2B5EF4-FFF2-40B4-BE49-F238E27FC236}">
+                <a16:creationId xmlns:a16="http://schemas.microsoft.com/office/drawing/2014/main" id="{682D4D1D-B1BC-4824-928E-DF59E549B54F}"/>
+              </a:ext>
+            </a:extLst>
+          </p:cNvPr>
+          <p:cNvSpPr txBox="1"/>
+          <p:nvPr/>
+        </p:nvSpPr>
+        <p:spPr>
+          <a:xfrm>
+            <a:off x="11268276" y="3082995"/>
+            <a:ext cx="1408914" cy="369332"/>
+          </a:xfrm>
+          <a:prstGeom prst="rect">
+            <a:avLst/>
+          </a:prstGeom>
+          <a:noFill/>
+        </p:spPr>
+        <p:txBody>
+          <a:bodyPr wrap="square" rtlCol="0">
+            <a:spAutoFit/>
+          </a:bodyPr>
+          <a:lstStyle/>
+          <a:p>
+            <a:pPr algn="ctr"/>
+            <a:r>
+              <a:rPr lang="zh-CN" altLang="en-US" dirty="0"/>
+              <a:t>卷积运算</a:t>
+            </a:r>
+          </a:p>
+        </p:txBody>
+      </p:sp>
+      <p:sp>
+        <p:nvSpPr>
+          <p:cNvPr id="37" name="文本框 36">
+            <a:extLst>
+              <a:ext uri="{FF2B5EF4-FFF2-40B4-BE49-F238E27FC236}">
+                <a16:creationId xmlns:a16="http://schemas.microsoft.com/office/drawing/2014/main" id="{D6A9DE11-1C14-4814-A14C-48812803EA6F}"/>
+              </a:ext>
+            </a:extLst>
+          </p:cNvPr>
+          <p:cNvSpPr txBox="1"/>
+          <p:nvPr/>
+        </p:nvSpPr>
+        <p:spPr>
+          <a:xfrm>
+            <a:off x="7697755" y="6530292"/>
+            <a:ext cx="1250302" cy="646331"/>
+          </a:xfrm>
+          <a:prstGeom prst="rect">
+            <a:avLst/>
+          </a:prstGeom>
+          <a:noFill/>
+        </p:spPr>
+        <p:txBody>
+          <a:bodyPr wrap="square" rtlCol="0">
+            <a:spAutoFit/>
+          </a:bodyPr>
+          <a:lstStyle/>
+          <a:p>
+            <a:r>
+              <a:rPr lang="zh-CN" altLang="en-US" dirty="0"/>
+              <a:t>反向传播训练得到</a:t>
+            </a:r>
+          </a:p>
+        </p:txBody>
+      </p:sp>
+      <p:sp>
+        <p:nvSpPr>
+          <p:cNvPr id="38" name="文本框 37">
+            <a:extLst>
+              <a:ext uri="{FF2B5EF4-FFF2-40B4-BE49-F238E27FC236}">
+                <a16:creationId xmlns:a16="http://schemas.microsoft.com/office/drawing/2014/main" id="{88D2917F-1515-4C8C-B73D-81FBC48C433F}"/>
+              </a:ext>
+            </a:extLst>
+          </p:cNvPr>
+          <p:cNvSpPr txBox="1"/>
+          <p:nvPr/>
+        </p:nvSpPr>
+        <p:spPr>
+          <a:xfrm>
+            <a:off x="8525070" y="2652607"/>
+            <a:ext cx="506963" cy="377890"/>
+          </a:xfrm>
+          <a:prstGeom prst="rect">
+            <a:avLst/>
+          </a:prstGeom>
+          <a:noFill/>
+          <a:ln w="47625">
+            <a:solidFill>
+              <a:schemeClr val="accent2"/>
+            </a:solidFill>
+          </a:ln>
+        </p:spPr>
+        <p:txBody>
+          <a:bodyPr wrap="square" rtlCol="0">
+            <a:spAutoFit/>
+          </a:bodyPr>
+          <a:lstStyle/>
+          <a:p>
+            <a:endParaRPr lang="zh-CN" altLang="en-US" dirty="0"/>
+          </a:p>
+        </p:txBody>
+      </p:sp>
+      <p:sp>
+        <p:nvSpPr>
+          <p:cNvPr id="39" name="文本框 38">
+            <a:extLst>
+              <a:ext uri="{FF2B5EF4-FFF2-40B4-BE49-F238E27FC236}">
+                <a16:creationId xmlns:a16="http://schemas.microsoft.com/office/drawing/2014/main" id="{D3FAA6FE-D03A-4597-9487-10749976E8F8}"/>
+              </a:ext>
+            </a:extLst>
+          </p:cNvPr>
+          <p:cNvSpPr txBox="1"/>
+          <p:nvPr/>
+        </p:nvSpPr>
+        <p:spPr>
+          <a:xfrm>
+            <a:off x="9592906" y="2652607"/>
+            <a:ext cx="506963" cy="377890"/>
+          </a:xfrm>
+          <a:prstGeom prst="rect">
+            <a:avLst/>
+          </a:prstGeom>
+          <a:noFill/>
+          <a:ln w="47625">
+            <a:solidFill>
+              <a:schemeClr val="accent2"/>
+            </a:solidFill>
+          </a:ln>
+        </p:spPr>
+        <p:txBody>
+          <a:bodyPr wrap="square" rtlCol="0">
+            <a:spAutoFit/>
+          </a:bodyPr>
+          <a:lstStyle/>
+          <a:p>
+            <a:endParaRPr lang="zh-CN" altLang="en-US" dirty="0"/>
+          </a:p>
+        </p:txBody>
+      </p:sp>
+      <p:sp>
+        <p:nvSpPr>
+          <p:cNvPr id="40" name="文本框 39">
+            <a:extLst>
+              <a:ext uri="{FF2B5EF4-FFF2-40B4-BE49-F238E27FC236}">
+                <a16:creationId xmlns:a16="http://schemas.microsoft.com/office/drawing/2014/main" id="{49E38BC3-2D0F-4F6F-B4F5-0EBCD91BE2DA}"/>
+              </a:ext>
+            </a:extLst>
+          </p:cNvPr>
+          <p:cNvSpPr txBox="1"/>
+          <p:nvPr/>
+        </p:nvSpPr>
+        <p:spPr>
+          <a:xfrm>
+            <a:off x="10126824" y="3030496"/>
+            <a:ext cx="506963" cy="377890"/>
+          </a:xfrm>
+          <a:prstGeom prst="rect">
+            <a:avLst/>
+          </a:prstGeom>
+          <a:noFill/>
+          <a:ln w="47625">
+            <a:solidFill>
+              <a:schemeClr val="accent2"/>
+            </a:solidFill>
+          </a:ln>
+        </p:spPr>
+        <p:txBody>
+          <a:bodyPr wrap="square" rtlCol="0">
+            <a:spAutoFit/>
+          </a:bodyPr>
+          <a:lstStyle/>
+          <a:p>
+            <a:endParaRPr lang="zh-CN" altLang="en-US" dirty="0"/>
+          </a:p>
+        </p:txBody>
+      </p:sp>
+      <p:sp>
+        <p:nvSpPr>
+          <p:cNvPr id="41" name="文本框 40">
+            <a:extLst>
+              <a:ext uri="{FF2B5EF4-FFF2-40B4-BE49-F238E27FC236}">
+                <a16:creationId xmlns:a16="http://schemas.microsoft.com/office/drawing/2014/main" id="{5599BCC5-2055-47E1-8330-9BACF2E27549}"/>
+              </a:ext>
+            </a:extLst>
+          </p:cNvPr>
+          <p:cNvSpPr txBox="1"/>
+          <p:nvPr/>
+        </p:nvSpPr>
+        <p:spPr>
+          <a:xfrm>
+            <a:off x="8541665" y="3408780"/>
+            <a:ext cx="506963" cy="377890"/>
+          </a:xfrm>
+          <a:prstGeom prst="rect">
+            <a:avLst/>
+          </a:prstGeom>
+          <a:noFill/>
+          <a:ln w="47625">
+            <a:solidFill>
+              <a:schemeClr val="accent4">
+                <a:lumMod val="40000"/>
+                <a:lumOff val="60000"/>
+              </a:schemeClr>
+            </a:solidFill>
+          </a:ln>
+        </p:spPr>
+        <p:txBody>
+          <a:bodyPr wrap="square" rtlCol="0">
+            <a:spAutoFit/>
+          </a:bodyPr>
+          <a:lstStyle/>
+          <a:p>
+            <a:endParaRPr lang="zh-CN" altLang="en-US" dirty="0"/>
+          </a:p>
+        </p:txBody>
+      </p:sp>
+      <p:sp>
+        <p:nvSpPr>
+          <p:cNvPr id="42" name="文本框 41">
+            <a:extLst>
+              <a:ext uri="{FF2B5EF4-FFF2-40B4-BE49-F238E27FC236}">
+                <a16:creationId xmlns:a16="http://schemas.microsoft.com/office/drawing/2014/main" id="{372BDDFD-65F5-479B-BFE9-0CC32C19F13A}"/>
+              </a:ext>
+            </a:extLst>
+          </p:cNvPr>
+          <p:cNvSpPr txBox="1"/>
+          <p:nvPr/>
+        </p:nvSpPr>
+        <p:spPr>
+          <a:xfrm>
+            <a:off x="9066775" y="3402204"/>
+            <a:ext cx="506963" cy="377890"/>
+          </a:xfrm>
+          <a:prstGeom prst="rect">
+            <a:avLst/>
+          </a:prstGeom>
+          <a:noFill/>
+          <a:ln w="47625">
+            <a:solidFill>
+              <a:schemeClr val="accent4">
+                <a:lumMod val="40000"/>
+                <a:lumOff val="60000"/>
+              </a:schemeClr>
+            </a:solidFill>
+          </a:ln>
+        </p:spPr>
+        <p:txBody>
+          <a:bodyPr wrap="square" rtlCol="0">
+            <a:spAutoFit/>
+          </a:bodyPr>
+          <a:lstStyle/>
+          <a:p>
+            <a:endParaRPr lang="zh-CN" altLang="en-US" dirty="0"/>
+          </a:p>
+        </p:txBody>
+      </p:sp>
+      <p:sp>
+        <p:nvSpPr>
+          <p:cNvPr id="43" name="文本框 42">
+            <a:extLst>
+              <a:ext uri="{FF2B5EF4-FFF2-40B4-BE49-F238E27FC236}">
+                <a16:creationId xmlns:a16="http://schemas.microsoft.com/office/drawing/2014/main" id="{807BB3EB-701D-47C3-84AD-832B653E0435}"/>
+              </a:ext>
+            </a:extLst>
+          </p:cNvPr>
+          <p:cNvSpPr txBox="1"/>
+          <p:nvPr/>
+        </p:nvSpPr>
+        <p:spPr>
+          <a:xfrm>
+            <a:off x="10633787" y="3793668"/>
+            <a:ext cx="506963" cy="377890"/>
+          </a:xfrm>
+          <a:prstGeom prst="rect">
+            <a:avLst/>
+          </a:prstGeom>
+          <a:noFill/>
+          <a:ln w="47625">
+            <a:solidFill>
+              <a:schemeClr val="accent4">
+                <a:lumMod val="40000"/>
+                <a:lumOff val="60000"/>
+              </a:schemeClr>
+            </a:solidFill>
+          </a:ln>
+        </p:spPr>
+        <p:txBody>
+          <a:bodyPr wrap="square" rtlCol="0">
+            <a:spAutoFit/>
+          </a:bodyPr>
+          <a:lstStyle/>
+          <a:p>
+            <a:endParaRPr lang="zh-CN" altLang="en-US" dirty="0"/>
+          </a:p>
+        </p:txBody>
+      </p:sp>
+      <p:sp>
+        <p:nvSpPr>
+          <p:cNvPr id="44" name="文本框 43">
+            <a:extLst>
+              <a:ext uri="{FF2B5EF4-FFF2-40B4-BE49-F238E27FC236}">
+                <a16:creationId xmlns:a16="http://schemas.microsoft.com/office/drawing/2014/main" id="{829D91BB-4E43-40C7-A5B7-F3C6447E7636}"/>
+              </a:ext>
+            </a:extLst>
+          </p:cNvPr>
+          <p:cNvSpPr txBox="1"/>
+          <p:nvPr/>
+        </p:nvSpPr>
+        <p:spPr>
+          <a:xfrm>
+            <a:off x="8541664" y="4167090"/>
+            <a:ext cx="506963" cy="377890"/>
+          </a:xfrm>
+          <a:prstGeom prst="rect">
+            <a:avLst/>
+          </a:prstGeom>
+          <a:noFill/>
+          <a:ln w="47625">
+            <a:solidFill>
+              <a:schemeClr val="accent6">
+                <a:lumMod val="60000"/>
+                <a:lumOff val="40000"/>
+              </a:schemeClr>
+            </a:solidFill>
+          </a:ln>
+        </p:spPr>
+        <p:txBody>
+          <a:bodyPr wrap="square" rtlCol="0">
+            <a:spAutoFit/>
+          </a:bodyPr>
+          <a:lstStyle/>
+          <a:p>
+            <a:endParaRPr lang="zh-CN" altLang="en-US" dirty="0"/>
+          </a:p>
+        </p:txBody>
+      </p:sp>
+      <p:sp>
+        <p:nvSpPr>
+          <p:cNvPr id="45" name="文本框 44">
+            <a:extLst>
+              <a:ext uri="{FF2B5EF4-FFF2-40B4-BE49-F238E27FC236}">
+                <a16:creationId xmlns:a16="http://schemas.microsoft.com/office/drawing/2014/main" id="{A9448EA3-63B9-494D-9CE7-DD068A525C0D}"/>
+              </a:ext>
+            </a:extLst>
+          </p:cNvPr>
+          <p:cNvSpPr txBox="1"/>
+          <p:nvPr/>
+        </p:nvSpPr>
+        <p:spPr>
+          <a:xfrm>
+            <a:off x="9080762" y="4171558"/>
+            <a:ext cx="506963" cy="377890"/>
+          </a:xfrm>
+          <a:prstGeom prst="rect">
+            <a:avLst/>
+          </a:prstGeom>
+          <a:noFill/>
+          <a:ln w="47625">
+            <a:solidFill>
+              <a:schemeClr val="accent6">
+                <a:lumMod val="60000"/>
+                <a:lumOff val="40000"/>
+              </a:schemeClr>
+            </a:solidFill>
+          </a:ln>
+        </p:spPr>
+        <p:txBody>
+          <a:bodyPr wrap="square" rtlCol="0">
+            <a:spAutoFit/>
+          </a:bodyPr>
+          <a:lstStyle/>
+          <a:p>
+            <a:endParaRPr lang="zh-CN" altLang="en-US" dirty="0"/>
+          </a:p>
+        </p:txBody>
+      </p:sp>
+      <p:sp>
+        <p:nvSpPr>
+          <p:cNvPr id="46" name="文本框 45">
+            <a:extLst>
+              <a:ext uri="{FF2B5EF4-FFF2-40B4-BE49-F238E27FC236}">
+                <a16:creationId xmlns:a16="http://schemas.microsoft.com/office/drawing/2014/main" id="{03197962-3000-47EF-BBCE-A367B958BF44}"/>
+              </a:ext>
+            </a:extLst>
+          </p:cNvPr>
+          <p:cNvSpPr txBox="1"/>
+          <p:nvPr/>
+        </p:nvSpPr>
+        <p:spPr>
+          <a:xfrm>
+            <a:off x="9575814" y="4167090"/>
+            <a:ext cx="506963" cy="377890"/>
+          </a:xfrm>
+          <a:prstGeom prst="rect">
+            <a:avLst/>
+          </a:prstGeom>
+          <a:noFill/>
+          <a:ln w="47625">
+            <a:solidFill>
+              <a:schemeClr val="accent6">
+                <a:lumMod val="60000"/>
+                <a:lumOff val="40000"/>
+              </a:schemeClr>
+            </a:solidFill>
+          </a:ln>
+        </p:spPr>
+        <p:txBody>
+          <a:bodyPr wrap="square" rtlCol="0">
+            <a:spAutoFit/>
+          </a:bodyPr>
+          <a:lstStyle/>
+          <a:p>
+            <a:endParaRPr lang="zh-CN" altLang="en-US" dirty="0"/>
+          </a:p>
+        </p:txBody>
+      </p:sp>
+      <p:sp>
+        <p:nvSpPr>
+          <p:cNvPr id="47" name="文本框 46">
+            <a:extLst>
+              <a:ext uri="{FF2B5EF4-FFF2-40B4-BE49-F238E27FC236}">
+                <a16:creationId xmlns:a16="http://schemas.microsoft.com/office/drawing/2014/main" id="{F715AF8A-55F4-4E3A-B643-53765DFB15DC}"/>
+              </a:ext>
+            </a:extLst>
+          </p:cNvPr>
+          <p:cNvSpPr txBox="1"/>
+          <p:nvPr/>
+        </p:nvSpPr>
+        <p:spPr>
+          <a:xfrm>
+            <a:off x="10111281" y="4165532"/>
+            <a:ext cx="506963" cy="377890"/>
+          </a:xfrm>
+          <a:prstGeom prst="rect">
+            <a:avLst/>
+          </a:prstGeom>
+          <a:noFill/>
+          <a:ln w="47625">
+            <a:solidFill>
+              <a:schemeClr val="accent6">
+                <a:lumMod val="60000"/>
+                <a:lumOff val="40000"/>
+              </a:schemeClr>
+            </a:solidFill>
+          </a:ln>
+        </p:spPr>
+        <p:txBody>
+          <a:bodyPr wrap="square" rtlCol="0">
+            <a:spAutoFit/>
+          </a:bodyPr>
+          <a:lstStyle/>
+          <a:p>
+            <a:endParaRPr lang="zh-CN" altLang="en-US" dirty="0"/>
+          </a:p>
+        </p:txBody>
+      </p:sp>
+      <p:sp>
+        <p:nvSpPr>
+          <p:cNvPr id="49" name="矩形: 圆角 48">
+            <a:extLst>
+              <a:ext uri="{FF2B5EF4-FFF2-40B4-BE49-F238E27FC236}">
+                <a16:creationId xmlns:a16="http://schemas.microsoft.com/office/drawing/2014/main" id="{D4632754-0D4E-40A8-892B-C01789EA6359}"/>
+              </a:ext>
+            </a:extLst>
+          </p:cNvPr>
+          <p:cNvSpPr/>
+          <p:nvPr/>
+        </p:nvSpPr>
+        <p:spPr>
+          <a:xfrm>
+            <a:off x="8322906" y="2519265"/>
+            <a:ext cx="3013788" cy="2090057"/>
+          </a:xfrm>
+          <a:prstGeom prst="roundRect">
+            <a:avLst/>
+          </a:prstGeom>
+          <a:noFill/>
+          <a:ln w="25400">
+            <a:solidFill>
+              <a:srgbClr val="FF0000"/>
+            </a:solidFill>
+            <a:prstDash val="sysDash"/>
+          </a:ln>
+        </p:spPr>
+        <p:style>
+          <a:lnRef idx="2">
+            <a:schemeClr val="accent1">
+              <a:shade val="50000"/>
+            </a:schemeClr>
+          </a:lnRef>
+          <a:fillRef idx="1">
+            <a:schemeClr val="accent1"/>
+          </a:fillRef>
+          <a:effectRef idx="0">
+            <a:schemeClr val="accent1"/>
+          </a:effectRef>
+          <a:fontRef idx="minor">
+            <a:schemeClr val="lt1"/>
+          </a:fontRef>
+        </p:style>
+        <p:txBody>
+          <a:bodyPr rtlCol="0" anchor="ctr"/>
+          <a:lstStyle/>
+          <a:p>
+            <a:pPr algn="ctr"/>
+            <a:endParaRPr lang="zh-CN" altLang="en-US"/>
+          </a:p>
+        </p:txBody>
+      </p:sp>
+      <p:cxnSp>
+        <p:nvCxnSpPr>
+          <p:cNvPr id="51" name="直接箭头连接符 50">
+            <a:extLst>
+              <a:ext uri="{FF2B5EF4-FFF2-40B4-BE49-F238E27FC236}">
+                <a16:creationId xmlns:a16="http://schemas.microsoft.com/office/drawing/2014/main" id="{CD39F582-0E1D-43A7-A08F-8009BABE72CC}"/>
+              </a:ext>
+            </a:extLst>
+          </p:cNvPr>
+          <p:cNvCxnSpPr>
+            <a:cxnSpLocks/>
+            <a:endCxn id="49" idx="1"/>
+          </p:cNvCxnSpPr>
+          <p:nvPr/>
+        </p:nvCxnSpPr>
+        <p:spPr>
+          <a:xfrm>
+            <a:off x="3675737" y="3530034"/>
+            <a:ext cx="4647169" cy="34260"/>
+          </a:xfrm>
+          <a:prstGeom prst="straightConnector1">
+            <a:avLst/>
+          </a:prstGeom>
+          <a:ln w="15875">
+            <a:solidFill>
+              <a:schemeClr val="tx1"/>
+            </a:solidFill>
+            <a:prstDash val="sysDash"/>
+            <a:tailEnd type="triangle"/>
+          </a:ln>
+        </p:spPr>
+        <p:style>
+          <a:lnRef idx="1">
+            <a:schemeClr val="accent1"/>
+          </a:lnRef>
+          <a:fillRef idx="0">
+            <a:schemeClr val="accent1"/>
+          </a:fillRef>
+          <a:effectRef idx="0">
+            <a:schemeClr val="accent1"/>
+          </a:effectRef>
+          <a:fontRef idx="minor">
+            <a:schemeClr val="tx1"/>
+          </a:fontRef>
+        </p:style>
+      </p:cxnSp>
+      <p:cxnSp>
+        <p:nvCxnSpPr>
+          <p:cNvPr id="56" name="直接箭头连接符 55">
+            <a:extLst>
+              <a:ext uri="{FF2B5EF4-FFF2-40B4-BE49-F238E27FC236}">
+                <a16:creationId xmlns:a16="http://schemas.microsoft.com/office/drawing/2014/main" id="{04B8737D-4BEE-4DBA-BE76-E39A58B6E9AD}"/>
+              </a:ext>
+            </a:extLst>
+          </p:cNvPr>
+          <p:cNvCxnSpPr>
+            <a:stCxn id="29" idx="0"/>
+          </p:cNvCxnSpPr>
+          <p:nvPr/>
+        </p:nvCxnSpPr>
+        <p:spPr>
+          <a:xfrm flipH="1" flipV="1">
+            <a:off x="6965482" y="4725763"/>
+            <a:ext cx="2457" cy="990999"/>
+          </a:xfrm>
+          <a:prstGeom prst="straightConnector1">
+            <a:avLst/>
+          </a:prstGeom>
+          <a:ln>
+            <a:solidFill>
+              <a:schemeClr val="tx1"/>
+            </a:solidFill>
+            <a:tailEnd type="triangle"/>
+          </a:ln>
+        </p:spPr>
+        <p:style>
+          <a:lnRef idx="1">
+            <a:schemeClr val="accent1"/>
+          </a:lnRef>
+          <a:fillRef idx="0">
+            <a:schemeClr val="accent1"/>
+          </a:fillRef>
+          <a:effectRef idx="0">
+            <a:schemeClr val="accent1"/>
+          </a:effectRef>
+          <a:fontRef idx="minor">
+            <a:schemeClr val="tx1"/>
+          </a:fontRef>
+        </p:style>
+      </p:cxnSp>
+      <p:cxnSp>
+        <p:nvCxnSpPr>
+          <p:cNvPr id="60" name="直接箭头连接符 59">
+            <a:extLst>
+              <a:ext uri="{FF2B5EF4-FFF2-40B4-BE49-F238E27FC236}">
+                <a16:creationId xmlns:a16="http://schemas.microsoft.com/office/drawing/2014/main" id="{98505310-FE8B-4DD6-8FE8-DCA6FC4668BA}"/>
+              </a:ext>
+            </a:extLst>
+          </p:cNvPr>
+          <p:cNvCxnSpPr>
+            <a:cxnSpLocks/>
+            <a:stCxn id="24" idx="3"/>
+          </p:cNvCxnSpPr>
+          <p:nvPr/>
+        </p:nvCxnSpPr>
+        <p:spPr>
+          <a:xfrm>
+            <a:off x="6530517" y="1458286"/>
+            <a:ext cx="0" cy="910712"/>
+          </a:xfrm>
+          <a:prstGeom prst="straightConnector1">
+            <a:avLst/>
+          </a:prstGeom>
+          <a:ln>
+            <a:solidFill>
+              <a:schemeClr val="tx1"/>
+            </a:solidFill>
+            <a:tailEnd type="triangle"/>
+          </a:ln>
+        </p:spPr>
+        <p:style>
+          <a:lnRef idx="1">
+            <a:schemeClr val="accent1"/>
+          </a:lnRef>
+          <a:fillRef idx="0">
+            <a:schemeClr val="accent1"/>
+          </a:fillRef>
+          <a:effectRef idx="0">
+            <a:schemeClr val="accent1"/>
+          </a:effectRef>
+          <a:fontRef idx="minor">
+            <a:schemeClr val="tx1"/>
+          </a:fontRef>
+        </p:style>
+      </p:cxnSp>
+      <p:pic>
+        <p:nvPicPr>
+          <p:cNvPr id="62" name="图片 61">
+            <a:extLst>
+              <a:ext uri="{FF2B5EF4-FFF2-40B4-BE49-F238E27FC236}">
+                <a16:creationId xmlns:a16="http://schemas.microsoft.com/office/drawing/2014/main" id="{D7F01C51-CDCF-4ED2-83C8-4758888BEDD5}"/>
+              </a:ext>
+            </a:extLst>
+          </p:cNvPr>
+          <p:cNvPicPr>
+            <a:picLocks noChangeAspect="1"/>
+          </p:cNvPicPr>
+          <p:nvPr/>
+        </p:nvPicPr>
+        <p:blipFill>
+          <a:blip r:embed="rId2"/>
+          <a:stretch>
+            <a:fillRect/>
+          </a:stretch>
+        </p:blipFill>
+        <p:spPr>
+          <a:xfrm>
+            <a:off x="6693813" y="1854427"/>
+            <a:ext cx="676275" cy="561975"/>
+          </a:xfrm>
+          <a:prstGeom prst="rect">
+            <a:avLst/>
+          </a:prstGeom>
+        </p:spPr>
+      </p:pic>
+      <p:pic>
+        <p:nvPicPr>
+          <p:cNvPr id="64" name="图片 63">
+            <a:extLst>
+              <a:ext uri="{FF2B5EF4-FFF2-40B4-BE49-F238E27FC236}">
+                <a16:creationId xmlns:a16="http://schemas.microsoft.com/office/drawing/2014/main" id="{179CD0A7-BBDF-4BE7-812D-1FE0C78D6AA4}"/>
+              </a:ext>
+            </a:extLst>
+          </p:cNvPr>
+          <p:cNvPicPr>
+            <a:picLocks noChangeAspect="1"/>
+          </p:cNvPicPr>
+          <p:nvPr/>
+        </p:nvPicPr>
+        <p:blipFill>
+          <a:blip r:embed="rId3">
+            <a:extLst>
+              <a:ext uri="{28A0092B-C50C-407E-A947-70E740481C1C}">
+                <a14:useLocalDpi xmlns:a14="http://schemas.microsoft.com/office/drawing/2010/main" val="0"/>
+              </a:ext>
+            </a:extLst>
+          </a:blip>
+          <a:stretch>
+            <a:fillRect/>
+          </a:stretch>
+        </p:blipFill>
+        <p:spPr>
+          <a:xfrm>
+            <a:off x="6228474" y="4949761"/>
+            <a:ext cx="600159" cy="543001"/>
+          </a:xfrm>
+          <a:prstGeom prst="rect">
+            <a:avLst/>
+          </a:prstGeom>
+        </p:spPr>
+      </p:pic>
+      <p:cxnSp>
+        <p:nvCxnSpPr>
+          <p:cNvPr id="66" name="连接符: 曲线 65">
+            <a:extLst>
+              <a:ext uri="{FF2B5EF4-FFF2-40B4-BE49-F238E27FC236}">
+                <a16:creationId xmlns:a16="http://schemas.microsoft.com/office/drawing/2014/main" id="{87A78D90-DCC3-4A37-BCA7-CE4E9DC5D893}"/>
+              </a:ext>
+            </a:extLst>
+          </p:cNvPr>
+          <p:cNvCxnSpPr>
+            <a:cxnSpLocks/>
+          </p:cNvCxnSpPr>
+          <p:nvPr/>
+        </p:nvCxnSpPr>
+        <p:spPr>
+          <a:xfrm flipV="1">
+            <a:off x="2349368" y="1029190"/>
+            <a:ext cx="1019632" cy="429096"/>
+          </a:xfrm>
+          <a:prstGeom prst="curvedConnector3">
+            <a:avLst>
+              <a:gd name="adj1" fmla="val 585"/>
+            </a:avLst>
+          </a:prstGeom>
+          <a:ln w="47625">
+            <a:solidFill>
+              <a:schemeClr val="tx1"/>
+            </a:solidFill>
+            <a:tailEnd type="triangle"/>
+          </a:ln>
+        </p:spPr>
+        <p:style>
+          <a:lnRef idx="1">
+            <a:schemeClr val="accent1"/>
+          </a:lnRef>
+          <a:fillRef idx="0">
+            <a:schemeClr val="accent1"/>
+          </a:fillRef>
+          <a:effectRef idx="0">
+            <a:schemeClr val="accent1"/>
+          </a:effectRef>
+          <a:fontRef idx="minor">
+            <a:schemeClr val="tx1"/>
+          </a:fontRef>
+        </p:style>
+      </p:cxnSp>
+      <p:cxnSp>
+        <p:nvCxnSpPr>
+          <p:cNvPr id="77" name="直接箭头连接符 76">
+            <a:extLst>
+              <a:ext uri="{FF2B5EF4-FFF2-40B4-BE49-F238E27FC236}">
+                <a16:creationId xmlns:a16="http://schemas.microsoft.com/office/drawing/2014/main" id="{0F5D21EC-2063-4DDB-A1F2-EE47F3E31E4C}"/>
+              </a:ext>
+            </a:extLst>
+          </p:cNvPr>
+          <p:cNvCxnSpPr>
+            <a:cxnSpLocks/>
+            <a:endCxn id="24" idx="2"/>
+          </p:cNvCxnSpPr>
+          <p:nvPr/>
+        </p:nvCxnSpPr>
+        <p:spPr>
+          <a:xfrm>
+            <a:off x="4372942" y="977115"/>
+            <a:ext cx="1723058" cy="0"/>
+          </a:xfrm>
+          <a:prstGeom prst="straightConnector1">
+            <a:avLst/>
+          </a:prstGeom>
+          <a:ln w="47625">
+            <a:solidFill>
+              <a:schemeClr val="tx1"/>
+            </a:solidFill>
+            <a:tailEnd type="triangle"/>
+          </a:ln>
+        </p:spPr>
+        <p:style>
+          <a:lnRef idx="1">
+            <a:schemeClr val="accent1"/>
+          </a:lnRef>
+          <a:fillRef idx="0">
+            <a:schemeClr val="accent1"/>
+          </a:fillRef>
+          <a:effectRef idx="0">
+            <a:schemeClr val="accent1"/>
+          </a:effectRef>
+          <a:fontRef idx="minor">
+            <a:schemeClr val="tx1"/>
+          </a:fontRef>
+        </p:style>
+      </p:cxnSp>
+      <p:cxnSp>
+        <p:nvCxnSpPr>
+          <p:cNvPr id="88" name="直接连接符 87">
+            <a:extLst>
+              <a:ext uri="{FF2B5EF4-FFF2-40B4-BE49-F238E27FC236}">
+                <a16:creationId xmlns:a16="http://schemas.microsoft.com/office/drawing/2014/main" id="{48CCDA2D-D460-47F0-A528-01553B266B7C}"/>
+              </a:ext>
+            </a:extLst>
+          </p:cNvPr>
+          <p:cNvCxnSpPr>
+            <a:cxnSpLocks/>
+            <a:endCxn id="4" idx="0"/>
+          </p:cNvCxnSpPr>
+          <p:nvPr/>
+        </p:nvCxnSpPr>
+        <p:spPr>
+          <a:xfrm flipH="1">
+            <a:off x="2345611" y="1458286"/>
+            <a:ext cx="7514" cy="811765"/>
+          </a:xfrm>
+          <a:prstGeom prst="line">
+            <a:avLst/>
+          </a:prstGeom>
+          <a:ln w="47625">
+            <a:solidFill>
+              <a:schemeClr val="tx1"/>
+            </a:solidFill>
+          </a:ln>
+        </p:spPr>
+        <p:style>
+          <a:lnRef idx="1">
+            <a:schemeClr val="accent1"/>
+          </a:lnRef>
+          <a:fillRef idx="0">
+            <a:schemeClr val="accent1"/>
+          </a:fillRef>
+          <a:effectRef idx="0">
+            <a:schemeClr val="accent1"/>
+          </a:effectRef>
+          <a:fontRef idx="minor">
+            <a:schemeClr val="tx1"/>
+          </a:fontRef>
+        </p:style>
+      </p:cxnSp>
+      <p:cxnSp>
+        <p:nvCxnSpPr>
+          <p:cNvPr id="95" name="连接符: 曲线 94">
+            <a:extLst>
+              <a:ext uri="{FF2B5EF4-FFF2-40B4-BE49-F238E27FC236}">
+                <a16:creationId xmlns:a16="http://schemas.microsoft.com/office/drawing/2014/main" id="{693A94E4-1C4A-437E-B712-DE7624D792DB}"/>
+              </a:ext>
+            </a:extLst>
+          </p:cNvPr>
+          <p:cNvCxnSpPr>
+            <a:cxnSpLocks/>
+          </p:cNvCxnSpPr>
+          <p:nvPr/>
+        </p:nvCxnSpPr>
+        <p:spPr>
+          <a:xfrm rot="10800000" flipV="1">
+            <a:off x="7402457" y="5997632"/>
+            <a:ext cx="1356357" cy="341956"/>
+          </a:xfrm>
+          <a:prstGeom prst="curvedConnector3">
+            <a:avLst>
+              <a:gd name="adj1" fmla="val 470"/>
+            </a:avLst>
+          </a:prstGeom>
+          <a:ln w="47625">
+            <a:solidFill>
+              <a:schemeClr val="tx1"/>
+            </a:solidFill>
+            <a:tailEnd type="triangle"/>
+          </a:ln>
+        </p:spPr>
+        <p:style>
+          <a:lnRef idx="1">
+            <a:schemeClr val="accent1"/>
+          </a:lnRef>
+          <a:fillRef idx="0">
+            <a:schemeClr val="accent1"/>
+          </a:fillRef>
+          <a:effectRef idx="0">
+            <a:schemeClr val="accent1"/>
+          </a:effectRef>
+          <a:fontRef idx="minor">
+            <a:schemeClr val="tx1"/>
+          </a:fontRef>
+        </p:style>
+      </p:cxnSp>
+      <p:cxnSp>
+        <p:nvCxnSpPr>
+          <p:cNvPr id="105" name="直接连接符 104">
+            <a:extLst>
+              <a:ext uri="{FF2B5EF4-FFF2-40B4-BE49-F238E27FC236}">
+                <a16:creationId xmlns:a16="http://schemas.microsoft.com/office/drawing/2014/main" id="{D1294483-28FE-4B4D-B722-000EFD995430}"/>
+              </a:ext>
+            </a:extLst>
+          </p:cNvPr>
+          <p:cNvCxnSpPr>
+            <a:cxnSpLocks/>
+          </p:cNvCxnSpPr>
+          <p:nvPr/>
+        </p:nvCxnSpPr>
+        <p:spPr>
+          <a:xfrm flipH="1">
+            <a:off x="8751299" y="5285577"/>
+            <a:ext cx="7514" cy="811765"/>
+          </a:xfrm>
+          <a:prstGeom prst="line">
+            <a:avLst/>
+          </a:prstGeom>
+          <a:ln w="47625">
+            <a:solidFill>
+              <a:schemeClr val="tx1"/>
+            </a:solidFill>
+          </a:ln>
+        </p:spPr>
+        <p:style>
+          <a:lnRef idx="1">
+            <a:schemeClr val="accent1"/>
+          </a:lnRef>
+          <a:fillRef idx="0">
+            <a:schemeClr val="accent1"/>
+          </a:fillRef>
+          <a:effectRef idx="0">
+            <a:schemeClr val="accent1"/>
+          </a:effectRef>
+          <a:fontRef idx="minor">
+            <a:schemeClr val="tx1"/>
+          </a:fontRef>
+        </p:style>
+      </p:cxnSp>
+    </p:spTree>
+    <p:extLst>
+      <p:ext uri="{BB962C8B-B14F-4D97-AF65-F5344CB8AC3E}">
+        <p14:creationId xmlns:p14="http://schemas.microsoft.com/office/powerpoint/2010/main" val="2018524155"/>
       </p:ext>
     </p:extLst>
   </p:cSld>

--- a/论文图.pptx
+++ b/论文图.pptx
@@ -10,6 +10,7 @@
     <p:sldId id="258" r:id="rId4"/>
     <p:sldId id="259" r:id="rId5"/>
     <p:sldId id="260" r:id="rId6"/>
+    <p:sldId id="261" r:id="rId7"/>
   </p:sldIdLst>
   <p:sldSz cx="12192000" cy="6858000"/>
   <p:notesSz cx="6858000" cy="9144000"/>
@@ -19472,6 +19473,2705 @@
 </p:sld>
 </file>
 
+<file path=ppt/slides/slide6.xml><?xml version="1.0" encoding="utf-8"?>
+<p:sld xmlns:a="http://schemas.openxmlformats.org/drawingml/2006/main" xmlns:r="http://schemas.openxmlformats.org/officeDocument/2006/relationships" xmlns:p="http://schemas.openxmlformats.org/presentationml/2006/main">
+  <p:cSld>
+    <p:spTree>
+      <p:nvGrpSpPr>
+        <p:cNvPr id="1" name=""/>
+        <p:cNvGrpSpPr/>
+        <p:nvPr/>
+      </p:nvGrpSpPr>
+      <p:grpSpPr>
+        <a:xfrm>
+          <a:off x="0" y="0"/>
+          <a:ext cx="0" cy="0"/>
+          <a:chOff x="0" y="0"/>
+          <a:chExt cx="0" cy="0"/>
+        </a:xfrm>
+      </p:grpSpPr>
+      <p:sp>
+        <p:nvSpPr>
+          <p:cNvPr id="3" name="文本框 2">
+            <a:extLst>
+              <a:ext uri="{FF2B5EF4-FFF2-40B4-BE49-F238E27FC236}">
+                <a16:creationId xmlns:a16="http://schemas.microsoft.com/office/drawing/2014/main" id="{A8280858-5C6C-43F0-A9C8-5CEDEF28495B}"/>
+              </a:ext>
+            </a:extLst>
+          </p:cNvPr>
+          <p:cNvSpPr txBox="1"/>
+          <p:nvPr/>
+        </p:nvSpPr>
+        <p:spPr>
+          <a:xfrm>
+            <a:off x="2862308" y="6306915"/>
+            <a:ext cx="727788" cy="369332"/>
+          </a:xfrm>
+          <a:prstGeom prst="rect">
+            <a:avLst/>
+          </a:prstGeom>
+          <a:noFill/>
+        </p:spPr>
+        <p:txBody>
+          <a:bodyPr wrap="square" rtlCol="0">
+            <a:spAutoFit/>
+          </a:bodyPr>
+          <a:lstStyle/>
+          <a:p>
+            <a:pPr algn="ctr"/>
+            <a:r>
+              <a:rPr lang="zh-CN" altLang="en-US" dirty="0"/>
+              <a:t>查询</a:t>
+            </a:r>
+          </a:p>
+        </p:txBody>
+      </p:sp>
+      <p:sp>
+        <p:nvSpPr>
+          <p:cNvPr id="4" name="文本框 3">
+            <a:extLst>
+              <a:ext uri="{FF2B5EF4-FFF2-40B4-BE49-F238E27FC236}">
+                <a16:creationId xmlns:a16="http://schemas.microsoft.com/office/drawing/2014/main" id="{2CC1F30A-011E-4753-9F39-923669613E84}"/>
+              </a:ext>
+            </a:extLst>
+          </p:cNvPr>
+          <p:cNvSpPr txBox="1"/>
+          <p:nvPr/>
+        </p:nvSpPr>
+        <p:spPr>
+          <a:xfrm>
+            <a:off x="3845133" y="6306915"/>
+            <a:ext cx="727788" cy="369332"/>
+          </a:xfrm>
+          <a:prstGeom prst="rect">
+            <a:avLst/>
+          </a:prstGeom>
+          <a:noFill/>
+        </p:spPr>
+        <p:txBody>
+          <a:bodyPr wrap="square" rtlCol="0">
+            <a:spAutoFit/>
+          </a:bodyPr>
+          <a:lstStyle/>
+          <a:p>
+            <a:pPr algn="ctr"/>
+            <a:r>
+              <a:rPr lang="zh-CN" altLang="en-US" dirty="0"/>
+              <a:t>成都</a:t>
+            </a:r>
+          </a:p>
+        </p:txBody>
+      </p:sp>
+      <p:sp>
+        <p:nvSpPr>
+          <p:cNvPr id="5" name="文本框 4">
+            <a:extLst>
+              <a:ext uri="{FF2B5EF4-FFF2-40B4-BE49-F238E27FC236}">
+                <a16:creationId xmlns:a16="http://schemas.microsoft.com/office/drawing/2014/main" id="{C9D5CD82-1BBD-4D6F-A076-BFDCDBFDC36A}"/>
+              </a:ext>
+            </a:extLst>
+          </p:cNvPr>
+          <p:cNvSpPr txBox="1"/>
+          <p:nvPr/>
+        </p:nvSpPr>
+        <p:spPr>
+          <a:xfrm>
+            <a:off x="4823609" y="6306915"/>
+            <a:ext cx="727788" cy="369332"/>
+          </a:xfrm>
+          <a:prstGeom prst="rect">
+            <a:avLst/>
+          </a:prstGeom>
+          <a:noFill/>
+        </p:spPr>
+        <p:txBody>
+          <a:bodyPr wrap="square" rtlCol="0">
+            <a:spAutoFit/>
+          </a:bodyPr>
+          <a:lstStyle/>
+          <a:p>
+            <a:pPr algn="ctr"/>
+            <a:r>
+              <a:rPr lang="zh-CN" altLang="en-US" dirty="0"/>
+              <a:t>前</a:t>
+            </a:r>
+          </a:p>
+        </p:txBody>
+      </p:sp>
+      <p:sp>
+        <p:nvSpPr>
+          <p:cNvPr id="6" name="文本框 5">
+            <a:extLst>
+              <a:ext uri="{FF2B5EF4-FFF2-40B4-BE49-F238E27FC236}">
+                <a16:creationId xmlns:a16="http://schemas.microsoft.com/office/drawing/2014/main" id="{21B89B31-794B-44A0-B315-5EE110DD9059}"/>
+              </a:ext>
+            </a:extLst>
+          </p:cNvPr>
+          <p:cNvSpPr txBox="1"/>
+          <p:nvPr/>
+        </p:nvSpPr>
+        <p:spPr>
+          <a:xfrm>
+            <a:off x="5802085" y="6306915"/>
+            <a:ext cx="727788" cy="369332"/>
+          </a:xfrm>
+          <a:prstGeom prst="rect">
+            <a:avLst/>
+          </a:prstGeom>
+          <a:noFill/>
+        </p:spPr>
+        <p:txBody>
+          <a:bodyPr wrap="square" rtlCol="0">
+            <a:spAutoFit/>
+          </a:bodyPr>
+          <a:lstStyle/>
+          <a:p>
+            <a:pPr algn="ctr"/>
+            <a:r>
+              <a:rPr lang="zh-CN" altLang="en-US" dirty="0"/>
+              <a:t>往</a:t>
+            </a:r>
+          </a:p>
+        </p:txBody>
+      </p:sp>
+      <p:sp>
+        <p:nvSpPr>
+          <p:cNvPr id="7" name="文本框 6">
+            <a:extLst>
+              <a:ext uri="{FF2B5EF4-FFF2-40B4-BE49-F238E27FC236}">
+                <a16:creationId xmlns:a16="http://schemas.microsoft.com/office/drawing/2014/main" id="{64FEDFC5-8DCC-41CF-BF07-0F254D26E571}"/>
+              </a:ext>
+            </a:extLst>
+          </p:cNvPr>
+          <p:cNvSpPr txBox="1"/>
+          <p:nvPr/>
+        </p:nvSpPr>
+        <p:spPr>
+          <a:xfrm>
+            <a:off x="6780561" y="6306915"/>
+            <a:ext cx="727788" cy="369332"/>
+          </a:xfrm>
+          <a:prstGeom prst="rect">
+            <a:avLst/>
+          </a:prstGeom>
+          <a:noFill/>
+        </p:spPr>
+        <p:txBody>
+          <a:bodyPr wrap="square" rtlCol="0">
+            <a:spAutoFit/>
+          </a:bodyPr>
+          <a:lstStyle/>
+          <a:p>
+            <a:pPr algn="ctr"/>
+            <a:r>
+              <a:rPr lang="zh-CN" altLang="en-US" dirty="0"/>
+              <a:t>杭州</a:t>
+            </a:r>
+          </a:p>
+        </p:txBody>
+      </p:sp>
+      <p:sp>
+        <p:nvSpPr>
+          <p:cNvPr id="8" name="文本框 7">
+            <a:extLst>
+              <a:ext uri="{FF2B5EF4-FFF2-40B4-BE49-F238E27FC236}">
+                <a16:creationId xmlns:a16="http://schemas.microsoft.com/office/drawing/2014/main" id="{A3338E07-CC8B-4991-B970-060853F44F3B}"/>
+              </a:ext>
+            </a:extLst>
+          </p:cNvPr>
+          <p:cNvSpPr txBox="1"/>
+          <p:nvPr/>
+        </p:nvSpPr>
+        <p:spPr>
+          <a:xfrm>
+            <a:off x="7759037" y="6307746"/>
+            <a:ext cx="727788" cy="369332"/>
+          </a:xfrm>
+          <a:prstGeom prst="rect">
+            <a:avLst/>
+          </a:prstGeom>
+          <a:noFill/>
+        </p:spPr>
+        <p:txBody>
+          <a:bodyPr wrap="square" rtlCol="0">
+            <a:spAutoFit/>
+          </a:bodyPr>
+          <a:lstStyle/>
+          <a:p>
+            <a:pPr algn="ctr"/>
+            <a:r>
+              <a:rPr lang="zh-CN" altLang="en-US" dirty="0"/>
+              <a:t>的</a:t>
+            </a:r>
+          </a:p>
+        </p:txBody>
+      </p:sp>
+      <p:sp>
+        <p:nvSpPr>
+          <p:cNvPr id="9" name="文本框 8">
+            <a:extLst>
+              <a:ext uri="{FF2B5EF4-FFF2-40B4-BE49-F238E27FC236}">
+                <a16:creationId xmlns:a16="http://schemas.microsoft.com/office/drawing/2014/main" id="{ABD55D0A-4B35-457D-915B-5F43FC31A44E}"/>
+              </a:ext>
+            </a:extLst>
+          </p:cNvPr>
+          <p:cNvSpPr txBox="1"/>
+          <p:nvPr/>
+        </p:nvSpPr>
+        <p:spPr>
+          <a:xfrm>
+            <a:off x="8538076" y="6303297"/>
+            <a:ext cx="964134" cy="369332"/>
+          </a:xfrm>
+          <a:prstGeom prst="rect">
+            <a:avLst/>
+          </a:prstGeom>
+          <a:noFill/>
+        </p:spPr>
+        <p:txBody>
+          <a:bodyPr wrap="square" rtlCol="0">
+            <a:spAutoFit/>
+          </a:bodyPr>
+          <a:lstStyle/>
+          <a:p>
+            <a:pPr algn="ctr"/>
+            <a:r>
+              <a:rPr lang="zh-CN" altLang="en-US" dirty="0"/>
+              <a:t>火车票</a:t>
+            </a:r>
+          </a:p>
+        </p:txBody>
+      </p:sp>
+      <p:sp>
+        <p:nvSpPr>
+          <p:cNvPr id="10" name="矩形 9">
+            <a:extLst>
+              <a:ext uri="{FF2B5EF4-FFF2-40B4-BE49-F238E27FC236}">
+                <a16:creationId xmlns:a16="http://schemas.microsoft.com/office/drawing/2014/main" id="{86DF39FE-938C-43A4-83AE-34A617D60546}"/>
+              </a:ext>
+            </a:extLst>
+          </p:cNvPr>
+          <p:cNvSpPr/>
+          <p:nvPr/>
+        </p:nvSpPr>
+        <p:spPr>
+          <a:xfrm>
+            <a:off x="3010504" y="5610418"/>
+            <a:ext cx="412736" cy="192049"/>
+          </a:xfrm>
+          <a:prstGeom prst="rect">
+            <a:avLst/>
+          </a:prstGeom>
+          <a:solidFill>
+            <a:schemeClr val="accent5">
+              <a:lumMod val="60000"/>
+              <a:lumOff val="40000"/>
+            </a:schemeClr>
+          </a:solidFill>
+        </p:spPr>
+        <p:style>
+          <a:lnRef idx="2">
+            <a:schemeClr val="accent1">
+              <a:shade val="50000"/>
+            </a:schemeClr>
+          </a:lnRef>
+          <a:fillRef idx="1">
+            <a:schemeClr val="accent1"/>
+          </a:fillRef>
+          <a:effectRef idx="0">
+            <a:schemeClr val="accent1"/>
+          </a:effectRef>
+          <a:fontRef idx="minor">
+            <a:schemeClr val="lt1"/>
+          </a:fontRef>
+        </p:style>
+        <p:txBody>
+          <a:bodyPr rtlCol="0" anchor="ctr"/>
+          <a:lstStyle/>
+          <a:p>
+            <a:pPr algn="ctr"/>
+            <a:endParaRPr lang="zh-CN" altLang="en-US"/>
+          </a:p>
+        </p:txBody>
+      </p:sp>
+      <p:sp>
+        <p:nvSpPr>
+          <p:cNvPr id="11" name="矩形 10">
+            <a:extLst>
+              <a:ext uri="{FF2B5EF4-FFF2-40B4-BE49-F238E27FC236}">
+                <a16:creationId xmlns:a16="http://schemas.microsoft.com/office/drawing/2014/main" id="{B5208C48-E382-4F70-A1B1-27017A3F766A}"/>
+              </a:ext>
+            </a:extLst>
+          </p:cNvPr>
+          <p:cNvSpPr/>
+          <p:nvPr/>
+        </p:nvSpPr>
+        <p:spPr>
+          <a:xfrm>
+            <a:off x="3010504" y="5802467"/>
+            <a:ext cx="412736" cy="192049"/>
+          </a:xfrm>
+          <a:prstGeom prst="rect">
+            <a:avLst/>
+          </a:prstGeom>
+          <a:solidFill>
+            <a:schemeClr val="accent5">
+              <a:lumMod val="60000"/>
+              <a:lumOff val="40000"/>
+            </a:schemeClr>
+          </a:solidFill>
+        </p:spPr>
+        <p:style>
+          <a:lnRef idx="2">
+            <a:schemeClr val="accent1">
+              <a:shade val="50000"/>
+            </a:schemeClr>
+          </a:lnRef>
+          <a:fillRef idx="1">
+            <a:schemeClr val="accent1"/>
+          </a:fillRef>
+          <a:effectRef idx="0">
+            <a:schemeClr val="accent1"/>
+          </a:effectRef>
+          <a:fontRef idx="minor">
+            <a:schemeClr val="lt1"/>
+          </a:fontRef>
+        </p:style>
+        <p:txBody>
+          <a:bodyPr rtlCol="0" anchor="ctr"/>
+          <a:lstStyle/>
+          <a:p>
+            <a:pPr algn="ctr"/>
+            <a:endParaRPr lang="zh-CN" altLang="en-US"/>
+          </a:p>
+        </p:txBody>
+      </p:sp>
+      <p:sp>
+        <p:nvSpPr>
+          <p:cNvPr id="12" name="矩形 11">
+            <a:extLst>
+              <a:ext uri="{FF2B5EF4-FFF2-40B4-BE49-F238E27FC236}">
+                <a16:creationId xmlns:a16="http://schemas.microsoft.com/office/drawing/2014/main" id="{FA03C920-516D-4BE1-B158-4ECB5F779201}"/>
+              </a:ext>
+            </a:extLst>
+          </p:cNvPr>
+          <p:cNvSpPr/>
+          <p:nvPr/>
+        </p:nvSpPr>
+        <p:spPr>
+          <a:xfrm>
+            <a:off x="3010504" y="5993638"/>
+            <a:ext cx="412736" cy="192049"/>
+          </a:xfrm>
+          <a:prstGeom prst="rect">
+            <a:avLst/>
+          </a:prstGeom>
+          <a:solidFill>
+            <a:schemeClr val="accent5">
+              <a:lumMod val="60000"/>
+              <a:lumOff val="40000"/>
+            </a:schemeClr>
+          </a:solidFill>
+        </p:spPr>
+        <p:style>
+          <a:lnRef idx="2">
+            <a:schemeClr val="accent1">
+              <a:shade val="50000"/>
+            </a:schemeClr>
+          </a:lnRef>
+          <a:fillRef idx="1">
+            <a:schemeClr val="accent1"/>
+          </a:fillRef>
+          <a:effectRef idx="0">
+            <a:schemeClr val="accent1"/>
+          </a:effectRef>
+          <a:fontRef idx="minor">
+            <a:schemeClr val="lt1"/>
+          </a:fontRef>
+        </p:style>
+        <p:txBody>
+          <a:bodyPr rtlCol="0" anchor="ctr"/>
+          <a:lstStyle/>
+          <a:p>
+            <a:pPr algn="ctr"/>
+            <a:endParaRPr lang="zh-CN" altLang="en-US"/>
+          </a:p>
+        </p:txBody>
+      </p:sp>
+      <p:sp>
+        <p:nvSpPr>
+          <p:cNvPr id="13" name="矩形 12">
+            <a:extLst>
+              <a:ext uri="{FF2B5EF4-FFF2-40B4-BE49-F238E27FC236}">
+                <a16:creationId xmlns:a16="http://schemas.microsoft.com/office/drawing/2014/main" id="{5774A272-A982-4D32-BD9A-E8DCDADBE2B8}"/>
+              </a:ext>
+            </a:extLst>
+          </p:cNvPr>
+          <p:cNvSpPr/>
+          <p:nvPr/>
+        </p:nvSpPr>
+        <p:spPr>
+          <a:xfrm>
+            <a:off x="3993328" y="5610418"/>
+            <a:ext cx="412736" cy="192049"/>
+          </a:xfrm>
+          <a:prstGeom prst="rect">
+            <a:avLst/>
+          </a:prstGeom>
+          <a:solidFill>
+            <a:schemeClr val="accent5">
+              <a:lumMod val="60000"/>
+              <a:lumOff val="40000"/>
+            </a:schemeClr>
+          </a:solidFill>
+        </p:spPr>
+        <p:style>
+          <a:lnRef idx="2">
+            <a:schemeClr val="accent1">
+              <a:shade val="50000"/>
+            </a:schemeClr>
+          </a:lnRef>
+          <a:fillRef idx="1">
+            <a:schemeClr val="accent1"/>
+          </a:fillRef>
+          <a:effectRef idx="0">
+            <a:schemeClr val="accent1"/>
+          </a:effectRef>
+          <a:fontRef idx="minor">
+            <a:schemeClr val="lt1"/>
+          </a:fontRef>
+        </p:style>
+        <p:txBody>
+          <a:bodyPr rtlCol="0" anchor="ctr"/>
+          <a:lstStyle/>
+          <a:p>
+            <a:pPr algn="ctr"/>
+            <a:endParaRPr lang="zh-CN" altLang="en-US"/>
+          </a:p>
+        </p:txBody>
+      </p:sp>
+      <p:sp>
+        <p:nvSpPr>
+          <p:cNvPr id="14" name="矩形 13">
+            <a:extLst>
+              <a:ext uri="{FF2B5EF4-FFF2-40B4-BE49-F238E27FC236}">
+                <a16:creationId xmlns:a16="http://schemas.microsoft.com/office/drawing/2014/main" id="{AAE2734C-CBBD-47E8-800B-639B7071B656}"/>
+              </a:ext>
+            </a:extLst>
+          </p:cNvPr>
+          <p:cNvSpPr/>
+          <p:nvPr/>
+        </p:nvSpPr>
+        <p:spPr>
+          <a:xfrm>
+            <a:off x="3993328" y="5802467"/>
+            <a:ext cx="412736" cy="192049"/>
+          </a:xfrm>
+          <a:prstGeom prst="rect">
+            <a:avLst/>
+          </a:prstGeom>
+          <a:solidFill>
+            <a:schemeClr val="accent5">
+              <a:lumMod val="60000"/>
+              <a:lumOff val="40000"/>
+            </a:schemeClr>
+          </a:solidFill>
+        </p:spPr>
+        <p:style>
+          <a:lnRef idx="2">
+            <a:schemeClr val="accent1">
+              <a:shade val="50000"/>
+            </a:schemeClr>
+          </a:lnRef>
+          <a:fillRef idx="1">
+            <a:schemeClr val="accent1"/>
+          </a:fillRef>
+          <a:effectRef idx="0">
+            <a:schemeClr val="accent1"/>
+          </a:effectRef>
+          <a:fontRef idx="minor">
+            <a:schemeClr val="lt1"/>
+          </a:fontRef>
+        </p:style>
+        <p:txBody>
+          <a:bodyPr rtlCol="0" anchor="ctr"/>
+          <a:lstStyle/>
+          <a:p>
+            <a:pPr algn="ctr"/>
+            <a:endParaRPr lang="zh-CN" altLang="en-US"/>
+          </a:p>
+        </p:txBody>
+      </p:sp>
+      <p:sp>
+        <p:nvSpPr>
+          <p:cNvPr id="15" name="矩形 14">
+            <a:extLst>
+              <a:ext uri="{FF2B5EF4-FFF2-40B4-BE49-F238E27FC236}">
+                <a16:creationId xmlns:a16="http://schemas.microsoft.com/office/drawing/2014/main" id="{DDDCE83E-BBDF-4B4A-A9FB-250F6C468767}"/>
+              </a:ext>
+            </a:extLst>
+          </p:cNvPr>
+          <p:cNvSpPr/>
+          <p:nvPr/>
+        </p:nvSpPr>
+        <p:spPr>
+          <a:xfrm>
+            <a:off x="3993328" y="5993638"/>
+            <a:ext cx="412736" cy="192049"/>
+          </a:xfrm>
+          <a:prstGeom prst="rect">
+            <a:avLst/>
+          </a:prstGeom>
+          <a:solidFill>
+            <a:schemeClr val="accent5">
+              <a:lumMod val="60000"/>
+              <a:lumOff val="40000"/>
+            </a:schemeClr>
+          </a:solidFill>
+        </p:spPr>
+        <p:style>
+          <a:lnRef idx="2">
+            <a:schemeClr val="accent1">
+              <a:shade val="50000"/>
+            </a:schemeClr>
+          </a:lnRef>
+          <a:fillRef idx="1">
+            <a:schemeClr val="accent1"/>
+          </a:fillRef>
+          <a:effectRef idx="0">
+            <a:schemeClr val="accent1"/>
+          </a:effectRef>
+          <a:fontRef idx="minor">
+            <a:schemeClr val="lt1"/>
+          </a:fontRef>
+        </p:style>
+        <p:txBody>
+          <a:bodyPr rtlCol="0" anchor="ctr"/>
+          <a:lstStyle/>
+          <a:p>
+            <a:pPr algn="ctr"/>
+            <a:endParaRPr lang="zh-CN" altLang="en-US"/>
+          </a:p>
+        </p:txBody>
+      </p:sp>
+      <p:sp>
+        <p:nvSpPr>
+          <p:cNvPr id="16" name="矩形 15">
+            <a:extLst>
+              <a:ext uri="{FF2B5EF4-FFF2-40B4-BE49-F238E27FC236}">
+                <a16:creationId xmlns:a16="http://schemas.microsoft.com/office/drawing/2014/main" id="{1E8A441C-720E-43B2-BC87-D7C4974049B4}"/>
+              </a:ext>
+            </a:extLst>
+          </p:cNvPr>
+          <p:cNvSpPr/>
+          <p:nvPr/>
+        </p:nvSpPr>
+        <p:spPr>
+          <a:xfrm>
+            <a:off x="4976152" y="5610418"/>
+            <a:ext cx="412736" cy="192049"/>
+          </a:xfrm>
+          <a:prstGeom prst="rect">
+            <a:avLst/>
+          </a:prstGeom>
+          <a:solidFill>
+            <a:schemeClr val="accent5">
+              <a:lumMod val="60000"/>
+              <a:lumOff val="40000"/>
+            </a:schemeClr>
+          </a:solidFill>
+        </p:spPr>
+        <p:style>
+          <a:lnRef idx="2">
+            <a:schemeClr val="accent1">
+              <a:shade val="50000"/>
+            </a:schemeClr>
+          </a:lnRef>
+          <a:fillRef idx="1">
+            <a:schemeClr val="accent1"/>
+          </a:fillRef>
+          <a:effectRef idx="0">
+            <a:schemeClr val="accent1"/>
+          </a:effectRef>
+          <a:fontRef idx="minor">
+            <a:schemeClr val="lt1"/>
+          </a:fontRef>
+        </p:style>
+        <p:txBody>
+          <a:bodyPr rtlCol="0" anchor="ctr"/>
+          <a:lstStyle/>
+          <a:p>
+            <a:pPr algn="ctr"/>
+            <a:endParaRPr lang="zh-CN" altLang="en-US"/>
+          </a:p>
+        </p:txBody>
+      </p:sp>
+      <p:sp>
+        <p:nvSpPr>
+          <p:cNvPr id="17" name="矩形 16">
+            <a:extLst>
+              <a:ext uri="{FF2B5EF4-FFF2-40B4-BE49-F238E27FC236}">
+                <a16:creationId xmlns:a16="http://schemas.microsoft.com/office/drawing/2014/main" id="{A9718068-6275-4C2B-B950-BB856E1536B3}"/>
+              </a:ext>
+            </a:extLst>
+          </p:cNvPr>
+          <p:cNvSpPr/>
+          <p:nvPr/>
+        </p:nvSpPr>
+        <p:spPr>
+          <a:xfrm>
+            <a:off x="4976152" y="5802467"/>
+            <a:ext cx="412736" cy="192049"/>
+          </a:xfrm>
+          <a:prstGeom prst="rect">
+            <a:avLst/>
+          </a:prstGeom>
+          <a:solidFill>
+            <a:schemeClr val="accent5">
+              <a:lumMod val="60000"/>
+              <a:lumOff val="40000"/>
+            </a:schemeClr>
+          </a:solidFill>
+        </p:spPr>
+        <p:style>
+          <a:lnRef idx="2">
+            <a:schemeClr val="accent1">
+              <a:shade val="50000"/>
+            </a:schemeClr>
+          </a:lnRef>
+          <a:fillRef idx="1">
+            <a:schemeClr val="accent1"/>
+          </a:fillRef>
+          <a:effectRef idx="0">
+            <a:schemeClr val="accent1"/>
+          </a:effectRef>
+          <a:fontRef idx="minor">
+            <a:schemeClr val="lt1"/>
+          </a:fontRef>
+        </p:style>
+        <p:txBody>
+          <a:bodyPr rtlCol="0" anchor="ctr"/>
+          <a:lstStyle/>
+          <a:p>
+            <a:pPr algn="ctr"/>
+            <a:endParaRPr lang="zh-CN" altLang="en-US"/>
+          </a:p>
+        </p:txBody>
+      </p:sp>
+      <p:sp>
+        <p:nvSpPr>
+          <p:cNvPr id="18" name="矩形 17">
+            <a:extLst>
+              <a:ext uri="{FF2B5EF4-FFF2-40B4-BE49-F238E27FC236}">
+                <a16:creationId xmlns:a16="http://schemas.microsoft.com/office/drawing/2014/main" id="{8534050E-BA1F-4AB6-82C7-297D07EAC0FF}"/>
+              </a:ext>
+            </a:extLst>
+          </p:cNvPr>
+          <p:cNvSpPr/>
+          <p:nvPr/>
+        </p:nvSpPr>
+        <p:spPr>
+          <a:xfrm>
+            <a:off x="4976152" y="5993638"/>
+            <a:ext cx="412736" cy="192049"/>
+          </a:xfrm>
+          <a:prstGeom prst="rect">
+            <a:avLst/>
+          </a:prstGeom>
+          <a:solidFill>
+            <a:schemeClr val="accent5">
+              <a:lumMod val="60000"/>
+              <a:lumOff val="40000"/>
+            </a:schemeClr>
+          </a:solidFill>
+        </p:spPr>
+        <p:style>
+          <a:lnRef idx="2">
+            <a:schemeClr val="accent1">
+              <a:shade val="50000"/>
+            </a:schemeClr>
+          </a:lnRef>
+          <a:fillRef idx="1">
+            <a:schemeClr val="accent1"/>
+          </a:fillRef>
+          <a:effectRef idx="0">
+            <a:schemeClr val="accent1"/>
+          </a:effectRef>
+          <a:fontRef idx="minor">
+            <a:schemeClr val="lt1"/>
+          </a:fontRef>
+        </p:style>
+        <p:txBody>
+          <a:bodyPr rtlCol="0" anchor="ctr"/>
+          <a:lstStyle/>
+          <a:p>
+            <a:pPr algn="ctr"/>
+            <a:endParaRPr lang="zh-CN" altLang="en-US"/>
+          </a:p>
+        </p:txBody>
+      </p:sp>
+      <p:sp>
+        <p:nvSpPr>
+          <p:cNvPr id="19" name="矩形 18">
+            <a:extLst>
+              <a:ext uri="{FF2B5EF4-FFF2-40B4-BE49-F238E27FC236}">
+                <a16:creationId xmlns:a16="http://schemas.microsoft.com/office/drawing/2014/main" id="{8AF6F10E-C3CC-400A-A570-480A51B7011C}"/>
+              </a:ext>
+            </a:extLst>
+          </p:cNvPr>
+          <p:cNvSpPr/>
+          <p:nvPr/>
+        </p:nvSpPr>
+        <p:spPr>
+          <a:xfrm>
+            <a:off x="5958976" y="5610418"/>
+            <a:ext cx="412736" cy="192049"/>
+          </a:xfrm>
+          <a:prstGeom prst="rect">
+            <a:avLst/>
+          </a:prstGeom>
+          <a:solidFill>
+            <a:schemeClr val="accent5">
+              <a:lumMod val="60000"/>
+              <a:lumOff val="40000"/>
+            </a:schemeClr>
+          </a:solidFill>
+        </p:spPr>
+        <p:style>
+          <a:lnRef idx="2">
+            <a:schemeClr val="accent1">
+              <a:shade val="50000"/>
+            </a:schemeClr>
+          </a:lnRef>
+          <a:fillRef idx="1">
+            <a:schemeClr val="accent1"/>
+          </a:fillRef>
+          <a:effectRef idx="0">
+            <a:schemeClr val="accent1"/>
+          </a:effectRef>
+          <a:fontRef idx="minor">
+            <a:schemeClr val="lt1"/>
+          </a:fontRef>
+        </p:style>
+        <p:txBody>
+          <a:bodyPr rtlCol="0" anchor="ctr"/>
+          <a:lstStyle/>
+          <a:p>
+            <a:pPr algn="ctr"/>
+            <a:endParaRPr lang="zh-CN" altLang="en-US"/>
+          </a:p>
+        </p:txBody>
+      </p:sp>
+      <p:sp>
+        <p:nvSpPr>
+          <p:cNvPr id="20" name="矩形 19">
+            <a:extLst>
+              <a:ext uri="{FF2B5EF4-FFF2-40B4-BE49-F238E27FC236}">
+                <a16:creationId xmlns:a16="http://schemas.microsoft.com/office/drawing/2014/main" id="{6F84CEF8-5E63-472D-882E-2E43ECCB28E0}"/>
+              </a:ext>
+            </a:extLst>
+          </p:cNvPr>
+          <p:cNvSpPr/>
+          <p:nvPr/>
+        </p:nvSpPr>
+        <p:spPr>
+          <a:xfrm>
+            <a:off x="5958976" y="5802467"/>
+            <a:ext cx="412736" cy="192049"/>
+          </a:xfrm>
+          <a:prstGeom prst="rect">
+            <a:avLst/>
+          </a:prstGeom>
+          <a:solidFill>
+            <a:schemeClr val="accent5">
+              <a:lumMod val="60000"/>
+              <a:lumOff val="40000"/>
+            </a:schemeClr>
+          </a:solidFill>
+        </p:spPr>
+        <p:style>
+          <a:lnRef idx="2">
+            <a:schemeClr val="accent1">
+              <a:shade val="50000"/>
+            </a:schemeClr>
+          </a:lnRef>
+          <a:fillRef idx="1">
+            <a:schemeClr val="accent1"/>
+          </a:fillRef>
+          <a:effectRef idx="0">
+            <a:schemeClr val="accent1"/>
+          </a:effectRef>
+          <a:fontRef idx="minor">
+            <a:schemeClr val="lt1"/>
+          </a:fontRef>
+        </p:style>
+        <p:txBody>
+          <a:bodyPr rtlCol="0" anchor="ctr"/>
+          <a:lstStyle/>
+          <a:p>
+            <a:pPr algn="ctr"/>
+            <a:endParaRPr lang="zh-CN" altLang="en-US"/>
+          </a:p>
+        </p:txBody>
+      </p:sp>
+      <p:sp>
+        <p:nvSpPr>
+          <p:cNvPr id="21" name="矩形 20">
+            <a:extLst>
+              <a:ext uri="{FF2B5EF4-FFF2-40B4-BE49-F238E27FC236}">
+                <a16:creationId xmlns:a16="http://schemas.microsoft.com/office/drawing/2014/main" id="{0E866CD8-804C-42BE-8EDA-8F7852FD17DC}"/>
+              </a:ext>
+            </a:extLst>
+          </p:cNvPr>
+          <p:cNvSpPr/>
+          <p:nvPr/>
+        </p:nvSpPr>
+        <p:spPr>
+          <a:xfrm>
+            <a:off x="5958976" y="5993638"/>
+            <a:ext cx="412736" cy="192049"/>
+          </a:xfrm>
+          <a:prstGeom prst="rect">
+            <a:avLst/>
+          </a:prstGeom>
+          <a:solidFill>
+            <a:schemeClr val="accent5">
+              <a:lumMod val="60000"/>
+              <a:lumOff val="40000"/>
+            </a:schemeClr>
+          </a:solidFill>
+        </p:spPr>
+        <p:style>
+          <a:lnRef idx="2">
+            <a:schemeClr val="accent1">
+              <a:shade val="50000"/>
+            </a:schemeClr>
+          </a:lnRef>
+          <a:fillRef idx="1">
+            <a:schemeClr val="accent1"/>
+          </a:fillRef>
+          <a:effectRef idx="0">
+            <a:schemeClr val="accent1"/>
+          </a:effectRef>
+          <a:fontRef idx="minor">
+            <a:schemeClr val="lt1"/>
+          </a:fontRef>
+        </p:style>
+        <p:txBody>
+          <a:bodyPr rtlCol="0" anchor="ctr"/>
+          <a:lstStyle/>
+          <a:p>
+            <a:pPr algn="ctr"/>
+            <a:endParaRPr lang="zh-CN" altLang="en-US"/>
+          </a:p>
+        </p:txBody>
+      </p:sp>
+      <p:sp>
+        <p:nvSpPr>
+          <p:cNvPr id="22" name="矩形 21">
+            <a:extLst>
+              <a:ext uri="{FF2B5EF4-FFF2-40B4-BE49-F238E27FC236}">
+                <a16:creationId xmlns:a16="http://schemas.microsoft.com/office/drawing/2014/main" id="{6ED29C11-37D6-45A0-A52B-A817DD09896A}"/>
+              </a:ext>
+            </a:extLst>
+          </p:cNvPr>
+          <p:cNvSpPr/>
+          <p:nvPr/>
+        </p:nvSpPr>
+        <p:spPr>
+          <a:xfrm>
+            <a:off x="6941800" y="5610418"/>
+            <a:ext cx="412736" cy="192049"/>
+          </a:xfrm>
+          <a:prstGeom prst="rect">
+            <a:avLst/>
+          </a:prstGeom>
+          <a:solidFill>
+            <a:schemeClr val="accent5">
+              <a:lumMod val="60000"/>
+              <a:lumOff val="40000"/>
+            </a:schemeClr>
+          </a:solidFill>
+        </p:spPr>
+        <p:style>
+          <a:lnRef idx="2">
+            <a:schemeClr val="accent1">
+              <a:shade val="50000"/>
+            </a:schemeClr>
+          </a:lnRef>
+          <a:fillRef idx="1">
+            <a:schemeClr val="accent1"/>
+          </a:fillRef>
+          <a:effectRef idx="0">
+            <a:schemeClr val="accent1"/>
+          </a:effectRef>
+          <a:fontRef idx="minor">
+            <a:schemeClr val="lt1"/>
+          </a:fontRef>
+        </p:style>
+        <p:txBody>
+          <a:bodyPr rtlCol="0" anchor="ctr"/>
+          <a:lstStyle/>
+          <a:p>
+            <a:pPr algn="ctr"/>
+            <a:endParaRPr lang="zh-CN" altLang="en-US"/>
+          </a:p>
+        </p:txBody>
+      </p:sp>
+      <p:sp>
+        <p:nvSpPr>
+          <p:cNvPr id="23" name="矩形 22">
+            <a:extLst>
+              <a:ext uri="{FF2B5EF4-FFF2-40B4-BE49-F238E27FC236}">
+                <a16:creationId xmlns:a16="http://schemas.microsoft.com/office/drawing/2014/main" id="{9A535816-3541-42AC-85CB-F1885A341EC6}"/>
+              </a:ext>
+            </a:extLst>
+          </p:cNvPr>
+          <p:cNvSpPr/>
+          <p:nvPr/>
+        </p:nvSpPr>
+        <p:spPr>
+          <a:xfrm>
+            <a:off x="6941800" y="5802467"/>
+            <a:ext cx="412736" cy="192049"/>
+          </a:xfrm>
+          <a:prstGeom prst="rect">
+            <a:avLst/>
+          </a:prstGeom>
+          <a:solidFill>
+            <a:schemeClr val="accent5">
+              <a:lumMod val="60000"/>
+              <a:lumOff val="40000"/>
+            </a:schemeClr>
+          </a:solidFill>
+        </p:spPr>
+        <p:style>
+          <a:lnRef idx="2">
+            <a:schemeClr val="accent1">
+              <a:shade val="50000"/>
+            </a:schemeClr>
+          </a:lnRef>
+          <a:fillRef idx="1">
+            <a:schemeClr val="accent1"/>
+          </a:fillRef>
+          <a:effectRef idx="0">
+            <a:schemeClr val="accent1"/>
+          </a:effectRef>
+          <a:fontRef idx="minor">
+            <a:schemeClr val="lt1"/>
+          </a:fontRef>
+        </p:style>
+        <p:txBody>
+          <a:bodyPr rtlCol="0" anchor="ctr"/>
+          <a:lstStyle/>
+          <a:p>
+            <a:pPr algn="ctr"/>
+            <a:endParaRPr lang="zh-CN" altLang="en-US"/>
+          </a:p>
+        </p:txBody>
+      </p:sp>
+      <p:sp>
+        <p:nvSpPr>
+          <p:cNvPr id="24" name="矩形 23">
+            <a:extLst>
+              <a:ext uri="{FF2B5EF4-FFF2-40B4-BE49-F238E27FC236}">
+                <a16:creationId xmlns:a16="http://schemas.microsoft.com/office/drawing/2014/main" id="{955003EA-0E31-405B-9381-F2E999079A1B}"/>
+              </a:ext>
+            </a:extLst>
+          </p:cNvPr>
+          <p:cNvSpPr/>
+          <p:nvPr/>
+        </p:nvSpPr>
+        <p:spPr>
+          <a:xfrm>
+            <a:off x="6941800" y="5993638"/>
+            <a:ext cx="412736" cy="192049"/>
+          </a:xfrm>
+          <a:prstGeom prst="rect">
+            <a:avLst/>
+          </a:prstGeom>
+          <a:solidFill>
+            <a:schemeClr val="accent5">
+              <a:lumMod val="60000"/>
+              <a:lumOff val="40000"/>
+            </a:schemeClr>
+          </a:solidFill>
+        </p:spPr>
+        <p:style>
+          <a:lnRef idx="2">
+            <a:schemeClr val="accent1">
+              <a:shade val="50000"/>
+            </a:schemeClr>
+          </a:lnRef>
+          <a:fillRef idx="1">
+            <a:schemeClr val="accent1"/>
+          </a:fillRef>
+          <a:effectRef idx="0">
+            <a:schemeClr val="accent1"/>
+          </a:effectRef>
+          <a:fontRef idx="minor">
+            <a:schemeClr val="lt1"/>
+          </a:fontRef>
+        </p:style>
+        <p:txBody>
+          <a:bodyPr rtlCol="0" anchor="ctr"/>
+          <a:lstStyle/>
+          <a:p>
+            <a:pPr algn="ctr"/>
+            <a:endParaRPr lang="zh-CN" altLang="en-US"/>
+          </a:p>
+        </p:txBody>
+      </p:sp>
+      <p:sp>
+        <p:nvSpPr>
+          <p:cNvPr id="25" name="矩形 24">
+            <a:extLst>
+              <a:ext uri="{FF2B5EF4-FFF2-40B4-BE49-F238E27FC236}">
+                <a16:creationId xmlns:a16="http://schemas.microsoft.com/office/drawing/2014/main" id="{A544F72A-D909-4EE5-A2E6-A6568D40A220}"/>
+              </a:ext>
+            </a:extLst>
+          </p:cNvPr>
+          <p:cNvSpPr/>
+          <p:nvPr/>
+        </p:nvSpPr>
+        <p:spPr>
+          <a:xfrm>
+            <a:off x="7924624" y="5610418"/>
+            <a:ext cx="412736" cy="192049"/>
+          </a:xfrm>
+          <a:prstGeom prst="rect">
+            <a:avLst/>
+          </a:prstGeom>
+          <a:solidFill>
+            <a:schemeClr val="accent5">
+              <a:lumMod val="60000"/>
+              <a:lumOff val="40000"/>
+            </a:schemeClr>
+          </a:solidFill>
+        </p:spPr>
+        <p:style>
+          <a:lnRef idx="2">
+            <a:schemeClr val="accent1">
+              <a:shade val="50000"/>
+            </a:schemeClr>
+          </a:lnRef>
+          <a:fillRef idx="1">
+            <a:schemeClr val="accent1"/>
+          </a:fillRef>
+          <a:effectRef idx="0">
+            <a:schemeClr val="accent1"/>
+          </a:effectRef>
+          <a:fontRef idx="minor">
+            <a:schemeClr val="lt1"/>
+          </a:fontRef>
+        </p:style>
+        <p:txBody>
+          <a:bodyPr rtlCol="0" anchor="ctr"/>
+          <a:lstStyle/>
+          <a:p>
+            <a:pPr algn="ctr"/>
+            <a:endParaRPr lang="zh-CN" altLang="en-US"/>
+          </a:p>
+        </p:txBody>
+      </p:sp>
+      <p:sp>
+        <p:nvSpPr>
+          <p:cNvPr id="26" name="矩形 25">
+            <a:extLst>
+              <a:ext uri="{FF2B5EF4-FFF2-40B4-BE49-F238E27FC236}">
+                <a16:creationId xmlns:a16="http://schemas.microsoft.com/office/drawing/2014/main" id="{8776A5FE-22E9-422B-957F-5B01C02E2930}"/>
+              </a:ext>
+            </a:extLst>
+          </p:cNvPr>
+          <p:cNvSpPr/>
+          <p:nvPr/>
+        </p:nvSpPr>
+        <p:spPr>
+          <a:xfrm>
+            <a:off x="7924624" y="5802467"/>
+            <a:ext cx="412736" cy="192049"/>
+          </a:xfrm>
+          <a:prstGeom prst="rect">
+            <a:avLst/>
+          </a:prstGeom>
+          <a:solidFill>
+            <a:schemeClr val="accent5">
+              <a:lumMod val="60000"/>
+              <a:lumOff val="40000"/>
+            </a:schemeClr>
+          </a:solidFill>
+        </p:spPr>
+        <p:style>
+          <a:lnRef idx="2">
+            <a:schemeClr val="accent1">
+              <a:shade val="50000"/>
+            </a:schemeClr>
+          </a:lnRef>
+          <a:fillRef idx="1">
+            <a:schemeClr val="accent1"/>
+          </a:fillRef>
+          <a:effectRef idx="0">
+            <a:schemeClr val="accent1"/>
+          </a:effectRef>
+          <a:fontRef idx="minor">
+            <a:schemeClr val="lt1"/>
+          </a:fontRef>
+        </p:style>
+        <p:txBody>
+          <a:bodyPr rtlCol="0" anchor="ctr"/>
+          <a:lstStyle/>
+          <a:p>
+            <a:pPr algn="ctr"/>
+            <a:endParaRPr lang="zh-CN" altLang="en-US"/>
+          </a:p>
+        </p:txBody>
+      </p:sp>
+      <p:sp>
+        <p:nvSpPr>
+          <p:cNvPr id="27" name="矩形 26">
+            <a:extLst>
+              <a:ext uri="{FF2B5EF4-FFF2-40B4-BE49-F238E27FC236}">
+                <a16:creationId xmlns:a16="http://schemas.microsoft.com/office/drawing/2014/main" id="{241C9152-DE8B-479C-8E0B-20DD66CA8DAB}"/>
+              </a:ext>
+            </a:extLst>
+          </p:cNvPr>
+          <p:cNvSpPr/>
+          <p:nvPr/>
+        </p:nvSpPr>
+        <p:spPr>
+          <a:xfrm>
+            <a:off x="7924624" y="5993638"/>
+            <a:ext cx="412736" cy="192049"/>
+          </a:xfrm>
+          <a:prstGeom prst="rect">
+            <a:avLst/>
+          </a:prstGeom>
+          <a:solidFill>
+            <a:schemeClr val="accent5">
+              <a:lumMod val="60000"/>
+              <a:lumOff val="40000"/>
+            </a:schemeClr>
+          </a:solidFill>
+        </p:spPr>
+        <p:style>
+          <a:lnRef idx="2">
+            <a:schemeClr val="accent1">
+              <a:shade val="50000"/>
+            </a:schemeClr>
+          </a:lnRef>
+          <a:fillRef idx="1">
+            <a:schemeClr val="accent1"/>
+          </a:fillRef>
+          <a:effectRef idx="0">
+            <a:schemeClr val="accent1"/>
+          </a:effectRef>
+          <a:fontRef idx="minor">
+            <a:schemeClr val="lt1"/>
+          </a:fontRef>
+        </p:style>
+        <p:txBody>
+          <a:bodyPr rtlCol="0" anchor="ctr"/>
+          <a:lstStyle/>
+          <a:p>
+            <a:pPr algn="ctr"/>
+            <a:endParaRPr lang="zh-CN" altLang="en-US"/>
+          </a:p>
+        </p:txBody>
+      </p:sp>
+      <p:sp>
+        <p:nvSpPr>
+          <p:cNvPr id="28" name="矩形 27">
+            <a:extLst>
+              <a:ext uri="{FF2B5EF4-FFF2-40B4-BE49-F238E27FC236}">
+                <a16:creationId xmlns:a16="http://schemas.microsoft.com/office/drawing/2014/main" id="{D9F0E554-1F41-4DA2-83CB-959C2958A9B2}"/>
+              </a:ext>
+            </a:extLst>
+          </p:cNvPr>
+          <p:cNvSpPr/>
+          <p:nvPr/>
+        </p:nvSpPr>
+        <p:spPr>
+          <a:xfrm>
+            <a:off x="8768762" y="5610418"/>
+            <a:ext cx="412736" cy="192049"/>
+          </a:xfrm>
+          <a:prstGeom prst="rect">
+            <a:avLst/>
+          </a:prstGeom>
+          <a:solidFill>
+            <a:schemeClr val="accent5">
+              <a:lumMod val="60000"/>
+              <a:lumOff val="40000"/>
+            </a:schemeClr>
+          </a:solidFill>
+        </p:spPr>
+        <p:style>
+          <a:lnRef idx="2">
+            <a:schemeClr val="accent1">
+              <a:shade val="50000"/>
+            </a:schemeClr>
+          </a:lnRef>
+          <a:fillRef idx="1">
+            <a:schemeClr val="accent1"/>
+          </a:fillRef>
+          <a:effectRef idx="0">
+            <a:schemeClr val="accent1"/>
+          </a:effectRef>
+          <a:fontRef idx="minor">
+            <a:schemeClr val="lt1"/>
+          </a:fontRef>
+        </p:style>
+        <p:txBody>
+          <a:bodyPr rtlCol="0" anchor="ctr"/>
+          <a:lstStyle/>
+          <a:p>
+            <a:pPr algn="ctr"/>
+            <a:endParaRPr lang="zh-CN" altLang="en-US"/>
+          </a:p>
+        </p:txBody>
+      </p:sp>
+      <p:sp>
+        <p:nvSpPr>
+          <p:cNvPr id="29" name="矩形 28">
+            <a:extLst>
+              <a:ext uri="{FF2B5EF4-FFF2-40B4-BE49-F238E27FC236}">
+                <a16:creationId xmlns:a16="http://schemas.microsoft.com/office/drawing/2014/main" id="{ADAC6B83-6CD3-4E29-866F-1B25640C1BBD}"/>
+              </a:ext>
+            </a:extLst>
+          </p:cNvPr>
+          <p:cNvSpPr/>
+          <p:nvPr/>
+        </p:nvSpPr>
+        <p:spPr>
+          <a:xfrm>
+            <a:off x="8768762" y="5802467"/>
+            <a:ext cx="412736" cy="192049"/>
+          </a:xfrm>
+          <a:prstGeom prst="rect">
+            <a:avLst/>
+          </a:prstGeom>
+          <a:solidFill>
+            <a:schemeClr val="accent5">
+              <a:lumMod val="60000"/>
+              <a:lumOff val="40000"/>
+            </a:schemeClr>
+          </a:solidFill>
+        </p:spPr>
+        <p:style>
+          <a:lnRef idx="2">
+            <a:schemeClr val="accent1">
+              <a:shade val="50000"/>
+            </a:schemeClr>
+          </a:lnRef>
+          <a:fillRef idx="1">
+            <a:schemeClr val="accent1"/>
+          </a:fillRef>
+          <a:effectRef idx="0">
+            <a:schemeClr val="accent1"/>
+          </a:effectRef>
+          <a:fontRef idx="minor">
+            <a:schemeClr val="lt1"/>
+          </a:fontRef>
+        </p:style>
+        <p:txBody>
+          <a:bodyPr rtlCol="0" anchor="ctr"/>
+          <a:lstStyle/>
+          <a:p>
+            <a:pPr algn="ctr"/>
+            <a:endParaRPr lang="zh-CN" altLang="en-US"/>
+          </a:p>
+        </p:txBody>
+      </p:sp>
+      <p:sp>
+        <p:nvSpPr>
+          <p:cNvPr id="30" name="矩形 29">
+            <a:extLst>
+              <a:ext uri="{FF2B5EF4-FFF2-40B4-BE49-F238E27FC236}">
+                <a16:creationId xmlns:a16="http://schemas.microsoft.com/office/drawing/2014/main" id="{D2E974A6-9F83-40DE-9488-134DD1C4C962}"/>
+              </a:ext>
+            </a:extLst>
+          </p:cNvPr>
+          <p:cNvSpPr/>
+          <p:nvPr/>
+        </p:nvSpPr>
+        <p:spPr>
+          <a:xfrm>
+            <a:off x="8768762" y="5993638"/>
+            <a:ext cx="412736" cy="192049"/>
+          </a:xfrm>
+          <a:prstGeom prst="rect">
+            <a:avLst/>
+          </a:prstGeom>
+          <a:solidFill>
+            <a:schemeClr val="accent5">
+              <a:lumMod val="60000"/>
+              <a:lumOff val="40000"/>
+            </a:schemeClr>
+          </a:solidFill>
+        </p:spPr>
+        <p:style>
+          <a:lnRef idx="2">
+            <a:schemeClr val="accent1">
+              <a:shade val="50000"/>
+            </a:schemeClr>
+          </a:lnRef>
+          <a:fillRef idx="1">
+            <a:schemeClr val="accent1"/>
+          </a:fillRef>
+          <a:effectRef idx="0">
+            <a:schemeClr val="accent1"/>
+          </a:effectRef>
+          <a:fontRef idx="minor">
+            <a:schemeClr val="lt1"/>
+          </a:fontRef>
+        </p:style>
+        <p:txBody>
+          <a:bodyPr rtlCol="0" anchor="ctr"/>
+          <a:lstStyle/>
+          <a:p>
+            <a:pPr algn="ctr"/>
+            <a:endParaRPr lang="zh-CN" altLang="en-US"/>
+          </a:p>
+        </p:txBody>
+      </p:sp>
+      <p:sp>
+        <p:nvSpPr>
+          <p:cNvPr id="31" name="矩形 30">
+            <a:extLst>
+              <a:ext uri="{FF2B5EF4-FFF2-40B4-BE49-F238E27FC236}">
+                <a16:creationId xmlns:a16="http://schemas.microsoft.com/office/drawing/2014/main" id="{088390BD-483C-4354-BC10-9B9930649C10}"/>
+              </a:ext>
+            </a:extLst>
+          </p:cNvPr>
+          <p:cNvSpPr/>
+          <p:nvPr/>
+        </p:nvSpPr>
+        <p:spPr>
+          <a:xfrm>
+            <a:off x="3010504" y="4858260"/>
+            <a:ext cx="412736" cy="192049"/>
+          </a:xfrm>
+          <a:prstGeom prst="rect">
+            <a:avLst/>
+          </a:prstGeom>
+          <a:solidFill>
+            <a:schemeClr val="accent5">
+              <a:lumMod val="60000"/>
+              <a:lumOff val="40000"/>
+            </a:schemeClr>
+          </a:solidFill>
+        </p:spPr>
+        <p:style>
+          <a:lnRef idx="2">
+            <a:schemeClr val="accent1">
+              <a:shade val="50000"/>
+            </a:schemeClr>
+          </a:lnRef>
+          <a:fillRef idx="1">
+            <a:schemeClr val="accent1"/>
+          </a:fillRef>
+          <a:effectRef idx="0">
+            <a:schemeClr val="accent1"/>
+          </a:effectRef>
+          <a:fontRef idx="minor">
+            <a:schemeClr val="lt1"/>
+          </a:fontRef>
+        </p:style>
+        <p:txBody>
+          <a:bodyPr rtlCol="0" anchor="ctr"/>
+          <a:lstStyle/>
+          <a:p>
+            <a:pPr algn="ctr"/>
+            <a:endParaRPr lang="zh-CN" altLang="en-US"/>
+          </a:p>
+        </p:txBody>
+      </p:sp>
+      <p:sp>
+        <p:nvSpPr>
+          <p:cNvPr id="32" name="矩形 31">
+            <a:extLst>
+              <a:ext uri="{FF2B5EF4-FFF2-40B4-BE49-F238E27FC236}">
+                <a16:creationId xmlns:a16="http://schemas.microsoft.com/office/drawing/2014/main" id="{012144EE-84D6-4AB9-B578-A6EC6B187503}"/>
+              </a:ext>
+            </a:extLst>
+          </p:cNvPr>
+          <p:cNvSpPr/>
+          <p:nvPr/>
+        </p:nvSpPr>
+        <p:spPr>
+          <a:xfrm>
+            <a:off x="3010504" y="5050309"/>
+            <a:ext cx="412736" cy="192049"/>
+          </a:xfrm>
+          <a:prstGeom prst="rect">
+            <a:avLst/>
+          </a:prstGeom>
+          <a:solidFill>
+            <a:schemeClr val="accent5">
+              <a:lumMod val="60000"/>
+              <a:lumOff val="40000"/>
+            </a:schemeClr>
+          </a:solidFill>
+        </p:spPr>
+        <p:style>
+          <a:lnRef idx="2">
+            <a:schemeClr val="accent1">
+              <a:shade val="50000"/>
+            </a:schemeClr>
+          </a:lnRef>
+          <a:fillRef idx="1">
+            <a:schemeClr val="accent1"/>
+          </a:fillRef>
+          <a:effectRef idx="0">
+            <a:schemeClr val="accent1"/>
+          </a:effectRef>
+          <a:fontRef idx="minor">
+            <a:schemeClr val="lt1"/>
+          </a:fontRef>
+        </p:style>
+        <p:txBody>
+          <a:bodyPr rtlCol="0" anchor="ctr"/>
+          <a:lstStyle/>
+          <a:p>
+            <a:pPr algn="ctr"/>
+            <a:endParaRPr lang="zh-CN" altLang="en-US"/>
+          </a:p>
+        </p:txBody>
+      </p:sp>
+      <p:sp>
+        <p:nvSpPr>
+          <p:cNvPr id="33" name="矩形 32">
+            <a:extLst>
+              <a:ext uri="{FF2B5EF4-FFF2-40B4-BE49-F238E27FC236}">
+                <a16:creationId xmlns:a16="http://schemas.microsoft.com/office/drawing/2014/main" id="{4CD8672B-F47D-4342-B533-502BCC74A17C}"/>
+              </a:ext>
+            </a:extLst>
+          </p:cNvPr>
+          <p:cNvSpPr/>
+          <p:nvPr/>
+        </p:nvSpPr>
+        <p:spPr>
+          <a:xfrm>
+            <a:off x="3010504" y="5241480"/>
+            <a:ext cx="412736" cy="192049"/>
+          </a:xfrm>
+          <a:prstGeom prst="rect">
+            <a:avLst/>
+          </a:prstGeom>
+          <a:solidFill>
+            <a:schemeClr val="accent5">
+              <a:lumMod val="60000"/>
+              <a:lumOff val="40000"/>
+            </a:schemeClr>
+          </a:solidFill>
+        </p:spPr>
+        <p:style>
+          <a:lnRef idx="2">
+            <a:schemeClr val="accent1">
+              <a:shade val="50000"/>
+            </a:schemeClr>
+          </a:lnRef>
+          <a:fillRef idx="1">
+            <a:schemeClr val="accent1"/>
+          </a:fillRef>
+          <a:effectRef idx="0">
+            <a:schemeClr val="accent1"/>
+          </a:effectRef>
+          <a:fontRef idx="minor">
+            <a:schemeClr val="lt1"/>
+          </a:fontRef>
+        </p:style>
+        <p:txBody>
+          <a:bodyPr rtlCol="0" anchor="ctr"/>
+          <a:lstStyle/>
+          <a:p>
+            <a:pPr algn="ctr"/>
+            <a:endParaRPr lang="zh-CN" altLang="en-US"/>
+          </a:p>
+        </p:txBody>
+      </p:sp>
+      <p:sp>
+        <p:nvSpPr>
+          <p:cNvPr id="34" name="矩形 33">
+            <a:extLst>
+              <a:ext uri="{FF2B5EF4-FFF2-40B4-BE49-F238E27FC236}">
+                <a16:creationId xmlns:a16="http://schemas.microsoft.com/office/drawing/2014/main" id="{5AEF15DE-685C-48CC-AFF6-E219A11D32B4}"/>
+              </a:ext>
+            </a:extLst>
+          </p:cNvPr>
+          <p:cNvSpPr/>
+          <p:nvPr/>
+        </p:nvSpPr>
+        <p:spPr>
+          <a:xfrm>
+            <a:off x="3993328" y="4858260"/>
+            <a:ext cx="412736" cy="192049"/>
+          </a:xfrm>
+          <a:prstGeom prst="rect">
+            <a:avLst/>
+          </a:prstGeom>
+          <a:solidFill>
+            <a:schemeClr val="accent5">
+              <a:lumMod val="60000"/>
+              <a:lumOff val="40000"/>
+            </a:schemeClr>
+          </a:solidFill>
+        </p:spPr>
+        <p:style>
+          <a:lnRef idx="2">
+            <a:schemeClr val="accent1">
+              <a:shade val="50000"/>
+            </a:schemeClr>
+          </a:lnRef>
+          <a:fillRef idx="1">
+            <a:schemeClr val="accent1"/>
+          </a:fillRef>
+          <a:effectRef idx="0">
+            <a:schemeClr val="accent1"/>
+          </a:effectRef>
+          <a:fontRef idx="minor">
+            <a:schemeClr val="lt1"/>
+          </a:fontRef>
+        </p:style>
+        <p:txBody>
+          <a:bodyPr rtlCol="0" anchor="ctr"/>
+          <a:lstStyle/>
+          <a:p>
+            <a:pPr algn="ctr"/>
+            <a:endParaRPr lang="zh-CN" altLang="en-US"/>
+          </a:p>
+        </p:txBody>
+      </p:sp>
+      <p:sp>
+        <p:nvSpPr>
+          <p:cNvPr id="35" name="矩形 34">
+            <a:extLst>
+              <a:ext uri="{FF2B5EF4-FFF2-40B4-BE49-F238E27FC236}">
+                <a16:creationId xmlns:a16="http://schemas.microsoft.com/office/drawing/2014/main" id="{66C510F5-33D9-438C-9C20-0D96623A83EB}"/>
+              </a:ext>
+            </a:extLst>
+          </p:cNvPr>
+          <p:cNvSpPr/>
+          <p:nvPr/>
+        </p:nvSpPr>
+        <p:spPr>
+          <a:xfrm>
+            <a:off x="3993328" y="5050309"/>
+            <a:ext cx="412736" cy="192049"/>
+          </a:xfrm>
+          <a:prstGeom prst="rect">
+            <a:avLst/>
+          </a:prstGeom>
+          <a:solidFill>
+            <a:schemeClr val="accent5">
+              <a:lumMod val="60000"/>
+              <a:lumOff val="40000"/>
+            </a:schemeClr>
+          </a:solidFill>
+        </p:spPr>
+        <p:style>
+          <a:lnRef idx="2">
+            <a:schemeClr val="accent1">
+              <a:shade val="50000"/>
+            </a:schemeClr>
+          </a:lnRef>
+          <a:fillRef idx="1">
+            <a:schemeClr val="accent1"/>
+          </a:fillRef>
+          <a:effectRef idx="0">
+            <a:schemeClr val="accent1"/>
+          </a:effectRef>
+          <a:fontRef idx="minor">
+            <a:schemeClr val="lt1"/>
+          </a:fontRef>
+        </p:style>
+        <p:txBody>
+          <a:bodyPr rtlCol="0" anchor="ctr"/>
+          <a:lstStyle/>
+          <a:p>
+            <a:pPr algn="ctr"/>
+            <a:endParaRPr lang="zh-CN" altLang="en-US"/>
+          </a:p>
+        </p:txBody>
+      </p:sp>
+      <p:sp>
+        <p:nvSpPr>
+          <p:cNvPr id="36" name="矩形 35">
+            <a:extLst>
+              <a:ext uri="{FF2B5EF4-FFF2-40B4-BE49-F238E27FC236}">
+                <a16:creationId xmlns:a16="http://schemas.microsoft.com/office/drawing/2014/main" id="{BA257D5E-29B8-438A-9616-DB667E994AB9}"/>
+              </a:ext>
+            </a:extLst>
+          </p:cNvPr>
+          <p:cNvSpPr/>
+          <p:nvPr/>
+        </p:nvSpPr>
+        <p:spPr>
+          <a:xfrm>
+            <a:off x="3993328" y="5241480"/>
+            <a:ext cx="412736" cy="192049"/>
+          </a:xfrm>
+          <a:prstGeom prst="rect">
+            <a:avLst/>
+          </a:prstGeom>
+          <a:solidFill>
+            <a:schemeClr val="accent5">
+              <a:lumMod val="60000"/>
+              <a:lumOff val="40000"/>
+            </a:schemeClr>
+          </a:solidFill>
+        </p:spPr>
+        <p:style>
+          <a:lnRef idx="2">
+            <a:schemeClr val="accent1">
+              <a:shade val="50000"/>
+            </a:schemeClr>
+          </a:lnRef>
+          <a:fillRef idx="1">
+            <a:schemeClr val="accent1"/>
+          </a:fillRef>
+          <a:effectRef idx="0">
+            <a:schemeClr val="accent1"/>
+          </a:effectRef>
+          <a:fontRef idx="minor">
+            <a:schemeClr val="lt1"/>
+          </a:fontRef>
+        </p:style>
+        <p:txBody>
+          <a:bodyPr rtlCol="0" anchor="ctr"/>
+          <a:lstStyle/>
+          <a:p>
+            <a:pPr algn="ctr"/>
+            <a:endParaRPr lang="zh-CN" altLang="en-US"/>
+          </a:p>
+        </p:txBody>
+      </p:sp>
+      <p:sp>
+        <p:nvSpPr>
+          <p:cNvPr id="37" name="矩形 36">
+            <a:extLst>
+              <a:ext uri="{FF2B5EF4-FFF2-40B4-BE49-F238E27FC236}">
+                <a16:creationId xmlns:a16="http://schemas.microsoft.com/office/drawing/2014/main" id="{C8CEAB7F-F7FE-47D1-864A-C498EBADF550}"/>
+              </a:ext>
+            </a:extLst>
+          </p:cNvPr>
+          <p:cNvSpPr/>
+          <p:nvPr/>
+        </p:nvSpPr>
+        <p:spPr>
+          <a:xfrm>
+            <a:off x="4976152" y="4858260"/>
+            <a:ext cx="412736" cy="192049"/>
+          </a:xfrm>
+          <a:prstGeom prst="rect">
+            <a:avLst/>
+          </a:prstGeom>
+          <a:solidFill>
+            <a:schemeClr val="accent5">
+              <a:lumMod val="60000"/>
+              <a:lumOff val="40000"/>
+            </a:schemeClr>
+          </a:solidFill>
+        </p:spPr>
+        <p:style>
+          <a:lnRef idx="2">
+            <a:schemeClr val="accent1">
+              <a:shade val="50000"/>
+            </a:schemeClr>
+          </a:lnRef>
+          <a:fillRef idx="1">
+            <a:schemeClr val="accent1"/>
+          </a:fillRef>
+          <a:effectRef idx="0">
+            <a:schemeClr val="accent1"/>
+          </a:effectRef>
+          <a:fontRef idx="minor">
+            <a:schemeClr val="lt1"/>
+          </a:fontRef>
+        </p:style>
+        <p:txBody>
+          <a:bodyPr rtlCol="0" anchor="ctr"/>
+          <a:lstStyle/>
+          <a:p>
+            <a:pPr algn="ctr"/>
+            <a:endParaRPr lang="zh-CN" altLang="en-US"/>
+          </a:p>
+        </p:txBody>
+      </p:sp>
+      <p:sp>
+        <p:nvSpPr>
+          <p:cNvPr id="38" name="矩形 37">
+            <a:extLst>
+              <a:ext uri="{FF2B5EF4-FFF2-40B4-BE49-F238E27FC236}">
+                <a16:creationId xmlns:a16="http://schemas.microsoft.com/office/drawing/2014/main" id="{71511E28-5F88-4C73-833D-7F1FA8577080}"/>
+              </a:ext>
+            </a:extLst>
+          </p:cNvPr>
+          <p:cNvSpPr/>
+          <p:nvPr/>
+        </p:nvSpPr>
+        <p:spPr>
+          <a:xfrm>
+            <a:off x="4976152" y="5050309"/>
+            <a:ext cx="412736" cy="192049"/>
+          </a:xfrm>
+          <a:prstGeom prst="rect">
+            <a:avLst/>
+          </a:prstGeom>
+          <a:solidFill>
+            <a:schemeClr val="accent5">
+              <a:lumMod val="60000"/>
+              <a:lumOff val="40000"/>
+            </a:schemeClr>
+          </a:solidFill>
+        </p:spPr>
+        <p:style>
+          <a:lnRef idx="2">
+            <a:schemeClr val="accent1">
+              <a:shade val="50000"/>
+            </a:schemeClr>
+          </a:lnRef>
+          <a:fillRef idx="1">
+            <a:schemeClr val="accent1"/>
+          </a:fillRef>
+          <a:effectRef idx="0">
+            <a:schemeClr val="accent1"/>
+          </a:effectRef>
+          <a:fontRef idx="minor">
+            <a:schemeClr val="lt1"/>
+          </a:fontRef>
+        </p:style>
+        <p:txBody>
+          <a:bodyPr rtlCol="0" anchor="ctr"/>
+          <a:lstStyle/>
+          <a:p>
+            <a:pPr algn="ctr"/>
+            <a:endParaRPr lang="zh-CN" altLang="en-US"/>
+          </a:p>
+        </p:txBody>
+      </p:sp>
+      <p:sp>
+        <p:nvSpPr>
+          <p:cNvPr id="39" name="矩形 38">
+            <a:extLst>
+              <a:ext uri="{FF2B5EF4-FFF2-40B4-BE49-F238E27FC236}">
+                <a16:creationId xmlns:a16="http://schemas.microsoft.com/office/drawing/2014/main" id="{2AC02A54-930B-4F37-8C63-C6FEA962DAE3}"/>
+              </a:ext>
+            </a:extLst>
+          </p:cNvPr>
+          <p:cNvSpPr/>
+          <p:nvPr/>
+        </p:nvSpPr>
+        <p:spPr>
+          <a:xfrm>
+            <a:off x="4976152" y="5241480"/>
+            <a:ext cx="412736" cy="192049"/>
+          </a:xfrm>
+          <a:prstGeom prst="rect">
+            <a:avLst/>
+          </a:prstGeom>
+          <a:solidFill>
+            <a:schemeClr val="accent5">
+              <a:lumMod val="60000"/>
+              <a:lumOff val="40000"/>
+            </a:schemeClr>
+          </a:solidFill>
+        </p:spPr>
+        <p:style>
+          <a:lnRef idx="2">
+            <a:schemeClr val="accent1">
+              <a:shade val="50000"/>
+            </a:schemeClr>
+          </a:lnRef>
+          <a:fillRef idx="1">
+            <a:schemeClr val="accent1"/>
+          </a:fillRef>
+          <a:effectRef idx="0">
+            <a:schemeClr val="accent1"/>
+          </a:effectRef>
+          <a:fontRef idx="minor">
+            <a:schemeClr val="lt1"/>
+          </a:fontRef>
+        </p:style>
+        <p:txBody>
+          <a:bodyPr rtlCol="0" anchor="ctr"/>
+          <a:lstStyle/>
+          <a:p>
+            <a:pPr algn="ctr"/>
+            <a:endParaRPr lang="zh-CN" altLang="en-US"/>
+          </a:p>
+        </p:txBody>
+      </p:sp>
+      <p:sp>
+        <p:nvSpPr>
+          <p:cNvPr id="40" name="矩形 39">
+            <a:extLst>
+              <a:ext uri="{FF2B5EF4-FFF2-40B4-BE49-F238E27FC236}">
+                <a16:creationId xmlns:a16="http://schemas.microsoft.com/office/drawing/2014/main" id="{B6D11DA8-AFA0-401A-8BBF-67EDA0096F3B}"/>
+              </a:ext>
+            </a:extLst>
+          </p:cNvPr>
+          <p:cNvSpPr/>
+          <p:nvPr/>
+        </p:nvSpPr>
+        <p:spPr>
+          <a:xfrm>
+            <a:off x="5958976" y="4858260"/>
+            <a:ext cx="412736" cy="192049"/>
+          </a:xfrm>
+          <a:prstGeom prst="rect">
+            <a:avLst/>
+          </a:prstGeom>
+          <a:solidFill>
+            <a:schemeClr val="accent5">
+              <a:lumMod val="60000"/>
+              <a:lumOff val="40000"/>
+            </a:schemeClr>
+          </a:solidFill>
+        </p:spPr>
+        <p:style>
+          <a:lnRef idx="2">
+            <a:schemeClr val="accent1">
+              <a:shade val="50000"/>
+            </a:schemeClr>
+          </a:lnRef>
+          <a:fillRef idx="1">
+            <a:schemeClr val="accent1"/>
+          </a:fillRef>
+          <a:effectRef idx="0">
+            <a:schemeClr val="accent1"/>
+          </a:effectRef>
+          <a:fontRef idx="minor">
+            <a:schemeClr val="lt1"/>
+          </a:fontRef>
+        </p:style>
+        <p:txBody>
+          <a:bodyPr rtlCol="0" anchor="ctr"/>
+          <a:lstStyle/>
+          <a:p>
+            <a:pPr algn="ctr"/>
+            <a:endParaRPr lang="zh-CN" altLang="en-US"/>
+          </a:p>
+        </p:txBody>
+      </p:sp>
+      <p:sp>
+        <p:nvSpPr>
+          <p:cNvPr id="41" name="矩形 40">
+            <a:extLst>
+              <a:ext uri="{FF2B5EF4-FFF2-40B4-BE49-F238E27FC236}">
+                <a16:creationId xmlns:a16="http://schemas.microsoft.com/office/drawing/2014/main" id="{F6CB42D0-A980-4250-A222-C64F202E0359}"/>
+              </a:ext>
+            </a:extLst>
+          </p:cNvPr>
+          <p:cNvSpPr/>
+          <p:nvPr/>
+        </p:nvSpPr>
+        <p:spPr>
+          <a:xfrm>
+            <a:off x="5958976" y="5050309"/>
+            <a:ext cx="412736" cy="192049"/>
+          </a:xfrm>
+          <a:prstGeom prst="rect">
+            <a:avLst/>
+          </a:prstGeom>
+          <a:solidFill>
+            <a:schemeClr val="accent5">
+              <a:lumMod val="60000"/>
+              <a:lumOff val="40000"/>
+            </a:schemeClr>
+          </a:solidFill>
+        </p:spPr>
+        <p:style>
+          <a:lnRef idx="2">
+            <a:schemeClr val="accent1">
+              <a:shade val="50000"/>
+            </a:schemeClr>
+          </a:lnRef>
+          <a:fillRef idx="1">
+            <a:schemeClr val="accent1"/>
+          </a:fillRef>
+          <a:effectRef idx="0">
+            <a:schemeClr val="accent1"/>
+          </a:effectRef>
+          <a:fontRef idx="minor">
+            <a:schemeClr val="lt1"/>
+          </a:fontRef>
+        </p:style>
+        <p:txBody>
+          <a:bodyPr rtlCol="0" anchor="ctr"/>
+          <a:lstStyle/>
+          <a:p>
+            <a:pPr algn="ctr"/>
+            <a:endParaRPr lang="zh-CN" altLang="en-US"/>
+          </a:p>
+        </p:txBody>
+      </p:sp>
+      <p:sp>
+        <p:nvSpPr>
+          <p:cNvPr id="42" name="矩形 41">
+            <a:extLst>
+              <a:ext uri="{FF2B5EF4-FFF2-40B4-BE49-F238E27FC236}">
+                <a16:creationId xmlns:a16="http://schemas.microsoft.com/office/drawing/2014/main" id="{DE45F789-6F80-44AA-BDE6-C15F498EC27F}"/>
+              </a:ext>
+            </a:extLst>
+          </p:cNvPr>
+          <p:cNvSpPr/>
+          <p:nvPr/>
+        </p:nvSpPr>
+        <p:spPr>
+          <a:xfrm>
+            <a:off x="5958976" y="5241480"/>
+            <a:ext cx="412736" cy="192049"/>
+          </a:xfrm>
+          <a:prstGeom prst="rect">
+            <a:avLst/>
+          </a:prstGeom>
+          <a:solidFill>
+            <a:schemeClr val="accent5">
+              <a:lumMod val="60000"/>
+              <a:lumOff val="40000"/>
+            </a:schemeClr>
+          </a:solidFill>
+        </p:spPr>
+        <p:style>
+          <a:lnRef idx="2">
+            <a:schemeClr val="accent1">
+              <a:shade val="50000"/>
+            </a:schemeClr>
+          </a:lnRef>
+          <a:fillRef idx="1">
+            <a:schemeClr val="accent1"/>
+          </a:fillRef>
+          <a:effectRef idx="0">
+            <a:schemeClr val="accent1"/>
+          </a:effectRef>
+          <a:fontRef idx="minor">
+            <a:schemeClr val="lt1"/>
+          </a:fontRef>
+        </p:style>
+        <p:txBody>
+          <a:bodyPr rtlCol="0" anchor="ctr"/>
+          <a:lstStyle/>
+          <a:p>
+            <a:pPr algn="ctr"/>
+            <a:endParaRPr lang="zh-CN" altLang="en-US"/>
+          </a:p>
+        </p:txBody>
+      </p:sp>
+      <p:sp>
+        <p:nvSpPr>
+          <p:cNvPr id="43" name="矩形 42">
+            <a:extLst>
+              <a:ext uri="{FF2B5EF4-FFF2-40B4-BE49-F238E27FC236}">
+                <a16:creationId xmlns:a16="http://schemas.microsoft.com/office/drawing/2014/main" id="{53FE76BB-EEC1-4ED6-8323-2505BCB993E5}"/>
+              </a:ext>
+            </a:extLst>
+          </p:cNvPr>
+          <p:cNvSpPr/>
+          <p:nvPr/>
+        </p:nvSpPr>
+        <p:spPr>
+          <a:xfrm>
+            <a:off x="6941800" y="4858260"/>
+            <a:ext cx="412736" cy="192049"/>
+          </a:xfrm>
+          <a:prstGeom prst="rect">
+            <a:avLst/>
+          </a:prstGeom>
+          <a:solidFill>
+            <a:schemeClr val="accent5">
+              <a:lumMod val="60000"/>
+              <a:lumOff val="40000"/>
+            </a:schemeClr>
+          </a:solidFill>
+        </p:spPr>
+        <p:style>
+          <a:lnRef idx="2">
+            <a:schemeClr val="accent1">
+              <a:shade val="50000"/>
+            </a:schemeClr>
+          </a:lnRef>
+          <a:fillRef idx="1">
+            <a:schemeClr val="accent1"/>
+          </a:fillRef>
+          <a:effectRef idx="0">
+            <a:schemeClr val="accent1"/>
+          </a:effectRef>
+          <a:fontRef idx="minor">
+            <a:schemeClr val="lt1"/>
+          </a:fontRef>
+        </p:style>
+        <p:txBody>
+          <a:bodyPr rtlCol="0" anchor="ctr"/>
+          <a:lstStyle/>
+          <a:p>
+            <a:pPr algn="ctr"/>
+            <a:endParaRPr lang="zh-CN" altLang="en-US"/>
+          </a:p>
+        </p:txBody>
+      </p:sp>
+      <p:sp>
+        <p:nvSpPr>
+          <p:cNvPr id="44" name="矩形 43">
+            <a:extLst>
+              <a:ext uri="{FF2B5EF4-FFF2-40B4-BE49-F238E27FC236}">
+                <a16:creationId xmlns:a16="http://schemas.microsoft.com/office/drawing/2014/main" id="{D34CF879-AA45-4003-B8BB-4E1C47E1CBE6}"/>
+              </a:ext>
+            </a:extLst>
+          </p:cNvPr>
+          <p:cNvSpPr/>
+          <p:nvPr/>
+        </p:nvSpPr>
+        <p:spPr>
+          <a:xfrm>
+            <a:off x="6941800" y="5050309"/>
+            <a:ext cx="412736" cy="192049"/>
+          </a:xfrm>
+          <a:prstGeom prst="rect">
+            <a:avLst/>
+          </a:prstGeom>
+          <a:solidFill>
+            <a:schemeClr val="accent5">
+              <a:lumMod val="60000"/>
+              <a:lumOff val="40000"/>
+            </a:schemeClr>
+          </a:solidFill>
+        </p:spPr>
+        <p:style>
+          <a:lnRef idx="2">
+            <a:schemeClr val="accent1">
+              <a:shade val="50000"/>
+            </a:schemeClr>
+          </a:lnRef>
+          <a:fillRef idx="1">
+            <a:schemeClr val="accent1"/>
+          </a:fillRef>
+          <a:effectRef idx="0">
+            <a:schemeClr val="accent1"/>
+          </a:effectRef>
+          <a:fontRef idx="minor">
+            <a:schemeClr val="lt1"/>
+          </a:fontRef>
+        </p:style>
+        <p:txBody>
+          <a:bodyPr rtlCol="0" anchor="ctr"/>
+          <a:lstStyle/>
+          <a:p>
+            <a:pPr algn="ctr"/>
+            <a:endParaRPr lang="zh-CN" altLang="en-US"/>
+          </a:p>
+        </p:txBody>
+      </p:sp>
+      <p:sp>
+        <p:nvSpPr>
+          <p:cNvPr id="45" name="矩形 44">
+            <a:extLst>
+              <a:ext uri="{FF2B5EF4-FFF2-40B4-BE49-F238E27FC236}">
+                <a16:creationId xmlns:a16="http://schemas.microsoft.com/office/drawing/2014/main" id="{ACE49E2E-2308-4D5D-BC15-900F0A15C12B}"/>
+              </a:ext>
+            </a:extLst>
+          </p:cNvPr>
+          <p:cNvSpPr/>
+          <p:nvPr/>
+        </p:nvSpPr>
+        <p:spPr>
+          <a:xfrm>
+            <a:off x="6941800" y="5241480"/>
+            <a:ext cx="412736" cy="192049"/>
+          </a:xfrm>
+          <a:prstGeom prst="rect">
+            <a:avLst/>
+          </a:prstGeom>
+          <a:solidFill>
+            <a:schemeClr val="accent5">
+              <a:lumMod val="60000"/>
+              <a:lumOff val="40000"/>
+            </a:schemeClr>
+          </a:solidFill>
+        </p:spPr>
+        <p:style>
+          <a:lnRef idx="2">
+            <a:schemeClr val="accent1">
+              <a:shade val="50000"/>
+            </a:schemeClr>
+          </a:lnRef>
+          <a:fillRef idx="1">
+            <a:schemeClr val="accent1"/>
+          </a:fillRef>
+          <a:effectRef idx="0">
+            <a:schemeClr val="accent1"/>
+          </a:effectRef>
+          <a:fontRef idx="minor">
+            <a:schemeClr val="lt1"/>
+          </a:fontRef>
+        </p:style>
+        <p:txBody>
+          <a:bodyPr rtlCol="0" anchor="ctr"/>
+          <a:lstStyle/>
+          <a:p>
+            <a:pPr algn="ctr"/>
+            <a:endParaRPr lang="zh-CN" altLang="en-US"/>
+          </a:p>
+        </p:txBody>
+      </p:sp>
+      <p:sp>
+        <p:nvSpPr>
+          <p:cNvPr id="46" name="矩形 45">
+            <a:extLst>
+              <a:ext uri="{FF2B5EF4-FFF2-40B4-BE49-F238E27FC236}">
+                <a16:creationId xmlns:a16="http://schemas.microsoft.com/office/drawing/2014/main" id="{0A41E565-DE25-4924-B353-74D5C7C28E11}"/>
+              </a:ext>
+            </a:extLst>
+          </p:cNvPr>
+          <p:cNvSpPr/>
+          <p:nvPr/>
+        </p:nvSpPr>
+        <p:spPr>
+          <a:xfrm>
+            <a:off x="7924624" y="4858260"/>
+            <a:ext cx="412736" cy="192049"/>
+          </a:xfrm>
+          <a:prstGeom prst="rect">
+            <a:avLst/>
+          </a:prstGeom>
+          <a:solidFill>
+            <a:schemeClr val="accent5">
+              <a:lumMod val="60000"/>
+              <a:lumOff val="40000"/>
+            </a:schemeClr>
+          </a:solidFill>
+        </p:spPr>
+        <p:style>
+          <a:lnRef idx="2">
+            <a:schemeClr val="accent1">
+              <a:shade val="50000"/>
+            </a:schemeClr>
+          </a:lnRef>
+          <a:fillRef idx="1">
+            <a:schemeClr val="accent1"/>
+          </a:fillRef>
+          <a:effectRef idx="0">
+            <a:schemeClr val="accent1"/>
+          </a:effectRef>
+          <a:fontRef idx="minor">
+            <a:schemeClr val="lt1"/>
+          </a:fontRef>
+        </p:style>
+        <p:txBody>
+          <a:bodyPr rtlCol="0" anchor="ctr"/>
+          <a:lstStyle/>
+          <a:p>
+            <a:pPr algn="ctr"/>
+            <a:endParaRPr lang="zh-CN" altLang="en-US"/>
+          </a:p>
+        </p:txBody>
+      </p:sp>
+      <p:sp>
+        <p:nvSpPr>
+          <p:cNvPr id="47" name="矩形 46">
+            <a:extLst>
+              <a:ext uri="{FF2B5EF4-FFF2-40B4-BE49-F238E27FC236}">
+                <a16:creationId xmlns:a16="http://schemas.microsoft.com/office/drawing/2014/main" id="{FB26EBDA-AFDA-4180-97A3-590A1A945528}"/>
+              </a:ext>
+            </a:extLst>
+          </p:cNvPr>
+          <p:cNvSpPr/>
+          <p:nvPr/>
+        </p:nvSpPr>
+        <p:spPr>
+          <a:xfrm>
+            <a:off x="7924624" y="5050309"/>
+            <a:ext cx="412736" cy="192049"/>
+          </a:xfrm>
+          <a:prstGeom prst="rect">
+            <a:avLst/>
+          </a:prstGeom>
+          <a:solidFill>
+            <a:schemeClr val="accent5">
+              <a:lumMod val="60000"/>
+              <a:lumOff val="40000"/>
+            </a:schemeClr>
+          </a:solidFill>
+        </p:spPr>
+        <p:style>
+          <a:lnRef idx="2">
+            <a:schemeClr val="accent1">
+              <a:shade val="50000"/>
+            </a:schemeClr>
+          </a:lnRef>
+          <a:fillRef idx="1">
+            <a:schemeClr val="accent1"/>
+          </a:fillRef>
+          <a:effectRef idx="0">
+            <a:schemeClr val="accent1"/>
+          </a:effectRef>
+          <a:fontRef idx="minor">
+            <a:schemeClr val="lt1"/>
+          </a:fontRef>
+        </p:style>
+        <p:txBody>
+          <a:bodyPr rtlCol="0" anchor="ctr"/>
+          <a:lstStyle/>
+          <a:p>
+            <a:pPr algn="ctr"/>
+            <a:endParaRPr lang="zh-CN" altLang="en-US"/>
+          </a:p>
+        </p:txBody>
+      </p:sp>
+      <p:sp>
+        <p:nvSpPr>
+          <p:cNvPr id="48" name="矩形 47">
+            <a:extLst>
+              <a:ext uri="{FF2B5EF4-FFF2-40B4-BE49-F238E27FC236}">
+                <a16:creationId xmlns:a16="http://schemas.microsoft.com/office/drawing/2014/main" id="{B94C4609-B564-4893-96E6-64EE014A216E}"/>
+              </a:ext>
+            </a:extLst>
+          </p:cNvPr>
+          <p:cNvSpPr/>
+          <p:nvPr/>
+        </p:nvSpPr>
+        <p:spPr>
+          <a:xfrm>
+            <a:off x="7924624" y="5241480"/>
+            <a:ext cx="412736" cy="192049"/>
+          </a:xfrm>
+          <a:prstGeom prst="rect">
+            <a:avLst/>
+          </a:prstGeom>
+          <a:solidFill>
+            <a:schemeClr val="accent5">
+              <a:lumMod val="60000"/>
+              <a:lumOff val="40000"/>
+            </a:schemeClr>
+          </a:solidFill>
+        </p:spPr>
+        <p:style>
+          <a:lnRef idx="2">
+            <a:schemeClr val="accent1">
+              <a:shade val="50000"/>
+            </a:schemeClr>
+          </a:lnRef>
+          <a:fillRef idx="1">
+            <a:schemeClr val="accent1"/>
+          </a:fillRef>
+          <a:effectRef idx="0">
+            <a:schemeClr val="accent1"/>
+          </a:effectRef>
+          <a:fontRef idx="minor">
+            <a:schemeClr val="lt1"/>
+          </a:fontRef>
+        </p:style>
+        <p:txBody>
+          <a:bodyPr rtlCol="0" anchor="ctr"/>
+          <a:lstStyle/>
+          <a:p>
+            <a:pPr algn="ctr"/>
+            <a:endParaRPr lang="zh-CN" altLang="en-US"/>
+          </a:p>
+        </p:txBody>
+      </p:sp>
+      <p:sp>
+        <p:nvSpPr>
+          <p:cNvPr id="49" name="矩形 48">
+            <a:extLst>
+              <a:ext uri="{FF2B5EF4-FFF2-40B4-BE49-F238E27FC236}">
+                <a16:creationId xmlns:a16="http://schemas.microsoft.com/office/drawing/2014/main" id="{6C81BEAF-516F-41DA-B6F1-089E0DC8127C}"/>
+              </a:ext>
+            </a:extLst>
+          </p:cNvPr>
+          <p:cNvSpPr/>
+          <p:nvPr/>
+        </p:nvSpPr>
+        <p:spPr>
+          <a:xfrm>
+            <a:off x="8768762" y="4858260"/>
+            <a:ext cx="412736" cy="192049"/>
+          </a:xfrm>
+          <a:prstGeom prst="rect">
+            <a:avLst/>
+          </a:prstGeom>
+          <a:solidFill>
+            <a:schemeClr val="accent5">
+              <a:lumMod val="60000"/>
+              <a:lumOff val="40000"/>
+            </a:schemeClr>
+          </a:solidFill>
+        </p:spPr>
+        <p:style>
+          <a:lnRef idx="2">
+            <a:schemeClr val="accent1">
+              <a:shade val="50000"/>
+            </a:schemeClr>
+          </a:lnRef>
+          <a:fillRef idx="1">
+            <a:schemeClr val="accent1"/>
+          </a:fillRef>
+          <a:effectRef idx="0">
+            <a:schemeClr val="accent1"/>
+          </a:effectRef>
+          <a:fontRef idx="minor">
+            <a:schemeClr val="lt1"/>
+          </a:fontRef>
+        </p:style>
+        <p:txBody>
+          <a:bodyPr rtlCol="0" anchor="ctr"/>
+          <a:lstStyle/>
+          <a:p>
+            <a:pPr algn="ctr"/>
+            <a:endParaRPr lang="zh-CN" altLang="en-US"/>
+          </a:p>
+        </p:txBody>
+      </p:sp>
+      <p:sp>
+        <p:nvSpPr>
+          <p:cNvPr id="50" name="矩形 49">
+            <a:extLst>
+              <a:ext uri="{FF2B5EF4-FFF2-40B4-BE49-F238E27FC236}">
+                <a16:creationId xmlns:a16="http://schemas.microsoft.com/office/drawing/2014/main" id="{EEA5C630-B438-4B4B-920F-D5C05C3B023B}"/>
+              </a:ext>
+            </a:extLst>
+          </p:cNvPr>
+          <p:cNvSpPr/>
+          <p:nvPr/>
+        </p:nvSpPr>
+        <p:spPr>
+          <a:xfrm>
+            <a:off x="8768762" y="5050309"/>
+            <a:ext cx="412736" cy="192049"/>
+          </a:xfrm>
+          <a:prstGeom prst="rect">
+            <a:avLst/>
+          </a:prstGeom>
+          <a:solidFill>
+            <a:schemeClr val="accent5">
+              <a:lumMod val="60000"/>
+              <a:lumOff val="40000"/>
+            </a:schemeClr>
+          </a:solidFill>
+        </p:spPr>
+        <p:style>
+          <a:lnRef idx="2">
+            <a:schemeClr val="accent1">
+              <a:shade val="50000"/>
+            </a:schemeClr>
+          </a:lnRef>
+          <a:fillRef idx="1">
+            <a:schemeClr val="accent1"/>
+          </a:fillRef>
+          <a:effectRef idx="0">
+            <a:schemeClr val="accent1"/>
+          </a:effectRef>
+          <a:fontRef idx="minor">
+            <a:schemeClr val="lt1"/>
+          </a:fontRef>
+        </p:style>
+        <p:txBody>
+          <a:bodyPr rtlCol="0" anchor="ctr"/>
+          <a:lstStyle/>
+          <a:p>
+            <a:pPr algn="ctr"/>
+            <a:endParaRPr lang="zh-CN" altLang="en-US"/>
+          </a:p>
+        </p:txBody>
+      </p:sp>
+      <p:sp>
+        <p:nvSpPr>
+          <p:cNvPr id="51" name="矩形 50">
+            <a:extLst>
+              <a:ext uri="{FF2B5EF4-FFF2-40B4-BE49-F238E27FC236}">
+                <a16:creationId xmlns:a16="http://schemas.microsoft.com/office/drawing/2014/main" id="{F9CC3A21-3CBD-4383-9CC3-B808C909DF53}"/>
+              </a:ext>
+            </a:extLst>
+          </p:cNvPr>
+          <p:cNvSpPr/>
+          <p:nvPr/>
+        </p:nvSpPr>
+        <p:spPr>
+          <a:xfrm>
+            <a:off x="8768762" y="5241480"/>
+            <a:ext cx="412736" cy="192049"/>
+          </a:xfrm>
+          <a:prstGeom prst="rect">
+            <a:avLst/>
+          </a:prstGeom>
+          <a:solidFill>
+            <a:schemeClr val="accent5">
+              <a:lumMod val="60000"/>
+              <a:lumOff val="40000"/>
+            </a:schemeClr>
+          </a:solidFill>
+        </p:spPr>
+        <p:style>
+          <a:lnRef idx="2">
+            <a:schemeClr val="accent1">
+              <a:shade val="50000"/>
+            </a:schemeClr>
+          </a:lnRef>
+          <a:fillRef idx="1">
+            <a:schemeClr val="accent1"/>
+          </a:fillRef>
+          <a:effectRef idx="0">
+            <a:schemeClr val="accent1"/>
+          </a:effectRef>
+          <a:fontRef idx="minor">
+            <a:schemeClr val="lt1"/>
+          </a:fontRef>
+        </p:style>
+        <p:txBody>
+          <a:bodyPr rtlCol="0" anchor="ctr"/>
+          <a:lstStyle/>
+          <a:p>
+            <a:pPr algn="ctr"/>
+            <a:endParaRPr lang="zh-CN" altLang="en-US"/>
+          </a:p>
+        </p:txBody>
+      </p:sp>
+      <p:sp>
+        <p:nvSpPr>
+          <p:cNvPr id="52" name="文本框 51">
+            <a:extLst>
+              <a:ext uri="{FF2B5EF4-FFF2-40B4-BE49-F238E27FC236}">
+                <a16:creationId xmlns:a16="http://schemas.microsoft.com/office/drawing/2014/main" id="{701074C7-CA91-4A71-A0B1-8F4EE9DA87A5}"/>
+              </a:ext>
+            </a:extLst>
+          </p:cNvPr>
+          <p:cNvSpPr txBox="1"/>
+          <p:nvPr/>
+        </p:nvSpPr>
+        <p:spPr>
+          <a:xfrm>
+            <a:off x="773172" y="5720330"/>
+            <a:ext cx="2089136" cy="369332"/>
+          </a:xfrm>
+          <a:prstGeom prst="rect">
+            <a:avLst/>
+          </a:prstGeom>
+          <a:noFill/>
+        </p:spPr>
+        <p:txBody>
+          <a:bodyPr wrap="square" rtlCol="0">
+            <a:spAutoFit/>
+          </a:bodyPr>
+          <a:lstStyle/>
+          <a:p>
+            <a:pPr algn="ctr"/>
+            <a:r>
+              <a:rPr lang="zh-CN" altLang="en-US" dirty="0"/>
+              <a:t>词</a:t>
+            </a:r>
+            <a:r>
+              <a:rPr lang="en-US" altLang="zh-CN" dirty="0"/>
+              <a:t> embedding</a:t>
+            </a:r>
+            <a:endParaRPr lang="zh-CN" altLang="en-US" dirty="0"/>
+          </a:p>
+        </p:txBody>
+      </p:sp>
+      <p:sp>
+        <p:nvSpPr>
+          <p:cNvPr id="53" name="文本框 52">
+            <a:extLst>
+              <a:ext uri="{FF2B5EF4-FFF2-40B4-BE49-F238E27FC236}">
+                <a16:creationId xmlns:a16="http://schemas.microsoft.com/office/drawing/2014/main" id="{D6753D65-B08C-4268-8E91-F55BE0C4E451}"/>
+              </a:ext>
+            </a:extLst>
+          </p:cNvPr>
+          <p:cNvSpPr txBox="1"/>
+          <p:nvPr/>
+        </p:nvSpPr>
+        <p:spPr>
+          <a:xfrm>
+            <a:off x="773172" y="4961667"/>
+            <a:ext cx="2089136" cy="369332"/>
+          </a:xfrm>
+          <a:prstGeom prst="rect">
+            <a:avLst/>
+          </a:prstGeom>
+          <a:noFill/>
+        </p:spPr>
+        <p:txBody>
+          <a:bodyPr wrap="square" rtlCol="0">
+            <a:spAutoFit/>
+          </a:bodyPr>
+          <a:lstStyle/>
+          <a:p>
+            <a:pPr algn="ctr"/>
+            <a:r>
+              <a:rPr lang="zh-CN" altLang="en-US" dirty="0"/>
+              <a:t>字</a:t>
+            </a:r>
+            <a:r>
+              <a:rPr lang="en-US" altLang="zh-CN" dirty="0"/>
+              <a:t> embedding</a:t>
+            </a:r>
+            <a:endParaRPr lang="zh-CN" altLang="en-US" dirty="0"/>
+          </a:p>
+        </p:txBody>
+      </p:sp>
+      <p:sp>
+        <p:nvSpPr>
+          <p:cNvPr id="54" name="矩形 53">
+            <a:extLst>
+              <a:ext uri="{FF2B5EF4-FFF2-40B4-BE49-F238E27FC236}">
+                <a16:creationId xmlns:a16="http://schemas.microsoft.com/office/drawing/2014/main" id="{4BFE35F6-DFEF-4DF5-A125-386914B8F368}"/>
+              </a:ext>
+            </a:extLst>
+          </p:cNvPr>
+          <p:cNvSpPr/>
+          <p:nvPr/>
+        </p:nvSpPr>
+        <p:spPr>
+          <a:xfrm>
+            <a:off x="3057159" y="3939974"/>
+            <a:ext cx="320525" cy="453831"/>
+          </a:xfrm>
+          <a:prstGeom prst="rect">
+            <a:avLst/>
+          </a:prstGeom>
+          <a:solidFill>
+            <a:srgbClr val="FF7C80"/>
+          </a:solidFill>
+        </p:spPr>
+        <p:style>
+          <a:lnRef idx="2">
+            <a:schemeClr val="accent1">
+              <a:shade val="50000"/>
+            </a:schemeClr>
+          </a:lnRef>
+          <a:fillRef idx="1">
+            <a:schemeClr val="accent1"/>
+          </a:fillRef>
+          <a:effectRef idx="0">
+            <a:schemeClr val="accent1"/>
+          </a:effectRef>
+          <a:fontRef idx="minor">
+            <a:schemeClr val="lt1"/>
+          </a:fontRef>
+        </p:style>
+        <p:txBody>
+          <a:bodyPr rtlCol="0" anchor="ctr"/>
+          <a:lstStyle/>
+          <a:p>
+            <a:pPr algn="ctr"/>
+            <a:endParaRPr lang="zh-CN" altLang="en-US"/>
+          </a:p>
+        </p:txBody>
+      </p:sp>
+      <p:sp>
+        <p:nvSpPr>
+          <p:cNvPr id="55" name="矩形 54">
+            <a:extLst>
+              <a:ext uri="{FF2B5EF4-FFF2-40B4-BE49-F238E27FC236}">
+                <a16:creationId xmlns:a16="http://schemas.microsoft.com/office/drawing/2014/main" id="{0DC7F849-2313-4153-B9CE-914B4AB42575}"/>
+              </a:ext>
+            </a:extLst>
+          </p:cNvPr>
+          <p:cNvSpPr/>
+          <p:nvPr/>
+        </p:nvSpPr>
+        <p:spPr>
+          <a:xfrm>
+            <a:off x="3062831" y="3305717"/>
+            <a:ext cx="308082" cy="478058"/>
+          </a:xfrm>
+          <a:prstGeom prst="rect">
+            <a:avLst/>
+          </a:prstGeom>
+          <a:solidFill>
+            <a:srgbClr val="FF7C80"/>
+          </a:solidFill>
+        </p:spPr>
+        <p:style>
+          <a:lnRef idx="2">
+            <a:schemeClr val="accent1">
+              <a:shade val="50000"/>
+            </a:schemeClr>
+          </a:lnRef>
+          <a:fillRef idx="1">
+            <a:schemeClr val="accent1"/>
+          </a:fillRef>
+          <a:effectRef idx="0">
+            <a:schemeClr val="accent1"/>
+          </a:effectRef>
+          <a:fontRef idx="minor">
+            <a:schemeClr val="lt1"/>
+          </a:fontRef>
+        </p:style>
+        <p:txBody>
+          <a:bodyPr rtlCol="0" anchor="ctr"/>
+          <a:lstStyle/>
+          <a:p>
+            <a:pPr algn="ctr"/>
+            <a:endParaRPr lang="zh-CN" altLang="en-US" dirty="0"/>
+          </a:p>
+        </p:txBody>
+      </p:sp>
+      <p:sp>
+        <p:nvSpPr>
+          <p:cNvPr id="56" name="矩形 55">
+            <a:extLst>
+              <a:ext uri="{FF2B5EF4-FFF2-40B4-BE49-F238E27FC236}">
+                <a16:creationId xmlns:a16="http://schemas.microsoft.com/office/drawing/2014/main" id="{0EBF8F40-4B92-4AF0-B679-B6532F9D8E91}"/>
+              </a:ext>
+            </a:extLst>
+          </p:cNvPr>
+          <p:cNvSpPr/>
+          <p:nvPr/>
+        </p:nvSpPr>
+        <p:spPr>
+          <a:xfrm>
+            <a:off x="2945736" y="3232925"/>
+            <a:ext cx="560932" cy="1266619"/>
+          </a:xfrm>
+          <a:prstGeom prst="rect">
+            <a:avLst/>
+          </a:prstGeom>
+          <a:noFill/>
+          <a:ln w="22225">
+            <a:solidFill>
+              <a:schemeClr val="tx1"/>
+            </a:solidFill>
+            <a:prstDash val="sysDash"/>
+          </a:ln>
+        </p:spPr>
+        <p:style>
+          <a:lnRef idx="2">
+            <a:schemeClr val="accent1">
+              <a:shade val="50000"/>
+            </a:schemeClr>
+          </a:lnRef>
+          <a:fillRef idx="1">
+            <a:schemeClr val="accent1"/>
+          </a:fillRef>
+          <a:effectRef idx="0">
+            <a:schemeClr val="accent1"/>
+          </a:effectRef>
+          <a:fontRef idx="minor">
+            <a:schemeClr val="lt1"/>
+          </a:fontRef>
+        </p:style>
+        <p:txBody>
+          <a:bodyPr rtlCol="0" anchor="ctr"/>
+          <a:lstStyle/>
+          <a:p>
+            <a:pPr algn="ctr"/>
+            <a:endParaRPr lang="zh-CN" altLang="en-US"/>
+          </a:p>
+        </p:txBody>
+      </p:sp>
+    </p:spTree>
+    <p:extLst>
+      <p:ext uri="{BB962C8B-B14F-4D97-AF65-F5344CB8AC3E}">
+        <p14:creationId xmlns:p14="http://schemas.microsoft.com/office/powerpoint/2010/main" val="2210766097"/>
+      </p:ext>
+    </p:extLst>
+  </p:cSld>
+  <p:clrMapOvr>
+    <a:masterClrMapping/>
+  </p:clrMapOvr>
+</p:sld>
+</file>
+
 <file path=ppt/theme/theme1.xml><?xml version="1.0" encoding="utf-8"?>
 <a:theme xmlns:a="http://schemas.openxmlformats.org/drawingml/2006/main" name="Office 主题​​">
   <a:themeElements>

--- a/论文图.pptx
+++ b/论文图.pptx
@@ -11,6 +11,7 @@
     <p:sldId id="259" r:id="rId5"/>
     <p:sldId id="260" r:id="rId6"/>
     <p:sldId id="261" r:id="rId7"/>
+    <p:sldId id="262" r:id="rId8"/>
   </p:sldIdLst>
   <p:sldSz cx="12192000" cy="6858000"/>
   <p:notesSz cx="6858000" cy="9144000"/>
@@ -19763,11 +19764,13 @@
             <a:avLst/>
           </a:prstGeom>
           <a:solidFill>
-            <a:schemeClr val="accent5">
-              <a:lumMod val="60000"/>
-              <a:lumOff val="40000"/>
-            </a:schemeClr>
+            <a:srgbClr val="8FAADC"/>
           </a:solidFill>
+          <a:ln w="25400">
+            <a:solidFill>
+              <a:schemeClr val="tx1"/>
+            </a:solidFill>
+          </a:ln>
         </p:spPr>
         <p:style>
           <a:lnRef idx="2">
@@ -19815,11 +19818,13 @@
             <a:avLst/>
           </a:prstGeom>
           <a:solidFill>
-            <a:schemeClr val="accent5">
-              <a:lumMod val="60000"/>
-              <a:lumOff val="40000"/>
-            </a:schemeClr>
+            <a:srgbClr val="8FAADC"/>
           </a:solidFill>
+          <a:ln w="25400">
+            <a:solidFill>
+              <a:schemeClr val="tx1"/>
+            </a:solidFill>
+          </a:ln>
         </p:spPr>
         <p:style>
           <a:lnRef idx="2">
@@ -19867,11 +19872,13 @@
             <a:avLst/>
           </a:prstGeom>
           <a:solidFill>
-            <a:schemeClr val="accent5">
-              <a:lumMod val="60000"/>
-              <a:lumOff val="40000"/>
-            </a:schemeClr>
+            <a:srgbClr val="8FAADC"/>
           </a:solidFill>
+          <a:ln w="25400">
+            <a:solidFill>
+              <a:schemeClr val="tx1"/>
+            </a:solidFill>
+          </a:ln>
         </p:spPr>
         <p:style>
           <a:lnRef idx="2">
@@ -19919,11 +19926,13 @@
             <a:avLst/>
           </a:prstGeom>
           <a:solidFill>
-            <a:schemeClr val="accent5">
-              <a:lumMod val="60000"/>
-              <a:lumOff val="40000"/>
-            </a:schemeClr>
+            <a:srgbClr val="8FAADC"/>
           </a:solidFill>
+          <a:ln w="25400">
+            <a:solidFill>
+              <a:schemeClr val="tx1"/>
+            </a:solidFill>
+          </a:ln>
         </p:spPr>
         <p:style>
           <a:lnRef idx="2">
@@ -19971,11 +19980,13 @@
             <a:avLst/>
           </a:prstGeom>
           <a:solidFill>
-            <a:schemeClr val="accent5">
-              <a:lumMod val="60000"/>
-              <a:lumOff val="40000"/>
-            </a:schemeClr>
+            <a:srgbClr val="8FAADC"/>
           </a:solidFill>
+          <a:ln w="25400">
+            <a:solidFill>
+              <a:schemeClr val="tx1"/>
+            </a:solidFill>
+          </a:ln>
         </p:spPr>
         <p:style>
           <a:lnRef idx="2">
@@ -20023,11 +20034,13 @@
             <a:avLst/>
           </a:prstGeom>
           <a:solidFill>
-            <a:schemeClr val="accent5">
-              <a:lumMod val="60000"/>
-              <a:lumOff val="40000"/>
-            </a:schemeClr>
+            <a:srgbClr val="8FAADC"/>
           </a:solidFill>
+          <a:ln w="25400">
+            <a:solidFill>
+              <a:schemeClr val="tx1"/>
+            </a:solidFill>
+          </a:ln>
         </p:spPr>
         <p:style>
           <a:lnRef idx="2">
@@ -20075,11 +20088,13 @@
             <a:avLst/>
           </a:prstGeom>
           <a:solidFill>
-            <a:schemeClr val="accent5">
-              <a:lumMod val="60000"/>
-              <a:lumOff val="40000"/>
-            </a:schemeClr>
+            <a:srgbClr val="8FAADC"/>
           </a:solidFill>
+          <a:ln w="25400">
+            <a:solidFill>
+              <a:schemeClr val="tx1"/>
+            </a:solidFill>
+          </a:ln>
         </p:spPr>
         <p:style>
           <a:lnRef idx="2">
@@ -20127,11 +20142,13 @@
             <a:avLst/>
           </a:prstGeom>
           <a:solidFill>
-            <a:schemeClr val="accent5">
-              <a:lumMod val="60000"/>
-              <a:lumOff val="40000"/>
-            </a:schemeClr>
+            <a:srgbClr val="8FAADC"/>
           </a:solidFill>
+          <a:ln w="25400">
+            <a:solidFill>
+              <a:schemeClr val="tx1"/>
+            </a:solidFill>
+          </a:ln>
         </p:spPr>
         <p:style>
           <a:lnRef idx="2">
@@ -20179,11 +20196,13 @@
             <a:avLst/>
           </a:prstGeom>
           <a:solidFill>
-            <a:schemeClr val="accent5">
-              <a:lumMod val="60000"/>
-              <a:lumOff val="40000"/>
-            </a:schemeClr>
+            <a:srgbClr val="8FAADC"/>
           </a:solidFill>
+          <a:ln w="25400">
+            <a:solidFill>
+              <a:schemeClr val="tx1"/>
+            </a:solidFill>
+          </a:ln>
         </p:spPr>
         <p:style>
           <a:lnRef idx="2">
@@ -20231,11 +20250,13 @@
             <a:avLst/>
           </a:prstGeom>
           <a:solidFill>
-            <a:schemeClr val="accent5">
-              <a:lumMod val="60000"/>
-              <a:lumOff val="40000"/>
-            </a:schemeClr>
+            <a:srgbClr val="8FAADC"/>
           </a:solidFill>
+          <a:ln w="25400">
+            <a:solidFill>
+              <a:schemeClr val="tx1"/>
+            </a:solidFill>
+          </a:ln>
         </p:spPr>
         <p:style>
           <a:lnRef idx="2">
@@ -20283,11 +20304,13 @@
             <a:avLst/>
           </a:prstGeom>
           <a:solidFill>
-            <a:schemeClr val="accent5">
-              <a:lumMod val="60000"/>
-              <a:lumOff val="40000"/>
-            </a:schemeClr>
+            <a:srgbClr val="8FAADC"/>
           </a:solidFill>
+          <a:ln w="25400">
+            <a:solidFill>
+              <a:schemeClr val="tx1"/>
+            </a:solidFill>
+          </a:ln>
         </p:spPr>
         <p:style>
           <a:lnRef idx="2">
@@ -20335,11 +20358,13 @@
             <a:avLst/>
           </a:prstGeom>
           <a:solidFill>
-            <a:schemeClr val="accent5">
-              <a:lumMod val="60000"/>
-              <a:lumOff val="40000"/>
-            </a:schemeClr>
+            <a:srgbClr val="8FAADC"/>
           </a:solidFill>
+          <a:ln w="25400">
+            <a:solidFill>
+              <a:schemeClr val="tx1"/>
+            </a:solidFill>
+          </a:ln>
         </p:spPr>
         <p:style>
           <a:lnRef idx="2">
@@ -20387,11 +20412,13 @@
             <a:avLst/>
           </a:prstGeom>
           <a:solidFill>
-            <a:schemeClr val="accent5">
-              <a:lumMod val="60000"/>
-              <a:lumOff val="40000"/>
-            </a:schemeClr>
+            <a:srgbClr val="8FAADC"/>
           </a:solidFill>
+          <a:ln w="25400">
+            <a:solidFill>
+              <a:schemeClr val="tx1"/>
+            </a:solidFill>
+          </a:ln>
         </p:spPr>
         <p:style>
           <a:lnRef idx="2">
@@ -20439,11 +20466,13 @@
             <a:avLst/>
           </a:prstGeom>
           <a:solidFill>
-            <a:schemeClr val="accent5">
-              <a:lumMod val="60000"/>
-              <a:lumOff val="40000"/>
-            </a:schemeClr>
+            <a:srgbClr val="8FAADC"/>
           </a:solidFill>
+          <a:ln w="25400">
+            <a:solidFill>
+              <a:schemeClr val="tx1"/>
+            </a:solidFill>
+          </a:ln>
         </p:spPr>
         <p:style>
           <a:lnRef idx="2">
@@ -20491,11 +20520,13 @@
             <a:avLst/>
           </a:prstGeom>
           <a:solidFill>
-            <a:schemeClr val="accent5">
-              <a:lumMod val="60000"/>
-              <a:lumOff val="40000"/>
-            </a:schemeClr>
+            <a:srgbClr val="8FAADC"/>
           </a:solidFill>
+          <a:ln w="25400">
+            <a:solidFill>
+              <a:schemeClr val="tx1"/>
+            </a:solidFill>
+          </a:ln>
         </p:spPr>
         <p:style>
           <a:lnRef idx="2">
@@ -20543,11 +20574,13 @@
             <a:avLst/>
           </a:prstGeom>
           <a:solidFill>
-            <a:schemeClr val="accent5">
-              <a:lumMod val="60000"/>
-              <a:lumOff val="40000"/>
-            </a:schemeClr>
+            <a:srgbClr val="8FAADC"/>
           </a:solidFill>
+          <a:ln w="25400">
+            <a:solidFill>
+              <a:schemeClr val="tx1"/>
+            </a:solidFill>
+          </a:ln>
         </p:spPr>
         <p:style>
           <a:lnRef idx="2">
@@ -20595,11 +20628,13 @@
             <a:avLst/>
           </a:prstGeom>
           <a:solidFill>
-            <a:schemeClr val="accent5">
-              <a:lumMod val="60000"/>
-              <a:lumOff val="40000"/>
-            </a:schemeClr>
+            <a:srgbClr val="8FAADC"/>
           </a:solidFill>
+          <a:ln w="25400">
+            <a:solidFill>
+              <a:schemeClr val="tx1"/>
+            </a:solidFill>
+          </a:ln>
         </p:spPr>
         <p:style>
           <a:lnRef idx="2">
@@ -20647,11 +20682,13 @@
             <a:avLst/>
           </a:prstGeom>
           <a:solidFill>
-            <a:schemeClr val="accent5">
-              <a:lumMod val="60000"/>
-              <a:lumOff val="40000"/>
-            </a:schemeClr>
+            <a:srgbClr val="8FAADC"/>
           </a:solidFill>
+          <a:ln w="25400">
+            <a:solidFill>
+              <a:schemeClr val="tx1"/>
+            </a:solidFill>
+          </a:ln>
         </p:spPr>
         <p:style>
           <a:lnRef idx="2">
@@ -20699,11 +20736,13 @@
             <a:avLst/>
           </a:prstGeom>
           <a:solidFill>
-            <a:schemeClr val="accent5">
-              <a:lumMod val="60000"/>
-              <a:lumOff val="40000"/>
-            </a:schemeClr>
+            <a:srgbClr val="8FAADC"/>
           </a:solidFill>
+          <a:ln w="25400">
+            <a:solidFill>
+              <a:schemeClr val="tx1"/>
+            </a:solidFill>
+          </a:ln>
         </p:spPr>
         <p:style>
           <a:lnRef idx="2">
@@ -20751,11 +20790,13 @@
             <a:avLst/>
           </a:prstGeom>
           <a:solidFill>
-            <a:schemeClr val="accent5">
-              <a:lumMod val="60000"/>
-              <a:lumOff val="40000"/>
-            </a:schemeClr>
+            <a:srgbClr val="8FAADC"/>
           </a:solidFill>
+          <a:ln w="25400">
+            <a:solidFill>
+              <a:schemeClr val="tx1"/>
+            </a:solidFill>
+          </a:ln>
         </p:spPr>
         <p:style>
           <a:lnRef idx="2">
@@ -20803,11 +20844,13 @@
             <a:avLst/>
           </a:prstGeom>
           <a:solidFill>
-            <a:schemeClr val="accent5">
-              <a:lumMod val="60000"/>
-              <a:lumOff val="40000"/>
-            </a:schemeClr>
+            <a:srgbClr val="8FAADC"/>
           </a:solidFill>
+          <a:ln w="25400">
+            <a:solidFill>
+              <a:schemeClr val="tx1"/>
+            </a:solidFill>
+          </a:ln>
         </p:spPr>
         <p:style>
           <a:lnRef idx="2">
@@ -20855,11 +20898,13 @@
             <a:avLst/>
           </a:prstGeom>
           <a:solidFill>
-            <a:schemeClr val="accent5">
-              <a:lumMod val="60000"/>
-              <a:lumOff val="40000"/>
-            </a:schemeClr>
+            <a:srgbClr val="8FAADC"/>
           </a:solidFill>
+          <a:ln w="25400">
+            <a:solidFill>
+              <a:schemeClr val="tx1"/>
+            </a:solidFill>
+          </a:ln>
         </p:spPr>
         <p:style>
           <a:lnRef idx="2">
@@ -20907,11 +20952,13 @@
             <a:avLst/>
           </a:prstGeom>
           <a:solidFill>
-            <a:schemeClr val="accent5">
-              <a:lumMod val="60000"/>
-              <a:lumOff val="40000"/>
-            </a:schemeClr>
+            <a:srgbClr val="8FAADC"/>
           </a:solidFill>
+          <a:ln w="25400">
+            <a:solidFill>
+              <a:schemeClr val="tx1"/>
+            </a:solidFill>
+          </a:ln>
         </p:spPr>
         <p:style>
           <a:lnRef idx="2">
@@ -20959,11 +21006,13 @@
             <a:avLst/>
           </a:prstGeom>
           <a:solidFill>
-            <a:schemeClr val="accent5">
-              <a:lumMod val="60000"/>
-              <a:lumOff val="40000"/>
-            </a:schemeClr>
+            <a:srgbClr val="8FAADC"/>
           </a:solidFill>
+          <a:ln w="25400">
+            <a:solidFill>
+              <a:schemeClr val="tx1"/>
+            </a:solidFill>
+          </a:ln>
         </p:spPr>
         <p:style>
           <a:lnRef idx="2">
@@ -21011,11 +21060,13 @@
             <a:avLst/>
           </a:prstGeom>
           <a:solidFill>
-            <a:schemeClr val="accent5">
-              <a:lumMod val="60000"/>
-              <a:lumOff val="40000"/>
-            </a:schemeClr>
+            <a:srgbClr val="8FAADC"/>
           </a:solidFill>
+          <a:ln w="25400">
+            <a:solidFill>
+              <a:schemeClr val="tx1"/>
+            </a:solidFill>
+          </a:ln>
         </p:spPr>
         <p:style>
           <a:lnRef idx="2">
@@ -21063,11 +21114,13 @@
             <a:avLst/>
           </a:prstGeom>
           <a:solidFill>
-            <a:schemeClr val="accent5">
-              <a:lumMod val="60000"/>
-              <a:lumOff val="40000"/>
-            </a:schemeClr>
+            <a:srgbClr val="8FAADC"/>
           </a:solidFill>
+          <a:ln w="25400">
+            <a:solidFill>
+              <a:schemeClr val="tx1"/>
+            </a:solidFill>
+          </a:ln>
         </p:spPr>
         <p:style>
           <a:lnRef idx="2">
@@ -21115,11 +21168,13 @@
             <a:avLst/>
           </a:prstGeom>
           <a:solidFill>
-            <a:schemeClr val="accent5">
-              <a:lumMod val="60000"/>
-              <a:lumOff val="40000"/>
-            </a:schemeClr>
+            <a:srgbClr val="8FAADC"/>
           </a:solidFill>
+          <a:ln w="25400">
+            <a:solidFill>
+              <a:schemeClr val="tx1"/>
+            </a:solidFill>
+          </a:ln>
         </p:spPr>
         <p:style>
           <a:lnRef idx="2">
@@ -21167,11 +21222,13 @@
             <a:avLst/>
           </a:prstGeom>
           <a:solidFill>
-            <a:schemeClr val="accent5">
-              <a:lumMod val="60000"/>
-              <a:lumOff val="40000"/>
-            </a:schemeClr>
+            <a:srgbClr val="8FAADC"/>
           </a:solidFill>
+          <a:ln w="25400">
+            <a:solidFill>
+              <a:schemeClr val="tx1"/>
+            </a:solidFill>
+          </a:ln>
         </p:spPr>
         <p:style>
           <a:lnRef idx="2">
@@ -21219,11 +21276,13 @@
             <a:avLst/>
           </a:prstGeom>
           <a:solidFill>
-            <a:schemeClr val="accent5">
-              <a:lumMod val="60000"/>
-              <a:lumOff val="40000"/>
-            </a:schemeClr>
+            <a:srgbClr val="8FAADC"/>
           </a:solidFill>
+          <a:ln w="25400">
+            <a:solidFill>
+              <a:schemeClr val="tx1"/>
+            </a:solidFill>
+          </a:ln>
         </p:spPr>
         <p:style>
           <a:lnRef idx="2">
@@ -21271,11 +21330,13 @@
             <a:avLst/>
           </a:prstGeom>
           <a:solidFill>
-            <a:schemeClr val="accent5">
-              <a:lumMod val="60000"/>
-              <a:lumOff val="40000"/>
-            </a:schemeClr>
+            <a:srgbClr val="8FAADC"/>
           </a:solidFill>
+          <a:ln w="25400">
+            <a:solidFill>
+              <a:schemeClr val="tx1"/>
+            </a:solidFill>
+          </a:ln>
         </p:spPr>
         <p:style>
           <a:lnRef idx="2">
@@ -21323,11 +21384,13 @@
             <a:avLst/>
           </a:prstGeom>
           <a:solidFill>
-            <a:schemeClr val="accent5">
-              <a:lumMod val="60000"/>
-              <a:lumOff val="40000"/>
-            </a:schemeClr>
+            <a:srgbClr val="8FAADC"/>
           </a:solidFill>
+          <a:ln w="25400">
+            <a:solidFill>
+              <a:schemeClr val="tx1"/>
+            </a:solidFill>
+          </a:ln>
         </p:spPr>
         <p:style>
           <a:lnRef idx="2">
@@ -21375,11 +21438,13 @@
             <a:avLst/>
           </a:prstGeom>
           <a:solidFill>
-            <a:schemeClr val="accent5">
-              <a:lumMod val="60000"/>
-              <a:lumOff val="40000"/>
-            </a:schemeClr>
+            <a:srgbClr val="8FAADC"/>
           </a:solidFill>
+          <a:ln w="25400">
+            <a:solidFill>
+              <a:schemeClr val="tx1"/>
+            </a:solidFill>
+          </a:ln>
         </p:spPr>
         <p:style>
           <a:lnRef idx="2">
@@ -21427,11 +21492,13 @@
             <a:avLst/>
           </a:prstGeom>
           <a:solidFill>
-            <a:schemeClr val="accent5">
-              <a:lumMod val="60000"/>
-              <a:lumOff val="40000"/>
-            </a:schemeClr>
+            <a:srgbClr val="8FAADC"/>
           </a:solidFill>
+          <a:ln w="25400">
+            <a:solidFill>
+              <a:schemeClr val="tx1"/>
+            </a:solidFill>
+          </a:ln>
         </p:spPr>
         <p:style>
           <a:lnRef idx="2">
@@ -21479,11 +21546,13 @@
             <a:avLst/>
           </a:prstGeom>
           <a:solidFill>
-            <a:schemeClr val="accent5">
-              <a:lumMod val="60000"/>
-              <a:lumOff val="40000"/>
-            </a:schemeClr>
+            <a:srgbClr val="8FAADC"/>
           </a:solidFill>
+          <a:ln w="25400">
+            <a:solidFill>
+              <a:schemeClr val="tx1"/>
+            </a:solidFill>
+          </a:ln>
         </p:spPr>
         <p:style>
           <a:lnRef idx="2">
@@ -21531,11 +21600,13 @@
             <a:avLst/>
           </a:prstGeom>
           <a:solidFill>
-            <a:schemeClr val="accent5">
-              <a:lumMod val="60000"/>
-              <a:lumOff val="40000"/>
-            </a:schemeClr>
+            <a:srgbClr val="8FAADC"/>
           </a:solidFill>
+          <a:ln w="25400">
+            <a:solidFill>
+              <a:schemeClr val="tx1"/>
+            </a:solidFill>
+          </a:ln>
         </p:spPr>
         <p:style>
           <a:lnRef idx="2">
@@ -21583,11 +21654,13 @@
             <a:avLst/>
           </a:prstGeom>
           <a:solidFill>
-            <a:schemeClr val="accent5">
-              <a:lumMod val="60000"/>
-              <a:lumOff val="40000"/>
-            </a:schemeClr>
+            <a:srgbClr val="8FAADC"/>
           </a:solidFill>
+          <a:ln w="25400">
+            <a:solidFill>
+              <a:schemeClr val="tx1"/>
+            </a:solidFill>
+          </a:ln>
         </p:spPr>
         <p:style>
           <a:lnRef idx="2">
@@ -21635,11 +21708,13 @@
             <a:avLst/>
           </a:prstGeom>
           <a:solidFill>
-            <a:schemeClr val="accent5">
-              <a:lumMod val="60000"/>
-              <a:lumOff val="40000"/>
-            </a:schemeClr>
+            <a:srgbClr val="8FAADC"/>
           </a:solidFill>
+          <a:ln w="25400">
+            <a:solidFill>
+              <a:schemeClr val="tx1"/>
+            </a:solidFill>
+          </a:ln>
         </p:spPr>
         <p:style>
           <a:lnRef idx="2">
@@ -21687,11 +21762,13 @@
             <a:avLst/>
           </a:prstGeom>
           <a:solidFill>
-            <a:schemeClr val="accent5">
-              <a:lumMod val="60000"/>
-              <a:lumOff val="40000"/>
-            </a:schemeClr>
+            <a:srgbClr val="8FAADC"/>
           </a:solidFill>
+          <a:ln w="25400">
+            <a:solidFill>
+              <a:schemeClr val="tx1"/>
+            </a:solidFill>
+          </a:ln>
         </p:spPr>
         <p:style>
           <a:lnRef idx="2">
@@ -21739,11 +21816,13 @@
             <a:avLst/>
           </a:prstGeom>
           <a:solidFill>
-            <a:schemeClr val="accent5">
-              <a:lumMod val="60000"/>
-              <a:lumOff val="40000"/>
-            </a:schemeClr>
+            <a:srgbClr val="8FAADC"/>
           </a:solidFill>
+          <a:ln w="25400">
+            <a:solidFill>
+              <a:schemeClr val="tx1"/>
+            </a:solidFill>
+          </a:ln>
         </p:spPr>
         <p:style>
           <a:lnRef idx="2">
@@ -21791,11 +21870,13 @@
             <a:avLst/>
           </a:prstGeom>
           <a:solidFill>
-            <a:schemeClr val="accent5">
-              <a:lumMod val="60000"/>
-              <a:lumOff val="40000"/>
-            </a:schemeClr>
+            <a:srgbClr val="8FAADC"/>
           </a:solidFill>
+          <a:ln w="25400">
+            <a:solidFill>
+              <a:schemeClr val="tx1"/>
+            </a:solidFill>
+          </a:ln>
         </p:spPr>
         <p:style>
           <a:lnRef idx="2">
@@ -21843,11 +21924,13 @@
             <a:avLst/>
           </a:prstGeom>
           <a:solidFill>
-            <a:schemeClr val="accent5">
-              <a:lumMod val="60000"/>
-              <a:lumOff val="40000"/>
-            </a:schemeClr>
+            <a:srgbClr val="8FAADC"/>
           </a:solidFill>
+          <a:ln w="25400">
+            <a:solidFill>
+              <a:schemeClr val="tx1"/>
+            </a:solidFill>
+          </a:ln>
         </p:spPr>
         <p:style>
           <a:lnRef idx="2">
@@ -21895,11 +21978,13 @@
             <a:avLst/>
           </a:prstGeom>
           <a:solidFill>
-            <a:schemeClr val="accent5">
-              <a:lumMod val="60000"/>
-              <a:lumOff val="40000"/>
-            </a:schemeClr>
+            <a:srgbClr val="8FAADC"/>
           </a:solidFill>
+          <a:ln w="25400">
+            <a:solidFill>
+              <a:schemeClr val="tx1"/>
+            </a:solidFill>
+          </a:ln>
         </p:spPr>
         <p:style>
           <a:lnRef idx="2">
@@ -22008,12 +22093,350 @@
           </a:p>
         </p:txBody>
       </p:sp>
-      <p:sp>
-        <p:nvSpPr>
-          <p:cNvPr id="54" name="矩形 53">
-            <a:extLst>
-              <a:ext uri="{FF2B5EF4-FFF2-40B4-BE49-F238E27FC236}">
-                <a16:creationId xmlns:a16="http://schemas.microsoft.com/office/drawing/2014/main" id="{4BFE35F6-DFEF-4DF5-A125-386914B8F368}"/>
+      <mc:AlternateContent xmlns:mc="http://schemas.openxmlformats.org/markup-compatibility/2006">
+        <mc:Choice xmlns:a14="http://schemas.microsoft.com/office/drawing/2010/main" Requires="a14">
+          <p:sp>
+            <p:nvSpPr>
+              <p:cNvPr id="54" name="矩形 53">
+                <a:extLst>
+                  <a:ext uri="{FF2B5EF4-FFF2-40B4-BE49-F238E27FC236}">
+                    <a16:creationId xmlns:a16="http://schemas.microsoft.com/office/drawing/2014/main" id="{4BFE35F6-DFEF-4DF5-A125-386914B8F368}"/>
+                  </a:ext>
+                </a:extLst>
+              </p:cNvPr>
+              <p:cNvSpPr/>
+              <p:nvPr/>
+            </p:nvSpPr>
+            <p:spPr>
+              <a:xfrm>
+                <a:off x="3042888" y="3926243"/>
+                <a:ext cx="347969" cy="392777"/>
+              </a:xfrm>
+              <a:prstGeom prst="rect">
+                <a:avLst/>
+              </a:prstGeom>
+              <a:solidFill>
+                <a:srgbClr val="FF7C80"/>
+              </a:solidFill>
+              <a:ln w="25400">
+                <a:solidFill>
+                  <a:schemeClr val="tx1"/>
+                </a:solidFill>
+              </a:ln>
+            </p:spPr>
+            <p:style>
+              <a:lnRef idx="2">
+                <a:schemeClr val="accent1">
+                  <a:shade val="50000"/>
+                </a:schemeClr>
+              </a:lnRef>
+              <a:fillRef idx="1">
+                <a:schemeClr val="accent1"/>
+              </a:fillRef>
+              <a:effectRef idx="0">
+                <a:schemeClr val="accent1"/>
+              </a:effectRef>
+              <a:fontRef idx="minor">
+                <a:schemeClr val="lt1"/>
+              </a:fontRef>
+            </p:style>
+            <p:txBody>
+              <a:bodyPr rtlCol="0" anchor="ctr"/>
+              <a:lstStyle/>
+              <a:p>
+                <a:pPr algn="ctr"/>
+                <a14:m>
+                  <m:oMathPara xmlns:m="http://schemas.openxmlformats.org/officeDocument/2006/math">
+                    <m:oMathParaPr>
+                      <m:jc m:val="right"/>
+                    </m:oMathParaPr>
+                    <m:oMath xmlns:m="http://schemas.openxmlformats.org/officeDocument/2006/math">
+                      <m:acc>
+                        <m:accPr>
+                          <m:chr m:val="⃗"/>
+                          <m:ctrlPr>
+                            <a:rPr lang="zh-CN" altLang="en-US" i="1" smtClean="0">
+                              <a:solidFill>
+                                <a:schemeClr val="tx1"/>
+                              </a:solidFill>
+                              <a:latin typeface="Cambria Math" panose="02040503050406030204" pitchFamily="18" charset="0"/>
+                            </a:rPr>
+                          </m:ctrlPr>
+                        </m:accPr>
+                        <m:e>
+                          <m:sSub>
+                            <m:sSubPr>
+                              <m:ctrlPr>
+                                <a:rPr lang="en-US" altLang="zh-CN" i="1" smtClean="0">
+                                  <a:solidFill>
+                                    <a:schemeClr val="tx1"/>
+                                  </a:solidFill>
+                                  <a:latin typeface="Cambria Math" panose="02040503050406030204" pitchFamily="18" charset="0"/>
+                                </a:rPr>
+                              </m:ctrlPr>
+                            </m:sSubPr>
+                            <m:e>
+                              <m:r>
+                                <a:rPr lang="en-US" altLang="zh-CN" b="0" i="1" smtClean="0">
+                                  <a:solidFill>
+                                    <a:schemeClr val="tx1"/>
+                                  </a:solidFill>
+                                  <a:latin typeface="Cambria Math" panose="02040503050406030204" pitchFamily="18" charset="0"/>
+                                </a:rPr>
+                                <m:t>h</m:t>
+                              </m:r>
+                            </m:e>
+                            <m:sub>
+                              <m:r>
+                                <a:rPr lang="en-US" altLang="zh-CN" b="0" i="1" smtClean="0">
+                                  <a:solidFill>
+                                    <a:schemeClr val="tx1"/>
+                                  </a:solidFill>
+                                  <a:latin typeface="Cambria Math" panose="02040503050406030204" pitchFamily="18" charset="0"/>
+                                </a:rPr>
+                                <m:t>1</m:t>
+                              </m:r>
+                            </m:sub>
+                          </m:sSub>
+                        </m:e>
+                      </m:acc>
+                    </m:oMath>
+                  </m:oMathPara>
+                </a14:m>
+                <a:endParaRPr lang="zh-CN" altLang="en-US" dirty="0">
+                  <a:solidFill>
+                    <a:schemeClr val="tx1"/>
+                  </a:solidFill>
+                </a:endParaRPr>
+              </a:p>
+            </p:txBody>
+          </p:sp>
+        </mc:Choice>
+        <mc:Fallback>
+          <p:sp>
+            <p:nvSpPr>
+              <p:cNvPr id="54" name="矩形 53">
+                <a:extLst>
+                  <a:ext uri="{FF2B5EF4-FFF2-40B4-BE49-F238E27FC236}">
+                    <a16:creationId xmlns:a16="http://schemas.microsoft.com/office/drawing/2014/main" id="{4BFE35F6-DFEF-4DF5-A125-386914B8F368}"/>
+                  </a:ext>
+                </a:extLst>
+              </p:cNvPr>
+              <p:cNvSpPr>
+                <a:spLocks noRot="1" noChangeAspect="1" noMove="1" noResize="1" noEditPoints="1" noAdjustHandles="1" noChangeArrowheads="1" noChangeShapeType="1" noTextEdit="1"/>
+              </p:cNvSpPr>
+              <p:nvPr/>
+            </p:nvSpPr>
+            <p:spPr>
+              <a:xfrm>
+                <a:off x="3042888" y="3926243"/>
+                <a:ext cx="347969" cy="392777"/>
+              </a:xfrm>
+              <a:prstGeom prst="rect">
+                <a:avLst/>
+              </a:prstGeom>
+              <a:blipFill>
+                <a:blip r:embed="rId2"/>
+                <a:stretch>
+                  <a:fillRect r="-3279"/>
+                </a:stretch>
+              </a:blipFill>
+              <a:ln w="25400">
+                <a:solidFill>
+                  <a:schemeClr val="tx1"/>
+                </a:solidFill>
+              </a:ln>
+            </p:spPr>
+            <p:txBody>
+              <a:bodyPr/>
+              <a:lstStyle/>
+              <a:p>
+                <a:r>
+                  <a:rPr lang="zh-CN" altLang="en-US">
+                    <a:noFill/>
+                  </a:rPr>
+                  <a:t> </a:t>
+                </a:r>
+              </a:p>
+            </p:txBody>
+          </p:sp>
+        </mc:Fallback>
+      </mc:AlternateContent>
+      <mc:AlternateContent xmlns:mc="http://schemas.openxmlformats.org/markup-compatibility/2006">
+        <mc:Choice xmlns:a14="http://schemas.microsoft.com/office/drawing/2010/main" Requires="a14">
+          <p:sp>
+            <p:nvSpPr>
+              <p:cNvPr id="55" name="矩形 54">
+                <a:extLst>
+                  <a:ext uri="{FF2B5EF4-FFF2-40B4-BE49-F238E27FC236}">
+                    <a16:creationId xmlns:a16="http://schemas.microsoft.com/office/drawing/2014/main" id="{0DC7F849-2313-4153-B9CE-914B4AB42575}"/>
+                  </a:ext>
+                </a:extLst>
+              </p:cNvPr>
+              <p:cNvSpPr/>
+              <p:nvPr/>
+            </p:nvSpPr>
+            <p:spPr>
+              <a:xfrm>
+                <a:off x="3042887" y="3375478"/>
+                <a:ext cx="347969" cy="333512"/>
+              </a:xfrm>
+              <a:prstGeom prst="rect">
+                <a:avLst/>
+              </a:prstGeom>
+              <a:solidFill>
+                <a:srgbClr val="FF7C80"/>
+              </a:solidFill>
+              <a:ln w="25400">
+                <a:solidFill>
+                  <a:schemeClr val="tx1"/>
+                </a:solidFill>
+              </a:ln>
+            </p:spPr>
+            <p:style>
+              <a:lnRef idx="2">
+                <a:schemeClr val="accent1">
+                  <a:shade val="50000"/>
+                </a:schemeClr>
+              </a:lnRef>
+              <a:fillRef idx="1">
+                <a:schemeClr val="accent1"/>
+              </a:fillRef>
+              <a:effectRef idx="0">
+                <a:schemeClr val="accent1"/>
+              </a:effectRef>
+              <a:fontRef idx="minor">
+                <a:schemeClr val="lt1"/>
+              </a:fontRef>
+            </p:style>
+            <p:txBody>
+              <a:bodyPr rtlCol="0" anchor="ctr"/>
+              <a:lstStyle/>
+              <a:p>
+                <a:pPr algn="ctr"/>
+                <a14:m>
+                  <m:oMathPara xmlns:m="http://schemas.openxmlformats.org/officeDocument/2006/math">
+                    <m:oMathParaPr>
+                      <m:jc m:val="right"/>
+                    </m:oMathParaPr>
+                    <m:oMath xmlns:m="http://schemas.openxmlformats.org/officeDocument/2006/math">
+                      <m:acc>
+                        <m:accPr>
+                          <m:chr m:val="⃖"/>
+                          <m:ctrlPr>
+                            <a:rPr lang="zh-CN" altLang="en-US" i="1" smtClean="0">
+                              <a:solidFill>
+                                <a:schemeClr val="tx1"/>
+                              </a:solidFill>
+                              <a:latin typeface="Cambria Math" panose="02040503050406030204" pitchFamily="18" charset="0"/>
+                            </a:rPr>
+                          </m:ctrlPr>
+                        </m:accPr>
+                        <m:e>
+                          <m:sSub>
+                            <m:sSubPr>
+                              <m:ctrlPr>
+                                <a:rPr lang="en-US" altLang="zh-CN" i="1" smtClean="0">
+                                  <a:solidFill>
+                                    <a:schemeClr val="tx1"/>
+                                  </a:solidFill>
+                                  <a:latin typeface="Cambria Math" panose="02040503050406030204" pitchFamily="18" charset="0"/>
+                                </a:rPr>
+                              </m:ctrlPr>
+                            </m:sSubPr>
+                            <m:e>
+                              <m:r>
+                                <a:rPr lang="en-US" altLang="zh-CN" b="0" i="1" smtClean="0">
+                                  <a:solidFill>
+                                    <a:schemeClr val="tx1"/>
+                                  </a:solidFill>
+                                  <a:latin typeface="Cambria Math" panose="02040503050406030204" pitchFamily="18" charset="0"/>
+                                </a:rPr>
+                                <m:t>h</m:t>
+                              </m:r>
+                            </m:e>
+                            <m:sub>
+                              <m:r>
+                                <a:rPr lang="en-US" altLang="zh-CN" b="0" i="1" smtClean="0">
+                                  <a:solidFill>
+                                    <a:schemeClr val="tx1"/>
+                                  </a:solidFill>
+                                  <a:latin typeface="Cambria Math" panose="02040503050406030204" pitchFamily="18" charset="0"/>
+                                </a:rPr>
+                                <m:t>1</m:t>
+                              </m:r>
+                            </m:sub>
+                          </m:sSub>
+                        </m:e>
+                      </m:acc>
+                    </m:oMath>
+                  </m:oMathPara>
+                </a14:m>
+                <a:endParaRPr lang="zh-CN" altLang="en-US" dirty="0">
+                  <a:solidFill>
+                    <a:schemeClr val="tx1"/>
+                  </a:solidFill>
+                </a:endParaRPr>
+              </a:p>
+            </p:txBody>
+          </p:sp>
+        </mc:Choice>
+        <mc:Fallback>
+          <p:sp>
+            <p:nvSpPr>
+              <p:cNvPr id="55" name="矩形 54">
+                <a:extLst>
+                  <a:ext uri="{FF2B5EF4-FFF2-40B4-BE49-F238E27FC236}">
+                    <a16:creationId xmlns:a16="http://schemas.microsoft.com/office/drawing/2014/main" id="{0DC7F849-2313-4153-B9CE-914B4AB42575}"/>
+                  </a:ext>
+                </a:extLst>
+              </p:cNvPr>
+              <p:cNvSpPr>
+                <a:spLocks noRot="1" noChangeAspect="1" noMove="1" noResize="1" noEditPoints="1" noAdjustHandles="1" noChangeArrowheads="1" noChangeShapeType="1" noTextEdit="1"/>
+              </p:cNvSpPr>
+              <p:nvPr/>
+            </p:nvSpPr>
+            <p:spPr>
+              <a:xfrm>
+                <a:off x="3042887" y="3375478"/>
+                <a:ext cx="347969" cy="333512"/>
+              </a:xfrm>
+              <a:prstGeom prst="rect">
+                <a:avLst/>
+              </a:prstGeom>
+              <a:blipFill>
+                <a:blip r:embed="rId3"/>
+                <a:stretch>
+                  <a:fillRect r="-3279" b="-8621"/>
+                </a:stretch>
+              </a:blipFill>
+              <a:ln w="25400">
+                <a:solidFill>
+                  <a:schemeClr val="tx1"/>
+                </a:solidFill>
+              </a:ln>
+            </p:spPr>
+            <p:txBody>
+              <a:bodyPr/>
+              <a:lstStyle/>
+              <a:p>
+                <a:r>
+                  <a:rPr lang="zh-CN" altLang="en-US">
+                    <a:noFill/>
+                  </a:rPr>
+                  <a:t> </a:t>
+                </a:r>
+              </a:p>
+            </p:txBody>
+          </p:sp>
+        </mc:Fallback>
+      </mc:AlternateContent>
+      <p:sp>
+        <p:nvSpPr>
+          <p:cNvPr id="56" name="矩形 55">
+            <a:extLst>
+              <a:ext uri="{FF2B5EF4-FFF2-40B4-BE49-F238E27FC236}">
+                <a16:creationId xmlns:a16="http://schemas.microsoft.com/office/drawing/2014/main" id="{0EBF8F40-4B92-4AF0-B679-B6532F9D8E91}"/>
               </a:ext>
             </a:extLst>
           </p:cNvPr>
@@ -22022,15 +22445,19 @@
         </p:nvSpPr>
         <p:spPr>
           <a:xfrm>
-            <a:off x="3057159" y="3939974"/>
-            <a:ext cx="320525" cy="453831"/>
+            <a:off x="2936405" y="3232925"/>
+            <a:ext cx="560932" cy="1266619"/>
           </a:xfrm>
           <a:prstGeom prst="rect">
             <a:avLst/>
           </a:prstGeom>
-          <a:solidFill>
-            <a:srgbClr val="FF7C80"/>
-          </a:solidFill>
+          <a:noFill/>
+          <a:ln w="15875">
+            <a:solidFill>
+              <a:schemeClr val="tx1"/>
+            </a:solidFill>
+            <a:prstDash val="sysDash"/>
+          </a:ln>
         </p:spPr>
         <p:style>
           <a:lnRef idx="2">
@@ -22053,16 +22480,404 @@
           <a:lstStyle/>
           <a:p>
             <a:pPr algn="ctr"/>
-            <a:endParaRPr lang="zh-CN" altLang="en-US"/>
-          </a:p>
-        </p:txBody>
-      </p:sp>
-      <p:sp>
-        <p:nvSpPr>
-          <p:cNvPr id="55" name="矩形 54">
-            <a:extLst>
-              <a:ext uri="{FF2B5EF4-FFF2-40B4-BE49-F238E27FC236}">
-                <a16:creationId xmlns:a16="http://schemas.microsoft.com/office/drawing/2014/main" id="{0DC7F849-2313-4153-B9CE-914B4AB42575}"/>
+            <a:endParaRPr lang="zh-CN" altLang="en-US">
+              <a:solidFill>
+                <a:schemeClr val="tx1"/>
+              </a:solidFill>
+            </a:endParaRPr>
+          </a:p>
+        </p:txBody>
+      </p:sp>
+      <p:cxnSp>
+        <p:nvCxnSpPr>
+          <p:cNvPr id="58" name="直接箭头连接符 57">
+            <a:extLst>
+              <a:ext uri="{FF2B5EF4-FFF2-40B4-BE49-F238E27FC236}">
+                <a16:creationId xmlns:a16="http://schemas.microsoft.com/office/drawing/2014/main" id="{335F324D-2CE2-45C1-ACCA-19978677587E}"/>
+              </a:ext>
+            </a:extLst>
+          </p:cNvPr>
+          <p:cNvCxnSpPr>
+            <a:cxnSpLocks/>
+            <a:stCxn id="31" idx="0"/>
+            <a:endCxn id="56" idx="2"/>
+          </p:cNvCxnSpPr>
+          <p:nvPr/>
+        </p:nvCxnSpPr>
+        <p:spPr>
+          <a:xfrm flipH="1" flipV="1">
+            <a:off x="3216871" y="4499544"/>
+            <a:ext cx="1" cy="358716"/>
+          </a:xfrm>
+          <a:prstGeom prst="straightConnector1">
+            <a:avLst/>
+          </a:prstGeom>
+          <a:ln w="25400">
+            <a:solidFill>
+              <a:schemeClr val="tx1"/>
+            </a:solidFill>
+            <a:tailEnd type="triangle"/>
+          </a:ln>
+        </p:spPr>
+        <p:style>
+          <a:lnRef idx="1">
+            <a:schemeClr val="accent1"/>
+          </a:lnRef>
+          <a:fillRef idx="0">
+            <a:schemeClr val="accent1"/>
+          </a:fillRef>
+          <a:effectRef idx="0">
+            <a:schemeClr val="accent1"/>
+          </a:effectRef>
+          <a:fontRef idx="minor">
+            <a:schemeClr val="tx1"/>
+          </a:fontRef>
+        </p:style>
+      </p:cxnSp>
+      <mc:AlternateContent xmlns:mc="http://schemas.openxmlformats.org/markup-compatibility/2006">
+        <mc:Choice xmlns:a14="http://schemas.microsoft.com/office/drawing/2010/main" Requires="a14">
+          <p:sp>
+            <p:nvSpPr>
+              <p:cNvPr id="61" name="矩形 60">
+                <a:extLst>
+                  <a:ext uri="{FF2B5EF4-FFF2-40B4-BE49-F238E27FC236}">
+                    <a16:creationId xmlns:a16="http://schemas.microsoft.com/office/drawing/2014/main" id="{92261A40-09B4-4132-9F9B-06B4A8F0E988}"/>
+                  </a:ext>
+                </a:extLst>
+              </p:cNvPr>
+              <p:cNvSpPr/>
+              <p:nvPr/>
+            </p:nvSpPr>
+            <p:spPr>
+              <a:xfrm>
+                <a:off x="4013469" y="3926243"/>
+                <a:ext cx="347969" cy="392777"/>
+              </a:xfrm>
+              <a:prstGeom prst="rect">
+                <a:avLst/>
+              </a:prstGeom>
+              <a:solidFill>
+                <a:srgbClr val="FF7C80"/>
+              </a:solidFill>
+              <a:ln w="25400">
+                <a:solidFill>
+                  <a:schemeClr val="tx1"/>
+                </a:solidFill>
+              </a:ln>
+            </p:spPr>
+            <p:style>
+              <a:lnRef idx="2">
+                <a:schemeClr val="accent1">
+                  <a:shade val="50000"/>
+                </a:schemeClr>
+              </a:lnRef>
+              <a:fillRef idx="1">
+                <a:schemeClr val="accent1"/>
+              </a:fillRef>
+              <a:effectRef idx="0">
+                <a:schemeClr val="accent1"/>
+              </a:effectRef>
+              <a:fontRef idx="minor">
+                <a:schemeClr val="lt1"/>
+              </a:fontRef>
+            </p:style>
+            <p:txBody>
+              <a:bodyPr rtlCol="0" anchor="ctr"/>
+              <a:lstStyle/>
+              <a:p>
+                <a:pPr algn="ctr"/>
+                <a14:m>
+                  <m:oMathPara xmlns:m="http://schemas.openxmlformats.org/officeDocument/2006/math">
+                    <m:oMathParaPr>
+                      <m:jc m:val="right"/>
+                    </m:oMathParaPr>
+                    <m:oMath xmlns:m="http://schemas.openxmlformats.org/officeDocument/2006/math">
+                      <m:acc>
+                        <m:accPr>
+                          <m:chr m:val="⃗"/>
+                          <m:ctrlPr>
+                            <a:rPr lang="zh-CN" altLang="en-US" i="1" smtClean="0">
+                              <a:solidFill>
+                                <a:schemeClr val="tx1"/>
+                              </a:solidFill>
+                              <a:latin typeface="Cambria Math" panose="02040503050406030204" pitchFamily="18" charset="0"/>
+                            </a:rPr>
+                          </m:ctrlPr>
+                        </m:accPr>
+                        <m:e>
+                          <m:sSub>
+                            <m:sSubPr>
+                              <m:ctrlPr>
+                                <a:rPr lang="en-US" altLang="zh-CN" i="1" smtClean="0">
+                                  <a:solidFill>
+                                    <a:schemeClr val="tx1"/>
+                                  </a:solidFill>
+                                  <a:latin typeface="Cambria Math" panose="02040503050406030204" pitchFamily="18" charset="0"/>
+                                </a:rPr>
+                              </m:ctrlPr>
+                            </m:sSubPr>
+                            <m:e>
+                              <m:r>
+                                <a:rPr lang="en-US" altLang="zh-CN" b="0" i="1" smtClean="0">
+                                  <a:solidFill>
+                                    <a:schemeClr val="tx1"/>
+                                  </a:solidFill>
+                                  <a:latin typeface="Cambria Math" panose="02040503050406030204" pitchFamily="18" charset="0"/>
+                                </a:rPr>
+                                <m:t>h</m:t>
+                              </m:r>
+                            </m:e>
+                            <m:sub>
+                              <m:r>
+                                <a:rPr lang="en-US" altLang="zh-CN" b="0" i="1" smtClean="0">
+                                  <a:solidFill>
+                                    <a:schemeClr val="tx1"/>
+                                  </a:solidFill>
+                                  <a:latin typeface="Cambria Math" panose="02040503050406030204" pitchFamily="18" charset="0"/>
+                                </a:rPr>
+                                <m:t>2</m:t>
+                              </m:r>
+                            </m:sub>
+                          </m:sSub>
+                        </m:e>
+                      </m:acc>
+                    </m:oMath>
+                  </m:oMathPara>
+                </a14:m>
+                <a:endParaRPr lang="zh-CN" altLang="en-US" dirty="0">
+                  <a:solidFill>
+                    <a:schemeClr val="tx1"/>
+                  </a:solidFill>
+                </a:endParaRPr>
+              </a:p>
+            </p:txBody>
+          </p:sp>
+        </mc:Choice>
+        <mc:Fallback>
+          <p:sp>
+            <p:nvSpPr>
+              <p:cNvPr id="61" name="矩形 60">
+                <a:extLst>
+                  <a:ext uri="{FF2B5EF4-FFF2-40B4-BE49-F238E27FC236}">
+                    <a16:creationId xmlns:a16="http://schemas.microsoft.com/office/drawing/2014/main" id="{92261A40-09B4-4132-9F9B-06B4A8F0E988}"/>
+                  </a:ext>
+                </a:extLst>
+              </p:cNvPr>
+              <p:cNvSpPr>
+                <a:spLocks noRot="1" noChangeAspect="1" noMove="1" noResize="1" noEditPoints="1" noAdjustHandles="1" noChangeArrowheads="1" noChangeShapeType="1" noTextEdit="1"/>
+              </p:cNvSpPr>
+              <p:nvPr/>
+            </p:nvSpPr>
+            <p:spPr>
+              <a:xfrm>
+                <a:off x="4013469" y="3926243"/>
+                <a:ext cx="347969" cy="392777"/>
+              </a:xfrm>
+              <a:prstGeom prst="rect">
+                <a:avLst/>
+              </a:prstGeom>
+              <a:blipFill>
+                <a:blip r:embed="rId4"/>
+                <a:stretch>
+                  <a:fillRect r="-4918"/>
+                </a:stretch>
+              </a:blipFill>
+              <a:ln w="25400">
+                <a:solidFill>
+                  <a:schemeClr val="tx1"/>
+                </a:solidFill>
+              </a:ln>
+            </p:spPr>
+            <p:txBody>
+              <a:bodyPr/>
+              <a:lstStyle/>
+              <a:p>
+                <a:r>
+                  <a:rPr lang="zh-CN" altLang="en-US">
+                    <a:noFill/>
+                  </a:rPr>
+                  <a:t> </a:t>
+                </a:r>
+              </a:p>
+            </p:txBody>
+          </p:sp>
+        </mc:Fallback>
+      </mc:AlternateContent>
+      <mc:AlternateContent xmlns:mc="http://schemas.openxmlformats.org/markup-compatibility/2006">
+        <mc:Choice xmlns:a14="http://schemas.microsoft.com/office/drawing/2010/main" Requires="a14">
+          <p:sp>
+            <p:nvSpPr>
+              <p:cNvPr id="62" name="矩形 61">
+                <a:extLst>
+                  <a:ext uri="{FF2B5EF4-FFF2-40B4-BE49-F238E27FC236}">
+                    <a16:creationId xmlns:a16="http://schemas.microsoft.com/office/drawing/2014/main" id="{75294BD4-1E7D-4E8C-90E4-741BFA88C0BE}"/>
+                  </a:ext>
+                </a:extLst>
+              </p:cNvPr>
+              <p:cNvSpPr/>
+              <p:nvPr/>
+            </p:nvSpPr>
+            <p:spPr>
+              <a:xfrm>
+                <a:off x="4013468" y="3375478"/>
+                <a:ext cx="347969" cy="333512"/>
+              </a:xfrm>
+              <a:prstGeom prst="rect">
+                <a:avLst/>
+              </a:prstGeom>
+              <a:solidFill>
+                <a:srgbClr val="FF7C80"/>
+              </a:solidFill>
+              <a:ln w="25400">
+                <a:solidFill>
+                  <a:schemeClr val="tx1"/>
+                </a:solidFill>
+              </a:ln>
+            </p:spPr>
+            <p:style>
+              <a:lnRef idx="2">
+                <a:schemeClr val="accent1">
+                  <a:shade val="50000"/>
+                </a:schemeClr>
+              </a:lnRef>
+              <a:fillRef idx="1">
+                <a:schemeClr val="accent1"/>
+              </a:fillRef>
+              <a:effectRef idx="0">
+                <a:schemeClr val="accent1"/>
+              </a:effectRef>
+              <a:fontRef idx="minor">
+                <a:schemeClr val="lt1"/>
+              </a:fontRef>
+            </p:style>
+            <p:txBody>
+              <a:bodyPr rtlCol="0" anchor="ctr"/>
+              <a:lstStyle/>
+              <a:p>
+                <a:pPr algn="ctr"/>
+                <a14:m>
+                  <m:oMathPara xmlns:m="http://schemas.openxmlformats.org/officeDocument/2006/math">
+                    <m:oMathParaPr>
+                      <m:jc m:val="right"/>
+                    </m:oMathParaPr>
+                    <m:oMath xmlns:m="http://schemas.openxmlformats.org/officeDocument/2006/math">
+                      <m:acc>
+                        <m:accPr>
+                          <m:chr m:val="⃖"/>
+                          <m:ctrlPr>
+                            <a:rPr lang="zh-CN" altLang="en-US" i="1" smtClean="0">
+                              <a:solidFill>
+                                <a:schemeClr val="tx1"/>
+                              </a:solidFill>
+                              <a:latin typeface="Cambria Math" panose="02040503050406030204" pitchFamily="18" charset="0"/>
+                            </a:rPr>
+                          </m:ctrlPr>
+                        </m:accPr>
+                        <m:e>
+                          <m:sSub>
+                            <m:sSubPr>
+                              <m:ctrlPr>
+                                <a:rPr lang="en-US" altLang="zh-CN" i="1" smtClean="0">
+                                  <a:solidFill>
+                                    <a:schemeClr val="tx1"/>
+                                  </a:solidFill>
+                                  <a:latin typeface="Cambria Math" panose="02040503050406030204" pitchFamily="18" charset="0"/>
+                                </a:rPr>
+                              </m:ctrlPr>
+                            </m:sSubPr>
+                            <m:e>
+                              <m:r>
+                                <a:rPr lang="en-US" altLang="zh-CN" b="0" i="1" smtClean="0">
+                                  <a:solidFill>
+                                    <a:schemeClr val="tx1"/>
+                                  </a:solidFill>
+                                  <a:latin typeface="Cambria Math" panose="02040503050406030204" pitchFamily="18" charset="0"/>
+                                </a:rPr>
+                                <m:t>h</m:t>
+                              </m:r>
+                            </m:e>
+                            <m:sub>
+                              <m:r>
+                                <a:rPr lang="en-US" altLang="zh-CN" b="0" i="1" smtClean="0">
+                                  <a:solidFill>
+                                    <a:schemeClr val="tx1"/>
+                                  </a:solidFill>
+                                  <a:latin typeface="Cambria Math" panose="02040503050406030204" pitchFamily="18" charset="0"/>
+                                </a:rPr>
+                                <m:t>2</m:t>
+                              </m:r>
+                            </m:sub>
+                          </m:sSub>
+                        </m:e>
+                      </m:acc>
+                    </m:oMath>
+                  </m:oMathPara>
+                </a14:m>
+                <a:endParaRPr lang="zh-CN" altLang="en-US" dirty="0">
+                  <a:solidFill>
+                    <a:schemeClr val="tx1"/>
+                  </a:solidFill>
+                </a:endParaRPr>
+              </a:p>
+            </p:txBody>
+          </p:sp>
+        </mc:Choice>
+        <mc:Fallback>
+          <p:sp>
+            <p:nvSpPr>
+              <p:cNvPr id="62" name="矩形 61">
+                <a:extLst>
+                  <a:ext uri="{FF2B5EF4-FFF2-40B4-BE49-F238E27FC236}">
+                    <a16:creationId xmlns:a16="http://schemas.microsoft.com/office/drawing/2014/main" id="{75294BD4-1E7D-4E8C-90E4-741BFA88C0BE}"/>
+                  </a:ext>
+                </a:extLst>
+              </p:cNvPr>
+              <p:cNvSpPr>
+                <a:spLocks noRot="1" noChangeAspect="1" noMove="1" noResize="1" noEditPoints="1" noAdjustHandles="1" noChangeArrowheads="1" noChangeShapeType="1" noTextEdit="1"/>
+              </p:cNvSpPr>
+              <p:nvPr/>
+            </p:nvSpPr>
+            <p:spPr>
+              <a:xfrm>
+                <a:off x="4013468" y="3375478"/>
+                <a:ext cx="347969" cy="333512"/>
+              </a:xfrm>
+              <a:prstGeom prst="rect">
+                <a:avLst/>
+              </a:prstGeom>
+              <a:blipFill>
+                <a:blip r:embed="rId5"/>
+                <a:stretch>
+                  <a:fillRect r="-4918" b="-8621"/>
+                </a:stretch>
+              </a:blipFill>
+              <a:ln w="25400">
+                <a:solidFill>
+                  <a:schemeClr val="tx1"/>
+                </a:solidFill>
+              </a:ln>
+            </p:spPr>
+            <p:txBody>
+              <a:bodyPr/>
+              <a:lstStyle/>
+              <a:p>
+                <a:r>
+                  <a:rPr lang="zh-CN" altLang="en-US">
+                    <a:noFill/>
+                  </a:rPr>
+                  <a:t> </a:t>
+                </a:r>
+              </a:p>
+            </p:txBody>
+          </p:sp>
+        </mc:Fallback>
+      </mc:AlternateContent>
+      <p:sp>
+        <p:nvSpPr>
+          <p:cNvPr id="63" name="矩形 62">
+            <a:extLst>
+              <a:ext uri="{FF2B5EF4-FFF2-40B4-BE49-F238E27FC236}">
+                <a16:creationId xmlns:a16="http://schemas.microsoft.com/office/drawing/2014/main" id="{003E5239-071E-4D82-8609-B5AF517BA1F0}"/>
               </a:ext>
             </a:extLst>
           </p:cNvPr>
@@ -22071,15 +22886,19 @@
         </p:nvSpPr>
         <p:spPr>
           <a:xfrm>
-            <a:off x="3062831" y="3305717"/>
-            <a:ext cx="308082" cy="478058"/>
+            <a:off x="3906986" y="3232925"/>
+            <a:ext cx="560932" cy="1266619"/>
           </a:xfrm>
           <a:prstGeom prst="rect">
             <a:avLst/>
           </a:prstGeom>
-          <a:solidFill>
-            <a:srgbClr val="FF7C80"/>
-          </a:solidFill>
+          <a:noFill/>
+          <a:ln w="22225">
+            <a:solidFill>
+              <a:schemeClr val="tx1"/>
+            </a:solidFill>
+            <a:prstDash val="sysDash"/>
+          </a:ln>
         </p:spPr>
         <p:style>
           <a:lnRef idx="2">
@@ -22102,16 +22921,403 @@
           <a:lstStyle/>
           <a:p>
             <a:pPr algn="ctr"/>
-            <a:endParaRPr lang="zh-CN" altLang="en-US" dirty="0"/>
-          </a:p>
-        </p:txBody>
-      </p:sp>
-      <p:sp>
-        <p:nvSpPr>
-          <p:cNvPr id="56" name="矩形 55">
-            <a:extLst>
-              <a:ext uri="{FF2B5EF4-FFF2-40B4-BE49-F238E27FC236}">
-                <a16:creationId xmlns:a16="http://schemas.microsoft.com/office/drawing/2014/main" id="{0EBF8F40-4B92-4AF0-B679-B6532F9D8E91}"/>
+            <a:endParaRPr lang="zh-CN" altLang="en-US">
+              <a:solidFill>
+                <a:schemeClr val="tx1"/>
+              </a:solidFill>
+            </a:endParaRPr>
+          </a:p>
+        </p:txBody>
+      </p:sp>
+      <p:cxnSp>
+        <p:nvCxnSpPr>
+          <p:cNvPr id="64" name="直接箭头连接符 63">
+            <a:extLst>
+              <a:ext uri="{FF2B5EF4-FFF2-40B4-BE49-F238E27FC236}">
+                <a16:creationId xmlns:a16="http://schemas.microsoft.com/office/drawing/2014/main" id="{73946603-9D2F-488A-8D61-16957ED4500F}"/>
+              </a:ext>
+            </a:extLst>
+          </p:cNvPr>
+          <p:cNvCxnSpPr>
+            <a:cxnSpLocks/>
+            <a:endCxn id="63" idx="2"/>
+          </p:cNvCxnSpPr>
+          <p:nvPr/>
+        </p:nvCxnSpPr>
+        <p:spPr>
+          <a:xfrm flipH="1" flipV="1">
+            <a:off x="4187452" y="4499544"/>
+            <a:ext cx="1" cy="358716"/>
+          </a:xfrm>
+          <a:prstGeom prst="straightConnector1">
+            <a:avLst/>
+          </a:prstGeom>
+          <a:ln w="25400">
+            <a:solidFill>
+              <a:schemeClr val="tx1"/>
+            </a:solidFill>
+            <a:tailEnd type="triangle"/>
+          </a:ln>
+        </p:spPr>
+        <p:style>
+          <a:lnRef idx="1">
+            <a:schemeClr val="accent1"/>
+          </a:lnRef>
+          <a:fillRef idx="0">
+            <a:schemeClr val="accent1"/>
+          </a:fillRef>
+          <a:effectRef idx="0">
+            <a:schemeClr val="accent1"/>
+          </a:effectRef>
+          <a:fontRef idx="minor">
+            <a:schemeClr val="tx1"/>
+          </a:fontRef>
+        </p:style>
+      </p:cxnSp>
+      <mc:AlternateContent xmlns:mc="http://schemas.openxmlformats.org/markup-compatibility/2006">
+        <mc:Choice xmlns:a14="http://schemas.microsoft.com/office/drawing/2010/main" Requires="a14">
+          <p:sp>
+            <p:nvSpPr>
+              <p:cNvPr id="65" name="矩形 64">
+                <a:extLst>
+                  <a:ext uri="{FF2B5EF4-FFF2-40B4-BE49-F238E27FC236}">
+                    <a16:creationId xmlns:a16="http://schemas.microsoft.com/office/drawing/2014/main" id="{C3404146-D10F-4AD1-A304-444A7FCABA49}"/>
+                  </a:ext>
+                </a:extLst>
+              </p:cNvPr>
+              <p:cNvSpPr/>
+              <p:nvPr/>
+            </p:nvSpPr>
+            <p:spPr>
+              <a:xfrm>
+                <a:off x="5006624" y="3926243"/>
+                <a:ext cx="347969" cy="392777"/>
+              </a:xfrm>
+              <a:prstGeom prst="rect">
+                <a:avLst/>
+              </a:prstGeom>
+              <a:solidFill>
+                <a:srgbClr val="FF7C80"/>
+              </a:solidFill>
+              <a:ln w="25400">
+                <a:solidFill>
+                  <a:schemeClr val="tx1"/>
+                </a:solidFill>
+              </a:ln>
+            </p:spPr>
+            <p:style>
+              <a:lnRef idx="2">
+                <a:schemeClr val="accent1">
+                  <a:shade val="50000"/>
+                </a:schemeClr>
+              </a:lnRef>
+              <a:fillRef idx="1">
+                <a:schemeClr val="accent1"/>
+              </a:fillRef>
+              <a:effectRef idx="0">
+                <a:schemeClr val="accent1"/>
+              </a:effectRef>
+              <a:fontRef idx="minor">
+                <a:schemeClr val="lt1"/>
+              </a:fontRef>
+            </p:style>
+            <p:txBody>
+              <a:bodyPr rtlCol="0" anchor="ctr"/>
+              <a:lstStyle/>
+              <a:p>
+                <a:pPr algn="ctr"/>
+                <a14:m>
+                  <m:oMathPara xmlns:m="http://schemas.openxmlformats.org/officeDocument/2006/math">
+                    <m:oMathParaPr>
+                      <m:jc m:val="right"/>
+                    </m:oMathParaPr>
+                    <m:oMath xmlns:m="http://schemas.openxmlformats.org/officeDocument/2006/math">
+                      <m:acc>
+                        <m:accPr>
+                          <m:chr m:val="⃗"/>
+                          <m:ctrlPr>
+                            <a:rPr lang="zh-CN" altLang="en-US" i="1" smtClean="0">
+                              <a:solidFill>
+                                <a:schemeClr val="tx1"/>
+                              </a:solidFill>
+                              <a:latin typeface="Cambria Math" panose="02040503050406030204" pitchFamily="18" charset="0"/>
+                            </a:rPr>
+                          </m:ctrlPr>
+                        </m:accPr>
+                        <m:e>
+                          <m:sSub>
+                            <m:sSubPr>
+                              <m:ctrlPr>
+                                <a:rPr lang="en-US" altLang="zh-CN" i="1" smtClean="0">
+                                  <a:solidFill>
+                                    <a:schemeClr val="tx1"/>
+                                  </a:solidFill>
+                                  <a:latin typeface="Cambria Math" panose="02040503050406030204" pitchFamily="18" charset="0"/>
+                                </a:rPr>
+                              </m:ctrlPr>
+                            </m:sSubPr>
+                            <m:e>
+                              <m:r>
+                                <a:rPr lang="en-US" altLang="zh-CN" b="0" i="1" smtClean="0">
+                                  <a:solidFill>
+                                    <a:schemeClr val="tx1"/>
+                                  </a:solidFill>
+                                  <a:latin typeface="Cambria Math" panose="02040503050406030204" pitchFamily="18" charset="0"/>
+                                </a:rPr>
+                                <m:t>h</m:t>
+                              </m:r>
+                            </m:e>
+                            <m:sub>
+                              <m:r>
+                                <a:rPr lang="en-US" altLang="zh-CN" b="0" i="1" smtClean="0">
+                                  <a:solidFill>
+                                    <a:schemeClr val="tx1"/>
+                                  </a:solidFill>
+                                  <a:latin typeface="Cambria Math" panose="02040503050406030204" pitchFamily="18" charset="0"/>
+                                </a:rPr>
+                                <m:t>3</m:t>
+                              </m:r>
+                            </m:sub>
+                          </m:sSub>
+                        </m:e>
+                      </m:acc>
+                    </m:oMath>
+                  </m:oMathPara>
+                </a14:m>
+                <a:endParaRPr lang="zh-CN" altLang="en-US" dirty="0">
+                  <a:solidFill>
+                    <a:schemeClr val="tx1"/>
+                  </a:solidFill>
+                </a:endParaRPr>
+              </a:p>
+            </p:txBody>
+          </p:sp>
+        </mc:Choice>
+        <mc:Fallback>
+          <p:sp>
+            <p:nvSpPr>
+              <p:cNvPr id="65" name="矩形 64">
+                <a:extLst>
+                  <a:ext uri="{FF2B5EF4-FFF2-40B4-BE49-F238E27FC236}">
+                    <a16:creationId xmlns:a16="http://schemas.microsoft.com/office/drawing/2014/main" id="{C3404146-D10F-4AD1-A304-444A7FCABA49}"/>
+                  </a:ext>
+                </a:extLst>
+              </p:cNvPr>
+              <p:cNvSpPr>
+                <a:spLocks noRot="1" noChangeAspect="1" noMove="1" noResize="1" noEditPoints="1" noAdjustHandles="1" noChangeArrowheads="1" noChangeShapeType="1" noTextEdit="1"/>
+              </p:cNvSpPr>
+              <p:nvPr/>
+            </p:nvSpPr>
+            <p:spPr>
+              <a:xfrm>
+                <a:off x="5006624" y="3926243"/>
+                <a:ext cx="347969" cy="392777"/>
+              </a:xfrm>
+              <a:prstGeom prst="rect">
+                <a:avLst/>
+              </a:prstGeom>
+              <a:blipFill>
+                <a:blip r:embed="rId6"/>
+                <a:stretch>
+                  <a:fillRect r="-4918"/>
+                </a:stretch>
+              </a:blipFill>
+              <a:ln w="25400">
+                <a:solidFill>
+                  <a:schemeClr val="tx1"/>
+                </a:solidFill>
+              </a:ln>
+            </p:spPr>
+            <p:txBody>
+              <a:bodyPr/>
+              <a:lstStyle/>
+              <a:p>
+                <a:r>
+                  <a:rPr lang="zh-CN" altLang="en-US">
+                    <a:noFill/>
+                  </a:rPr>
+                  <a:t> </a:t>
+                </a:r>
+              </a:p>
+            </p:txBody>
+          </p:sp>
+        </mc:Fallback>
+      </mc:AlternateContent>
+      <mc:AlternateContent xmlns:mc="http://schemas.openxmlformats.org/markup-compatibility/2006">
+        <mc:Choice xmlns:a14="http://schemas.microsoft.com/office/drawing/2010/main" Requires="a14">
+          <p:sp>
+            <p:nvSpPr>
+              <p:cNvPr id="66" name="矩形 65">
+                <a:extLst>
+                  <a:ext uri="{FF2B5EF4-FFF2-40B4-BE49-F238E27FC236}">
+                    <a16:creationId xmlns:a16="http://schemas.microsoft.com/office/drawing/2014/main" id="{F1CE5321-4440-4FD0-B4BF-FB07FCFCE8B8}"/>
+                  </a:ext>
+                </a:extLst>
+              </p:cNvPr>
+              <p:cNvSpPr/>
+              <p:nvPr/>
+            </p:nvSpPr>
+            <p:spPr>
+              <a:xfrm>
+                <a:off x="5006623" y="3375478"/>
+                <a:ext cx="347969" cy="333512"/>
+              </a:xfrm>
+              <a:prstGeom prst="rect">
+                <a:avLst/>
+              </a:prstGeom>
+              <a:solidFill>
+                <a:srgbClr val="FF7C80"/>
+              </a:solidFill>
+              <a:ln w="25400">
+                <a:solidFill>
+                  <a:schemeClr val="tx1"/>
+                </a:solidFill>
+              </a:ln>
+            </p:spPr>
+            <p:style>
+              <a:lnRef idx="2">
+                <a:schemeClr val="accent1">
+                  <a:shade val="50000"/>
+                </a:schemeClr>
+              </a:lnRef>
+              <a:fillRef idx="1">
+                <a:schemeClr val="accent1"/>
+              </a:fillRef>
+              <a:effectRef idx="0">
+                <a:schemeClr val="accent1"/>
+              </a:effectRef>
+              <a:fontRef idx="minor">
+                <a:schemeClr val="lt1"/>
+              </a:fontRef>
+            </p:style>
+            <p:txBody>
+              <a:bodyPr rtlCol="0" anchor="ctr"/>
+              <a:lstStyle/>
+              <a:p>
+                <a:pPr algn="ctr"/>
+                <a14:m>
+                  <m:oMathPara xmlns:m="http://schemas.openxmlformats.org/officeDocument/2006/math">
+                    <m:oMathParaPr>
+                      <m:jc m:val="right"/>
+                    </m:oMathParaPr>
+                    <m:oMath xmlns:m="http://schemas.openxmlformats.org/officeDocument/2006/math">
+                      <m:acc>
+                        <m:accPr>
+                          <m:chr m:val="⃖"/>
+                          <m:ctrlPr>
+                            <a:rPr lang="zh-CN" altLang="en-US" i="1" smtClean="0">
+                              <a:solidFill>
+                                <a:schemeClr val="tx1"/>
+                              </a:solidFill>
+                              <a:latin typeface="Cambria Math" panose="02040503050406030204" pitchFamily="18" charset="0"/>
+                            </a:rPr>
+                          </m:ctrlPr>
+                        </m:accPr>
+                        <m:e>
+                          <m:sSub>
+                            <m:sSubPr>
+                              <m:ctrlPr>
+                                <a:rPr lang="en-US" altLang="zh-CN" i="1" smtClean="0">
+                                  <a:solidFill>
+                                    <a:schemeClr val="tx1"/>
+                                  </a:solidFill>
+                                  <a:latin typeface="Cambria Math" panose="02040503050406030204" pitchFamily="18" charset="0"/>
+                                </a:rPr>
+                              </m:ctrlPr>
+                            </m:sSubPr>
+                            <m:e>
+                              <m:r>
+                                <a:rPr lang="en-US" altLang="zh-CN" b="0" i="1" smtClean="0">
+                                  <a:solidFill>
+                                    <a:schemeClr val="tx1"/>
+                                  </a:solidFill>
+                                  <a:latin typeface="Cambria Math" panose="02040503050406030204" pitchFamily="18" charset="0"/>
+                                </a:rPr>
+                                <m:t>h</m:t>
+                              </m:r>
+                            </m:e>
+                            <m:sub>
+                              <m:r>
+                                <a:rPr lang="en-US" altLang="zh-CN" b="0" i="1" smtClean="0">
+                                  <a:solidFill>
+                                    <a:schemeClr val="tx1"/>
+                                  </a:solidFill>
+                                  <a:latin typeface="Cambria Math" panose="02040503050406030204" pitchFamily="18" charset="0"/>
+                                </a:rPr>
+                                <m:t>3</m:t>
+                              </m:r>
+                            </m:sub>
+                          </m:sSub>
+                        </m:e>
+                      </m:acc>
+                    </m:oMath>
+                  </m:oMathPara>
+                </a14:m>
+                <a:endParaRPr lang="zh-CN" altLang="en-US" dirty="0">
+                  <a:solidFill>
+                    <a:schemeClr val="tx1"/>
+                  </a:solidFill>
+                </a:endParaRPr>
+              </a:p>
+            </p:txBody>
+          </p:sp>
+        </mc:Choice>
+        <mc:Fallback>
+          <p:sp>
+            <p:nvSpPr>
+              <p:cNvPr id="66" name="矩形 65">
+                <a:extLst>
+                  <a:ext uri="{FF2B5EF4-FFF2-40B4-BE49-F238E27FC236}">
+                    <a16:creationId xmlns:a16="http://schemas.microsoft.com/office/drawing/2014/main" id="{F1CE5321-4440-4FD0-B4BF-FB07FCFCE8B8}"/>
+                  </a:ext>
+                </a:extLst>
+              </p:cNvPr>
+              <p:cNvSpPr>
+                <a:spLocks noRot="1" noChangeAspect="1" noMove="1" noResize="1" noEditPoints="1" noAdjustHandles="1" noChangeArrowheads="1" noChangeShapeType="1" noTextEdit="1"/>
+              </p:cNvSpPr>
+              <p:nvPr/>
+            </p:nvSpPr>
+            <p:spPr>
+              <a:xfrm>
+                <a:off x="5006623" y="3375478"/>
+                <a:ext cx="347969" cy="333512"/>
+              </a:xfrm>
+              <a:prstGeom prst="rect">
+                <a:avLst/>
+              </a:prstGeom>
+              <a:blipFill>
+                <a:blip r:embed="rId7"/>
+                <a:stretch>
+                  <a:fillRect r="-4918" b="-8621"/>
+                </a:stretch>
+              </a:blipFill>
+              <a:ln w="25400">
+                <a:solidFill>
+                  <a:schemeClr val="tx1"/>
+                </a:solidFill>
+              </a:ln>
+            </p:spPr>
+            <p:txBody>
+              <a:bodyPr/>
+              <a:lstStyle/>
+              <a:p>
+                <a:r>
+                  <a:rPr lang="zh-CN" altLang="en-US">
+                    <a:noFill/>
+                  </a:rPr>
+                  <a:t> </a:t>
+                </a:r>
+              </a:p>
+            </p:txBody>
+          </p:sp>
+        </mc:Fallback>
+      </mc:AlternateContent>
+      <p:sp>
+        <p:nvSpPr>
+          <p:cNvPr id="67" name="矩形 66">
+            <a:extLst>
+              <a:ext uri="{FF2B5EF4-FFF2-40B4-BE49-F238E27FC236}">
+                <a16:creationId xmlns:a16="http://schemas.microsoft.com/office/drawing/2014/main" id="{29634339-2F7B-445C-9074-9D86B52354B7}"/>
               </a:ext>
             </a:extLst>
           </p:cNvPr>
@@ -22120,7 +23326,7 @@
         </p:nvSpPr>
         <p:spPr>
           <a:xfrm>
-            <a:off x="2945736" y="3232925"/>
+            <a:off x="4900141" y="3232925"/>
             <a:ext cx="560932" cy="1266619"/>
           </a:xfrm>
           <a:prstGeom prst="rect">
@@ -22155,14 +23361,6098 @@
           <a:lstStyle/>
           <a:p>
             <a:pPr algn="ctr"/>
-            <a:endParaRPr lang="zh-CN" altLang="en-US"/>
-          </a:p>
-        </p:txBody>
-      </p:sp>
+            <a:endParaRPr lang="zh-CN" altLang="en-US">
+              <a:solidFill>
+                <a:schemeClr val="tx1"/>
+              </a:solidFill>
+            </a:endParaRPr>
+          </a:p>
+        </p:txBody>
+      </p:sp>
+      <p:cxnSp>
+        <p:nvCxnSpPr>
+          <p:cNvPr id="68" name="直接箭头连接符 67">
+            <a:extLst>
+              <a:ext uri="{FF2B5EF4-FFF2-40B4-BE49-F238E27FC236}">
+                <a16:creationId xmlns:a16="http://schemas.microsoft.com/office/drawing/2014/main" id="{2A6ADB5C-001F-4C5B-BD8C-24F36A46852B}"/>
+              </a:ext>
+            </a:extLst>
+          </p:cNvPr>
+          <p:cNvCxnSpPr>
+            <a:cxnSpLocks/>
+            <a:endCxn id="67" idx="2"/>
+          </p:cNvCxnSpPr>
+          <p:nvPr/>
+        </p:nvCxnSpPr>
+        <p:spPr>
+          <a:xfrm flipH="1" flipV="1">
+            <a:off x="5180607" y="4499544"/>
+            <a:ext cx="1" cy="358716"/>
+          </a:xfrm>
+          <a:prstGeom prst="straightConnector1">
+            <a:avLst/>
+          </a:prstGeom>
+          <a:ln w="25400">
+            <a:solidFill>
+              <a:schemeClr val="tx1"/>
+            </a:solidFill>
+            <a:tailEnd type="triangle"/>
+          </a:ln>
+        </p:spPr>
+        <p:style>
+          <a:lnRef idx="1">
+            <a:schemeClr val="accent1"/>
+          </a:lnRef>
+          <a:fillRef idx="0">
+            <a:schemeClr val="accent1"/>
+          </a:fillRef>
+          <a:effectRef idx="0">
+            <a:schemeClr val="accent1"/>
+          </a:effectRef>
+          <a:fontRef idx="minor">
+            <a:schemeClr val="tx1"/>
+          </a:fontRef>
+        </p:style>
+      </p:cxnSp>
+      <mc:AlternateContent xmlns:mc="http://schemas.openxmlformats.org/markup-compatibility/2006">
+        <mc:Choice xmlns:a14="http://schemas.microsoft.com/office/drawing/2010/main" Requires="a14">
+          <p:sp>
+            <p:nvSpPr>
+              <p:cNvPr id="69" name="矩形 68">
+                <a:extLst>
+                  <a:ext uri="{FF2B5EF4-FFF2-40B4-BE49-F238E27FC236}">
+                    <a16:creationId xmlns:a16="http://schemas.microsoft.com/office/drawing/2014/main" id="{1EC8F94C-E718-403F-9E0A-836A8836CA9C}"/>
+                  </a:ext>
+                </a:extLst>
+              </p:cNvPr>
+              <p:cNvSpPr/>
+              <p:nvPr/>
+            </p:nvSpPr>
+            <p:spPr>
+              <a:xfrm>
+                <a:off x="5975976" y="3926243"/>
+                <a:ext cx="347969" cy="392777"/>
+              </a:xfrm>
+              <a:prstGeom prst="rect">
+                <a:avLst/>
+              </a:prstGeom>
+              <a:solidFill>
+                <a:srgbClr val="FF7C80"/>
+              </a:solidFill>
+              <a:ln w="25400">
+                <a:solidFill>
+                  <a:schemeClr val="tx1"/>
+                </a:solidFill>
+              </a:ln>
+            </p:spPr>
+            <p:style>
+              <a:lnRef idx="2">
+                <a:schemeClr val="accent1">
+                  <a:shade val="50000"/>
+                </a:schemeClr>
+              </a:lnRef>
+              <a:fillRef idx="1">
+                <a:schemeClr val="accent1"/>
+              </a:fillRef>
+              <a:effectRef idx="0">
+                <a:schemeClr val="accent1"/>
+              </a:effectRef>
+              <a:fontRef idx="minor">
+                <a:schemeClr val="lt1"/>
+              </a:fontRef>
+            </p:style>
+            <p:txBody>
+              <a:bodyPr rtlCol="0" anchor="ctr"/>
+              <a:lstStyle/>
+              <a:p>
+                <a:pPr algn="ctr"/>
+                <a14:m>
+                  <m:oMathPara xmlns:m="http://schemas.openxmlformats.org/officeDocument/2006/math">
+                    <m:oMathParaPr>
+                      <m:jc m:val="right"/>
+                    </m:oMathParaPr>
+                    <m:oMath xmlns:m="http://schemas.openxmlformats.org/officeDocument/2006/math">
+                      <m:acc>
+                        <m:accPr>
+                          <m:chr m:val="⃗"/>
+                          <m:ctrlPr>
+                            <a:rPr lang="zh-CN" altLang="en-US" i="1" smtClean="0">
+                              <a:solidFill>
+                                <a:schemeClr val="tx1"/>
+                              </a:solidFill>
+                              <a:latin typeface="Cambria Math" panose="02040503050406030204" pitchFamily="18" charset="0"/>
+                            </a:rPr>
+                          </m:ctrlPr>
+                        </m:accPr>
+                        <m:e>
+                          <m:sSub>
+                            <m:sSubPr>
+                              <m:ctrlPr>
+                                <a:rPr lang="en-US" altLang="zh-CN" i="1" smtClean="0">
+                                  <a:solidFill>
+                                    <a:schemeClr val="tx1"/>
+                                  </a:solidFill>
+                                  <a:latin typeface="Cambria Math" panose="02040503050406030204" pitchFamily="18" charset="0"/>
+                                </a:rPr>
+                              </m:ctrlPr>
+                            </m:sSubPr>
+                            <m:e>
+                              <m:r>
+                                <a:rPr lang="en-US" altLang="zh-CN" b="0" i="1" smtClean="0">
+                                  <a:solidFill>
+                                    <a:schemeClr val="tx1"/>
+                                  </a:solidFill>
+                                  <a:latin typeface="Cambria Math" panose="02040503050406030204" pitchFamily="18" charset="0"/>
+                                </a:rPr>
+                                <m:t>h</m:t>
+                              </m:r>
+                            </m:e>
+                            <m:sub>
+                              <m:r>
+                                <a:rPr lang="en-US" altLang="zh-CN" b="0" i="1" smtClean="0">
+                                  <a:solidFill>
+                                    <a:schemeClr val="tx1"/>
+                                  </a:solidFill>
+                                  <a:latin typeface="Cambria Math" panose="02040503050406030204" pitchFamily="18" charset="0"/>
+                                </a:rPr>
+                                <m:t>4</m:t>
+                              </m:r>
+                            </m:sub>
+                          </m:sSub>
+                        </m:e>
+                      </m:acc>
+                    </m:oMath>
+                  </m:oMathPara>
+                </a14:m>
+                <a:endParaRPr lang="zh-CN" altLang="en-US" dirty="0">
+                  <a:solidFill>
+                    <a:schemeClr val="tx1"/>
+                  </a:solidFill>
+                </a:endParaRPr>
+              </a:p>
+            </p:txBody>
+          </p:sp>
+        </mc:Choice>
+        <mc:Fallback>
+          <p:sp>
+            <p:nvSpPr>
+              <p:cNvPr id="69" name="矩形 68">
+                <a:extLst>
+                  <a:ext uri="{FF2B5EF4-FFF2-40B4-BE49-F238E27FC236}">
+                    <a16:creationId xmlns:a16="http://schemas.microsoft.com/office/drawing/2014/main" id="{1EC8F94C-E718-403F-9E0A-836A8836CA9C}"/>
+                  </a:ext>
+                </a:extLst>
+              </p:cNvPr>
+              <p:cNvSpPr>
+                <a:spLocks noRot="1" noChangeAspect="1" noMove="1" noResize="1" noEditPoints="1" noAdjustHandles="1" noChangeArrowheads="1" noChangeShapeType="1" noTextEdit="1"/>
+              </p:cNvSpPr>
+              <p:nvPr/>
+            </p:nvSpPr>
+            <p:spPr>
+              <a:xfrm>
+                <a:off x="5975976" y="3926243"/>
+                <a:ext cx="347969" cy="392777"/>
+              </a:xfrm>
+              <a:prstGeom prst="rect">
+                <a:avLst/>
+              </a:prstGeom>
+              <a:blipFill>
+                <a:blip r:embed="rId8"/>
+                <a:stretch>
+                  <a:fillRect r="-4918"/>
+                </a:stretch>
+              </a:blipFill>
+              <a:ln w="25400">
+                <a:solidFill>
+                  <a:schemeClr val="tx1"/>
+                </a:solidFill>
+              </a:ln>
+            </p:spPr>
+            <p:txBody>
+              <a:bodyPr/>
+              <a:lstStyle/>
+              <a:p>
+                <a:r>
+                  <a:rPr lang="zh-CN" altLang="en-US">
+                    <a:noFill/>
+                  </a:rPr>
+                  <a:t> </a:t>
+                </a:r>
+              </a:p>
+            </p:txBody>
+          </p:sp>
+        </mc:Fallback>
+      </mc:AlternateContent>
+      <mc:AlternateContent xmlns:mc="http://schemas.openxmlformats.org/markup-compatibility/2006">
+        <mc:Choice xmlns:a14="http://schemas.microsoft.com/office/drawing/2010/main" Requires="a14">
+          <p:sp>
+            <p:nvSpPr>
+              <p:cNvPr id="70" name="矩形 69">
+                <a:extLst>
+                  <a:ext uri="{FF2B5EF4-FFF2-40B4-BE49-F238E27FC236}">
+                    <a16:creationId xmlns:a16="http://schemas.microsoft.com/office/drawing/2014/main" id="{27447298-292F-4509-9693-B432E9EB54A4}"/>
+                  </a:ext>
+                </a:extLst>
+              </p:cNvPr>
+              <p:cNvSpPr/>
+              <p:nvPr/>
+            </p:nvSpPr>
+            <p:spPr>
+              <a:xfrm>
+                <a:off x="5975975" y="3375478"/>
+                <a:ext cx="347969" cy="333512"/>
+              </a:xfrm>
+              <a:prstGeom prst="rect">
+                <a:avLst/>
+              </a:prstGeom>
+              <a:solidFill>
+                <a:srgbClr val="FF7C80"/>
+              </a:solidFill>
+              <a:ln w="25400">
+                <a:solidFill>
+                  <a:schemeClr val="tx1"/>
+                </a:solidFill>
+              </a:ln>
+            </p:spPr>
+            <p:style>
+              <a:lnRef idx="2">
+                <a:schemeClr val="accent1">
+                  <a:shade val="50000"/>
+                </a:schemeClr>
+              </a:lnRef>
+              <a:fillRef idx="1">
+                <a:schemeClr val="accent1"/>
+              </a:fillRef>
+              <a:effectRef idx="0">
+                <a:schemeClr val="accent1"/>
+              </a:effectRef>
+              <a:fontRef idx="minor">
+                <a:schemeClr val="lt1"/>
+              </a:fontRef>
+            </p:style>
+            <p:txBody>
+              <a:bodyPr rtlCol="0" anchor="ctr"/>
+              <a:lstStyle/>
+              <a:p>
+                <a:pPr algn="ctr"/>
+                <a14:m>
+                  <m:oMathPara xmlns:m="http://schemas.openxmlformats.org/officeDocument/2006/math">
+                    <m:oMathParaPr>
+                      <m:jc m:val="right"/>
+                    </m:oMathParaPr>
+                    <m:oMath xmlns:m="http://schemas.openxmlformats.org/officeDocument/2006/math">
+                      <m:acc>
+                        <m:accPr>
+                          <m:chr m:val="⃖"/>
+                          <m:ctrlPr>
+                            <a:rPr lang="zh-CN" altLang="en-US" i="1" smtClean="0">
+                              <a:solidFill>
+                                <a:schemeClr val="tx1"/>
+                              </a:solidFill>
+                              <a:latin typeface="Cambria Math" panose="02040503050406030204" pitchFamily="18" charset="0"/>
+                            </a:rPr>
+                          </m:ctrlPr>
+                        </m:accPr>
+                        <m:e>
+                          <m:sSub>
+                            <m:sSubPr>
+                              <m:ctrlPr>
+                                <a:rPr lang="en-US" altLang="zh-CN" i="1" smtClean="0">
+                                  <a:solidFill>
+                                    <a:schemeClr val="tx1"/>
+                                  </a:solidFill>
+                                  <a:latin typeface="Cambria Math" panose="02040503050406030204" pitchFamily="18" charset="0"/>
+                                </a:rPr>
+                              </m:ctrlPr>
+                            </m:sSubPr>
+                            <m:e>
+                              <m:r>
+                                <a:rPr lang="en-US" altLang="zh-CN" b="0" i="1" smtClean="0">
+                                  <a:solidFill>
+                                    <a:schemeClr val="tx1"/>
+                                  </a:solidFill>
+                                  <a:latin typeface="Cambria Math" panose="02040503050406030204" pitchFamily="18" charset="0"/>
+                                </a:rPr>
+                                <m:t>h</m:t>
+                              </m:r>
+                            </m:e>
+                            <m:sub>
+                              <m:r>
+                                <a:rPr lang="en-US" altLang="zh-CN" b="0" i="1" smtClean="0">
+                                  <a:solidFill>
+                                    <a:schemeClr val="tx1"/>
+                                  </a:solidFill>
+                                  <a:latin typeface="Cambria Math" panose="02040503050406030204" pitchFamily="18" charset="0"/>
+                                </a:rPr>
+                                <m:t>4</m:t>
+                              </m:r>
+                            </m:sub>
+                          </m:sSub>
+                        </m:e>
+                      </m:acc>
+                    </m:oMath>
+                  </m:oMathPara>
+                </a14:m>
+                <a:endParaRPr lang="zh-CN" altLang="en-US" dirty="0">
+                  <a:solidFill>
+                    <a:schemeClr val="tx1"/>
+                  </a:solidFill>
+                </a:endParaRPr>
+              </a:p>
+            </p:txBody>
+          </p:sp>
+        </mc:Choice>
+        <mc:Fallback>
+          <p:sp>
+            <p:nvSpPr>
+              <p:cNvPr id="70" name="矩形 69">
+                <a:extLst>
+                  <a:ext uri="{FF2B5EF4-FFF2-40B4-BE49-F238E27FC236}">
+                    <a16:creationId xmlns:a16="http://schemas.microsoft.com/office/drawing/2014/main" id="{27447298-292F-4509-9693-B432E9EB54A4}"/>
+                  </a:ext>
+                </a:extLst>
+              </p:cNvPr>
+              <p:cNvSpPr>
+                <a:spLocks noRot="1" noChangeAspect="1" noMove="1" noResize="1" noEditPoints="1" noAdjustHandles="1" noChangeArrowheads="1" noChangeShapeType="1" noTextEdit="1"/>
+              </p:cNvSpPr>
+              <p:nvPr/>
+            </p:nvSpPr>
+            <p:spPr>
+              <a:xfrm>
+                <a:off x="5975975" y="3375478"/>
+                <a:ext cx="347969" cy="333512"/>
+              </a:xfrm>
+              <a:prstGeom prst="rect">
+                <a:avLst/>
+              </a:prstGeom>
+              <a:blipFill>
+                <a:blip r:embed="rId9"/>
+                <a:stretch>
+                  <a:fillRect r="-4918" b="-8621"/>
+                </a:stretch>
+              </a:blipFill>
+              <a:ln w="25400">
+                <a:solidFill>
+                  <a:schemeClr val="tx1"/>
+                </a:solidFill>
+              </a:ln>
+            </p:spPr>
+            <p:txBody>
+              <a:bodyPr/>
+              <a:lstStyle/>
+              <a:p>
+                <a:r>
+                  <a:rPr lang="zh-CN" altLang="en-US">
+                    <a:noFill/>
+                  </a:rPr>
+                  <a:t> </a:t>
+                </a:r>
+              </a:p>
+            </p:txBody>
+          </p:sp>
+        </mc:Fallback>
+      </mc:AlternateContent>
+      <p:sp>
+        <p:nvSpPr>
+          <p:cNvPr id="71" name="矩形 70">
+            <a:extLst>
+              <a:ext uri="{FF2B5EF4-FFF2-40B4-BE49-F238E27FC236}">
+                <a16:creationId xmlns:a16="http://schemas.microsoft.com/office/drawing/2014/main" id="{A27948D5-80A4-42F6-956F-627C5E74B8E6}"/>
+              </a:ext>
+            </a:extLst>
+          </p:cNvPr>
+          <p:cNvSpPr/>
+          <p:nvPr/>
+        </p:nvSpPr>
+        <p:spPr>
+          <a:xfrm>
+            <a:off x="5869493" y="3232925"/>
+            <a:ext cx="560932" cy="1266619"/>
+          </a:xfrm>
+          <a:prstGeom prst="rect">
+            <a:avLst/>
+          </a:prstGeom>
+          <a:noFill/>
+          <a:ln w="22225">
+            <a:solidFill>
+              <a:schemeClr val="tx1"/>
+            </a:solidFill>
+            <a:prstDash val="sysDash"/>
+          </a:ln>
+        </p:spPr>
+        <p:style>
+          <a:lnRef idx="2">
+            <a:schemeClr val="accent1">
+              <a:shade val="50000"/>
+            </a:schemeClr>
+          </a:lnRef>
+          <a:fillRef idx="1">
+            <a:schemeClr val="accent1"/>
+          </a:fillRef>
+          <a:effectRef idx="0">
+            <a:schemeClr val="accent1"/>
+          </a:effectRef>
+          <a:fontRef idx="minor">
+            <a:schemeClr val="lt1"/>
+          </a:fontRef>
+        </p:style>
+        <p:txBody>
+          <a:bodyPr rtlCol="0" anchor="ctr"/>
+          <a:lstStyle/>
+          <a:p>
+            <a:pPr algn="ctr"/>
+            <a:endParaRPr lang="zh-CN" altLang="en-US">
+              <a:solidFill>
+                <a:schemeClr val="tx1"/>
+              </a:solidFill>
+            </a:endParaRPr>
+          </a:p>
+        </p:txBody>
+      </p:sp>
+      <p:cxnSp>
+        <p:nvCxnSpPr>
+          <p:cNvPr id="72" name="直接箭头连接符 71">
+            <a:extLst>
+              <a:ext uri="{FF2B5EF4-FFF2-40B4-BE49-F238E27FC236}">
+                <a16:creationId xmlns:a16="http://schemas.microsoft.com/office/drawing/2014/main" id="{9EFD251A-DC48-4F3F-82B4-8161418AB46C}"/>
+              </a:ext>
+            </a:extLst>
+          </p:cNvPr>
+          <p:cNvCxnSpPr>
+            <a:cxnSpLocks/>
+            <a:endCxn id="71" idx="2"/>
+          </p:cNvCxnSpPr>
+          <p:nvPr/>
+        </p:nvCxnSpPr>
+        <p:spPr>
+          <a:xfrm flipH="1" flipV="1">
+            <a:off x="6149959" y="4499544"/>
+            <a:ext cx="1" cy="358716"/>
+          </a:xfrm>
+          <a:prstGeom prst="straightConnector1">
+            <a:avLst/>
+          </a:prstGeom>
+          <a:ln w="25400">
+            <a:solidFill>
+              <a:schemeClr val="tx1"/>
+            </a:solidFill>
+            <a:tailEnd type="triangle"/>
+          </a:ln>
+        </p:spPr>
+        <p:style>
+          <a:lnRef idx="1">
+            <a:schemeClr val="accent1"/>
+          </a:lnRef>
+          <a:fillRef idx="0">
+            <a:schemeClr val="accent1"/>
+          </a:fillRef>
+          <a:effectRef idx="0">
+            <a:schemeClr val="accent1"/>
+          </a:effectRef>
+          <a:fontRef idx="minor">
+            <a:schemeClr val="tx1"/>
+          </a:fontRef>
+        </p:style>
+      </p:cxnSp>
+      <mc:AlternateContent xmlns:mc="http://schemas.openxmlformats.org/markup-compatibility/2006">
+        <mc:Choice xmlns:a14="http://schemas.microsoft.com/office/drawing/2010/main" Requires="a14">
+          <p:sp>
+            <p:nvSpPr>
+              <p:cNvPr id="73" name="矩形 72">
+                <a:extLst>
+                  <a:ext uri="{FF2B5EF4-FFF2-40B4-BE49-F238E27FC236}">
+                    <a16:creationId xmlns:a16="http://schemas.microsoft.com/office/drawing/2014/main" id="{55F3457F-8672-4492-B12C-5CAEBC1E795B}"/>
+                  </a:ext>
+                </a:extLst>
+              </p:cNvPr>
+              <p:cNvSpPr/>
+              <p:nvPr/>
+            </p:nvSpPr>
+            <p:spPr>
+              <a:xfrm>
+                <a:off x="6974008" y="3926243"/>
+                <a:ext cx="347969" cy="392777"/>
+              </a:xfrm>
+              <a:prstGeom prst="rect">
+                <a:avLst/>
+              </a:prstGeom>
+              <a:solidFill>
+                <a:srgbClr val="FF7C80"/>
+              </a:solidFill>
+              <a:ln w="25400">
+                <a:solidFill>
+                  <a:schemeClr val="tx1"/>
+                </a:solidFill>
+              </a:ln>
+            </p:spPr>
+            <p:style>
+              <a:lnRef idx="2">
+                <a:schemeClr val="accent1">
+                  <a:shade val="50000"/>
+                </a:schemeClr>
+              </a:lnRef>
+              <a:fillRef idx="1">
+                <a:schemeClr val="accent1"/>
+              </a:fillRef>
+              <a:effectRef idx="0">
+                <a:schemeClr val="accent1"/>
+              </a:effectRef>
+              <a:fontRef idx="minor">
+                <a:schemeClr val="lt1"/>
+              </a:fontRef>
+            </p:style>
+            <p:txBody>
+              <a:bodyPr rtlCol="0" anchor="ctr"/>
+              <a:lstStyle/>
+              <a:p>
+                <a:pPr algn="ctr"/>
+                <a14:m>
+                  <m:oMathPara xmlns:m="http://schemas.openxmlformats.org/officeDocument/2006/math">
+                    <m:oMathParaPr>
+                      <m:jc m:val="right"/>
+                    </m:oMathParaPr>
+                    <m:oMath xmlns:m="http://schemas.openxmlformats.org/officeDocument/2006/math">
+                      <m:acc>
+                        <m:accPr>
+                          <m:chr m:val="⃗"/>
+                          <m:ctrlPr>
+                            <a:rPr lang="zh-CN" altLang="en-US" i="1" smtClean="0">
+                              <a:solidFill>
+                                <a:schemeClr val="tx1"/>
+                              </a:solidFill>
+                              <a:latin typeface="Cambria Math" panose="02040503050406030204" pitchFamily="18" charset="0"/>
+                            </a:rPr>
+                          </m:ctrlPr>
+                        </m:accPr>
+                        <m:e>
+                          <m:sSub>
+                            <m:sSubPr>
+                              <m:ctrlPr>
+                                <a:rPr lang="en-US" altLang="zh-CN" i="1" smtClean="0">
+                                  <a:solidFill>
+                                    <a:schemeClr val="tx1"/>
+                                  </a:solidFill>
+                                  <a:latin typeface="Cambria Math" panose="02040503050406030204" pitchFamily="18" charset="0"/>
+                                </a:rPr>
+                              </m:ctrlPr>
+                            </m:sSubPr>
+                            <m:e>
+                              <m:r>
+                                <a:rPr lang="en-US" altLang="zh-CN" b="0" i="1" smtClean="0">
+                                  <a:solidFill>
+                                    <a:schemeClr val="tx1"/>
+                                  </a:solidFill>
+                                  <a:latin typeface="Cambria Math" panose="02040503050406030204" pitchFamily="18" charset="0"/>
+                                </a:rPr>
+                                <m:t>h</m:t>
+                              </m:r>
+                            </m:e>
+                            <m:sub>
+                              <m:r>
+                                <a:rPr lang="en-US" altLang="zh-CN" b="0" i="1" smtClean="0">
+                                  <a:solidFill>
+                                    <a:schemeClr val="tx1"/>
+                                  </a:solidFill>
+                                  <a:latin typeface="Cambria Math" panose="02040503050406030204" pitchFamily="18" charset="0"/>
+                                </a:rPr>
+                                <m:t>5</m:t>
+                              </m:r>
+                            </m:sub>
+                          </m:sSub>
+                        </m:e>
+                      </m:acc>
+                    </m:oMath>
+                  </m:oMathPara>
+                </a14:m>
+                <a:endParaRPr lang="zh-CN" altLang="en-US" dirty="0">
+                  <a:solidFill>
+                    <a:schemeClr val="tx1"/>
+                  </a:solidFill>
+                </a:endParaRPr>
+              </a:p>
+            </p:txBody>
+          </p:sp>
+        </mc:Choice>
+        <mc:Fallback>
+          <p:sp>
+            <p:nvSpPr>
+              <p:cNvPr id="73" name="矩形 72">
+                <a:extLst>
+                  <a:ext uri="{FF2B5EF4-FFF2-40B4-BE49-F238E27FC236}">
+                    <a16:creationId xmlns:a16="http://schemas.microsoft.com/office/drawing/2014/main" id="{55F3457F-8672-4492-B12C-5CAEBC1E795B}"/>
+                  </a:ext>
+                </a:extLst>
+              </p:cNvPr>
+              <p:cNvSpPr>
+                <a:spLocks noRot="1" noChangeAspect="1" noMove="1" noResize="1" noEditPoints="1" noAdjustHandles="1" noChangeArrowheads="1" noChangeShapeType="1" noTextEdit="1"/>
+              </p:cNvSpPr>
+              <p:nvPr/>
+            </p:nvSpPr>
+            <p:spPr>
+              <a:xfrm>
+                <a:off x="6974008" y="3926243"/>
+                <a:ext cx="347969" cy="392777"/>
+              </a:xfrm>
+              <a:prstGeom prst="rect">
+                <a:avLst/>
+              </a:prstGeom>
+              <a:blipFill>
+                <a:blip r:embed="rId10"/>
+                <a:stretch>
+                  <a:fillRect r="-4918"/>
+                </a:stretch>
+              </a:blipFill>
+              <a:ln w="25400">
+                <a:solidFill>
+                  <a:schemeClr val="tx1"/>
+                </a:solidFill>
+              </a:ln>
+            </p:spPr>
+            <p:txBody>
+              <a:bodyPr/>
+              <a:lstStyle/>
+              <a:p>
+                <a:r>
+                  <a:rPr lang="zh-CN" altLang="en-US">
+                    <a:noFill/>
+                  </a:rPr>
+                  <a:t> </a:t>
+                </a:r>
+              </a:p>
+            </p:txBody>
+          </p:sp>
+        </mc:Fallback>
+      </mc:AlternateContent>
+      <mc:AlternateContent xmlns:mc="http://schemas.openxmlformats.org/markup-compatibility/2006">
+        <mc:Choice xmlns:a14="http://schemas.microsoft.com/office/drawing/2010/main" Requires="a14">
+          <p:sp>
+            <p:nvSpPr>
+              <p:cNvPr id="74" name="矩形 73">
+                <a:extLst>
+                  <a:ext uri="{FF2B5EF4-FFF2-40B4-BE49-F238E27FC236}">
+                    <a16:creationId xmlns:a16="http://schemas.microsoft.com/office/drawing/2014/main" id="{28D0BFB2-5CCF-49C7-A75D-4933E6BD2D09}"/>
+                  </a:ext>
+                </a:extLst>
+              </p:cNvPr>
+              <p:cNvSpPr/>
+              <p:nvPr/>
+            </p:nvSpPr>
+            <p:spPr>
+              <a:xfrm>
+                <a:off x="6974007" y="3375478"/>
+                <a:ext cx="347969" cy="333512"/>
+              </a:xfrm>
+              <a:prstGeom prst="rect">
+                <a:avLst/>
+              </a:prstGeom>
+              <a:solidFill>
+                <a:srgbClr val="FF7C80"/>
+              </a:solidFill>
+              <a:ln w="25400">
+                <a:solidFill>
+                  <a:schemeClr val="tx1"/>
+                </a:solidFill>
+              </a:ln>
+            </p:spPr>
+            <p:style>
+              <a:lnRef idx="2">
+                <a:schemeClr val="accent1">
+                  <a:shade val="50000"/>
+                </a:schemeClr>
+              </a:lnRef>
+              <a:fillRef idx="1">
+                <a:schemeClr val="accent1"/>
+              </a:fillRef>
+              <a:effectRef idx="0">
+                <a:schemeClr val="accent1"/>
+              </a:effectRef>
+              <a:fontRef idx="minor">
+                <a:schemeClr val="lt1"/>
+              </a:fontRef>
+            </p:style>
+            <p:txBody>
+              <a:bodyPr rtlCol="0" anchor="ctr"/>
+              <a:lstStyle/>
+              <a:p>
+                <a:pPr algn="ctr"/>
+                <a14:m>
+                  <m:oMathPara xmlns:m="http://schemas.openxmlformats.org/officeDocument/2006/math">
+                    <m:oMathParaPr>
+                      <m:jc m:val="right"/>
+                    </m:oMathParaPr>
+                    <m:oMath xmlns:m="http://schemas.openxmlformats.org/officeDocument/2006/math">
+                      <m:acc>
+                        <m:accPr>
+                          <m:chr m:val="⃖"/>
+                          <m:ctrlPr>
+                            <a:rPr lang="zh-CN" altLang="en-US" i="1" smtClean="0">
+                              <a:solidFill>
+                                <a:schemeClr val="tx1"/>
+                              </a:solidFill>
+                              <a:latin typeface="Cambria Math" panose="02040503050406030204" pitchFamily="18" charset="0"/>
+                            </a:rPr>
+                          </m:ctrlPr>
+                        </m:accPr>
+                        <m:e>
+                          <m:sSub>
+                            <m:sSubPr>
+                              <m:ctrlPr>
+                                <a:rPr lang="en-US" altLang="zh-CN" i="1" smtClean="0">
+                                  <a:solidFill>
+                                    <a:schemeClr val="tx1"/>
+                                  </a:solidFill>
+                                  <a:latin typeface="Cambria Math" panose="02040503050406030204" pitchFamily="18" charset="0"/>
+                                </a:rPr>
+                              </m:ctrlPr>
+                            </m:sSubPr>
+                            <m:e>
+                              <m:r>
+                                <a:rPr lang="en-US" altLang="zh-CN" b="0" i="1" smtClean="0">
+                                  <a:solidFill>
+                                    <a:schemeClr val="tx1"/>
+                                  </a:solidFill>
+                                  <a:latin typeface="Cambria Math" panose="02040503050406030204" pitchFamily="18" charset="0"/>
+                                </a:rPr>
+                                <m:t>h</m:t>
+                              </m:r>
+                            </m:e>
+                            <m:sub>
+                              <m:r>
+                                <a:rPr lang="en-US" altLang="zh-CN" b="0" i="1" smtClean="0">
+                                  <a:solidFill>
+                                    <a:schemeClr val="tx1"/>
+                                  </a:solidFill>
+                                  <a:latin typeface="Cambria Math" panose="02040503050406030204" pitchFamily="18" charset="0"/>
+                                </a:rPr>
+                                <m:t>5</m:t>
+                              </m:r>
+                            </m:sub>
+                          </m:sSub>
+                        </m:e>
+                      </m:acc>
+                    </m:oMath>
+                  </m:oMathPara>
+                </a14:m>
+                <a:endParaRPr lang="zh-CN" altLang="en-US" dirty="0">
+                  <a:solidFill>
+                    <a:schemeClr val="tx1"/>
+                  </a:solidFill>
+                </a:endParaRPr>
+              </a:p>
+            </p:txBody>
+          </p:sp>
+        </mc:Choice>
+        <mc:Fallback>
+          <p:sp>
+            <p:nvSpPr>
+              <p:cNvPr id="74" name="矩形 73">
+                <a:extLst>
+                  <a:ext uri="{FF2B5EF4-FFF2-40B4-BE49-F238E27FC236}">
+                    <a16:creationId xmlns:a16="http://schemas.microsoft.com/office/drawing/2014/main" id="{28D0BFB2-5CCF-49C7-A75D-4933E6BD2D09}"/>
+                  </a:ext>
+                </a:extLst>
+              </p:cNvPr>
+              <p:cNvSpPr>
+                <a:spLocks noRot="1" noChangeAspect="1" noMove="1" noResize="1" noEditPoints="1" noAdjustHandles="1" noChangeArrowheads="1" noChangeShapeType="1" noTextEdit="1"/>
+              </p:cNvSpPr>
+              <p:nvPr/>
+            </p:nvSpPr>
+            <p:spPr>
+              <a:xfrm>
+                <a:off x="6974007" y="3375478"/>
+                <a:ext cx="347969" cy="333512"/>
+              </a:xfrm>
+              <a:prstGeom prst="rect">
+                <a:avLst/>
+              </a:prstGeom>
+              <a:blipFill>
+                <a:blip r:embed="rId11"/>
+                <a:stretch>
+                  <a:fillRect r="-4918" b="-8621"/>
+                </a:stretch>
+              </a:blipFill>
+              <a:ln w="25400">
+                <a:solidFill>
+                  <a:schemeClr val="tx1"/>
+                </a:solidFill>
+              </a:ln>
+            </p:spPr>
+            <p:txBody>
+              <a:bodyPr/>
+              <a:lstStyle/>
+              <a:p>
+                <a:r>
+                  <a:rPr lang="zh-CN" altLang="en-US">
+                    <a:noFill/>
+                  </a:rPr>
+                  <a:t> </a:t>
+                </a:r>
+              </a:p>
+            </p:txBody>
+          </p:sp>
+        </mc:Fallback>
+      </mc:AlternateContent>
+      <p:sp>
+        <p:nvSpPr>
+          <p:cNvPr id="75" name="矩形 74">
+            <a:extLst>
+              <a:ext uri="{FF2B5EF4-FFF2-40B4-BE49-F238E27FC236}">
+                <a16:creationId xmlns:a16="http://schemas.microsoft.com/office/drawing/2014/main" id="{EB9A0E35-178A-4431-9B02-3DF2CC0717E9}"/>
+              </a:ext>
+            </a:extLst>
+          </p:cNvPr>
+          <p:cNvSpPr/>
+          <p:nvPr/>
+        </p:nvSpPr>
+        <p:spPr>
+          <a:xfrm>
+            <a:off x="6867525" y="3232925"/>
+            <a:ext cx="560932" cy="1266619"/>
+          </a:xfrm>
+          <a:prstGeom prst="rect">
+            <a:avLst/>
+          </a:prstGeom>
+          <a:noFill/>
+          <a:ln w="22225">
+            <a:solidFill>
+              <a:schemeClr val="tx1"/>
+            </a:solidFill>
+            <a:prstDash val="sysDash"/>
+          </a:ln>
+        </p:spPr>
+        <p:style>
+          <a:lnRef idx="2">
+            <a:schemeClr val="accent1">
+              <a:shade val="50000"/>
+            </a:schemeClr>
+          </a:lnRef>
+          <a:fillRef idx="1">
+            <a:schemeClr val="accent1"/>
+          </a:fillRef>
+          <a:effectRef idx="0">
+            <a:schemeClr val="accent1"/>
+          </a:effectRef>
+          <a:fontRef idx="minor">
+            <a:schemeClr val="lt1"/>
+          </a:fontRef>
+        </p:style>
+        <p:txBody>
+          <a:bodyPr rtlCol="0" anchor="ctr"/>
+          <a:lstStyle/>
+          <a:p>
+            <a:pPr algn="ctr"/>
+            <a:endParaRPr lang="zh-CN" altLang="en-US">
+              <a:solidFill>
+                <a:schemeClr val="tx1"/>
+              </a:solidFill>
+            </a:endParaRPr>
+          </a:p>
+        </p:txBody>
+      </p:sp>
+      <p:cxnSp>
+        <p:nvCxnSpPr>
+          <p:cNvPr id="76" name="直接箭头连接符 75">
+            <a:extLst>
+              <a:ext uri="{FF2B5EF4-FFF2-40B4-BE49-F238E27FC236}">
+                <a16:creationId xmlns:a16="http://schemas.microsoft.com/office/drawing/2014/main" id="{C4037D45-5588-44DD-8187-4602619D7AE4}"/>
+              </a:ext>
+            </a:extLst>
+          </p:cNvPr>
+          <p:cNvCxnSpPr>
+            <a:cxnSpLocks/>
+            <a:endCxn id="75" idx="2"/>
+          </p:cNvCxnSpPr>
+          <p:nvPr/>
+        </p:nvCxnSpPr>
+        <p:spPr>
+          <a:xfrm flipH="1" flipV="1">
+            <a:off x="7147991" y="4499544"/>
+            <a:ext cx="1" cy="358716"/>
+          </a:xfrm>
+          <a:prstGeom prst="straightConnector1">
+            <a:avLst/>
+          </a:prstGeom>
+          <a:ln w="25400">
+            <a:solidFill>
+              <a:schemeClr val="tx1"/>
+            </a:solidFill>
+            <a:tailEnd type="triangle"/>
+          </a:ln>
+        </p:spPr>
+        <p:style>
+          <a:lnRef idx="1">
+            <a:schemeClr val="accent1"/>
+          </a:lnRef>
+          <a:fillRef idx="0">
+            <a:schemeClr val="accent1"/>
+          </a:fillRef>
+          <a:effectRef idx="0">
+            <a:schemeClr val="accent1"/>
+          </a:effectRef>
+          <a:fontRef idx="minor">
+            <a:schemeClr val="tx1"/>
+          </a:fontRef>
+        </p:style>
+      </p:cxnSp>
+      <mc:AlternateContent xmlns:mc="http://schemas.openxmlformats.org/markup-compatibility/2006">
+        <mc:Choice xmlns:a14="http://schemas.microsoft.com/office/drawing/2010/main" Requires="a14">
+          <p:sp>
+            <p:nvSpPr>
+              <p:cNvPr id="77" name="矩形 76">
+                <a:extLst>
+                  <a:ext uri="{FF2B5EF4-FFF2-40B4-BE49-F238E27FC236}">
+                    <a16:creationId xmlns:a16="http://schemas.microsoft.com/office/drawing/2014/main" id="{2B9C9B01-78A3-48E7-B507-F8DC27ED1C6C}"/>
+                  </a:ext>
+                </a:extLst>
+              </p:cNvPr>
+              <p:cNvSpPr/>
+              <p:nvPr/>
+            </p:nvSpPr>
+            <p:spPr>
+              <a:xfrm>
+                <a:off x="7956832" y="3928529"/>
+                <a:ext cx="347969" cy="392777"/>
+              </a:xfrm>
+              <a:prstGeom prst="rect">
+                <a:avLst/>
+              </a:prstGeom>
+              <a:solidFill>
+                <a:srgbClr val="FF7C80"/>
+              </a:solidFill>
+              <a:ln w="25400">
+                <a:solidFill>
+                  <a:schemeClr val="tx1"/>
+                </a:solidFill>
+              </a:ln>
+            </p:spPr>
+            <p:style>
+              <a:lnRef idx="2">
+                <a:schemeClr val="accent1">
+                  <a:shade val="50000"/>
+                </a:schemeClr>
+              </a:lnRef>
+              <a:fillRef idx="1">
+                <a:schemeClr val="accent1"/>
+              </a:fillRef>
+              <a:effectRef idx="0">
+                <a:schemeClr val="accent1"/>
+              </a:effectRef>
+              <a:fontRef idx="minor">
+                <a:schemeClr val="lt1"/>
+              </a:fontRef>
+            </p:style>
+            <p:txBody>
+              <a:bodyPr rtlCol="0" anchor="ctr"/>
+              <a:lstStyle/>
+              <a:p>
+                <a:pPr algn="ctr"/>
+                <a14:m>
+                  <m:oMathPara xmlns:m="http://schemas.openxmlformats.org/officeDocument/2006/math">
+                    <m:oMathParaPr>
+                      <m:jc m:val="right"/>
+                    </m:oMathParaPr>
+                    <m:oMath xmlns:m="http://schemas.openxmlformats.org/officeDocument/2006/math">
+                      <m:acc>
+                        <m:accPr>
+                          <m:chr m:val="⃗"/>
+                          <m:ctrlPr>
+                            <a:rPr lang="zh-CN" altLang="en-US" i="1" smtClean="0">
+                              <a:solidFill>
+                                <a:schemeClr val="tx1"/>
+                              </a:solidFill>
+                              <a:latin typeface="Cambria Math" panose="02040503050406030204" pitchFamily="18" charset="0"/>
+                            </a:rPr>
+                          </m:ctrlPr>
+                        </m:accPr>
+                        <m:e>
+                          <m:sSub>
+                            <m:sSubPr>
+                              <m:ctrlPr>
+                                <a:rPr lang="en-US" altLang="zh-CN" i="1" smtClean="0">
+                                  <a:solidFill>
+                                    <a:schemeClr val="tx1"/>
+                                  </a:solidFill>
+                                  <a:latin typeface="Cambria Math" panose="02040503050406030204" pitchFamily="18" charset="0"/>
+                                </a:rPr>
+                              </m:ctrlPr>
+                            </m:sSubPr>
+                            <m:e>
+                              <m:r>
+                                <a:rPr lang="en-US" altLang="zh-CN" b="0" i="1" smtClean="0">
+                                  <a:solidFill>
+                                    <a:schemeClr val="tx1"/>
+                                  </a:solidFill>
+                                  <a:latin typeface="Cambria Math" panose="02040503050406030204" pitchFamily="18" charset="0"/>
+                                </a:rPr>
+                                <m:t>h</m:t>
+                              </m:r>
+                            </m:e>
+                            <m:sub>
+                              <m:r>
+                                <a:rPr lang="en-US" altLang="zh-CN" b="0" i="1" smtClean="0">
+                                  <a:solidFill>
+                                    <a:schemeClr val="tx1"/>
+                                  </a:solidFill>
+                                  <a:latin typeface="Cambria Math" panose="02040503050406030204" pitchFamily="18" charset="0"/>
+                                </a:rPr>
+                                <m:t>6</m:t>
+                              </m:r>
+                            </m:sub>
+                          </m:sSub>
+                        </m:e>
+                      </m:acc>
+                    </m:oMath>
+                  </m:oMathPara>
+                </a14:m>
+                <a:endParaRPr lang="zh-CN" altLang="en-US" dirty="0">
+                  <a:solidFill>
+                    <a:schemeClr val="tx1"/>
+                  </a:solidFill>
+                </a:endParaRPr>
+              </a:p>
+            </p:txBody>
+          </p:sp>
+        </mc:Choice>
+        <mc:Fallback>
+          <p:sp>
+            <p:nvSpPr>
+              <p:cNvPr id="77" name="矩形 76">
+                <a:extLst>
+                  <a:ext uri="{FF2B5EF4-FFF2-40B4-BE49-F238E27FC236}">
+                    <a16:creationId xmlns:a16="http://schemas.microsoft.com/office/drawing/2014/main" id="{2B9C9B01-78A3-48E7-B507-F8DC27ED1C6C}"/>
+                  </a:ext>
+                </a:extLst>
+              </p:cNvPr>
+              <p:cNvSpPr>
+                <a:spLocks noRot="1" noChangeAspect="1" noMove="1" noResize="1" noEditPoints="1" noAdjustHandles="1" noChangeArrowheads="1" noChangeShapeType="1" noTextEdit="1"/>
+              </p:cNvSpPr>
+              <p:nvPr/>
+            </p:nvSpPr>
+            <p:spPr>
+              <a:xfrm>
+                <a:off x="7956832" y="3928529"/>
+                <a:ext cx="347969" cy="392777"/>
+              </a:xfrm>
+              <a:prstGeom prst="rect">
+                <a:avLst/>
+              </a:prstGeom>
+              <a:blipFill>
+                <a:blip r:embed="rId12"/>
+                <a:stretch>
+                  <a:fillRect r="-4918"/>
+                </a:stretch>
+              </a:blipFill>
+              <a:ln w="25400">
+                <a:solidFill>
+                  <a:schemeClr val="tx1"/>
+                </a:solidFill>
+              </a:ln>
+            </p:spPr>
+            <p:txBody>
+              <a:bodyPr/>
+              <a:lstStyle/>
+              <a:p>
+                <a:r>
+                  <a:rPr lang="zh-CN" altLang="en-US">
+                    <a:noFill/>
+                  </a:rPr>
+                  <a:t> </a:t>
+                </a:r>
+              </a:p>
+            </p:txBody>
+          </p:sp>
+        </mc:Fallback>
+      </mc:AlternateContent>
+      <mc:AlternateContent xmlns:mc="http://schemas.openxmlformats.org/markup-compatibility/2006">
+        <mc:Choice xmlns:a14="http://schemas.microsoft.com/office/drawing/2010/main" Requires="a14">
+          <p:sp>
+            <p:nvSpPr>
+              <p:cNvPr id="78" name="矩形 77">
+                <a:extLst>
+                  <a:ext uri="{FF2B5EF4-FFF2-40B4-BE49-F238E27FC236}">
+                    <a16:creationId xmlns:a16="http://schemas.microsoft.com/office/drawing/2014/main" id="{C9FEEE1E-7A9A-4594-96CB-2A5F7B5B432A}"/>
+                  </a:ext>
+                </a:extLst>
+              </p:cNvPr>
+              <p:cNvSpPr/>
+              <p:nvPr/>
+            </p:nvSpPr>
+            <p:spPr>
+              <a:xfrm>
+                <a:off x="7956831" y="3377764"/>
+                <a:ext cx="347969" cy="333512"/>
+              </a:xfrm>
+              <a:prstGeom prst="rect">
+                <a:avLst/>
+              </a:prstGeom>
+              <a:solidFill>
+                <a:srgbClr val="FF7C80"/>
+              </a:solidFill>
+              <a:ln w="25400">
+                <a:solidFill>
+                  <a:schemeClr val="tx1"/>
+                </a:solidFill>
+              </a:ln>
+            </p:spPr>
+            <p:style>
+              <a:lnRef idx="2">
+                <a:schemeClr val="accent1">
+                  <a:shade val="50000"/>
+                </a:schemeClr>
+              </a:lnRef>
+              <a:fillRef idx="1">
+                <a:schemeClr val="accent1"/>
+              </a:fillRef>
+              <a:effectRef idx="0">
+                <a:schemeClr val="accent1"/>
+              </a:effectRef>
+              <a:fontRef idx="minor">
+                <a:schemeClr val="lt1"/>
+              </a:fontRef>
+            </p:style>
+            <p:txBody>
+              <a:bodyPr rtlCol="0" anchor="ctr"/>
+              <a:lstStyle/>
+              <a:p>
+                <a:pPr algn="ctr"/>
+                <a14:m>
+                  <m:oMathPara xmlns:m="http://schemas.openxmlformats.org/officeDocument/2006/math">
+                    <m:oMathParaPr>
+                      <m:jc m:val="right"/>
+                    </m:oMathParaPr>
+                    <m:oMath xmlns:m="http://schemas.openxmlformats.org/officeDocument/2006/math">
+                      <m:acc>
+                        <m:accPr>
+                          <m:chr m:val="⃖"/>
+                          <m:ctrlPr>
+                            <a:rPr lang="zh-CN" altLang="en-US" i="1" smtClean="0">
+                              <a:solidFill>
+                                <a:schemeClr val="tx1"/>
+                              </a:solidFill>
+                              <a:latin typeface="Cambria Math" panose="02040503050406030204" pitchFamily="18" charset="0"/>
+                            </a:rPr>
+                          </m:ctrlPr>
+                        </m:accPr>
+                        <m:e>
+                          <m:sSub>
+                            <m:sSubPr>
+                              <m:ctrlPr>
+                                <a:rPr lang="en-US" altLang="zh-CN" i="1" smtClean="0">
+                                  <a:solidFill>
+                                    <a:schemeClr val="tx1"/>
+                                  </a:solidFill>
+                                  <a:latin typeface="Cambria Math" panose="02040503050406030204" pitchFamily="18" charset="0"/>
+                                </a:rPr>
+                              </m:ctrlPr>
+                            </m:sSubPr>
+                            <m:e>
+                              <m:r>
+                                <a:rPr lang="en-US" altLang="zh-CN" b="0" i="1" smtClean="0">
+                                  <a:solidFill>
+                                    <a:schemeClr val="tx1"/>
+                                  </a:solidFill>
+                                  <a:latin typeface="Cambria Math" panose="02040503050406030204" pitchFamily="18" charset="0"/>
+                                </a:rPr>
+                                <m:t>h</m:t>
+                              </m:r>
+                            </m:e>
+                            <m:sub>
+                              <m:r>
+                                <a:rPr lang="en-US" altLang="zh-CN" b="0" i="1" smtClean="0">
+                                  <a:solidFill>
+                                    <a:schemeClr val="tx1"/>
+                                  </a:solidFill>
+                                  <a:latin typeface="Cambria Math" panose="02040503050406030204" pitchFamily="18" charset="0"/>
+                                </a:rPr>
+                                <m:t>6</m:t>
+                              </m:r>
+                            </m:sub>
+                          </m:sSub>
+                        </m:e>
+                      </m:acc>
+                    </m:oMath>
+                  </m:oMathPara>
+                </a14:m>
+                <a:endParaRPr lang="zh-CN" altLang="en-US" dirty="0">
+                  <a:solidFill>
+                    <a:schemeClr val="tx1"/>
+                  </a:solidFill>
+                </a:endParaRPr>
+              </a:p>
+            </p:txBody>
+          </p:sp>
+        </mc:Choice>
+        <mc:Fallback>
+          <p:sp>
+            <p:nvSpPr>
+              <p:cNvPr id="78" name="矩形 77">
+                <a:extLst>
+                  <a:ext uri="{FF2B5EF4-FFF2-40B4-BE49-F238E27FC236}">
+                    <a16:creationId xmlns:a16="http://schemas.microsoft.com/office/drawing/2014/main" id="{C9FEEE1E-7A9A-4594-96CB-2A5F7B5B432A}"/>
+                  </a:ext>
+                </a:extLst>
+              </p:cNvPr>
+              <p:cNvSpPr>
+                <a:spLocks noRot="1" noChangeAspect="1" noMove="1" noResize="1" noEditPoints="1" noAdjustHandles="1" noChangeArrowheads="1" noChangeShapeType="1" noTextEdit="1"/>
+              </p:cNvSpPr>
+              <p:nvPr/>
+            </p:nvSpPr>
+            <p:spPr>
+              <a:xfrm>
+                <a:off x="7956831" y="3377764"/>
+                <a:ext cx="347969" cy="333512"/>
+              </a:xfrm>
+              <a:prstGeom prst="rect">
+                <a:avLst/>
+              </a:prstGeom>
+              <a:blipFill>
+                <a:blip r:embed="rId13"/>
+                <a:stretch>
+                  <a:fillRect r="-4918" b="-6780"/>
+                </a:stretch>
+              </a:blipFill>
+              <a:ln w="25400">
+                <a:solidFill>
+                  <a:schemeClr val="tx1"/>
+                </a:solidFill>
+              </a:ln>
+            </p:spPr>
+            <p:txBody>
+              <a:bodyPr/>
+              <a:lstStyle/>
+              <a:p>
+                <a:r>
+                  <a:rPr lang="zh-CN" altLang="en-US">
+                    <a:noFill/>
+                  </a:rPr>
+                  <a:t> </a:t>
+                </a:r>
+              </a:p>
+            </p:txBody>
+          </p:sp>
+        </mc:Fallback>
+      </mc:AlternateContent>
+      <p:sp>
+        <p:nvSpPr>
+          <p:cNvPr id="79" name="矩形 78">
+            <a:extLst>
+              <a:ext uri="{FF2B5EF4-FFF2-40B4-BE49-F238E27FC236}">
+                <a16:creationId xmlns:a16="http://schemas.microsoft.com/office/drawing/2014/main" id="{0C8A0403-32C1-4219-83F3-EDBAA6832885}"/>
+              </a:ext>
+            </a:extLst>
+          </p:cNvPr>
+          <p:cNvSpPr/>
+          <p:nvPr/>
+        </p:nvSpPr>
+        <p:spPr>
+          <a:xfrm>
+            <a:off x="7850349" y="3235211"/>
+            <a:ext cx="560932" cy="1266619"/>
+          </a:xfrm>
+          <a:prstGeom prst="rect">
+            <a:avLst/>
+          </a:prstGeom>
+          <a:noFill/>
+          <a:ln w="22225">
+            <a:solidFill>
+              <a:schemeClr val="tx1"/>
+            </a:solidFill>
+            <a:prstDash val="sysDash"/>
+          </a:ln>
+        </p:spPr>
+        <p:style>
+          <a:lnRef idx="2">
+            <a:schemeClr val="accent1">
+              <a:shade val="50000"/>
+            </a:schemeClr>
+          </a:lnRef>
+          <a:fillRef idx="1">
+            <a:schemeClr val="accent1"/>
+          </a:fillRef>
+          <a:effectRef idx="0">
+            <a:schemeClr val="accent1"/>
+          </a:effectRef>
+          <a:fontRef idx="minor">
+            <a:schemeClr val="lt1"/>
+          </a:fontRef>
+        </p:style>
+        <p:txBody>
+          <a:bodyPr rtlCol="0" anchor="ctr"/>
+          <a:lstStyle/>
+          <a:p>
+            <a:pPr algn="ctr"/>
+            <a:endParaRPr lang="zh-CN" altLang="en-US">
+              <a:solidFill>
+                <a:schemeClr val="tx1"/>
+              </a:solidFill>
+            </a:endParaRPr>
+          </a:p>
+        </p:txBody>
+      </p:sp>
+      <p:cxnSp>
+        <p:nvCxnSpPr>
+          <p:cNvPr id="80" name="直接箭头连接符 79">
+            <a:extLst>
+              <a:ext uri="{FF2B5EF4-FFF2-40B4-BE49-F238E27FC236}">
+                <a16:creationId xmlns:a16="http://schemas.microsoft.com/office/drawing/2014/main" id="{6F1DDD9A-71F0-4DC8-9F28-757F0958C18D}"/>
+              </a:ext>
+            </a:extLst>
+          </p:cNvPr>
+          <p:cNvCxnSpPr>
+            <a:cxnSpLocks/>
+            <a:endCxn id="79" idx="2"/>
+          </p:cNvCxnSpPr>
+          <p:nvPr/>
+        </p:nvCxnSpPr>
+        <p:spPr>
+          <a:xfrm flipH="1" flipV="1">
+            <a:off x="8130815" y="4501830"/>
+            <a:ext cx="1" cy="358716"/>
+          </a:xfrm>
+          <a:prstGeom prst="straightConnector1">
+            <a:avLst/>
+          </a:prstGeom>
+          <a:ln w="25400">
+            <a:solidFill>
+              <a:schemeClr val="tx1"/>
+            </a:solidFill>
+            <a:tailEnd type="triangle"/>
+          </a:ln>
+        </p:spPr>
+        <p:style>
+          <a:lnRef idx="1">
+            <a:schemeClr val="accent1"/>
+          </a:lnRef>
+          <a:fillRef idx="0">
+            <a:schemeClr val="accent1"/>
+          </a:fillRef>
+          <a:effectRef idx="0">
+            <a:schemeClr val="accent1"/>
+          </a:effectRef>
+          <a:fontRef idx="minor">
+            <a:schemeClr val="tx1"/>
+          </a:fontRef>
+        </p:style>
+      </p:cxnSp>
+      <mc:AlternateContent xmlns:mc="http://schemas.openxmlformats.org/markup-compatibility/2006">
+        <mc:Choice xmlns:a14="http://schemas.microsoft.com/office/drawing/2010/main" Requires="a14">
+          <p:sp>
+            <p:nvSpPr>
+              <p:cNvPr id="81" name="矩形 80">
+                <a:extLst>
+                  <a:ext uri="{FF2B5EF4-FFF2-40B4-BE49-F238E27FC236}">
+                    <a16:creationId xmlns:a16="http://schemas.microsoft.com/office/drawing/2014/main" id="{DA7E0C81-8084-48A2-BA33-48E584A45F1E}"/>
+                  </a:ext>
+                </a:extLst>
+              </p:cNvPr>
+              <p:cNvSpPr/>
+              <p:nvPr/>
+            </p:nvSpPr>
+            <p:spPr>
+              <a:xfrm>
+                <a:off x="8801146" y="3926243"/>
+                <a:ext cx="347969" cy="392777"/>
+              </a:xfrm>
+              <a:prstGeom prst="rect">
+                <a:avLst/>
+              </a:prstGeom>
+              <a:solidFill>
+                <a:srgbClr val="FF7C80"/>
+              </a:solidFill>
+              <a:ln w="25400">
+                <a:solidFill>
+                  <a:schemeClr val="tx1"/>
+                </a:solidFill>
+              </a:ln>
+            </p:spPr>
+            <p:style>
+              <a:lnRef idx="2">
+                <a:schemeClr val="accent1">
+                  <a:shade val="50000"/>
+                </a:schemeClr>
+              </a:lnRef>
+              <a:fillRef idx="1">
+                <a:schemeClr val="accent1"/>
+              </a:fillRef>
+              <a:effectRef idx="0">
+                <a:schemeClr val="accent1"/>
+              </a:effectRef>
+              <a:fontRef idx="minor">
+                <a:schemeClr val="lt1"/>
+              </a:fontRef>
+            </p:style>
+            <p:txBody>
+              <a:bodyPr rtlCol="0" anchor="ctr"/>
+              <a:lstStyle/>
+              <a:p>
+                <a:pPr algn="ctr"/>
+                <a14:m>
+                  <m:oMathPara xmlns:m="http://schemas.openxmlformats.org/officeDocument/2006/math">
+                    <m:oMathParaPr>
+                      <m:jc m:val="right"/>
+                    </m:oMathParaPr>
+                    <m:oMath xmlns:m="http://schemas.openxmlformats.org/officeDocument/2006/math">
+                      <m:acc>
+                        <m:accPr>
+                          <m:chr m:val="⃗"/>
+                          <m:ctrlPr>
+                            <a:rPr lang="zh-CN" altLang="en-US" i="1" smtClean="0">
+                              <a:solidFill>
+                                <a:schemeClr val="tx1"/>
+                              </a:solidFill>
+                              <a:latin typeface="Cambria Math" panose="02040503050406030204" pitchFamily="18" charset="0"/>
+                            </a:rPr>
+                          </m:ctrlPr>
+                        </m:accPr>
+                        <m:e>
+                          <m:sSub>
+                            <m:sSubPr>
+                              <m:ctrlPr>
+                                <a:rPr lang="en-US" altLang="zh-CN" i="1" smtClean="0">
+                                  <a:solidFill>
+                                    <a:schemeClr val="tx1"/>
+                                  </a:solidFill>
+                                  <a:latin typeface="Cambria Math" panose="02040503050406030204" pitchFamily="18" charset="0"/>
+                                </a:rPr>
+                              </m:ctrlPr>
+                            </m:sSubPr>
+                            <m:e>
+                              <m:r>
+                                <a:rPr lang="en-US" altLang="zh-CN" b="0" i="1" smtClean="0">
+                                  <a:solidFill>
+                                    <a:schemeClr val="tx1"/>
+                                  </a:solidFill>
+                                  <a:latin typeface="Cambria Math" panose="02040503050406030204" pitchFamily="18" charset="0"/>
+                                </a:rPr>
+                                <m:t>h</m:t>
+                              </m:r>
+                            </m:e>
+                            <m:sub>
+                              <m:r>
+                                <a:rPr lang="en-US" altLang="zh-CN" b="0" i="1" smtClean="0">
+                                  <a:solidFill>
+                                    <a:schemeClr val="tx1"/>
+                                  </a:solidFill>
+                                  <a:latin typeface="Cambria Math" panose="02040503050406030204" pitchFamily="18" charset="0"/>
+                                </a:rPr>
+                                <m:t>7</m:t>
+                              </m:r>
+                            </m:sub>
+                          </m:sSub>
+                        </m:e>
+                      </m:acc>
+                    </m:oMath>
+                  </m:oMathPara>
+                </a14:m>
+                <a:endParaRPr lang="zh-CN" altLang="en-US" dirty="0">
+                  <a:solidFill>
+                    <a:schemeClr val="tx1"/>
+                  </a:solidFill>
+                </a:endParaRPr>
+              </a:p>
+            </p:txBody>
+          </p:sp>
+        </mc:Choice>
+        <mc:Fallback>
+          <p:sp>
+            <p:nvSpPr>
+              <p:cNvPr id="81" name="矩形 80">
+                <a:extLst>
+                  <a:ext uri="{FF2B5EF4-FFF2-40B4-BE49-F238E27FC236}">
+                    <a16:creationId xmlns:a16="http://schemas.microsoft.com/office/drawing/2014/main" id="{DA7E0C81-8084-48A2-BA33-48E584A45F1E}"/>
+                  </a:ext>
+                </a:extLst>
+              </p:cNvPr>
+              <p:cNvSpPr>
+                <a:spLocks noRot="1" noChangeAspect="1" noMove="1" noResize="1" noEditPoints="1" noAdjustHandles="1" noChangeArrowheads="1" noChangeShapeType="1" noTextEdit="1"/>
+              </p:cNvSpPr>
+              <p:nvPr/>
+            </p:nvSpPr>
+            <p:spPr>
+              <a:xfrm>
+                <a:off x="8801146" y="3926243"/>
+                <a:ext cx="347969" cy="392777"/>
+              </a:xfrm>
+              <a:prstGeom prst="rect">
+                <a:avLst/>
+              </a:prstGeom>
+              <a:blipFill>
+                <a:blip r:embed="rId14"/>
+                <a:stretch>
+                  <a:fillRect r="-3279"/>
+                </a:stretch>
+              </a:blipFill>
+              <a:ln w="25400">
+                <a:solidFill>
+                  <a:schemeClr val="tx1"/>
+                </a:solidFill>
+              </a:ln>
+            </p:spPr>
+            <p:txBody>
+              <a:bodyPr/>
+              <a:lstStyle/>
+              <a:p>
+                <a:r>
+                  <a:rPr lang="zh-CN" altLang="en-US">
+                    <a:noFill/>
+                  </a:rPr>
+                  <a:t> </a:t>
+                </a:r>
+              </a:p>
+            </p:txBody>
+          </p:sp>
+        </mc:Fallback>
+      </mc:AlternateContent>
+      <mc:AlternateContent xmlns:mc="http://schemas.openxmlformats.org/markup-compatibility/2006">
+        <mc:Choice xmlns:a14="http://schemas.microsoft.com/office/drawing/2010/main" Requires="a14">
+          <p:sp>
+            <p:nvSpPr>
+              <p:cNvPr id="82" name="矩形 81">
+                <a:extLst>
+                  <a:ext uri="{FF2B5EF4-FFF2-40B4-BE49-F238E27FC236}">
+                    <a16:creationId xmlns:a16="http://schemas.microsoft.com/office/drawing/2014/main" id="{B169E99B-55D8-49BA-B32C-E4F0D0AE8F94}"/>
+                  </a:ext>
+                </a:extLst>
+              </p:cNvPr>
+              <p:cNvSpPr/>
+              <p:nvPr/>
+            </p:nvSpPr>
+            <p:spPr>
+              <a:xfrm>
+                <a:off x="8801145" y="3375478"/>
+                <a:ext cx="347969" cy="333512"/>
+              </a:xfrm>
+              <a:prstGeom prst="rect">
+                <a:avLst/>
+              </a:prstGeom>
+              <a:solidFill>
+                <a:srgbClr val="FF7C80"/>
+              </a:solidFill>
+              <a:ln w="25400">
+                <a:solidFill>
+                  <a:schemeClr val="tx1"/>
+                </a:solidFill>
+              </a:ln>
+            </p:spPr>
+            <p:style>
+              <a:lnRef idx="2">
+                <a:schemeClr val="accent1">
+                  <a:shade val="50000"/>
+                </a:schemeClr>
+              </a:lnRef>
+              <a:fillRef idx="1">
+                <a:schemeClr val="accent1"/>
+              </a:fillRef>
+              <a:effectRef idx="0">
+                <a:schemeClr val="accent1"/>
+              </a:effectRef>
+              <a:fontRef idx="minor">
+                <a:schemeClr val="lt1"/>
+              </a:fontRef>
+            </p:style>
+            <p:txBody>
+              <a:bodyPr rtlCol="0" anchor="ctr"/>
+              <a:lstStyle/>
+              <a:p>
+                <a:pPr algn="ctr"/>
+                <a14:m>
+                  <m:oMathPara xmlns:m="http://schemas.openxmlformats.org/officeDocument/2006/math">
+                    <m:oMathParaPr>
+                      <m:jc m:val="right"/>
+                    </m:oMathParaPr>
+                    <m:oMath xmlns:m="http://schemas.openxmlformats.org/officeDocument/2006/math">
+                      <m:acc>
+                        <m:accPr>
+                          <m:chr m:val="⃖"/>
+                          <m:ctrlPr>
+                            <a:rPr lang="zh-CN" altLang="en-US" i="1" smtClean="0">
+                              <a:solidFill>
+                                <a:schemeClr val="tx1"/>
+                              </a:solidFill>
+                              <a:latin typeface="Cambria Math" panose="02040503050406030204" pitchFamily="18" charset="0"/>
+                            </a:rPr>
+                          </m:ctrlPr>
+                        </m:accPr>
+                        <m:e>
+                          <m:sSub>
+                            <m:sSubPr>
+                              <m:ctrlPr>
+                                <a:rPr lang="en-US" altLang="zh-CN" i="1" smtClean="0">
+                                  <a:solidFill>
+                                    <a:schemeClr val="tx1"/>
+                                  </a:solidFill>
+                                  <a:latin typeface="Cambria Math" panose="02040503050406030204" pitchFamily="18" charset="0"/>
+                                </a:rPr>
+                              </m:ctrlPr>
+                            </m:sSubPr>
+                            <m:e>
+                              <m:r>
+                                <a:rPr lang="en-US" altLang="zh-CN" b="0" i="1" smtClean="0">
+                                  <a:solidFill>
+                                    <a:schemeClr val="tx1"/>
+                                  </a:solidFill>
+                                  <a:latin typeface="Cambria Math" panose="02040503050406030204" pitchFamily="18" charset="0"/>
+                                </a:rPr>
+                                <m:t>h</m:t>
+                              </m:r>
+                            </m:e>
+                            <m:sub>
+                              <m:r>
+                                <a:rPr lang="en-US" altLang="zh-CN" b="0" i="1" smtClean="0">
+                                  <a:solidFill>
+                                    <a:schemeClr val="tx1"/>
+                                  </a:solidFill>
+                                  <a:latin typeface="Cambria Math" panose="02040503050406030204" pitchFamily="18" charset="0"/>
+                                </a:rPr>
+                                <m:t>7</m:t>
+                              </m:r>
+                            </m:sub>
+                          </m:sSub>
+                        </m:e>
+                      </m:acc>
+                    </m:oMath>
+                  </m:oMathPara>
+                </a14:m>
+                <a:endParaRPr lang="zh-CN" altLang="en-US" dirty="0">
+                  <a:solidFill>
+                    <a:schemeClr val="tx1"/>
+                  </a:solidFill>
+                </a:endParaRPr>
+              </a:p>
+            </p:txBody>
+          </p:sp>
+        </mc:Choice>
+        <mc:Fallback>
+          <p:sp>
+            <p:nvSpPr>
+              <p:cNvPr id="82" name="矩形 81">
+                <a:extLst>
+                  <a:ext uri="{FF2B5EF4-FFF2-40B4-BE49-F238E27FC236}">
+                    <a16:creationId xmlns:a16="http://schemas.microsoft.com/office/drawing/2014/main" id="{B169E99B-55D8-49BA-B32C-E4F0D0AE8F94}"/>
+                  </a:ext>
+                </a:extLst>
+              </p:cNvPr>
+              <p:cNvSpPr>
+                <a:spLocks noRot="1" noChangeAspect="1" noMove="1" noResize="1" noEditPoints="1" noAdjustHandles="1" noChangeArrowheads="1" noChangeShapeType="1" noTextEdit="1"/>
+              </p:cNvSpPr>
+              <p:nvPr/>
+            </p:nvSpPr>
+            <p:spPr>
+              <a:xfrm>
+                <a:off x="8801145" y="3375478"/>
+                <a:ext cx="347969" cy="333512"/>
+              </a:xfrm>
+              <a:prstGeom prst="rect">
+                <a:avLst/>
+              </a:prstGeom>
+              <a:blipFill>
+                <a:blip r:embed="rId15"/>
+                <a:stretch>
+                  <a:fillRect r="-3279" b="-8621"/>
+                </a:stretch>
+              </a:blipFill>
+              <a:ln w="25400">
+                <a:solidFill>
+                  <a:schemeClr val="tx1"/>
+                </a:solidFill>
+              </a:ln>
+            </p:spPr>
+            <p:txBody>
+              <a:bodyPr/>
+              <a:lstStyle/>
+              <a:p>
+                <a:r>
+                  <a:rPr lang="zh-CN" altLang="en-US">
+                    <a:noFill/>
+                  </a:rPr>
+                  <a:t> </a:t>
+                </a:r>
+              </a:p>
+            </p:txBody>
+          </p:sp>
+        </mc:Fallback>
+      </mc:AlternateContent>
+      <p:sp>
+        <p:nvSpPr>
+          <p:cNvPr id="83" name="矩形 82">
+            <a:extLst>
+              <a:ext uri="{FF2B5EF4-FFF2-40B4-BE49-F238E27FC236}">
+                <a16:creationId xmlns:a16="http://schemas.microsoft.com/office/drawing/2014/main" id="{CE7B18F0-0913-464A-874B-CCEA26199B2A}"/>
+              </a:ext>
+            </a:extLst>
+          </p:cNvPr>
+          <p:cNvSpPr/>
+          <p:nvPr/>
+        </p:nvSpPr>
+        <p:spPr>
+          <a:xfrm>
+            <a:off x="8694663" y="3232925"/>
+            <a:ext cx="560932" cy="1266619"/>
+          </a:xfrm>
+          <a:prstGeom prst="rect">
+            <a:avLst/>
+          </a:prstGeom>
+          <a:noFill/>
+          <a:ln w="22225">
+            <a:solidFill>
+              <a:schemeClr val="tx1"/>
+            </a:solidFill>
+            <a:prstDash val="sysDash"/>
+          </a:ln>
+        </p:spPr>
+        <p:style>
+          <a:lnRef idx="2">
+            <a:schemeClr val="accent1">
+              <a:shade val="50000"/>
+            </a:schemeClr>
+          </a:lnRef>
+          <a:fillRef idx="1">
+            <a:schemeClr val="accent1"/>
+          </a:fillRef>
+          <a:effectRef idx="0">
+            <a:schemeClr val="accent1"/>
+          </a:effectRef>
+          <a:fontRef idx="minor">
+            <a:schemeClr val="lt1"/>
+          </a:fontRef>
+        </p:style>
+        <p:txBody>
+          <a:bodyPr rtlCol="0" anchor="ctr"/>
+          <a:lstStyle/>
+          <a:p>
+            <a:pPr algn="ctr"/>
+            <a:endParaRPr lang="zh-CN" altLang="en-US">
+              <a:solidFill>
+                <a:schemeClr val="tx1"/>
+              </a:solidFill>
+            </a:endParaRPr>
+          </a:p>
+        </p:txBody>
+      </p:sp>
+      <p:cxnSp>
+        <p:nvCxnSpPr>
+          <p:cNvPr id="84" name="直接箭头连接符 83">
+            <a:extLst>
+              <a:ext uri="{FF2B5EF4-FFF2-40B4-BE49-F238E27FC236}">
+                <a16:creationId xmlns:a16="http://schemas.microsoft.com/office/drawing/2014/main" id="{E6A13624-C112-4FDA-851C-A5BE687F7771}"/>
+              </a:ext>
+            </a:extLst>
+          </p:cNvPr>
+          <p:cNvCxnSpPr>
+            <a:cxnSpLocks/>
+            <a:endCxn id="83" idx="2"/>
+          </p:cNvCxnSpPr>
+          <p:nvPr/>
+        </p:nvCxnSpPr>
+        <p:spPr>
+          <a:xfrm flipH="1" flipV="1">
+            <a:off x="8975129" y="4499544"/>
+            <a:ext cx="1" cy="358716"/>
+          </a:xfrm>
+          <a:prstGeom prst="straightConnector1">
+            <a:avLst/>
+          </a:prstGeom>
+          <a:ln w="25400">
+            <a:solidFill>
+              <a:schemeClr val="tx1"/>
+            </a:solidFill>
+            <a:tailEnd type="triangle"/>
+          </a:ln>
+        </p:spPr>
+        <p:style>
+          <a:lnRef idx="1">
+            <a:schemeClr val="accent1"/>
+          </a:lnRef>
+          <a:fillRef idx="0">
+            <a:schemeClr val="accent1"/>
+          </a:fillRef>
+          <a:effectRef idx="0">
+            <a:schemeClr val="accent1"/>
+          </a:effectRef>
+          <a:fontRef idx="minor">
+            <a:schemeClr val="tx1"/>
+          </a:fontRef>
+        </p:style>
+      </p:cxnSp>
+      <p:cxnSp>
+        <p:nvCxnSpPr>
+          <p:cNvPr id="86" name="直接箭头连接符 85">
+            <a:extLst>
+              <a:ext uri="{FF2B5EF4-FFF2-40B4-BE49-F238E27FC236}">
+                <a16:creationId xmlns:a16="http://schemas.microsoft.com/office/drawing/2014/main" id="{9147BA2E-FCFC-4D36-A720-7CBDBA026A8A}"/>
+              </a:ext>
+            </a:extLst>
+          </p:cNvPr>
+          <p:cNvCxnSpPr>
+            <a:stCxn id="54" idx="3"/>
+            <a:endCxn id="61" idx="1"/>
+          </p:cNvCxnSpPr>
+          <p:nvPr/>
+        </p:nvCxnSpPr>
+        <p:spPr>
+          <a:xfrm>
+            <a:off x="3390857" y="4122632"/>
+            <a:ext cx="622612" cy="0"/>
+          </a:xfrm>
+          <a:prstGeom prst="straightConnector1">
+            <a:avLst/>
+          </a:prstGeom>
+          <a:ln w="25400">
+            <a:solidFill>
+              <a:schemeClr val="tx1"/>
+            </a:solidFill>
+            <a:tailEnd type="triangle"/>
+          </a:ln>
+        </p:spPr>
+        <p:style>
+          <a:lnRef idx="1">
+            <a:schemeClr val="accent1"/>
+          </a:lnRef>
+          <a:fillRef idx="0">
+            <a:schemeClr val="accent1"/>
+          </a:fillRef>
+          <a:effectRef idx="0">
+            <a:schemeClr val="accent1"/>
+          </a:effectRef>
+          <a:fontRef idx="minor">
+            <a:schemeClr val="tx1"/>
+          </a:fontRef>
+        </p:style>
+      </p:cxnSp>
+      <p:cxnSp>
+        <p:nvCxnSpPr>
+          <p:cNvPr id="88" name="直接箭头连接符 87">
+            <a:extLst>
+              <a:ext uri="{FF2B5EF4-FFF2-40B4-BE49-F238E27FC236}">
+                <a16:creationId xmlns:a16="http://schemas.microsoft.com/office/drawing/2014/main" id="{4D45602F-B23B-45EC-93DD-D00A6EA8691C}"/>
+              </a:ext>
+            </a:extLst>
+          </p:cNvPr>
+          <p:cNvCxnSpPr>
+            <a:stCxn id="61" idx="3"/>
+            <a:endCxn id="65" idx="1"/>
+          </p:cNvCxnSpPr>
+          <p:nvPr/>
+        </p:nvCxnSpPr>
+        <p:spPr>
+          <a:xfrm>
+            <a:off x="4361438" y="4122632"/>
+            <a:ext cx="645186" cy="0"/>
+          </a:xfrm>
+          <a:prstGeom prst="straightConnector1">
+            <a:avLst/>
+          </a:prstGeom>
+          <a:ln w="25400">
+            <a:solidFill>
+              <a:schemeClr val="tx1"/>
+            </a:solidFill>
+            <a:tailEnd type="triangle"/>
+          </a:ln>
+        </p:spPr>
+        <p:style>
+          <a:lnRef idx="1">
+            <a:schemeClr val="accent1"/>
+          </a:lnRef>
+          <a:fillRef idx="0">
+            <a:schemeClr val="accent1"/>
+          </a:fillRef>
+          <a:effectRef idx="0">
+            <a:schemeClr val="accent1"/>
+          </a:effectRef>
+          <a:fontRef idx="minor">
+            <a:schemeClr val="tx1"/>
+          </a:fontRef>
+        </p:style>
+      </p:cxnSp>
+      <p:cxnSp>
+        <p:nvCxnSpPr>
+          <p:cNvPr id="92" name="直接箭头连接符 91">
+            <a:extLst>
+              <a:ext uri="{FF2B5EF4-FFF2-40B4-BE49-F238E27FC236}">
+                <a16:creationId xmlns:a16="http://schemas.microsoft.com/office/drawing/2014/main" id="{93652CD4-50F6-46AC-92D0-FC2C8DC31047}"/>
+              </a:ext>
+            </a:extLst>
+          </p:cNvPr>
+          <p:cNvCxnSpPr>
+            <a:stCxn id="65" idx="3"/>
+            <a:endCxn id="69" idx="1"/>
+          </p:cNvCxnSpPr>
+          <p:nvPr/>
+        </p:nvCxnSpPr>
+        <p:spPr>
+          <a:xfrm>
+            <a:off x="5354593" y="4122632"/>
+            <a:ext cx="621383" cy="0"/>
+          </a:xfrm>
+          <a:prstGeom prst="straightConnector1">
+            <a:avLst/>
+          </a:prstGeom>
+          <a:ln w="25400">
+            <a:solidFill>
+              <a:schemeClr val="tx1"/>
+            </a:solidFill>
+            <a:tailEnd type="triangle"/>
+          </a:ln>
+        </p:spPr>
+        <p:style>
+          <a:lnRef idx="1">
+            <a:schemeClr val="accent1"/>
+          </a:lnRef>
+          <a:fillRef idx="0">
+            <a:schemeClr val="accent1"/>
+          </a:fillRef>
+          <a:effectRef idx="0">
+            <a:schemeClr val="accent1"/>
+          </a:effectRef>
+          <a:fontRef idx="minor">
+            <a:schemeClr val="tx1"/>
+          </a:fontRef>
+        </p:style>
+      </p:cxnSp>
+      <p:cxnSp>
+        <p:nvCxnSpPr>
+          <p:cNvPr id="94" name="直接箭头连接符 93">
+            <a:extLst>
+              <a:ext uri="{FF2B5EF4-FFF2-40B4-BE49-F238E27FC236}">
+                <a16:creationId xmlns:a16="http://schemas.microsoft.com/office/drawing/2014/main" id="{DA742EA5-5629-49C0-81BA-F3CD45C79775}"/>
+              </a:ext>
+            </a:extLst>
+          </p:cNvPr>
+          <p:cNvCxnSpPr>
+            <a:stCxn id="69" idx="3"/>
+            <a:endCxn id="73" idx="1"/>
+          </p:cNvCxnSpPr>
+          <p:nvPr/>
+        </p:nvCxnSpPr>
+        <p:spPr>
+          <a:xfrm>
+            <a:off x="6323945" y="4122632"/>
+            <a:ext cx="650063" cy="0"/>
+          </a:xfrm>
+          <a:prstGeom prst="straightConnector1">
+            <a:avLst/>
+          </a:prstGeom>
+          <a:ln w="25400">
+            <a:solidFill>
+              <a:schemeClr val="tx1"/>
+            </a:solidFill>
+            <a:tailEnd type="triangle"/>
+          </a:ln>
+        </p:spPr>
+        <p:style>
+          <a:lnRef idx="1">
+            <a:schemeClr val="accent1"/>
+          </a:lnRef>
+          <a:fillRef idx="0">
+            <a:schemeClr val="accent1"/>
+          </a:fillRef>
+          <a:effectRef idx="0">
+            <a:schemeClr val="accent1"/>
+          </a:effectRef>
+          <a:fontRef idx="minor">
+            <a:schemeClr val="tx1"/>
+          </a:fontRef>
+        </p:style>
+      </p:cxnSp>
+      <p:cxnSp>
+        <p:nvCxnSpPr>
+          <p:cNvPr id="96" name="直接箭头连接符 95">
+            <a:extLst>
+              <a:ext uri="{FF2B5EF4-FFF2-40B4-BE49-F238E27FC236}">
+                <a16:creationId xmlns:a16="http://schemas.microsoft.com/office/drawing/2014/main" id="{03C99462-E5E1-4C2D-8AAB-4BFB9658BBE6}"/>
+              </a:ext>
+            </a:extLst>
+          </p:cNvPr>
+          <p:cNvCxnSpPr>
+            <a:cxnSpLocks/>
+            <a:stCxn id="73" idx="3"/>
+            <a:endCxn id="77" idx="1"/>
+          </p:cNvCxnSpPr>
+          <p:nvPr/>
+        </p:nvCxnSpPr>
+        <p:spPr>
+          <a:xfrm>
+            <a:off x="7321977" y="4122632"/>
+            <a:ext cx="634855" cy="2286"/>
+          </a:xfrm>
+          <a:prstGeom prst="straightConnector1">
+            <a:avLst/>
+          </a:prstGeom>
+          <a:ln w="25400">
+            <a:solidFill>
+              <a:schemeClr val="tx1"/>
+            </a:solidFill>
+            <a:tailEnd type="triangle"/>
+          </a:ln>
+        </p:spPr>
+        <p:style>
+          <a:lnRef idx="1">
+            <a:schemeClr val="accent1"/>
+          </a:lnRef>
+          <a:fillRef idx="0">
+            <a:schemeClr val="accent1"/>
+          </a:fillRef>
+          <a:effectRef idx="0">
+            <a:schemeClr val="accent1"/>
+          </a:effectRef>
+          <a:fontRef idx="minor">
+            <a:schemeClr val="tx1"/>
+          </a:fontRef>
+        </p:style>
+      </p:cxnSp>
+      <p:cxnSp>
+        <p:nvCxnSpPr>
+          <p:cNvPr id="98" name="直接箭头连接符 97">
+            <a:extLst>
+              <a:ext uri="{FF2B5EF4-FFF2-40B4-BE49-F238E27FC236}">
+                <a16:creationId xmlns:a16="http://schemas.microsoft.com/office/drawing/2014/main" id="{B449C383-DE0C-4316-945A-27F623ACE0D8}"/>
+              </a:ext>
+            </a:extLst>
+          </p:cNvPr>
+          <p:cNvCxnSpPr>
+            <a:stCxn id="77" idx="3"/>
+            <a:endCxn id="81" idx="1"/>
+          </p:cNvCxnSpPr>
+          <p:nvPr/>
+        </p:nvCxnSpPr>
+        <p:spPr>
+          <a:xfrm flipV="1">
+            <a:off x="8304801" y="4122632"/>
+            <a:ext cx="496345" cy="2286"/>
+          </a:xfrm>
+          <a:prstGeom prst="straightConnector1">
+            <a:avLst/>
+          </a:prstGeom>
+          <a:ln w="25400">
+            <a:solidFill>
+              <a:schemeClr val="tx1"/>
+            </a:solidFill>
+            <a:tailEnd type="triangle"/>
+          </a:ln>
+        </p:spPr>
+        <p:style>
+          <a:lnRef idx="1">
+            <a:schemeClr val="accent1"/>
+          </a:lnRef>
+          <a:fillRef idx="0">
+            <a:schemeClr val="accent1"/>
+          </a:fillRef>
+          <a:effectRef idx="0">
+            <a:schemeClr val="accent1"/>
+          </a:effectRef>
+          <a:fontRef idx="minor">
+            <a:schemeClr val="tx1"/>
+          </a:fontRef>
+        </p:style>
+      </p:cxnSp>
+      <p:cxnSp>
+        <p:nvCxnSpPr>
+          <p:cNvPr id="101" name="直接箭头连接符 100">
+            <a:extLst>
+              <a:ext uri="{FF2B5EF4-FFF2-40B4-BE49-F238E27FC236}">
+                <a16:creationId xmlns:a16="http://schemas.microsoft.com/office/drawing/2014/main" id="{7569E9B4-A720-49E8-BD56-89AAFEBBA378}"/>
+              </a:ext>
+            </a:extLst>
+          </p:cNvPr>
+          <p:cNvCxnSpPr>
+            <a:stCxn id="82" idx="1"/>
+            <a:endCxn id="78" idx="3"/>
+          </p:cNvCxnSpPr>
+          <p:nvPr/>
+        </p:nvCxnSpPr>
+        <p:spPr>
+          <a:xfrm flipH="1">
+            <a:off x="8304800" y="3542234"/>
+            <a:ext cx="496345" cy="2286"/>
+          </a:xfrm>
+          <a:prstGeom prst="straightConnector1">
+            <a:avLst/>
+          </a:prstGeom>
+          <a:ln w="25400">
+            <a:solidFill>
+              <a:schemeClr val="tx1"/>
+            </a:solidFill>
+            <a:tailEnd type="triangle"/>
+          </a:ln>
+        </p:spPr>
+        <p:style>
+          <a:lnRef idx="1">
+            <a:schemeClr val="accent1"/>
+          </a:lnRef>
+          <a:fillRef idx="0">
+            <a:schemeClr val="accent1"/>
+          </a:fillRef>
+          <a:effectRef idx="0">
+            <a:schemeClr val="accent1"/>
+          </a:effectRef>
+          <a:fontRef idx="minor">
+            <a:schemeClr val="tx1"/>
+          </a:fontRef>
+        </p:style>
+      </p:cxnSp>
+      <p:cxnSp>
+        <p:nvCxnSpPr>
+          <p:cNvPr id="103" name="直接箭头连接符 102">
+            <a:extLst>
+              <a:ext uri="{FF2B5EF4-FFF2-40B4-BE49-F238E27FC236}">
+                <a16:creationId xmlns:a16="http://schemas.microsoft.com/office/drawing/2014/main" id="{D9F2E03D-5D31-4206-8C76-6F3157660F3D}"/>
+              </a:ext>
+            </a:extLst>
+          </p:cNvPr>
+          <p:cNvCxnSpPr>
+            <a:stCxn id="78" idx="1"/>
+            <a:endCxn id="74" idx="3"/>
+          </p:cNvCxnSpPr>
+          <p:nvPr/>
+        </p:nvCxnSpPr>
+        <p:spPr>
+          <a:xfrm flipH="1" flipV="1">
+            <a:off x="7321976" y="3542234"/>
+            <a:ext cx="634855" cy="2286"/>
+          </a:xfrm>
+          <a:prstGeom prst="straightConnector1">
+            <a:avLst/>
+          </a:prstGeom>
+          <a:ln w="25400">
+            <a:solidFill>
+              <a:schemeClr val="tx1"/>
+            </a:solidFill>
+            <a:tailEnd type="triangle"/>
+          </a:ln>
+        </p:spPr>
+        <p:style>
+          <a:lnRef idx="1">
+            <a:schemeClr val="accent1"/>
+          </a:lnRef>
+          <a:fillRef idx="0">
+            <a:schemeClr val="accent1"/>
+          </a:fillRef>
+          <a:effectRef idx="0">
+            <a:schemeClr val="accent1"/>
+          </a:effectRef>
+          <a:fontRef idx="minor">
+            <a:schemeClr val="tx1"/>
+          </a:fontRef>
+        </p:style>
+      </p:cxnSp>
+      <p:cxnSp>
+        <p:nvCxnSpPr>
+          <p:cNvPr id="105" name="直接箭头连接符 104">
+            <a:extLst>
+              <a:ext uri="{FF2B5EF4-FFF2-40B4-BE49-F238E27FC236}">
+                <a16:creationId xmlns:a16="http://schemas.microsoft.com/office/drawing/2014/main" id="{1FD0E0DC-8D68-4002-89EA-14261204AE5F}"/>
+              </a:ext>
+            </a:extLst>
+          </p:cNvPr>
+          <p:cNvCxnSpPr>
+            <a:stCxn id="74" idx="1"/>
+            <a:endCxn id="70" idx="3"/>
+          </p:cNvCxnSpPr>
+          <p:nvPr/>
+        </p:nvCxnSpPr>
+        <p:spPr>
+          <a:xfrm flipH="1">
+            <a:off x="6323944" y="3542234"/>
+            <a:ext cx="650063" cy="0"/>
+          </a:xfrm>
+          <a:prstGeom prst="straightConnector1">
+            <a:avLst/>
+          </a:prstGeom>
+          <a:ln w="25400">
+            <a:solidFill>
+              <a:schemeClr val="tx1"/>
+            </a:solidFill>
+            <a:tailEnd type="triangle"/>
+          </a:ln>
+        </p:spPr>
+        <p:style>
+          <a:lnRef idx="1">
+            <a:schemeClr val="accent1"/>
+          </a:lnRef>
+          <a:fillRef idx="0">
+            <a:schemeClr val="accent1"/>
+          </a:fillRef>
+          <a:effectRef idx="0">
+            <a:schemeClr val="accent1"/>
+          </a:effectRef>
+          <a:fontRef idx="minor">
+            <a:schemeClr val="tx1"/>
+          </a:fontRef>
+        </p:style>
+      </p:cxnSp>
+      <p:cxnSp>
+        <p:nvCxnSpPr>
+          <p:cNvPr id="107" name="直接箭头连接符 106">
+            <a:extLst>
+              <a:ext uri="{FF2B5EF4-FFF2-40B4-BE49-F238E27FC236}">
+                <a16:creationId xmlns:a16="http://schemas.microsoft.com/office/drawing/2014/main" id="{5355B2A8-1BCA-4CE9-9D6B-DBBB0EA21FAB}"/>
+              </a:ext>
+            </a:extLst>
+          </p:cNvPr>
+          <p:cNvCxnSpPr>
+            <a:stCxn id="70" idx="1"/>
+            <a:endCxn id="66" idx="3"/>
+          </p:cNvCxnSpPr>
+          <p:nvPr/>
+        </p:nvCxnSpPr>
+        <p:spPr>
+          <a:xfrm flipH="1">
+            <a:off x="5354592" y="3542234"/>
+            <a:ext cx="621383" cy="0"/>
+          </a:xfrm>
+          <a:prstGeom prst="straightConnector1">
+            <a:avLst/>
+          </a:prstGeom>
+          <a:ln w="25400">
+            <a:solidFill>
+              <a:schemeClr val="tx1"/>
+            </a:solidFill>
+            <a:tailEnd type="triangle"/>
+          </a:ln>
+        </p:spPr>
+        <p:style>
+          <a:lnRef idx="1">
+            <a:schemeClr val="accent1"/>
+          </a:lnRef>
+          <a:fillRef idx="0">
+            <a:schemeClr val="accent1"/>
+          </a:fillRef>
+          <a:effectRef idx="0">
+            <a:schemeClr val="accent1"/>
+          </a:effectRef>
+          <a:fontRef idx="minor">
+            <a:schemeClr val="tx1"/>
+          </a:fontRef>
+        </p:style>
+      </p:cxnSp>
+      <p:cxnSp>
+        <p:nvCxnSpPr>
+          <p:cNvPr id="109" name="直接箭头连接符 108">
+            <a:extLst>
+              <a:ext uri="{FF2B5EF4-FFF2-40B4-BE49-F238E27FC236}">
+                <a16:creationId xmlns:a16="http://schemas.microsoft.com/office/drawing/2014/main" id="{2F2FB966-48BC-4780-B4AB-690155EAC3DF}"/>
+              </a:ext>
+            </a:extLst>
+          </p:cNvPr>
+          <p:cNvCxnSpPr>
+            <a:stCxn id="66" idx="1"/>
+            <a:endCxn id="62" idx="3"/>
+          </p:cNvCxnSpPr>
+          <p:nvPr/>
+        </p:nvCxnSpPr>
+        <p:spPr>
+          <a:xfrm flipH="1">
+            <a:off x="4361437" y="3542234"/>
+            <a:ext cx="645186" cy="0"/>
+          </a:xfrm>
+          <a:prstGeom prst="straightConnector1">
+            <a:avLst/>
+          </a:prstGeom>
+          <a:ln w="25400">
+            <a:solidFill>
+              <a:schemeClr val="tx1"/>
+            </a:solidFill>
+            <a:tailEnd type="triangle"/>
+          </a:ln>
+        </p:spPr>
+        <p:style>
+          <a:lnRef idx="1">
+            <a:schemeClr val="accent1"/>
+          </a:lnRef>
+          <a:fillRef idx="0">
+            <a:schemeClr val="accent1"/>
+          </a:fillRef>
+          <a:effectRef idx="0">
+            <a:schemeClr val="accent1"/>
+          </a:effectRef>
+          <a:fontRef idx="minor">
+            <a:schemeClr val="tx1"/>
+          </a:fontRef>
+        </p:style>
+      </p:cxnSp>
+      <p:cxnSp>
+        <p:nvCxnSpPr>
+          <p:cNvPr id="111" name="直接箭头连接符 110">
+            <a:extLst>
+              <a:ext uri="{FF2B5EF4-FFF2-40B4-BE49-F238E27FC236}">
+                <a16:creationId xmlns:a16="http://schemas.microsoft.com/office/drawing/2014/main" id="{A09BB70F-752C-4751-8F25-44DC6A30D073}"/>
+              </a:ext>
+            </a:extLst>
+          </p:cNvPr>
+          <p:cNvCxnSpPr>
+            <a:stCxn id="62" idx="1"/>
+            <a:endCxn id="55" idx="3"/>
+          </p:cNvCxnSpPr>
+          <p:nvPr/>
+        </p:nvCxnSpPr>
+        <p:spPr>
+          <a:xfrm flipH="1">
+            <a:off x="3390856" y="3542234"/>
+            <a:ext cx="622612" cy="0"/>
+          </a:xfrm>
+          <a:prstGeom prst="straightConnector1">
+            <a:avLst/>
+          </a:prstGeom>
+          <a:ln w="25400">
+            <a:solidFill>
+              <a:schemeClr val="tx1"/>
+            </a:solidFill>
+            <a:tailEnd type="triangle"/>
+          </a:ln>
+        </p:spPr>
+        <p:style>
+          <a:lnRef idx="1">
+            <a:schemeClr val="accent1"/>
+          </a:lnRef>
+          <a:fillRef idx="0">
+            <a:schemeClr val="accent1"/>
+          </a:fillRef>
+          <a:effectRef idx="0">
+            <a:schemeClr val="accent1"/>
+          </a:effectRef>
+          <a:fontRef idx="minor">
+            <a:schemeClr val="tx1"/>
+          </a:fontRef>
+        </p:style>
+      </p:cxnSp>
+      <p:sp>
+        <p:nvSpPr>
+          <p:cNvPr id="112" name="文本框 111">
+            <a:extLst>
+              <a:ext uri="{FF2B5EF4-FFF2-40B4-BE49-F238E27FC236}">
+                <a16:creationId xmlns:a16="http://schemas.microsoft.com/office/drawing/2014/main" id="{D08E26A5-7E72-4EB6-BD6E-4783FA17788F}"/>
+              </a:ext>
+            </a:extLst>
+          </p:cNvPr>
+          <p:cNvSpPr txBox="1"/>
+          <p:nvPr/>
+        </p:nvSpPr>
+        <p:spPr>
+          <a:xfrm>
+            <a:off x="773172" y="3681568"/>
+            <a:ext cx="2089136" cy="369332"/>
+          </a:xfrm>
+          <a:prstGeom prst="rect">
+            <a:avLst/>
+          </a:prstGeom>
+          <a:noFill/>
+        </p:spPr>
+        <p:txBody>
+          <a:bodyPr wrap="square" rtlCol="0">
+            <a:spAutoFit/>
+          </a:bodyPr>
+          <a:lstStyle/>
+          <a:p>
+            <a:pPr algn="ctr"/>
+            <a:r>
+              <a:rPr lang="en-US" altLang="zh-CN" dirty="0" err="1"/>
+              <a:t>BiLSTM</a:t>
+            </a:r>
+            <a:r>
+              <a:rPr lang="zh-CN" altLang="en-US" dirty="0"/>
+              <a:t>层</a:t>
+            </a:r>
+          </a:p>
+        </p:txBody>
+      </p:sp>
+      <mc:AlternateContent xmlns:mc="http://schemas.openxmlformats.org/markup-compatibility/2006">
+        <mc:Choice xmlns:a14="http://schemas.microsoft.com/office/drawing/2010/main" Requires="a14">
+          <p:sp>
+            <p:nvSpPr>
+              <p:cNvPr id="113" name="矩形 112">
+                <a:extLst>
+                  <a:ext uri="{FF2B5EF4-FFF2-40B4-BE49-F238E27FC236}">
+                    <a16:creationId xmlns:a16="http://schemas.microsoft.com/office/drawing/2014/main" id="{6DB29922-5724-4543-BFF0-7850FDA9EA95}"/>
+                  </a:ext>
+                </a:extLst>
+              </p:cNvPr>
+              <p:cNvSpPr/>
+              <p:nvPr/>
+            </p:nvSpPr>
+            <p:spPr>
+              <a:xfrm>
+                <a:off x="6401678" y="2226508"/>
+                <a:ext cx="387274" cy="438122"/>
+              </a:xfrm>
+              <a:prstGeom prst="rect">
+                <a:avLst/>
+              </a:prstGeom>
+              <a:solidFill>
+                <a:srgbClr val="00BEE4"/>
+              </a:solidFill>
+            </p:spPr>
+            <p:style>
+              <a:lnRef idx="2">
+                <a:schemeClr val="accent1">
+                  <a:shade val="50000"/>
+                </a:schemeClr>
+              </a:lnRef>
+              <a:fillRef idx="1">
+                <a:schemeClr val="accent1"/>
+              </a:fillRef>
+              <a:effectRef idx="0">
+                <a:schemeClr val="accent1"/>
+              </a:effectRef>
+              <a:fontRef idx="minor">
+                <a:schemeClr val="lt1"/>
+              </a:fontRef>
+            </p:style>
+            <p:txBody>
+              <a:bodyPr rtlCol="0" anchor="ctr"/>
+              <a:lstStyle/>
+              <a:p>
+                <a:pPr algn="ctr"/>
+                <a14:m>
+                  <m:oMathPara xmlns:m="http://schemas.openxmlformats.org/officeDocument/2006/math">
+                    <m:oMathParaPr>
+                      <m:jc m:val="right"/>
+                    </m:oMathParaPr>
+                    <m:oMath xmlns:m="http://schemas.openxmlformats.org/officeDocument/2006/math">
+                      <m:sSub>
+                        <m:sSubPr>
+                          <m:ctrlPr>
+                            <a:rPr lang="en-US" altLang="zh-CN" i="1" smtClean="0">
+                              <a:solidFill>
+                                <a:schemeClr val="tx1"/>
+                              </a:solidFill>
+                              <a:latin typeface="Cambria Math" panose="02040503050406030204" pitchFamily="18" charset="0"/>
+                            </a:rPr>
+                          </m:ctrlPr>
+                        </m:sSubPr>
+                        <m:e>
+                          <m:r>
+                            <m:rPr>
+                              <m:sty m:val="p"/>
+                            </m:rPr>
+                            <a:rPr lang="en-US" altLang="zh-CN" i="1">
+                              <a:solidFill>
+                                <a:schemeClr val="tx1"/>
+                              </a:solidFill>
+                              <a:latin typeface="Cambria Math" panose="02040503050406030204" pitchFamily="18" charset="0"/>
+                            </a:rPr>
+                            <m:t>g</m:t>
+                          </m:r>
+                        </m:e>
+                        <m:sub>
+                          <m:r>
+                            <a:rPr lang="en-US" altLang="zh-CN" b="0" i="1" smtClean="0">
+                              <a:solidFill>
+                                <a:schemeClr val="tx1"/>
+                              </a:solidFill>
+                              <a:latin typeface="Cambria Math" panose="02040503050406030204" pitchFamily="18" charset="0"/>
+                            </a:rPr>
+                            <m:t>5</m:t>
+                          </m:r>
+                        </m:sub>
+                      </m:sSub>
+                    </m:oMath>
+                  </m:oMathPara>
+                </a14:m>
+                <a:endParaRPr lang="zh-CN" altLang="en-US" dirty="0">
+                  <a:solidFill>
+                    <a:schemeClr val="tx1"/>
+                  </a:solidFill>
+                </a:endParaRPr>
+              </a:p>
+            </p:txBody>
+          </p:sp>
+        </mc:Choice>
+        <mc:Fallback>
+          <p:sp>
+            <p:nvSpPr>
+              <p:cNvPr id="113" name="矩形 112">
+                <a:extLst>
+                  <a:ext uri="{FF2B5EF4-FFF2-40B4-BE49-F238E27FC236}">
+                    <a16:creationId xmlns:a16="http://schemas.microsoft.com/office/drawing/2014/main" id="{6DB29922-5724-4543-BFF0-7850FDA9EA95}"/>
+                  </a:ext>
+                </a:extLst>
+              </p:cNvPr>
+              <p:cNvSpPr>
+                <a:spLocks noRot="1" noChangeAspect="1" noMove="1" noResize="1" noEditPoints="1" noAdjustHandles="1" noChangeArrowheads="1" noChangeShapeType="1" noTextEdit="1"/>
+              </p:cNvSpPr>
+              <p:nvPr/>
+            </p:nvSpPr>
+            <p:spPr>
+              <a:xfrm>
+                <a:off x="6401678" y="2226508"/>
+                <a:ext cx="387274" cy="438122"/>
+              </a:xfrm>
+              <a:prstGeom prst="rect">
+                <a:avLst/>
+              </a:prstGeom>
+              <a:blipFill>
+                <a:blip r:embed="rId16"/>
+                <a:stretch>
+                  <a:fillRect/>
+                </a:stretch>
+              </a:blipFill>
+            </p:spPr>
+            <p:txBody>
+              <a:bodyPr/>
+              <a:lstStyle/>
+              <a:p>
+                <a:r>
+                  <a:rPr lang="zh-CN" altLang="en-US">
+                    <a:noFill/>
+                  </a:rPr>
+                  <a:t> </a:t>
+                </a:r>
+              </a:p>
+            </p:txBody>
+          </p:sp>
+        </mc:Fallback>
+      </mc:AlternateContent>
+      <p:cxnSp>
+        <p:nvCxnSpPr>
+          <p:cNvPr id="115" name="直接箭头连接符 114">
+            <a:extLst>
+              <a:ext uri="{FF2B5EF4-FFF2-40B4-BE49-F238E27FC236}">
+                <a16:creationId xmlns:a16="http://schemas.microsoft.com/office/drawing/2014/main" id="{4248B4F1-363E-489A-A834-476725D7A83D}"/>
+              </a:ext>
+            </a:extLst>
+          </p:cNvPr>
+          <p:cNvCxnSpPr>
+            <a:stCxn id="56" idx="0"/>
+            <a:endCxn id="113" idx="2"/>
+          </p:cNvCxnSpPr>
+          <p:nvPr/>
+        </p:nvCxnSpPr>
+        <p:spPr>
+          <a:xfrm flipV="1">
+            <a:off x="3216871" y="2664630"/>
+            <a:ext cx="3378444" cy="568295"/>
+          </a:xfrm>
+          <a:prstGeom prst="straightConnector1">
+            <a:avLst/>
+          </a:prstGeom>
+          <a:ln w="12700">
+            <a:solidFill>
+              <a:schemeClr val="tx1"/>
+            </a:solidFill>
+            <a:prstDash val="sysDash"/>
+            <a:tailEnd type="none"/>
+          </a:ln>
+        </p:spPr>
+        <p:style>
+          <a:lnRef idx="1">
+            <a:schemeClr val="accent1"/>
+          </a:lnRef>
+          <a:fillRef idx="0">
+            <a:schemeClr val="accent1"/>
+          </a:fillRef>
+          <a:effectRef idx="0">
+            <a:schemeClr val="accent1"/>
+          </a:effectRef>
+          <a:fontRef idx="minor">
+            <a:schemeClr val="tx1"/>
+          </a:fontRef>
+        </p:style>
+      </p:cxnSp>
+      <p:cxnSp>
+        <p:nvCxnSpPr>
+          <p:cNvPr id="117" name="直接箭头连接符 116">
+            <a:extLst>
+              <a:ext uri="{FF2B5EF4-FFF2-40B4-BE49-F238E27FC236}">
+                <a16:creationId xmlns:a16="http://schemas.microsoft.com/office/drawing/2014/main" id="{831D91BA-17F6-4763-8EA8-8B6EB68EF0A8}"/>
+              </a:ext>
+            </a:extLst>
+          </p:cNvPr>
+          <p:cNvCxnSpPr>
+            <a:cxnSpLocks/>
+            <a:stCxn id="63" idx="0"/>
+            <a:endCxn id="113" idx="2"/>
+          </p:cNvCxnSpPr>
+          <p:nvPr/>
+        </p:nvCxnSpPr>
+        <p:spPr>
+          <a:xfrm flipV="1">
+            <a:off x="4187452" y="2664630"/>
+            <a:ext cx="2407863" cy="568295"/>
+          </a:xfrm>
+          <a:prstGeom prst="straightConnector1">
+            <a:avLst/>
+          </a:prstGeom>
+          <a:ln w="12700">
+            <a:solidFill>
+              <a:schemeClr val="tx1"/>
+            </a:solidFill>
+            <a:prstDash val="sysDash"/>
+            <a:tailEnd type="none"/>
+          </a:ln>
+        </p:spPr>
+        <p:style>
+          <a:lnRef idx="1">
+            <a:schemeClr val="accent1"/>
+          </a:lnRef>
+          <a:fillRef idx="0">
+            <a:schemeClr val="accent1"/>
+          </a:fillRef>
+          <a:effectRef idx="0">
+            <a:schemeClr val="accent1"/>
+          </a:effectRef>
+          <a:fontRef idx="minor">
+            <a:schemeClr val="tx1"/>
+          </a:fontRef>
+        </p:style>
+      </p:cxnSp>
+      <p:cxnSp>
+        <p:nvCxnSpPr>
+          <p:cNvPr id="119" name="直接箭头连接符 118">
+            <a:extLst>
+              <a:ext uri="{FF2B5EF4-FFF2-40B4-BE49-F238E27FC236}">
+                <a16:creationId xmlns:a16="http://schemas.microsoft.com/office/drawing/2014/main" id="{A5B66D3D-75FC-4E78-AC95-6A40CA66D1A7}"/>
+              </a:ext>
+            </a:extLst>
+          </p:cNvPr>
+          <p:cNvCxnSpPr>
+            <a:stCxn id="67" idx="0"/>
+            <a:endCxn id="113" idx="2"/>
+          </p:cNvCxnSpPr>
+          <p:nvPr/>
+        </p:nvCxnSpPr>
+        <p:spPr>
+          <a:xfrm flipV="1">
+            <a:off x="5180607" y="2664630"/>
+            <a:ext cx="1414708" cy="568295"/>
+          </a:xfrm>
+          <a:prstGeom prst="straightConnector1">
+            <a:avLst/>
+          </a:prstGeom>
+          <a:ln w="12700">
+            <a:solidFill>
+              <a:schemeClr val="tx1"/>
+            </a:solidFill>
+            <a:prstDash val="sysDash"/>
+            <a:tailEnd type="none"/>
+          </a:ln>
+        </p:spPr>
+        <p:style>
+          <a:lnRef idx="1">
+            <a:schemeClr val="accent1"/>
+          </a:lnRef>
+          <a:fillRef idx="0">
+            <a:schemeClr val="accent1"/>
+          </a:fillRef>
+          <a:effectRef idx="0">
+            <a:schemeClr val="accent1"/>
+          </a:effectRef>
+          <a:fontRef idx="minor">
+            <a:schemeClr val="tx1"/>
+          </a:fontRef>
+        </p:style>
+      </p:cxnSp>
+      <p:cxnSp>
+        <p:nvCxnSpPr>
+          <p:cNvPr id="121" name="直接箭头连接符 120">
+            <a:extLst>
+              <a:ext uri="{FF2B5EF4-FFF2-40B4-BE49-F238E27FC236}">
+                <a16:creationId xmlns:a16="http://schemas.microsoft.com/office/drawing/2014/main" id="{0BD66736-073B-4D6D-839E-05D0504BE52E}"/>
+              </a:ext>
+            </a:extLst>
+          </p:cNvPr>
+          <p:cNvCxnSpPr>
+            <a:cxnSpLocks/>
+            <a:stCxn id="71" idx="0"/>
+            <a:endCxn id="113" idx="2"/>
+          </p:cNvCxnSpPr>
+          <p:nvPr/>
+        </p:nvCxnSpPr>
+        <p:spPr>
+          <a:xfrm flipV="1">
+            <a:off x="6149959" y="2664630"/>
+            <a:ext cx="445356" cy="568295"/>
+          </a:xfrm>
+          <a:prstGeom prst="straightConnector1">
+            <a:avLst/>
+          </a:prstGeom>
+          <a:ln w="12700">
+            <a:solidFill>
+              <a:schemeClr val="tx1"/>
+            </a:solidFill>
+            <a:prstDash val="sysDash"/>
+            <a:tailEnd type="none"/>
+          </a:ln>
+        </p:spPr>
+        <p:style>
+          <a:lnRef idx="1">
+            <a:schemeClr val="accent1"/>
+          </a:lnRef>
+          <a:fillRef idx="0">
+            <a:schemeClr val="accent1"/>
+          </a:fillRef>
+          <a:effectRef idx="0">
+            <a:schemeClr val="accent1"/>
+          </a:effectRef>
+          <a:fontRef idx="minor">
+            <a:schemeClr val="tx1"/>
+          </a:fontRef>
+        </p:style>
+      </p:cxnSp>
+      <p:cxnSp>
+        <p:nvCxnSpPr>
+          <p:cNvPr id="123" name="直接箭头连接符 122">
+            <a:extLst>
+              <a:ext uri="{FF2B5EF4-FFF2-40B4-BE49-F238E27FC236}">
+                <a16:creationId xmlns:a16="http://schemas.microsoft.com/office/drawing/2014/main" id="{7DE61E97-D9A5-4313-A4A2-654E2FEA5305}"/>
+              </a:ext>
+            </a:extLst>
+          </p:cNvPr>
+          <p:cNvCxnSpPr>
+            <a:stCxn id="75" idx="0"/>
+            <a:endCxn id="113" idx="2"/>
+          </p:cNvCxnSpPr>
+          <p:nvPr/>
+        </p:nvCxnSpPr>
+        <p:spPr>
+          <a:xfrm flipH="1" flipV="1">
+            <a:off x="6595315" y="2664630"/>
+            <a:ext cx="552676" cy="568295"/>
+          </a:xfrm>
+          <a:prstGeom prst="straightConnector1">
+            <a:avLst/>
+          </a:prstGeom>
+          <a:ln w="12700">
+            <a:solidFill>
+              <a:schemeClr val="tx1"/>
+            </a:solidFill>
+            <a:prstDash val="sysDash"/>
+            <a:tailEnd type="none"/>
+          </a:ln>
+        </p:spPr>
+        <p:style>
+          <a:lnRef idx="1">
+            <a:schemeClr val="accent1"/>
+          </a:lnRef>
+          <a:fillRef idx="0">
+            <a:schemeClr val="accent1"/>
+          </a:fillRef>
+          <a:effectRef idx="0">
+            <a:schemeClr val="accent1"/>
+          </a:effectRef>
+          <a:fontRef idx="minor">
+            <a:schemeClr val="tx1"/>
+          </a:fontRef>
+        </p:style>
+      </p:cxnSp>
+      <p:cxnSp>
+        <p:nvCxnSpPr>
+          <p:cNvPr id="125" name="直接箭头连接符 124">
+            <a:extLst>
+              <a:ext uri="{FF2B5EF4-FFF2-40B4-BE49-F238E27FC236}">
+                <a16:creationId xmlns:a16="http://schemas.microsoft.com/office/drawing/2014/main" id="{EC3D5B93-A767-49FF-8626-24EBE9A224D5}"/>
+              </a:ext>
+            </a:extLst>
+          </p:cNvPr>
+          <p:cNvCxnSpPr>
+            <a:stCxn id="79" idx="0"/>
+            <a:endCxn id="113" idx="2"/>
+          </p:cNvCxnSpPr>
+          <p:nvPr/>
+        </p:nvCxnSpPr>
+        <p:spPr>
+          <a:xfrm flipH="1" flipV="1">
+            <a:off x="6595315" y="2664630"/>
+            <a:ext cx="1535500" cy="570581"/>
+          </a:xfrm>
+          <a:prstGeom prst="straightConnector1">
+            <a:avLst/>
+          </a:prstGeom>
+          <a:ln w="12700">
+            <a:solidFill>
+              <a:schemeClr val="tx1"/>
+            </a:solidFill>
+            <a:prstDash val="sysDash"/>
+            <a:tailEnd type="none"/>
+          </a:ln>
+        </p:spPr>
+        <p:style>
+          <a:lnRef idx="1">
+            <a:schemeClr val="accent1"/>
+          </a:lnRef>
+          <a:fillRef idx="0">
+            <a:schemeClr val="accent1"/>
+          </a:fillRef>
+          <a:effectRef idx="0">
+            <a:schemeClr val="accent1"/>
+          </a:effectRef>
+          <a:fontRef idx="minor">
+            <a:schemeClr val="tx1"/>
+          </a:fontRef>
+        </p:style>
+      </p:cxnSp>
+      <p:cxnSp>
+        <p:nvCxnSpPr>
+          <p:cNvPr id="127" name="直接箭头连接符 126">
+            <a:extLst>
+              <a:ext uri="{FF2B5EF4-FFF2-40B4-BE49-F238E27FC236}">
+                <a16:creationId xmlns:a16="http://schemas.microsoft.com/office/drawing/2014/main" id="{B5E47F70-3D88-46B2-9FB4-D6EB5B9CCBA4}"/>
+              </a:ext>
+            </a:extLst>
+          </p:cNvPr>
+          <p:cNvCxnSpPr>
+            <a:stCxn id="83" idx="0"/>
+            <a:endCxn id="113" idx="2"/>
+          </p:cNvCxnSpPr>
+          <p:nvPr/>
+        </p:nvCxnSpPr>
+        <p:spPr>
+          <a:xfrm flipH="1" flipV="1">
+            <a:off x="6595315" y="2664630"/>
+            <a:ext cx="2379814" cy="568295"/>
+          </a:xfrm>
+          <a:prstGeom prst="straightConnector1">
+            <a:avLst/>
+          </a:prstGeom>
+          <a:ln w="12700">
+            <a:solidFill>
+              <a:schemeClr val="tx1"/>
+            </a:solidFill>
+            <a:prstDash val="sysDash"/>
+            <a:tailEnd type="none"/>
+          </a:ln>
+        </p:spPr>
+        <p:style>
+          <a:lnRef idx="1">
+            <a:schemeClr val="accent1"/>
+          </a:lnRef>
+          <a:fillRef idx="0">
+            <a:schemeClr val="accent1"/>
+          </a:fillRef>
+          <a:effectRef idx="0">
+            <a:schemeClr val="accent1"/>
+          </a:effectRef>
+          <a:fontRef idx="minor">
+            <a:schemeClr val="tx1"/>
+          </a:fontRef>
+        </p:style>
+      </p:cxnSp>
+      <mc:AlternateContent xmlns:mc="http://schemas.openxmlformats.org/markup-compatibility/2006">
+        <mc:Choice xmlns:a14="http://schemas.microsoft.com/office/drawing/2010/main" Requires="a14">
+          <p:sp>
+            <p:nvSpPr>
+              <p:cNvPr id="128" name="矩形 127">
+                <a:extLst>
+                  <a:ext uri="{FF2B5EF4-FFF2-40B4-BE49-F238E27FC236}">
+                    <a16:creationId xmlns:a16="http://schemas.microsoft.com/office/drawing/2014/main" id="{27EC1AB0-A81C-4E1E-BF72-0EBFA709324A}"/>
+                  </a:ext>
+                </a:extLst>
+              </p:cNvPr>
+              <p:cNvSpPr/>
+              <p:nvPr/>
+            </p:nvSpPr>
+            <p:spPr>
+              <a:xfrm>
+                <a:off x="3010505" y="1228084"/>
+                <a:ext cx="347969" cy="392777"/>
+              </a:xfrm>
+              <a:prstGeom prst="rect">
+                <a:avLst/>
+              </a:prstGeom>
+              <a:solidFill>
+                <a:schemeClr val="accent4">
+                  <a:lumMod val="60000"/>
+                  <a:lumOff val="40000"/>
+                  <a:alpha val="54000"/>
+                </a:schemeClr>
+              </a:solidFill>
+              <a:ln w="25400">
+                <a:solidFill>
+                  <a:schemeClr val="tx1"/>
+                </a:solidFill>
+              </a:ln>
+            </p:spPr>
+            <p:style>
+              <a:lnRef idx="2">
+                <a:schemeClr val="accent1">
+                  <a:shade val="50000"/>
+                </a:schemeClr>
+              </a:lnRef>
+              <a:fillRef idx="1">
+                <a:schemeClr val="accent1"/>
+              </a:fillRef>
+              <a:effectRef idx="0">
+                <a:schemeClr val="accent1"/>
+              </a:effectRef>
+              <a:fontRef idx="minor">
+                <a:schemeClr val="lt1"/>
+              </a:fontRef>
+            </p:style>
+            <p:txBody>
+              <a:bodyPr rtlCol="0" anchor="ctr"/>
+              <a:lstStyle/>
+              <a:p>
+                <a:pPr algn="ctr"/>
+                <a14:m>
+                  <m:oMathPara xmlns:m="http://schemas.openxmlformats.org/officeDocument/2006/math">
+                    <m:oMathParaPr>
+                      <m:jc m:val="right"/>
+                    </m:oMathParaPr>
+                    <m:oMath xmlns:m="http://schemas.openxmlformats.org/officeDocument/2006/math">
+                      <m:sSub>
+                        <m:sSubPr>
+                          <m:ctrlPr>
+                            <a:rPr lang="en-US" altLang="zh-CN" i="1" smtClean="0">
+                              <a:solidFill>
+                                <a:schemeClr val="tx1"/>
+                              </a:solidFill>
+                              <a:latin typeface="Cambria Math" panose="02040503050406030204" pitchFamily="18" charset="0"/>
+                            </a:rPr>
+                          </m:ctrlPr>
+                        </m:sSubPr>
+                        <m:e>
+                          <m:r>
+                            <a:rPr lang="en-US" altLang="zh-CN" b="0" i="1" smtClean="0">
+                              <a:solidFill>
+                                <a:schemeClr val="tx1"/>
+                              </a:solidFill>
+                              <a:latin typeface="Cambria Math" panose="02040503050406030204" pitchFamily="18" charset="0"/>
+                            </a:rPr>
+                            <m:t>𝐴</m:t>
+                          </m:r>
+                        </m:e>
+                        <m:sub>
+                          <m:r>
+                            <a:rPr lang="en-US" altLang="zh-CN" b="0" i="1" smtClean="0">
+                              <a:solidFill>
+                                <a:schemeClr val="tx1"/>
+                              </a:solidFill>
+                              <a:latin typeface="Cambria Math" panose="02040503050406030204" pitchFamily="18" charset="0"/>
+                            </a:rPr>
+                            <m:t>1</m:t>
+                          </m:r>
+                        </m:sub>
+                      </m:sSub>
+                    </m:oMath>
+                  </m:oMathPara>
+                </a14:m>
+                <a:endParaRPr lang="zh-CN" altLang="en-US" dirty="0">
+                  <a:solidFill>
+                    <a:schemeClr val="tx1"/>
+                  </a:solidFill>
+                </a:endParaRPr>
+              </a:p>
+            </p:txBody>
+          </p:sp>
+        </mc:Choice>
+        <mc:Fallback>
+          <p:sp>
+            <p:nvSpPr>
+              <p:cNvPr id="128" name="矩形 127">
+                <a:extLst>
+                  <a:ext uri="{FF2B5EF4-FFF2-40B4-BE49-F238E27FC236}">
+                    <a16:creationId xmlns:a16="http://schemas.microsoft.com/office/drawing/2014/main" id="{27EC1AB0-A81C-4E1E-BF72-0EBFA709324A}"/>
+                  </a:ext>
+                </a:extLst>
+              </p:cNvPr>
+              <p:cNvSpPr>
+                <a:spLocks noRot="1" noChangeAspect="1" noMove="1" noResize="1" noEditPoints="1" noAdjustHandles="1" noChangeArrowheads="1" noChangeShapeType="1" noTextEdit="1"/>
+              </p:cNvSpPr>
+              <p:nvPr/>
+            </p:nvSpPr>
+            <p:spPr>
+              <a:xfrm>
+                <a:off x="3010505" y="1228084"/>
+                <a:ext cx="347969" cy="392777"/>
+              </a:xfrm>
+              <a:prstGeom prst="rect">
+                <a:avLst/>
+              </a:prstGeom>
+              <a:blipFill>
+                <a:blip r:embed="rId17"/>
+                <a:stretch>
+                  <a:fillRect r="-6557"/>
+                </a:stretch>
+              </a:blipFill>
+              <a:ln w="25400">
+                <a:solidFill>
+                  <a:schemeClr val="tx1"/>
+                </a:solidFill>
+              </a:ln>
+            </p:spPr>
+            <p:txBody>
+              <a:bodyPr/>
+              <a:lstStyle/>
+              <a:p>
+                <a:r>
+                  <a:rPr lang="zh-CN" altLang="en-US">
+                    <a:noFill/>
+                  </a:rPr>
+                  <a:t> </a:t>
+                </a:r>
+              </a:p>
+            </p:txBody>
+          </p:sp>
+        </mc:Fallback>
+      </mc:AlternateContent>
+      <mc:AlternateContent xmlns:mc="http://schemas.openxmlformats.org/markup-compatibility/2006">
+        <mc:Choice xmlns:a14="http://schemas.microsoft.com/office/drawing/2010/main" Requires="a14">
+          <p:sp>
+            <p:nvSpPr>
+              <p:cNvPr id="129" name="矩形 128">
+                <a:extLst>
+                  <a:ext uri="{FF2B5EF4-FFF2-40B4-BE49-F238E27FC236}">
+                    <a16:creationId xmlns:a16="http://schemas.microsoft.com/office/drawing/2014/main" id="{5068AB8B-0F8D-42BF-9411-0807DB46581D}"/>
+                  </a:ext>
+                </a:extLst>
+              </p:cNvPr>
+              <p:cNvSpPr/>
+              <p:nvPr/>
+            </p:nvSpPr>
+            <p:spPr>
+              <a:xfrm>
+                <a:off x="3993329" y="1228084"/>
+                <a:ext cx="347969" cy="392777"/>
+              </a:xfrm>
+              <a:prstGeom prst="rect">
+                <a:avLst/>
+              </a:prstGeom>
+              <a:solidFill>
+                <a:schemeClr val="accent4">
+                  <a:lumMod val="60000"/>
+                  <a:lumOff val="40000"/>
+                  <a:alpha val="54000"/>
+                </a:schemeClr>
+              </a:solidFill>
+              <a:ln w="25400">
+                <a:solidFill>
+                  <a:schemeClr val="tx1"/>
+                </a:solidFill>
+              </a:ln>
+            </p:spPr>
+            <p:style>
+              <a:lnRef idx="2">
+                <a:schemeClr val="accent1">
+                  <a:shade val="50000"/>
+                </a:schemeClr>
+              </a:lnRef>
+              <a:fillRef idx="1">
+                <a:schemeClr val="accent1"/>
+              </a:fillRef>
+              <a:effectRef idx="0">
+                <a:schemeClr val="accent1"/>
+              </a:effectRef>
+              <a:fontRef idx="minor">
+                <a:schemeClr val="lt1"/>
+              </a:fontRef>
+            </p:style>
+            <p:txBody>
+              <a:bodyPr rtlCol="0" anchor="ctr"/>
+              <a:lstStyle/>
+              <a:p>
+                <a:pPr algn="ctr"/>
+                <a14:m>
+                  <m:oMathPara xmlns:m="http://schemas.openxmlformats.org/officeDocument/2006/math">
+                    <m:oMathParaPr>
+                      <m:jc m:val="right"/>
+                    </m:oMathParaPr>
+                    <m:oMath xmlns:m="http://schemas.openxmlformats.org/officeDocument/2006/math">
+                      <m:sSub>
+                        <m:sSubPr>
+                          <m:ctrlPr>
+                            <a:rPr lang="en-US" altLang="zh-CN" i="1" smtClean="0">
+                              <a:solidFill>
+                                <a:schemeClr val="tx1"/>
+                              </a:solidFill>
+                              <a:latin typeface="Cambria Math" panose="02040503050406030204" pitchFamily="18" charset="0"/>
+                            </a:rPr>
+                          </m:ctrlPr>
+                        </m:sSubPr>
+                        <m:e>
+                          <m:r>
+                            <a:rPr lang="en-US" altLang="zh-CN" b="0" i="1" smtClean="0">
+                              <a:solidFill>
+                                <a:schemeClr val="tx1"/>
+                              </a:solidFill>
+                              <a:latin typeface="Cambria Math" panose="02040503050406030204" pitchFamily="18" charset="0"/>
+                            </a:rPr>
+                            <m:t>𝐴</m:t>
+                          </m:r>
+                        </m:e>
+                        <m:sub>
+                          <m:r>
+                            <a:rPr lang="en-US" altLang="zh-CN" b="0" i="1" smtClean="0">
+                              <a:solidFill>
+                                <a:schemeClr val="tx1"/>
+                              </a:solidFill>
+                              <a:latin typeface="Cambria Math" panose="02040503050406030204" pitchFamily="18" charset="0"/>
+                            </a:rPr>
+                            <m:t>2</m:t>
+                          </m:r>
+                        </m:sub>
+                      </m:sSub>
+                    </m:oMath>
+                  </m:oMathPara>
+                </a14:m>
+                <a:endParaRPr lang="zh-CN" altLang="en-US" dirty="0">
+                  <a:solidFill>
+                    <a:schemeClr val="tx1"/>
+                  </a:solidFill>
+                </a:endParaRPr>
+              </a:p>
+            </p:txBody>
+          </p:sp>
+        </mc:Choice>
+        <mc:Fallback>
+          <p:sp>
+            <p:nvSpPr>
+              <p:cNvPr id="129" name="矩形 128">
+                <a:extLst>
+                  <a:ext uri="{FF2B5EF4-FFF2-40B4-BE49-F238E27FC236}">
+                    <a16:creationId xmlns:a16="http://schemas.microsoft.com/office/drawing/2014/main" id="{5068AB8B-0F8D-42BF-9411-0807DB46581D}"/>
+                  </a:ext>
+                </a:extLst>
+              </p:cNvPr>
+              <p:cNvSpPr>
+                <a:spLocks noRot="1" noChangeAspect="1" noMove="1" noResize="1" noEditPoints="1" noAdjustHandles="1" noChangeArrowheads="1" noChangeShapeType="1" noTextEdit="1"/>
+              </p:cNvSpPr>
+              <p:nvPr/>
+            </p:nvSpPr>
+            <p:spPr>
+              <a:xfrm>
+                <a:off x="3993329" y="1228084"/>
+                <a:ext cx="347969" cy="392777"/>
+              </a:xfrm>
+              <a:prstGeom prst="rect">
+                <a:avLst/>
+              </a:prstGeom>
+              <a:blipFill>
+                <a:blip r:embed="rId18"/>
+                <a:stretch>
+                  <a:fillRect r="-9836"/>
+                </a:stretch>
+              </a:blipFill>
+              <a:ln w="25400">
+                <a:solidFill>
+                  <a:schemeClr val="tx1"/>
+                </a:solidFill>
+              </a:ln>
+            </p:spPr>
+            <p:txBody>
+              <a:bodyPr/>
+              <a:lstStyle/>
+              <a:p>
+                <a:r>
+                  <a:rPr lang="zh-CN" altLang="en-US">
+                    <a:noFill/>
+                  </a:rPr>
+                  <a:t> </a:t>
+                </a:r>
+              </a:p>
+            </p:txBody>
+          </p:sp>
+        </mc:Fallback>
+      </mc:AlternateContent>
+      <mc:AlternateContent xmlns:mc="http://schemas.openxmlformats.org/markup-compatibility/2006">
+        <mc:Choice xmlns:a14="http://schemas.microsoft.com/office/drawing/2010/main" Requires="a14">
+          <p:sp>
+            <p:nvSpPr>
+              <p:cNvPr id="130" name="矩形 129">
+                <a:extLst>
+                  <a:ext uri="{FF2B5EF4-FFF2-40B4-BE49-F238E27FC236}">
+                    <a16:creationId xmlns:a16="http://schemas.microsoft.com/office/drawing/2014/main" id="{EFE8B01A-61C2-4914-9C25-513D03485D93}"/>
+                  </a:ext>
+                </a:extLst>
+              </p:cNvPr>
+              <p:cNvSpPr/>
+              <p:nvPr/>
+            </p:nvSpPr>
+            <p:spPr>
+              <a:xfrm>
+                <a:off x="5013519" y="1228083"/>
+                <a:ext cx="347969" cy="392777"/>
+              </a:xfrm>
+              <a:prstGeom prst="rect">
+                <a:avLst/>
+              </a:prstGeom>
+              <a:solidFill>
+                <a:schemeClr val="accent4">
+                  <a:lumMod val="60000"/>
+                  <a:lumOff val="40000"/>
+                  <a:alpha val="54000"/>
+                </a:schemeClr>
+              </a:solidFill>
+              <a:ln w="25400">
+                <a:solidFill>
+                  <a:schemeClr val="tx1"/>
+                </a:solidFill>
+              </a:ln>
+            </p:spPr>
+            <p:style>
+              <a:lnRef idx="2">
+                <a:schemeClr val="accent1">
+                  <a:shade val="50000"/>
+                </a:schemeClr>
+              </a:lnRef>
+              <a:fillRef idx="1">
+                <a:schemeClr val="accent1"/>
+              </a:fillRef>
+              <a:effectRef idx="0">
+                <a:schemeClr val="accent1"/>
+              </a:effectRef>
+              <a:fontRef idx="minor">
+                <a:schemeClr val="lt1"/>
+              </a:fontRef>
+            </p:style>
+            <p:txBody>
+              <a:bodyPr rtlCol="0" anchor="ctr"/>
+              <a:lstStyle/>
+              <a:p>
+                <a:pPr algn="ctr"/>
+                <a14:m>
+                  <m:oMathPara xmlns:m="http://schemas.openxmlformats.org/officeDocument/2006/math">
+                    <m:oMathParaPr>
+                      <m:jc m:val="right"/>
+                    </m:oMathParaPr>
+                    <m:oMath xmlns:m="http://schemas.openxmlformats.org/officeDocument/2006/math">
+                      <m:sSub>
+                        <m:sSubPr>
+                          <m:ctrlPr>
+                            <a:rPr lang="en-US" altLang="zh-CN" i="1" smtClean="0">
+                              <a:solidFill>
+                                <a:schemeClr val="tx1"/>
+                              </a:solidFill>
+                              <a:latin typeface="Cambria Math" panose="02040503050406030204" pitchFamily="18" charset="0"/>
+                            </a:rPr>
+                          </m:ctrlPr>
+                        </m:sSubPr>
+                        <m:e>
+                          <m:r>
+                            <a:rPr lang="en-US" altLang="zh-CN" b="0" i="1" smtClean="0">
+                              <a:solidFill>
+                                <a:schemeClr val="tx1"/>
+                              </a:solidFill>
+                              <a:latin typeface="Cambria Math" panose="02040503050406030204" pitchFamily="18" charset="0"/>
+                            </a:rPr>
+                            <m:t>𝐴</m:t>
+                          </m:r>
+                        </m:e>
+                        <m:sub>
+                          <m:r>
+                            <a:rPr lang="en-US" altLang="zh-CN" b="0" i="1" smtClean="0">
+                              <a:solidFill>
+                                <a:schemeClr val="tx1"/>
+                              </a:solidFill>
+                              <a:latin typeface="Cambria Math" panose="02040503050406030204" pitchFamily="18" charset="0"/>
+                            </a:rPr>
+                            <m:t>3</m:t>
+                          </m:r>
+                        </m:sub>
+                      </m:sSub>
+                    </m:oMath>
+                  </m:oMathPara>
+                </a14:m>
+                <a:endParaRPr lang="zh-CN" altLang="en-US" dirty="0">
+                  <a:solidFill>
+                    <a:schemeClr val="tx1"/>
+                  </a:solidFill>
+                </a:endParaRPr>
+              </a:p>
+            </p:txBody>
+          </p:sp>
+        </mc:Choice>
+        <mc:Fallback>
+          <p:sp>
+            <p:nvSpPr>
+              <p:cNvPr id="130" name="矩形 129">
+                <a:extLst>
+                  <a:ext uri="{FF2B5EF4-FFF2-40B4-BE49-F238E27FC236}">
+                    <a16:creationId xmlns:a16="http://schemas.microsoft.com/office/drawing/2014/main" id="{EFE8B01A-61C2-4914-9C25-513D03485D93}"/>
+                  </a:ext>
+                </a:extLst>
+              </p:cNvPr>
+              <p:cNvSpPr>
+                <a:spLocks noRot="1" noChangeAspect="1" noMove="1" noResize="1" noEditPoints="1" noAdjustHandles="1" noChangeArrowheads="1" noChangeShapeType="1" noTextEdit="1"/>
+              </p:cNvSpPr>
+              <p:nvPr/>
+            </p:nvSpPr>
+            <p:spPr>
+              <a:xfrm>
+                <a:off x="5013519" y="1228083"/>
+                <a:ext cx="347969" cy="392777"/>
+              </a:xfrm>
+              <a:prstGeom prst="rect">
+                <a:avLst/>
+              </a:prstGeom>
+              <a:blipFill>
+                <a:blip r:embed="rId19"/>
+                <a:stretch>
+                  <a:fillRect r="-8065"/>
+                </a:stretch>
+              </a:blipFill>
+              <a:ln w="25400">
+                <a:solidFill>
+                  <a:schemeClr val="tx1"/>
+                </a:solidFill>
+              </a:ln>
+            </p:spPr>
+            <p:txBody>
+              <a:bodyPr/>
+              <a:lstStyle/>
+              <a:p>
+                <a:r>
+                  <a:rPr lang="zh-CN" altLang="en-US">
+                    <a:noFill/>
+                  </a:rPr>
+                  <a:t> </a:t>
+                </a:r>
+              </a:p>
+            </p:txBody>
+          </p:sp>
+        </mc:Fallback>
+      </mc:AlternateContent>
+      <mc:AlternateContent xmlns:mc="http://schemas.openxmlformats.org/markup-compatibility/2006">
+        <mc:Choice xmlns:a14="http://schemas.microsoft.com/office/drawing/2010/main" Requires="a14">
+          <p:sp>
+            <p:nvSpPr>
+              <p:cNvPr id="131" name="矩形 130">
+                <a:extLst>
+                  <a:ext uri="{FF2B5EF4-FFF2-40B4-BE49-F238E27FC236}">
+                    <a16:creationId xmlns:a16="http://schemas.microsoft.com/office/drawing/2014/main" id="{34268CD5-C62A-4308-8DEE-A08B41A11B06}"/>
+                  </a:ext>
+                </a:extLst>
+              </p:cNvPr>
+              <p:cNvSpPr/>
+              <p:nvPr/>
+            </p:nvSpPr>
+            <p:spPr>
+              <a:xfrm>
+                <a:off x="5953817" y="1234291"/>
+                <a:ext cx="347969" cy="392777"/>
+              </a:xfrm>
+              <a:prstGeom prst="rect">
+                <a:avLst/>
+              </a:prstGeom>
+              <a:solidFill>
+                <a:schemeClr val="accent4">
+                  <a:lumMod val="60000"/>
+                  <a:lumOff val="40000"/>
+                  <a:alpha val="54000"/>
+                </a:schemeClr>
+              </a:solidFill>
+              <a:ln w="25400">
+                <a:solidFill>
+                  <a:schemeClr val="tx1"/>
+                </a:solidFill>
+              </a:ln>
+            </p:spPr>
+            <p:style>
+              <a:lnRef idx="2">
+                <a:schemeClr val="accent1">
+                  <a:shade val="50000"/>
+                </a:schemeClr>
+              </a:lnRef>
+              <a:fillRef idx="1">
+                <a:schemeClr val="accent1"/>
+              </a:fillRef>
+              <a:effectRef idx="0">
+                <a:schemeClr val="accent1"/>
+              </a:effectRef>
+              <a:fontRef idx="minor">
+                <a:schemeClr val="lt1"/>
+              </a:fontRef>
+            </p:style>
+            <p:txBody>
+              <a:bodyPr rtlCol="0" anchor="ctr"/>
+              <a:lstStyle/>
+              <a:p>
+                <a:pPr algn="ctr"/>
+                <a14:m>
+                  <m:oMathPara xmlns:m="http://schemas.openxmlformats.org/officeDocument/2006/math">
+                    <m:oMathParaPr>
+                      <m:jc m:val="right"/>
+                    </m:oMathParaPr>
+                    <m:oMath xmlns:m="http://schemas.openxmlformats.org/officeDocument/2006/math">
+                      <m:sSub>
+                        <m:sSubPr>
+                          <m:ctrlPr>
+                            <a:rPr lang="en-US" altLang="zh-CN" i="1" smtClean="0">
+                              <a:solidFill>
+                                <a:schemeClr val="tx1"/>
+                              </a:solidFill>
+                              <a:latin typeface="Cambria Math" panose="02040503050406030204" pitchFamily="18" charset="0"/>
+                            </a:rPr>
+                          </m:ctrlPr>
+                        </m:sSubPr>
+                        <m:e>
+                          <m:r>
+                            <a:rPr lang="en-US" altLang="zh-CN" b="0" i="1" smtClean="0">
+                              <a:solidFill>
+                                <a:schemeClr val="tx1"/>
+                              </a:solidFill>
+                              <a:latin typeface="Cambria Math" panose="02040503050406030204" pitchFamily="18" charset="0"/>
+                            </a:rPr>
+                            <m:t>𝐴</m:t>
+                          </m:r>
+                        </m:e>
+                        <m:sub>
+                          <m:r>
+                            <a:rPr lang="en-US" altLang="zh-CN" b="0" i="1" smtClean="0">
+                              <a:solidFill>
+                                <a:schemeClr val="tx1"/>
+                              </a:solidFill>
+                              <a:latin typeface="Cambria Math" panose="02040503050406030204" pitchFamily="18" charset="0"/>
+                            </a:rPr>
+                            <m:t>4</m:t>
+                          </m:r>
+                        </m:sub>
+                      </m:sSub>
+                    </m:oMath>
+                  </m:oMathPara>
+                </a14:m>
+                <a:endParaRPr lang="zh-CN" altLang="en-US" dirty="0">
+                  <a:solidFill>
+                    <a:schemeClr val="tx1"/>
+                  </a:solidFill>
+                </a:endParaRPr>
+              </a:p>
+            </p:txBody>
+          </p:sp>
+        </mc:Choice>
+        <mc:Fallback>
+          <p:sp>
+            <p:nvSpPr>
+              <p:cNvPr id="131" name="矩形 130">
+                <a:extLst>
+                  <a:ext uri="{FF2B5EF4-FFF2-40B4-BE49-F238E27FC236}">
+                    <a16:creationId xmlns:a16="http://schemas.microsoft.com/office/drawing/2014/main" id="{34268CD5-C62A-4308-8DEE-A08B41A11B06}"/>
+                  </a:ext>
+                </a:extLst>
+              </p:cNvPr>
+              <p:cNvSpPr>
+                <a:spLocks noRot="1" noChangeAspect="1" noMove="1" noResize="1" noEditPoints="1" noAdjustHandles="1" noChangeArrowheads="1" noChangeShapeType="1" noTextEdit="1"/>
+              </p:cNvSpPr>
+              <p:nvPr/>
+            </p:nvSpPr>
+            <p:spPr>
+              <a:xfrm>
+                <a:off x="5953817" y="1234291"/>
+                <a:ext cx="347969" cy="392777"/>
+              </a:xfrm>
+              <a:prstGeom prst="rect">
+                <a:avLst/>
+              </a:prstGeom>
+              <a:blipFill>
+                <a:blip r:embed="rId20"/>
+                <a:stretch>
+                  <a:fillRect r="-8197"/>
+                </a:stretch>
+              </a:blipFill>
+              <a:ln w="25400">
+                <a:solidFill>
+                  <a:schemeClr val="tx1"/>
+                </a:solidFill>
+              </a:ln>
+            </p:spPr>
+            <p:txBody>
+              <a:bodyPr/>
+              <a:lstStyle/>
+              <a:p>
+                <a:r>
+                  <a:rPr lang="zh-CN" altLang="en-US">
+                    <a:noFill/>
+                  </a:rPr>
+                  <a:t> </a:t>
+                </a:r>
+              </a:p>
+            </p:txBody>
+          </p:sp>
+        </mc:Fallback>
+      </mc:AlternateContent>
+      <mc:AlternateContent xmlns:mc="http://schemas.openxmlformats.org/markup-compatibility/2006">
+        <mc:Choice xmlns:a14="http://schemas.microsoft.com/office/drawing/2010/main" Requires="a14">
+          <p:sp>
+            <p:nvSpPr>
+              <p:cNvPr id="132" name="矩形 131">
+                <a:extLst>
+                  <a:ext uri="{FF2B5EF4-FFF2-40B4-BE49-F238E27FC236}">
+                    <a16:creationId xmlns:a16="http://schemas.microsoft.com/office/drawing/2014/main" id="{3F177765-745A-44E9-9D52-8FB3BE67DA41}"/>
+                  </a:ext>
+                </a:extLst>
+              </p:cNvPr>
+              <p:cNvSpPr/>
+              <p:nvPr/>
+            </p:nvSpPr>
+            <p:spPr>
+              <a:xfrm>
+                <a:off x="6936641" y="1234291"/>
+                <a:ext cx="347969" cy="392777"/>
+              </a:xfrm>
+              <a:prstGeom prst="rect">
+                <a:avLst/>
+              </a:prstGeom>
+              <a:solidFill>
+                <a:schemeClr val="accent4">
+                  <a:lumMod val="60000"/>
+                  <a:lumOff val="40000"/>
+                  <a:alpha val="54000"/>
+                </a:schemeClr>
+              </a:solidFill>
+              <a:ln w="25400">
+                <a:solidFill>
+                  <a:schemeClr val="tx1"/>
+                </a:solidFill>
+              </a:ln>
+            </p:spPr>
+            <p:style>
+              <a:lnRef idx="2">
+                <a:schemeClr val="accent1">
+                  <a:shade val="50000"/>
+                </a:schemeClr>
+              </a:lnRef>
+              <a:fillRef idx="1">
+                <a:schemeClr val="accent1"/>
+              </a:fillRef>
+              <a:effectRef idx="0">
+                <a:schemeClr val="accent1"/>
+              </a:effectRef>
+              <a:fontRef idx="minor">
+                <a:schemeClr val="lt1"/>
+              </a:fontRef>
+            </p:style>
+            <p:txBody>
+              <a:bodyPr rtlCol="0" anchor="ctr"/>
+              <a:lstStyle/>
+              <a:p>
+                <a:pPr algn="ctr"/>
+                <a14:m>
+                  <m:oMathPara xmlns:m="http://schemas.openxmlformats.org/officeDocument/2006/math">
+                    <m:oMathParaPr>
+                      <m:jc m:val="right"/>
+                    </m:oMathParaPr>
+                    <m:oMath xmlns:m="http://schemas.openxmlformats.org/officeDocument/2006/math">
+                      <m:sSub>
+                        <m:sSubPr>
+                          <m:ctrlPr>
+                            <a:rPr lang="en-US" altLang="zh-CN" i="1" smtClean="0">
+                              <a:solidFill>
+                                <a:schemeClr val="tx1"/>
+                              </a:solidFill>
+                              <a:latin typeface="Cambria Math" panose="02040503050406030204" pitchFamily="18" charset="0"/>
+                            </a:rPr>
+                          </m:ctrlPr>
+                        </m:sSubPr>
+                        <m:e>
+                          <m:r>
+                            <a:rPr lang="en-US" altLang="zh-CN" b="0" i="1" smtClean="0">
+                              <a:solidFill>
+                                <a:schemeClr val="tx1"/>
+                              </a:solidFill>
+                              <a:latin typeface="Cambria Math" panose="02040503050406030204" pitchFamily="18" charset="0"/>
+                            </a:rPr>
+                            <m:t>𝐴</m:t>
+                          </m:r>
+                        </m:e>
+                        <m:sub>
+                          <m:r>
+                            <a:rPr lang="en-US" altLang="zh-CN" b="0" i="1" smtClean="0">
+                              <a:solidFill>
+                                <a:schemeClr val="tx1"/>
+                              </a:solidFill>
+                              <a:latin typeface="Cambria Math" panose="02040503050406030204" pitchFamily="18" charset="0"/>
+                            </a:rPr>
+                            <m:t>5</m:t>
+                          </m:r>
+                        </m:sub>
+                      </m:sSub>
+                    </m:oMath>
+                  </m:oMathPara>
+                </a14:m>
+                <a:endParaRPr lang="zh-CN" altLang="en-US" dirty="0">
+                  <a:solidFill>
+                    <a:schemeClr val="tx1"/>
+                  </a:solidFill>
+                </a:endParaRPr>
+              </a:p>
+            </p:txBody>
+          </p:sp>
+        </mc:Choice>
+        <mc:Fallback>
+          <p:sp>
+            <p:nvSpPr>
+              <p:cNvPr id="132" name="矩形 131">
+                <a:extLst>
+                  <a:ext uri="{FF2B5EF4-FFF2-40B4-BE49-F238E27FC236}">
+                    <a16:creationId xmlns:a16="http://schemas.microsoft.com/office/drawing/2014/main" id="{3F177765-745A-44E9-9D52-8FB3BE67DA41}"/>
+                  </a:ext>
+                </a:extLst>
+              </p:cNvPr>
+              <p:cNvSpPr>
+                <a:spLocks noRot="1" noChangeAspect="1" noMove="1" noResize="1" noEditPoints="1" noAdjustHandles="1" noChangeArrowheads="1" noChangeShapeType="1" noTextEdit="1"/>
+              </p:cNvSpPr>
+              <p:nvPr/>
+            </p:nvSpPr>
+            <p:spPr>
+              <a:xfrm>
+                <a:off x="6936641" y="1234291"/>
+                <a:ext cx="347969" cy="392777"/>
+              </a:xfrm>
+              <a:prstGeom prst="rect">
+                <a:avLst/>
+              </a:prstGeom>
+              <a:blipFill>
+                <a:blip r:embed="rId21"/>
+                <a:stretch>
+                  <a:fillRect r="-9836"/>
+                </a:stretch>
+              </a:blipFill>
+              <a:ln w="25400">
+                <a:solidFill>
+                  <a:schemeClr val="tx1"/>
+                </a:solidFill>
+              </a:ln>
+            </p:spPr>
+            <p:txBody>
+              <a:bodyPr/>
+              <a:lstStyle/>
+              <a:p>
+                <a:r>
+                  <a:rPr lang="zh-CN" altLang="en-US">
+                    <a:noFill/>
+                  </a:rPr>
+                  <a:t> </a:t>
+                </a:r>
+              </a:p>
+            </p:txBody>
+          </p:sp>
+        </mc:Fallback>
+      </mc:AlternateContent>
+      <mc:AlternateContent xmlns:mc="http://schemas.openxmlformats.org/markup-compatibility/2006">
+        <mc:Choice xmlns:a14="http://schemas.microsoft.com/office/drawing/2010/main" Requires="a14">
+          <p:sp>
+            <p:nvSpPr>
+              <p:cNvPr id="133" name="矩形 132">
+                <a:extLst>
+                  <a:ext uri="{FF2B5EF4-FFF2-40B4-BE49-F238E27FC236}">
+                    <a16:creationId xmlns:a16="http://schemas.microsoft.com/office/drawing/2014/main" id="{FBB7AFDA-058A-4B35-8878-EE720C648F4C}"/>
+                  </a:ext>
+                </a:extLst>
+              </p:cNvPr>
+              <p:cNvSpPr/>
+              <p:nvPr/>
+            </p:nvSpPr>
+            <p:spPr>
+              <a:xfrm>
+                <a:off x="7956831" y="1234290"/>
+                <a:ext cx="347969" cy="392777"/>
+              </a:xfrm>
+              <a:prstGeom prst="rect">
+                <a:avLst/>
+              </a:prstGeom>
+              <a:solidFill>
+                <a:schemeClr val="accent4">
+                  <a:lumMod val="60000"/>
+                  <a:lumOff val="40000"/>
+                  <a:alpha val="54000"/>
+                </a:schemeClr>
+              </a:solidFill>
+              <a:ln w="25400">
+                <a:solidFill>
+                  <a:schemeClr val="tx1"/>
+                </a:solidFill>
+              </a:ln>
+            </p:spPr>
+            <p:style>
+              <a:lnRef idx="2">
+                <a:schemeClr val="accent1">
+                  <a:shade val="50000"/>
+                </a:schemeClr>
+              </a:lnRef>
+              <a:fillRef idx="1">
+                <a:schemeClr val="accent1"/>
+              </a:fillRef>
+              <a:effectRef idx="0">
+                <a:schemeClr val="accent1"/>
+              </a:effectRef>
+              <a:fontRef idx="minor">
+                <a:schemeClr val="lt1"/>
+              </a:fontRef>
+            </p:style>
+            <p:txBody>
+              <a:bodyPr rtlCol="0" anchor="ctr"/>
+              <a:lstStyle/>
+              <a:p>
+                <a:pPr algn="ctr"/>
+                <a14:m>
+                  <m:oMathPara xmlns:m="http://schemas.openxmlformats.org/officeDocument/2006/math">
+                    <m:oMathParaPr>
+                      <m:jc m:val="right"/>
+                    </m:oMathParaPr>
+                    <m:oMath xmlns:m="http://schemas.openxmlformats.org/officeDocument/2006/math">
+                      <m:sSub>
+                        <m:sSubPr>
+                          <m:ctrlPr>
+                            <a:rPr lang="en-US" altLang="zh-CN" i="1" smtClean="0">
+                              <a:solidFill>
+                                <a:schemeClr val="tx1"/>
+                              </a:solidFill>
+                              <a:latin typeface="Cambria Math" panose="02040503050406030204" pitchFamily="18" charset="0"/>
+                            </a:rPr>
+                          </m:ctrlPr>
+                        </m:sSubPr>
+                        <m:e>
+                          <m:r>
+                            <a:rPr lang="en-US" altLang="zh-CN" b="0" i="1" smtClean="0">
+                              <a:solidFill>
+                                <a:schemeClr val="tx1"/>
+                              </a:solidFill>
+                              <a:latin typeface="Cambria Math" panose="02040503050406030204" pitchFamily="18" charset="0"/>
+                            </a:rPr>
+                            <m:t>𝐴</m:t>
+                          </m:r>
+                        </m:e>
+                        <m:sub>
+                          <m:r>
+                            <a:rPr lang="en-US" altLang="zh-CN" b="0" i="1" smtClean="0">
+                              <a:solidFill>
+                                <a:schemeClr val="tx1"/>
+                              </a:solidFill>
+                              <a:latin typeface="Cambria Math" panose="02040503050406030204" pitchFamily="18" charset="0"/>
+                            </a:rPr>
+                            <m:t>6</m:t>
+                          </m:r>
+                        </m:sub>
+                      </m:sSub>
+                    </m:oMath>
+                  </m:oMathPara>
+                </a14:m>
+                <a:endParaRPr lang="zh-CN" altLang="en-US" dirty="0">
+                  <a:solidFill>
+                    <a:schemeClr val="tx1"/>
+                  </a:solidFill>
+                </a:endParaRPr>
+              </a:p>
+            </p:txBody>
+          </p:sp>
+        </mc:Choice>
+        <mc:Fallback>
+          <p:sp>
+            <p:nvSpPr>
+              <p:cNvPr id="133" name="矩形 132">
+                <a:extLst>
+                  <a:ext uri="{FF2B5EF4-FFF2-40B4-BE49-F238E27FC236}">
+                    <a16:creationId xmlns:a16="http://schemas.microsoft.com/office/drawing/2014/main" id="{FBB7AFDA-058A-4B35-8878-EE720C648F4C}"/>
+                  </a:ext>
+                </a:extLst>
+              </p:cNvPr>
+              <p:cNvSpPr>
+                <a:spLocks noRot="1" noChangeAspect="1" noMove="1" noResize="1" noEditPoints="1" noAdjustHandles="1" noChangeArrowheads="1" noChangeShapeType="1" noTextEdit="1"/>
+              </p:cNvSpPr>
+              <p:nvPr/>
+            </p:nvSpPr>
+            <p:spPr>
+              <a:xfrm>
+                <a:off x="7956831" y="1234290"/>
+                <a:ext cx="347969" cy="392777"/>
+              </a:xfrm>
+              <a:prstGeom prst="rect">
+                <a:avLst/>
+              </a:prstGeom>
+              <a:blipFill>
+                <a:blip r:embed="rId22"/>
+                <a:stretch>
+                  <a:fillRect r="-9836"/>
+                </a:stretch>
+              </a:blipFill>
+              <a:ln w="25400">
+                <a:solidFill>
+                  <a:schemeClr val="tx1"/>
+                </a:solidFill>
+              </a:ln>
+            </p:spPr>
+            <p:txBody>
+              <a:bodyPr/>
+              <a:lstStyle/>
+              <a:p>
+                <a:r>
+                  <a:rPr lang="zh-CN" altLang="en-US">
+                    <a:noFill/>
+                  </a:rPr>
+                  <a:t> </a:t>
+                </a:r>
+              </a:p>
+            </p:txBody>
+          </p:sp>
+        </mc:Fallback>
+      </mc:AlternateContent>
+      <mc:AlternateContent xmlns:mc="http://schemas.openxmlformats.org/markup-compatibility/2006">
+        <mc:Choice xmlns:a14="http://schemas.microsoft.com/office/drawing/2010/main" Requires="a14">
+          <p:sp>
+            <p:nvSpPr>
+              <p:cNvPr id="134" name="矩形 133">
+                <a:extLst>
+                  <a:ext uri="{FF2B5EF4-FFF2-40B4-BE49-F238E27FC236}">
+                    <a16:creationId xmlns:a16="http://schemas.microsoft.com/office/drawing/2014/main" id="{49A86C3D-CB55-495F-901F-E57947B12FAB}"/>
+                  </a:ext>
+                </a:extLst>
+              </p:cNvPr>
+              <p:cNvSpPr/>
+              <p:nvPr/>
+            </p:nvSpPr>
+            <p:spPr>
+              <a:xfrm>
+                <a:off x="8801145" y="1228082"/>
+                <a:ext cx="347969" cy="392777"/>
+              </a:xfrm>
+              <a:prstGeom prst="rect">
+                <a:avLst/>
+              </a:prstGeom>
+              <a:solidFill>
+                <a:schemeClr val="accent4">
+                  <a:lumMod val="60000"/>
+                  <a:lumOff val="40000"/>
+                  <a:alpha val="54000"/>
+                </a:schemeClr>
+              </a:solidFill>
+              <a:ln w="25400">
+                <a:solidFill>
+                  <a:schemeClr val="tx1"/>
+                </a:solidFill>
+              </a:ln>
+            </p:spPr>
+            <p:style>
+              <a:lnRef idx="2">
+                <a:schemeClr val="accent1">
+                  <a:shade val="50000"/>
+                </a:schemeClr>
+              </a:lnRef>
+              <a:fillRef idx="1">
+                <a:schemeClr val="accent1"/>
+              </a:fillRef>
+              <a:effectRef idx="0">
+                <a:schemeClr val="accent1"/>
+              </a:effectRef>
+              <a:fontRef idx="minor">
+                <a:schemeClr val="lt1"/>
+              </a:fontRef>
+            </p:style>
+            <p:txBody>
+              <a:bodyPr rtlCol="0" anchor="ctr"/>
+              <a:lstStyle/>
+              <a:p>
+                <a:pPr algn="ctr"/>
+                <a14:m>
+                  <m:oMathPara xmlns:m="http://schemas.openxmlformats.org/officeDocument/2006/math">
+                    <m:oMathParaPr>
+                      <m:jc m:val="right"/>
+                    </m:oMathParaPr>
+                    <m:oMath xmlns:m="http://schemas.openxmlformats.org/officeDocument/2006/math">
+                      <m:sSub>
+                        <m:sSubPr>
+                          <m:ctrlPr>
+                            <a:rPr lang="en-US" altLang="zh-CN" i="1" smtClean="0">
+                              <a:solidFill>
+                                <a:schemeClr val="tx1"/>
+                              </a:solidFill>
+                              <a:latin typeface="Cambria Math" panose="02040503050406030204" pitchFamily="18" charset="0"/>
+                            </a:rPr>
+                          </m:ctrlPr>
+                        </m:sSubPr>
+                        <m:e>
+                          <m:r>
+                            <a:rPr lang="en-US" altLang="zh-CN" b="0" i="1" smtClean="0">
+                              <a:solidFill>
+                                <a:schemeClr val="tx1"/>
+                              </a:solidFill>
+                              <a:latin typeface="Cambria Math" panose="02040503050406030204" pitchFamily="18" charset="0"/>
+                            </a:rPr>
+                            <m:t>𝐴</m:t>
+                          </m:r>
+                        </m:e>
+                        <m:sub>
+                          <m:r>
+                            <a:rPr lang="en-US" altLang="zh-CN" b="0" i="1" smtClean="0">
+                              <a:solidFill>
+                                <a:schemeClr val="tx1"/>
+                              </a:solidFill>
+                              <a:latin typeface="Cambria Math" panose="02040503050406030204" pitchFamily="18" charset="0"/>
+                            </a:rPr>
+                            <m:t>7</m:t>
+                          </m:r>
+                        </m:sub>
+                      </m:sSub>
+                    </m:oMath>
+                  </m:oMathPara>
+                </a14:m>
+                <a:endParaRPr lang="zh-CN" altLang="en-US" dirty="0">
+                  <a:solidFill>
+                    <a:schemeClr val="tx1"/>
+                  </a:solidFill>
+                </a:endParaRPr>
+              </a:p>
+            </p:txBody>
+          </p:sp>
+        </mc:Choice>
+        <mc:Fallback>
+          <p:sp>
+            <p:nvSpPr>
+              <p:cNvPr id="134" name="矩形 133">
+                <a:extLst>
+                  <a:ext uri="{FF2B5EF4-FFF2-40B4-BE49-F238E27FC236}">
+                    <a16:creationId xmlns:a16="http://schemas.microsoft.com/office/drawing/2014/main" id="{49A86C3D-CB55-495F-901F-E57947B12FAB}"/>
+                  </a:ext>
+                </a:extLst>
+              </p:cNvPr>
+              <p:cNvSpPr>
+                <a:spLocks noRot="1" noChangeAspect="1" noMove="1" noResize="1" noEditPoints="1" noAdjustHandles="1" noChangeArrowheads="1" noChangeShapeType="1" noTextEdit="1"/>
+              </p:cNvSpPr>
+              <p:nvPr/>
+            </p:nvSpPr>
+            <p:spPr>
+              <a:xfrm>
+                <a:off x="8801145" y="1228082"/>
+                <a:ext cx="347969" cy="392777"/>
+              </a:xfrm>
+              <a:prstGeom prst="rect">
+                <a:avLst/>
+              </a:prstGeom>
+              <a:blipFill>
+                <a:blip r:embed="rId23"/>
+                <a:stretch>
+                  <a:fillRect r="-8197"/>
+                </a:stretch>
+              </a:blipFill>
+              <a:ln w="25400">
+                <a:solidFill>
+                  <a:schemeClr val="tx1"/>
+                </a:solidFill>
+              </a:ln>
+            </p:spPr>
+            <p:txBody>
+              <a:bodyPr/>
+              <a:lstStyle/>
+              <a:p>
+                <a:r>
+                  <a:rPr lang="zh-CN" altLang="en-US">
+                    <a:noFill/>
+                  </a:rPr>
+                  <a:t> </a:t>
+                </a:r>
+              </a:p>
+            </p:txBody>
+          </p:sp>
+        </mc:Fallback>
+      </mc:AlternateContent>
+      <p:cxnSp>
+        <p:nvCxnSpPr>
+          <p:cNvPr id="136" name="直接箭头连接符 135">
+            <a:extLst>
+              <a:ext uri="{FF2B5EF4-FFF2-40B4-BE49-F238E27FC236}">
+                <a16:creationId xmlns:a16="http://schemas.microsoft.com/office/drawing/2014/main" id="{F08A8C05-4AAE-4453-A35E-2C618B390CAC}"/>
+              </a:ext>
+            </a:extLst>
+          </p:cNvPr>
+          <p:cNvCxnSpPr>
+            <a:stCxn id="75" idx="0"/>
+            <a:endCxn id="132" idx="2"/>
+          </p:cNvCxnSpPr>
+          <p:nvPr/>
+        </p:nvCxnSpPr>
+        <p:spPr>
+          <a:xfrm flipH="1" flipV="1">
+            <a:off x="7110626" y="1627068"/>
+            <a:ext cx="37365" cy="1605857"/>
+          </a:xfrm>
+          <a:prstGeom prst="straightConnector1">
+            <a:avLst/>
+          </a:prstGeom>
+          <a:ln w="25400">
+            <a:solidFill>
+              <a:schemeClr val="tx1"/>
+            </a:solidFill>
+            <a:tailEnd type="triangle"/>
+          </a:ln>
+        </p:spPr>
+        <p:style>
+          <a:lnRef idx="1">
+            <a:schemeClr val="accent1"/>
+          </a:lnRef>
+          <a:fillRef idx="0">
+            <a:schemeClr val="accent1"/>
+          </a:fillRef>
+          <a:effectRef idx="0">
+            <a:schemeClr val="accent1"/>
+          </a:effectRef>
+          <a:fontRef idx="minor">
+            <a:schemeClr val="tx1"/>
+          </a:fontRef>
+        </p:style>
+      </p:cxnSp>
+      <p:cxnSp>
+        <p:nvCxnSpPr>
+          <p:cNvPr id="138" name="直接箭头连接符 137">
+            <a:extLst>
+              <a:ext uri="{FF2B5EF4-FFF2-40B4-BE49-F238E27FC236}">
+                <a16:creationId xmlns:a16="http://schemas.microsoft.com/office/drawing/2014/main" id="{9C570274-BB55-4A75-9243-59A6DAE6E1D3}"/>
+              </a:ext>
+            </a:extLst>
+          </p:cNvPr>
+          <p:cNvCxnSpPr>
+            <a:stCxn id="113" idx="0"/>
+            <a:endCxn id="132" idx="2"/>
+          </p:cNvCxnSpPr>
+          <p:nvPr/>
+        </p:nvCxnSpPr>
+        <p:spPr>
+          <a:xfrm flipV="1">
+            <a:off x="6595315" y="1627068"/>
+            <a:ext cx="515311" cy="599440"/>
+          </a:xfrm>
+          <a:prstGeom prst="straightConnector1">
+            <a:avLst/>
+          </a:prstGeom>
+          <a:ln w="25400">
+            <a:solidFill>
+              <a:schemeClr val="tx1"/>
+            </a:solidFill>
+            <a:tailEnd type="triangle"/>
+          </a:ln>
+        </p:spPr>
+        <p:style>
+          <a:lnRef idx="1">
+            <a:schemeClr val="accent1"/>
+          </a:lnRef>
+          <a:fillRef idx="0">
+            <a:schemeClr val="accent1"/>
+          </a:fillRef>
+          <a:effectRef idx="0">
+            <a:schemeClr val="accent1"/>
+          </a:effectRef>
+          <a:fontRef idx="minor">
+            <a:schemeClr val="tx1"/>
+          </a:fontRef>
+        </p:style>
+      </p:cxnSp>
+      <p:sp>
+        <p:nvSpPr>
+          <p:cNvPr id="141" name="文本框 140">
+            <a:extLst>
+              <a:ext uri="{FF2B5EF4-FFF2-40B4-BE49-F238E27FC236}">
+                <a16:creationId xmlns:a16="http://schemas.microsoft.com/office/drawing/2014/main" id="{17C202DE-4BA1-48E9-B9AB-251A49BA088B}"/>
+              </a:ext>
+            </a:extLst>
+          </p:cNvPr>
+          <p:cNvSpPr txBox="1"/>
+          <p:nvPr/>
+        </p:nvSpPr>
+        <p:spPr>
+          <a:xfrm>
+            <a:off x="788930" y="1857176"/>
+            <a:ext cx="2089136" cy="369332"/>
+          </a:xfrm>
+          <a:prstGeom prst="rect">
+            <a:avLst/>
+          </a:prstGeom>
+          <a:noFill/>
+        </p:spPr>
+        <p:txBody>
+          <a:bodyPr wrap="square" rtlCol="0">
+            <a:spAutoFit/>
+          </a:bodyPr>
+          <a:lstStyle/>
+          <a:p>
+            <a:pPr algn="ctr"/>
+            <a:r>
+              <a:rPr lang="en-US" altLang="zh-CN" dirty="0"/>
+              <a:t>attention</a:t>
+            </a:r>
+            <a:r>
+              <a:rPr lang="zh-CN" altLang="en-US" dirty="0"/>
+              <a:t>层</a:t>
+            </a:r>
+          </a:p>
+        </p:txBody>
+      </p:sp>
+      <p:sp>
+        <p:nvSpPr>
+          <p:cNvPr id="142" name="菱形 141">
+            <a:extLst>
+              <a:ext uri="{FF2B5EF4-FFF2-40B4-BE49-F238E27FC236}">
+                <a16:creationId xmlns:a16="http://schemas.microsoft.com/office/drawing/2014/main" id="{EBD96C68-856B-4D39-9AD9-7A612B250484}"/>
+              </a:ext>
+            </a:extLst>
+          </p:cNvPr>
+          <p:cNvSpPr/>
+          <p:nvPr/>
+        </p:nvSpPr>
+        <p:spPr>
+          <a:xfrm>
+            <a:off x="2899952" y="264309"/>
+            <a:ext cx="560933" cy="496476"/>
+          </a:xfrm>
+          <a:prstGeom prst="diamond">
+            <a:avLst/>
+          </a:prstGeom>
+          <a:solidFill>
+            <a:schemeClr val="accent1">
+              <a:lumMod val="60000"/>
+              <a:lumOff val="40000"/>
+            </a:schemeClr>
+          </a:solidFill>
+          <a:ln w="25400">
+            <a:solidFill>
+              <a:schemeClr val="tx1"/>
+            </a:solidFill>
+          </a:ln>
+        </p:spPr>
+        <p:style>
+          <a:lnRef idx="2">
+            <a:schemeClr val="accent1">
+              <a:shade val="50000"/>
+            </a:schemeClr>
+          </a:lnRef>
+          <a:fillRef idx="1">
+            <a:schemeClr val="accent1"/>
+          </a:fillRef>
+          <a:effectRef idx="0">
+            <a:schemeClr val="accent1"/>
+          </a:effectRef>
+          <a:fontRef idx="minor">
+            <a:schemeClr val="lt1"/>
+          </a:fontRef>
+        </p:style>
+        <p:txBody>
+          <a:bodyPr rtlCol="0" anchor="ctr"/>
+          <a:lstStyle/>
+          <a:p>
+            <a:pPr algn="ctr"/>
+            <a:r>
+              <a:rPr lang="en-US" altLang="zh-CN" b="1" dirty="0">
+                <a:solidFill>
+                  <a:schemeClr val="tx1"/>
+                </a:solidFill>
+              </a:rPr>
+              <a:t>O</a:t>
+            </a:r>
+            <a:endParaRPr lang="zh-CN" altLang="en-US" b="1" dirty="0">
+              <a:solidFill>
+                <a:schemeClr val="tx1"/>
+              </a:solidFill>
+            </a:endParaRPr>
+          </a:p>
+        </p:txBody>
+      </p:sp>
+      <p:sp>
+        <p:nvSpPr>
+          <p:cNvPr id="153" name="文本框 152">
+            <a:extLst>
+              <a:ext uri="{FF2B5EF4-FFF2-40B4-BE49-F238E27FC236}">
+                <a16:creationId xmlns:a16="http://schemas.microsoft.com/office/drawing/2014/main" id="{930D034E-8411-4BB7-981F-B50A5830D4E0}"/>
+              </a:ext>
+            </a:extLst>
+          </p:cNvPr>
+          <p:cNvSpPr txBox="1"/>
+          <p:nvPr/>
+        </p:nvSpPr>
+        <p:spPr>
+          <a:xfrm>
+            <a:off x="773172" y="391453"/>
+            <a:ext cx="2089136" cy="369332"/>
+          </a:xfrm>
+          <a:prstGeom prst="rect">
+            <a:avLst/>
+          </a:prstGeom>
+          <a:noFill/>
+        </p:spPr>
+        <p:txBody>
+          <a:bodyPr wrap="square" rtlCol="0">
+            <a:spAutoFit/>
+          </a:bodyPr>
+          <a:lstStyle/>
+          <a:p>
+            <a:pPr algn="ctr"/>
+            <a:r>
+              <a:rPr lang="en-US" altLang="zh-CN" dirty="0"/>
+              <a:t>CRF</a:t>
+            </a:r>
+            <a:r>
+              <a:rPr lang="zh-CN" altLang="en-US" dirty="0"/>
+              <a:t>层</a:t>
+            </a:r>
+          </a:p>
+        </p:txBody>
+      </p:sp>
+      <p:cxnSp>
+        <p:nvCxnSpPr>
+          <p:cNvPr id="161" name="直接箭头连接符 160">
+            <a:extLst>
+              <a:ext uri="{FF2B5EF4-FFF2-40B4-BE49-F238E27FC236}">
+                <a16:creationId xmlns:a16="http://schemas.microsoft.com/office/drawing/2014/main" id="{F2CAF9CB-7712-47FD-B648-57BF2358D13B}"/>
+              </a:ext>
+            </a:extLst>
+          </p:cNvPr>
+          <p:cNvCxnSpPr>
+            <a:stCxn id="128" idx="0"/>
+            <a:endCxn id="142" idx="2"/>
+          </p:cNvCxnSpPr>
+          <p:nvPr/>
+        </p:nvCxnSpPr>
+        <p:spPr>
+          <a:xfrm flipH="1" flipV="1">
+            <a:off x="3180419" y="760785"/>
+            <a:ext cx="4071" cy="467299"/>
+          </a:xfrm>
+          <a:prstGeom prst="straightConnector1">
+            <a:avLst/>
+          </a:prstGeom>
+          <a:ln w="25400">
+            <a:solidFill>
+              <a:schemeClr val="tx1"/>
+            </a:solidFill>
+            <a:tailEnd type="triangle"/>
+          </a:ln>
+        </p:spPr>
+        <p:style>
+          <a:lnRef idx="1">
+            <a:schemeClr val="accent1"/>
+          </a:lnRef>
+          <a:fillRef idx="0">
+            <a:schemeClr val="accent1"/>
+          </a:fillRef>
+          <a:effectRef idx="0">
+            <a:schemeClr val="accent1"/>
+          </a:effectRef>
+          <a:fontRef idx="minor">
+            <a:schemeClr val="tx1"/>
+          </a:fontRef>
+        </p:style>
+      </p:cxnSp>
+      <p:sp>
+        <p:nvSpPr>
+          <p:cNvPr id="166" name="菱形 165">
+            <a:extLst>
+              <a:ext uri="{FF2B5EF4-FFF2-40B4-BE49-F238E27FC236}">
+                <a16:creationId xmlns:a16="http://schemas.microsoft.com/office/drawing/2014/main" id="{E585B220-1164-42F8-9062-F9CDF05C7B00}"/>
+              </a:ext>
+            </a:extLst>
+          </p:cNvPr>
+          <p:cNvSpPr/>
+          <p:nvPr/>
+        </p:nvSpPr>
+        <p:spPr>
+          <a:xfrm>
+            <a:off x="3879513" y="264309"/>
+            <a:ext cx="560933" cy="496476"/>
+          </a:xfrm>
+          <a:prstGeom prst="diamond">
+            <a:avLst/>
+          </a:prstGeom>
+          <a:solidFill>
+            <a:schemeClr val="accent1">
+              <a:lumMod val="60000"/>
+              <a:lumOff val="40000"/>
+            </a:schemeClr>
+          </a:solidFill>
+          <a:ln w="25400">
+            <a:solidFill>
+              <a:schemeClr val="tx1"/>
+            </a:solidFill>
+          </a:ln>
+        </p:spPr>
+        <p:style>
+          <a:lnRef idx="2">
+            <a:schemeClr val="accent1">
+              <a:shade val="50000"/>
+            </a:schemeClr>
+          </a:lnRef>
+          <a:fillRef idx="1">
+            <a:schemeClr val="accent1"/>
+          </a:fillRef>
+          <a:effectRef idx="0">
+            <a:schemeClr val="accent1"/>
+          </a:effectRef>
+          <a:fontRef idx="minor">
+            <a:schemeClr val="lt1"/>
+          </a:fontRef>
+        </p:style>
+        <p:txBody>
+          <a:bodyPr rtlCol="0" anchor="ctr"/>
+          <a:lstStyle/>
+          <a:p>
+            <a:pPr algn="ctr"/>
+            <a:r>
+              <a:rPr lang="en-US" altLang="zh-CN" b="1" dirty="0">
+                <a:solidFill>
+                  <a:schemeClr val="tx1"/>
+                </a:solidFill>
+              </a:rPr>
+              <a:t>B</a:t>
+            </a:r>
+            <a:endParaRPr lang="zh-CN" altLang="en-US" b="1" dirty="0">
+              <a:solidFill>
+                <a:schemeClr val="tx1"/>
+              </a:solidFill>
+            </a:endParaRPr>
+          </a:p>
+        </p:txBody>
+      </p:sp>
+      <p:cxnSp>
+        <p:nvCxnSpPr>
+          <p:cNvPr id="167" name="直接箭头连接符 166">
+            <a:extLst>
+              <a:ext uri="{FF2B5EF4-FFF2-40B4-BE49-F238E27FC236}">
+                <a16:creationId xmlns:a16="http://schemas.microsoft.com/office/drawing/2014/main" id="{A0F72EDF-A1F0-4DE4-B2A0-70F8B35A4965}"/>
+              </a:ext>
+            </a:extLst>
+          </p:cNvPr>
+          <p:cNvCxnSpPr>
+            <a:endCxn id="166" idx="2"/>
+          </p:cNvCxnSpPr>
+          <p:nvPr/>
+        </p:nvCxnSpPr>
+        <p:spPr>
+          <a:xfrm flipH="1" flipV="1">
+            <a:off x="4159980" y="760785"/>
+            <a:ext cx="4071" cy="467299"/>
+          </a:xfrm>
+          <a:prstGeom prst="straightConnector1">
+            <a:avLst/>
+          </a:prstGeom>
+          <a:ln w="25400">
+            <a:solidFill>
+              <a:schemeClr val="tx1"/>
+            </a:solidFill>
+            <a:tailEnd type="triangle"/>
+          </a:ln>
+        </p:spPr>
+        <p:style>
+          <a:lnRef idx="1">
+            <a:schemeClr val="accent1"/>
+          </a:lnRef>
+          <a:fillRef idx="0">
+            <a:schemeClr val="accent1"/>
+          </a:fillRef>
+          <a:effectRef idx="0">
+            <a:schemeClr val="accent1"/>
+          </a:effectRef>
+          <a:fontRef idx="minor">
+            <a:schemeClr val="tx1"/>
+          </a:fontRef>
+        </p:style>
+      </p:cxnSp>
+      <p:sp>
+        <p:nvSpPr>
+          <p:cNvPr id="168" name="菱形 167">
+            <a:extLst>
+              <a:ext uri="{FF2B5EF4-FFF2-40B4-BE49-F238E27FC236}">
+                <a16:creationId xmlns:a16="http://schemas.microsoft.com/office/drawing/2014/main" id="{754FD3B3-1026-47FC-B87E-D82878EFEADD}"/>
+              </a:ext>
+            </a:extLst>
+          </p:cNvPr>
+          <p:cNvSpPr/>
+          <p:nvPr/>
+        </p:nvSpPr>
+        <p:spPr>
+          <a:xfrm>
+            <a:off x="4903047" y="262176"/>
+            <a:ext cx="560933" cy="496476"/>
+          </a:xfrm>
+          <a:prstGeom prst="diamond">
+            <a:avLst/>
+          </a:prstGeom>
+          <a:solidFill>
+            <a:schemeClr val="accent1">
+              <a:lumMod val="60000"/>
+              <a:lumOff val="40000"/>
+            </a:schemeClr>
+          </a:solidFill>
+          <a:ln w="25400">
+            <a:solidFill>
+              <a:schemeClr val="tx1"/>
+            </a:solidFill>
+          </a:ln>
+        </p:spPr>
+        <p:style>
+          <a:lnRef idx="2">
+            <a:schemeClr val="accent1">
+              <a:shade val="50000"/>
+            </a:schemeClr>
+          </a:lnRef>
+          <a:fillRef idx="1">
+            <a:schemeClr val="accent1"/>
+          </a:fillRef>
+          <a:effectRef idx="0">
+            <a:schemeClr val="accent1"/>
+          </a:effectRef>
+          <a:fontRef idx="minor">
+            <a:schemeClr val="lt1"/>
+          </a:fontRef>
+        </p:style>
+        <p:txBody>
+          <a:bodyPr rtlCol="0" anchor="ctr"/>
+          <a:lstStyle/>
+          <a:p>
+            <a:pPr algn="ctr"/>
+            <a:r>
+              <a:rPr lang="en-US" altLang="zh-CN" b="1" dirty="0">
+                <a:solidFill>
+                  <a:schemeClr val="tx1"/>
+                </a:solidFill>
+              </a:rPr>
+              <a:t>O</a:t>
+            </a:r>
+            <a:endParaRPr lang="zh-CN" altLang="en-US" b="1" dirty="0">
+              <a:solidFill>
+                <a:schemeClr val="tx1"/>
+              </a:solidFill>
+            </a:endParaRPr>
+          </a:p>
+        </p:txBody>
+      </p:sp>
+      <p:cxnSp>
+        <p:nvCxnSpPr>
+          <p:cNvPr id="169" name="直接箭头连接符 168">
+            <a:extLst>
+              <a:ext uri="{FF2B5EF4-FFF2-40B4-BE49-F238E27FC236}">
+                <a16:creationId xmlns:a16="http://schemas.microsoft.com/office/drawing/2014/main" id="{888666E1-DC55-4626-BC68-BF353DD72BAF}"/>
+              </a:ext>
+            </a:extLst>
+          </p:cNvPr>
+          <p:cNvCxnSpPr>
+            <a:endCxn id="168" idx="2"/>
+          </p:cNvCxnSpPr>
+          <p:nvPr/>
+        </p:nvCxnSpPr>
+        <p:spPr>
+          <a:xfrm flipH="1" flipV="1">
+            <a:off x="5183514" y="758652"/>
+            <a:ext cx="4071" cy="467299"/>
+          </a:xfrm>
+          <a:prstGeom prst="straightConnector1">
+            <a:avLst/>
+          </a:prstGeom>
+          <a:ln w="25400">
+            <a:solidFill>
+              <a:schemeClr val="tx1"/>
+            </a:solidFill>
+            <a:tailEnd type="triangle"/>
+          </a:ln>
+        </p:spPr>
+        <p:style>
+          <a:lnRef idx="1">
+            <a:schemeClr val="accent1"/>
+          </a:lnRef>
+          <a:fillRef idx="0">
+            <a:schemeClr val="accent1"/>
+          </a:fillRef>
+          <a:effectRef idx="0">
+            <a:schemeClr val="accent1"/>
+          </a:effectRef>
+          <a:fontRef idx="minor">
+            <a:schemeClr val="tx1"/>
+          </a:fontRef>
+        </p:style>
+      </p:cxnSp>
+      <p:sp>
+        <p:nvSpPr>
+          <p:cNvPr id="170" name="菱形 169">
+            <a:extLst>
+              <a:ext uri="{FF2B5EF4-FFF2-40B4-BE49-F238E27FC236}">
+                <a16:creationId xmlns:a16="http://schemas.microsoft.com/office/drawing/2014/main" id="{826BF97C-62E0-4CEA-AE90-53D7562056AE}"/>
+              </a:ext>
+            </a:extLst>
+          </p:cNvPr>
+          <p:cNvSpPr/>
+          <p:nvPr/>
+        </p:nvSpPr>
+        <p:spPr>
+          <a:xfrm>
+            <a:off x="5846939" y="257973"/>
+            <a:ext cx="560933" cy="496476"/>
+          </a:xfrm>
+          <a:prstGeom prst="diamond">
+            <a:avLst/>
+          </a:prstGeom>
+          <a:solidFill>
+            <a:schemeClr val="accent1">
+              <a:lumMod val="60000"/>
+              <a:lumOff val="40000"/>
+            </a:schemeClr>
+          </a:solidFill>
+          <a:ln w="25400">
+            <a:solidFill>
+              <a:schemeClr val="tx1"/>
+            </a:solidFill>
+          </a:ln>
+        </p:spPr>
+        <p:style>
+          <a:lnRef idx="2">
+            <a:schemeClr val="accent1">
+              <a:shade val="50000"/>
+            </a:schemeClr>
+          </a:lnRef>
+          <a:fillRef idx="1">
+            <a:schemeClr val="accent1"/>
+          </a:fillRef>
+          <a:effectRef idx="0">
+            <a:schemeClr val="accent1"/>
+          </a:effectRef>
+          <a:fontRef idx="minor">
+            <a:schemeClr val="lt1"/>
+          </a:fontRef>
+        </p:style>
+        <p:txBody>
+          <a:bodyPr rtlCol="0" anchor="ctr"/>
+          <a:lstStyle/>
+          <a:p>
+            <a:pPr algn="ctr"/>
+            <a:r>
+              <a:rPr lang="en-US" altLang="zh-CN" b="1" dirty="0">
+                <a:solidFill>
+                  <a:schemeClr val="tx1"/>
+                </a:solidFill>
+              </a:rPr>
+              <a:t>O</a:t>
+            </a:r>
+            <a:endParaRPr lang="zh-CN" altLang="en-US" b="1" dirty="0">
+              <a:solidFill>
+                <a:schemeClr val="tx1"/>
+              </a:solidFill>
+            </a:endParaRPr>
+          </a:p>
+        </p:txBody>
+      </p:sp>
+      <p:cxnSp>
+        <p:nvCxnSpPr>
+          <p:cNvPr id="171" name="直接箭头连接符 170">
+            <a:extLst>
+              <a:ext uri="{FF2B5EF4-FFF2-40B4-BE49-F238E27FC236}">
+                <a16:creationId xmlns:a16="http://schemas.microsoft.com/office/drawing/2014/main" id="{16CA08D9-F200-4E9A-AD82-81BE0A7FBFF6}"/>
+              </a:ext>
+            </a:extLst>
+          </p:cNvPr>
+          <p:cNvCxnSpPr>
+            <a:endCxn id="170" idx="2"/>
+          </p:cNvCxnSpPr>
+          <p:nvPr/>
+        </p:nvCxnSpPr>
+        <p:spPr>
+          <a:xfrm flipH="1" flipV="1">
+            <a:off x="6127406" y="754449"/>
+            <a:ext cx="4071" cy="467299"/>
+          </a:xfrm>
+          <a:prstGeom prst="straightConnector1">
+            <a:avLst/>
+          </a:prstGeom>
+          <a:ln w="25400">
+            <a:solidFill>
+              <a:schemeClr val="tx1"/>
+            </a:solidFill>
+            <a:tailEnd type="triangle"/>
+          </a:ln>
+        </p:spPr>
+        <p:style>
+          <a:lnRef idx="1">
+            <a:schemeClr val="accent1"/>
+          </a:lnRef>
+          <a:fillRef idx="0">
+            <a:schemeClr val="accent1"/>
+          </a:fillRef>
+          <a:effectRef idx="0">
+            <a:schemeClr val="accent1"/>
+          </a:effectRef>
+          <a:fontRef idx="minor">
+            <a:schemeClr val="tx1"/>
+          </a:fontRef>
+        </p:style>
+      </p:cxnSp>
+      <p:sp>
+        <p:nvSpPr>
+          <p:cNvPr id="172" name="菱形 171">
+            <a:extLst>
+              <a:ext uri="{FF2B5EF4-FFF2-40B4-BE49-F238E27FC236}">
+                <a16:creationId xmlns:a16="http://schemas.microsoft.com/office/drawing/2014/main" id="{6F3DEC81-8204-452F-8A9A-3C2F8BE42D7B}"/>
+              </a:ext>
+            </a:extLst>
+          </p:cNvPr>
+          <p:cNvSpPr/>
+          <p:nvPr/>
+        </p:nvSpPr>
+        <p:spPr>
+          <a:xfrm>
+            <a:off x="6826500" y="257973"/>
+            <a:ext cx="560933" cy="496476"/>
+          </a:xfrm>
+          <a:prstGeom prst="diamond">
+            <a:avLst/>
+          </a:prstGeom>
+          <a:solidFill>
+            <a:schemeClr val="accent1">
+              <a:lumMod val="60000"/>
+              <a:lumOff val="40000"/>
+            </a:schemeClr>
+          </a:solidFill>
+          <a:ln w="25400">
+            <a:solidFill>
+              <a:schemeClr val="tx1"/>
+            </a:solidFill>
+          </a:ln>
+        </p:spPr>
+        <p:style>
+          <a:lnRef idx="2">
+            <a:schemeClr val="accent1">
+              <a:shade val="50000"/>
+            </a:schemeClr>
+          </a:lnRef>
+          <a:fillRef idx="1">
+            <a:schemeClr val="accent1"/>
+          </a:fillRef>
+          <a:effectRef idx="0">
+            <a:schemeClr val="accent1"/>
+          </a:effectRef>
+          <a:fontRef idx="minor">
+            <a:schemeClr val="lt1"/>
+          </a:fontRef>
+        </p:style>
+        <p:txBody>
+          <a:bodyPr rtlCol="0" anchor="ctr"/>
+          <a:lstStyle/>
+          <a:p>
+            <a:pPr algn="ctr"/>
+            <a:r>
+              <a:rPr lang="en-US" altLang="zh-CN" b="1" dirty="0">
+                <a:solidFill>
+                  <a:schemeClr val="tx1"/>
+                </a:solidFill>
+              </a:rPr>
+              <a:t>B</a:t>
+            </a:r>
+            <a:endParaRPr lang="zh-CN" altLang="en-US" b="1" dirty="0">
+              <a:solidFill>
+                <a:schemeClr val="tx1"/>
+              </a:solidFill>
+            </a:endParaRPr>
+          </a:p>
+        </p:txBody>
+      </p:sp>
+      <p:cxnSp>
+        <p:nvCxnSpPr>
+          <p:cNvPr id="173" name="直接箭头连接符 172">
+            <a:extLst>
+              <a:ext uri="{FF2B5EF4-FFF2-40B4-BE49-F238E27FC236}">
+                <a16:creationId xmlns:a16="http://schemas.microsoft.com/office/drawing/2014/main" id="{C9E90466-C507-407D-AA9A-383910796BF9}"/>
+              </a:ext>
+            </a:extLst>
+          </p:cNvPr>
+          <p:cNvCxnSpPr>
+            <a:endCxn id="172" idx="2"/>
+          </p:cNvCxnSpPr>
+          <p:nvPr/>
+        </p:nvCxnSpPr>
+        <p:spPr>
+          <a:xfrm flipH="1" flipV="1">
+            <a:off x="7106967" y="754449"/>
+            <a:ext cx="4071" cy="467299"/>
+          </a:xfrm>
+          <a:prstGeom prst="straightConnector1">
+            <a:avLst/>
+          </a:prstGeom>
+          <a:ln w="25400">
+            <a:solidFill>
+              <a:schemeClr val="tx1"/>
+            </a:solidFill>
+            <a:tailEnd type="triangle"/>
+          </a:ln>
+        </p:spPr>
+        <p:style>
+          <a:lnRef idx="1">
+            <a:schemeClr val="accent1"/>
+          </a:lnRef>
+          <a:fillRef idx="0">
+            <a:schemeClr val="accent1"/>
+          </a:fillRef>
+          <a:effectRef idx="0">
+            <a:schemeClr val="accent1"/>
+          </a:effectRef>
+          <a:fontRef idx="minor">
+            <a:schemeClr val="tx1"/>
+          </a:fontRef>
+        </p:style>
+      </p:cxnSp>
+      <p:sp>
+        <p:nvSpPr>
+          <p:cNvPr id="174" name="菱形 173">
+            <a:extLst>
+              <a:ext uri="{FF2B5EF4-FFF2-40B4-BE49-F238E27FC236}">
+                <a16:creationId xmlns:a16="http://schemas.microsoft.com/office/drawing/2014/main" id="{632B1900-5481-4842-A6CC-2AA41DF89E6F}"/>
+              </a:ext>
+            </a:extLst>
+          </p:cNvPr>
+          <p:cNvSpPr/>
+          <p:nvPr/>
+        </p:nvSpPr>
+        <p:spPr>
+          <a:xfrm>
+            <a:off x="7850348" y="257973"/>
+            <a:ext cx="560933" cy="496476"/>
+          </a:xfrm>
+          <a:prstGeom prst="diamond">
+            <a:avLst/>
+          </a:prstGeom>
+          <a:solidFill>
+            <a:schemeClr val="accent1">
+              <a:lumMod val="60000"/>
+              <a:lumOff val="40000"/>
+            </a:schemeClr>
+          </a:solidFill>
+          <a:ln w="25400">
+            <a:solidFill>
+              <a:schemeClr val="tx1"/>
+            </a:solidFill>
+          </a:ln>
+        </p:spPr>
+        <p:style>
+          <a:lnRef idx="2">
+            <a:schemeClr val="accent1">
+              <a:shade val="50000"/>
+            </a:schemeClr>
+          </a:lnRef>
+          <a:fillRef idx="1">
+            <a:schemeClr val="accent1"/>
+          </a:fillRef>
+          <a:effectRef idx="0">
+            <a:schemeClr val="accent1"/>
+          </a:effectRef>
+          <a:fontRef idx="minor">
+            <a:schemeClr val="lt1"/>
+          </a:fontRef>
+        </p:style>
+        <p:txBody>
+          <a:bodyPr rtlCol="0" anchor="ctr"/>
+          <a:lstStyle/>
+          <a:p>
+            <a:pPr algn="ctr"/>
+            <a:r>
+              <a:rPr lang="en-US" altLang="zh-CN" b="1" dirty="0">
+                <a:solidFill>
+                  <a:schemeClr val="tx1"/>
+                </a:solidFill>
+              </a:rPr>
+              <a:t>O</a:t>
+            </a:r>
+            <a:endParaRPr lang="zh-CN" altLang="en-US" b="1" dirty="0">
+              <a:solidFill>
+                <a:schemeClr val="tx1"/>
+              </a:solidFill>
+            </a:endParaRPr>
+          </a:p>
+        </p:txBody>
+      </p:sp>
+      <p:cxnSp>
+        <p:nvCxnSpPr>
+          <p:cNvPr id="175" name="直接箭头连接符 174">
+            <a:extLst>
+              <a:ext uri="{FF2B5EF4-FFF2-40B4-BE49-F238E27FC236}">
+                <a16:creationId xmlns:a16="http://schemas.microsoft.com/office/drawing/2014/main" id="{3654670E-D686-4FA6-AE58-4801529323DB}"/>
+              </a:ext>
+            </a:extLst>
+          </p:cNvPr>
+          <p:cNvCxnSpPr>
+            <a:endCxn id="174" idx="2"/>
+          </p:cNvCxnSpPr>
+          <p:nvPr/>
+        </p:nvCxnSpPr>
+        <p:spPr>
+          <a:xfrm flipH="1" flipV="1">
+            <a:off x="8130815" y="754449"/>
+            <a:ext cx="4071" cy="467299"/>
+          </a:xfrm>
+          <a:prstGeom prst="straightConnector1">
+            <a:avLst/>
+          </a:prstGeom>
+          <a:ln w="25400">
+            <a:solidFill>
+              <a:schemeClr val="tx1"/>
+            </a:solidFill>
+            <a:tailEnd type="triangle"/>
+          </a:ln>
+        </p:spPr>
+        <p:style>
+          <a:lnRef idx="1">
+            <a:schemeClr val="accent1"/>
+          </a:lnRef>
+          <a:fillRef idx="0">
+            <a:schemeClr val="accent1"/>
+          </a:fillRef>
+          <a:effectRef idx="0">
+            <a:schemeClr val="accent1"/>
+          </a:effectRef>
+          <a:fontRef idx="minor">
+            <a:schemeClr val="tx1"/>
+          </a:fontRef>
+        </p:style>
+      </p:cxnSp>
+      <p:sp>
+        <p:nvSpPr>
+          <p:cNvPr id="176" name="菱形 175">
+            <a:extLst>
+              <a:ext uri="{FF2B5EF4-FFF2-40B4-BE49-F238E27FC236}">
+                <a16:creationId xmlns:a16="http://schemas.microsoft.com/office/drawing/2014/main" id="{6B3F4161-8B9D-45DB-BBE8-42A4B750B752}"/>
+              </a:ext>
+            </a:extLst>
+          </p:cNvPr>
+          <p:cNvSpPr/>
+          <p:nvPr/>
+        </p:nvSpPr>
+        <p:spPr>
+          <a:xfrm>
+            <a:off x="8694662" y="257973"/>
+            <a:ext cx="560933" cy="496476"/>
+          </a:xfrm>
+          <a:prstGeom prst="diamond">
+            <a:avLst/>
+          </a:prstGeom>
+          <a:solidFill>
+            <a:schemeClr val="accent1">
+              <a:lumMod val="60000"/>
+              <a:lumOff val="40000"/>
+            </a:schemeClr>
+          </a:solidFill>
+          <a:ln w="25400">
+            <a:solidFill>
+              <a:schemeClr val="tx1"/>
+            </a:solidFill>
+          </a:ln>
+        </p:spPr>
+        <p:style>
+          <a:lnRef idx="2">
+            <a:schemeClr val="accent1">
+              <a:shade val="50000"/>
+            </a:schemeClr>
+          </a:lnRef>
+          <a:fillRef idx="1">
+            <a:schemeClr val="accent1"/>
+          </a:fillRef>
+          <a:effectRef idx="0">
+            <a:schemeClr val="accent1"/>
+          </a:effectRef>
+          <a:fontRef idx="minor">
+            <a:schemeClr val="lt1"/>
+          </a:fontRef>
+        </p:style>
+        <p:txBody>
+          <a:bodyPr rtlCol="0" anchor="ctr"/>
+          <a:lstStyle/>
+          <a:p>
+            <a:pPr algn="ctr"/>
+            <a:r>
+              <a:rPr lang="en-US" altLang="zh-CN" b="1" dirty="0">
+                <a:solidFill>
+                  <a:schemeClr val="tx1"/>
+                </a:solidFill>
+              </a:rPr>
+              <a:t>O</a:t>
+            </a:r>
+            <a:endParaRPr lang="zh-CN" altLang="en-US" b="1" dirty="0">
+              <a:solidFill>
+                <a:schemeClr val="tx1"/>
+              </a:solidFill>
+            </a:endParaRPr>
+          </a:p>
+        </p:txBody>
+      </p:sp>
+      <p:cxnSp>
+        <p:nvCxnSpPr>
+          <p:cNvPr id="177" name="直接箭头连接符 176">
+            <a:extLst>
+              <a:ext uri="{FF2B5EF4-FFF2-40B4-BE49-F238E27FC236}">
+                <a16:creationId xmlns:a16="http://schemas.microsoft.com/office/drawing/2014/main" id="{82F56962-7645-4125-A59B-5BF555CCEFCC}"/>
+              </a:ext>
+            </a:extLst>
+          </p:cNvPr>
+          <p:cNvCxnSpPr>
+            <a:endCxn id="176" idx="2"/>
+          </p:cNvCxnSpPr>
+          <p:nvPr/>
+        </p:nvCxnSpPr>
+        <p:spPr>
+          <a:xfrm flipH="1" flipV="1">
+            <a:off x="8975129" y="754449"/>
+            <a:ext cx="4071" cy="467299"/>
+          </a:xfrm>
+          <a:prstGeom prst="straightConnector1">
+            <a:avLst/>
+          </a:prstGeom>
+          <a:ln w="25400">
+            <a:solidFill>
+              <a:schemeClr val="tx1"/>
+            </a:solidFill>
+            <a:tailEnd type="triangle"/>
+          </a:ln>
+        </p:spPr>
+        <p:style>
+          <a:lnRef idx="1">
+            <a:schemeClr val="accent1"/>
+          </a:lnRef>
+          <a:fillRef idx="0">
+            <a:schemeClr val="accent1"/>
+          </a:fillRef>
+          <a:effectRef idx="0">
+            <a:schemeClr val="accent1"/>
+          </a:effectRef>
+          <a:fontRef idx="minor">
+            <a:schemeClr val="tx1"/>
+          </a:fontRef>
+        </p:style>
+      </p:cxnSp>
+      <p:cxnSp>
+        <p:nvCxnSpPr>
+          <p:cNvPr id="179" name="直接连接符 178">
+            <a:extLst>
+              <a:ext uri="{FF2B5EF4-FFF2-40B4-BE49-F238E27FC236}">
+                <a16:creationId xmlns:a16="http://schemas.microsoft.com/office/drawing/2014/main" id="{37A4A6E8-439B-4F09-9513-36796AFC3431}"/>
+              </a:ext>
+            </a:extLst>
+          </p:cNvPr>
+          <p:cNvCxnSpPr>
+            <a:stCxn id="142" idx="3"/>
+            <a:endCxn id="166" idx="1"/>
+          </p:cNvCxnSpPr>
+          <p:nvPr/>
+        </p:nvCxnSpPr>
+        <p:spPr>
+          <a:xfrm>
+            <a:off x="3460885" y="512547"/>
+            <a:ext cx="418628" cy="0"/>
+          </a:xfrm>
+          <a:prstGeom prst="line">
+            <a:avLst/>
+          </a:prstGeom>
+          <a:ln w="25400">
+            <a:solidFill>
+              <a:schemeClr val="tx1"/>
+            </a:solidFill>
+          </a:ln>
+        </p:spPr>
+        <p:style>
+          <a:lnRef idx="1">
+            <a:schemeClr val="accent1"/>
+          </a:lnRef>
+          <a:fillRef idx="0">
+            <a:schemeClr val="accent1"/>
+          </a:fillRef>
+          <a:effectRef idx="0">
+            <a:schemeClr val="accent1"/>
+          </a:effectRef>
+          <a:fontRef idx="minor">
+            <a:schemeClr val="tx1"/>
+          </a:fontRef>
+        </p:style>
+      </p:cxnSp>
+      <p:cxnSp>
+        <p:nvCxnSpPr>
+          <p:cNvPr id="181" name="直接连接符 180">
+            <a:extLst>
+              <a:ext uri="{FF2B5EF4-FFF2-40B4-BE49-F238E27FC236}">
+                <a16:creationId xmlns:a16="http://schemas.microsoft.com/office/drawing/2014/main" id="{24CD86EE-EAA4-4BA9-8849-94E8A8BBDE00}"/>
+              </a:ext>
+            </a:extLst>
+          </p:cNvPr>
+          <p:cNvCxnSpPr>
+            <a:stCxn id="166" idx="3"/>
+            <a:endCxn id="168" idx="1"/>
+          </p:cNvCxnSpPr>
+          <p:nvPr/>
+        </p:nvCxnSpPr>
+        <p:spPr>
+          <a:xfrm flipV="1">
+            <a:off x="4440446" y="510414"/>
+            <a:ext cx="462601" cy="2133"/>
+          </a:xfrm>
+          <a:prstGeom prst="line">
+            <a:avLst/>
+          </a:prstGeom>
+          <a:ln w="25400">
+            <a:solidFill>
+              <a:schemeClr val="tx1"/>
+            </a:solidFill>
+          </a:ln>
+        </p:spPr>
+        <p:style>
+          <a:lnRef idx="1">
+            <a:schemeClr val="accent1"/>
+          </a:lnRef>
+          <a:fillRef idx="0">
+            <a:schemeClr val="accent1"/>
+          </a:fillRef>
+          <a:effectRef idx="0">
+            <a:schemeClr val="accent1"/>
+          </a:effectRef>
+          <a:fontRef idx="minor">
+            <a:schemeClr val="tx1"/>
+          </a:fontRef>
+        </p:style>
+      </p:cxnSp>
+      <p:cxnSp>
+        <p:nvCxnSpPr>
+          <p:cNvPr id="183" name="直接连接符 182">
+            <a:extLst>
+              <a:ext uri="{FF2B5EF4-FFF2-40B4-BE49-F238E27FC236}">
+                <a16:creationId xmlns:a16="http://schemas.microsoft.com/office/drawing/2014/main" id="{94388EBE-9B92-4B1B-B44F-78C78DD8DE15}"/>
+              </a:ext>
+            </a:extLst>
+          </p:cNvPr>
+          <p:cNvCxnSpPr>
+            <a:stCxn id="168" idx="3"/>
+            <a:endCxn id="170" idx="1"/>
+          </p:cNvCxnSpPr>
+          <p:nvPr/>
+        </p:nvCxnSpPr>
+        <p:spPr>
+          <a:xfrm flipV="1">
+            <a:off x="5463980" y="506211"/>
+            <a:ext cx="382959" cy="4203"/>
+          </a:xfrm>
+          <a:prstGeom prst="line">
+            <a:avLst/>
+          </a:prstGeom>
+          <a:ln w="25400">
+            <a:solidFill>
+              <a:schemeClr val="tx1"/>
+            </a:solidFill>
+          </a:ln>
+        </p:spPr>
+        <p:style>
+          <a:lnRef idx="1">
+            <a:schemeClr val="accent1"/>
+          </a:lnRef>
+          <a:fillRef idx="0">
+            <a:schemeClr val="accent1"/>
+          </a:fillRef>
+          <a:effectRef idx="0">
+            <a:schemeClr val="accent1"/>
+          </a:effectRef>
+          <a:fontRef idx="minor">
+            <a:schemeClr val="tx1"/>
+          </a:fontRef>
+        </p:style>
+      </p:cxnSp>
+      <p:cxnSp>
+        <p:nvCxnSpPr>
+          <p:cNvPr id="185" name="直接连接符 184">
+            <a:extLst>
+              <a:ext uri="{FF2B5EF4-FFF2-40B4-BE49-F238E27FC236}">
+                <a16:creationId xmlns:a16="http://schemas.microsoft.com/office/drawing/2014/main" id="{D41EEDD9-2137-4E92-B624-6D029EEC58A6}"/>
+              </a:ext>
+            </a:extLst>
+          </p:cNvPr>
+          <p:cNvCxnSpPr>
+            <a:stCxn id="170" idx="3"/>
+            <a:endCxn id="172" idx="1"/>
+          </p:cNvCxnSpPr>
+          <p:nvPr/>
+        </p:nvCxnSpPr>
+        <p:spPr>
+          <a:xfrm>
+            <a:off x="6407872" y="506211"/>
+            <a:ext cx="418628" cy="0"/>
+          </a:xfrm>
+          <a:prstGeom prst="line">
+            <a:avLst/>
+          </a:prstGeom>
+          <a:ln w="25400">
+            <a:solidFill>
+              <a:schemeClr val="tx1"/>
+            </a:solidFill>
+          </a:ln>
+        </p:spPr>
+        <p:style>
+          <a:lnRef idx="1">
+            <a:schemeClr val="accent1"/>
+          </a:lnRef>
+          <a:fillRef idx="0">
+            <a:schemeClr val="accent1"/>
+          </a:fillRef>
+          <a:effectRef idx="0">
+            <a:schemeClr val="accent1"/>
+          </a:effectRef>
+          <a:fontRef idx="minor">
+            <a:schemeClr val="tx1"/>
+          </a:fontRef>
+        </p:style>
+      </p:cxnSp>
+      <p:cxnSp>
+        <p:nvCxnSpPr>
+          <p:cNvPr id="189" name="直接连接符 188">
+            <a:extLst>
+              <a:ext uri="{FF2B5EF4-FFF2-40B4-BE49-F238E27FC236}">
+                <a16:creationId xmlns:a16="http://schemas.microsoft.com/office/drawing/2014/main" id="{27DE4F0B-7CD5-4F8A-BDCB-5731C540F249}"/>
+              </a:ext>
+            </a:extLst>
+          </p:cNvPr>
+          <p:cNvCxnSpPr>
+            <a:stCxn id="172" idx="3"/>
+            <a:endCxn id="174" idx="1"/>
+          </p:cNvCxnSpPr>
+          <p:nvPr/>
+        </p:nvCxnSpPr>
+        <p:spPr>
+          <a:xfrm>
+            <a:off x="7387433" y="506211"/>
+            <a:ext cx="462915" cy="0"/>
+          </a:xfrm>
+          <a:prstGeom prst="line">
+            <a:avLst/>
+          </a:prstGeom>
+          <a:ln w="25400">
+            <a:solidFill>
+              <a:schemeClr val="tx1"/>
+            </a:solidFill>
+          </a:ln>
+        </p:spPr>
+        <p:style>
+          <a:lnRef idx="1">
+            <a:schemeClr val="accent1"/>
+          </a:lnRef>
+          <a:fillRef idx="0">
+            <a:schemeClr val="accent1"/>
+          </a:fillRef>
+          <a:effectRef idx="0">
+            <a:schemeClr val="accent1"/>
+          </a:effectRef>
+          <a:fontRef idx="minor">
+            <a:schemeClr val="tx1"/>
+          </a:fontRef>
+        </p:style>
+      </p:cxnSp>
+      <p:cxnSp>
+        <p:nvCxnSpPr>
+          <p:cNvPr id="191" name="直接连接符 190">
+            <a:extLst>
+              <a:ext uri="{FF2B5EF4-FFF2-40B4-BE49-F238E27FC236}">
+                <a16:creationId xmlns:a16="http://schemas.microsoft.com/office/drawing/2014/main" id="{E2312760-6708-460D-ACEC-4B16558DEEB7}"/>
+              </a:ext>
+            </a:extLst>
+          </p:cNvPr>
+          <p:cNvCxnSpPr>
+            <a:stCxn id="174" idx="3"/>
+            <a:endCxn id="176" idx="1"/>
+          </p:cNvCxnSpPr>
+          <p:nvPr/>
+        </p:nvCxnSpPr>
+        <p:spPr>
+          <a:xfrm>
+            <a:off x="8411281" y="506211"/>
+            <a:ext cx="283381" cy="0"/>
+          </a:xfrm>
+          <a:prstGeom prst="line">
+            <a:avLst/>
+          </a:prstGeom>
+          <a:ln w="25400">
+            <a:solidFill>
+              <a:schemeClr val="tx1"/>
+            </a:solidFill>
+          </a:ln>
+        </p:spPr>
+        <p:style>
+          <a:lnRef idx="1">
+            <a:schemeClr val="accent1"/>
+          </a:lnRef>
+          <a:fillRef idx="0">
+            <a:schemeClr val="accent1"/>
+          </a:fillRef>
+          <a:effectRef idx="0">
+            <a:schemeClr val="accent1"/>
+          </a:effectRef>
+          <a:fontRef idx="minor">
+            <a:schemeClr val="tx1"/>
+          </a:fontRef>
+        </p:style>
+      </p:cxnSp>
+      <mc:AlternateContent xmlns:mc="http://schemas.openxmlformats.org/markup-compatibility/2006">
+        <mc:Choice xmlns:a14="http://schemas.microsoft.com/office/drawing/2010/main" Requires="a14">
+          <p:sp>
+            <p:nvSpPr>
+              <p:cNvPr id="194" name="文本框 193">
+                <a:extLst>
+                  <a:ext uri="{FF2B5EF4-FFF2-40B4-BE49-F238E27FC236}">
+                    <a16:creationId xmlns:a16="http://schemas.microsoft.com/office/drawing/2014/main" id="{23FABC89-2BB2-476D-8A32-EF018D8F916C}"/>
+                  </a:ext>
+                </a:extLst>
+              </p:cNvPr>
+              <p:cNvSpPr txBox="1"/>
+              <p:nvPr/>
+            </p:nvSpPr>
+            <p:spPr>
+              <a:xfrm>
+                <a:off x="3707952" y="2696830"/>
+                <a:ext cx="483719" cy="381515"/>
+              </a:xfrm>
+              <a:prstGeom prst="rect">
+                <a:avLst/>
+              </a:prstGeom>
+              <a:noFill/>
+            </p:spPr>
+            <p:txBody>
+              <a:bodyPr wrap="square" rtlCol="0">
+                <a:spAutoFit/>
+              </a:bodyPr>
+              <a:lstStyle/>
+              <a:p>
+                <a14:m>
+                  <m:oMathPara xmlns:m="http://schemas.openxmlformats.org/officeDocument/2006/math">
+                    <m:oMathParaPr>
+                      <m:jc m:val="centerGroup"/>
+                    </m:oMathParaPr>
+                    <m:oMath xmlns:m="http://schemas.openxmlformats.org/officeDocument/2006/math">
+                      <m:sSub>
+                        <m:sSubPr>
+                          <m:ctrlPr>
+                            <a:rPr lang="en-US" altLang="zh-CN" i="1" smtClean="0">
+                              <a:latin typeface="Cambria Math" panose="02040503050406030204" pitchFamily="18" charset="0"/>
+                            </a:rPr>
+                          </m:ctrlPr>
+                        </m:sSubPr>
+                        <m:e>
+                          <m:r>
+                            <m:rPr>
+                              <m:sty m:val="p"/>
+                            </m:rPr>
+                            <a:rPr lang="en-US" altLang="zh-CN" i="1">
+                              <a:latin typeface="Cambria Math" panose="02040503050406030204" pitchFamily="18" charset="0"/>
+                            </a:rPr>
+                            <m:t>α</m:t>
+                          </m:r>
+                        </m:e>
+                        <m:sub>
+                          <m:r>
+                            <a:rPr lang="en-US" altLang="zh-CN" i="1">
+                              <a:latin typeface="Cambria Math" panose="02040503050406030204" pitchFamily="18" charset="0"/>
+                            </a:rPr>
+                            <m:t>5</m:t>
+                          </m:r>
+                          <m:r>
+                            <a:rPr lang="en-US" altLang="zh-CN" b="0" i="1" smtClean="0">
+                              <a:latin typeface="Cambria Math" panose="02040503050406030204" pitchFamily="18" charset="0"/>
+                            </a:rPr>
+                            <m:t>,1</m:t>
+                          </m:r>
+                        </m:sub>
+                      </m:sSub>
+                    </m:oMath>
+                  </m:oMathPara>
+                </a14:m>
+                <a:endParaRPr lang="zh-CN" altLang="en-US" dirty="0"/>
+              </a:p>
+            </p:txBody>
+          </p:sp>
+        </mc:Choice>
+        <mc:Fallback>
+          <p:sp>
+            <p:nvSpPr>
+              <p:cNvPr id="194" name="文本框 193">
+                <a:extLst>
+                  <a:ext uri="{FF2B5EF4-FFF2-40B4-BE49-F238E27FC236}">
+                    <a16:creationId xmlns:a16="http://schemas.microsoft.com/office/drawing/2014/main" id="{23FABC89-2BB2-476D-8A32-EF018D8F916C}"/>
+                  </a:ext>
+                </a:extLst>
+              </p:cNvPr>
+              <p:cNvSpPr txBox="1">
+                <a:spLocks noRot="1" noChangeAspect="1" noMove="1" noResize="1" noEditPoints="1" noAdjustHandles="1" noChangeArrowheads="1" noChangeShapeType="1" noTextEdit="1"/>
+              </p:cNvSpPr>
+              <p:nvPr/>
+            </p:nvSpPr>
+            <p:spPr>
+              <a:xfrm>
+                <a:off x="3707952" y="2696830"/>
+                <a:ext cx="483719" cy="381515"/>
+              </a:xfrm>
+              <a:prstGeom prst="rect">
+                <a:avLst/>
+              </a:prstGeom>
+              <a:blipFill>
+                <a:blip r:embed="rId24"/>
+                <a:stretch>
+                  <a:fillRect r="-6250"/>
+                </a:stretch>
+              </a:blipFill>
+            </p:spPr>
+            <p:txBody>
+              <a:bodyPr/>
+              <a:lstStyle/>
+              <a:p>
+                <a:r>
+                  <a:rPr lang="zh-CN" altLang="en-US">
+                    <a:noFill/>
+                  </a:rPr>
+                  <a:t> </a:t>
+                </a:r>
+              </a:p>
+            </p:txBody>
+          </p:sp>
+        </mc:Fallback>
+      </mc:AlternateContent>
+      <mc:AlternateContent xmlns:mc="http://schemas.openxmlformats.org/markup-compatibility/2006">
+        <mc:Choice xmlns:a14="http://schemas.microsoft.com/office/drawing/2010/main" Requires="a14">
+          <p:sp>
+            <p:nvSpPr>
+              <p:cNvPr id="195" name="文本框 194">
+                <a:extLst>
+                  <a:ext uri="{FF2B5EF4-FFF2-40B4-BE49-F238E27FC236}">
+                    <a16:creationId xmlns:a16="http://schemas.microsoft.com/office/drawing/2014/main" id="{B323498B-97BB-4EC3-8590-A3798CFF3FD9}"/>
+                  </a:ext>
+                </a:extLst>
+              </p:cNvPr>
+              <p:cNvSpPr txBox="1"/>
+              <p:nvPr/>
+            </p:nvSpPr>
+            <p:spPr>
+              <a:xfrm>
+                <a:off x="4560269" y="2700057"/>
+                <a:ext cx="483719" cy="381515"/>
+              </a:xfrm>
+              <a:prstGeom prst="rect">
+                <a:avLst/>
+              </a:prstGeom>
+              <a:noFill/>
+            </p:spPr>
+            <p:txBody>
+              <a:bodyPr wrap="square" rtlCol="0">
+                <a:spAutoFit/>
+              </a:bodyPr>
+              <a:lstStyle/>
+              <a:p>
+                <a14:m>
+                  <m:oMathPara xmlns:m="http://schemas.openxmlformats.org/officeDocument/2006/math">
+                    <m:oMathParaPr>
+                      <m:jc m:val="centerGroup"/>
+                    </m:oMathParaPr>
+                    <m:oMath xmlns:m="http://schemas.openxmlformats.org/officeDocument/2006/math">
+                      <m:sSub>
+                        <m:sSubPr>
+                          <m:ctrlPr>
+                            <a:rPr lang="en-US" altLang="zh-CN" i="1" smtClean="0">
+                              <a:latin typeface="Cambria Math" panose="02040503050406030204" pitchFamily="18" charset="0"/>
+                            </a:rPr>
+                          </m:ctrlPr>
+                        </m:sSubPr>
+                        <m:e>
+                          <m:r>
+                            <m:rPr>
+                              <m:sty m:val="p"/>
+                            </m:rPr>
+                            <a:rPr lang="en-US" altLang="zh-CN" i="1">
+                              <a:latin typeface="Cambria Math" panose="02040503050406030204" pitchFamily="18" charset="0"/>
+                            </a:rPr>
+                            <m:t>α</m:t>
+                          </m:r>
+                        </m:e>
+                        <m:sub>
+                          <m:r>
+                            <a:rPr lang="en-US" altLang="zh-CN" i="1">
+                              <a:latin typeface="Cambria Math" panose="02040503050406030204" pitchFamily="18" charset="0"/>
+                            </a:rPr>
+                            <m:t>5</m:t>
+                          </m:r>
+                          <m:r>
+                            <a:rPr lang="en-US" altLang="zh-CN" b="0" i="1" smtClean="0">
+                              <a:latin typeface="Cambria Math" panose="02040503050406030204" pitchFamily="18" charset="0"/>
+                            </a:rPr>
+                            <m:t>,2</m:t>
+                          </m:r>
+                        </m:sub>
+                      </m:sSub>
+                    </m:oMath>
+                  </m:oMathPara>
+                </a14:m>
+                <a:endParaRPr lang="zh-CN" altLang="en-US" dirty="0"/>
+              </a:p>
+            </p:txBody>
+          </p:sp>
+        </mc:Choice>
+        <mc:Fallback>
+          <p:sp>
+            <p:nvSpPr>
+              <p:cNvPr id="195" name="文本框 194">
+                <a:extLst>
+                  <a:ext uri="{FF2B5EF4-FFF2-40B4-BE49-F238E27FC236}">
+                    <a16:creationId xmlns:a16="http://schemas.microsoft.com/office/drawing/2014/main" id="{B323498B-97BB-4EC3-8590-A3798CFF3FD9}"/>
+                  </a:ext>
+                </a:extLst>
+              </p:cNvPr>
+              <p:cNvSpPr txBox="1">
+                <a:spLocks noRot="1" noChangeAspect="1" noMove="1" noResize="1" noEditPoints="1" noAdjustHandles="1" noChangeArrowheads="1" noChangeShapeType="1" noTextEdit="1"/>
+              </p:cNvSpPr>
+              <p:nvPr/>
+            </p:nvSpPr>
+            <p:spPr>
+              <a:xfrm>
+                <a:off x="4560269" y="2700057"/>
+                <a:ext cx="483719" cy="381515"/>
+              </a:xfrm>
+              <a:prstGeom prst="rect">
+                <a:avLst/>
+              </a:prstGeom>
+              <a:blipFill>
+                <a:blip r:embed="rId25"/>
+                <a:stretch>
+                  <a:fillRect r="-7595"/>
+                </a:stretch>
+              </a:blipFill>
+            </p:spPr>
+            <p:txBody>
+              <a:bodyPr/>
+              <a:lstStyle/>
+              <a:p>
+                <a:r>
+                  <a:rPr lang="zh-CN" altLang="en-US">
+                    <a:noFill/>
+                  </a:rPr>
+                  <a:t> </a:t>
+                </a:r>
+              </a:p>
+            </p:txBody>
+          </p:sp>
+        </mc:Fallback>
+      </mc:AlternateContent>
+      <mc:AlternateContent xmlns:mc="http://schemas.openxmlformats.org/markup-compatibility/2006">
+        <mc:Choice xmlns:a14="http://schemas.microsoft.com/office/drawing/2010/main" Requires="a14">
+          <p:sp>
+            <p:nvSpPr>
+              <p:cNvPr id="196" name="文本框 195">
+                <a:extLst>
+                  <a:ext uri="{FF2B5EF4-FFF2-40B4-BE49-F238E27FC236}">
+                    <a16:creationId xmlns:a16="http://schemas.microsoft.com/office/drawing/2014/main" id="{F045B7CB-32DC-47CC-AF8C-81CC63C30205}"/>
+                  </a:ext>
+                </a:extLst>
+              </p:cNvPr>
+              <p:cNvSpPr txBox="1"/>
+              <p:nvPr/>
+            </p:nvSpPr>
+            <p:spPr>
+              <a:xfrm>
+                <a:off x="5384676" y="2698183"/>
+                <a:ext cx="483719" cy="381515"/>
+              </a:xfrm>
+              <a:prstGeom prst="rect">
+                <a:avLst/>
+              </a:prstGeom>
+              <a:noFill/>
+            </p:spPr>
+            <p:txBody>
+              <a:bodyPr wrap="square" rtlCol="0">
+                <a:spAutoFit/>
+              </a:bodyPr>
+              <a:lstStyle/>
+              <a:p>
+                <a14:m>
+                  <m:oMathPara xmlns:m="http://schemas.openxmlformats.org/officeDocument/2006/math">
+                    <m:oMathParaPr>
+                      <m:jc m:val="centerGroup"/>
+                    </m:oMathParaPr>
+                    <m:oMath xmlns:m="http://schemas.openxmlformats.org/officeDocument/2006/math">
+                      <m:sSub>
+                        <m:sSubPr>
+                          <m:ctrlPr>
+                            <a:rPr lang="en-US" altLang="zh-CN" i="1" smtClean="0">
+                              <a:latin typeface="Cambria Math" panose="02040503050406030204" pitchFamily="18" charset="0"/>
+                            </a:rPr>
+                          </m:ctrlPr>
+                        </m:sSubPr>
+                        <m:e>
+                          <m:r>
+                            <m:rPr>
+                              <m:sty m:val="p"/>
+                            </m:rPr>
+                            <a:rPr lang="en-US" altLang="zh-CN" i="1">
+                              <a:latin typeface="Cambria Math" panose="02040503050406030204" pitchFamily="18" charset="0"/>
+                            </a:rPr>
+                            <m:t>α</m:t>
+                          </m:r>
+                        </m:e>
+                        <m:sub>
+                          <m:r>
+                            <a:rPr lang="en-US" altLang="zh-CN" i="1">
+                              <a:latin typeface="Cambria Math" panose="02040503050406030204" pitchFamily="18" charset="0"/>
+                            </a:rPr>
+                            <m:t>5</m:t>
+                          </m:r>
+                          <m:r>
+                            <a:rPr lang="en-US" altLang="zh-CN" b="0" i="1" smtClean="0">
+                              <a:latin typeface="Cambria Math" panose="02040503050406030204" pitchFamily="18" charset="0"/>
+                            </a:rPr>
+                            <m:t>,3</m:t>
+                          </m:r>
+                        </m:sub>
+                      </m:sSub>
+                    </m:oMath>
+                  </m:oMathPara>
+                </a14:m>
+                <a:endParaRPr lang="zh-CN" altLang="en-US" dirty="0"/>
+              </a:p>
+            </p:txBody>
+          </p:sp>
+        </mc:Choice>
+        <mc:Fallback>
+          <p:sp>
+            <p:nvSpPr>
+              <p:cNvPr id="196" name="文本框 195">
+                <a:extLst>
+                  <a:ext uri="{FF2B5EF4-FFF2-40B4-BE49-F238E27FC236}">
+                    <a16:creationId xmlns:a16="http://schemas.microsoft.com/office/drawing/2014/main" id="{F045B7CB-32DC-47CC-AF8C-81CC63C30205}"/>
+                  </a:ext>
+                </a:extLst>
+              </p:cNvPr>
+              <p:cNvSpPr txBox="1">
+                <a:spLocks noRot="1" noChangeAspect="1" noMove="1" noResize="1" noEditPoints="1" noAdjustHandles="1" noChangeArrowheads="1" noChangeShapeType="1" noTextEdit="1"/>
+              </p:cNvSpPr>
+              <p:nvPr/>
+            </p:nvSpPr>
+            <p:spPr>
+              <a:xfrm>
+                <a:off x="5384676" y="2698183"/>
+                <a:ext cx="483719" cy="381515"/>
+              </a:xfrm>
+              <a:prstGeom prst="rect">
+                <a:avLst/>
+              </a:prstGeom>
+              <a:blipFill>
+                <a:blip r:embed="rId26"/>
+                <a:stretch>
+                  <a:fillRect r="-6250"/>
+                </a:stretch>
+              </a:blipFill>
+            </p:spPr>
+            <p:txBody>
+              <a:bodyPr/>
+              <a:lstStyle/>
+              <a:p>
+                <a:r>
+                  <a:rPr lang="zh-CN" altLang="en-US">
+                    <a:noFill/>
+                  </a:rPr>
+                  <a:t> </a:t>
+                </a:r>
+              </a:p>
+            </p:txBody>
+          </p:sp>
+        </mc:Fallback>
+      </mc:AlternateContent>
+      <mc:AlternateContent xmlns:mc="http://schemas.openxmlformats.org/markup-compatibility/2006">
+        <mc:Choice xmlns:a14="http://schemas.microsoft.com/office/drawing/2010/main" Requires="a14">
+          <p:sp>
+            <p:nvSpPr>
+              <p:cNvPr id="197" name="文本框 196">
+                <a:extLst>
+                  <a:ext uri="{FF2B5EF4-FFF2-40B4-BE49-F238E27FC236}">
+                    <a16:creationId xmlns:a16="http://schemas.microsoft.com/office/drawing/2014/main" id="{959C7A91-E3A0-446D-9D2F-4389F5D78FEF}"/>
+                  </a:ext>
+                </a:extLst>
+              </p:cNvPr>
+              <p:cNvSpPr txBox="1"/>
+              <p:nvPr/>
+            </p:nvSpPr>
+            <p:spPr>
+              <a:xfrm>
+                <a:off x="5990045" y="2690494"/>
+                <a:ext cx="483719" cy="381515"/>
+              </a:xfrm>
+              <a:prstGeom prst="rect">
+                <a:avLst/>
+              </a:prstGeom>
+              <a:noFill/>
+            </p:spPr>
+            <p:txBody>
+              <a:bodyPr wrap="square" rtlCol="0">
+                <a:spAutoFit/>
+              </a:bodyPr>
+              <a:lstStyle/>
+              <a:p>
+                <a14:m>
+                  <m:oMathPara xmlns:m="http://schemas.openxmlformats.org/officeDocument/2006/math">
+                    <m:oMathParaPr>
+                      <m:jc m:val="centerGroup"/>
+                    </m:oMathParaPr>
+                    <m:oMath xmlns:m="http://schemas.openxmlformats.org/officeDocument/2006/math">
+                      <m:sSub>
+                        <m:sSubPr>
+                          <m:ctrlPr>
+                            <a:rPr lang="en-US" altLang="zh-CN" i="1" smtClean="0">
+                              <a:latin typeface="Cambria Math" panose="02040503050406030204" pitchFamily="18" charset="0"/>
+                            </a:rPr>
+                          </m:ctrlPr>
+                        </m:sSubPr>
+                        <m:e>
+                          <m:r>
+                            <m:rPr>
+                              <m:sty m:val="p"/>
+                            </m:rPr>
+                            <a:rPr lang="en-US" altLang="zh-CN" i="1">
+                              <a:latin typeface="Cambria Math" panose="02040503050406030204" pitchFamily="18" charset="0"/>
+                            </a:rPr>
+                            <m:t>α</m:t>
+                          </m:r>
+                        </m:e>
+                        <m:sub>
+                          <m:r>
+                            <a:rPr lang="en-US" altLang="zh-CN" i="1">
+                              <a:latin typeface="Cambria Math" panose="02040503050406030204" pitchFamily="18" charset="0"/>
+                            </a:rPr>
+                            <m:t>5</m:t>
+                          </m:r>
+                          <m:r>
+                            <a:rPr lang="en-US" altLang="zh-CN" b="0" i="1" smtClean="0">
+                              <a:latin typeface="Cambria Math" panose="02040503050406030204" pitchFamily="18" charset="0"/>
+                            </a:rPr>
+                            <m:t>,4</m:t>
+                          </m:r>
+                        </m:sub>
+                      </m:sSub>
+                    </m:oMath>
+                  </m:oMathPara>
+                </a14:m>
+                <a:endParaRPr lang="zh-CN" altLang="en-US" dirty="0"/>
+              </a:p>
+            </p:txBody>
+          </p:sp>
+        </mc:Choice>
+        <mc:Fallback>
+          <p:sp>
+            <p:nvSpPr>
+              <p:cNvPr id="197" name="文本框 196">
+                <a:extLst>
+                  <a:ext uri="{FF2B5EF4-FFF2-40B4-BE49-F238E27FC236}">
+                    <a16:creationId xmlns:a16="http://schemas.microsoft.com/office/drawing/2014/main" id="{959C7A91-E3A0-446D-9D2F-4389F5D78FEF}"/>
+                  </a:ext>
+                </a:extLst>
+              </p:cNvPr>
+              <p:cNvSpPr txBox="1">
+                <a:spLocks noRot="1" noChangeAspect="1" noMove="1" noResize="1" noEditPoints="1" noAdjustHandles="1" noChangeArrowheads="1" noChangeShapeType="1" noTextEdit="1"/>
+              </p:cNvSpPr>
+              <p:nvPr/>
+            </p:nvSpPr>
+            <p:spPr>
+              <a:xfrm>
+                <a:off x="5990045" y="2690494"/>
+                <a:ext cx="483719" cy="381515"/>
+              </a:xfrm>
+              <a:prstGeom prst="rect">
+                <a:avLst/>
+              </a:prstGeom>
+              <a:blipFill>
+                <a:blip r:embed="rId27"/>
+                <a:stretch>
+                  <a:fillRect r="-6329"/>
+                </a:stretch>
+              </a:blipFill>
+            </p:spPr>
+            <p:txBody>
+              <a:bodyPr/>
+              <a:lstStyle/>
+              <a:p>
+                <a:r>
+                  <a:rPr lang="zh-CN" altLang="en-US">
+                    <a:noFill/>
+                  </a:rPr>
+                  <a:t> </a:t>
+                </a:r>
+              </a:p>
+            </p:txBody>
+          </p:sp>
+        </mc:Fallback>
+      </mc:AlternateContent>
+      <mc:AlternateContent xmlns:mc="http://schemas.openxmlformats.org/markup-compatibility/2006">
+        <mc:Choice xmlns:a14="http://schemas.microsoft.com/office/drawing/2010/main" Requires="a14">
+          <p:sp>
+            <p:nvSpPr>
+              <p:cNvPr id="198" name="文本框 197">
+                <a:extLst>
+                  <a:ext uri="{FF2B5EF4-FFF2-40B4-BE49-F238E27FC236}">
+                    <a16:creationId xmlns:a16="http://schemas.microsoft.com/office/drawing/2014/main" id="{957594BC-7EF7-40AD-B23F-037E4E7A6527}"/>
+                  </a:ext>
+                </a:extLst>
+              </p:cNvPr>
+              <p:cNvSpPr txBox="1"/>
+              <p:nvPr/>
+            </p:nvSpPr>
+            <p:spPr>
+              <a:xfrm>
+                <a:off x="6529873" y="2699910"/>
+                <a:ext cx="483719" cy="381515"/>
+              </a:xfrm>
+              <a:prstGeom prst="rect">
+                <a:avLst/>
+              </a:prstGeom>
+              <a:noFill/>
+            </p:spPr>
+            <p:txBody>
+              <a:bodyPr wrap="square" rtlCol="0">
+                <a:spAutoFit/>
+              </a:bodyPr>
+              <a:lstStyle/>
+              <a:p>
+                <a14:m>
+                  <m:oMathPara xmlns:m="http://schemas.openxmlformats.org/officeDocument/2006/math">
+                    <m:oMathParaPr>
+                      <m:jc m:val="centerGroup"/>
+                    </m:oMathParaPr>
+                    <m:oMath xmlns:m="http://schemas.openxmlformats.org/officeDocument/2006/math">
+                      <m:sSub>
+                        <m:sSubPr>
+                          <m:ctrlPr>
+                            <a:rPr lang="en-US" altLang="zh-CN" i="1" smtClean="0">
+                              <a:latin typeface="Cambria Math" panose="02040503050406030204" pitchFamily="18" charset="0"/>
+                            </a:rPr>
+                          </m:ctrlPr>
+                        </m:sSubPr>
+                        <m:e>
+                          <m:r>
+                            <m:rPr>
+                              <m:sty m:val="p"/>
+                            </m:rPr>
+                            <a:rPr lang="en-US" altLang="zh-CN" i="1">
+                              <a:latin typeface="Cambria Math" panose="02040503050406030204" pitchFamily="18" charset="0"/>
+                            </a:rPr>
+                            <m:t>α</m:t>
+                          </m:r>
+                        </m:e>
+                        <m:sub>
+                          <m:r>
+                            <a:rPr lang="en-US" altLang="zh-CN" i="1">
+                              <a:latin typeface="Cambria Math" panose="02040503050406030204" pitchFamily="18" charset="0"/>
+                            </a:rPr>
+                            <m:t>5</m:t>
+                          </m:r>
+                          <m:r>
+                            <a:rPr lang="en-US" altLang="zh-CN" b="0" i="1" smtClean="0">
+                              <a:latin typeface="Cambria Math" panose="02040503050406030204" pitchFamily="18" charset="0"/>
+                            </a:rPr>
+                            <m:t>,5</m:t>
+                          </m:r>
+                        </m:sub>
+                      </m:sSub>
+                    </m:oMath>
+                  </m:oMathPara>
+                </a14:m>
+                <a:endParaRPr lang="zh-CN" altLang="en-US" dirty="0"/>
+              </a:p>
+            </p:txBody>
+          </p:sp>
+        </mc:Choice>
+        <mc:Fallback>
+          <p:sp>
+            <p:nvSpPr>
+              <p:cNvPr id="198" name="文本框 197">
+                <a:extLst>
+                  <a:ext uri="{FF2B5EF4-FFF2-40B4-BE49-F238E27FC236}">
+                    <a16:creationId xmlns:a16="http://schemas.microsoft.com/office/drawing/2014/main" id="{957594BC-7EF7-40AD-B23F-037E4E7A6527}"/>
+                  </a:ext>
+                </a:extLst>
+              </p:cNvPr>
+              <p:cNvSpPr txBox="1">
+                <a:spLocks noRot="1" noChangeAspect="1" noMove="1" noResize="1" noEditPoints="1" noAdjustHandles="1" noChangeArrowheads="1" noChangeShapeType="1" noTextEdit="1"/>
+              </p:cNvSpPr>
+              <p:nvPr/>
+            </p:nvSpPr>
+            <p:spPr>
+              <a:xfrm>
+                <a:off x="6529873" y="2699910"/>
+                <a:ext cx="483719" cy="381515"/>
+              </a:xfrm>
+              <a:prstGeom prst="rect">
+                <a:avLst/>
+              </a:prstGeom>
+              <a:blipFill>
+                <a:blip r:embed="rId28"/>
+                <a:stretch>
+                  <a:fillRect r="-6250"/>
+                </a:stretch>
+              </a:blipFill>
+            </p:spPr>
+            <p:txBody>
+              <a:bodyPr/>
+              <a:lstStyle/>
+              <a:p>
+                <a:r>
+                  <a:rPr lang="zh-CN" altLang="en-US">
+                    <a:noFill/>
+                  </a:rPr>
+                  <a:t> </a:t>
+                </a:r>
+              </a:p>
+            </p:txBody>
+          </p:sp>
+        </mc:Fallback>
+      </mc:AlternateContent>
+      <mc:AlternateContent xmlns:mc="http://schemas.openxmlformats.org/markup-compatibility/2006">
+        <mc:Choice xmlns:a14="http://schemas.microsoft.com/office/drawing/2010/main" Requires="a14">
+          <p:sp>
+            <p:nvSpPr>
+              <p:cNvPr id="199" name="文本框 198">
+                <a:extLst>
+                  <a:ext uri="{FF2B5EF4-FFF2-40B4-BE49-F238E27FC236}">
+                    <a16:creationId xmlns:a16="http://schemas.microsoft.com/office/drawing/2014/main" id="{1001FD52-9D31-43F8-8274-8F5B427FE964}"/>
+                  </a:ext>
+                </a:extLst>
+              </p:cNvPr>
+              <p:cNvSpPr txBox="1"/>
+              <p:nvPr/>
+            </p:nvSpPr>
+            <p:spPr>
+              <a:xfrm>
+                <a:off x="7079034" y="2701411"/>
+                <a:ext cx="483719" cy="381515"/>
+              </a:xfrm>
+              <a:prstGeom prst="rect">
+                <a:avLst/>
+              </a:prstGeom>
+              <a:noFill/>
+            </p:spPr>
+            <p:txBody>
+              <a:bodyPr wrap="square" rtlCol="0">
+                <a:spAutoFit/>
+              </a:bodyPr>
+              <a:lstStyle/>
+              <a:p>
+                <a14:m>
+                  <m:oMathPara xmlns:m="http://schemas.openxmlformats.org/officeDocument/2006/math">
+                    <m:oMathParaPr>
+                      <m:jc m:val="centerGroup"/>
+                    </m:oMathParaPr>
+                    <m:oMath xmlns:m="http://schemas.openxmlformats.org/officeDocument/2006/math">
+                      <m:sSub>
+                        <m:sSubPr>
+                          <m:ctrlPr>
+                            <a:rPr lang="en-US" altLang="zh-CN" i="1" smtClean="0">
+                              <a:latin typeface="Cambria Math" panose="02040503050406030204" pitchFamily="18" charset="0"/>
+                            </a:rPr>
+                          </m:ctrlPr>
+                        </m:sSubPr>
+                        <m:e>
+                          <m:r>
+                            <m:rPr>
+                              <m:sty m:val="p"/>
+                            </m:rPr>
+                            <a:rPr lang="en-US" altLang="zh-CN" i="1">
+                              <a:latin typeface="Cambria Math" panose="02040503050406030204" pitchFamily="18" charset="0"/>
+                            </a:rPr>
+                            <m:t>α</m:t>
+                          </m:r>
+                        </m:e>
+                        <m:sub>
+                          <m:r>
+                            <a:rPr lang="en-US" altLang="zh-CN" i="1">
+                              <a:latin typeface="Cambria Math" panose="02040503050406030204" pitchFamily="18" charset="0"/>
+                            </a:rPr>
+                            <m:t>5</m:t>
+                          </m:r>
+                          <m:r>
+                            <a:rPr lang="en-US" altLang="zh-CN" b="0" i="1" smtClean="0">
+                              <a:latin typeface="Cambria Math" panose="02040503050406030204" pitchFamily="18" charset="0"/>
+                            </a:rPr>
+                            <m:t>,6</m:t>
+                          </m:r>
+                        </m:sub>
+                      </m:sSub>
+                    </m:oMath>
+                  </m:oMathPara>
+                </a14:m>
+                <a:endParaRPr lang="zh-CN" altLang="en-US" dirty="0"/>
+              </a:p>
+            </p:txBody>
+          </p:sp>
+        </mc:Choice>
+        <mc:Fallback>
+          <p:sp>
+            <p:nvSpPr>
+              <p:cNvPr id="199" name="文本框 198">
+                <a:extLst>
+                  <a:ext uri="{FF2B5EF4-FFF2-40B4-BE49-F238E27FC236}">
+                    <a16:creationId xmlns:a16="http://schemas.microsoft.com/office/drawing/2014/main" id="{1001FD52-9D31-43F8-8274-8F5B427FE964}"/>
+                  </a:ext>
+                </a:extLst>
+              </p:cNvPr>
+              <p:cNvSpPr txBox="1">
+                <a:spLocks noRot="1" noChangeAspect="1" noMove="1" noResize="1" noEditPoints="1" noAdjustHandles="1" noChangeArrowheads="1" noChangeShapeType="1" noTextEdit="1"/>
+              </p:cNvSpPr>
+              <p:nvPr/>
+            </p:nvSpPr>
+            <p:spPr>
+              <a:xfrm>
+                <a:off x="7079034" y="2701411"/>
+                <a:ext cx="483719" cy="381515"/>
+              </a:xfrm>
+              <a:prstGeom prst="rect">
+                <a:avLst/>
+              </a:prstGeom>
+              <a:blipFill>
+                <a:blip r:embed="rId29"/>
+                <a:stretch>
+                  <a:fillRect r="-6250"/>
+                </a:stretch>
+              </a:blipFill>
+            </p:spPr>
+            <p:txBody>
+              <a:bodyPr/>
+              <a:lstStyle/>
+              <a:p>
+                <a:r>
+                  <a:rPr lang="zh-CN" altLang="en-US">
+                    <a:noFill/>
+                  </a:rPr>
+                  <a:t> </a:t>
+                </a:r>
+              </a:p>
+            </p:txBody>
+          </p:sp>
+        </mc:Fallback>
+      </mc:AlternateContent>
+      <mc:AlternateContent xmlns:mc="http://schemas.openxmlformats.org/markup-compatibility/2006">
+        <mc:Choice xmlns:a14="http://schemas.microsoft.com/office/drawing/2010/main" Requires="a14">
+          <p:sp>
+            <p:nvSpPr>
+              <p:cNvPr id="200" name="文本框 199">
+                <a:extLst>
+                  <a:ext uri="{FF2B5EF4-FFF2-40B4-BE49-F238E27FC236}">
+                    <a16:creationId xmlns:a16="http://schemas.microsoft.com/office/drawing/2014/main" id="{79E24E1A-50D9-4643-82FD-3698C94D1FDB}"/>
+                  </a:ext>
+                </a:extLst>
+              </p:cNvPr>
+              <p:cNvSpPr txBox="1"/>
+              <p:nvPr/>
+            </p:nvSpPr>
+            <p:spPr>
+              <a:xfrm>
+                <a:off x="7732708" y="2699910"/>
+                <a:ext cx="483719" cy="381515"/>
+              </a:xfrm>
+              <a:prstGeom prst="rect">
+                <a:avLst/>
+              </a:prstGeom>
+              <a:noFill/>
+            </p:spPr>
+            <p:txBody>
+              <a:bodyPr wrap="square" rtlCol="0">
+                <a:spAutoFit/>
+              </a:bodyPr>
+              <a:lstStyle/>
+              <a:p>
+                <a14:m>
+                  <m:oMathPara xmlns:m="http://schemas.openxmlformats.org/officeDocument/2006/math">
+                    <m:oMathParaPr>
+                      <m:jc m:val="centerGroup"/>
+                    </m:oMathParaPr>
+                    <m:oMath xmlns:m="http://schemas.openxmlformats.org/officeDocument/2006/math">
+                      <m:sSub>
+                        <m:sSubPr>
+                          <m:ctrlPr>
+                            <a:rPr lang="en-US" altLang="zh-CN" i="1" smtClean="0">
+                              <a:latin typeface="Cambria Math" panose="02040503050406030204" pitchFamily="18" charset="0"/>
+                            </a:rPr>
+                          </m:ctrlPr>
+                        </m:sSubPr>
+                        <m:e>
+                          <m:r>
+                            <m:rPr>
+                              <m:sty m:val="p"/>
+                            </m:rPr>
+                            <a:rPr lang="en-US" altLang="zh-CN" i="1">
+                              <a:latin typeface="Cambria Math" panose="02040503050406030204" pitchFamily="18" charset="0"/>
+                            </a:rPr>
+                            <m:t>α</m:t>
+                          </m:r>
+                        </m:e>
+                        <m:sub>
+                          <m:r>
+                            <a:rPr lang="en-US" altLang="zh-CN" i="1">
+                              <a:latin typeface="Cambria Math" panose="02040503050406030204" pitchFamily="18" charset="0"/>
+                            </a:rPr>
+                            <m:t>5</m:t>
+                          </m:r>
+                          <m:r>
+                            <a:rPr lang="en-US" altLang="zh-CN" b="0" i="1" smtClean="0">
+                              <a:latin typeface="Cambria Math" panose="02040503050406030204" pitchFamily="18" charset="0"/>
+                            </a:rPr>
+                            <m:t>,7</m:t>
+                          </m:r>
+                        </m:sub>
+                      </m:sSub>
+                    </m:oMath>
+                  </m:oMathPara>
+                </a14:m>
+                <a:endParaRPr lang="zh-CN" altLang="en-US" dirty="0"/>
+              </a:p>
+            </p:txBody>
+          </p:sp>
+        </mc:Choice>
+        <mc:Fallback>
+          <p:sp>
+            <p:nvSpPr>
+              <p:cNvPr id="200" name="文本框 199">
+                <a:extLst>
+                  <a:ext uri="{FF2B5EF4-FFF2-40B4-BE49-F238E27FC236}">
+                    <a16:creationId xmlns:a16="http://schemas.microsoft.com/office/drawing/2014/main" id="{79E24E1A-50D9-4643-82FD-3698C94D1FDB}"/>
+                  </a:ext>
+                </a:extLst>
+              </p:cNvPr>
+              <p:cNvSpPr txBox="1">
+                <a:spLocks noRot="1" noChangeAspect="1" noMove="1" noResize="1" noEditPoints="1" noAdjustHandles="1" noChangeArrowheads="1" noChangeShapeType="1" noTextEdit="1"/>
+              </p:cNvSpPr>
+              <p:nvPr/>
+            </p:nvSpPr>
+            <p:spPr>
+              <a:xfrm>
+                <a:off x="7732708" y="2699910"/>
+                <a:ext cx="483719" cy="381515"/>
+              </a:xfrm>
+              <a:prstGeom prst="rect">
+                <a:avLst/>
+              </a:prstGeom>
+              <a:blipFill>
+                <a:blip r:embed="rId30"/>
+                <a:stretch>
+                  <a:fillRect r="-6250"/>
+                </a:stretch>
+              </a:blipFill>
+            </p:spPr>
+            <p:txBody>
+              <a:bodyPr/>
+              <a:lstStyle/>
+              <a:p>
+                <a:r>
+                  <a:rPr lang="zh-CN" altLang="en-US">
+                    <a:noFill/>
+                  </a:rPr>
+                  <a:t> </a:t>
+                </a:r>
+              </a:p>
+            </p:txBody>
+          </p:sp>
+        </mc:Fallback>
+      </mc:AlternateContent>
     </p:spTree>
     <p:extLst>
       <p:ext uri="{BB962C8B-B14F-4D97-AF65-F5344CB8AC3E}">
         <p14:creationId xmlns:p14="http://schemas.microsoft.com/office/powerpoint/2010/main" val="2210766097"/>
+      </p:ext>
+    </p:extLst>
+  </p:cSld>
+  <p:clrMapOvr>
+    <a:masterClrMapping/>
+  </p:clrMapOvr>
+</p:sld>
+</file>
+
+<file path=ppt/slides/slide7.xml><?xml version="1.0" encoding="utf-8"?>
+<p:sld xmlns:a="http://schemas.openxmlformats.org/drawingml/2006/main" xmlns:r="http://schemas.openxmlformats.org/officeDocument/2006/relationships" xmlns:p="http://schemas.openxmlformats.org/presentationml/2006/main">
+  <p:cSld>
+    <p:spTree>
+      <p:nvGrpSpPr>
+        <p:cNvPr id="1" name=""/>
+        <p:cNvGrpSpPr/>
+        <p:nvPr/>
+      </p:nvGrpSpPr>
+      <p:grpSpPr>
+        <a:xfrm>
+          <a:off x="0" y="0"/>
+          <a:ext cx="0" cy="0"/>
+          <a:chOff x="0" y="0"/>
+          <a:chExt cx="0" cy="0"/>
+        </a:xfrm>
+      </p:grpSpPr>
+    </p:spTree>
+    <p:extLst>
+      <p:ext uri="{BB962C8B-B14F-4D97-AF65-F5344CB8AC3E}">
+        <p14:creationId xmlns:p14="http://schemas.microsoft.com/office/powerpoint/2010/main" val="2880442442"/>
       </p:ext>
     </p:extLst>
   </p:cSld>

--- a/论文图.pptx
+++ b/论文图.pptx
@@ -41072,6 +41072,234 @@
           </a:fontRef>
         </p:style>
       </p:cxnSp>
+      <mc:AlternateContent xmlns:mc="http://schemas.openxmlformats.org/markup-compatibility/2006">
+        <mc:Choice xmlns:a14="http://schemas.microsoft.com/office/drawing/2010/main" Requires="a14">
+          <p:sp>
+            <p:nvSpPr>
+              <p:cNvPr id="304" name="文本框 303">
+                <a:extLst>
+                  <a:ext uri="{FF2B5EF4-FFF2-40B4-BE49-F238E27FC236}">
+                    <a16:creationId xmlns:a16="http://schemas.microsoft.com/office/drawing/2014/main" id="{9E7AD424-FD08-4116-87B8-3E83099E337D}"/>
+                  </a:ext>
+                </a:extLst>
+              </p:cNvPr>
+              <p:cNvSpPr txBox="1"/>
+              <p:nvPr/>
+            </p:nvSpPr>
+            <p:spPr>
+              <a:xfrm>
+                <a:off x="410920" y="4484922"/>
+                <a:ext cx="383184" cy="369332"/>
+              </a:xfrm>
+              <a:prstGeom prst="rect">
+                <a:avLst/>
+              </a:prstGeom>
+              <a:noFill/>
+            </p:spPr>
+            <p:txBody>
+              <a:bodyPr wrap="square" rtlCol="0">
+                <a:spAutoFit/>
+              </a:bodyPr>
+              <a:lstStyle/>
+              <a:p>
+                <a14:m>
+                  <m:oMathPara xmlns:m="http://schemas.openxmlformats.org/officeDocument/2006/math">
+                    <m:oMathParaPr>
+                      <m:jc m:val="centerGroup"/>
+                    </m:oMathParaPr>
+                    <m:oMath xmlns:m="http://schemas.openxmlformats.org/officeDocument/2006/math">
+                      <m:sSup>
+                        <m:sSupPr>
+                          <m:ctrlPr>
+                            <a:rPr lang="en-US" altLang="zh-CN" i="1" smtClean="0">
+                              <a:latin typeface="Cambria Math" panose="02040503050406030204" pitchFamily="18" charset="0"/>
+                            </a:rPr>
+                          </m:ctrlPr>
+                        </m:sSupPr>
+                        <m:e>
+                          <m:r>
+                            <a:rPr lang="en-US" altLang="zh-CN" b="0" i="1" smtClean="0">
+                              <a:latin typeface="Cambria Math" panose="02040503050406030204" pitchFamily="18" charset="0"/>
+                            </a:rPr>
+                            <m:t>𝑦</m:t>
+                          </m:r>
+                        </m:e>
+                        <m:sup>
+                          <m:r>
+                            <a:rPr lang="en-US" altLang="zh-CN" b="0" i="1" smtClean="0">
+                              <a:latin typeface="Cambria Math" panose="02040503050406030204" pitchFamily="18" charset="0"/>
+                            </a:rPr>
+                            <m:t>𝐼</m:t>
+                          </m:r>
+                        </m:sup>
+                      </m:sSup>
+                    </m:oMath>
+                  </m:oMathPara>
+                </a14:m>
+                <a:endParaRPr lang="zh-CN" altLang="en-US" dirty="0"/>
+              </a:p>
+            </p:txBody>
+          </p:sp>
+        </mc:Choice>
+        <mc:Fallback>
+          <p:sp>
+            <p:nvSpPr>
+              <p:cNvPr id="304" name="文本框 303">
+                <a:extLst>
+                  <a:ext uri="{FF2B5EF4-FFF2-40B4-BE49-F238E27FC236}">
+                    <a16:creationId xmlns:a16="http://schemas.microsoft.com/office/drawing/2014/main" id="{9E7AD424-FD08-4116-87B8-3E83099E337D}"/>
+                  </a:ext>
+                </a:extLst>
+              </p:cNvPr>
+              <p:cNvSpPr txBox="1">
+                <a:spLocks noRot="1" noChangeAspect="1" noMove="1" noResize="1" noEditPoints="1" noAdjustHandles="1" noChangeArrowheads="1" noChangeShapeType="1" noTextEdit="1"/>
+              </p:cNvSpPr>
+              <p:nvPr/>
+            </p:nvSpPr>
+            <p:spPr>
+              <a:xfrm>
+                <a:off x="410920" y="4484922"/>
+                <a:ext cx="383184" cy="369332"/>
+              </a:xfrm>
+              <a:prstGeom prst="rect">
+                <a:avLst/>
+              </a:prstGeom>
+              <a:blipFill>
+                <a:blip r:embed="rId32"/>
+                <a:stretch>
+                  <a:fillRect b="-6667"/>
+                </a:stretch>
+              </a:blipFill>
+            </p:spPr>
+            <p:txBody>
+              <a:bodyPr/>
+              <a:lstStyle/>
+              <a:p>
+                <a:r>
+                  <a:rPr lang="zh-CN" altLang="en-US">
+                    <a:noFill/>
+                  </a:rPr>
+                  <a:t> </a:t>
+                </a:r>
+              </a:p>
+            </p:txBody>
+          </p:sp>
+        </mc:Fallback>
+      </mc:AlternateContent>
+      <mc:AlternateContent xmlns:mc="http://schemas.openxmlformats.org/markup-compatibility/2006">
+        <mc:Choice xmlns:a14="http://schemas.microsoft.com/office/drawing/2010/main" Requires="a14">
+          <p:sp>
+            <p:nvSpPr>
+              <p:cNvPr id="305" name="文本框 304">
+                <a:extLst>
+                  <a:ext uri="{FF2B5EF4-FFF2-40B4-BE49-F238E27FC236}">
+                    <a16:creationId xmlns:a16="http://schemas.microsoft.com/office/drawing/2014/main" id="{C810BB85-6133-4484-AC72-881FE0C2C8DD}"/>
+                  </a:ext>
+                </a:extLst>
+              </p:cNvPr>
+              <p:cNvSpPr txBox="1"/>
+              <p:nvPr/>
+            </p:nvSpPr>
+            <p:spPr>
+              <a:xfrm>
+                <a:off x="10758731" y="5608066"/>
+                <a:ext cx="383184" cy="369332"/>
+              </a:xfrm>
+              <a:prstGeom prst="rect">
+                <a:avLst/>
+              </a:prstGeom>
+              <a:noFill/>
+            </p:spPr>
+            <p:txBody>
+              <a:bodyPr wrap="square" rtlCol="0">
+                <a:spAutoFit/>
+              </a:bodyPr>
+              <a:lstStyle/>
+              <a:p>
+                <a14:m>
+                  <m:oMathPara xmlns:m="http://schemas.openxmlformats.org/officeDocument/2006/math">
+                    <m:oMathParaPr>
+                      <m:jc m:val="centerGroup"/>
+                    </m:oMathParaPr>
+                    <m:oMath xmlns:m="http://schemas.openxmlformats.org/officeDocument/2006/math">
+                      <m:sSup>
+                        <m:sSupPr>
+                          <m:ctrlPr>
+                            <a:rPr lang="en-US" altLang="zh-CN" i="1" smtClean="0">
+                              <a:latin typeface="Cambria Math" panose="02040503050406030204" pitchFamily="18" charset="0"/>
+                            </a:rPr>
+                          </m:ctrlPr>
+                        </m:sSupPr>
+                        <m:e>
+                          <m:r>
+                            <a:rPr lang="en-US" altLang="zh-CN" b="0" i="1" smtClean="0">
+                              <a:latin typeface="Cambria Math" panose="02040503050406030204" pitchFamily="18" charset="0"/>
+                            </a:rPr>
+                            <m:t>𝑦</m:t>
+                          </m:r>
+                        </m:e>
+                        <m:sup>
+                          <m:r>
+                            <a:rPr lang="en-US" altLang="zh-CN" b="0" i="1" smtClean="0">
+                              <a:latin typeface="Cambria Math" panose="02040503050406030204" pitchFamily="18" charset="0"/>
+                            </a:rPr>
+                            <m:t>𝐷</m:t>
+                          </m:r>
+                        </m:sup>
+                      </m:sSup>
+                    </m:oMath>
+                  </m:oMathPara>
+                </a14:m>
+                <a:endParaRPr lang="zh-CN" altLang="en-US" dirty="0"/>
+              </a:p>
+            </p:txBody>
+          </p:sp>
+        </mc:Choice>
+        <mc:Fallback>
+          <p:sp>
+            <p:nvSpPr>
+              <p:cNvPr id="305" name="文本框 304">
+                <a:extLst>
+                  <a:ext uri="{FF2B5EF4-FFF2-40B4-BE49-F238E27FC236}">
+                    <a16:creationId xmlns:a16="http://schemas.microsoft.com/office/drawing/2014/main" id="{C810BB85-6133-4484-AC72-881FE0C2C8DD}"/>
+                  </a:ext>
+                </a:extLst>
+              </p:cNvPr>
+              <p:cNvSpPr txBox="1">
+                <a:spLocks noRot="1" noChangeAspect="1" noMove="1" noResize="1" noEditPoints="1" noAdjustHandles="1" noChangeArrowheads="1" noChangeShapeType="1" noTextEdit="1"/>
+              </p:cNvSpPr>
+              <p:nvPr/>
+            </p:nvSpPr>
+            <p:spPr>
+              <a:xfrm>
+                <a:off x="10758731" y="5608066"/>
+                <a:ext cx="383184" cy="369332"/>
+              </a:xfrm>
+              <a:prstGeom prst="rect">
+                <a:avLst/>
+              </a:prstGeom>
+              <a:blipFill>
+                <a:blip r:embed="rId33"/>
+                <a:stretch>
+                  <a:fillRect r="-6349" b="-4918"/>
+                </a:stretch>
+              </a:blipFill>
+            </p:spPr>
+            <p:txBody>
+              <a:bodyPr/>
+              <a:lstStyle/>
+              <a:p>
+                <a:r>
+                  <a:rPr lang="zh-CN" altLang="en-US">
+                    <a:noFill/>
+                  </a:rPr>
+                  <a:t> </a:t>
+                </a:r>
+              </a:p>
+            </p:txBody>
+          </p:sp>
+        </mc:Fallback>
+      </mc:AlternateContent>
     </p:spTree>
     <p:extLst>
       <p:ext uri="{BB962C8B-B14F-4D97-AF65-F5344CB8AC3E}">

--- a/论文图.pptx
+++ b/论文图.pptx
@@ -12,6 +12,8 @@
     <p:sldId id="260" r:id="rId6"/>
     <p:sldId id="261" r:id="rId7"/>
     <p:sldId id="262" r:id="rId8"/>
+    <p:sldId id="263" r:id="rId9"/>
+    <p:sldId id="264" r:id="rId10"/>
   </p:sldIdLst>
   <p:sldSz cx="12192000" cy="6858000"/>
   <p:notesSz cx="6858000" cy="9144000"/>
@@ -41300,10 +41302,6633 @@
           </p:sp>
         </mc:Fallback>
       </mc:AlternateContent>
+      <mc:AlternateContent xmlns:mc="http://schemas.openxmlformats.org/markup-compatibility/2006">
+        <mc:Choice xmlns:a14="http://schemas.microsoft.com/office/drawing/2010/main" Requires="a14">
+          <p:sp>
+            <p:nvSpPr>
+              <p:cNvPr id="307" name="文本框 306">
+                <a:extLst>
+                  <a:ext uri="{FF2B5EF4-FFF2-40B4-BE49-F238E27FC236}">
+                    <a16:creationId xmlns:a16="http://schemas.microsoft.com/office/drawing/2014/main" id="{BBCA28B1-4068-4949-8908-ADFE11001AEC}"/>
+                  </a:ext>
+                </a:extLst>
+              </p:cNvPr>
+              <p:cNvSpPr txBox="1"/>
+              <p:nvPr/>
+            </p:nvSpPr>
+            <p:spPr>
+              <a:xfrm>
+                <a:off x="9127368" y="5013516"/>
+                <a:ext cx="383184" cy="369332"/>
+              </a:xfrm>
+              <a:prstGeom prst="rect">
+                <a:avLst/>
+              </a:prstGeom>
+              <a:noFill/>
+            </p:spPr>
+            <p:txBody>
+              <a:bodyPr wrap="square" rtlCol="0">
+                <a:spAutoFit/>
+              </a:bodyPr>
+              <a:lstStyle/>
+              <a:p>
+                <a14:m>
+                  <m:oMathPara xmlns:m="http://schemas.openxmlformats.org/officeDocument/2006/math">
+                    <m:oMathParaPr>
+                      <m:jc m:val="centerGroup"/>
+                    </m:oMathParaPr>
+                    <m:oMath xmlns:m="http://schemas.openxmlformats.org/officeDocument/2006/math">
+                      <m:sSup>
+                        <m:sSupPr>
+                          <m:ctrlPr>
+                            <a:rPr lang="en-US" altLang="zh-CN" i="1" smtClean="0">
+                              <a:latin typeface="Cambria Math" panose="02040503050406030204" pitchFamily="18" charset="0"/>
+                            </a:rPr>
+                          </m:ctrlPr>
+                        </m:sSupPr>
+                        <m:e>
+                          <m:r>
+                            <a:rPr lang="en-US" altLang="zh-CN" b="0" i="1" smtClean="0">
+                              <a:latin typeface="Cambria Math" panose="02040503050406030204" pitchFamily="18" charset="0"/>
+                            </a:rPr>
+                            <m:t>𝑐</m:t>
+                          </m:r>
+                        </m:e>
+                        <m:sup>
+                          <m:r>
+                            <a:rPr lang="en-US" altLang="zh-CN" b="0" i="1" smtClean="0">
+                              <a:latin typeface="Cambria Math" panose="02040503050406030204" pitchFamily="18" charset="0"/>
+                            </a:rPr>
+                            <m:t>𝐷</m:t>
+                          </m:r>
+                        </m:sup>
+                      </m:sSup>
+                    </m:oMath>
+                  </m:oMathPara>
+                </a14:m>
+                <a:endParaRPr lang="zh-CN" altLang="en-US" dirty="0"/>
+              </a:p>
+            </p:txBody>
+          </p:sp>
+        </mc:Choice>
+        <mc:Fallback>
+          <p:sp>
+            <p:nvSpPr>
+              <p:cNvPr id="307" name="文本框 306">
+                <a:extLst>
+                  <a:ext uri="{FF2B5EF4-FFF2-40B4-BE49-F238E27FC236}">
+                    <a16:creationId xmlns:a16="http://schemas.microsoft.com/office/drawing/2014/main" id="{BBCA28B1-4068-4949-8908-ADFE11001AEC}"/>
+                  </a:ext>
+                </a:extLst>
+              </p:cNvPr>
+              <p:cNvSpPr txBox="1">
+                <a:spLocks noRot="1" noChangeAspect="1" noMove="1" noResize="1" noEditPoints="1" noAdjustHandles="1" noChangeArrowheads="1" noChangeShapeType="1" noTextEdit="1"/>
+              </p:cNvSpPr>
+              <p:nvPr/>
+            </p:nvSpPr>
+            <p:spPr>
+              <a:xfrm>
+                <a:off x="9127368" y="5013516"/>
+                <a:ext cx="383184" cy="369332"/>
+              </a:xfrm>
+              <a:prstGeom prst="rect">
+                <a:avLst/>
+              </a:prstGeom>
+              <a:blipFill>
+                <a:blip r:embed="rId34"/>
+                <a:stretch>
+                  <a:fillRect r="-1587"/>
+                </a:stretch>
+              </a:blipFill>
+            </p:spPr>
+            <p:txBody>
+              <a:bodyPr/>
+              <a:lstStyle/>
+              <a:p>
+                <a:r>
+                  <a:rPr lang="zh-CN" altLang="en-US">
+                    <a:noFill/>
+                  </a:rPr>
+                  <a:t> </a:t>
+                </a:r>
+              </a:p>
+            </p:txBody>
+          </p:sp>
+        </mc:Fallback>
+      </mc:AlternateContent>
+      <mc:AlternateContent xmlns:mc="http://schemas.openxmlformats.org/markup-compatibility/2006">
+        <mc:Choice xmlns:a14="http://schemas.microsoft.com/office/drawing/2010/main" Requires="a14">
+          <p:sp>
+            <p:nvSpPr>
+              <p:cNvPr id="308" name="文本框 307">
+                <a:extLst>
+                  <a:ext uri="{FF2B5EF4-FFF2-40B4-BE49-F238E27FC236}">
+                    <a16:creationId xmlns:a16="http://schemas.microsoft.com/office/drawing/2014/main" id="{2EC3067D-0365-4D1B-8FCA-4556E7BF16A0}"/>
+                  </a:ext>
+                </a:extLst>
+              </p:cNvPr>
+              <p:cNvSpPr txBox="1"/>
+              <p:nvPr/>
+            </p:nvSpPr>
+            <p:spPr>
+              <a:xfrm>
+                <a:off x="9816291" y="2618775"/>
+                <a:ext cx="383184" cy="369332"/>
+              </a:xfrm>
+              <a:prstGeom prst="rect">
+                <a:avLst/>
+              </a:prstGeom>
+              <a:noFill/>
+            </p:spPr>
+            <p:txBody>
+              <a:bodyPr wrap="square" rtlCol="0">
+                <a:spAutoFit/>
+              </a:bodyPr>
+              <a:lstStyle/>
+              <a:p>
+                <a14:m>
+                  <m:oMathPara xmlns:m="http://schemas.openxmlformats.org/officeDocument/2006/math">
+                    <m:oMathParaPr>
+                      <m:jc m:val="centerGroup"/>
+                    </m:oMathParaPr>
+                    <m:oMath xmlns:m="http://schemas.openxmlformats.org/officeDocument/2006/math">
+                      <m:sSup>
+                        <m:sSupPr>
+                          <m:ctrlPr>
+                            <a:rPr lang="en-US" altLang="zh-CN" i="1" smtClean="0">
+                              <a:latin typeface="Cambria Math" panose="02040503050406030204" pitchFamily="18" charset="0"/>
+                            </a:rPr>
+                          </m:ctrlPr>
+                        </m:sSupPr>
+                        <m:e>
+                          <m:r>
+                            <a:rPr lang="en-US" altLang="zh-CN" b="0" i="1" smtClean="0">
+                              <a:latin typeface="Cambria Math" panose="02040503050406030204" pitchFamily="18" charset="0"/>
+                            </a:rPr>
+                            <m:t>𝑐</m:t>
+                          </m:r>
+                        </m:e>
+                        <m:sup>
+                          <m:r>
+                            <a:rPr lang="en-US" altLang="zh-CN" b="0" i="1" smtClean="0">
+                              <a:latin typeface="Cambria Math" panose="02040503050406030204" pitchFamily="18" charset="0"/>
+                            </a:rPr>
+                            <m:t>𝐷</m:t>
+                          </m:r>
+                        </m:sup>
+                      </m:sSup>
+                    </m:oMath>
+                  </m:oMathPara>
+                </a14:m>
+                <a:endParaRPr lang="zh-CN" altLang="en-US" dirty="0"/>
+              </a:p>
+            </p:txBody>
+          </p:sp>
+        </mc:Choice>
+        <mc:Fallback>
+          <p:sp>
+            <p:nvSpPr>
+              <p:cNvPr id="308" name="文本框 307">
+                <a:extLst>
+                  <a:ext uri="{FF2B5EF4-FFF2-40B4-BE49-F238E27FC236}">
+                    <a16:creationId xmlns:a16="http://schemas.microsoft.com/office/drawing/2014/main" id="{2EC3067D-0365-4D1B-8FCA-4556E7BF16A0}"/>
+                  </a:ext>
+                </a:extLst>
+              </p:cNvPr>
+              <p:cNvSpPr txBox="1">
+                <a:spLocks noRot="1" noChangeAspect="1" noMove="1" noResize="1" noEditPoints="1" noAdjustHandles="1" noChangeArrowheads="1" noChangeShapeType="1" noTextEdit="1"/>
+              </p:cNvSpPr>
+              <p:nvPr/>
+            </p:nvSpPr>
+            <p:spPr>
+              <a:xfrm>
+                <a:off x="9816291" y="2618775"/>
+                <a:ext cx="383184" cy="369332"/>
+              </a:xfrm>
+              <a:prstGeom prst="rect">
+                <a:avLst/>
+              </a:prstGeom>
+              <a:blipFill>
+                <a:blip r:embed="rId35"/>
+                <a:stretch>
+                  <a:fillRect r="-1587"/>
+                </a:stretch>
+              </a:blipFill>
+            </p:spPr>
+            <p:txBody>
+              <a:bodyPr/>
+              <a:lstStyle/>
+              <a:p>
+                <a:r>
+                  <a:rPr lang="zh-CN" altLang="en-US">
+                    <a:noFill/>
+                  </a:rPr>
+                  <a:t> </a:t>
+                </a:r>
+              </a:p>
+            </p:txBody>
+          </p:sp>
+        </mc:Fallback>
+      </mc:AlternateContent>
+      <mc:AlternateContent xmlns:mc="http://schemas.openxmlformats.org/markup-compatibility/2006">
+        <mc:Choice xmlns:a14="http://schemas.microsoft.com/office/drawing/2010/main" Requires="a14">
+          <p:sp>
+            <p:nvSpPr>
+              <p:cNvPr id="309" name="文本框 308">
+                <a:extLst>
+                  <a:ext uri="{FF2B5EF4-FFF2-40B4-BE49-F238E27FC236}">
+                    <a16:creationId xmlns:a16="http://schemas.microsoft.com/office/drawing/2014/main" id="{6266EE64-0F21-442B-9652-F238FD95E3DC}"/>
+                  </a:ext>
+                </a:extLst>
+              </p:cNvPr>
+              <p:cNvSpPr txBox="1"/>
+              <p:nvPr/>
+            </p:nvSpPr>
+            <p:spPr>
+              <a:xfrm>
+                <a:off x="1170729" y="2524512"/>
+                <a:ext cx="383184" cy="374270"/>
+              </a:xfrm>
+              <a:prstGeom prst="rect">
+                <a:avLst/>
+              </a:prstGeom>
+              <a:noFill/>
+            </p:spPr>
+            <p:txBody>
+              <a:bodyPr wrap="square" rtlCol="0">
+                <a:spAutoFit/>
+              </a:bodyPr>
+              <a:lstStyle/>
+              <a:p>
+                <a14:m>
+                  <m:oMathPara xmlns:m="http://schemas.openxmlformats.org/officeDocument/2006/math">
+                    <m:oMathParaPr>
+                      <m:jc m:val="centerGroup"/>
+                    </m:oMathParaPr>
+                    <m:oMath xmlns:m="http://schemas.openxmlformats.org/officeDocument/2006/math">
+                      <m:sSup>
+                        <m:sSupPr>
+                          <m:ctrlPr>
+                            <a:rPr lang="en-US" altLang="zh-CN" i="1" smtClean="0">
+                              <a:latin typeface="Cambria Math" panose="02040503050406030204" pitchFamily="18" charset="0"/>
+                            </a:rPr>
+                          </m:ctrlPr>
+                        </m:sSupPr>
+                        <m:e>
+                          <m:r>
+                            <a:rPr lang="en-US" altLang="zh-CN" b="0" i="1" smtClean="0">
+                              <a:latin typeface="Cambria Math" panose="02040503050406030204" pitchFamily="18" charset="0"/>
+                            </a:rPr>
+                            <m:t>𝑐</m:t>
+                          </m:r>
+                        </m:e>
+                        <m:sup>
+                          <m:r>
+                            <m:rPr>
+                              <m:sty m:val="p"/>
+                            </m:rPr>
+                            <a:rPr lang="en-US" altLang="zh-CN" i="1">
+                              <a:latin typeface="Cambria Math" panose="02040503050406030204" pitchFamily="18" charset="0"/>
+                            </a:rPr>
+                            <m:t>I</m:t>
+                          </m:r>
+                        </m:sup>
+                      </m:sSup>
+                    </m:oMath>
+                  </m:oMathPara>
+                </a14:m>
+                <a:endParaRPr lang="zh-CN" altLang="en-US" dirty="0"/>
+              </a:p>
+            </p:txBody>
+          </p:sp>
+        </mc:Choice>
+        <mc:Fallback>
+          <p:sp>
+            <p:nvSpPr>
+              <p:cNvPr id="309" name="文本框 308">
+                <a:extLst>
+                  <a:ext uri="{FF2B5EF4-FFF2-40B4-BE49-F238E27FC236}">
+                    <a16:creationId xmlns:a16="http://schemas.microsoft.com/office/drawing/2014/main" id="{6266EE64-0F21-442B-9652-F238FD95E3DC}"/>
+                  </a:ext>
+                </a:extLst>
+              </p:cNvPr>
+              <p:cNvSpPr txBox="1">
+                <a:spLocks noRot="1" noChangeAspect="1" noMove="1" noResize="1" noEditPoints="1" noAdjustHandles="1" noChangeArrowheads="1" noChangeShapeType="1" noTextEdit="1"/>
+              </p:cNvSpPr>
+              <p:nvPr/>
+            </p:nvSpPr>
+            <p:spPr>
+              <a:xfrm>
+                <a:off x="1170729" y="2524512"/>
+                <a:ext cx="383184" cy="374270"/>
+              </a:xfrm>
+              <a:prstGeom prst="rect">
+                <a:avLst/>
+              </a:prstGeom>
+              <a:blipFill>
+                <a:blip r:embed="rId36"/>
+                <a:stretch>
+                  <a:fillRect/>
+                </a:stretch>
+              </a:blipFill>
+            </p:spPr>
+            <p:txBody>
+              <a:bodyPr/>
+              <a:lstStyle/>
+              <a:p>
+                <a:r>
+                  <a:rPr lang="zh-CN" altLang="en-US">
+                    <a:noFill/>
+                  </a:rPr>
+                  <a:t> </a:t>
+                </a:r>
+              </a:p>
+            </p:txBody>
+          </p:sp>
+        </mc:Fallback>
+      </mc:AlternateContent>
+      <mc:AlternateContent xmlns:mc="http://schemas.openxmlformats.org/markup-compatibility/2006">
+        <mc:Choice xmlns:a14="http://schemas.microsoft.com/office/drawing/2010/main" Requires="a14">
+          <p:sp>
+            <p:nvSpPr>
+              <p:cNvPr id="310" name="文本框 309">
+                <a:extLst>
+                  <a:ext uri="{FF2B5EF4-FFF2-40B4-BE49-F238E27FC236}">
+                    <a16:creationId xmlns:a16="http://schemas.microsoft.com/office/drawing/2014/main" id="{5E56E46C-1E76-473F-962E-D369CF4207FC}"/>
+                  </a:ext>
+                </a:extLst>
+              </p:cNvPr>
+              <p:cNvSpPr txBox="1"/>
+              <p:nvPr/>
+            </p:nvSpPr>
+            <p:spPr>
+              <a:xfrm>
+                <a:off x="1975469" y="3748146"/>
+                <a:ext cx="383184" cy="374270"/>
+              </a:xfrm>
+              <a:prstGeom prst="rect">
+                <a:avLst/>
+              </a:prstGeom>
+              <a:noFill/>
+            </p:spPr>
+            <p:txBody>
+              <a:bodyPr wrap="square" rtlCol="0">
+                <a:spAutoFit/>
+              </a:bodyPr>
+              <a:lstStyle/>
+              <a:p>
+                <a14:m>
+                  <m:oMathPara xmlns:m="http://schemas.openxmlformats.org/officeDocument/2006/math">
+                    <m:oMathParaPr>
+                      <m:jc m:val="centerGroup"/>
+                    </m:oMathParaPr>
+                    <m:oMath xmlns:m="http://schemas.openxmlformats.org/officeDocument/2006/math">
+                      <m:sSup>
+                        <m:sSupPr>
+                          <m:ctrlPr>
+                            <a:rPr lang="en-US" altLang="zh-CN" i="1" smtClean="0">
+                              <a:latin typeface="Cambria Math" panose="02040503050406030204" pitchFamily="18" charset="0"/>
+                            </a:rPr>
+                          </m:ctrlPr>
+                        </m:sSupPr>
+                        <m:e>
+                          <m:r>
+                            <a:rPr lang="en-US" altLang="zh-CN" b="0" i="1" smtClean="0">
+                              <a:latin typeface="Cambria Math" panose="02040503050406030204" pitchFamily="18" charset="0"/>
+                            </a:rPr>
+                            <m:t>𝑐</m:t>
+                          </m:r>
+                        </m:e>
+                        <m:sup>
+                          <m:r>
+                            <m:rPr>
+                              <m:sty m:val="p"/>
+                            </m:rPr>
+                            <a:rPr lang="en-US" altLang="zh-CN" i="1">
+                              <a:latin typeface="Cambria Math" panose="02040503050406030204" pitchFamily="18" charset="0"/>
+                            </a:rPr>
+                            <m:t>I</m:t>
+                          </m:r>
+                        </m:sup>
+                      </m:sSup>
+                    </m:oMath>
+                  </m:oMathPara>
+                </a14:m>
+                <a:endParaRPr lang="zh-CN" altLang="en-US" dirty="0"/>
+              </a:p>
+            </p:txBody>
+          </p:sp>
+        </mc:Choice>
+        <mc:Fallback>
+          <p:sp>
+            <p:nvSpPr>
+              <p:cNvPr id="310" name="文本框 309">
+                <a:extLst>
+                  <a:ext uri="{FF2B5EF4-FFF2-40B4-BE49-F238E27FC236}">
+                    <a16:creationId xmlns:a16="http://schemas.microsoft.com/office/drawing/2014/main" id="{5E56E46C-1E76-473F-962E-D369CF4207FC}"/>
+                  </a:ext>
+                </a:extLst>
+              </p:cNvPr>
+              <p:cNvSpPr txBox="1">
+                <a:spLocks noRot="1" noChangeAspect="1" noMove="1" noResize="1" noEditPoints="1" noAdjustHandles="1" noChangeArrowheads="1" noChangeShapeType="1" noTextEdit="1"/>
+              </p:cNvSpPr>
+              <p:nvPr/>
+            </p:nvSpPr>
+            <p:spPr>
+              <a:xfrm>
+                <a:off x="1975469" y="3748146"/>
+                <a:ext cx="383184" cy="374270"/>
+              </a:xfrm>
+              <a:prstGeom prst="rect">
+                <a:avLst/>
+              </a:prstGeom>
+              <a:blipFill>
+                <a:blip r:embed="rId37"/>
+                <a:stretch>
+                  <a:fillRect/>
+                </a:stretch>
+              </a:blipFill>
+            </p:spPr>
+            <p:txBody>
+              <a:bodyPr/>
+              <a:lstStyle/>
+              <a:p>
+                <a:r>
+                  <a:rPr lang="zh-CN" altLang="en-US">
+                    <a:noFill/>
+                  </a:rPr>
+                  <a:t> </a:t>
+                </a:r>
+              </a:p>
+            </p:txBody>
+          </p:sp>
+        </mc:Fallback>
+      </mc:AlternateContent>
     </p:spTree>
     <p:extLst>
       <p:ext uri="{BB962C8B-B14F-4D97-AF65-F5344CB8AC3E}">
         <p14:creationId xmlns:p14="http://schemas.microsoft.com/office/powerpoint/2010/main" val="2880442442"/>
+      </p:ext>
+    </p:extLst>
+  </p:cSld>
+  <p:clrMapOvr>
+    <a:masterClrMapping/>
+  </p:clrMapOvr>
+</p:sld>
+</file>
+
+<file path=ppt/slides/slide8.xml><?xml version="1.0" encoding="utf-8"?>
+<p:sld xmlns:a="http://schemas.openxmlformats.org/drawingml/2006/main" xmlns:r="http://schemas.openxmlformats.org/officeDocument/2006/relationships" xmlns:p="http://schemas.openxmlformats.org/presentationml/2006/main">
+  <p:cSld>
+    <p:spTree>
+      <p:nvGrpSpPr>
+        <p:cNvPr id="1" name=""/>
+        <p:cNvGrpSpPr/>
+        <p:nvPr/>
+      </p:nvGrpSpPr>
+      <p:grpSpPr>
+        <a:xfrm>
+          <a:off x="0" y="0"/>
+          <a:ext cx="0" cy="0"/>
+          <a:chOff x="0" y="0"/>
+          <a:chExt cx="0" cy="0"/>
+        </a:xfrm>
+      </p:grpSpPr>
+      <p:sp>
+        <p:nvSpPr>
+          <p:cNvPr id="2" name="椭圆 1">
+            <a:extLst>
+              <a:ext uri="{FF2B5EF4-FFF2-40B4-BE49-F238E27FC236}">
+                <a16:creationId xmlns:a16="http://schemas.microsoft.com/office/drawing/2014/main" id="{A0766A75-0780-4606-A372-AC6BBB65199E}"/>
+              </a:ext>
+            </a:extLst>
+          </p:cNvPr>
+          <p:cNvSpPr/>
+          <p:nvPr/>
+        </p:nvSpPr>
+        <p:spPr>
+          <a:xfrm>
+            <a:off x="5223754" y="4366726"/>
+            <a:ext cx="785160" cy="739700"/>
+          </a:xfrm>
+          <a:prstGeom prst="ellipse">
+            <a:avLst/>
+          </a:prstGeom>
+          <a:noFill/>
+          <a:ln w="25400">
+            <a:solidFill>
+              <a:schemeClr val="tx1"/>
+            </a:solidFill>
+          </a:ln>
+        </p:spPr>
+        <p:style>
+          <a:lnRef idx="2">
+            <a:schemeClr val="accent1">
+              <a:shade val="50000"/>
+            </a:schemeClr>
+          </a:lnRef>
+          <a:fillRef idx="1">
+            <a:schemeClr val="accent1"/>
+          </a:fillRef>
+          <a:effectRef idx="0">
+            <a:schemeClr val="accent1"/>
+          </a:effectRef>
+          <a:fontRef idx="minor">
+            <a:schemeClr val="lt1"/>
+          </a:fontRef>
+        </p:style>
+        <p:txBody>
+          <a:bodyPr rtlCol="0" anchor="ctr"/>
+          <a:lstStyle/>
+          <a:p>
+            <a:pPr algn="ctr"/>
+            <a:endParaRPr lang="zh-CN" altLang="en-US"/>
+          </a:p>
+        </p:txBody>
+      </p:sp>
+      <p:cxnSp>
+        <p:nvCxnSpPr>
+          <p:cNvPr id="4" name="直接箭头连接符 3">
+            <a:extLst>
+              <a:ext uri="{FF2B5EF4-FFF2-40B4-BE49-F238E27FC236}">
+                <a16:creationId xmlns:a16="http://schemas.microsoft.com/office/drawing/2014/main" id="{F0C50A7B-D2F6-46D9-A694-94F47D9F81EE}"/>
+              </a:ext>
+            </a:extLst>
+          </p:cNvPr>
+          <p:cNvCxnSpPr>
+            <a:cxnSpLocks/>
+          </p:cNvCxnSpPr>
+          <p:nvPr/>
+        </p:nvCxnSpPr>
+        <p:spPr>
+          <a:xfrm flipV="1">
+            <a:off x="4114800" y="4749283"/>
+            <a:ext cx="1108954" cy="12440"/>
+          </a:xfrm>
+          <a:prstGeom prst="straightConnector1">
+            <a:avLst/>
+          </a:prstGeom>
+          <a:ln w="25400">
+            <a:solidFill>
+              <a:schemeClr val="tx1"/>
+            </a:solidFill>
+            <a:tailEnd type="triangle"/>
+          </a:ln>
+        </p:spPr>
+        <p:style>
+          <a:lnRef idx="1">
+            <a:schemeClr val="accent1"/>
+          </a:lnRef>
+          <a:fillRef idx="0">
+            <a:schemeClr val="accent1"/>
+          </a:fillRef>
+          <a:effectRef idx="0">
+            <a:schemeClr val="accent1"/>
+          </a:effectRef>
+          <a:fontRef idx="minor">
+            <a:schemeClr val="tx1"/>
+          </a:fontRef>
+        </p:style>
+      </p:cxnSp>
+      <p:cxnSp>
+        <p:nvCxnSpPr>
+          <p:cNvPr id="5" name="直接箭头连接符 4">
+            <a:extLst>
+              <a:ext uri="{FF2B5EF4-FFF2-40B4-BE49-F238E27FC236}">
+                <a16:creationId xmlns:a16="http://schemas.microsoft.com/office/drawing/2014/main" id="{9C216604-ACD5-4D31-981C-CCE8F750DDD0}"/>
+              </a:ext>
+            </a:extLst>
+          </p:cNvPr>
+          <p:cNvCxnSpPr>
+            <a:cxnSpLocks/>
+          </p:cNvCxnSpPr>
+          <p:nvPr/>
+        </p:nvCxnSpPr>
+        <p:spPr>
+          <a:xfrm flipH="1">
+            <a:off x="6008914" y="4761723"/>
+            <a:ext cx="1108953" cy="0"/>
+          </a:xfrm>
+          <a:prstGeom prst="straightConnector1">
+            <a:avLst/>
+          </a:prstGeom>
+          <a:ln w="25400">
+            <a:solidFill>
+              <a:schemeClr val="tx1"/>
+            </a:solidFill>
+            <a:tailEnd type="triangle"/>
+          </a:ln>
+        </p:spPr>
+        <p:style>
+          <a:lnRef idx="1">
+            <a:schemeClr val="accent1"/>
+          </a:lnRef>
+          <a:fillRef idx="0">
+            <a:schemeClr val="accent1"/>
+          </a:fillRef>
+          <a:effectRef idx="0">
+            <a:schemeClr val="accent1"/>
+          </a:effectRef>
+          <a:fontRef idx="minor">
+            <a:schemeClr val="tx1"/>
+          </a:fontRef>
+        </p:style>
+      </p:cxnSp>
+      <p:sp>
+        <p:nvSpPr>
+          <p:cNvPr id="12" name="椭圆 11">
+            <a:extLst>
+              <a:ext uri="{FF2B5EF4-FFF2-40B4-BE49-F238E27FC236}">
+                <a16:creationId xmlns:a16="http://schemas.microsoft.com/office/drawing/2014/main" id="{EDDCC152-DAE0-47BD-950E-445DFB554C68}"/>
+              </a:ext>
+            </a:extLst>
+          </p:cNvPr>
+          <p:cNvSpPr/>
+          <p:nvPr/>
+        </p:nvSpPr>
+        <p:spPr>
+          <a:xfrm>
+            <a:off x="3329640" y="4391343"/>
+            <a:ext cx="785160" cy="739700"/>
+          </a:xfrm>
+          <a:prstGeom prst="ellipse">
+            <a:avLst/>
+          </a:prstGeom>
+          <a:noFill/>
+          <a:ln w="25400">
+            <a:solidFill>
+              <a:schemeClr val="tx1"/>
+            </a:solidFill>
+          </a:ln>
+        </p:spPr>
+        <p:style>
+          <a:lnRef idx="2">
+            <a:schemeClr val="accent1">
+              <a:shade val="50000"/>
+            </a:schemeClr>
+          </a:lnRef>
+          <a:fillRef idx="1">
+            <a:schemeClr val="accent1"/>
+          </a:fillRef>
+          <a:effectRef idx="0">
+            <a:schemeClr val="accent1"/>
+          </a:effectRef>
+          <a:fontRef idx="minor">
+            <a:schemeClr val="lt1"/>
+          </a:fontRef>
+        </p:style>
+        <p:txBody>
+          <a:bodyPr rtlCol="0" anchor="ctr"/>
+          <a:lstStyle/>
+          <a:p>
+            <a:pPr algn="ctr"/>
+            <a:endParaRPr lang="zh-CN" altLang="en-US"/>
+          </a:p>
+        </p:txBody>
+      </p:sp>
+      <p:sp>
+        <p:nvSpPr>
+          <p:cNvPr id="13" name="椭圆 12">
+            <a:extLst>
+              <a:ext uri="{FF2B5EF4-FFF2-40B4-BE49-F238E27FC236}">
+                <a16:creationId xmlns:a16="http://schemas.microsoft.com/office/drawing/2014/main" id="{CA7A5E4C-D18D-4CF4-95ED-72924511529F}"/>
+              </a:ext>
+            </a:extLst>
+          </p:cNvPr>
+          <p:cNvSpPr/>
+          <p:nvPr/>
+        </p:nvSpPr>
+        <p:spPr>
+          <a:xfrm>
+            <a:off x="7117867" y="4379433"/>
+            <a:ext cx="785160" cy="739700"/>
+          </a:xfrm>
+          <a:prstGeom prst="ellipse">
+            <a:avLst/>
+          </a:prstGeom>
+          <a:noFill/>
+          <a:ln w="25400">
+            <a:solidFill>
+              <a:schemeClr val="tx1"/>
+            </a:solidFill>
+          </a:ln>
+        </p:spPr>
+        <p:style>
+          <a:lnRef idx="2">
+            <a:schemeClr val="accent1">
+              <a:shade val="50000"/>
+            </a:schemeClr>
+          </a:lnRef>
+          <a:fillRef idx="1">
+            <a:schemeClr val="accent1"/>
+          </a:fillRef>
+          <a:effectRef idx="0">
+            <a:schemeClr val="accent1"/>
+          </a:effectRef>
+          <a:fontRef idx="minor">
+            <a:schemeClr val="lt1"/>
+          </a:fontRef>
+        </p:style>
+        <p:txBody>
+          <a:bodyPr rtlCol="0" anchor="ctr"/>
+          <a:lstStyle/>
+          <a:p>
+            <a:pPr algn="ctr"/>
+            <a:endParaRPr lang="zh-CN" altLang="en-US"/>
+          </a:p>
+        </p:txBody>
+      </p:sp>
+      <p:cxnSp>
+        <p:nvCxnSpPr>
+          <p:cNvPr id="15" name="直接箭头连接符 14">
+            <a:extLst>
+              <a:ext uri="{FF2B5EF4-FFF2-40B4-BE49-F238E27FC236}">
+                <a16:creationId xmlns:a16="http://schemas.microsoft.com/office/drawing/2014/main" id="{385715FA-BCB3-4819-B814-7FE4050762AD}"/>
+              </a:ext>
+            </a:extLst>
+          </p:cNvPr>
+          <p:cNvCxnSpPr>
+            <a:endCxn id="12" idx="4"/>
+          </p:cNvCxnSpPr>
+          <p:nvPr/>
+        </p:nvCxnSpPr>
+        <p:spPr>
+          <a:xfrm flipV="1">
+            <a:off x="3722220" y="5131043"/>
+            <a:ext cx="0" cy="663267"/>
+          </a:xfrm>
+          <a:prstGeom prst="straightConnector1">
+            <a:avLst/>
+          </a:prstGeom>
+          <a:ln w="25400">
+            <a:solidFill>
+              <a:schemeClr val="tx1"/>
+            </a:solidFill>
+            <a:tailEnd type="triangle"/>
+          </a:ln>
+        </p:spPr>
+        <p:style>
+          <a:lnRef idx="1">
+            <a:schemeClr val="accent1"/>
+          </a:lnRef>
+          <a:fillRef idx="0">
+            <a:schemeClr val="accent1"/>
+          </a:fillRef>
+          <a:effectRef idx="0">
+            <a:schemeClr val="accent1"/>
+          </a:effectRef>
+          <a:fontRef idx="minor">
+            <a:schemeClr val="tx1"/>
+          </a:fontRef>
+        </p:style>
+      </p:cxnSp>
+      <p:cxnSp>
+        <p:nvCxnSpPr>
+          <p:cNvPr id="16" name="直接箭头连接符 15">
+            <a:extLst>
+              <a:ext uri="{FF2B5EF4-FFF2-40B4-BE49-F238E27FC236}">
+                <a16:creationId xmlns:a16="http://schemas.microsoft.com/office/drawing/2014/main" id="{9EB540DF-85CC-45D3-B6CC-E58C3D1CF6A0}"/>
+              </a:ext>
+            </a:extLst>
+          </p:cNvPr>
+          <p:cNvCxnSpPr/>
+          <p:nvPr/>
+        </p:nvCxnSpPr>
+        <p:spPr>
+          <a:xfrm flipV="1">
+            <a:off x="7510447" y="5106426"/>
+            <a:ext cx="0" cy="663267"/>
+          </a:xfrm>
+          <a:prstGeom prst="straightConnector1">
+            <a:avLst/>
+          </a:prstGeom>
+          <a:ln w="25400">
+            <a:solidFill>
+              <a:schemeClr val="tx1"/>
+            </a:solidFill>
+            <a:tailEnd type="triangle"/>
+          </a:ln>
+        </p:spPr>
+        <p:style>
+          <a:lnRef idx="1">
+            <a:schemeClr val="accent1"/>
+          </a:lnRef>
+          <a:fillRef idx="0">
+            <a:schemeClr val="accent1"/>
+          </a:fillRef>
+          <a:effectRef idx="0">
+            <a:schemeClr val="accent1"/>
+          </a:effectRef>
+          <a:fontRef idx="minor">
+            <a:schemeClr val="tx1"/>
+          </a:fontRef>
+        </p:style>
+      </p:cxnSp>
+      <mc:AlternateContent xmlns:mc="http://schemas.openxmlformats.org/markup-compatibility/2006">
+        <mc:Choice xmlns:a14="http://schemas.microsoft.com/office/drawing/2010/main" Requires="a14">
+          <p:sp>
+            <p:nvSpPr>
+              <p:cNvPr id="17" name="文本框 16">
+                <a:extLst>
+                  <a:ext uri="{FF2B5EF4-FFF2-40B4-BE49-F238E27FC236}">
+                    <a16:creationId xmlns:a16="http://schemas.microsoft.com/office/drawing/2014/main" id="{F0065FB4-2713-47D2-9411-F834B3A649B6}"/>
+                  </a:ext>
+                </a:extLst>
+              </p:cNvPr>
+              <p:cNvSpPr txBox="1"/>
+              <p:nvPr/>
+            </p:nvSpPr>
+            <p:spPr>
+              <a:xfrm>
+                <a:off x="3530628" y="5870743"/>
+                <a:ext cx="383184" cy="405624"/>
+              </a:xfrm>
+              <a:prstGeom prst="rect">
+                <a:avLst/>
+              </a:prstGeom>
+              <a:noFill/>
+            </p:spPr>
+            <p:txBody>
+              <a:bodyPr wrap="square" rtlCol="0">
+                <a:spAutoFit/>
+              </a:bodyPr>
+              <a:lstStyle/>
+              <a:p>
+                <a14:m>
+                  <m:oMathPara xmlns:m="http://schemas.openxmlformats.org/officeDocument/2006/math">
+                    <m:oMathParaPr>
+                      <m:jc m:val="centerGroup"/>
+                    </m:oMathParaPr>
+                    <m:oMath xmlns:m="http://schemas.openxmlformats.org/officeDocument/2006/math">
+                      <m:sSup>
+                        <m:sSupPr>
+                          <m:ctrlPr>
+                            <a:rPr lang="en-US" altLang="zh-CN" sz="2000" b="1" i="1" smtClean="0">
+                              <a:latin typeface="Cambria Math" panose="02040503050406030204" pitchFamily="18" charset="0"/>
+                            </a:rPr>
+                          </m:ctrlPr>
+                        </m:sSupPr>
+                        <m:e>
+                          <m:r>
+                            <a:rPr lang="en-US" altLang="zh-CN" sz="2000" b="1" i="1" smtClean="0">
+                              <a:latin typeface="Cambria Math" panose="02040503050406030204" pitchFamily="18" charset="0"/>
+                            </a:rPr>
+                            <m:t>𝒄</m:t>
+                          </m:r>
+                        </m:e>
+                        <m:sup>
+                          <m:r>
+                            <a:rPr lang="en-US" altLang="zh-CN" sz="2000" b="1" i="1">
+                              <a:latin typeface="Cambria Math" panose="02040503050406030204" pitchFamily="18" charset="0"/>
+                            </a:rPr>
+                            <m:t>𝑫</m:t>
+                          </m:r>
+                        </m:sup>
+                      </m:sSup>
+                    </m:oMath>
+                  </m:oMathPara>
+                </a14:m>
+                <a:endParaRPr lang="zh-CN" altLang="en-US" sz="2000" b="1" dirty="0"/>
+              </a:p>
+            </p:txBody>
+          </p:sp>
+        </mc:Choice>
+        <mc:Fallback>
+          <p:sp>
+            <p:nvSpPr>
+              <p:cNvPr id="17" name="文本框 16">
+                <a:extLst>
+                  <a:ext uri="{FF2B5EF4-FFF2-40B4-BE49-F238E27FC236}">
+                    <a16:creationId xmlns:a16="http://schemas.microsoft.com/office/drawing/2014/main" id="{F0065FB4-2713-47D2-9411-F834B3A649B6}"/>
+                  </a:ext>
+                </a:extLst>
+              </p:cNvPr>
+              <p:cNvSpPr txBox="1">
+                <a:spLocks noRot="1" noChangeAspect="1" noMove="1" noResize="1" noEditPoints="1" noAdjustHandles="1" noChangeArrowheads="1" noChangeShapeType="1" noTextEdit="1"/>
+              </p:cNvSpPr>
+              <p:nvPr/>
+            </p:nvSpPr>
+            <p:spPr>
+              <a:xfrm>
+                <a:off x="3530628" y="5870743"/>
+                <a:ext cx="383184" cy="405624"/>
+              </a:xfrm>
+              <a:prstGeom prst="rect">
+                <a:avLst/>
+              </a:prstGeom>
+              <a:blipFill>
+                <a:blip r:embed="rId2"/>
+                <a:stretch>
+                  <a:fillRect r="-11111"/>
+                </a:stretch>
+              </a:blipFill>
+            </p:spPr>
+            <p:txBody>
+              <a:bodyPr/>
+              <a:lstStyle/>
+              <a:p>
+                <a:r>
+                  <a:rPr lang="zh-CN" altLang="en-US">
+                    <a:noFill/>
+                  </a:rPr>
+                  <a:t> </a:t>
+                </a:r>
+              </a:p>
+            </p:txBody>
+          </p:sp>
+        </mc:Fallback>
+      </mc:AlternateContent>
+      <mc:AlternateContent xmlns:mc="http://schemas.openxmlformats.org/markup-compatibility/2006">
+        <mc:Choice xmlns:a14="http://schemas.microsoft.com/office/drawing/2010/main" Requires="a14">
+          <p:sp>
+            <p:nvSpPr>
+              <p:cNvPr id="18" name="文本框 17">
+                <a:extLst>
+                  <a:ext uri="{FF2B5EF4-FFF2-40B4-BE49-F238E27FC236}">
+                    <a16:creationId xmlns:a16="http://schemas.microsoft.com/office/drawing/2014/main" id="{AD3A9F6F-3655-412F-B725-DB081171BAD6}"/>
+                  </a:ext>
+                </a:extLst>
+              </p:cNvPr>
+              <p:cNvSpPr txBox="1"/>
+              <p:nvPr/>
+            </p:nvSpPr>
+            <p:spPr>
+              <a:xfrm>
+                <a:off x="7318855" y="5870743"/>
+                <a:ext cx="383184" cy="405624"/>
+              </a:xfrm>
+              <a:prstGeom prst="rect">
+                <a:avLst/>
+              </a:prstGeom>
+              <a:noFill/>
+            </p:spPr>
+            <p:txBody>
+              <a:bodyPr wrap="square" rtlCol="0">
+                <a:spAutoFit/>
+              </a:bodyPr>
+              <a:lstStyle/>
+              <a:p>
+                <a14:m>
+                  <m:oMathPara xmlns:m="http://schemas.openxmlformats.org/officeDocument/2006/math">
+                    <m:oMathParaPr>
+                      <m:jc m:val="centerGroup"/>
+                    </m:oMathParaPr>
+                    <m:oMath xmlns:m="http://schemas.openxmlformats.org/officeDocument/2006/math">
+                      <m:sSup>
+                        <m:sSupPr>
+                          <m:ctrlPr>
+                            <a:rPr lang="en-US" altLang="zh-CN" sz="2000" b="1" i="1" smtClean="0">
+                              <a:latin typeface="Cambria Math" panose="02040503050406030204" pitchFamily="18" charset="0"/>
+                            </a:rPr>
+                          </m:ctrlPr>
+                        </m:sSupPr>
+                        <m:e>
+                          <m:r>
+                            <a:rPr lang="en-US" altLang="zh-CN" sz="2000" b="1" i="1" smtClean="0">
+                              <a:latin typeface="Cambria Math" panose="02040503050406030204" pitchFamily="18" charset="0"/>
+                            </a:rPr>
+                            <m:t>𝒄</m:t>
+                          </m:r>
+                        </m:e>
+                        <m:sup>
+                          <m:r>
+                            <a:rPr lang="en-US" altLang="zh-CN" sz="2000" b="1" i="1">
+                              <a:latin typeface="Cambria Math" panose="02040503050406030204" pitchFamily="18" charset="0"/>
+                            </a:rPr>
+                            <m:t>𝑰</m:t>
+                          </m:r>
+                        </m:sup>
+                      </m:sSup>
+                    </m:oMath>
+                  </m:oMathPara>
+                </a14:m>
+                <a:endParaRPr lang="zh-CN" altLang="en-US" sz="2000" b="1" dirty="0"/>
+              </a:p>
+            </p:txBody>
+          </p:sp>
+        </mc:Choice>
+        <mc:Fallback>
+          <p:sp>
+            <p:nvSpPr>
+              <p:cNvPr id="18" name="文本框 17">
+                <a:extLst>
+                  <a:ext uri="{FF2B5EF4-FFF2-40B4-BE49-F238E27FC236}">
+                    <a16:creationId xmlns:a16="http://schemas.microsoft.com/office/drawing/2014/main" id="{AD3A9F6F-3655-412F-B725-DB081171BAD6}"/>
+                  </a:ext>
+                </a:extLst>
+              </p:cNvPr>
+              <p:cNvSpPr txBox="1">
+                <a:spLocks noRot="1" noChangeAspect="1" noMove="1" noResize="1" noEditPoints="1" noAdjustHandles="1" noChangeArrowheads="1" noChangeShapeType="1" noTextEdit="1"/>
+              </p:cNvSpPr>
+              <p:nvPr/>
+            </p:nvSpPr>
+            <p:spPr>
+              <a:xfrm>
+                <a:off x="7318855" y="5870743"/>
+                <a:ext cx="383184" cy="405624"/>
+              </a:xfrm>
+              <a:prstGeom prst="rect">
+                <a:avLst/>
+              </a:prstGeom>
+              <a:blipFill>
+                <a:blip r:embed="rId3"/>
+                <a:stretch>
+                  <a:fillRect/>
+                </a:stretch>
+              </a:blipFill>
+            </p:spPr>
+            <p:txBody>
+              <a:bodyPr/>
+              <a:lstStyle/>
+              <a:p>
+                <a:r>
+                  <a:rPr lang="zh-CN" altLang="en-US">
+                    <a:noFill/>
+                  </a:rPr>
+                  <a:t> </a:t>
+                </a:r>
+              </a:p>
+            </p:txBody>
+          </p:sp>
+        </mc:Fallback>
+      </mc:AlternateContent>
+      <p:cxnSp>
+        <p:nvCxnSpPr>
+          <p:cNvPr id="20" name="直接箭头连接符 19">
+            <a:extLst>
+              <a:ext uri="{FF2B5EF4-FFF2-40B4-BE49-F238E27FC236}">
+                <a16:creationId xmlns:a16="http://schemas.microsoft.com/office/drawing/2014/main" id="{0F53DC5A-BE47-444C-97CF-D96BEF1027EF}"/>
+              </a:ext>
+            </a:extLst>
+          </p:cNvPr>
+          <p:cNvCxnSpPr>
+            <a:endCxn id="12" idx="2"/>
+          </p:cNvCxnSpPr>
+          <p:nvPr/>
+        </p:nvCxnSpPr>
+        <p:spPr>
+          <a:xfrm>
+            <a:off x="2603240" y="4761193"/>
+            <a:ext cx="726400" cy="0"/>
+          </a:xfrm>
+          <a:prstGeom prst="straightConnector1">
+            <a:avLst/>
+          </a:prstGeom>
+          <a:ln w="25400">
+            <a:solidFill>
+              <a:schemeClr val="tx1"/>
+            </a:solidFill>
+            <a:tailEnd type="triangle"/>
+          </a:ln>
+        </p:spPr>
+        <p:style>
+          <a:lnRef idx="1">
+            <a:schemeClr val="accent1"/>
+          </a:lnRef>
+          <a:fillRef idx="0">
+            <a:schemeClr val="accent1"/>
+          </a:fillRef>
+          <a:effectRef idx="0">
+            <a:schemeClr val="accent1"/>
+          </a:effectRef>
+          <a:fontRef idx="minor">
+            <a:schemeClr val="tx1"/>
+          </a:fontRef>
+        </p:style>
+      </p:cxnSp>
+      <p:cxnSp>
+        <p:nvCxnSpPr>
+          <p:cNvPr id="22" name="直接箭头连接符 21">
+            <a:extLst>
+              <a:ext uri="{FF2B5EF4-FFF2-40B4-BE49-F238E27FC236}">
+                <a16:creationId xmlns:a16="http://schemas.microsoft.com/office/drawing/2014/main" id="{ED91F9EA-0D13-4AA5-AE52-96375750DD33}"/>
+              </a:ext>
+            </a:extLst>
+          </p:cNvPr>
+          <p:cNvCxnSpPr>
+            <a:cxnSpLocks/>
+          </p:cNvCxnSpPr>
+          <p:nvPr/>
+        </p:nvCxnSpPr>
+        <p:spPr>
+          <a:xfrm flipH="1">
+            <a:off x="7903027" y="4739158"/>
+            <a:ext cx="726400" cy="0"/>
+          </a:xfrm>
+          <a:prstGeom prst="straightConnector1">
+            <a:avLst/>
+          </a:prstGeom>
+          <a:ln w="25400">
+            <a:solidFill>
+              <a:schemeClr val="tx1"/>
+            </a:solidFill>
+            <a:tailEnd type="triangle"/>
+          </a:ln>
+        </p:spPr>
+        <p:style>
+          <a:lnRef idx="1">
+            <a:schemeClr val="accent1"/>
+          </a:lnRef>
+          <a:fillRef idx="0">
+            <a:schemeClr val="accent1"/>
+          </a:fillRef>
+          <a:effectRef idx="0">
+            <a:schemeClr val="accent1"/>
+          </a:effectRef>
+          <a:fontRef idx="minor">
+            <a:schemeClr val="tx1"/>
+          </a:fontRef>
+        </p:style>
+      </p:cxnSp>
+      <mc:AlternateContent xmlns:mc="http://schemas.openxmlformats.org/markup-compatibility/2006">
+        <mc:Choice xmlns:a14="http://schemas.microsoft.com/office/drawing/2010/main" Requires="a14">
+          <p:sp>
+            <p:nvSpPr>
+              <p:cNvPr id="23" name="文本框 22">
+                <a:extLst>
+                  <a:ext uri="{FF2B5EF4-FFF2-40B4-BE49-F238E27FC236}">
+                    <a16:creationId xmlns:a16="http://schemas.microsoft.com/office/drawing/2014/main" id="{3DE565F0-1230-42E5-AA3E-FDB5F8CDA91C}"/>
+                  </a:ext>
+                </a:extLst>
+              </p:cNvPr>
+              <p:cNvSpPr txBox="1"/>
+              <p:nvPr/>
+            </p:nvSpPr>
+            <p:spPr>
+              <a:xfrm>
+                <a:off x="2048448" y="4558381"/>
+                <a:ext cx="383184" cy="400110"/>
+              </a:xfrm>
+              <a:prstGeom prst="rect">
+                <a:avLst/>
+              </a:prstGeom>
+              <a:noFill/>
+            </p:spPr>
+            <p:txBody>
+              <a:bodyPr wrap="square" rtlCol="0">
+                <a:spAutoFit/>
+              </a:bodyPr>
+              <a:lstStyle/>
+              <a:p>
+                <a14:m>
+                  <m:oMathPara xmlns:m="http://schemas.openxmlformats.org/officeDocument/2006/math">
+                    <m:oMathParaPr>
+                      <m:jc m:val="centerGroup"/>
+                    </m:oMathParaPr>
+                    <m:oMath xmlns:m="http://schemas.openxmlformats.org/officeDocument/2006/math">
+                      <m:sSub>
+                        <m:sSubPr>
+                          <m:ctrlPr>
+                            <a:rPr lang="en-US" altLang="zh-CN" sz="2000" b="1" i="1" smtClean="0">
+                              <a:latin typeface="Cambria Math" panose="02040503050406030204" pitchFamily="18" charset="0"/>
+                            </a:rPr>
+                          </m:ctrlPr>
+                        </m:sSubPr>
+                        <m:e>
+                          <m:r>
+                            <a:rPr lang="en-US" altLang="zh-CN" sz="2000" b="1" i="1">
+                              <a:latin typeface="Cambria Math" panose="02040503050406030204" pitchFamily="18" charset="0"/>
+                            </a:rPr>
+                            <m:t>𝑾</m:t>
+                          </m:r>
+                        </m:e>
+                        <m:sub>
+                          <m:r>
+                            <a:rPr lang="en-US" altLang="zh-CN" sz="2000" b="1" i="1">
+                              <a:latin typeface="Cambria Math" panose="02040503050406030204" pitchFamily="18" charset="0"/>
+                            </a:rPr>
+                            <m:t>𝑫</m:t>
+                          </m:r>
+                        </m:sub>
+                      </m:sSub>
+                    </m:oMath>
+                  </m:oMathPara>
+                </a14:m>
+                <a:endParaRPr lang="zh-CN" altLang="en-US" sz="2000" b="1" dirty="0"/>
+              </a:p>
+            </p:txBody>
+          </p:sp>
+        </mc:Choice>
+        <mc:Fallback>
+          <p:sp>
+            <p:nvSpPr>
+              <p:cNvPr id="23" name="文本框 22">
+                <a:extLst>
+                  <a:ext uri="{FF2B5EF4-FFF2-40B4-BE49-F238E27FC236}">
+                    <a16:creationId xmlns:a16="http://schemas.microsoft.com/office/drawing/2014/main" id="{3DE565F0-1230-42E5-AA3E-FDB5F8CDA91C}"/>
+                  </a:ext>
+                </a:extLst>
+              </p:cNvPr>
+              <p:cNvSpPr txBox="1">
+                <a:spLocks noRot="1" noChangeAspect="1" noMove="1" noResize="1" noEditPoints="1" noAdjustHandles="1" noChangeArrowheads="1" noChangeShapeType="1" noTextEdit="1"/>
+              </p:cNvSpPr>
+              <p:nvPr/>
+            </p:nvSpPr>
+            <p:spPr>
+              <a:xfrm>
+                <a:off x="2048448" y="4558381"/>
+                <a:ext cx="383184" cy="400110"/>
+              </a:xfrm>
+              <a:prstGeom prst="rect">
+                <a:avLst/>
+              </a:prstGeom>
+              <a:blipFill>
+                <a:blip r:embed="rId4"/>
+                <a:stretch>
+                  <a:fillRect r="-42857" b="-1538"/>
+                </a:stretch>
+              </a:blipFill>
+            </p:spPr>
+            <p:txBody>
+              <a:bodyPr/>
+              <a:lstStyle/>
+              <a:p>
+                <a:r>
+                  <a:rPr lang="zh-CN" altLang="en-US">
+                    <a:noFill/>
+                  </a:rPr>
+                  <a:t> </a:t>
+                </a:r>
+              </a:p>
+            </p:txBody>
+          </p:sp>
+        </mc:Fallback>
+      </mc:AlternateContent>
+      <mc:AlternateContent xmlns:mc="http://schemas.openxmlformats.org/markup-compatibility/2006">
+        <mc:Choice xmlns:a14="http://schemas.microsoft.com/office/drawing/2010/main" Requires="a14">
+          <p:sp>
+            <p:nvSpPr>
+              <p:cNvPr id="24" name="文本框 23">
+                <a:extLst>
+                  <a:ext uri="{FF2B5EF4-FFF2-40B4-BE49-F238E27FC236}">
+                    <a16:creationId xmlns:a16="http://schemas.microsoft.com/office/drawing/2014/main" id="{BEE8946C-F658-4F8F-90A6-706670FD5B98}"/>
+                  </a:ext>
+                </a:extLst>
+              </p:cNvPr>
+              <p:cNvSpPr txBox="1"/>
+              <p:nvPr/>
+            </p:nvSpPr>
+            <p:spPr>
+              <a:xfrm>
+                <a:off x="8688187" y="4558381"/>
+                <a:ext cx="383184" cy="400110"/>
+              </a:xfrm>
+              <a:prstGeom prst="rect">
+                <a:avLst/>
+              </a:prstGeom>
+              <a:noFill/>
+            </p:spPr>
+            <p:txBody>
+              <a:bodyPr wrap="square" rtlCol="0">
+                <a:spAutoFit/>
+              </a:bodyPr>
+              <a:lstStyle/>
+              <a:p>
+                <a14:m>
+                  <m:oMathPara xmlns:m="http://schemas.openxmlformats.org/officeDocument/2006/math">
+                    <m:oMathParaPr>
+                      <m:jc m:val="centerGroup"/>
+                    </m:oMathParaPr>
+                    <m:oMath xmlns:m="http://schemas.openxmlformats.org/officeDocument/2006/math">
+                      <m:sSub>
+                        <m:sSubPr>
+                          <m:ctrlPr>
+                            <a:rPr lang="en-US" altLang="zh-CN" sz="2000" b="1" i="1" smtClean="0">
+                              <a:latin typeface="Cambria Math" panose="02040503050406030204" pitchFamily="18" charset="0"/>
+                            </a:rPr>
+                          </m:ctrlPr>
+                        </m:sSubPr>
+                        <m:e>
+                          <m:r>
+                            <a:rPr lang="en-US" altLang="zh-CN" sz="2000" b="1" i="1">
+                              <a:latin typeface="Cambria Math" panose="02040503050406030204" pitchFamily="18" charset="0"/>
+                            </a:rPr>
+                            <m:t>𝑾</m:t>
+                          </m:r>
+                        </m:e>
+                        <m:sub>
+                          <m:r>
+                            <m:rPr>
+                              <m:sty m:val="p"/>
+                            </m:rPr>
+                            <a:rPr lang="en-US" altLang="zh-CN" sz="2000" b="1" i="1">
+                              <a:latin typeface="Cambria Math" panose="02040503050406030204" pitchFamily="18" charset="0"/>
+                            </a:rPr>
+                            <m:t>I</m:t>
+                          </m:r>
+                        </m:sub>
+                      </m:sSub>
+                    </m:oMath>
+                  </m:oMathPara>
+                </a14:m>
+                <a:endParaRPr lang="zh-CN" altLang="en-US" sz="2000" b="1" dirty="0"/>
+              </a:p>
+            </p:txBody>
+          </p:sp>
+        </mc:Choice>
+        <mc:Fallback>
+          <p:sp>
+            <p:nvSpPr>
+              <p:cNvPr id="24" name="文本框 23">
+                <a:extLst>
+                  <a:ext uri="{FF2B5EF4-FFF2-40B4-BE49-F238E27FC236}">
+                    <a16:creationId xmlns:a16="http://schemas.microsoft.com/office/drawing/2014/main" id="{BEE8946C-F658-4F8F-90A6-706670FD5B98}"/>
+                  </a:ext>
+                </a:extLst>
+              </p:cNvPr>
+              <p:cNvSpPr txBox="1">
+                <a:spLocks noRot="1" noChangeAspect="1" noMove="1" noResize="1" noEditPoints="1" noAdjustHandles="1" noChangeArrowheads="1" noChangeShapeType="1" noTextEdit="1"/>
+              </p:cNvSpPr>
+              <p:nvPr/>
+            </p:nvSpPr>
+            <p:spPr>
+              <a:xfrm>
+                <a:off x="8688187" y="4558381"/>
+                <a:ext cx="383184" cy="400110"/>
+              </a:xfrm>
+              <a:prstGeom prst="rect">
+                <a:avLst/>
+              </a:prstGeom>
+              <a:blipFill>
+                <a:blip r:embed="rId5"/>
+                <a:stretch>
+                  <a:fillRect r="-23810" b="-1538"/>
+                </a:stretch>
+              </a:blipFill>
+            </p:spPr>
+            <p:txBody>
+              <a:bodyPr/>
+              <a:lstStyle/>
+              <a:p>
+                <a:r>
+                  <a:rPr lang="zh-CN" altLang="en-US">
+                    <a:noFill/>
+                  </a:rPr>
+                  <a:t> </a:t>
+                </a:r>
+              </a:p>
+            </p:txBody>
+          </p:sp>
+        </mc:Fallback>
+      </mc:AlternateContent>
+      <p:cxnSp>
+        <p:nvCxnSpPr>
+          <p:cNvPr id="26" name="直接箭头连接符 25">
+            <a:extLst>
+              <a:ext uri="{FF2B5EF4-FFF2-40B4-BE49-F238E27FC236}">
+                <a16:creationId xmlns:a16="http://schemas.microsoft.com/office/drawing/2014/main" id="{E2E51C72-09D3-4878-B267-8168E777CEAF}"/>
+              </a:ext>
+            </a:extLst>
+          </p:cNvPr>
+          <p:cNvCxnSpPr>
+            <a:stCxn id="2" idx="0"/>
+          </p:cNvCxnSpPr>
+          <p:nvPr/>
+        </p:nvCxnSpPr>
+        <p:spPr>
+          <a:xfrm flipV="1">
+            <a:off x="5616334" y="3722914"/>
+            <a:ext cx="0" cy="643812"/>
+          </a:xfrm>
+          <a:prstGeom prst="straightConnector1">
+            <a:avLst/>
+          </a:prstGeom>
+          <a:ln w="25400">
+            <a:solidFill>
+              <a:schemeClr val="tx1"/>
+            </a:solidFill>
+            <a:tailEnd type="triangle"/>
+          </a:ln>
+        </p:spPr>
+        <p:style>
+          <a:lnRef idx="1">
+            <a:schemeClr val="accent1"/>
+          </a:lnRef>
+          <a:fillRef idx="0">
+            <a:schemeClr val="accent1"/>
+          </a:fillRef>
+          <a:effectRef idx="0">
+            <a:schemeClr val="accent1"/>
+          </a:effectRef>
+          <a:fontRef idx="minor">
+            <a:schemeClr val="tx1"/>
+          </a:fontRef>
+        </p:style>
+      </p:cxnSp>
+      <p:sp>
+        <p:nvSpPr>
+          <p:cNvPr id="27" name="矩形: 圆角 26">
+            <a:extLst>
+              <a:ext uri="{FF2B5EF4-FFF2-40B4-BE49-F238E27FC236}">
+                <a16:creationId xmlns:a16="http://schemas.microsoft.com/office/drawing/2014/main" id="{B3C0A980-DB6C-46C3-96E8-C9A4C95E431B}"/>
+              </a:ext>
+            </a:extLst>
+          </p:cNvPr>
+          <p:cNvSpPr/>
+          <p:nvPr/>
+        </p:nvSpPr>
+        <p:spPr>
+          <a:xfrm>
+            <a:off x="5064276" y="3180179"/>
+            <a:ext cx="1104115" cy="544292"/>
+          </a:xfrm>
+          <a:prstGeom prst="roundRect">
+            <a:avLst/>
+          </a:prstGeom>
+          <a:noFill/>
+          <a:ln w="25400">
+            <a:solidFill>
+              <a:schemeClr val="tx1"/>
+            </a:solidFill>
+          </a:ln>
+        </p:spPr>
+        <p:style>
+          <a:lnRef idx="2">
+            <a:schemeClr val="accent1">
+              <a:shade val="50000"/>
+            </a:schemeClr>
+          </a:lnRef>
+          <a:fillRef idx="1">
+            <a:schemeClr val="accent1"/>
+          </a:fillRef>
+          <a:effectRef idx="0">
+            <a:schemeClr val="accent1"/>
+          </a:effectRef>
+          <a:fontRef idx="minor">
+            <a:schemeClr val="lt1"/>
+          </a:fontRef>
+        </p:style>
+        <p:txBody>
+          <a:bodyPr rtlCol="0" anchor="ctr"/>
+          <a:lstStyle/>
+          <a:p>
+            <a:pPr algn="ctr"/>
+            <a:endParaRPr lang="zh-CN" altLang="en-US"/>
+          </a:p>
+        </p:txBody>
+      </p:sp>
+      <p:cxnSp>
+        <p:nvCxnSpPr>
+          <p:cNvPr id="28" name="直接箭头连接符 27">
+            <a:extLst>
+              <a:ext uri="{FF2B5EF4-FFF2-40B4-BE49-F238E27FC236}">
+                <a16:creationId xmlns:a16="http://schemas.microsoft.com/office/drawing/2014/main" id="{10FC70EC-AE5D-4B94-AF45-1936A9746CF1}"/>
+              </a:ext>
+            </a:extLst>
+          </p:cNvPr>
+          <p:cNvCxnSpPr/>
+          <p:nvPr/>
+        </p:nvCxnSpPr>
+        <p:spPr>
+          <a:xfrm flipV="1">
+            <a:off x="5616333" y="2536367"/>
+            <a:ext cx="0" cy="643812"/>
+          </a:xfrm>
+          <a:prstGeom prst="straightConnector1">
+            <a:avLst/>
+          </a:prstGeom>
+          <a:ln w="25400">
+            <a:solidFill>
+              <a:schemeClr val="tx1"/>
+            </a:solidFill>
+            <a:tailEnd type="triangle"/>
+          </a:ln>
+        </p:spPr>
+        <p:style>
+          <a:lnRef idx="1">
+            <a:schemeClr val="accent1"/>
+          </a:lnRef>
+          <a:fillRef idx="0">
+            <a:schemeClr val="accent1"/>
+          </a:fillRef>
+          <a:effectRef idx="0">
+            <a:schemeClr val="accent1"/>
+          </a:effectRef>
+          <a:fontRef idx="minor">
+            <a:schemeClr val="tx1"/>
+          </a:fontRef>
+        </p:style>
+      </p:cxnSp>
+      <p:sp>
+        <p:nvSpPr>
+          <p:cNvPr id="29" name="椭圆 28">
+            <a:extLst>
+              <a:ext uri="{FF2B5EF4-FFF2-40B4-BE49-F238E27FC236}">
+                <a16:creationId xmlns:a16="http://schemas.microsoft.com/office/drawing/2014/main" id="{D5079B53-3D04-4DCC-98DE-09B0381F684B}"/>
+              </a:ext>
+            </a:extLst>
+          </p:cNvPr>
+          <p:cNvSpPr/>
+          <p:nvPr/>
+        </p:nvSpPr>
+        <p:spPr>
+          <a:xfrm>
+            <a:off x="5223753" y="1796667"/>
+            <a:ext cx="785160" cy="739700"/>
+          </a:xfrm>
+          <a:prstGeom prst="ellipse">
+            <a:avLst/>
+          </a:prstGeom>
+          <a:noFill/>
+          <a:ln w="25400">
+            <a:solidFill>
+              <a:schemeClr val="tx1"/>
+            </a:solidFill>
+          </a:ln>
+        </p:spPr>
+        <p:style>
+          <a:lnRef idx="2">
+            <a:schemeClr val="accent1">
+              <a:shade val="50000"/>
+            </a:schemeClr>
+          </a:lnRef>
+          <a:fillRef idx="1">
+            <a:schemeClr val="accent1"/>
+          </a:fillRef>
+          <a:effectRef idx="0">
+            <a:schemeClr val="accent1"/>
+          </a:effectRef>
+          <a:fontRef idx="minor">
+            <a:schemeClr val="lt1"/>
+          </a:fontRef>
+        </p:style>
+        <p:txBody>
+          <a:bodyPr rtlCol="0" anchor="ctr"/>
+          <a:lstStyle/>
+          <a:p>
+            <a:pPr algn="ctr"/>
+            <a:endParaRPr lang="zh-CN" altLang="en-US"/>
+          </a:p>
+        </p:txBody>
+      </p:sp>
+      <p:cxnSp>
+        <p:nvCxnSpPr>
+          <p:cNvPr id="30" name="直接箭头连接符 29">
+            <a:extLst>
+              <a:ext uri="{FF2B5EF4-FFF2-40B4-BE49-F238E27FC236}">
+                <a16:creationId xmlns:a16="http://schemas.microsoft.com/office/drawing/2014/main" id="{5AE3CC2A-005D-48EC-B35A-EF99F59AB643}"/>
+              </a:ext>
+            </a:extLst>
+          </p:cNvPr>
+          <p:cNvCxnSpPr>
+            <a:cxnSpLocks/>
+          </p:cNvCxnSpPr>
+          <p:nvPr/>
+        </p:nvCxnSpPr>
+        <p:spPr>
+          <a:xfrm flipH="1">
+            <a:off x="6008915" y="2163407"/>
+            <a:ext cx="1614195" cy="0"/>
+          </a:xfrm>
+          <a:prstGeom prst="straightConnector1">
+            <a:avLst/>
+          </a:prstGeom>
+          <a:ln w="25400">
+            <a:solidFill>
+              <a:schemeClr val="tx1"/>
+            </a:solidFill>
+            <a:tailEnd type="triangle"/>
+          </a:ln>
+        </p:spPr>
+        <p:style>
+          <a:lnRef idx="1">
+            <a:schemeClr val="accent1"/>
+          </a:lnRef>
+          <a:fillRef idx="0">
+            <a:schemeClr val="accent1"/>
+          </a:fillRef>
+          <a:effectRef idx="0">
+            <a:schemeClr val="accent1"/>
+          </a:effectRef>
+          <a:fontRef idx="minor">
+            <a:schemeClr val="tx1"/>
+          </a:fontRef>
+        </p:style>
+      </p:cxnSp>
+      <p:sp>
+        <p:nvSpPr>
+          <p:cNvPr id="32" name="文本框 31">
+            <a:extLst>
+              <a:ext uri="{FF2B5EF4-FFF2-40B4-BE49-F238E27FC236}">
+                <a16:creationId xmlns:a16="http://schemas.microsoft.com/office/drawing/2014/main" id="{DB76A12E-62A9-4220-BB0E-BDAB7FD41B07}"/>
+              </a:ext>
+            </a:extLst>
+          </p:cNvPr>
+          <p:cNvSpPr txBox="1"/>
+          <p:nvPr/>
+        </p:nvSpPr>
+        <p:spPr>
+          <a:xfrm>
+            <a:off x="7804889" y="1963352"/>
+            <a:ext cx="383184" cy="400110"/>
+          </a:xfrm>
+          <a:prstGeom prst="rect">
+            <a:avLst/>
+          </a:prstGeom>
+          <a:noFill/>
+        </p:spPr>
+        <p:txBody>
+          <a:bodyPr wrap="square" rtlCol="0">
+            <a:spAutoFit/>
+          </a:bodyPr>
+          <a:lstStyle/>
+          <a:p>
+            <a:r>
+              <a:rPr lang="en-US" altLang="zh-CN" sz="2000" b="1" dirty="0"/>
+              <a:t>v</a:t>
+            </a:r>
+            <a:endParaRPr lang="zh-CN" altLang="en-US" sz="2000" b="1" dirty="0"/>
+          </a:p>
+        </p:txBody>
+      </p:sp>
+      <p:cxnSp>
+        <p:nvCxnSpPr>
+          <p:cNvPr id="33" name="直接箭头连接符 32">
+            <a:extLst>
+              <a:ext uri="{FF2B5EF4-FFF2-40B4-BE49-F238E27FC236}">
+                <a16:creationId xmlns:a16="http://schemas.microsoft.com/office/drawing/2014/main" id="{281B0706-292A-4838-B8D2-3AFB7F4EE1AD}"/>
+              </a:ext>
+            </a:extLst>
+          </p:cNvPr>
+          <p:cNvCxnSpPr>
+            <a:cxnSpLocks/>
+          </p:cNvCxnSpPr>
+          <p:nvPr/>
+        </p:nvCxnSpPr>
+        <p:spPr>
+          <a:xfrm flipV="1">
+            <a:off x="5616333" y="1152855"/>
+            <a:ext cx="0" cy="643812"/>
+          </a:xfrm>
+          <a:prstGeom prst="straightConnector1">
+            <a:avLst/>
+          </a:prstGeom>
+          <a:ln w="25400">
+            <a:solidFill>
+              <a:schemeClr val="tx1"/>
+            </a:solidFill>
+            <a:tailEnd type="triangle"/>
+          </a:ln>
+        </p:spPr>
+        <p:style>
+          <a:lnRef idx="1">
+            <a:schemeClr val="accent1"/>
+          </a:lnRef>
+          <a:fillRef idx="0">
+            <a:schemeClr val="accent1"/>
+          </a:fillRef>
+          <a:effectRef idx="0">
+            <a:schemeClr val="accent1"/>
+          </a:effectRef>
+          <a:fontRef idx="minor">
+            <a:schemeClr val="tx1"/>
+          </a:fontRef>
+        </p:style>
+      </p:cxnSp>
+      <p:sp>
+        <p:nvSpPr>
+          <p:cNvPr id="35" name="文本框 34">
+            <a:extLst>
+              <a:ext uri="{FF2B5EF4-FFF2-40B4-BE49-F238E27FC236}">
+                <a16:creationId xmlns:a16="http://schemas.microsoft.com/office/drawing/2014/main" id="{E96A645D-5775-4571-84B1-D22AA2B2FBBD}"/>
+              </a:ext>
+            </a:extLst>
+          </p:cNvPr>
+          <p:cNvSpPr txBox="1"/>
+          <p:nvPr/>
+        </p:nvSpPr>
+        <p:spPr>
+          <a:xfrm>
+            <a:off x="5494007" y="698501"/>
+            <a:ext cx="383184" cy="400110"/>
+          </a:xfrm>
+          <a:prstGeom prst="rect">
+            <a:avLst/>
+          </a:prstGeom>
+          <a:noFill/>
+        </p:spPr>
+        <p:txBody>
+          <a:bodyPr wrap="square" rtlCol="0">
+            <a:spAutoFit/>
+          </a:bodyPr>
+          <a:lstStyle/>
+          <a:p>
+            <a:r>
+              <a:rPr lang="en-US" altLang="zh-CN" sz="2000" b="1" dirty="0"/>
+              <a:t>g</a:t>
+            </a:r>
+            <a:endParaRPr lang="zh-CN" altLang="en-US" sz="2000" b="1" dirty="0"/>
+          </a:p>
+        </p:txBody>
+      </p:sp>
+      <p:sp>
+        <p:nvSpPr>
+          <p:cNvPr id="36" name="文本框 35">
+            <a:extLst>
+              <a:ext uri="{FF2B5EF4-FFF2-40B4-BE49-F238E27FC236}">
+                <a16:creationId xmlns:a16="http://schemas.microsoft.com/office/drawing/2014/main" id="{9B563D56-979F-4F2B-8D3A-46B635EDA98A}"/>
+              </a:ext>
+            </a:extLst>
+          </p:cNvPr>
+          <p:cNvSpPr txBox="1"/>
+          <p:nvPr/>
+        </p:nvSpPr>
+        <p:spPr>
+          <a:xfrm>
+            <a:off x="5139573" y="3247956"/>
+            <a:ext cx="953519" cy="400096"/>
+          </a:xfrm>
+          <a:prstGeom prst="rect">
+            <a:avLst/>
+          </a:prstGeom>
+          <a:noFill/>
+        </p:spPr>
+        <p:txBody>
+          <a:bodyPr wrap="square" rtlCol="0">
+            <a:spAutoFit/>
+          </a:bodyPr>
+          <a:lstStyle/>
+          <a:p>
+            <a:pPr algn="ctr"/>
+            <a:r>
+              <a:rPr lang="en-US" altLang="zh-CN" sz="2000" b="1" dirty="0"/>
+              <a:t>tanh</a:t>
+            </a:r>
+            <a:endParaRPr lang="zh-CN" altLang="en-US" sz="2000" b="1" dirty="0"/>
+          </a:p>
+        </p:txBody>
+      </p:sp>
+      <p:sp>
+        <p:nvSpPr>
+          <p:cNvPr id="37" name="椭圆 36">
+            <a:extLst>
+              <a:ext uri="{FF2B5EF4-FFF2-40B4-BE49-F238E27FC236}">
+                <a16:creationId xmlns:a16="http://schemas.microsoft.com/office/drawing/2014/main" id="{9001612B-2D16-4F05-9F08-42C4BC071CAD}"/>
+              </a:ext>
+            </a:extLst>
+          </p:cNvPr>
+          <p:cNvSpPr/>
+          <p:nvPr/>
+        </p:nvSpPr>
+        <p:spPr>
+          <a:xfrm flipV="1">
+            <a:off x="3662138" y="4710655"/>
+            <a:ext cx="78303" cy="101077"/>
+          </a:xfrm>
+          <a:prstGeom prst="ellipse">
+            <a:avLst/>
+          </a:prstGeom>
+          <a:solidFill>
+            <a:schemeClr val="tx1"/>
+          </a:solidFill>
+          <a:ln w="25400">
+            <a:solidFill>
+              <a:schemeClr val="tx1"/>
+            </a:solidFill>
+          </a:ln>
+        </p:spPr>
+        <p:style>
+          <a:lnRef idx="2">
+            <a:schemeClr val="accent1">
+              <a:shade val="50000"/>
+            </a:schemeClr>
+          </a:lnRef>
+          <a:fillRef idx="1">
+            <a:schemeClr val="accent1"/>
+          </a:fillRef>
+          <a:effectRef idx="0">
+            <a:schemeClr val="accent1"/>
+          </a:effectRef>
+          <a:fontRef idx="minor">
+            <a:schemeClr val="lt1"/>
+          </a:fontRef>
+        </p:style>
+        <p:txBody>
+          <a:bodyPr rtlCol="0" anchor="ctr"/>
+          <a:lstStyle/>
+          <a:p>
+            <a:pPr algn="ctr"/>
+            <a:endParaRPr lang="zh-CN" altLang="en-US"/>
+          </a:p>
+        </p:txBody>
+      </p:sp>
+      <p:sp>
+        <p:nvSpPr>
+          <p:cNvPr id="38" name="椭圆 37">
+            <a:extLst>
+              <a:ext uri="{FF2B5EF4-FFF2-40B4-BE49-F238E27FC236}">
+                <a16:creationId xmlns:a16="http://schemas.microsoft.com/office/drawing/2014/main" id="{505AEF5E-F239-4388-917A-33157C543E7F}"/>
+              </a:ext>
+            </a:extLst>
+          </p:cNvPr>
+          <p:cNvSpPr/>
+          <p:nvPr/>
+        </p:nvSpPr>
+        <p:spPr>
+          <a:xfrm flipV="1">
+            <a:off x="7471295" y="4707897"/>
+            <a:ext cx="78303" cy="101077"/>
+          </a:xfrm>
+          <a:prstGeom prst="ellipse">
+            <a:avLst/>
+          </a:prstGeom>
+          <a:solidFill>
+            <a:schemeClr val="tx1"/>
+          </a:solidFill>
+          <a:ln w="25400">
+            <a:solidFill>
+              <a:schemeClr val="tx1"/>
+            </a:solidFill>
+          </a:ln>
+        </p:spPr>
+        <p:style>
+          <a:lnRef idx="2">
+            <a:schemeClr val="accent1">
+              <a:shade val="50000"/>
+            </a:schemeClr>
+          </a:lnRef>
+          <a:fillRef idx="1">
+            <a:schemeClr val="accent1"/>
+          </a:fillRef>
+          <a:effectRef idx="0">
+            <a:schemeClr val="accent1"/>
+          </a:effectRef>
+          <a:fontRef idx="minor">
+            <a:schemeClr val="lt1"/>
+          </a:fontRef>
+        </p:style>
+        <p:txBody>
+          <a:bodyPr rtlCol="0" anchor="ctr"/>
+          <a:lstStyle/>
+          <a:p>
+            <a:pPr algn="ctr"/>
+            <a:endParaRPr lang="zh-CN" altLang="en-US"/>
+          </a:p>
+        </p:txBody>
+      </p:sp>
+      <p:sp>
+        <p:nvSpPr>
+          <p:cNvPr id="39" name="椭圆 38">
+            <a:extLst>
+              <a:ext uri="{FF2B5EF4-FFF2-40B4-BE49-F238E27FC236}">
+                <a16:creationId xmlns:a16="http://schemas.microsoft.com/office/drawing/2014/main" id="{7AB3DD0C-8DF4-4F8B-8CD9-50368A8475A5}"/>
+              </a:ext>
+            </a:extLst>
+          </p:cNvPr>
+          <p:cNvSpPr/>
+          <p:nvPr/>
+        </p:nvSpPr>
+        <p:spPr>
+          <a:xfrm flipV="1">
+            <a:off x="5577180" y="2112868"/>
+            <a:ext cx="78303" cy="101077"/>
+          </a:xfrm>
+          <a:prstGeom prst="ellipse">
+            <a:avLst/>
+          </a:prstGeom>
+          <a:solidFill>
+            <a:schemeClr val="tx1"/>
+          </a:solidFill>
+          <a:ln w="25400">
+            <a:solidFill>
+              <a:schemeClr val="tx1"/>
+            </a:solidFill>
+          </a:ln>
+        </p:spPr>
+        <p:style>
+          <a:lnRef idx="2">
+            <a:schemeClr val="accent1">
+              <a:shade val="50000"/>
+            </a:schemeClr>
+          </a:lnRef>
+          <a:fillRef idx="1">
+            <a:schemeClr val="accent1"/>
+          </a:fillRef>
+          <a:effectRef idx="0">
+            <a:schemeClr val="accent1"/>
+          </a:effectRef>
+          <a:fontRef idx="minor">
+            <a:schemeClr val="lt1"/>
+          </a:fontRef>
+        </p:style>
+        <p:txBody>
+          <a:bodyPr rtlCol="0" anchor="ctr"/>
+          <a:lstStyle/>
+          <a:p>
+            <a:pPr algn="ctr"/>
+            <a:endParaRPr lang="zh-CN" altLang="en-US"/>
+          </a:p>
+        </p:txBody>
+      </p:sp>
+      <p:sp>
+        <p:nvSpPr>
+          <p:cNvPr id="40" name="文本框 39">
+            <a:extLst>
+              <a:ext uri="{FF2B5EF4-FFF2-40B4-BE49-F238E27FC236}">
+                <a16:creationId xmlns:a16="http://schemas.microsoft.com/office/drawing/2014/main" id="{BFBA1E56-002C-4F92-9A8A-A31159C2C5B6}"/>
+              </a:ext>
+            </a:extLst>
+          </p:cNvPr>
+          <p:cNvSpPr txBox="1"/>
+          <p:nvPr/>
+        </p:nvSpPr>
+        <p:spPr>
+          <a:xfrm>
+            <a:off x="5139573" y="4413410"/>
+            <a:ext cx="953519" cy="646331"/>
+          </a:xfrm>
+          <a:prstGeom prst="rect">
+            <a:avLst/>
+          </a:prstGeom>
+          <a:noFill/>
+        </p:spPr>
+        <p:txBody>
+          <a:bodyPr wrap="square" rtlCol="0">
+            <a:spAutoFit/>
+          </a:bodyPr>
+          <a:lstStyle/>
+          <a:p>
+            <a:pPr algn="ctr"/>
+            <a:r>
+              <a:rPr lang="en-US" altLang="zh-CN" sz="3600" b="1" dirty="0"/>
+              <a:t>+</a:t>
+            </a:r>
+            <a:endParaRPr lang="zh-CN" altLang="en-US" sz="3600" b="1" dirty="0"/>
+          </a:p>
+        </p:txBody>
+      </p:sp>
+    </p:spTree>
+    <p:extLst>
+      <p:ext uri="{BB962C8B-B14F-4D97-AF65-F5344CB8AC3E}">
+        <p14:creationId xmlns:p14="http://schemas.microsoft.com/office/powerpoint/2010/main" val="4101451588"/>
+      </p:ext>
+    </p:extLst>
+  </p:cSld>
+  <p:clrMapOvr>
+    <a:masterClrMapping/>
+  </p:clrMapOvr>
+</p:sld>
+</file>
+
+<file path=ppt/slides/slide9.xml><?xml version="1.0" encoding="utf-8"?>
+<p:sld xmlns:a="http://schemas.openxmlformats.org/drawingml/2006/main" xmlns:r="http://schemas.openxmlformats.org/officeDocument/2006/relationships" xmlns:p="http://schemas.openxmlformats.org/presentationml/2006/main">
+  <p:cSld>
+    <p:spTree>
+      <p:nvGrpSpPr>
+        <p:cNvPr id="1" name=""/>
+        <p:cNvGrpSpPr/>
+        <p:nvPr/>
+      </p:nvGrpSpPr>
+      <p:grpSpPr>
+        <a:xfrm>
+          <a:off x="0" y="0"/>
+          <a:ext cx="0" cy="0"/>
+          <a:chOff x="0" y="0"/>
+          <a:chExt cx="0" cy="0"/>
+        </a:xfrm>
+      </p:grpSpPr>
+      <p:sp>
+        <p:nvSpPr>
+          <p:cNvPr id="2" name="流程图: 可选过程 1">
+            <a:extLst>
+              <a:ext uri="{FF2B5EF4-FFF2-40B4-BE49-F238E27FC236}">
+                <a16:creationId xmlns:a16="http://schemas.microsoft.com/office/drawing/2014/main" id="{B8F647E5-D50D-4469-AD91-88E2B1773CE4}"/>
+              </a:ext>
+            </a:extLst>
+          </p:cNvPr>
+          <p:cNvSpPr/>
+          <p:nvPr/>
+        </p:nvSpPr>
+        <p:spPr>
+          <a:xfrm>
+            <a:off x="-2838313" y="282254"/>
+            <a:ext cx="1296955" cy="522514"/>
+          </a:xfrm>
+          <a:prstGeom prst="flowChartAlternateProcess">
+            <a:avLst/>
+          </a:prstGeom>
+          <a:solidFill>
+            <a:schemeClr val="bg1"/>
+          </a:solidFill>
+          <a:ln w="25400"/>
+        </p:spPr>
+        <p:style>
+          <a:lnRef idx="2">
+            <a:schemeClr val="accent1">
+              <a:shade val="50000"/>
+            </a:schemeClr>
+          </a:lnRef>
+          <a:fillRef idx="1">
+            <a:schemeClr val="accent1"/>
+          </a:fillRef>
+          <a:effectRef idx="0">
+            <a:schemeClr val="accent1"/>
+          </a:effectRef>
+          <a:fontRef idx="minor">
+            <a:schemeClr val="lt1"/>
+          </a:fontRef>
+        </p:style>
+        <p:txBody>
+          <a:bodyPr rtlCol="0" anchor="ctr"/>
+          <a:lstStyle/>
+          <a:p>
+            <a:pPr algn="ctr"/>
+            <a:r>
+              <a:rPr lang="en-US" altLang="zh-CN" dirty="0" err="1">
+                <a:solidFill>
+                  <a:schemeClr val="tx1"/>
+                </a:solidFill>
+              </a:rPr>
+              <a:t>BiLSTM</a:t>
+            </a:r>
+            <a:endParaRPr lang="zh-CN" altLang="en-US" dirty="0">
+              <a:solidFill>
+                <a:schemeClr val="tx1"/>
+              </a:solidFill>
+            </a:endParaRPr>
+          </a:p>
+        </p:txBody>
+      </p:sp>
+      <p:sp>
+        <p:nvSpPr>
+          <p:cNvPr id="4" name="矩形 3">
+            <a:extLst>
+              <a:ext uri="{FF2B5EF4-FFF2-40B4-BE49-F238E27FC236}">
+                <a16:creationId xmlns:a16="http://schemas.microsoft.com/office/drawing/2014/main" id="{F1A6EB7A-10D5-4ECC-A5D5-155A322CD9A9}"/>
+              </a:ext>
+            </a:extLst>
+          </p:cNvPr>
+          <p:cNvSpPr/>
+          <p:nvPr/>
+        </p:nvSpPr>
+        <p:spPr>
+          <a:xfrm>
+            <a:off x="-1214786" y="-90971"/>
+            <a:ext cx="167951" cy="1268963"/>
+          </a:xfrm>
+          <a:prstGeom prst="rect">
+            <a:avLst/>
+          </a:prstGeom>
+          <a:solidFill>
+            <a:schemeClr val="bg1"/>
+          </a:solidFill>
+          <a:ln w="25400">
+            <a:solidFill>
+              <a:srgbClr val="DFA594"/>
+            </a:solidFill>
+          </a:ln>
+        </p:spPr>
+        <p:style>
+          <a:lnRef idx="2">
+            <a:schemeClr val="accent1">
+              <a:shade val="50000"/>
+            </a:schemeClr>
+          </a:lnRef>
+          <a:fillRef idx="1">
+            <a:schemeClr val="accent1"/>
+          </a:fillRef>
+          <a:effectRef idx="0">
+            <a:schemeClr val="accent1"/>
+          </a:effectRef>
+          <a:fontRef idx="minor">
+            <a:schemeClr val="lt1"/>
+          </a:fontRef>
+        </p:style>
+        <p:txBody>
+          <a:bodyPr rtlCol="0" anchor="ctr"/>
+          <a:lstStyle/>
+          <a:p>
+            <a:pPr algn="ctr"/>
+            <a:endParaRPr lang="zh-CN" altLang="en-US"/>
+          </a:p>
+        </p:txBody>
+      </p:sp>
+      <p:cxnSp>
+        <p:nvCxnSpPr>
+          <p:cNvPr id="8" name="直接箭头连接符 7">
+            <a:extLst>
+              <a:ext uri="{FF2B5EF4-FFF2-40B4-BE49-F238E27FC236}">
+                <a16:creationId xmlns:a16="http://schemas.microsoft.com/office/drawing/2014/main" id="{48F30DFA-B9FC-4F88-B44F-9CAA13713575}"/>
+              </a:ext>
+            </a:extLst>
+          </p:cNvPr>
+          <p:cNvCxnSpPr>
+            <a:stCxn id="2" idx="3"/>
+            <a:endCxn id="4" idx="1"/>
+          </p:cNvCxnSpPr>
+          <p:nvPr/>
+        </p:nvCxnSpPr>
+        <p:spPr>
+          <a:xfrm>
+            <a:off x="-1541358" y="543511"/>
+            <a:ext cx="326572" cy="0"/>
+          </a:xfrm>
+          <a:prstGeom prst="straightConnector1">
+            <a:avLst/>
+          </a:prstGeom>
+          <a:ln w="25400">
+            <a:solidFill>
+              <a:schemeClr val="tx1"/>
+            </a:solidFill>
+            <a:tailEnd type="triangle" w="lg" len="lg"/>
+          </a:ln>
+        </p:spPr>
+        <p:style>
+          <a:lnRef idx="1">
+            <a:schemeClr val="accent1"/>
+          </a:lnRef>
+          <a:fillRef idx="0">
+            <a:schemeClr val="accent1"/>
+          </a:fillRef>
+          <a:effectRef idx="0">
+            <a:schemeClr val="accent1"/>
+          </a:effectRef>
+          <a:fontRef idx="minor">
+            <a:schemeClr val="tx1"/>
+          </a:fontRef>
+        </p:style>
+      </p:cxnSp>
+      <p:sp>
+        <p:nvSpPr>
+          <p:cNvPr id="9" name="流程图: 可选过程 8">
+            <a:extLst>
+              <a:ext uri="{FF2B5EF4-FFF2-40B4-BE49-F238E27FC236}">
+                <a16:creationId xmlns:a16="http://schemas.microsoft.com/office/drawing/2014/main" id="{F05C0777-C99B-4122-8B1D-959DCFD2080F}"/>
+              </a:ext>
+            </a:extLst>
+          </p:cNvPr>
+          <p:cNvSpPr/>
+          <p:nvPr/>
+        </p:nvSpPr>
+        <p:spPr>
+          <a:xfrm>
+            <a:off x="-2838313" y="2213690"/>
+            <a:ext cx="1296955" cy="522514"/>
+          </a:xfrm>
+          <a:prstGeom prst="flowChartAlternateProcess">
+            <a:avLst/>
+          </a:prstGeom>
+          <a:solidFill>
+            <a:schemeClr val="bg1"/>
+          </a:solidFill>
+          <a:ln w="25400"/>
+        </p:spPr>
+        <p:style>
+          <a:lnRef idx="2">
+            <a:schemeClr val="accent1">
+              <a:shade val="50000"/>
+            </a:schemeClr>
+          </a:lnRef>
+          <a:fillRef idx="1">
+            <a:schemeClr val="accent1"/>
+          </a:fillRef>
+          <a:effectRef idx="0">
+            <a:schemeClr val="accent1"/>
+          </a:effectRef>
+          <a:fontRef idx="minor">
+            <a:schemeClr val="lt1"/>
+          </a:fontRef>
+        </p:style>
+        <p:txBody>
+          <a:bodyPr rtlCol="0" anchor="ctr"/>
+          <a:lstStyle/>
+          <a:p>
+            <a:pPr algn="ctr"/>
+            <a:r>
+              <a:rPr lang="en-US" altLang="zh-CN" dirty="0" err="1">
+                <a:solidFill>
+                  <a:schemeClr val="tx1"/>
+                </a:solidFill>
+              </a:rPr>
+              <a:t>BiLSTM</a:t>
+            </a:r>
+            <a:endParaRPr lang="zh-CN" altLang="en-US" dirty="0">
+              <a:solidFill>
+                <a:schemeClr val="tx1"/>
+              </a:solidFill>
+            </a:endParaRPr>
+          </a:p>
+        </p:txBody>
+      </p:sp>
+      <p:sp>
+        <p:nvSpPr>
+          <p:cNvPr id="10" name="矩形 9">
+            <a:extLst>
+              <a:ext uri="{FF2B5EF4-FFF2-40B4-BE49-F238E27FC236}">
+                <a16:creationId xmlns:a16="http://schemas.microsoft.com/office/drawing/2014/main" id="{D5BF873D-1361-4D65-837B-6804362BC0D0}"/>
+              </a:ext>
+            </a:extLst>
+          </p:cNvPr>
+          <p:cNvSpPr/>
+          <p:nvPr/>
+        </p:nvSpPr>
+        <p:spPr>
+          <a:xfrm>
+            <a:off x="-1214786" y="1840465"/>
+            <a:ext cx="167951" cy="1268963"/>
+          </a:xfrm>
+          <a:prstGeom prst="rect">
+            <a:avLst/>
+          </a:prstGeom>
+          <a:solidFill>
+            <a:schemeClr val="bg1"/>
+          </a:solidFill>
+          <a:ln w="25400">
+            <a:solidFill>
+              <a:srgbClr val="DFA594"/>
+            </a:solidFill>
+          </a:ln>
+        </p:spPr>
+        <p:style>
+          <a:lnRef idx="2">
+            <a:schemeClr val="accent1">
+              <a:shade val="50000"/>
+            </a:schemeClr>
+          </a:lnRef>
+          <a:fillRef idx="1">
+            <a:schemeClr val="accent1"/>
+          </a:fillRef>
+          <a:effectRef idx="0">
+            <a:schemeClr val="accent1"/>
+          </a:effectRef>
+          <a:fontRef idx="minor">
+            <a:schemeClr val="lt1"/>
+          </a:fontRef>
+        </p:style>
+        <p:txBody>
+          <a:bodyPr rtlCol="0" anchor="ctr"/>
+          <a:lstStyle/>
+          <a:p>
+            <a:pPr algn="ctr"/>
+            <a:endParaRPr lang="zh-CN" altLang="en-US"/>
+          </a:p>
+        </p:txBody>
+      </p:sp>
+      <p:cxnSp>
+        <p:nvCxnSpPr>
+          <p:cNvPr id="11" name="直接箭头连接符 10">
+            <a:extLst>
+              <a:ext uri="{FF2B5EF4-FFF2-40B4-BE49-F238E27FC236}">
+                <a16:creationId xmlns:a16="http://schemas.microsoft.com/office/drawing/2014/main" id="{3F136693-8C21-4D97-8CF1-838B523E9D5E}"/>
+              </a:ext>
+            </a:extLst>
+          </p:cNvPr>
+          <p:cNvCxnSpPr>
+            <a:stCxn id="9" idx="3"/>
+            <a:endCxn id="10" idx="1"/>
+          </p:cNvCxnSpPr>
+          <p:nvPr/>
+        </p:nvCxnSpPr>
+        <p:spPr>
+          <a:xfrm>
+            <a:off x="-1541358" y="2474947"/>
+            <a:ext cx="326572" cy="0"/>
+          </a:xfrm>
+          <a:prstGeom prst="straightConnector1">
+            <a:avLst/>
+          </a:prstGeom>
+          <a:ln w="25400">
+            <a:solidFill>
+              <a:schemeClr val="tx1"/>
+            </a:solidFill>
+            <a:tailEnd type="triangle" w="lg" len="lg"/>
+          </a:ln>
+        </p:spPr>
+        <p:style>
+          <a:lnRef idx="1">
+            <a:schemeClr val="accent1"/>
+          </a:lnRef>
+          <a:fillRef idx="0">
+            <a:schemeClr val="accent1"/>
+          </a:fillRef>
+          <a:effectRef idx="0">
+            <a:schemeClr val="accent1"/>
+          </a:effectRef>
+          <a:fontRef idx="minor">
+            <a:schemeClr val="tx1"/>
+          </a:fontRef>
+        </p:style>
+      </p:cxnSp>
+      <p:sp>
+        <p:nvSpPr>
+          <p:cNvPr id="19" name="流程图: 可选过程 18">
+            <a:extLst>
+              <a:ext uri="{FF2B5EF4-FFF2-40B4-BE49-F238E27FC236}">
+                <a16:creationId xmlns:a16="http://schemas.microsoft.com/office/drawing/2014/main" id="{B3AAED7E-903F-4491-B593-42A7ACA54E33}"/>
+              </a:ext>
+            </a:extLst>
+          </p:cNvPr>
+          <p:cNvSpPr/>
+          <p:nvPr/>
+        </p:nvSpPr>
+        <p:spPr>
+          <a:xfrm>
+            <a:off x="-2838313" y="4145126"/>
+            <a:ext cx="1296955" cy="522514"/>
+          </a:xfrm>
+          <a:prstGeom prst="flowChartAlternateProcess">
+            <a:avLst/>
+          </a:prstGeom>
+          <a:solidFill>
+            <a:schemeClr val="bg1"/>
+          </a:solidFill>
+          <a:ln w="25400"/>
+        </p:spPr>
+        <p:style>
+          <a:lnRef idx="2">
+            <a:schemeClr val="accent1">
+              <a:shade val="50000"/>
+            </a:schemeClr>
+          </a:lnRef>
+          <a:fillRef idx="1">
+            <a:schemeClr val="accent1"/>
+          </a:fillRef>
+          <a:effectRef idx="0">
+            <a:schemeClr val="accent1"/>
+          </a:effectRef>
+          <a:fontRef idx="minor">
+            <a:schemeClr val="lt1"/>
+          </a:fontRef>
+        </p:style>
+        <p:txBody>
+          <a:bodyPr rtlCol="0" anchor="ctr"/>
+          <a:lstStyle/>
+          <a:p>
+            <a:pPr algn="ctr"/>
+            <a:r>
+              <a:rPr lang="en-US" altLang="zh-CN" dirty="0" err="1">
+                <a:solidFill>
+                  <a:schemeClr val="tx1"/>
+                </a:solidFill>
+              </a:rPr>
+              <a:t>BiLSTM</a:t>
+            </a:r>
+            <a:endParaRPr lang="zh-CN" altLang="en-US" dirty="0">
+              <a:solidFill>
+                <a:schemeClr val="tx1"/>
+              </a:solidFill>
+            </a:endParaRPr>
+          </a:p>
+        </p:txBody>
+      </p:sp>
+      <p:sp>
+        <p:nvSpPr>
+          <p:cNvPr id="20" name="矩形 19">
+            <a:extLst>
+              <a:ext uri="{FF2B5EF4-FFF2-40B4-BE49-F238E27FC236}">
+                <a16:creationId xmlns:a16="http://schemas.microsoft.com/office/drawing/2014/main" id="{C3A6A91F-DA0C-499B-8976-760C8023F8EE}"/>
+              </a:ext>
+            </a:extLst>
+          </p:cNvPr>
+          <p:cNvSpPr/>
+          <p:nvPr/>
+        </p:nvSpPr>
+        <p:spPr>
+          <a:xfrm>
+            <a:off x="-1214786" y="3771901"/>
+            <a:ext cx="167951" cy="1268963"/>
+          </a:xfrm>
+          <a:prstGeom prst="rect">
+            <a:avLst/>
+          </a:prstGeom>
+          <a:solidFill>
+            <a:schemeClr val="bg1"/>
+          </a:solidFill>
+          <a:ln w="25400">
+            <a:solidFill>
+              <a:srgbClr val="DFA594"/>
+            </a:solidFill>
+          </a:ln>
+        </p:spPr>
+        <p:style>
+          <a:lnRef idx="2">
+            <a:schemeClr val="accent1">
+              <a:shade val="50000"/>
+            </a:schemeClr>
+          </a:lnRef>
+          <a:fillRef idx="1">
+            <a:schemeClr val="accent1"/>
+          </a:fillRef>
+          <a:effectRef idx="0">
+            <a:schemeClr val="accent1"/>
+          </a:effectRef>
+          <a:fontRef idx="minor">
+            <a:schemeClr val="lt1"/>
+          </a:fontRef>
+        </p:style>
+        <p:txBody>
+          <a:bodyPr rtlCol="0" anchor="ctr"/>
+          <a:lstStyle/>
+          <a:p>
+            <a:pPr algn="ctr"/>
+            <a:endParaRPr lang="zh-CN" altLang="en-US"/>
+          </a:p>
+        </p:txBody>
+      </p:sp>
+      <p:cxnSp>
+        <p:nvCxnSpPr>
+          <p:cNvPr id="21" name="直接箭头连接符 20">
+            <a:extLst>
+              <a:ext uri="{FF2B5EF4-FFF2-40B4-BE49-F238E27FC236}">
+                <a16:creationId xmlns:a16="http://schemas.microsoft.com/office/drawing/2014/main" id="{D79654DF-65BE-48C7-ADA9-A593E0A15562}"/>
+              </a:ext>
+            </a:extLst>
+          </p:cNvPr>
+          <p:cNvCxnSpPr>
+            <a:stCxn id="19" idx="3"/>
+            <a:endCxn id="20" idx="1"/>
+          </p:cNvCxnSpPr>
+          <p:nvPr/>
+        </p:nvCxnSpPr>
+        <p:spPr>
+          <a:xfrm>
+            <a:off x="-1541358" y="4406383"/>
+            <a:ext cx="326572" cy="0"/>
+          </a:xfrm>
+          <a:prstGeom prst="straightConnector1">
+            <a:avLst/>
+          </a:prstGeom>
+          <a:ln w="25400">
+            <a:solidFill>
+              <a:schemeClr val="tx1"/>
+            </a:solidFill>
+            <a:tailEnd type="triangle" w="lg" len="lg"/>
+          </a:ln>
+        </p:spPr>
+        <p:style>
+          <a:lnRef idx="1">
+            <a:schemeClr val="accent1"/>
+          </a:lnRef>
+          <a:fillRef idx="0">
+            <a:schemeClr val="accent1"/>
+          </a:fillRef>
+          <a:effectRef idx="0">
+            <a:schemeClr val="accent1"/>
+          </a:effectRef>
+          <a:fontRef idx="minor">
+            <a:schemeClr val="tx1"/>
+          </a:fontRef>
+        </p:style>
+      </p:cxnSp>
+      <p:sp>
+        <p:nvSpPr>
+          <p:cNvPr id="22" name="流程图: 可选过程 21">
+            <a:extLst>
+              <a:ext uri="{FF2B5EF4-FFF2-40B4-BE49-F238E27FC236}">
+                <a16:creationId xmlns:a16="http://schemas.microsoft.com/office/drawing/2014/main" id="{64DDB0C5-2EAC-4668-90EC-68E8819C1592}"/>
+              </a:ext>
+            </a:extLst>
+          </p:cNvPr>
+          <p:cNvSpPr/>
+          <p:nvPr/>
+        </p:nvSpPr>
+        <p:spPr>
+          <a:xfrm>
+            <a:off x="-2838313" y="6076562"/>
+            <a:ext cx="1296955" cy="522514"/>
+          </a:xfrm>
+          <a:prstGeom prst="flowChartAlternateProcess">
+            <a:avLst/>
+          </a:prstGeom>
+          <a:solidFill>
+            <a:schemeClr val="bg1"/>
+          </a:solidFill>
+          <a:ln w="25400"/>
+        </p:spPr>
+        <p:style>
+          <a:lnRef idx="2">
+            <a:schemeClr val="accent1">
+              <a:shade val="50000"/>
+            </a:schemeClr>
+          </a:lnRef>
+          <a:fillRef idx="1">
+            <a:schemeClr val="accent1"/>
+          </a:fillRef>
+          <a:effectRef idx="0">
+            <a:schemeClr val="accent1"/>
+          </a:effectRef>
+          <a:fontRef idx="minor">
+            <a:schemeClr val="lt1"/>
+          </a:fontRef>
+        </p:style>
+        <p:txBody>
+          <a:bodyPr rtlCol="0" anchor="ctr"/>
+          <a:lstStyle/>
+          <a:p>
+            <a:pPr algn="ctr"/>
+            <a:r>
+              <a:rPr lang="en-US" altLang="zh-CN" dirty="0" err="1">
+                <a:solidFill>
+                  <a:schemeClr val="tx1"/>
+                </a:solidFill>
+              </a:rPr>
+              <a:t>BiLSTM</a:t>
+            </a:r>
+            <a:endParaRPr lang="zh-CN" altLang="en-US" dirty="0">
+              <a:solidFill>
+                <a:schemeClr val="tx1"/>
+              </a:solidFill>
+            </a:endParaRPr>
+          </a:p>
+        </p:txBody>
+      </p:sp>
+      <p:sp>
+        <p:nvSpPr>
+          <p:cNvPr id="23" name="矩形 22">
+            <a:extLst>
+              <a:ext uri="{FF2B5EF4-FFF2-40B4-BE49-F238E27FC236}">
+                <a16:creationId xmlns:a16="http://schemas.microsoft.com/office/drawing/2014/main" id="{CAFB8A63-3D09-4D49-B517-50A5C5D2B1C4}"/>
+              </a:ext>
+            </a:extLst>
+          </p:cNvPr>
+          <p:cNvSpPr/>
+          <p:nvPr/>
+        </p:nvSpPr>
+        <p:spPr>
+          <a:xfrm>
+            <a:off x="-1214786" y="5703337"/>
+            <a:ext cx="167951" cy="1268963"/>
+          </a:xfrm>
+          <a:prstGeom prst="rect">
+            <a:avLst/>
+          </a:prstGeom>
+          <a:solidFill>
+            <a:schemeClr val="bg1"/>
+          </a:solidFill>
+          <a:ln w="25400">
+            <a:solidFill>
+              <a:srgbClr val="DFA594"/>
+            </a:solidFill>
+          </a:ln>
+        </p:spPr>
+        <p:style>
+          <a:lnRef idx="2">
+            <a:schemeClr val="accent1">
+              <a:shade val="50000"/>
+            </a:schemeClr>
+          </a:lnRef>
+          <a:fillRef idx="1">
+            <a:schemeClr val="accent1"/>
+          </a:fillRef>
+          <a:effectRef idx="0">
+            <a:schemeClr val="accent1"/>
+          </a:effectRef>
+          <a:fontRef idx="minor">
+            <a:schemeClr val="lt1"/>
+          </a:fontRef>
+        </p:style>
+        <p:txBody>
+          <a:bodyPr rtlCol="0" anchor="ctr"/>
+          <a:lstStyle/>
+          <a:p>
+            <a:pPr algn="ctr"/>
+            <a:endParaRPr lang="zh-CN" altLang="en-US"/>
+          </a:p>
+        </p:txBody>
+      </p:sp>
+      <p:cxnSp>
+        <p:nvCxnSpPr>
+          <p:cNvPr id="24" name="直接箭头连接符 23">
+            <a:extLst>
+              <a:ext uri="{FF2B5EF4-FFF2-40B4-BE49-F238E27FC236}">
+                <a16:creationId xmlns:a16="http://schemas.microsoft.com/office/drawing/2014/main" id="{C7C2885A-D342-4F05-9FDE-BD652BC8D139}"/>
+              </a:ext>
+            </a:extLst>
+          </p:cNvPr>
+          <p:cNvCxnSpPr>
+            <a:stCxn id="22" idx="3"/>
+            <a:endCxn id="23" idx="1"/>
+          </p:cNvCxnSpPr>
+          <p:nvPr/>
+        </p:nvCxnSpPr>
+        <p:spPr>
+          <a:xfrm>
+            <a:off x="-1541358" y="6337819"/>
+            <a:ext cx="326572" cy="0"/>
+          </a:xfrm>
+          <a:prstGeom prst="straightConnector1">
+            <a:avLst/>
+          </a:prstGeom>
+          <a:ln w="25400">
+            <a:solidFill>
+              <a:schemeClr val="tx1"/>
+            </a:solidFill>
+            <a:tailEnd type="triangle" w="lg" len="lg"/>
+          </a:ln>
+        </p:spPr>
+        <p:style>
+          <a:lnRef idx="1">
+            <a:schemeClr val="accent1"/>
+          </a:lnRef>
+          <a:fillRef idx="0">
+            <a:schemeClr val="accent1"/>
+          </a:fillRef>
+          <a:effectRef idx="0">
+            <a:schemeClr val="accent1"/>
+          </a:effectRef>
+          <a:fontRef idx="minor">
+            <a:schemeClr val="tx1"/>
+          </a:fontRef>
+        </p:style>
+      </p:cxnSp>
+      <p:sp>
+        <p:nvSpPr>
+          <p:cNvPr id="25" name="文本框 24">
+            <a:extLst>
+              <a:ext uri="{FF2B5EF4-FFF2-40B4-BE49-F238E27FC236}">
+                <a16:creationId xmlns:a16="http://schemas.microsoft.com/office/drawing/2014/main" id="{99DA1983-8256-48A7-BF0B-18C5D244F38F}"/>
+              </a:ext>
+            </a:extLst>
+          </p:cNvPr>
+          <p:cNvSpPr txBox="1"/>
+          <p:nvPr/>
+        </p:nvSpPr>
+        <p:spPr>
+          <a:xfrm>
+            <a:off x="-2838313" y="3149313"/>
+            <a:ext cx="1296955" cy="584775"/>
+          </a:xfrm>
+          <a:prstGeom prst="rect">
+            <a:avLst/>
+          </a:prstGeom>
+          <a:noFill/>
+        </p:spPr>
+        <p:txBody>
+          <a:bodyPr wrap="square" rtlCol="0">
+            <a:spAutoFit/>
+          </a:bodyPr>
+          <a:lstStyle/>
+          <a:p>
+            <a:pPr algn="ctr"/>
+            <a:r>
+              <a:rPr lang="en-US" altLang="zh-CN" sz="3200" b="1" dirty="0"/>
+              <a:t>……</a:t>
+            </a:r>
+            <a:endParaRPr lang="zh-CN" altLang="en-US" sz="3200" b="1" dirty="0"/>
+          </a:p>
+        </p:txBody>
+      </p:sp>
+      <p:cxnSp>
+        <p:nvCxnSpPr>
+          <p:cNvPr id="27" name="直接箭头连接符 26">
+            <a:extLst>
+              <a:ext uri="{FF2B5EF4-FFF2-40B4-BE49-F238E27FC236}">
+                <a16:creationId xmlns:a16="http://schemas.microsoft.com/office/drawing/2014/main" id="{8EB5B22B-EB7A-4430-915F-7D66522C4D4B}"/>
+              </a:ext>
+            </a:extLst>
+          </p:cNvPr>
+          <p:cNvCxnSpPr>
+            <a:cxnSpLocks/>
+          </p:cNvCxnSpPr>
+          <p:nvPr/>
+        </p:nvCxnSpPr>
+        <p:spPr>
+          <a:xfrm>
+            <a:off x="-2387600" y="804768"/>
+            <a:ext cx="0" cy="1303432"/>
+          </a:xfrm>
+          <a:prstGeom prst="straightConnector1">
+            <a:avLst/>
+          </a:prstGeom>
+          <a:ln w="25400" cap="sq">
+            <a:solidFill>
+              <a:schemeClr val="tx1"/>
+            </a:solidFill>
+            <a:tailEnd type="triangle" w="lg" len="lg"/>
+          </a:ln>
+        </p:spPr>
+        <p:style>
+          <a:lnRef idx="1">
+            <a:schemeClr val="accent1"/>
+          </a:lnRef>
+          <a:fillRef idx="0">
+            <a:schemeClr val="accent1"/>
+          </a:fillRef>
+          <a:effectRef idx="0">
+            <a:schemeClr val="accent1"/>
+          </a:effectRef>
+          <a:fontRef idx="minor">
+            <a:schemeClr val="tx1"/>
+          </a:fontRef>
+        </p:style>
+      </p:cxnSp>
+      <p:cxnSp>
+        <p:nvCxnSpPr>
+          <p:cNvPr id="29" name="直接箭头连接符 28">
+            <a:extLst>
+              <a:ext uri="{FF2B5EF4-FFF2-40B4-BE49-F238E27FC236}">
+                <a16:creationId xmlns:a16="http://schemas.microsoft.com/office/drawing/2014/main" id="{D97E56AD-3C77-4B54-AE4E-E47E00387FE1}"/>
+              </a:ext>
+            </a:extLst>
+          </p:cNvPr>
+          <p:cNvCxnSpPr>
+            <a:cxnSpLocks/>
+          </p:cNvCxnSpPr>
+          <p:nvPr/>
+        </p:nvCxnSpPr>
+        <p:spPr>
+          <a:xfrm flipV="1">
+            <a:off x="-1981200" y="914400"/>
+            <a:ext cx="0" cy="1299290"/>
+          </a:xfrm>
+          <a:prstGeom prst="straightConnector1">
+            <a:avLst/>
+          </a:prstGeom>
+          <a:ln w="25400">
+            <a:solidFill>
+              <a:schemeClr val="tx1"/>
+            </a:solidFill>
+            <a:tailEnd type="triangle" w="lg" len="lg"/>
+          </a:ln>
+        </p:spPr>
+        <p:style>
+          <a:lnRef idx="1">
+            <a:schemeClr val="accent1"/>
+          </a:lnRef>
+          <a:fillRef idx="0">
+            <a:schemeClr val="accent1"/>
+          </a:fillRef>
+          <a:effectRef idx="0">
+            <a:schemeClr val="accent1"/>
+          </a:effectRef>
+          <a:fontRef idx="minor">
+            <a:schemeClr val="tx1"/>
+          </a:fontRef>
+        </p:style>
+      </p:cxnSp>
+      <p:cxnSp>
+        <p:nvCxnSpPr>
+          <p:cNvPr id="37" name="直接箭头连接符 36">
+            <a:extLst>
+              <a:ext uri="{FF2B5EF4-FFF2-40B4-BE49-F238E27FC236}">
+                <a16:creationId xmlns:a16="http://schemas.microsoft.com/office/drawing/2014/main" id="{EF939E79-650B-4D96-BFFF-D03094EB0C3E}"/>
+              </a:ext>
+            </a:extLst>
+          </p:cNvPr>
+          <p:cNvCxnSpPr>
+            <a:cxnSpLocks/>
+          </p:cNvCxnSpPr>
+          <p:nvPr/>
+        </p:nvCxnSpPr>
+        <p:spPr>
+          <a:xfrm>
+            <a:off x="-2374900" y="4667640"/>
+            <a:ext cx="0" cy="1303432"/>
+          </a:xfrm>
+          <a:prstGeom prst="straightConnector1">
+            <a:avLst/>
+          </a:prstGeom>
+          <a:ln w="25400" cap="sq">
+            <a:solidFill>
+              <a:schemeClr val="tx1"/>
+            </a:solidFill>
+            <a:tailEnd type="triangle" w="lg" len="lg"/>
+          </a:ln>
+        </p:spPr>
+        <p:style>
+          <a:lnRef idx="1">
+            <a:schemeClr val="accent1"/>
+          </a:lnRef>
+          <a:fillRef idx="0">
+            <a:schemeClr val="accent1"/>
+          </a:fillRef>
+          <a:effectRef idx="0">
+            <a:schemeClr val="accent1"/>
+          </a:effectRef>
+          <a:fontRef idx="minor">
+            <a:schemeClr val="tx1"/>
+          </a:fontRef>
+        </p:style>
+      </p:cxnSp>
+      <p:cxnSp>
+        <p:nvCxnSpPr>
+          <p:cNvPr id="38" name="直接箭头连接符 37">
+            <a:extLst>
+              <a:ext uri="{FF2B5EF4-FFF2-40B4-BE49-F238E27FC236}">
+                <a16:creationId xmlns:a16="http://schemas.microsoft.com/office/drawing/2014/main" id="{D1186D0C-53DF-4F7F-98EE-BBB1ADE713D3}"/>
+              </a:ext>
+            </a:extLst>
+          </p:cNvPr>
+          <p:cNvCxnSpPr>
+            <a:cxnSpLocks/>
+          </p:cNvCxnSpPr>
+          <p:nvPr/>
+        </p:nvCxnSpPr>
+        <p:spPr>
+          <a:xfrm flipV="1">
+            <a:off x="-1968500" y="4777272"/>
+            <a:ext cx="0" cy="1299290"/>
+          </a:xfrm>
+          <a:prstGeom prst="straightConnector1">
+            <a:avLst/>
+          </a:prstGeom>
+          <a:ln w="25400">
+            <a:solidFill>
+              <a:schemeClr val="tx1"/>
+            </a:solidFill>
+            <a:tailEnd type="triangle" w="lg" len="lg"/>
+          </a:ln>
+        </p:spPr>
+        <p:style>
+          <a:lnRef idx="1">
+            <a:schemeClr val="accent1"/>
+          </a:lnRef>
+          <a:fillRef idx="0">
+            <a:schemeClr val="accent1"/>
+          </a:fillRef>
+          <a:effectRef idx="0">
+            <a:schemeClr val="accent1"/>
+          </a:effectRef>
+          <a:fontRef idx="minor">
+            <a:schemeClr val="tx1"/>
+          </a:fontRef>
+        </p:style>
+      </p:cxnSp>
+      <p:sp>
+        <p:nvSpPr>
+          <p:cNvPr id="39" name="文本框 38">
+            <a:extLst>
+              <a:ext uri="{FF2B5EF4-FFF2-40B4-BE49-F238E27FC236}">
+                <a16:creationId xmlns:a16="http://schemas.microsoft.com/office/drawing/2014/main" id="{A0C702B6-F655-4731-9217-0861DDE826FB}"/>
+              </a:ext>
+            </a:extLst>
+          </p:cNvPr>
+          <p:cNvSpPr txBox="1"/>
+          <p:nvPr/>
+        </p:nvSpPr>
+        <p:spPr>
+          <a:xfrm>
+            <a:off x="-3384846" y="41860"/>
+            <a:ext cx="461665" cy="1003300"/>
+          </a:xfrm>
+          <a:prstGeom prst="rect">
+            <a:avLst/>
+          </a:prstGeom>
+          <a:noFill/>
+        </p:spPr>
+        <p:txBody>
+          <a:bodyPr vert="eaVert" wrap="square" rtlCol="0">
+            <a:spAutoFit/>
+          </a:bodyPr>
+          <a:lstStyle/>
+          <a:p>
+            <a:pPr algn="ctr"/>
+            <a:r>
+              <a:rPr lang="zh-CN" altLang="en-US" dirty="0"/>
+              <a:t>查询</a:t>
+            </a:r>
+          </a:p>
+        </p:txBody>
+      </p:sp>
+      <p:sp>
+        <p:nvSpPr>
+          <p:cNvPr id="40" name="文本框 39">
+            <a:extLst>
+              <a:ext uri="{FF2B5EF4-FFF2-40B4-BE49-F238E27FC236}">
+                <a16:creationId xmlns:a16="http://schemas.microsoft.com/office/drawing/2014/main" id="{2BE6219D-7E27-4BBE-9ADF-59D8542A553C}"/>
+              </a:ext>
+            </a:extLst>
+          </p:cNvPr>
+          <p:cNvSpPr txBox="1"/>
+          <p:nvPr/>
+        </p:nvSpPr>
+        <p:spPr>
+          <a:xfrm>
+            <a:off x="-3395718" y="1973296"/>
+            <a:ext cx="461665" cy="1003300"/>
+          </a:xfrm>
+          <a:prstGeom prst="rect">
+            <a:avLst/>
+          </a:prstGeom>
+          <a:noFill/>
+        </p:spPr>
+        <p:txBody>
+          <a:bodyPr vert="eaVert" wrap="square" rtlCol="0">
+            <a:spAutoFit/>
+          </a:bodyPr>
+          <a:lstStyle/>
+          <a:p>
+            <a:pPr algn="ctr"/>
+            <a:r>
+              <a:rPr lang="zh-CN" altLang="en-US" dirty="0"/>
+              <a:t>成都</a:t>
+            </a:r>
+          </a:p>
+        </p:txBody>
+      </p:sp>
+      <p:sp>
+        <p:nvSpPr>
+          <p:cNvPr id="41" name="文本框 40">
+            <a:extLst>
+              <a:ext uri="{FF2B5EF4-FFF2-40B4-BE49-F238E27FC236}">
+                <a16:creationId xmlns:a16="http://schemas.microsoft.com/office/drawing/2014/main" id="{3EB615A1-2BBB-4E10-B8F4-8B227FA28A52}"/>
+              </a:ext>
+            </a:extLst>
+          </p:cNvPr>
+          <p:cNvSpPr txBox="1"/>
+          <p:nvPr/>
+        </p:nvSpPr>
+        <p:spPr>
+          <a:xfrm>
+            <a:off x="-3384846" y="3904732"/>
+            <a:ext cx="461665" cy="1003300"/>
+          </a:xfrm>
+          <a:prstGeom prst="rect">
+            <a:avLst/>
+          </a:prstGeom>
+          <a:noFill/>
+        </p:spPr>
+        <p:txBody>
+          <a:bodyPr vert="eaVert" wrap="square" rtlCol="0">
+            <a:spAutoFit/>
+          </a:bodyPr>
+          <a:lstStyle/>
+          <a:p>
+            <a:pPr algn="ctr"/>
+            <a:r>
+              <a:rPr lang="zh-CN" altLang="en-US" dirty="0"/>
+              <a:t>的</a:t>
+            </a:r>
+          </a:p>
+        </p:txBody>
+      </p:sp>
+      <p:sp>
+        <p:nvSpPr>
+          <p:cNvPr id="42" name="文本框 41">
+            <a:extLst>
+              <a:ext uri="{FF2B5EF4-FFF2-40B4-BE49-F238E27FC236}">
+                <a16:creationId xmlns:a16="http://schemas.microsoft.com/office/drawing/2014/main" id="{70992772-D310-4E14-B069-DC07AE8F3CC3}"/>
+              </a:ext>
+            </a:extLst>
+          </p:cNvPr>
+          <p:cNvSpPr txBox="1"/>
+          <p:nvPr/>
+        </p:nvSpPr>
+        <p:spPr>
+          <a:xfrm>
+            <a:off x="-3384846" y="5836168"/>
+            <a:ext cx="461665" cy="1003300"/>
+          </a:xfrm>
+          <a:prstGeom prst="rect">
+            <a:avLst/>
+          </a:prstGeom>
+          <a:noFill/>
+        </p:spPr>
+        <p:txBody>
+          <a:bodyPr vert="eaVert" wrap="square" rtlCol="0">
+            <a:spAutoFit/>
+          </a:bodyPr>
+          <a:lstStyle/>
+          <a:p>
+            <a:pPr algn="ctr"/>
+            <a:r>
+              <a:rPr lang="zh-CN" altLang="en-US" dirty="0"/>
+              <a:t>火车票</a:t>
+            </a:r>
+          </a:p>
+        </p:txBody>
+      </p:sp>
+      <p:cxnSp>
+        <p:nvCxnSpPr>
+          <p:cNvPr id="44" name="直接连接符 43">
+            <a:extLst>
+              <a:ext uri="{FF2B5EF4-FFF2-40B4-BE49-F238E27FC236}">
+                <a16:creationId xmlns:a16="http://schemas.microsoft.com/office/drawing/2014/main" id="{114121BD-A6AC-4CCF-A9BA-EEC9E5DFCDDF}"/>
+              </a:ext>
+            </a:extLst>
+          </p:cNvPr>
+          <p:cNvCxnSpPr>
+            <a:stCxn id="4" idx="3"/>
+          </p:cNvCxnSpPr>
+          <p:nvPr/>
+        </p:nvCxnSpPr>
+        <p:spPr>
+          <a:xfrm flipV="1">
+            <a:off x="-1046835" y="543510"/>
+            <a:ext cx="322935" cy="1"/>
+          </a:xfrm>
+          <a:prstGeom prst="line">
+            <a:avLst/>
+          </a:prstGeom>
+          <a:ln w="25400">
+            <a:solidFill>
+              <a:schemeClr val="tx1"/>
+            </a:solidFill>
+          </a:ln>
+        </p:spPr>
+        <p:style>
+          <a:lnRef idx="1">
+            <a:schemeClr val="accent1"/>
+          </a:lnRef>
+          <a:fillRef idx="0">
+            <a:schemeClr val="accent1"/>
+          </a:fillRef>
+          <a:effectRef idx="0">
+            <a:schemeClr val="accent1"/>
+          </a:effectRef>
+          <a:fontRef idx="minor">
+            <a:schemeClr val="tx1"/>
+          </a:fontRef>
+        </p:style>
+      </p:cxnSp>
+      <p:cxnSp>
+        <p:nvCxnSpPr>
+          <p:cNvPr id="45" name="直接连接符 44">
+            <a:extLst>
+              <a:ext uri="{FF2B5EF4-FFF2-40B4-BE49-F238E27FC236}">
+                <a16:creationId xmlns:a16="http://schemas.microsoft.com/office/drawing/2014/main" id="{775FED78-4A63-43F8-B06A-F5F428D5D8CC}"/>
+              </a:ext>
+            </a:extLst>
+          </p:cNvPr>
+          <p:cNvCxnSpPr/>
+          <p:nvPr/>
+        </p:nvCxnSpPr>
+        <p:spPr>
+          <a:xfrm flipV="1">
+            <a:off x="-1046835" y="2474946"/>
+            <a:ext cx="322935" cy="1"/>
+          </a:xfrm>
+          <a:prstGeom prst="line">
+            <a:avLst/>
+          </a:prstGeom>
+          <a:ln w="25400">
+            <a:solidFill>
+              <a:schemeClr val="tx1"/>
+            </a:solidFill>
+          </a:ln>
+        </p:spPr>
+        <p:style>
+          <a:lnRef idx="1">
+            <a:schemeClr val="accent1"/>
+          </a:lnRef>
+          <a:fillRef idx="0">
+            <a:schemeClr val="accent1"/>
+          </a:fillRef>
+          <a:effectRef idx="0">
+            <a:schemeClr val="accent1"/>
+          </a:effectRef>
+          <a:fontRef idx="minor">
+            <a:schemeClr val="tx1"/>
+          </a:fontRef>
+        </p:style>
+      </p:cxnSp>
+      <p:cxnSp>
+        <p:nvCxnSpPr>
+          <p:cNvPr id="46" name="直接连接符 45">
+            <a:extLst>
+              <a:ext uri="{FF2B5EF4-FFF2-40B4-BE49-F238E27FC236}">
+                <a16:creationId xmlns:a16="http://schemas.microsoft.com/office/drawing/2014/main" id="{3FDA23ED-094C-4F07-BB18-E5F792444D1A}"/>
+              </a:ext>
+            </a:extLst>
+          </p:cNvPr>
+          <p:cNvCxnSpPr/>
+          <p:nvPr/>
+        </p:nvCxnSpPr>
+        <p:spPr>
+          <a:xfrm flipV="1">
+            <a:off x="-1046835" y="4406381"/>
+            <a:ext cx="322935" cy="1"/>
+          </a:xfrm>
+          <a:prstGeom prst="line">
+            <a:avLst/>
+          </a:prstGeom>
+          <a:ln w="25400">
+            <a:solidFill>
+              <a:schemeClr val="tx1"/>
+            </a:solidFill>
+          </a:ln>
+        </p:spPr>
+        <p:style>
+          <a:lnRef idx="1">
+            <a:schemeClr val="accent1"/>
+          </a:lnRef>
+          <a:fillRef idx="0">
+            <a:schemeClr val="accent1"/>
+          </a:fillRef>
+          <a:effectRef idx="0">
+            <a:schemeClr val="accent1"/>
+          </a:effectRef>
+          <a:fontRef idx="minor">
+            <a:schemeClr val="tx1"/>
+          </a:fontRef>
+        </p:style>
+      </p:cxnSp>
+      <p:cxnSp>
+        <p:nvCxnSpPr>
+          <p:cNvPr id="47" name="直接连接符 46">
+            <a:extLst>
+              <a:ext uri="{FF2B5EF4-FFF2-40B4-BE49-F238E27FC236}">
+                <a16:creationId xmlns:a16="http://schemas.microsoft.com/office/drawing/2014/main" id="{47202E10-B3D5-40D0-9785-EFAA471724CF}"/>
+              </a:ext>
+            </a:extLst>
+          </p:cNvPr>
+          <p:cNvCxnSpPr/>
+          <p:nvPr/>
+        </p:nvCxnSpPr>
+        <p:spPr>
+          <a:xfrm flipV="1">
+            <a:off x="-1046835" y="6365290"/>
+            <a:ext cx="322935" cy="1"/>
+          </a:xfrm>
+          <a:prstGeom prst="line">
+            <a:avLst/>
+          </a:prstGeom>
+          <a:ln w="25400">
+            <a:solidFill>
+              <a:schemeClr val="tx1"/>
+            </a:solidFill>
+          </a:ln>
+        </p:spPr>
+        <p:style>
+          <a:lnRef idx="1">
+            <a:schemeClr val="accent1"/>
+          </a:lnRef>
+          <a:fillRef idx="0">
+            <a:schemeClr val="accent1"/>
+          </a:fillRef>
+          <a:effectRef idx="0">
+            <a:schemeClr val="accent1"/>
+          </a:effectRef>
+          <a:fontRef idx="minor">
+            <a:schemeClr val="tx1"/>
+          </a:fontRef>
+        </p:style>
+      </p:cxnSp>
+      <p:cxnSp>
+        <p:nvCxnSpPr>
+          <p:cNvPr id="49" name="直接连接符 48">
+            <a:extLst>
+              <a:ext uri="{FF2B5EF4-FFF2-40B4-BE49-F238E27FC236}">
+                <a16:creationId xmlns:a16="http://schemas.microsoft.com/office/drawing/2014/main" id="{99B85C0C-FF36-424D-8947-9BDAE292148E}"/>
+              </a:ext>
+            </a:extLst>
+          </p:cNvPr>
+          <p:cNvCxnSpPr/>
+          <p:nvPr/>
+        </p:nvCxnSpPr>
+        <p:spPr>
+          <a:xfrm>
+            <a:off x="-723900" y="543510"/>
+            <a:ext cx="0" cy="5794308"/>
+          </a:xfrm>
+          <a:prstGeom prst="line">
+            <a:avLst/>
+          </a:prstGeom>
+          <a:ln w="25400">
+            <a:solidFill>
+              <a:schemeClr val="tx1"/>
+            </a:solidFill>
+          </a:ln>
+        </p:spPr>
+        <p:style>
+          <a:lnRef idx="1">
+            <a:schemeClr val="accent1"/>
+          </a:lnRef>
+          <a:fillRef idx="0">
+            <a:schemeClr val="accent1"/>
+          </a:fillRef>
+          <a:effectRef idx="0">
+            <a:schemeClr val="accent1"/>
+          </a:effectRef>
+          <a:fontRef idx="minor">
+            <a:schemeClr val="tx1"/>
+          </a:fontRef>
+        </p:style>
+      </p:cxnSp>
+      <p:sp>
+        <p:nvSpPr>
+          <p:cNvPr id="50" name="矩形 49">
+            <a:extLst>
+              <a:ext uri="{FF2B5EF4-FFF2-40B4-BE49-F238E27FC236}">
+                <a16:creationId xmlns:a16="http://schemas.microsoft.com/office/drawing/2014/main" id="{7C2DA799-0EE7-4462-A71C-465F6558A0B6}"/>
+              </a:ext>
+            </a:extLst>
+          </p:cNvPr>
+          <p:cNvSpPr/>
+          <p:nvPr/>
+        </p:nvSpPr>
+        <p:spPr>
+          <a:xfrm>
+            <a:off x="-407815" y="2673486"/>
+            <a:ext cx="1236558" cy="1477344"/>
+          </a:xfrm>
+          <a:prstGeom prst="rect">
+            <a:avLst/>
+          </a:prstGeom>
+          <a:solidFill>
+            <a:schemeClr val="bg1"/>
+          </a:solidFill>
+          <a:ln w="25400">
+            <a:solidFill>
+              <a:schemeClr val="bg2">
+                <a:lumMod val="75000"/>
+              </a:schemeClr>
+            </a:solidFill>
+          </a:ln>
+        </p:spPr>
+        <p:style>
+          <a:lnRef idx="2">
+            <a:schemeClr val="accent1">
+              <a:shade val="50000"/>
+            </a:schemeClr>
+          </a:lnRef>
+          <a:fillRef idx="1">
+            <a:schemeClr val="accent1"/>
+          </a:fillRef>
+          <a:effectRef idx="0">
+            <a:schemeClr val="accent1"/>
+          </a:effectRef>
+          <a:fontRef idx="minor">
+            <a:schemeClr val="lt1"/>
+          </a:fontRef>
+        </p:style>
+        <p:txBody>
+          <a:bodyPr rtlCol="0" anchor="ctr"/>
+          <a:lstStyle/>
+          <a:p>
+            <a:pPr algn="ctr"/>
+            <a:endParaRPr lang="zh-CN" altLang="en-US"/>
+          </a:p>
+        </p:txBody>
+      </p:sp>
+      <p:sp>
+        <p:nvSpPr>
+          <p:cNvPr id="51" name="矩形 50">
+            <a:extLst>
+              <a:ext uri="{FF2B5EF4-FFF2-40B4-BE49-F238E27FC236}">
+                <a16:creationId xmlns:a16="http://schemas.microsoft.com/office/drawing/2014/main" id="{3FB00225-85D5-41E7-A9A7-C39ACD5703D5}"/>
+              </a:ext>
+            </a:extLst>
+          </p:cNvPr>
+          <p:cNvSpPr/>
+          <p:nvPr/>
+        </p:nvSpPr>
+        <p:spPr>
+          <a:xfrm>
+            <a:off x="-316030" y="2769900"/>
+            <a:ext cx="167951" cy="1268963"/>
+          </a:xfrm>
+          <a:prstGeom prst="rect">
+            <a:avLst/>
+          </a:prstGeom>
+          <a:solidFill>
+            <a:schemeClr val="bg1"/>
+          </a:solidFill>
+          <a:ln w="25400">
+            <a:solidFill>
+              <a:srgbClr val="DFA594"/>
+            </a:solidFill>
+          </a:ln>
+        </p:spPr>
+        <p:style>
+          <a:lnRef idx="2">
+            <a:schemeClr val="accent1">
+              <a:shade val="50000"/>
+            </a:schemeClr>
+          </a:lnRef>
+          <a:fillRef idx="1">
+            <a:schemeClr val="accent1"/>
+          </a:fillRef>
+          <a:effectRef idx="0">
+            <a:schemeClr val="accent1"/>
+          </a:effectRef>
+          <a:fontRef idx="minor">
+            <a:schemeClr val="lt1"/>
+          </a:fontRef>
+        </p:style>
+        <p:txBody>
+          <a:bodyPr rtlCol="0" anchor="ctr"/>
+          <a:lstStyle/>
+          <a:p>
+            <a:pPr algn="ctr"/>
+            <a:endParaRPr lang="zh-CN" altLang="en-US"/>
+          </a:p>
+        </p:txBody>
+      </p:sp>
+      <p:sp>
+        <p:nvSpPr>
+          <p:cNvPr id="52" name="矩形 51">
+            <a:extLst>
+              <a:ext uri="{FF2B5EF4-FFF2-40B4-BE49-F238E27FC236}">
+                <a16:creationId xmlns:a16="http://schemas.microsoft.com/office/drawing/2014/main" id="{AE49B4DD-A590-4BD8-828C-89EDB0C46759}"/>
+              </a:ext>
+            </a:extLst>
+          </p:cNvPr>
+          <p:cNvSpPr/>
+          <p:nvPr/>
+        </p:nvSpPr>
+        <p:spPr>
+          <a:xfrm>
+            <a:off x="-25847" y="2769900"/>
+            <a:ext cx="167951" cy="1268963"/>
+          </a:xfrm>
+          <a:prstGeom prst="rect">
+            <a:avLst/>
+          </a:prstGeom>
+          <a:solidFill>
+            <a:schemeClr val="bg1"/>
+          </a:solidFill>
+          <a:ln w="25400">
+            <a:solidFill>
+              <a:srgbClr val="DFA594"/>
+            </a:solidFill>
+          </a:ln>
+        </p:spPr>
+        <p:style>
+          <a:lnRef idx="2">
+            <a:schemeClr val="accent1">
+              <a:shade val="50000"/>
+            </a:schemeClr>
+          </a:lnRef>
+          <a:fillRef idx="1">
+            <a:schemeClr val="accent1"/>
+          </a:fillRef>
+          <a:effectRef idx="0">
+            <a:schemeClr val="accent1"/>
+          </a:effectRef>
+          <a:fontRef idx="minor">
+            <a:schemeClr val="lt1"/>
+          </a:fontRef>
+        </p:style>
+        <p:txBody>
+          <a:bodyPr rtlCol="0" anchor="ctr"/>
+          <a:lstStyle/>
+          <a:p>
+            <a:pPr algn="ctr"/>
+            <a:endParaRPr lang="zh-CN" altLang="en-US"/>
+          </a:p>
+        </p:txBody>
+      </p:sp>
+      <p:sp>
+        <p:nvSpPr>
+          <p:cNvPr id="53" name="矩形 52">
+            <a:extLst>
+              <a:ext uri="{FF2B5EF4-FFF2-40B4-BE49-F238E27FC236}">
+                <a16:creationId xmlns:a16="http://schemas.microsoft.com/office/drawing/2014/main" id="{B3AF4E21-6B46-4536-9BBC-412587B23300}"/>
+              </a:ext>
+            </a:extLst>
+          </p:cNvPr>
+          <p:cNvSpPr/>
+          <p:nvPr/>
+        </p:nvSpPr>
+        <p:spPr>
+          <a:xfrm>
+            <a:off x="256310" y="2769900"/>
+            <a:ext cx="167951" cy="1268963"/>
+          </a:xfrm>
+          <a:prstGeom prst="rect">
+            <a:avLst/>
+          </a:prstGeom>
+          <a:solidFill>
+            <a:schemeClr val="bg1"/>
+          </a:solidFill>
+          <a:ln w="25400">
+            <a:solidFill>
+              <a:srgbClr val="DFA594"/>
+            </a:solidFill>
+          </a:ln>
+        </p:spPr>
+        <p:style>
+          <a:lnRef idx="2">
+            <a:schemeClr val="accent1">
+              <a:shade val="50000"/>
+            </a:schemeClr>
+          </a:lnRef>
+          <a:fillRef idx="1">
+            <a:schemeClr val="accent1"/>
+          </a:fillRef>
+          <a:effectRef idx="0">
+            <a:schemeClr val="accent1"/>
+          </a:effectRef>
+          <a:fontRef idx="minor">
+            <a:schemeClr val="lt1"/>
+          </a:fontRef>
+        </p:style>
+        <p:txBody>
+          <a:bodyPr rtlCol="0" anchor="ctr"/>
+          <a:lstStyle/>
+          <a:p>
+            <a:pPr algn="ctr"/>
+            <a:endParaRPr lang="zh-CN" altLang="en-US"/>
+          </a:p>
+        </p:txBody>
+      </p:sp>
+      <p:sp>
+        <p:nvSpPr>
+          <p:cNvPr id="54" name="矩形 53">
+            <a:extLst>
+              <a:ext uri="{FF2B5EF4-FFF2-40B4-BE49-F238E27FC236}">
+                <a16:creationId xmlns:a16="http://schemas.microsoft.com/office/drawing/2014/main" id="{4A5E8DB4-5BFC-4D97-A804-4E8B9BB3284C}"/>
+              </a:ext>
+            </a:extLst>
+          </p:cNvPr>
+          <p:cNvSpPr/>
+          <p:nvPr/>
+        </p:nvSpPr>
+        <p:spPr>
+          <a:xfrm>
+            <a:off x="546493" y="2769900"/>
+            <a:ext cx="167951" cy="1268963"/>
+          </a:xfrm>
+          <a:prstGeom prst="rect">
+            <a:avLst/>
+          </a:prstGeom>
+          <a:solidFill>
+            <a:schemeClr val="bg1"/>
+          </a:solidFill>
+          <a:ln w="25400">
+            <a:solidFill>
+              <a:srgbClr val="DFA594"/>
+            </a:solidFill>
+          </a:ln>
+        </p:spPr>
+        <p:style>
+          <a:lnRef idx="2">
+            <a:schemeClr val="accent1">
+              <a:shade val="50000"/>
+            </a:schemeClr>
+          </a:lnRef>
+          <a:fillRef idx="1">
+            <a:schemeClr val="accent1"/>
+          </a:fillRef>
+          <a:effectRef idx="0">
+            <a:schemeClr val="accent1"/>
+          </a:effectRef>
+          <a:fontRef idx="minor">
+            <a:schemeClr val="lt1"/>
+          </a:fontRef>
+        </p:style>
+        <p:txBody>
+          <a:bodyPr rtlCol="0" anchor="ctr"/>
+          <a:lstStyle/>
+          <a:p>
+            <a:pPr algn="ctr"/>
+            <a:endParaRPr lang="zh-CN" altLang="en-US"/>
+          </a:p>
+        </p:txBody>
+      </p:sp>
+      <p:cxnSp>
+        <p:nvCxnSpPr>
+          <p:cNvPr id="60" name="直接箭头连接符 59">
+            <a:extLst>
+              <a:ext uri="{FF2B5EF4-FFF2-40B4-BE49-F238E27FC236}">
+                <a16:creationId xmlns:a16="http://schemas.microsoft.com/office/drawing/2014/main" id="{E54B16A1-F24B-4D74-A54A-8B1AF8C92108}"/>
+              </a:ext>
+            </a:extLst>
+          </p:cNvPr>
+          <p:cNvCxnSpPr/>
+          <p:nvPr/>
+        </p:nvCxnSpPr>
+        <p:spPr>
+          <a:xfrm>
+            <a:off x="-734387" y="3454400"/>
+            <a:ext cx="326572" cy="0"/>
+          </a:xfrm>
+          <a:prstGeom prst="straightConnector1">
+            <a:avLst/>
+          </a:prstGeom>
+          <a:ln w="25400">
+            <a:solidFill>
+              <a:schemeClr val="tx1"/>
+            </a:solidFill>
+            <a:tailEnd type="triangle" w="lg" len="lg"/>
+          </a:ln>
+        </p:spPr>
+        <p:style>
+          <a:lnRef idx="1">
+            <a:schemeClr val="accent1"/>
+          </a:lnRef>
+          <a:fillRef idx="0">
+            <a:schemeClr val="accent1"/>
+          </a:fillRef>
+          <a:effectRef idx="0">
+            <a:schemeClr val="accent1"/>
+          </a:effectRef>
+          <a:fontRef idx="minor">
+            <a:schemeClr val="tx1"/>
+          </a:fontRef>
+        </p:style>
+      </p:cxnSp>
+      <p:sp>
+        <p:nvSpPr>
+          <p:cNvPr id="62" name="流程图: 可选过程 61">
+            <a:extLst>
+              <a:ext uri="{FF2B5EF4-FFF2-40B4-BE49-F238E27FC236}">
+                <a16:creationId xmlns:a16="http://schemas.microsoft.com/office/drawing/2014/main" id="{DFD3914E-FEDB-421F-A291-C0FA204F5869}"/>
+              </a:ext>
+            </a:extLst>
+          </p:cNvPr>
+          <p:cNvSpPr/>
+          <p:nvPr/>
+        </p:nvSpPr>
+        <p:spPr>
+          <a:xfrm>
+            <a:off x="-3788233" y="-1320800"/>
+            <a:ext cx="4820322" cy="9709149"/>
+          </a:xfrm>
+          <a:prstGeom prst="flowChartAlternateProcess">
+            <a:avLst/>
+          </a:prstGeom>
+          <a:noFill/>
+          <a:ln w="25400">
+            <a:solidFill>
+              <a:schemeClr val="bg2">
+                <a:lumMod val="50000"/>
+              </a:schemeClr>
+            </a:solidFill>
+          </a:ln>
+        </p:spPr>
+        <p:style>
+          <a:lnRef idx="2">
+            <a:schemeClr val="accent1">
+              <a:shade val="50000"/>
+            </a:schemeClr>
+          </a:lnRef>
+          <a:fillRef idx="1">
+            <a:schemeClr val="accent1"/>
+          </a:fillRef>
+          <a:effectRef idx="0">
+            <a:schemeClr val="accent1"/>
+          </a:effectRef>
+          <a:fontRef idx="minor">
+            <a:schemeClr val="lt1"/>
+          </a:fontRef>
+        </p:style>
+        <p:txBody>
+          <a:bodyPr rtlCol="0" anchor="ctr"/>
+          <a:lstStyle/>
+          <a:p>
+            <a:pPr algn="ctr"/>
+            <a:endParaRPr lang="zh-CN" altLang="en-US"/>
+          </a:p>
+        </p:txBody>
+      </p:sp>
+      <p:sp>
+        <p:nvSpPr>
+          <p:cNvPr id="63" name="矩形: 圆角 62">
+            <a:extLst>
+              <a:ext uri="{FF2B5EF4-FFF2-40B4-BE49-F238E27FC236}">
+                <a16:creationId xmlns:a16="http://schemas.microsoft.com/office/drawing/2014/main" id="{029AA9B6-FF55-4F7D-958F-BF47D4D18CE8}"/>
+              </a:ext>
+            </a:extLst>
+          </p:cNvPr>
+          <p:cNvSpPr/>
+          <p:nvPr/>
+        </p:nvSpPr>
+        <p:spPr>
+          <a:xfrm>
+            <a:off x="2192202" y="-738415"/>
+            <a:ext cx="1981200" cy="2302460"/>
+          </a:xfrm>
+          <a:prstGeom prst="roundRect">
+            <a:avLst/>
+          </a:prstGeom>
+          <a:solidFill>
+            <a:srgbClr val="E7EBF5"/>
+          </a:solidFill>
+          <a:ln w="25400">
+            <a:solidFill>
+              <a:srgbClr val="9596C8"/>
+            </a:solidFill>
+          </a:ln>
+        </p:spPr>
+        <p:style>
+          <a:lnRef idx="2">
+            <a:schemeClr val="accent1">
+              <a:shade val="50000"/>
+            </a:schemeClr>
+          </a:lnRef>
+          <a:fillRef idx="1">
+            <a:schemeClr val="accent1"/>
+          </a:fillRef>
+          <a:effectRef idx="0">
+            <a:schemeClr val="accent1"/>
+          </a:effectRef>
+          <a:fontRef idx="minor">
+            <a:schemeClr val="lt1"/>
+          </a:fontRef>
+        </p:style>
+        <p:txBody>
+          <a:bodyPr rtlCol="0" anchor="ctr"/>
+          <a:lstStyle/>
+          <a:p>
+            <a:pPr algn="ctr"/>
+            <a:r>
+              <a:rPr lang="en-US" altLang="zh-CN" dirty="0">
+                <a:solidFill>
+                  <a:schemeClr val="tx1"/>
+                </a:solidFill>
+              </a:rPr>
+              <a:t>Service </a:t>
+            </a:r>
+          </a:p>
+          <a:p>
+            <a:pPr algn="ctr"/>
+            <a:r>
+              <a:rPr lang="en-US" altLang="zh-CN" dirty="0">
+                <a:solidFill>
+                  <a:schemeClr val="tx1"/>
+                </a:solidFill>
+              </a:rPr>
+              <a:t>Attention</a:t>
+            </a:r>
+            <a:endParaRPr lang="zh-CN" altLang="en-US" dirty="0">
+              <a:solidFill>
+                <a:schemeClr val="tx1"/>
+              </a:solidFill>
+            </a:endParaRPr>
+          </a:p>
+        </p:txBody>
+      </p:sp>
+      <p:sp>
+        <p:nvSpPr>
+          <p:cNvPr id="64" name="矩形: 圆角 63">
+            <a:extLst>
+              <a:ext uri="{FF2B5EF4-FFF2-40B4-BE49-F238E27FC236}">
+                <a16:creationId xmlns:a16="http://schemas.microsoft.com/office/drawing/2014/main" id="{A036EAD1-E9AA-415F-B2B4-56B777963BFC}"/>
+              </a:ext>
+            </a:extLst>
+          </p:cNvPr>
+          <p:cNvSpPr/>
+          <p:nvPr/>
+        </p:nvSpPr>
+        <p:spPr>
+          <a:xfrm>
+            <a:off x="2203859" y="2303170"/>
+            <a:ext cx="1981200" cy="2302460"/>
+          </a:xfrm>
+          <a:prstGeom prst="roundRect">
+            <a:avLst/>
+          </a:prstGeom>
+          <a:solidFill>
+            <a:srgbClr val="EEE7EE"/>
+          </a:solidFill>
+          <a:ln w="25400">
+            <a:solidFill>
+              <a:srgbClr val="CD8B8C"/>
+            </a:solidFill>
+          </a:ln>
+        </p:spPr>
+        <p:style>
+          <a:lnRef idx="2">
+            <a:schemeClr val="accent1">
+              <a:shade val="50000"/>
+            </a:schemeClr>
+          </a:lnRef>
+          <a:fillRef idx="1">
+            <a:schemeClr val="accent1"/>
+          </a:fillRef>
+          <a:effectRef idx="0">
+            <a:schemeClr val="accent1"/>
+          </a:effectRef>
+          <a:fontRef idx="minor">
+            <a:schemeClr val="lt1"/>
+          </a:fontRef>
+        </p:style>
+        <p:txBody>
+          <a:bodyPr rtlCol="0" anchor="ctr"/>
+          <a:lstStyle/>
+          <a:p>
+            <a:pPr algn="ctr"/>
+            <a:r>
+              <a:rPr lang="en-US" altLang="zh-CN" dirty="0">
+                <a:solidFill>
+                  <a:schemeClr val="tx1"/>
+                </a:solidFill>
+              </a:rPr>
+              <a:t>Interface </a:t>
+            </a:r>
+          </a:p>
+          <a:p>
+            <a:pPr algn="ctr"/>
+            <a:r>
+              <a:rPr lang="en-US" altLang="zh-CN" dirty="0">
+                <a:solidFill>
+                  <a:schemeClr val="tx1"/>
+                </a:solidFill>
+              </a:rPr>
+              <a:t>Attention</a:t>
+            </a:r>
+            <a:endParaRPr lang="zh-CN" altLang="en-US" dirty="0">
+              <a:solidFill>
+                <a:schemeClr val="tx1"/>
+              </a:solidFill>
+            </a:endParaRPr>
+          </a:p>
+        </p:txBody>
+      </p:sp>
+      <p:sp>
+        <p:nvSpPr>
+          <p:cNvPr id="65" name="矩形: 圆角 64">
+            <a:extLst>
+              <a:ext uri="{FF2B5EF4-FFF2-40B4-BE49-F238E27FC236}">
+                <a16:creationId xmlns:a16="http://schemas.microsoft.com/office/drawing/2014/main" id="{029AA9B6-FF55-4F7D-958F-BF47D4D18CE8}"/>
+              </a:ext>
+            </a:extLst>
+          </p:cNvPr>
+          <p:cNvSpPr/>
+          <p:nvPr/>
+        </p:nvSpPr>
+        <p:spPr>
+          <a:xfrm>
+            <a:off x="2192202" y="5426917"/>
+            <a:ext cx="1981200" cy="2302460"/>
+          </a:xfrm>
+          <a:prstGeom prst="roundRect">
+            <a:avLst/>
+          </a:prstGeom>
+          <a:solidFill>
+            <a:schemeClr val="accent6">
+              <a:lumMod val="20000"/>
+              <a:lumOff val="80000"/>
+            </a:schemeClr>
+          </a:solidFill>
+          <a:ln w="25400">
+            <a:solidFill>
+              <a:srgbClr val="92D050"/>
+            </a:solidFill>
+          </a:ln>
+        </p:spPr>
+        <p:style>
+          <a:lnRef idx="2">
+            <a:schemeClr val="accent1">
+              <a:shade val="50000"/>
+            </a:schemeClr>
+          </a:lnRef>
+          <a:fillRef idx="1">
+            <a:schemeClr val="accent1"/>
+          </a:fillRef>
+          <a:effectRef idx="0">
+            <a:schemeClr val="accent1"/>
+          </a:effectRef>
+          <a:fontRef idx="minor">
+            <a:schemeClr val="lt1"/>
+          </a:fontRef>
+        </p:style>
+        <p:txBody>
+          <a:bodyPr rot="0" spcFirstLastPara="0" vert="horz" wrap="square" lIns="91440" tIns="45720" rIns="91440" bIns="45720" numCol="1" spcCol="0" rtlCol="0" fromWordArt="0" anchor="ctr" anchorCtr="0" forceAA="0" compatLnSpc="1">
+            <a:prstTxWarp prst="textNoShape">
+              <a:avLst/>
+            </a:prstTxWarp>
+            <a:noAutofit/>
+          </a:bodyPr>
+          <a:lstStyle>
+            <a:defPPr>
+              <a:defRPr lang="zh-CN"/>
+            </a:defPPr>
+            <a:lvl1pPr marL="0" algn="l" defTabSz="914400" rtl="0" eaLnBrk="1" latinLnBrk="0" hangingPunct="1">
+              <a:defRPr sz="1800" kern="1200">
+                <a:solidFill>
+                  <a:schemeClr val="lt1"/>
+                </a:solidFill>
+                <a:latin typeface="+mn-lt"/>
+                <a:ea typeface="+mn-ea"/>
+                <a:cs typeface="+mn-cs"/>
+              </a:defRPr>
+            </a:lvl1pPr>
+            <a:lvl2pPr marL="457200" algn="l" defTabSz="914400" rtl="0" eaLnBrk="1" latinLnBrk="0" hangingPunct="1">
+              <a:defRPr sz="1800" kern="1200">
+                <a:solidFill>
+                  <a:schemeClr val="lt1"/>
+                </a:solidFill>
+                <a:latin typeface="+mn-lt"/>
+                <a:ea typeface="+mn-ea"/>
+                <a:cs typeface="+mn-cs"/>
+              </a:defRPr>
+            </a:lvl2pPr>
+            <a:lvl3pPr marL="914400" algn="l" defTabSz="914400" rtl="0" eaLnBrk="1" latinLnBrk="0" hangingPunct="1">
+              <a:defRPr sz="1800" kern="1200">
+                <a:solidFill>
+                  <a:schemeClr val="lt1"/>
+                </a:solidFill>
+                <a:latin typeface="+mn-lt"/>
+                <a:ea typeface="+mn-ea"/>
+                <a:cs typeface="+mn-cs"/>
+              </a:defRPr>
+            </a:lvl3pPr>
+            <a:lvl4pPr marL="1371600" algn="l" defTabSz="914400" rtl="0" eaLnBrk="1" latinLnBrk="0" hangingPunct="1">
+              <a:defRPr sz="1800" kern="1200">
+                <a:solidFill>
+                  <a:schemeClr val="lt1"/>
+                </a:solidFill>
+                <a:latin typeface="+mn-lt"/>
+                <a:ea typeface="+mn-ea"/>
+                <a:cs typeface="+mn-cs"/>
+              </a:defRPr>
+            </a:lvl4pPr>
+            <a:lvl5pPr marL="1828800" algn="l" defTabSz="914400" rtl="0" eaLnBrk="1" latinLnBrk="0" hangingPunct="1">
+              <a:defRPr sz="1800" kern="1200">
+                <a:solidFill>
+                  <a:schemeClr val="lt1"/>
+                </a:solidFill>
+                <a:latin typeface="+mn-lt"/>
+                <a:ea typeface="+mn-ea"/>
+                <a:cs typeface="+mn-cs"/>
+              </a:defRPr>
+            </a:lvl5pPr>
+            <a:lvl6pPr marL="2286000" algn="l" defTabSz="914400" rtl="0" eaLnBrk="1" latinLnBrk="0" hangingPunct="1">
+              <a:defRPr sz="1800" kern="1200">
+                <a:solidFill>
+                  <a:schemeClr val="lt1"/>
+                </a:solidFill>
+                <a:latin typeface="+mn-lt"/>
+                <a:ea typeface="+mn-ea"/>
+                <a:cs typeface="+mn-cs"/>
+              </a:defRPr>
+            </a:lvl6pPr>
+            <a:lvl7pPr marL="2743200" algn="l" defTabSz="914400" rtl="0" eaLnBrk="1" latinLnBrk="0" hangingPunct="1">
+              <a:defRPr sz="1800" kern="1200">
+                <a:solidFill>
+                  <a:schemeClr val="lt1"/>
+                </a:solidFill>
+                <a:latin typeface="+mn-lt"/>
+                <a:ea typeface="+mn-ea"/>
+                <a:cs typeface="+mn-cs"/>
+              </a:defRPr>
+            </a:lvl7pPr>
+            <a:lvl8pPr marL="3200400" algn="l" defTabSz="914400" rtl="0" eaLnBrk="1" latinLnBrk="0" hangingPunct="1">
+              <a:defRPr sz="1800" kern="1200">
+                <a:solidFill>
+                  <a:schemeClr val="lt1"/>
+                </a:solidFill>
+                <a:latin typeface="+mn-lt"/>
+                <a:ea typeface="+mn-ea"/>
+                <a:cs typeface="+mn-cs"/>
+              </a:defRPr>
+            </a:lvl8pPr>
+            <a:lvl9pPr marL="3657600" algn="l" defTabSz="914400" rtl="0" eaLnBrk="1" latinLnBrk="0" hangingPunct="1">
+              <a:defRPr sz="1800" kern="1200">
+                <a:solidFill>
+                  <a:schemeClr val="lt1"/>
+                </a:solidFill>
+                <a:latin typeface="+mn-lt"/>
+                <a:ea typeface="+mn-ea"/>
+                <a:cs typeface="+mn-cs"/>
+              </a:defRPr>
+            </a:lvl9pPr>
+          </a:lstStyle>
+          <a:p>
+            <a:pPr algn="ctr"/>
+            <a:r>
+              <a:rPr lang="en-US" altLang="zh-CN" dirty="0">
+                <a:solidFill>
+                  <a:schemeClr val="tx1"/>
+                </a:solidFill>
+              </a:rPr>
+              <a:t>Slot </a:t>
+            </a:r>
+          </a:p>
+          <a:p>
+            <a:pPr algn="ctr"/>
+            <a:r>
+              <a:rPr lang="en-US" altLang="zh-CN" dirty="0">
+                <a:solidFill>
+                  <a:schemeClr val="tx1"/>
+                </a:solidFill>
+              </a:rPr>
+              <a:t>Attention</a:t>
+            </a:r>
+            <a:endParaRPr lang="zh-CN" altLang="en-US" dirty="0">
+              <a:solidFill>
+                <a:schemeClr val="tx1"/>
+              </a:solidFill>
+            </a:endParaRPr>
+          </a:p>
+        </p:txBody>
+      </p:sp>
+      <p:cxnSp>
+        <p:nvCxnSpPr>
+          <p:cNvPr id="67" name="直接箭头连接符 66">
+            <a:extLst>
+              <a:ext uri="{FF2B5EF4-FFF2-40B4-BE49-F238E27FC236}">
+                <a16:creationId xmlns:a16="http://schemas.microsoft.com/office/drawing/2014/main" id="{9E941821-95E5-4390-92B4-D75E05386436}"/>
+              </a:ext>
+            </a:extLst>
+          </p:cNvPr>
+          <p:cNvCxnSpPr/>
+          <p:nvPr/>
+        </p:nvCxnSpPr>
+        <p:spPr>
+          <a:xfrm>
+            <a:off x="1397000" y="0"/>
+            <a:ext cx="806859" cy="0"/>
+          </a:xfrm>
+          <a:prstGeom prst="straightConnector1">
+            <a:avLst/>
+          </a:prstGeom>
+          <a:ln w="25400">
+            <a:solidFill>
+              <a:schemeClr val="tx1"/>
+            </a:solidFill>
+            <a:tailEnd type="triangle" w="lg" len="lg"/>
+          </a:ln>
+        </p:spPr>
+        <p:style>
+          <a:lnRef idx="1">
+            <a:schemeClr val="accent1"/>
+          </a:lnRef>
+          <a:fillRef idx="0">
+            <a:schemeClr val="accent1"/>
+          </a:fillRef>
+          <a:effectRef idx="0">
+            <a:schemeClr val="accent1"/>
+          </a:effectRef>
+          <a:fontRef idx="minor">
+            <a:schemeClr val="tx1"/>
+          </a:fontRef>
+        </p:style>
+      </p:cxnSp>
+      <p:cxnSp>
+        <p:nvCxnSpPr>
+          <p:cNvPr id="68" name="直接箭头连接符 67">
+            <a:extLst>
+              <a:ext uri="{FF2B5EF4-FFF2-40B4-BE49-F238E27FC236}">
+                <a16:creationId xmlns:a16="http://schemas.microsoft.com/office/drawing/2014/main" id="{B83ABEA5-C213-40F3-862D-DA1E6907248A}"/>
+              </a:ext>
+            </a:extLst>
+          </p:cNvPr>
+          <p:cNvCxnSpPr/>
+          <p:nvPr/>
+        </p:nvCxnSpPr>
+        <p:spPr>
+          <a:xfrm>
+            <a:off x="1397000" y="804768"/>
+            <a:ext cx="806859" cy="0"/>
+          </a:xfrm>
+          <a:prstGeom prst="straightConnector1">
+            <a:avLst/>
+          </a:prstGeom>
+          <a:ln w="25400">
+            <a:solidFill>
+              <a:schemeClr val="tx1"/>
+            </a:solidFill>
+            <a:tailEnd type="triangle" w="lg" len="lg"/>
+          </a:ln>
+        </p:spPr>
+        <p:style>
+          <a:lnRef idx="1">
+            <a:schemeClr val="accent1"/>
+          </a:lnRef>
+          <a:fillRef idx="0">
+            <a:schemeClr val="accent1"/>
+          </a:fillRef>
+          <a:effectRef idx="0">
+            <a:schemeClr val="accent1"/>
+          </a:effectRef>
+          <a:fontRef idx="minor">
+            <a:schemeClr val="tx1"/>
+          </a:fontRef>
+        </p:style>
+      </p:cxnSp>
+      <p:cxnSp>
+        <p:nvCxnSpPr>
+          <p:cNvPr id="69" name="直接箭头连接符 68">
+            <a:extLst>
+              <a:ext uri="{FF2B5EF4-FFF2-40B4-BE49-F238E27FC236}">
+                <a16:creationId xmlns:a16="http://schemas.microsoft.com/office/drawing/2014/main" id="{C007E5DA-40EF-43D9-810C-681E608889B3}"/>
+              </a:ext>
+            </a:extLst>
+          </p:cNvPr>
+          <p:cNvCxnSpPr>
+            <a:cxnSpLocks/>
+          </p:cNvCxnSpPr>
+          <p:nvPr/>
+        </p:nvCxnSpPr>
+        <p:spPr>
+          <a:xfrm>
+            <a:off x="1689100" y="3204622"/>
+            <a:ext cx="514759" cy="0"/>
+          </a:xfrm>
+          <a:prstGeom prst="straightConnector1">
+            <a:avLst/>
+          </a:prstGeom>
+          <a:ln w="25400">
+            <a:solidFill>
+              <a:schemeClr val="tx1"/>
+            </a:solidFill>
+            <a:tailEnd type="triangle" w="lg" len="lg"/>
+          </a:ln>
+        </p:spPr>
+        <p:style>
+          <a:lnRef idx="1">
+            <a:schemeClr val="accent1"/>
+          </a:lnRef>
+          <a:fillRef idx="0">
+            <a:schemeClr val="accent1"/>
+          </a:fillRef>
+          <a:effectRef idx="0">
+            <a:schemeClr val="accent1"/>
+          </a:effectRef>
+          <a:fontRef idx="minor">
+            <a:schemeClr val="tx1"/>
+          </a:fontRef>
+        </p:style>
+      </p:cxnSp>
+      <p:cxnSp>
+        <p:nvCxnSpPr>
+          <p:cNvPr id="70" name="直接箭头连接符 69">
+            <a:extLst>
+              <a:ext uri="{FF2B5EF4-FFF2-40B4-BE49-F238E27FC236}">
+                <a16:creationId xmlns:a16="http://schemas.microsoft.com/office/drawing/2014/main" id="{2C085CE3-B411-4537-BED1-8F0C4A1CADC2}"/>
+              </a:ext>
+            </a:extLst>
+          </p:cNvPr>
+          <p:cNvCxnSpPr/>
+          <p:nvPr/>
+        </p:nvCxnSpPr>
+        <p:spPr>
+          <a:xfrm>
+            <a:off x="1397000" y="3801969"/>
+            <a:ext cx="806859" cy="0"/>
+          </a:xfrm>
+          <a:prstGeom prst="straightConnector1">
+            <a:avLst/>
+          </a:prstGeom>
+          <a:ln w="25400">
+            <a:solidFill>
+              <a:schemeClr val="tx1"/>
+            </a:solidFill>
+            <a:tailEnd type="triangle" w="lg" len="lg"/>
+          </a:ln>
+        </p:spPr>
+        <p:style>
+          <a:lnRef idx="1">
+            <a:schemeClr val="accent1"/>
+          </a:lnRef>
+          <a:fillRef idx="0">
+            <a:schemeClr val="accent1"/>
+          </a:fillRef>
+          <a:effectRef idx="0">
+            <a:schemeClr val="accent1"/>
+          </a:effectRef>
+          <a:fontRef idx="minor">
+            <a:schemeClr val="tx1"/>
+          </a:fontRef>
+        </p:style>
+      </p:cxnSp>
+      <p:cxnSp>
+        <p:nvCxnSpPr>
+          <p:cNvPr id="71" name="直接箭头连接符 70">
+            <a:extLst>
+              <a:ext uri="{FF2B5EF4-FFF2-40B4-BE49-F238E27FC236}">
+                <a16:creationId xmlns:a16="http://schemas.microsoft.com/office/drawing/2014/main" id="{82B54281-EDEC-48CE-9227-843D12501F06}"/>
+              </a:ext>
+            </a:extLst>
+          </p:cNvPr>
+          <p:cNvCxnSpPr/>
+          <p:nvPr/>
+        </p:nvCxnSpPr>
+        <p:spPr>
+          <a:xfrm>
+            <a:off x="1397000" y="6202268"/>
+            <a:ext cx="806859" cy="0"/>
+          </a:xfrm>
+          <a:prstGeom prst="straightConnector1">
+            <a:avLst/>
+          </a:prstGeom>
+          <a:ln w="25400">
+            <a:solidFill>
+              <a:schemeClr val="tx1"/>
+            </a:solidFill>
+            <a:tailEnd type="triangle" w="lg" len="lg"/>
+          </a:ln>
+        </p:spPr>
+        <p:style>
+          <a:lnRef idx="1">
+            <a:schemeClr val="accent1"/>
+          </a:lnRef>
+          <a:fillRef idx="0">
+            <a:schemeClr val="accent1"/>
+          </a:fillRef>
+          <a:effectRef idx="0">
+            <a:schemeClr val="accent1"/>
+          </a:effectRef>
+          <a:fontRef idx="minor">
+            <a:schemeClr val="tx1"/>
+          </a:fontRef>
+        </p:style>
+      </p:cxnSp>
+      <p:cxnSp>
+        <p:nvCxnSpPr>
+          <p:cNvPr id="72" name="直接箭头连接符 71">
+            <a:extLst>
+              <a:ext uri="{FF2B5EF4-FFF2-40B4-BE49-F238E27FC236}">
+                <a16:creationId xmlns:a16="http://schemas.microsoft.com/office/drawing/2014/main" id="{FC86BD46-18B4-4382-AF0F-DAE6AD470F5A}"/>
+              </a:ext>
+            </a:extLst>
+          </p:cNvPr>
+          <p:cNvCxnSpPr/>
+          <p:nvPr/>
+        </p:nvCxnSpPr>
+        <p:spPr>
+          <a:xfrm>
+            <a:off x="1385343" y="6858000"/>
+            <a:ext cx="806859" cy="0"/>
+          </a:xfrm>
+          <a:prstGeom prst="straightConnector1">
+            <a:avLst/>
+          </a:prstGeom>
+          <a:ln w="25400">
+            <a:solidFill>
+              <a:schemeClr val="tx1"/>
+            </a:solidFill>
+            <a:tailEnd type="triangle" w="lg" len="lg"/>
+          </a:ln>
+        </p:spPr>
+        <p:style>
+          <a:lnRef idx="1">
+            <a:schemeClr val="accent1"/>
+          </a:lnRef>
+          <a:fillRef idx="0">
+            <a:schemeClr val="accent1"/>
+          </a:fillRef>
+          <a:effectRef idx="0">
+            <a:schemeClr val="accent1"/>
+          </a:effectRef>
+          <a:fontRef idx="minor">
+            <a:schemeClr val="tx1"/>
+          </a:fontRef>
+        </p:style>
+      </p:cxnSp>
+      <p:cxnSp>
+        <p:nvCxnSpPr>
+          <p:cNvPr id="74" name="直接连接符 73">
+            <a:extLst>
+              <a:ext uri="{FF2B5EF4-FFF2-40B4-BE49-F238E27FC236}">
+                <a16:creationId xmlns:a16="http://schemas.microsoft.com/office/drawing/2014/main" id="{BFD73B73-869D-4436-9FD4-481A1408490D}"/>
+              </a:ext>
+            </a:extLst>
+          </p:cNvPr>
+          <p:cNvCxnSpPr/>
+          <p:nvPr/>
+        </p:nvCxnSpPr>
+        <p:spPr>
+          <a:xfrm>
+            <a:off x="1397000" y="804768"/>
+            <a:ext cx="0" cy="5397500"/>
+          </a:xfrm>
+          <a:prstGeom prst="line">
+            <a:avLst/>
+          </a:prstGeom>
+          <a:ln w="25400">
+            <a:solidFill>
+              <a:schemeClr val="tx1"/>
+            </a:solidFill>
+          </a:ln>
+        </p:spPr>
+        <p:style>
+          <a:lnRef idx="1">
+            <a:schemeClr val="accent1"/>
+          </a:lnRef>
+          <a:fillRef idx="0">
+            <a:schemeClr val="accent1"/>
+          </a:fillRef>
+          <a:effectRef idx="0">
+            <a:schemeClr val="accent1"/>
+          </a:effectRef>
+          <a:fontRef idx="minor">
+            <a:schemeClr val="tx1"/>
+          </a:fontRef>
+        </p:style>
+      </p:cxnSp>
+      <p:cxnSp>
+        <p:nvCxnSpPr>
+          <p:cNvPr id="77" name="直接连接符 76">
+            <a:extLst>
+              <a:ext uri="{FF2B5EF4-FFF2-40B4-BE49-F238E27FC236}">
+                <a16:creationId xmlns:a16="http://schemas.microsoft.com/office/drawing/2014/main" id="{6D405F28-1D09-49A7-BC19-3817931C4182}"/>
+              </a:ext>
+            </a:extLst>
+          </p:cNvPr>
+          <p:cNvCxnSpPr>
+            <a:cxnSpLocks/>
+            <a:stCxn id="50" idx="3"/>
+          </p:cNvCxnSpPr>
+          <p:nvPr/>
+        </p:nvCxnSpPr>
+        <p:spPr>
+          <a:xfrm>
+            <a:off x="828743" y="3412158"/>
+            <a:ext cx="556600" cy="0"/>
+          </a:xfrm>
+          <a:prstGeom prst="line">
+            <a:avLst/>
+          </a:prstGeom>
+          <a:ln w="25400">
+            <a:solidFill>
+              <a:schemeClr val="tx1"/>
+            </a:solidFill>
+          </a:ln>
+        </p:spPr>
+        <p:style>
+          <a:lnRef idx="1">
+            <a:schemeClr val="accent1"/>
+          </a:lnRef>
+          <a:fillRef idx="0">
+            <a:schemeClr val="accent1"/>
+          </a:fillRef>
+          <a:effectRef idx="0">
+            <a:schemeClr val="accent1"/>
+          </a:effectRef>
+          <a:fontRef idx="minor">
+            <a:schemeClr val="tx1"/>
+          </a:fontRef>
+        </p:style>
+      </p:cxnSp>
+      <mc:AlternateContent xmlns:mc="http://schemas.openxmlformats.org/markup-compatibility/2006">
+        <mc:Choice xmlns:a14="http://schemas.microsoft.com/office/drawing/2010/main" Requires="a14">
+          <p:sp>
+            <p:nvSpPr>
+              <p:cNvPr id="79" name="文本框 78">
+                <a:extLst>
+                  <a:ext uri="{FF2B5EF4-FFF2-40B4-BE49-F238E27FC236}">
+                    <a16:creationId xmlns:a16="http://schemas.microsoft.com/office/drawing/2014/main" id="{8B36CA69-BF81-4674-9830-ED08F7FDABE7}"/>
+                  </a:ext>
+                </a:extLst>
+              </p:cNvPr>
+              <p:cNvSpPr txBox="1"/>
+              <p:nvPr/>
+            </p:nvSpPr>
+            <p:spPr>
+              <a:xfrm>
+                <a:off x="1515722" y="-486188"/>
+                <a:ext cx="546100" cy="369332"/>
+              </a:xfrm>
+              <a:prstGeom prst="rect">
+                <a:avLst/>
+              </a:prstGeom>
+              <a:noFill/>
+            </p:spPr>
+            <p:txBody>
+              <a:bodyPr wrap="square" rtlCol="0">
+                <a:spAutoFit/>
+              </a:bodyPr>
+              <a:lstStyle/>
+              <a:p>
+                <a14:m>
+                  <m:oMathPara xmlns:m="http://schemas.openxmlformats.org/officeDocument/2006/math">
+                    <m:oMathParaPr>
+                      <m:jc m:val="centerGroup"/>
+                    </m:oMathParaPr>
+                    <m:oMath xmlns:m="http://schemas.openxmlformats.org/officeDocument/2006/math">
+                      <m:sSup>
+                        <m:sSupPr>
+                          <m:ctrlPr>
+                            <a:rPr lang="en-US" altLang="zh-CN" i="1" smtClean="0">
+                              <a:latin typeface="Cambria Math" panose="02040503050406030204" pitchFamily="18" charset="0"/>
+                            </a:rPr>
+                          </m:ctrlPr>
+                        </m:sSupPr>
+                        <m:e>
+                          <m:r>
+                            <a:rPr lang="en-US" altLang="zh-CN" b="0" i="1" smtClean="0">
+                              <a:latin typeface="Cambria Math" panose="02040503050406030204" pitchFamily="18" charset="0"/>
+                            </a:rPr>
+                            <m:t>𝑊</m:t>
+                          </m:r>
+                        </m:e>
+                        <m:sup>
+                          <m:r>
+                            <a:rPr lang="en-US" altLang="zh-CN" b="0" i="1" smtClean="0">
+                              <a:latin typeface="Cambria Math" panose="02040503050406030204" pitchFamily="18" charset="0"/>
+                            </a:rPr>
+                            <m:t>𝐷</m:t>
+                          </m:r>
+                        </m:sup>
+                      </m:sSup>
+                    </m:oMath>
+                  </m:oMathPara>
+                </a14:m>
+                <a:endParaRPr lang="zh-CN" altLang="en-US" dirty="0"/>
+              </a:p>
+            </p:txBody>
+          </p:sp>
+        </mc:Choice>
+        <mc:Fallback>
+          <p:sp>
+            <p:nvSpPr>
+              <p:cNvPr id="79" name="文本框 78">
+                <a:extLst>
+                  <a:ext uri="{FF2B5EF4-FFF2-40B4-BE49-F238E27FC236}">
+                    <a16:creationId xmlns:a16="http://schemas.microsoft.com/office/drawing/2014/main" id="{8B36CA69-BF81-4674-9830-ED08F7FDABE7}"/>
+                  </a:ext>
+                </a:extLst>
+              </p:cNvPr>
+              <p:cNvSpPr txBox="1">
+                <a:spLocks noRot="1" noChangeAspect="1" noMove="1" noResize="1" noEditPoints="1" noAdjustHandles="1" noChangeArrowheads="1" noChangeShapeType="1" noTextEdit="1"/>
+              </p:cNvSpPr>
+              <p:nvPr/>
+            </p:nvSpPr>
+            <p:spPr>
+              <a:xfrm>
+                <a:off x="1515722" y="-486188"/>
+                <a:ext cx="546100" cy="369332"/>
+              </a:xfrm>
+              <a:prstGeom prst="rect">
+                <a:avLst/>
+              </a:prstGeom>
+              <a:blipFill>
+                <a:blip r:embed="rId2"/>
+                <a:stretch>
+                  <a:fillRect/>
+                </a:stretch>
+              </a:blipFill>
+            </p:spPr>
+            <p:txBody>
+              <a:bodyPr/>
+              <a:lstStyle/>
+              <a:p>
+                <a:r>
+                  <a:rPr lang="zh-CN" altLang="en-US">
+                    <a:noFill/>
+                  </a:rPr>
+                  <a:t> </a:t>
+                </a:r>
+              </a:p>
+            </p:txBody>
+          </p:sp>
+        </mc:Fallback>
+      </mc:AlternateContent>
+      <mc:AlternateContent xmlns:mc="http://schemas.openxmlformats.org/markup-compatibility/2006">
+        <mc:Choice xmlns:a14="http://schemas.microsoft.com/office/drawing/2010/main" Requires="a14">
+          <p:sp>
+            <p:nvSpPr>
+              <p:cNvPr id="80" name="文本框 79">
+                <a:extLst>
+                  <a:ext uri="{FF2B5EF4-FFF2-40B4-BE49-F238E27FC236}">
+                    <a16:creationId xmlns:a16="http://schemas.microsoft.com/office/drawing/2014/main" id="{3AC72051-53A1-420B-8973-922B8A4C8C04}"/>
+                  </a:ext>
+                </a:extLst>
+              </p:cNvPr>
+              <p:cNvSpPr txBox="1"/>
+              <p:nvPr/>
+            </p:nvSpPr>
+            <p:spPr>
+              <a:xfrm>
+                <a:off x="1526612" y="6376395"/>
+                <a:ext cx="546100" cy="370230"/>
+              </a:xfrm>
+              <a:prstGeom prst="rect">
+                <a:avLst/>
+              </a:prstGeom>
+              <a:noFill/>
+            </p:spPr>
+            <p:txBody>
+              <a:bodyPr wrap="square" rtlCol="0">
+                <a:spAutoFit/>
+              </a:bodyPr>
+              <a:lstStyle/>
+              <a:p>
+                <a14:m>
+                  <m:oMathPara xmlns:m="http://schemas.openxmlformats.org/officeDocument/2006/math">
+                    <m:oMathParaPr>
+                      <m:jc m:val="centerGroup"/>
+                    </m:oMathParaPr>
+                    <m:oMath xmlns:m="http://schemas.openxmlformats.org/officeDocument/2006/math">
+                      <m:sSup>
+                        <m:sSupPr>
+                          <m:ctrlPr>
+                            <a:rPr lang="en-US" altLang="zh-CN" i="1" smtClean="0">
+                              <a:latin typeface="Cambria Math" panose="02040503050406030204" pitchFamily="18" charset="0"/>
+                            </a:rPr>
+                          </m:ctrlPr>
+                        </m:sSupPr>
+                        <m:e>
+                          <m:r>
+                            <a:rPr lang="en-US" altLang="zh-CN" b="0" i="1" smtClean="0">
+                              <a:latin typeface="Cambria Math" panose="02040503050406030204" pitchFamily="18" charset="0"/>
+                            </a:rPr>
+                            <m:t>𝑊</m:t>
+                          </m:r>
+                        </m:e>
+                        <m:sup>
+                          <m:r>
+                            <a:rPr lang="en-US" altLang="zh-CN" b="0" i="1" smtClean="0">
+                              <a:latin typeface="Cambria Math" panose="02040503050406030204" pitchFamily="18" charset="0"/>
+                            </a:rPr>
+                            <m:t>𝑆</m:t>
+                          </m:r>
+                        </m:sup>
+                      </m:sSup>
+                    </m:oMath>
+                  </m:oMathPara>
+                </a14:m>
+                <a:endParaRPr lang="zh-CN" altLang="en-US" dirty="0"/>
+              </a:p>
+            </p:txBody>
+          </p:sp>
+        </mc:Choice>
+        <mc:Fallback>
+          <p:sp>
+            <p:nvSpPr>
+              <p:cNvPr id="80" name="文本框 79">
+                <a:extLst>
+                  <a:ext uri="{FF2B5EF4-FFF2-40B4-BE49-F238E27FC236}">
+                    <a16:creationId xmlns:a16="http://schemas.microsoft.com/office/drawing/2014/main" id="{3AC72051-53A1-420B-8973-922B8A4C8C04}"/>
+                  </a:ext>
+                </a:extLst>
+              </p:cNvPr>
+              <p:cNvSpPr txBox="1">
+                <a:spLocks noRot="1" noChangeAspect="1" noMove="1" noResize="1" noEditPoints="1" noAdjustHandles="1" noChangeArrowheads="1" noChangeShapeType="1" noTextEdit="1"/>
+              </p:cNvSpPr>
+              <p:nvPr/>
+            </p:nvSpPr>
+            <p:spPr>
+              <a:xfrm>
+                <a:off x="1526612" y="6376395"/>
+                <a:ext cx="546100" cy="370230"/>
+              </a:xfrm>
+              <a:prstGeom prst="rect">
+                <a:avLst/>
+              </a:prstGeom>
+              <a:blipFill>
+                <a:blip r:embed="rId3"/>
+                <a:stretch>
+                  <a:fillRect/>
+                </a:stretch>
+              </a:blipFill>
+            </p:spPr>
+            <p:txBody>
+              <a:bodyPr/>
+              <a:lstStyle/>
+              <a:p>
+                <a:r>
+                  <a:rPr lang="zh-CN" altLang="en-US">
+                    <a:noFill/>
+                  </a:rPr>
+                  <a:t> </a:t>
+                </a:r>
+              </a:p>
+            </p:txBody>
+          </p:sp>
+        </mc:Fallback>
+      </mc:AlternateContent>
+      <mc:AlternateContent xmlns:mc="http://schemas.openxmlformats.org/markup-compatibility/2006">
+        <mc:Choice xmlns:a14="http://schemas.microsoft.com/office/drawing/2010/main" Requires="a14">
+          <p:sp>
+            <p:nvSpPr>
+              <p:cNvPr id="81" name="文本框 80">
+                <a:extLst>
+                  <a:ext uri="{FF2B5EF4-FFF2-40B4-BE49-F238E27FC236}">
+                    <a16:creationId xmlns:a16="http://schemas.microsoft.com/office/drawing/2014/main" id="{7E843CA1-364E-4B83-85EE-3308981E4364}"/>
+                  </a:ext>
+                </a:extLst>
+              </p:cNvPr>
+              <p:cNvSpPr txBox="1"/>
+              <p:nvPr/>
+            </p:nvSpPr>
+            <p:spPr>
+              <a:xfrm>
+                <a:off x="1677852" y="2714864"/>
+                <a:ext cx="546100" cy="369332"/>
+              </a:xfrm>
+              <a:prstGeom prst="rect">
+                <a:avLst/>
+              </a:prstGeom>
+              <a:noFill/>
+            </p:spPr>
+            <p:txBody>
+              <a:bodyPr wrap="square" rtlCol="0">
+                <a:spAutoFit/>
+              </a:bodyPr>
+              <a:lstStyle/>
+              <a:p>
+                <a14:m>
+                  <m:oMathPara xmlns:m="http://schemas.openxmlformats.org/officeDocument/2006/math">
+                    <m:oMathParaPr>
+                      <m:jc m:val="centerGroup"/>
+                    </m:oMathParaPr>
+                    <m:oMath xmlns:m="http://schemas.openxmlformats.org/officeDocument/2006/math">
+                      <m:sSup>
+                        <m:sSupPr>
+                          <m:ctrlPr>
+                            <a:rPr lang="en-US" altLang="zh-CN" i="1" smtClean="0">
+                              <a:latin typeface="Cambria Math" panose="02040503050406030204" pitchFamily="18" charset="0"/>
+                            </a:rPr>
+                          </m:ctrlPr>
+                        </m:sSupPr>
+                        <m:e>
+                          <m:r>
+                            <a:rPr lang="en-US" altLang="zh-CN" b="0" i="1" smtClean="0">
+                              <a:latin typeface="Cambria Math" panose="02040503050406030204" pitchFamily="18" charset="0"/>
+                            </a:rPr>
+                            <m:t>𝑊</m:t>
+                          </m:r>
+                        </m:e>
+                        <m:sup>
+                          <m:r>
+                            <a:rPr lang="en-US" altLang="zh-CN" b="0" i="1" smtClean="0">
+                              <a:latin typeface="Cambria Math" panose="02040503050406030204" pitchFamily="18" charset="0"/>
+                            </a:rPr>
+                            <m:t>𝐼</m:t>
+                          </m:r>
+                        </m:sup>
+                      </m:sSup>
+                    </m:oMath>
+                  </m:oMathPara>
+                </a14:m>
+                <a:endParaRPr lang="zh-CN" altLang="en-US" dirty="0"/>
+              </a:p>
+            </p:txBody>
+          </p:sp>
+        </mc:Choice>
+        <mc:Fallback>
+          <p:sp>
+            <p:nvSpPr>
+              <p:cNvPr id="81" name="文本框 80">
+                <a:extLst>
+                  <a:ext uri="{FF2B5EF4-FFF2-40B4-BE49-F238E27FC236}">
+                    <a16:creationId xmlns:a16="http://schemas.microsoft.com/office/drawing/2014/main" id="{7E843CA1-364E-4B83-85EE-3308981E4364}"/>
+                  </a:ext>
+                </a:extLst>
+              </p:cNvPr>
+              <p:cNvSpPr txBox="1">
+                <a:spLocks noRot="1" noChangeAspect="1" noMove="1" noResize="1" noEditPoints="1" noAdjustHandles="1" noChangeArrowheads="1" noChangeShapeType="1" noTextEdit="1"/>
+              </p:cNvSpPr>
+              <p:nvPr/>
+            </p:nvSpPr>
+            <p:spPr>
+              <a:xfrm>
+                <a:off x="1677852" y="2714864"/>
+                <a:ext cx="546100" cy="369332"/>
+              </a:xfrm>
+              <a:prstGeom prst="rect">
+                <a:avLst/>
+              </a:prstGeom>
+              <a:blipFill>
+                <a:blip r:embed="rId4"/>
+                <a:stretch>
+                  <a:fillRect/>
+                </a:stretch>
+              </a:blipFill>
+            </p:spPr>
+            <p:txBody>
+              <a:bodyPr/>
+              <a:lstStyle/>
+              <a:p>
+                <a:r>
+                  <a:rPr lang="zh-CN" altLang="en-US">
+                    <a:noFill/>
+                  </a:rPr>
+                  <a:t> </a:t>
+                </a:r>
+              </a:p>
+            </p:txBody>
+          </p:sp>
+        </mc:Fallback>
+      </mc:AlternateContent>
+      <p:sp>
+        <p:nvSpPr>
+          <p:cNvPr id="82" name="矩形 81">
+            <a:extLst>
+              <a:ext uri="{FF2B5EF4-FFF2-40B4-BE49-F238E27FC236}">
+                <a16:creationId xmlns:a16="http://schemas.microsoft.com/office/drawing/2014/main" id="{47ED4E36-A9A5-4A77-8700-ED8CC51E248C}"/>
+              </a:ext>
+            </a:extLst>
+          </p:cNvPr>
+          <p:cNvSpPr/>
+          <p:nvPr/>
+        </p:nvSpPr>
+        <p:spPr>
+          <a:xfrm>
+            <a:off x="4940426" y="2667782"/>
+            <a:ext cx="1236558" cy="1477344"/>
+          </a:xfrm>
+          <a:prstGeom prst="rect">
+            <a:avLst/>
+          </a:prstGeom>
+          <a:solidFill>
+            <a:schemeClr val="bg1"/>
+          </a:solidFill>
+          <a:ln w="25400">
+            <a:solidFill>
+              <a:schemeClr val="bg2">
+                <a:lumMod val="75000"/>
+              </a:schemeClr>
+            </a:solidFill>
+          </a:ln>
+        </p:spPr>
+        <p:style>
+          <a:lnRef idx="2">
+            <a:schemeClr val="accent1">
+              <a:shade val="50000"/>
+            </a:schemeClr>
+          </a:lnRef>
+          <a:fillRef idx="1">
+            <a:schemeClr val="accent1"/>
+          </a:fillRef>
+          <a:effectRef idx="0">
+            <a:schemeClr val="accent1"/>
+          </a:effectRef>
+          <a:fontRef idx="minor">
+            <a:schemeClr val="lt1"/>
+          </a:fontRef>
+        </p:style>
+        <p:txBody>
+          <a:bodyPr rtlCol="0" anchor="ctr"/>
+          <a:lstStyle/>
+          <a:p>
+            <a:pPr algn="ctr"/>
+            <a:endParaRPr lang="zh-CN" altLang="en-US"/>
+          </a:p>
+        </p:txBody>
+      </p:sp>
+      <p:sp>
+        <p:nvSpPr>
+          <p:cNvPr id="83" name="矩形 82">
+            <a:extLst>
+              <a:ext uri="{FF2B5EF4-FFF2-40B4-BE49-F238E27FC236}">
+                <a16:creationId xmlns:a16="http://schemas.microsoft.com/office/drawing/2014/main" id="{9C8EB9B3-8710-4A34-9999-E0AC53E63B50}"/>
+              </a:ext>
+            </a:extLst>
+          </p:cNvPr>
+          <p:cNvSpPr/>
+          <p:nvPr/>
+        </p:nvSpPr>
+        <p:spPr>
+          <a:xfrm>
+            <a:off x="5032211" y="2764196"/>
+            <a:ext cx="167951" cy="1268963"/>
+          </a:xfrm>
+          <a:prstGeom prst="rect">
+            <a:avLst/>
+          </a:prstGeom>
+          <a:solidFill>
+            <a:srgbClr val="EEE7EE"/>
+          </a:solidFill>
+          <a:ln w="25400">
+            <a:solidFill>
+              <a:srgbClr val="DFA594"/>
+            </a:solidFill>
+          </a:ln>
+        </p:spPr>
+        <p:style>
+          <a:lnRef idx="2">
+            <a:schemeClr val="accent1">
+              <a:shade val="50000"/>
+            </a:schemeClr>
+          </a:lnRef>
+          <a:fillRef idx="1">
+            <a:schemeClr val="accent1"/>
+          </a:fillRef>
+          <a:effectRef idx="0">
+            <a:schemeClr val="accent1"/>
+          </a:effectRef>
+          <a:fontRef idx="minor">
+            <a:schemeClr val="lt1"/>
+          </a:fontRef>
+        </p:style>
+        <p:txBody>
+          <a:bodyPr rtlCol="0" anchor="ctr"/>
+          <a:lstStyle/>
+          <a:p>
+            <a:pPr algn="ctr"/>
+            <a:endParaRPr lang="zh-CN" altLang="en-US"/>
+          </a:p>
+        </p:txBody>
+      </p:sp>
+      <p:sp>
+        <p:nvSpPr>
+          <p:cNvPr id="84" name="矩形 83">
+            <a:extLst>
+              <a:ext uri="{FF2B5EF4-FFF2-40B4-BE49-F238E27FC236}">
+                <a16:creationId xmlns:a16="http://schemas.microsoft.com/office/drawing/2014/main" id="{9FE51B86-B217-48BF-B4AE-E34359949AA9}"/>
+              </a:ext>
+            </a:extLst>
+          </p:cNvPr>
+          <p:cNvSpPr/>
+          <p:nvPr/>
+        </p:nvSpPr>
+        <p:spPr>
+          <a:xfrm>
+            <a:off x="5322394" y="2764196"/>
+            <a:ext cx="167951" cy="1268963"/>
+          </a:xfrm>
+          <a:prstGeom prst="rect">
+            <a:avLst/>
+          </a:prstGeom>
+          <a:solidFill>
+            <a:srgbClr val="EEE7EE"/>
+          </a:solidFill>
+          <a:ln w="25400">
+            <a:solidFill>
+              <a:srgbClr val="DFA594"/>
+            </a:solidFill>
+          </a:ln>
+        </p:spPr>
+        <p:style>
+          <a:lnRef idx="2">
+            <a:schemeClr val="accent1">
+              <a:shade val="50000"/>
+            </a:schemeClr>
+          </a:lnRef>
+          <a:fillRef idx="1">
+            <a:schemeClr val="accent1"/>
+          </a:fillRef>
+          <a:effectRef idx="0">
+            <a:schemeClr val="accent1"/>
+          </a:effectRef>
+          <a:fontRef idx="minor">
+            <a:schemeClr val="lt1"/>
+          </a:fontRef>
+        </p:style>
+        <p:txBody>
+          <a:bodyPr rtlCol="0" anchor="ctr"/>
+          <a:lstStyle/>
+          <a:p>
+            <a:pPr algn="ctr"/>
+            <a:endParaRPr lang="zh-CN" altLang="en-US"/>
+          </a:p>
+        </p:txBody>
+      </p:sp>
+      <p:sp>
+        <p:nvSpPr>
+          <p:cNvPr id="85" name="矩形 84">
+            <a:extLst>
+              <a:ext uri="{FF2B5EF4-FFF2-40B4-BE49-F238E27FC236}">
+                <a16:creationId xmlns:a16="http://schemas.microsoft.com/office/drawing/2014/main" id="{6DF1D21D-A029-4E8C-AAD4-24ABC1087580}"/>
+              </a:ext>
+            </a:extLst>
+          </p:cNvPr>
+          <p:cNvSpPr/>
+          <p:nvPr/>
+        </p:nvSpPr>
+        <p:spPr>
+          <a:xfrm>
+            <a:off x="5604551" y="2764196"/>
+            <a:ext cx="167951" cy="1268963"/>
+          </a:xfrm>
+          <a:prstGeom prst="rect">
+            <a:avLst/>
+          </a:prstGeom>
+          <a:solidFill>
+            <a:srgbClr val="EEE7EE"/>
+          </a:solidFill>
+          <a:ln w="25400">
+            <a:solidFill>
+              <a:srgbClr val="DFA594"/>
+            </a:solidFill>
+          </a:ln>
+        </p:spPr>
+        <p:style>
+          <a:lnRef idx="2">
+            <a:schemeClr val="accent1">
+              <a:shade val="50000"/>
+            </a:schemeClr>
+          </a:lnRef>
+          <a:fillRef idx="1">
+            <a:schemeClr val="accent1"/>
+          </a:fillRef>
+          <a:effectRef idx="0">
+            <a:schemeClr val="accent1"/>
+          </a:effectRef>
+          <a:fontRef idx="minor">
+            <a:schemeClr val="lt1"/>
+          </a:fontRef>
+        </p:style>
+        <p:txBody>
+          <a:bodyPr rtlCol="0" anchor="ctr"/>
+          <a:lstStyle/>
+          <a:p>
+            <a:pPr algn="ctr"/>
+            <a:endParaRPr lang="zh-CN" altLang="en-US"/>
+          </a:p>
+        </p:txBody>
+      </p:sp>
+      <p:sp>
+        <p:nvSpPr>
+          <p:cNvPr id="86" name="矩形 85">
+            <a:extLst>
+              <a:ext uri="{FF2B5EF4-FFF2-40B4-BE49-F238E27FC236}">
+                <a16:creationId xmlns:a16="http://schemas.microsoft.com/office/drawing/2014/main" id="{DE868AC7-BC8F-44E4-BCCF-4C7C377B5DF6}"/>
+              </a:ext>
+            </a:extLst>
+          </p:cNvPr>
+          <p:cNvSpPr/>
+          <p:nvPr/>
+        </p:nvSpPr>
+        <p:spPr>
+          <a:xfrm>
+            <a:off x="5894734" y="2764196"/>
+            <a:ext cx="167951" cy="1268963"/>
+          </a:xfrm>
+          <a:prstGeom prst="rect">
+            <a:avLst/>
+          </a:prstGeom>
+          <a:solidFill>
+            <a:srgbClr val="EEE7EE"/>
+          </a:solidFill>
+          <a:ln w="25400">
+            <a:solidFill>
+              <a:srgbClr val="DFA594"/>
+            </a:solidFill>
+          </a:ln>
+        </p:spPr>
+        <p:style>
+          <a:lnRef idx="2">
+            <a:schemeClr val="accent1">
+              <a:shade val="50000"/>
+            </a:schemeClr>
+          </a:lnRef>
+          <a:fillRef idx="1">
+            <a:schemeClr val="accent1"/>
+          </a:fillRef>
+          <a:effectRef idx="0">
+            <a:schemeClr val="accent1"/>
+          </a:effectRef>
+          <a:fontRef idx="minor">
+            <a:schemeClr val="lt1"/>
+          </a:fontRef>
+        </p:style>
+        <p:txBody>
+          <a:bodyPr rtlCol="0" anchor="ctr"/>
+          <a:lstStyle/>
+          <a:p>
+            <a:pPr algn="ctr"/>
+            <a:endParaRPr lang="zh-CN" altLang="en-US"/>
+          </a:p>
+        </p:txBody>
+      </p:sp>
+      <p:cxnSp>
+        <p:nvCxnSpPr>
+          <p:cNvPr id="88" name="直接箭头连接符 87">
+            <a:extLst>
+              <a:ext uri="{FF2B5EF4-FFF2-40B4-BE49-F238E27FC236}">
+                <a16:creationId xmlns:a16="http://schemas.microsoft.com/office/drawing/2014/main" id="{A949685D-CCB6-49E6-8CF0-9B3065090048}"/>
+              </a:ext>
+            </a:extLst>
+          </p:cNvPr>
+          <p:cNvCxnSpPr>
+            <a:stCxn id="64" idx="3"/>
+          </p:cNvCxnSpPr>
+          <p:nvPr/>
+        </p:nvCxnSpPr>
+        <p:spPr>
+          <a:xfrm>
+            <a:off x="4185059" y="3454400"/>
+            <a:ext cx="755367" cy="0"/>
+          </a:xfrm>
+          <a:prstGeom prst="straightConnector1">
+            <a:avLst/>
+          </a:prstGeom>
+          <a:ln w="25400">
+            <a:solidFill>
+              <a:schemeClr val="tx1"/>
+            </a:solidFill>
+            <a:tailEnd type="triangle" w="lg" len="lg"/>
+          </a:ln>
+        </p:spPr>
+        <p:style>
+          <a:lnRef idx="1">
+            <a:schemeClr val="accent1"/>
+          </a:lnRef>
+          <a:fillRef idx="0">
+            <a:schemeClr val="accent1"/>
+          </a:fillRef>
+          <a:effectRef idx="0">
+            <a:schemeClr val="accent1"/>
+          </a:effectRef>
+          <a:fontRef idx="minor">
+            <a:schemeClr val="tx1"/>
+          </a:fontRef>
+        </p:style>
+      </p:cxnSp>
+      <p:sp>
+        <p:nvSpPr>
+          <p:cNvPr id="89" name="矩形 88">
+            <a:extLst>
+              <a:ext uri="{FF2B5EF4-FFF2-40B4-BE49-F238E27FC236}">
+                <a16:creationId xmlns:a16="http://schemas.microsoft.com/office/drawing/2014/main" id="{63192304-BAA8-4719-8CED-B18E454A4176}"/>
+              </a:ext>
+            </a:extLst>
+          </p:cNvPr>
+          <p:cNvSpPr/>
+          <p:nvPr/>
+        </p:nvSpPr>
+        <p:spPr>
+          <a:xfrm>
+            <a:off x="4933143" y="-432184"/>
+            <a:ext cx="1236558" cy="1477344"/>
+          </a:xfrm>
+          <a:prstGeom prst="rect">
+            <a:avLst/>
+          </a:prstGeom>
+          <a:solidFill>
+            <a:schemeClr val="bg1"/>
+          </a:solidFill>
+          <a:ln w="25400">
+            <a:solidFill>
+              <a:schemeClr val="bg2">
+                <a:lumMod val="75000"/>
+              </a:schemeClr>
+            </a:solidFill>
+          </a:ln>
+        </p:spPr>
+        <p:style>
+          <a:lnRef idx="2">
+            <a:schemeClr val="accent1">
+              <a:shade val="50000"/>
+            </a:schemeClr>
+          </a:lnRef>
+          <a:fillRef idx="1">
+            <a:schemeClr val="accent1"/>
+          </a:fillRef>
+          <a:effectRef idx="0">
+            <a:schemeClr val="accent1"/>
+          </a:effectRef>
+          <a:fontRef idx="minor">
+            <a:schemeClr val="lt1"/>
+          </a:fontRef>
+        </p:style>
+        <p:txBody>
+          <a:bodyPr rtlCol="0" anchor="ctr"/>
+          <a:lstStyle/>
+          <a:p>
+            <a:pPr algn="ctr"/>
+            <a:endParaRPr lang="zh-CN" altLang="en-US"/>
+          </a:p>
+        </p:txBody>
+      </p:sp>
+      <p:sp>
+        <p:nvSpPr>
+          <p:cNvPr id="90" name="矩形 89">
+            <a:extLst>
+              <a:ext uri="{FF2B5EF4-FFF2-40B4-BE49-F238E27FC236}">
+                <a16:creationId xmlns:a16="http://schemas.microsoft.com/office/drawing/2014/main" id="{16885F31-C9CC-44DF-AD8D-1A36AB75E3EE}"/>
+              </a:ext>
+            </a:extLst>
+          </p:cNvPr>
+          <p:cNvSpPr/>
+          <p:nvPr/>
+        </p:nvSpPr>
+        <p:spPr>
+          <a:xfrm>
+            <a:off x="5024928" y="-335770"/>
+            <a:ext cx="167951" cy="1268963"/>
+          </a:xfrm>
+          <a:prstGeom prst="rect">
+            <a:avLst/>
+          </a:prstGeom>
+          <a:solidFill>
+            <a:srgbClr val="E7EBF5"/>
+          </a:solidFill>
+          <a:ln w="25400">
+            <a:solidFill>
+              <a:srgbClr val="9596C8"/>
+            </a:solidFill>
+          </a:ln>
+        </p:spPr>
+        <p:style>
+          <a:lnRef idx="2">
+            <a:schemeClr val="accent1">
+              <a:shade val="50000"/>
+            </a:schemeClr>
+          </a:lnRef>
+          <a:fillRef idx="1">
+            <a:schemeClr val="accent1"/>
+          </a:fillRef>
+          <a:effectRef idx="0">
+            <a:schemeClr val="accent1"/>
+          </a:effectRef>
+          <a:fontRef idx="minor">
+            <a:schemeClr val="lt1"/>
+          </a:fontRef>
+        </p:style>
+        <p:txBody>
+          <a:bodyPr rtlCol="0" anchor="ctr"/>
+          <a:lstStyle/>
+          <a:p>
+            <a:pPr algn="ctr"/>
+            <a:endParaRPr lang="zh-CN" altLang="en-US"/>
+          </a:p>
+        </p:txBody>
+      </p:sp>
+      <p:sp>
+        <p:nvSpPr>
+          <p:cNvPr id="91" name="矩形 90">
+            <a:extLst>
+              <a:ext uri="{FF2B5EF4-FFF2-40B4-BE49-F238E27FC236}">
+                <a16:creationId xmlns:a16="http://schemas.microsoft.com/office/drawing/2014/main" id="{B5178123-D8EF-47BC-9595-80DD2F3DBE68}"/>
+              </a:ext>
+            </a:extLst>
+          </p:cNvPr>
+          <p:cNvSpPr/>
+          <p:nvPr/>
+        </p:nvSpPr>
+        <p:spPr>
+          <a:xfrm>
+            <a:off x="5315111" y="-335770"/>
+            <a:ext cx="167951" cy="1268963"/>
+          </a:xfrm>
+          <a:prstGeom prst="rect">
+            <a:avLst/>
+          </a:prstGeom>
+          <a:solidFill>
+            <a:srgbClr val="E7EBF5"/>
+          </a:solidFill>
+          <a:ln w="25400">
+            <a:solidFill>
+              <a:srgbClr val="9596C8"/>
+            </a:solidFill>
+          </a:ln>
+        </p:spPr>
+        <p:style>
+          <a:lnRef idx="2">
+            <a:schemeClr val="accent1">
+              <a:shade val="50000"/>
+            </a:schemeClr>
+          </a:lnRef>
+          <a:fillRef idx="1">
+            <a:schemeClr val="accent1"/>
+          </a:fillRef>
+          <a:effectRef idx="0">
+            <a:schemeClr val="accent1"/>
+          </a:effectRef>
+          <a:fontRef idx="minor">
+            <a:schemeClr val="lt1"/>
+          </a:fontRef>
+        </p:style>
+        <p:txBody>
+          <a:bodyPr rtlCol="0" anchor="ctr"/>
+          <a:lstStyle/>
+          <a:p>
+            <a:pPr algn="ctr"/>
+            <a:endParaRPr lang="zh-CN" altLang="en-US"/>
+          </a:p>
+        </p:txBody>
+      </p:sp>
+      <p:sp>
+        <p:nvSpPr>
+          <p:cNvPr id="92" name="矩形 91">
+            <a:extLst>
+              <a:ext uri="{FF2B5EF4-FFF2-40B4-BE49-F238E27FC236}">
+                <a16:creationId xmlns:a16="http://schemas.microsoft.com/office/drawing/2014/main" id="{C818C7A4-78FD-44FB-BB8B-3C5853D894D5}"/>
+              </a:ext>
+            </a:extLst>
+          </p:cNvPr>
+          <p:cNvSpPr/>
+          <p:nvPr/>
+        </p:nvSpPr>
+        <p:spPr>
+          <a:xfrm>
+            <a:off x="5597268" y="-335770"/>
+            <a:ext cx="167951" cy="1268963"/>
+          </a:xfrm>
+          <a:prstGeom prst="rect">
+            <a:avLst/>
+          </a:prstGeom>
+          <a:solidFill>
+            <a:srgbClr val="E7EBF5"/>
+          </a:solidFill>
+          <a:ln w="25400">
+            <a:solidFill>
+              <a:srgbClr val="9596C8"/>
+            </a:solidFill>
+          </a:ln>
+        </p:spPr>
+        <p:style>
+          <a:lnRef idx="2">
+            <a:schemeClr val="accent1">
+              <a:shade val="50000"/>
+            </a:schemeClr>
+          </a:lnRef>
+          <a:fillRef idx="1">
+            <a:schemeClr val="accent1"/>
+          </a:fillRef>
+          <a:effectRef idx="0">
+            <a:schemeClr val="accent1"/>
+          </a:effectRef>
+          <a:fontRef idx="minor">
+            <a:schemeClr val="lt1"/>
+          </a:fontRef>
+        </p:style>
+        <p:txBody>
+          <a:bodyPr rtlCol="0" anchor="ctr"/>
+          <a:lstStyle/>
+          <a:p>
+            <a:pPr algn="ctr"/>
+            <a:endParaRPr lang="zh-CN" altLang="en-US"/>
+          </a:p>
+        </p:txBody>
+      </p:sp>
+      <p:sp>
+        <p:nvSpPr>
+          <p:cNvPr id="93" name="矩形 92">
+            <a:extLst>
+              <a:ext uri="{FF2B5EF4-FFF2-40B4-BE49-F238E27FC236}">
+                <a16:creationId xmlns:a16="http://schemas.microsoft.com/office/drawing/2014/main" id="{988722AD-36D7-4E0F-A3C7-64CE046FAF1E}"/>
+              </a:ext>
+            </a:extLst>
+          </p:cNvPr>
+          <p:cNvSpPr/>
+          <p:nvPr/>
+        </p:nvSpPr>
+        <p:spPr>
+          <a:xfrm>
+            <a:off x="5887451" y="-335770"/>
+            <a:ext cx="167951" cy="1268963"/>
+          </a:xfrm>
+          <a:prstGeom prst="rect">
+            <a:avLst/>
+          </a:prstGeom>
+          <a:solidFill>
+            <a:srgbClr val="E7EBF5"/>
+          </a:solidFill>
+          <a:ln w="25400">
+            <a:solidFill>
+              <a:srgbClr val="9596C8"/>
+            </a:solidFill>
+          </a:ln>
+        </p:spPr>
+        <p:style>
+          <a:lnRef idx="2">
+            <a:schemeClr val="accent1">
+              <a:shade val="50000"/>
+            </a:schemeClr>
+          </a:lnRef>
+          <a:fillRef idx="1">
+            <a:schemeClr val="accent1"/>
+          </a:fillRef>
+          <a:effectRef idx="0">
+            <a:schemeClr val="accent1"/>
+          </a:effectRef>
+          <a:fontRef idx="minor">
+            <a:schemeClr val="lt1"/>
+          </a:fontRef>
+        </p:style>
+        <p:txBody>
+          <a:bodyPr rtlCol="0" anchor="ctr"/>
+          <a:lstStyle/>
+          <a:p>
+            <a:pPr algn="ctr"/>
+            <a:endParaRPr lang="zh-CN" altLang="en-US"/>
+          </a:p>
+        </p:txBody>
+      </p:sp>
+      <p:cxnSp>
+        <p:nvCxnSpPr>
+          <p:cNvPr id="94" name="直接箭头连接符 93">
+            <a:extLst>
+              <a:ext uri="{FF2B5EF4-FFF2-40B4-BE49-F238E27FC236}">
+                <a16:creationId xmlns:a16="http://schemas.microsoft.com/office/drawing/2014/main" id="{A17D5BCF-0904-4BFE-83B5-1E2983F843EC}"/>
+              </a:ext>
+            </a:extLst>
+          </p:cNvPr>
+          <p:cNvCxnSpPr/>
+          <p:nvPr/>
+        </p:nvCxnSpPr>
+        <p:spPr>
+          <a:xfrm>
+            <a:off x="4177776" y="354434"/>
+            <a:ext cx="755367" cy="0"/>
+          </a:xfrm>
+          <a:prstGeom prst="straightConnector1">
+            <a:avLst/>
+          </a:prstGeom>
+          <a:ln w="25400">
+            <a:solidFill>
+              <a:schemeClr val="tx1"/>
+            </a:solidFill>
+            <a:tailEnd type="triangle" w="lg" len="lg"/>
+          </a:ln>
+        </p:spPr>
+        <p:style>
+          <a:lnRef idx="1">
+            <a:schemeClr val="accent1"/>
+          </a:lnRef>
+          <a:fillRef idx="0">
+            <a:schemeClr val="accent1"/>
+          </a:fillRef>
+          <a:effectRef idx="0">
+            <a:schemeClr val="accent1"/>
+          </a:effectRef>
+          <a:fontRef idx="minor">
+            <a:schemeClr val="tx1"/>
+          </a:fontRef>
+        </p:style>
+      </p:cxnSp>
+      <p:sp>
+        <p:nvSpPr>
+          <p:cNvPr id="95" name="矩形 94">
+            <a:extLst>
+              <a:ext uri="{FF2B5EF4-FFF2-40B4-BE49-F238E27FC236}">
+                <a16:creationId xmlns:a16="http://schemas.microsoft.com/office/drawing/2014/main" id="{7A2DEC78-B6D9-4A64-9AA3-0B995F88CA38}"/>
+              </a:ext>
+            </a:extLst>
+          </p:cNvPr>
+          <p:cNvSpPr/>
+          <p:nvPr/>
+        </p:nvSpPr>
+        <p:spPr>
+          <a:xfrm>
+            <a:off x="4918270" y="5833837"/>
+            <a:ext cx="1236558" cy="1477344"/>
+          </a:xfrm>
+          <a:prstGeom prst="rect">
+            <a:avLst/>
+          </a:prstGeom>
+          <a:solidFill>
+            <a:schemeClr val="bg1"/>
+          </a:solidFill>
+          <a:ln w="25400">
+            <a:solidFill>
+              <a:schemeClr val="bg2">
+                <a:lumMod val="75000"/>
+              </a:schemeClr>
+            </a:solidFill>
+          </a:ln>
+        </p:spPr>
+        <p:style>
+          <a:lnRef idx="2">
+            <a:schemeClr val="accent1">
+              <a:shade val="50000"/>
+            </a:schemeClr>
+          </a:lnRef>
+          <a:fillRef idx="1">
+            <a:schemeClr val="accent1"/>
+          </a:fillRef>
+          <a:effectRef idx="0">
+            <a:schemeClr val="accent1"/>
+          </a:effectRef>
+          <a:fontRef idx="minor">
+            <a:schemeClr val="lt1"/>
+          </a:fontRef>
+        </p:style>
+        <p:txBody>
+          <a:bodyPr rtlCol="0" anchor="ctr"/>
+          <a:lstStyle/>
+          <a:p>
+            <a:pPr algn="ctr"/>
+            <a:endParaRPr lang="zh-CN" altLang="en-US"/>
+          </a:p>
+        </p:txBody>
+      </p:sp>
+      <p:sp>
+        <p:nvSpPr>
+          <p:cNvPr id="96" name="矩形 95">
+            <a:extLst>
+              <a:ext uri="{FF2B5EF4-FFF2-40B4-BE49-F238E27FC236}">
+                <a16:creationId xmlns:a16="http://schemas.microsoft.com/office/drawing/2014/main" id="{EE0922C7-D135-403B-AD77-49595694A528}"/>
+              </a:ext>
+            </a:extLst>
+          </p:cNvPr>
+          <p:cNvSpPr/>
+          <p:nvPr/>
+        </p:nvSpPr>
+        <p:spPr>
+          <a:xfrm>
+            <a:off x="5010055" y="5930251"/>
+            <a:ext cx="167951" cy="1268963"/>
+          </a:xfrm>
+          <a:prstGeom prst="rect">
+            <a:avLst/>
+          </a:prstGeom>
+          <a:solidFill>
+            <a:srgbClr val="E2F0D9"/>
+          </a:solidFill>
+          <a:ln w="25400">
+            <a:solidFill>
+              <a:srgbClr val="92D050"/>
+            </a:solidFill>
+          </a:ln>
+        </p:spPr>
+        <p:style>
+          <a:lnRef idx="2">
+            <a:schemeClr val="accent1">
+              <a:shade val="50000"/>
+            </a:schemeClr>
+          </a:lnRef>
+          <a:fillRef idx="1">
+            <a:schemeClr val="accent1"/>
+          </a:fillRef>
+          <a:effectRef idx="0">
+            <a:schemeClr val="accent1"/>
+          </a:effectRef>
+          <a:fontRef idx="minor">
+            <a:schemeClr val="lt1"/>
+          </a:fontRef>
+        </p:style>
+        <p:txBody>
+          <a:bodyPr rtlCol="0" anchor="ctr"/>
+          <a:lstStyle/>
+          <a:p>
+            <a:pPr algn="ctr"/>
+            <a:endParaRPr lang="zh-CN" altLang="en-US"/>
+          </a:p>
+        </p:txBody>
+      </p:sp>
+      <p:sp>
+        <p:nvSpPr>
+          <p:cNvPr id="97" name="矩形 96">
+            <a:extLst>
+              <a:ext uri="{FF2B5EF4-FFF2-40B4-BE49-F238E27FC236}">
+                <a16:creationId xmlns:a16="http://schemas.microsoft.com/office/drawing/2014/main" id="{6108C8BC-9797-4FFE-870A-EBB7F54E7368}"/>
+              </a:ext>
+            </a:extLst>
+          </p:cNvPr>
+          <p:cNvSpPr/>
+          <p:nvPr/>
+        </p:nvSpPr>
+        <p:spPr>
+          <a:xfrm>
+            <a:off x="5300238" y="5930251"/>
+            <a:ext cx="167951" cy="1268963"/>
+          </a:xfrm>
+          <a:prstGeom prst="rect">
+            <a:avLst/>
+          </a:prstGeom>
+          <a:solidFill>
+            <a:srgbClr val="E2F0D9"/>
+          </a:solidFill>
+          <a:ln w="25400">
+            <a:solidFill>
+              <a:srgbClr val="92D050"/>
+            </a:solidFill>
+          </a:ln>
+        </p:spPr>
+        <p:style>
+          <a:lnRef idx="2">
+            <a:schemeClr val="accent1">
+              <a:shade val="50000"/>
+            </a:schemeClr>
+          </a:lnRef>
+          <a:fillRef idx="1">
+            <a:schemeClr val="accent1"/>
+          </a:fillRef>
+          <a:effectRef idx="0">
+            <a:schemeClr val="accent1"/>
+          </a:effectRef>
+          <a:fontRef idx="minor">
+            <a:schemeClr val="lt1"/>
+          </a:fontRef>
+        </p:style>
+        <p:txBody>
+          <a:bodyPr rtlCol="0" anchor="ctr"/>
+          <a:lstStyle/>
+          <a:p>
+            <a:pPr algn="ctr"/>
+            <a:endParaRPr lang="zh-CN" altLang="en-US"/>
+          </a:p>
+        </p:txBody>
+      </p:sp>
+      <p:sp>
+        <p:nvSpPr>
+          <p:cNvPr id="98" name="矩形 97">
+            <a:extLst>
+              <a:ext uri="{FF2B5EF4-FFF2-40B4-BE49-F238E27FC236}">
+                <a16:creationId xmlns:a16="http://schemas.microsoft.com/office/drawing/2014/main" id="{C7EA7777-BB55-4810-8C08-379E2328D521}"/>
+              </a:ext>
+            </a:extLst>
+          </p:cNvPr>
+          <p:cNvSpPr/>
+          <p:nvPr/>
+        </p:nvSpPr>
+        <p:spPr>
+          <a:xfrm>
+            <a:off x="5582395" y="5930251"/>
+            <a:ext cx="167951" cy="1268963"/>
+          </a:xfrm>
+          <a:prstGeom prst="rect">
+            <a:avLst/>
+          </a:prstGeom>
+          <a:solidFill>
+            <a:srgbClr val="E2F0D9"/>
+          </a:solidFill>
+          <a:ln w="25400">
+            <a:solidFill>
+              <a:srgbClr val="92D050"/>
+            </a:solidFill>
+          </a:ln>
+        </p:spPr>
+        <p:style>
+          <a:lnRef idx="2">
+            <a:schemeClr val="accent1">
+              <a:shade val="50000"/>
+            </a:schemeClr>
+          </a:lnRef>
+          <a:fillRef idx="1">
+            <a:schemeClr val="accent1"/>
+          </a:fillRef>
+          <a:effectRef idx="0">
+            <a:schemeClr val="accent1"/>
+          </a:effectRef>
+          <a:fontRef idx="minor">
+            <a:schemeClr val="lt1"/>
+          </a:fontRef>
+        </p:style>
+        <p:txBody>
+          <a:bodyPr rtlCol="0" anchor="ctr"/>
+          <a:lstStyle/>
+          <a:p>
+            <a:pPr algn="ctr"/>
+            <a:endParaRPr lang="zh-CN" altLang="en-US"/>
+          </a:p>
+        </p:txBody>
+      </p:sp>
+      <p:sp>
+        <p:nvSpPr>
+          <p:cNvPr id="99" name="矩形 98">
+            <a:extLst>
+              <a:ext uri="{FF2B5EF4-FFF2-40B4-BE49-F238E27FC236}">
+                <a16:creationId xmlns:a16="http://schemas.microsoft.com/office/drawing/2014/main" id="{B6626A69-292E-4435-9BE5-AC0463518283}"/>
+              </a:ext>
+            </a:extLst>
+          </p:cNvPr>
+          <p:cNvSpPr/>
+          <p:nvPr/>
+        </p:nvSpPr>
+        <p:spPr>
+          <a:xfrm>
+            <a:off x="5872578" y="5930251"/>
+            <a:ext cx="167951" cy="1268963"/>
+          </a:xfrm>
+          <a:prstGeom prst="rect">
+            <a:avLst/>
+          </a:prstGeom>
+          <a:solidFill>
+            <a:srgbClr val="E2F0D9"/>
+          </a:solidFill>
+          <a:ln w="25400">
+            <a:solidFill>
+              <a:srgbClr val="92D050"/>
+            </a:solidFill>
+          </a:ln>
+        </p:spPr>
+        <p:style>
+          <a:lnRef idx="2">
+            <a:schemeClr val="accent1">
+              <a:shade val="50000"/>
+            </a:schemeClr>
+          </a:lnRef>
+          <a:fillRef idx="1">
+            <a:schemeClr val="accent1"/>
+          </a:fillRef>
+          <a:effectRef idx="0">
+            <a:schemeClr val="accent1"/>
+          </a:effectRef>
+          <a:fontRef idx="minor">
+            <a:schemeClr val="lt1"/>
+          </a:fontRef>
+        </p:style>
+        <p:txBody>
+          <a:bodyPr rtlCol="0" anchor="ctr"/>
+          <a:lstStyle/>
+          <a:p>
+            <a:pPr algn="ctr"/>
+            <a:endParaRPr lang="zh-CN" altLang="en-US"/>
+          </a:p>
+        </p:txBody>
+      </p:sp>
+      <p:cxnSp>
+        <p:nvCxnSpPr>
+          <p:cNvPr id="100" name="直接箭头连接符 99">
+            <a:extLst>
+              <a:ext uri="{FF2B5EF4-FFF2-40B4-BE49-F238E27FC236}">
+                <a16:creationId xmlns:a16="http://schemas.microsoft.com/office/drawing/2014/main" id="{CD2A92F4-92C9-41BC-94FD-DAC78154CF1A}"/>
+              </a:ext>
+            </a:extLst>
+          </p:cNvPr>
+          <p:cNvCxnSpPr/>
+          <p:nvPr/>
+        </p:nvCxnSpPr>
+        <p:spPr>
+          <a:xfrm>
+            <a:off x="4162903" y="6620455"/>
+            <a:ext cx="755367" cy="0"/>
+          </a:xfrm>
+          <a:prstGeom prst="straightConnector1">
+            <a:avLst/>
+          </a:prstGeom>
+          <a:ln w="25400">
+            <a:solidFill>
+              <a:schemeClr val="tx1"/>
+            </a:solidFill>
+            <a:tailEnd type="triangle" w="lg" len="lg"/>
+          </a:ln>
+        </p:spPr>
+        <p:style>
+          <a:lnRef idx="1">
+            <a:schemeClr val="accent1"/>
+          </a:lnRef>
+          <a:fillRef idx="0">
+            <a:schemeClr val="accent1"/>
+          </a:fillRef>
+          <a:effectRef idx="0">
+            <a:schemeClr val="accent1"/>
+          </a:effectRef>
+          <a:fontRef idx="minor">
+            <a:schemeClr val="tx1"/>
+          </a:fontRef>
+        </p:style>
+      </p:cxnSp>
+      <p:sp>
+        <p:nvSpPr>
+          <p:cNvPr id="101" name="矩形: 圆角 100">
+            <a:extLst>
+              <a:ext uri="{FF2B5EF4-FFF2-40B4-BE49-F238E27FC236}">
+                <a16:creationId xmlns:a16="http://schemas.microsoft.com/office/drawing/2014/main" id="{EB4D00D4-2503-44C8-97C9-2050164D8B8A}"/>
+              </a:ext>
+            </a:extLst>
+          </p:cNvPr>
+          <p:cNvSpPr/>
+          <p:nvPr/>
+        </p:nvSpPr>
+        <p:spPr>
+          <a:xfrm>
+            <a:off x="6489700" y="-376201"/>
+            <a:ext cx="1079500" cy="1365377"/>
+          </a:xfrm>
+          <a:prstGeom prst="roundRect">
+            <a:avLst/>
+          </a:prstGeom>
+          <a:noFill/>
+          <a:ln w="25400">
+            <a:solidFill>
+              <a:srgbClr val="CACDE5"/>
+            </a:solidFill>
+          </a:ln>
+        </p:spPr>
+        <p:style>
+          <a:lnRef idx="2">
+            <a:schemeClr val="accent1">
+              <a:shade val="50000"/>
+            </a:schemeClr>
+          </a:lnRef>
+          <a:fillRef idx="1">
+            <a:schemeClr val="accent1"/>
+          </a:fillRef>
+          <a:effectRef idx="0">
+            <a:schemeClr val="accent1"/>
+          </a:effectRef>
+          <a:fontRef idx="minor">
+            <a:schemeClr val="lt1"/>
+          </a:fontRef>
+        </p:style>
+        <p:txBody>
+          <a:bodyPr rtlCol="0" anchor="ctr"/>
+          <a:lstStyle/>
+          <a:p>
+            <a:pPr algn="ctr"/>
+            <a:endParaRPr lang="zh-CN" altLang="en-US"/>
+          </a:p>
+        </p:txBody>
+      </p:sp>
+      <p:sp>
+        <p:nvSpPr>
+          <p:cNvPr id="102" name="文本框 101">
+            <a:extLst>
+              <a:ext uri="{FF2B5EF4-FFF2-40B4-BE49-F238E27FC236}">
+                <a16:creationId xmlns:a16="http://schemas.microsoft.com/office/drawing/2014/main" id="{C3CEFFB9-1977-484B-BEAB-37668E16405C}"/>
+              </a:ext>
+            </a:extLst>
+          </p:cNvPr>
+          <p:cNvSpPr txBox="1"/>
+          <p:nvPr/>
+        </p:nvSpPr>
+        <p:spPr>
+          <a:xfrm>
+            <a:off x="6616700" y="146056"/>
+            <a:ext cx="825500" cy="369332"/>
+          </a:xfrm>
+          <a:prstGeom prst="rect">
+            <a:avLst/>
+          </a:prstGeom>
+          <a:noFill/>
+        </p:spPr>
+        <p:txBody>
+          <a:bodyPr wrap="square" rtlCol="0">
+            <a:spAutoFit/>
+          </a:bodyPr>
+          <a:lstStyle/>
+          <a:p>
+            <a:pPr algn="ctr"/>
+            <a:r>
+              <a:rPr lang="en-US" altLang="zh-CN" dirty="0"/>
+              <a:t>Linear</a:t>
+            </a:r>
+            <a:endParaRPr lang="zh-CN" altLang="en-US" dirty="0"/>
+          </a:p>
+        </p:txBody>
+      </p:sp>
+      <p:cxnSp>
+        <p:nvCxnSpPr>
+          <p:cNvPr id="104" name="直接箭头连接符 103">
+            <a:extLst>
+              <a:ext uri="{FF2B5EF4-FFF2-40B4-BE49-F238E27FC236}">
+                <a16:creationId xmlns:a16="http://schemas.microsoft.com/office/drawing/2014/main" id="{153F7654-1674-4AD4-939C-26BEF02386AD}"/>
+              </a:ext>
+            </a:extLst>
+          </p:cNvPr>
+          <p:cNvCxnSpPr>
+            <a:stCxn id="89" idx="3"/>
+            <a:endCxn id="101" idx="1"/>
+          </p:cNvCxnSpPr>
+          <p:nvPr/>
+        </p:nvCxnSpPr>
+        <p:spPr>
+          <a:xfrm>
+            <a:off x="6169701" y="306488"/>
+            <a:ext cx="319999" cy="0"/>
+          </a:xfrm>
+          <a:prstGeom prst="straightConnector1">
+            <a:avLst/>
+          </a:prstGeom>
+          <a:ln w="25400">
+            <a:solidFill>
+              <a:schemeClr val="tx1"/>
+            </a:solidFill>
+            <a:tailEnd type="triangle" w="lg" len="lg"/>
+          </a:ln>
+        </p:spPr>
+        <p:style>
+          <a:lnRef idx="1">
+            <a:schemeClr val="accent1"/>
+          </a:lnRef>
+          <a:fillRef idx="0">
+            <a:schemeClr val="accent1"/>
+          </a:fillRef>
+          <a:effectRef idx="0">
+            <a:schemeClr val="accent1"/>
+          </a:effectRef>
+          <a:fontRef idx="minor">
+            <a:schemeClr val="tx1"/>
+          </a:fontRef>
+        </p:style>
+      </p:cxnSp>
+      <p:cxnSp>
+        <p:nvCxnSpPr>
+          <p:cNvPr id="109" name="直接箭头连接符 108">
+            <a:extLst>
+              <a:ext uri="{FF2B5EF4-FFF2-40B4-BE49-F238E27FC236}">
+                <a16:creationId xmlns:a16="http://schemas.microsoft.com/office/drawing/2014/main" id="{A7AFE5E5-B416-4243-B24C-9C6EB3347DDB}"/>
+              </a:ext>
+            </a:extLst>
+          </p:cNvPr>
+          <p:cNvCxnSpPr>
+            <a:cxnSpLocks/>
+            <a:stCxn id="101" idx="3"/>
+          </p:cNvCxnSpPr>
+          <p:nvPr/>
+        </p:nvCxnSpPr>
+        <p:spPr>
+          <a:xfrm>
+            <a:off x="7569200" y="306488"/>
+            <a:ext cx="444500" cy="0"/>
+          </a:xfrm>
+          <a:prstGeom prst="straightConnector1">
+            <a:avLst/>
+          </a:prstGeom>
+          <a:ln w="25400">
+            <a:solidFill>
+              <a:schemeClr val="tx1"/>
+            </a:solidFill>
+            <a:tailEnd type="triangle" w="lg" len="lg"/>
+          </a:ln>
+        </p:spPr>
+        <p:style>
+          <a:lnRef idx="1">
+            <a:schemeClr val="accent1"/>
+          </a:lnRef>
+          <a:fillRef idx="0">
+            <a:schemeClr val="accent1"/>
+          </a:fillRef>
+          <a:effectRef idx="0">
+            <a:schemeClr val="accent1"/>
+          </a:effectRef>
+          <a:fontRef idx="minor">
+            <a:schemeClr val="tx1"/>
+          </a:fontRef>
+        </p:style>
+      </p:cxnSp>
+      <p:sp>
+        <p:nvSpPr>
+          <p:cNvPr id="112" name="文本框 111">
+            <a:extLst>
+              <a:ext uri="{FF2B5EF4-FFF2-40B4-BE49-F238E27FC236}">
+                <a16:creationId xmlns:a16="http://schemas.microsoft.com/office/drawing/2014/main" id="{2BA37E6A-F4BF-406F-8EAA-A433915FFC95}"/>
+              </a:ext>
+            </a:extLst>
+          </p:cNvPr>
+          <p:cNvSpPr txBox="1"/>
+          <p:nvPr/>
+        </p:nvSpPr>
+        <p:spPr>
+          <a:xfrm>
+            <a:off x="8013700" y="123604"/>
+            <a:ext cx="317500" cy="369332"/>
+          </a:xfrm>
+          <a:prstGeom prst="rect">
+            <a:avLst/>
+          </a:prstGeom>
+          <a:noFill/>
+          <a:ln w="25400">
+            <a:solidFill>
+              <a:schemeClr val="bg1">
+                <a:lumMod val="75000"/>
+              </a:schemeClr>
+            </a:solidFill>
+          </a:ln>
+        </p:spPr>
+        <p:txBody>
+          <a:bodyPr wrap="square" rtlCol="0">
+            <a:spAutoFit/>
+          </a:bodyPr>
+          <a:lstStyle/>
+          <a:p>
+            <a:pPr algn="ctr"/>
+            <a:r>
+              <a:rPr lang="en-US" altLang="zh-CN" dirty="0"/>
+              <a:t>T</a:t>
+            </a:r>
+            <a:endParaRPr lang="zh-CN" altLang="en-US" dirty="0"/>
+          </a:p>
+        </p:txBody>
+      </p:sp>
+      <p:sp>
+        <p:nvSpPr>
+          <p:cNvPr id="115" name="椭圆 114">
+            <a:extLst>
+              <a:ext uri="{FF2B5EF4-FFF2-40B4-BE49-F238E27FC236}">
+                <a16:creationId xmlns:a16="http://schemas.microsoft.com/office/drawing/2014/main" id="{57C0FF14-2E21-4457-817B-19D617A590B7}"/>
+              </a:ext>
+            </a:extLst>
+          </p:cNvPr>
+          <p:cNvSpPr/>
+          <p:nvPr/>
+        </p:nvSpPr>
+        <p:spPr>
+          <a:xfrm>
+            <a:off x="8597896" y="121821"/>
+            <a:ext cx="391197" cy="369332"/>
+          </a:xfrm>
+          <a:prstGeom prst="ellipse">
+            <a:avLst/>
+          </a:prstGeom>
+          <a:noFill/>
+          <a:ln>
+            <a:solidFill>
+              <a:schemeClr val="tx1"/>
+            </a:solidFill>
+          </a:ln>
+        </p:spPr>
+        <p:style>
+          <a:lnRef idx="2">
+            <a:schemeClr val="accent1">
+              <a:shade val="50000"/>
+            </a:schemeClr>
+          </a:lnRef>
+          <a:fillRef idx="1">
+            <a:schemeClr val="accent1"/>
+          </a:fillRef>
+          <a:effectRef idx="0">
+            <a:schemeClr val="accent1"/>
+          </a:effectRef>
+          <a:fontRef idx="minor">
+            <a:schemeClr val="lt1"/>
+          </a:fontRef>
+        </p:style>
+        <p:txBody>
+          <a:bodyPr rtlCol="0" anchor="ctr"/>
+          <a:lstStyle/>
+          <a:p>
+            <a:pPr algn="ctr"/>
+            <a:endParaRPr lang="zh-CN" altLang="en-US"/>
+          </a:p>
+        </p:txBody>
+      </p:sp>
+      <p:cxnSp>
+        <p:nvCxnSpPr>
+          <p:cNvPr id="118" name="直接箭头连接符 117">
+            <a:extLst>
+              <a:ext uri="{FF2B5EF4-FFF2-40B4-BE49-F238E27FC236}">
+                <a16:creationId xmlns:a16="http://schemas.microsoft.com/office/drawing/2014/main" id="{AD8753D0-8DE9-415C-A1F7-14746198B49C}"/>
+              </a:ext>
+            </a:extLst>
+          </p:cNvPr>
+          <p:cNvCxnSpPr>
+            <a:cxnSpLocks/>
+            <a:stCxn id="112" idx="3"/>
+            <a:endCxn id="115" idx="2"/>
+          </p:cNvCxnSpPr>
+          <p:nvPr/>
+        </p:nvCxnSpPr>
+        <p:spPr>
+          <a:xfrm flipV="1">
+            <a:off x="8331200" y="306487"/>
+            <a:ext cx="266696" cy="1783"/>
+          </a:xfrm>
+          <a:prstGeom prst="straightConnector1">
+            <a:avLst/>
+          </a:prstGeom>
+          <a:ln w="25400">
+            <a:solidFill>
+              <a:schemeClr val="tx1"/>
+            </a:solidFill>
+            <a:tailEnd type="triangle" w="lg" len="lg"/>
+          </a:ln>
+        </p:spPr>
+        <p:style>
+          <a:lnRef idx="1">
+            <a:schemeClr val="accent1"/>
+          </a:lnRef>
+          <a:fillRef idx="0">
+            <a:schemeClr val="accent1"/>
+          </a:fillRef>
+          <a:effectRef idx="0">
+            <a:schemeClr val="accent1"/>
+          </a:effectRef>
+          <a:fontRef idx="minor">
+            <a:schemeClr val="tx1"/>
+          </a:fontRef>
+        </p:style>
+      </p:cxnSp>
+      <p:sp>
+        <p:nvSpPr>
+          <p:cNvPr id="121" name="文本框 120">
+            <a:extLst>
+              <a:ext uri="{FF2B5EF4-FFF2-40B4-BE49-F238E27FC236}">
+                <a16:creationId xmlns:a16="http://schemas.microsoft.com/office/drawing/2014/main" id="{C70C9DB5-310A-4BCB-A8E0-2826FDD4B806}"/>
+              </a:ext>
+            </a:extLst>
+          </p:cNvPr>
+          <p:cNvSpPr txBox="1"/>
+          <p:nvPr/>
+        </p:nvSpPr>
+        <p:spPr>
+          <a:xfrm>
+            <a:off x="8648700" y="-167171"/>
+            <a:ext cx="304800" cy="923330"/>
+          </a:xfrm>
+          <a:prstGeom prst="rect">
+            <a:avLst/>
+          </a:prstGeom>
+          <a:noFill/>
+        </p:spPr>
+        <p:txBody>
+          <a:bodyPr wrap="square" rtlCol="0">
+            <a:spAutoFit/>
+          </a:bodyPr>
+          <a:lstStyle/>
+          <a:p>
+            <a:pPr algn="ctr"/>
+            <a:r>
+              <a:rPr lang="en-US" altLang="zh-CN" sz="5400" dirty="0"/>
+              <a:t>×</a:t>
+            </a:r>
+            <a:endParaRPr lang="zh-CN" altLang="en-US" sz="5400" dirty="0"/>
+          </a:p>
+        </p:txBody>
+      </p:sp>
+      <p:cxnSp>
+        <p:nvCxnSpPr>
+          <p:cNvPr id="128" name="直接箭头连接符 127">
+            <a:extLst>
+              <a:ext uri="{FF2B5EF4-FFF2-40B4-BE49-F238E27FC236}">
+                <a16:creationId xmlns:a16="http://schemas.microsoft.com/office/drawing/2014/main" id="{80EF6E8C-C11E-4335-A768-78145F5A0103}"/>
+              </a:ext>
+            </a:extLst>
+          </p:cNvPr>
+          <p:cNvCxnSpPr>
+            <a:cxnSpLocks/>
+          </p:cNvCxnSpPr>
+          <p:nvPr/>
+        </p:nvCxnSpPr>
+        <p:spPr>
+          <a:xfrm>
+            <a:off x="8989093" y="306487"/>
+            <a:ext cx="444500" cy="0"/>
+          </a:xfrm>
+          <a:prstGeom prst="straightConnector1">
+            <a:avLst/>
+          </a:prstGeom>
+          <a:ln w="25400">
+            <a:solidFill>
+              <a:schemeClr val="tx1"/>
+            </a:solidFill>
+            <a:tailEnd type="triangle" w="lg" len="lg"/>
+          </a:ln>
+        </p:spPr>
+        <p:style>
+          <a:lnRef idx="1">
+            <a:schemeClr val="accent1"/>
+          </a:lnRef>
+          <a:fillRef idx="0">
+            <a:schemeClr val="accent1"/>
+          </a:fillRef>
+          <a:effectRef idx="0">
+            <a:schemeClr val="accent1"/>
+          </a:effectRef>
+          <a:fontRef idx="minor">
+            <a:schemeClr val="tx1"/>
+          </a:fontRef>
+        </p:style>
+      </p:cxnSp>
+      <p:sp>
+        <p:nvSpPr>
+          <p:cNvPr id="129" name="矩形 128">
+            <a:extLst>
+              <a:ext uri="{FF2B5EF4-FFF2-40B4-BE49-F238E27FC236}">
+                <a16:creationId xmlns:a16="http://schemas.microsoft.com/office/drawing/2014/main" id="{D74600C7-DABC-468E-B031-E997994833C6}"/>
+              </a:ext>
+            </a:extLst>
+          </p:cNvPr>
+          <p:cNvSpPr/>
+          <p:nvPr/>
+        </p:nvSpPr>
+        <p:spPr>
+          <a:xfrm>
+            <a:off x="9447249" y="-246163"/>
+            <a:ext cx="1242685" cy="1124814"/>
+          </a:xfrm>
+          <a:prstGeom prst="rect">
+            <a:avLst/>
+          </a:prstGeom>
+          <a:noFill/>
+          <a:ln w="25400">
+            <a:solidFill>
+              <a:schemeClr val="bg1">
+                <a:lumMod val="75000"/>
+              </a:schemeClr>
+            </a:solidFill>
+          </a:ln>
+        </p:spPr>
+        <p:style>
+          <a:lnRef idx="2">
+            <a:schemeClr val="accent1">
+              <a:shade val="50000"/>
+            </a:schemeClr>
+          </a:lnRef>
+          <a:fillRef idx="1">
+            <a:schemeClr val="accent1"/>
+          </a:fillRef>
+          <a:effectRef idx="0">
+            <a:schemeClr val="accent1"/>
+          </a:effectRef>
+          <a:fontRef idx="minor">
+            <a:schemeClr val="lt1"/>
+          </a:fontRef>
+        </p:style>
+        <p:txBody>
+          <a:bodyPr rtlCol="0" anchor="ctr"/>
+          <a:lstStyle/>
+          <a:p>
+            <a:pPr algn="ctr"/>
+            <a:endParaRPr lang="zh-CN" altLang="en-US"/>
+          </a:p>
+        </p:txBody>
+      </p:sp>
+      <p:sp>
+        <p:nvSpPr>
+          <p:cNvPr id="130" name="矩形 129">
+            <a:extLst>
+              <a:ext uri="{FF2B5EF4-FFF2-40B4-BE49-F238E27FC236}">
+                <a16:creationId xmlns:a16="http://schemas.microsoft.com/office/drawing/2014/main" id="{9BDE9200-7EE8-498A-8D11-5B4C3C1BFBDD}"/>
+              </a:ext>
+            </a:extLst>
+          </p:cNvPr>
+          <p:cNvSpPr/>
+          <p:nvPr/>
+        </p:nvSpPr>
+        <p:spPr>
+          <a:xfrm>
+            <a:off x="9528843" y="-123668"/>
+            <a:ext cx="307307" cy="141515"/>
+          </a:xfrm>
+          <a:prstGeom prst="rect">
+            <a:avLst/>
+          </a:prstGeom>
+          <a:solidFill>
+            <a:srgbClr val="E7EBF5"/>
+          </a:solidFill>
+          <a:ln w="25400">
+            <a:solidFill>
+              <a:srgbClr val="9596C8"/>
+            </a:solidFill>
+          </a:ln>
+        </p:spPr>
+        <p:style>
+          <a:lnRef idx="2">
+            <a:schemeClr val="accent1">
+              <a:shade val="50000"/>
+            </a:schemeClr>
+          </a:lnRef>
+          <a:fillRef idx="1">
+            <a:schemeClr val="accent1"/>
+          </a:fillRef>
+          <a:effectRef idx="0">
+            <a:schemeClr val="accent1"/>
+          </a:effectRef>
+          <a:fontRef idx="minor">
+            <a:schemeClr val="lt1"/>
+          </a:fontRef>
+        </p:style>
+        <p:txBody>
+          <a:bodyPr rtlCol="0" anchor="ctr"/>
+          <a:lstStyle/>
+          <a:p>
+            <a:pPr algn="ctr"/>
+            <a:endParaRPr lang="zh-CN" altLang="en-US"/>
+          </a:p>
+        </p:txBody>
+      </p:sp>
+      <p:sp>
+        <p:nvSpPr>
+          <p:cNvPr id="131" name="矩形 130">
+            <a:extLst>
+              <a:ext uri="{FF2B5EF4-FFF2-40B4-BE49-F238E27FC236}">
+                <a16:creationId xmlns:a16="http://schemas.microsoft.com/office/drawing/2014/main" id="{74F73941-B22E-4BC4-A121-188F731BACB3}"/>
+              </a:ext>
+            </a:extLst>
+          </p:cNvPr>
+          <p:cNvSpPr/>
+          <p:nvPr/>
+        </p:nvSpPr>
+        <p:spPr>
+          <a:xfrm>
+            <a:off x="9914939" y="-123669"/>
+            <a:ext cx="307307" cy="141515"/>
+          </a:xfrm>
+          <a:prstGeom prst="rect">
+            <a:avLst/>
+          </a:prstGeom>
+          <a:solidFill>
+            <a:srgbClr val="E7EBF5"/>
+          </a:solidFill>
+          <a:ln w="25400">
+            <a:solidFill>
+              <a:srgbClr val="9596C8"/>
+            </a:solidFill>
+          </a:ln>
+        </p:spPr>
+        <p:style>
+          <a:lnRef idx="2">
+            <a:schemeClr val="accent1">
+              <a:shade val="50000"/>
+            </a:schemeClr>
+          </a:lnRef>
+          <a:fillRef idx="1">
+            <a:schemeClr val="accent1"/>
+          </a:fillRef>
+          <a:effectRef idx="0">
+            <a:schemeClr val="accent1"/>
+          </a:effectRef>
+          <a:fontRef idx="minor">
+            <a:schemeClr val="lt1"/>
+          </a:fontRef>
+        </p:style>
+        <p:txBody>
+          <a:bodyPr rtlCol="0" anchor="ctr"/>
+          <a:lstStyle/>
+          <a:p>
+            <a:pPr algn="ctr"/>
+            <a:endParaRPr lang="zh-CN" altLang="en-US"/>
+          </a:p>
+        </p:txBody>
+      </p:sp>
+      <p:sp>
+        <p:nvSpPr>
+          <p:cNvPr id="132" name="矩形 131">
+            <a:extLst>
+              <a:ext uri="{FF2B5EF4-FFF2-40B4-BE49-F238E27FC236}">
+                <a16:creationId xmlns:a16="http://schemas.microsoft.com/office/drawing/2014/main" id="{AD6FA774-380D-4719-B7DF-9900D12C8CFB}"/>
+              </a:ext>
+            </a:extLst>
+          </p:cNvPr>
+          <p:cNvSpPr/>
+          <p:nvPr/>
+        </p:nvSpPr>
+        <p:spPr>
+          <a:xfrm>
+            <a:off x="10301037" y="-123669"/>
+            <a:ext cx="307307" cy="141515"/>
+          </a:xfrm>
+          <a:prstGeom prst="rect">
+            <a:avLst/>
+          </a:prstGeom>
+          <a:solidFill>
+            <a:srgbClr val="E7EBF5"/>
+          </a:solidFill>
+          <a:ln w="25400">
+            <a:solidFill>
+              <a:srgbClr val="9596C8"/>
+            </a:solidFill>
+          </a:ln>
+        </p:spPr>
+        <p:style>
+          <a:lnRef idx="2">
+            <a:schemeClr val="accent1">
+              <a:shade val="50000"/>
+            </a:schemeClr>
+          </a:lnRef>
+          <a:fillRef idx="1">
+            <a:schemeClr val="accent1"/>
+          </a:fillRef>
+          <a:effectRef idx="0">
+            <a:schemeClr val="accent1"/>
+          </a:effectRef>
+          <a:fontRef idx="minor">
+            <a:schemeClr val="lt1"/>
+          </a:fontRef>
+        </p:style>
+        <p:txBody>
+          <a:bodyPr rtlCol="0" anchor="ctr"/>
+          <a:lstStyle/>
+          <a:p>
+            <a:pPr algn="ctr"/>
+            <a:endParaRPr lang="zh-CN" altLang="en-US"/>
+          </a:p>
+        </p:txBody>
+      </p:sp>
+      <p:sp>
+        <p:nvSpPr>
+          <p:cNvPr id="133" name="矩形 132">
+            <a:extLst>
+              <a:ext uri="{FF2B5EF4-FFF2-40B4-BE49-F238E27FC236}">
+                <a16:creationId xmlns:a16="http://schemas.microsoft.com/office/drawing/2014/main" id="{2B3E7B34-F1AB-4C8D-BD8A-372D77E8DA99}"/>
+              </a:ext>
+            </a:extLst>
+          </p:cNvPr>
+          <p:cNvSpPr/>
+          <p:nvPr/>
+        </p:nvSpPr>
+        <p:spPr>
+          <a:xfrm>
+            <a:off x="9528843" y="120957"/>
+            <a:ext cx="307307" cy="141515"/>
+          </a:xfrm>
+          <a:prstGeom prst="rect">
+            <a:avLst/>
+          </a:prstGeom>
+          <a:solidFill>
+            <a:srgbClr val="E7EBF5"/>
+          </a:solidFill>
+          <a:ln w="25400">
+            <a:solidFill>
+              <a:srgbClr val="9596C8"/>
+            </a:solidFill>
+          </a:ln>
+        </p:spPr>
+        <p:style>
+          <a:lnRef idx="2">
+            <a:schemeClr val="accent1">
+              <a:shade val="50000"/>
+            </a:schemeClr>
+          </a:lnRef>
+          <a:fillRef idx="1">
+            <a:schemeClr val="accent1"/>
+          </a:fillRef>
+          <a:effectRef idx="0">
+            <a:schemeClr val="accent1"/>
+          </a:effectRef>
+          <a:fontRef idx="minor">
+            <a:schemeClr val="lt1"/>
+          </a:fontRef>
+        </p:style>
+        <p:txBody>
+          <a:bodyPr rtlCol="0" anchor="ctr"/>
+          <a:lstStyle/>
+          <a:p>
+            <a:pPr algn="ctr"/>
+            <a:endParaRPr lang="zh-CN" altLang="en-US"/>
+          </a:p>
+        </p:txBody>
+      </p:sp>
+      <p:sp>
+        <p:nvSpPr>
+          <p:cNvPr id="134" name="矩形 133">
+            <a:extLst>
+              <a:ext uri="{FF2B5EF4-FFF2-40B4-BE49-F238E27FC236}">
+                <a16:creationId xmlns:a16="http://schemas.microsoft.com/office/drawing/2014/main" id="{A829DEE6-9905-492E-BC46-602E5A8331E7}"/>
+              </a:ext>
+            </a:extLst>
+          </p:cNvPr>
+          <p:cNvSpPr/>
+          <p:nvPr/>
+        </p:nvSpPr>
+        <p:spPr>
+          <a:xfrm>
+            <a:off x="9914939" y="120956"/>
+            <a:ext cx="307307" cy="141515"/>
+          </a:xfrm>
+          <a:prstGeom prst="rect">
+            <a:avLst/>
+          </a:prstGeom>
+          <a:solidFill>
+            <a:srgbClr val="E7EBF5"/>
+          </a:solidFill>
+          <a:ln w="25400">
+            <a:solidFill>
+              <a:srgbClr val="9596C8"/>
+            </a:solidFill>
+          </a:ln>
+        </p:spPr>
+        <p:style>
+          <a:lnRef idx="2">
+            <a:schemeClr val="accent1">
+              <a:shade val="50000"/>
+            </a:schemeClr>
+          </a:lnRef>
+          <a:fillRef idx="1">
+            <a:schemeClr val="accent1"/>
+          </a:fillRef>
+          <a:effectRef idx="0">
+            <a:schemeClr val="accent1"/>
+          </a:effectRef>
+          <a:fontRef idx="minor">
+            <a:schemeClr val="lt1"/>
+          </a:fontRef>
+        </p:style>
+        <p:txBody>
+          <a:bodyPr rtlCol="0" anchor="ctr"/>
+          <a:lstStyle/>
+          <a:p>
+            <a:pPr algn="ctr"/>
+            <a:endParaRPr lang="zh-CN" altLang="en-US"/>
+          </a:p>
+        </p:txBody>
+      </p:sp>
+      <p:sp>
+        <p:nvSpPr>
+          <p:cNvPr id="135" name="矩形 134">
+            <a:extLst>
+              <a:ext uri="{FF2B5EF4-FFF2-40B4-BE49-F238E27FC236}">
+                <a16:creationId xmlns:a16="http://schemas.microsoft.com/office/drawing/2014/main" id="{5E8D7537-61E0-4BB5-A91E-9D0CF85C0B51}"/>
+              </a:ext>
+            </a:extLst>
+          </p:cNvPr>
+          <p:cNvSpPr/>
+          <p:nvPr/>
+        </p:nvSpPr>
+        <p:spPr>
+          <a:xfrm>
+            <a:off x="10301037" y="120956"/>
+            <a:ext cx="307307" cy="141515"/>
+          </a:xfrm>
+          <a:prstGeom prst="rect">
+            <a:avLst/>
+          </a:prstGeom>
+          <a:solidFill>
+            <a:srgbClr val="E7EBF5"/>
+          </a:solidFill>
+          <a:ln w="25400">
+            <a:solidFill>
+              <a:srgbClr val="9596C8"/>
+            </a:solidFill>
+          </a:ln>
+        </p:spPr>
+        <p:style>
+          <a:lnRef idx="2">
+            <a:schemeClr val="accent1">
+              <a:shade val="50000"/>
+            </a:schemeClr>
+          </a:lnRef>
+          <a:fillRef idx="1">
+            <a:schemeClr val="accent1"/>
+          </a:fillRef>
+          <a:effectRef idx="0">
+            <a:schemeClr val="accent1"/>
+          </a:effectRef>
+          <a:fontRef idx="minor">
+            <a:schemeClr val="lt1"/>
+          </a:fontRef>
+        </p:style>
+        <p:txBody>
+          <a:bodyPr rtlCol="0" anchor="ctr"/>
+          <a:lstStyle/>
+          <a:p>
+            <a:pPr algn="ctr"/>
+            <a:endParaRPr lang="zh-CN" altLang="en-US"/>
+          </a:p>
+        </p:txBody>
+      </p:sp>
+      <p:sp>
+        <p:nvSpPr>
+          <p:cNvPr id="136" name="矩形 135">
+            <a:extLst>
+              <a:ext uri="{FF2B5EF4-FFF2-40B4-BE49-F238E27FC236}">
+                <a16:creationId xmlns:a16="http://schemas.microsoft.com/office/drawing/2014/main" id="{A5AFA1E7-E800-4031-9539-65D34DA1CC49}"/>
+              </a:ext>
+            </a:extLst>
+          </p:cNvPr>
+          <p:cNvSpPr/>
+          <p:nvPr/>
+        </p:nvSpPr>
+        <p:spPr>
+          <a:xfrm>
+            <a:off x="9528843" y="370020"/>
+            <a:ext cx="307307" cy="141515"/>
+          </a:xfrm>
+          <a:prstGeom prst="rect">
+            <a:avLst/>
+          </a:prstGeom>
+          <a:solidFill>
+            <a:srgbClr val="E7EBF5"/>
+          </a:solidFill>
+          <a:ln w="25400">
+            <a:solidFill>
+              <a:srgbClr val="9596C8"/>
+            </a:solidFill>
+          </a:ln>
+        </p:spPr>
+        <p:style>
+          <a:lnRef idx="2">
+            <a:schemeClr val="accent1">
+              <a:shade val="50000"/>
+            </a:schemeClr>
+          </a:lnRef>
+          <a:fillRef idx="1">
+            <a:schemeClr val="accent1"/>
+          </a:fillRef>
+          <a:effectRef idx="0">
+            <a:schemeClr val="accent1"/>
+          </a:effectRef>
+          <a:fontRef idx="minor">
+            <a:schemeClr val="lt1"/>
+          </a:fontRef>
+        </p:style>
+        <p:txBody>
+          <a:bodyPr rtlCol="0" anchor="ctr"/>
+          <a:lstStyle/>
+          <a:p>
+            <a:pPr algn="ctr"/>
+            <a:endParaRPr lang="zh-CN" altLang="en-US"/>
+          </a:p>
+        </p:txBody>
+      </p:sp>
+      <p:sp>
+        <p:nvSpPr>
+          <p:cNvPr id="137" name="矩形 136">
+            <a:extLst>
+              <a:ext uri="{FF2B5EF4-FFF2-40B4-BE49-F238E27FC236}">
+                <a16:creationId xmlns:a16="http://schemas.microsoft.com/office/drawing/2014/main" id="{5AE2A280-A464-4C94-B7B5-071F9F68A76D}"/>
+              </a:ext>
+            </a:extLst>
+          </p:cNvPr>
+          <p:cNvSpPr/>
+          <p:nvPr/>
+        </p:nvSpPr>
+        <p:spPr>
+          <a:xfrm>
+            <a:off x="9914939" y="370019"/>
+            <a:ext cx="307307" cy="141515"/>
+          </a:xfrm>
+          <a:prstGeom prst="rect">
+            <a:avLst/>
+          </a:prstGeom>
+          <a:solidFill>
+            <a:srgbClr val="E7EBF5"/>
+          </a:solidFill>
+          <a:ln w="25400">
+            <a:solidFill>
+              <a:srgbClr val="9596C8"/>
+            </a:solidFill>
+          </a:ln>
+        </p:spPr>
+        <p:style>
+          <a:lnRef idx="2">
+            <a:schemeClr val="accent1">
+              <a:shade val="50000"/>
+            </a:schemeClr>
+          </a:lnRef>
+          <a:fillRef idx="1">
+            <a:schemeClr val="accent1"/>
+          </a:fillRef>
+          <a:effectRef idx="0">
+            <a:schemeClr val="accent1"/>
+          </a:effectRef>
+          <a:fontRef idx="minor">
+            <a:schemeClr val="lt1"/>
+          </a:fontRef>
+        </p:style>
+        <p:txBody>
+          <a:bodyPr rtlCol="0" anchor="ctr"/>
+          <a:lstStyle/>
+          <a:p>
+            <a:pPr algn="ctr"/>
+            <a:endParaRPr lang="zh-CN" altLang="en-US"/>
+          </a:p>
+        </p:txBody>
+      </p:sp>
+      <p:sp>
+        <p:nvSpPr>
+          <p:cNvPr id="138" name="矩形 137">
+            <a:extLst>
+              <a:ext uri="{FF2B5EF4-FFF2-40B4-BE49-F238E27FC236}">
+                <a16:creationId xmlns:a16="http://schemas.microsoft.com/office/drawing/2014/main" id="{550FEC7B-BCD1-4B81-86CC-164246C2C630}"/>
+              </a:ext>
+            </a:extLst>
+          </p:cNvPr>
+          <p:cNvSpPr/>
+          <p:nvPr/>
+        </p:nvSpPr>
+        <p:spPr>
+          <a:xfrm>
+            <a:off x="10301037" y="370019"/>
+            <a:ext cx="307307" cy="141515"/>
+          </a:xfrm>
+          <a:prstGeom prst="rect">
+            <a:avLst/>
+          </a:prstGeom>
+          <a:solidFill>
+            <a:srgbClr val="E7EBF5"/>
+          </a:solidFill>
+          <a:ln w="25400">
+            <a:solidFill>
+              <a:srgbClr val="9596C8"/>
+            </a:solidFill>
+          </a:ln>
+        </p:spPr>
+        <p:style>
+          <a:lnRef idx="2">
+            <a:schemeClr val="accent1">
+              <a:shade val="50000"/>
+            </a:schemeClr>
+          </a:lnRef>
+          <a:fillRef idx="1">
+            <a:schemeClr val="accent1"/>
+          </a:fillRef>
+          <a:effectRef idx="0">
+            <a:schemeClr val="accent1"/>
+          </a:effectRef>
+          <a:fontRef idx="minor">
+            <a:schemeClr val="lt1"/>
+          </a:fontRef>
+        </p:style>
+        <p:txBody>
+          <a:bodyPr rtlCol="0" anchor="ctr"/>
+          <a:lstStyle/>
+          <a:p>
+            <a:pPr algn="ctr"/>
+            <a:endParaRPr lang="zh-CN" altLang="en-US"/>
+          </a:p>
+        </p:txBody>
+      </p:sp>
+      <p:sp>
+        <p:nvSpPr>
+          <p:cNvPr id="139" name="矩形 138">
+            <a:extLst>
+              <a:ext uri="{FF2B5EF4-FFF2-40B4-BE49-F238E27FC236}">
+                <a16:creationId xmlns:a16="http://schemas.microsoft.com/office/drawing/2014/main" id="{678819C3-5710-4BAC-85EE-06B4905C8703}"/>
+              </a:ext>
+            </a:extLst>
+          </p:cNvPr>
+          <p:cNvSpPr/>
+          <p:nvPr/>
+        </p:nvSpPr>
+        <p:spPr>
+          <a:xfrm>
+            <a:off x="9528843" y="614645"/>
+            <a:ext cx="307307" cy="141515"/>
+          </a:xfrm>
+          <a:prstGeom prst="rect">
+            <a:avLst/>
+          </a:prstGeom>
+          <a:solidFill>
+            <a:srgbClr val="E7EBF5"/>
+          </a:solidFill>
+          <a:ln w="25400">
+            <a:solidFill>
+              <a:srgbClr val="9596C8"/>
+            </a:solidFill>
+          </a:ln>
+        </p:spPr>
+        <p:style>
+          <a:lnRef idx="2">
+            <a:schemeClr val="accent1">
+              <a:shade val="50000"/>
+            </a:schemeClr>
+          </a:lnRef>
+          <a:fillRef idx="1">
+            <a:schemeClr val="accent1"/>
+          </a:fillRef>
+          <a:effectRef idx="0">
+            <a:schemeClr val="accent1"/>
+          </a:effectRef>
+          <a:fontRef idx="minor">
+            <a:schemeClr val="lt1"/>
+          </a:fontRef>
+        </p:style>
+        <p:txBody>
+          <a:bodyPr rtlCol="0" anchor="ctr"/>
+          <a:lstStyle/>
+          <a:p>
+            <a:pPr algn="ctr"/>
+            <a:endParaRPr lang="zh-CN" altLang="en-US"/>
+          </a:p>
+        </p:txBody>
+      </p:sp>
+      <p:sp>
+        <p:nvSpPr>
+          <p:cNvPr id="140" name="矩形 139">
+            <a:extLst>
+              <a:ext uri="{FF2B5EF4-FFF2-40B4-BE49-F238E27FC236}">
+                <a16:creationId xmlns:a16="http://schemas.microsoft.com/office/drawing/2014/main" id="{96BCF493-928C-4F20-943A-851C47C2A612}"/>
+              </a:ext>
+            </a:extLst>
+          </p:cNvPr>
+          <p:cNvSpPr/>
+          <p:nvPr/>
+        </p:nvSpPr>
+        <p:spPr>
+          <a:xfrm>
+            <a:off x="9914939" y="614644"/>
+            <a:ext cx="307307" cy="141515"/>
+          </a:xfrm>
+          <a:prstGeom prst="rect">
+            <a:avLst/>
+          </a:prstGeom>
+          <a:solidFill>
+            <a:srgbClr val="E7EBF5"/>
+          </a:solidFill>
+          <a:ln w="25400">
+            <a:solidFill>
+              <a:srgbClr val="9596C8"/>
+            </a:solidFill>
+          </a:ln>
+        </p:spPr>
+        <p:style>
+          <a:lnRef idx="2">
+            <a:schemeClr val="accent1">
+              <a:shade val="50000"/>
+            </a:schemeClr>
+          </a:lnRef>
+          <a:fillRef idx="1">
+            <a:schemeClr val="accent1"/>
+          </a:fillRef>
+          <a:effectRef idx="0">
+            <a:schemeClr val="accent1"/>
+          </a:effectRef>
+          <a:fontRef idx="minor">
+            <a:schemeClr val="lt1"/>
+          </a:fontRef>
+        </p:style>
+        <p:txBody>
+          <a:bodyPr rtlCol="0" anchor="ctr"/>
+          <a:lstStyle/>
+          <a:p>
+            <a:pPr algn="ctr"/>
+            <a:endParaRPr lang="zh-CN" altLang="en-US"/>
+          </a:p>
+        </p:txBody>
+      </p:sp>
+      <p:sp>
+        <p:nvSpPr>
+          <p:cNvPr id="141" name="矩形 140">
+            <a:extLst>
+              <a:ext uri="{FF2B5EF4-FFF2-40B4-BE49-F238E27FC236}">
+                <a16:creationId xmlns:a16="http://schemas.microsoft.com/office/drawing/2014/main" id="{609233E1-E239-40DF-A05E-66C3B6D954FE}"/>
+              </a:ext>
+            </a:extLst>
+          </p:cNvPr>
+          <p:cNvSpPr/>
+          <p:nvPr/>
+        </p:nvSpPr>
+        <p:spPr>
+          <a:xfrm>
+            <a:off x="10301037" y="614644"/>
+            <a:ext cx="307307" cy="141515"/>
+          </a:xfrm>
+          <a:prstGeom prst="rect">
+            <a:avLst/>
+          </a:prstGeom>
+          <a:solidFill>
+            <a:srgbClr val="E7EBF5"/>
+          </a:solidFill>
+          <a:ln w="25400">
+            <a:solidFill>
+              <a:srgbClr val="9596C8"/>
+            </a:solidFill>
+          </a:ln>
+        </p:spPr>
+        <p:style>
+          <a:lnRef idx="2">
+            <a:schemeClr val="accent1">
+              <a:shade val="50000"/>
+            </a:schemeClr>
+          </a:lnRef>
+          <a:fillRef idx="1">
+            <a:schemeClr val="accent1"/>
+          </a:fillRef>
+          <a:effectRef idx="0">
+            <a:schemeClr val="accent1"/>
+          </a:effectRef>
+          <a:fontRef idx="minor">
+            <a:schemeClr val="lt1"/>
+          </a:fontRef>
+        </p:style>
+        <p:txBody>
+          <a:bodyPr rtlCol="0" anchor="ctr"/>
+          <a:lstStyle/>
+          <a:p>
+            <a:pPr algn="ctr"/>
+            <a:endParaRPr lang="zh-CN" altLang="en-US"/>
+          </a:p>
+        </p:txBody>
+      </p:sp>
+    </p:spTree>
+    <p:extLst>
+      <p:ext uri="{BB962C8B-B14F-4D97-AF65-F5344CB8AC3E}">
+        <p14:creationId xmlns:p14="http://schemas.microsoft.com/office/powerpoint/2010/main" val="2978838565"/>
       </p:ext>
     </p:extLst>
   </p:cSld>

--- a/论文图.pptx
+++ b/论文图.pptx
@@ -267,7 +267,7 @@
           <a:p>
             <a:fld id="{0E53518D-3F35-4B0C-9D05-EDF88E72A843}" type="datetimeFigureOut">
               <a:rPr lang="zh-CN" altLang="en-US" smtClean="0"/>
-              <a:t>2020/11/24</a:t>
+              <a:t>2020/11/25</a:t>
             </a:fld>
             <a:endParaRPr lang="zh-CN" altLang="en-US"/>
           </a:p>
@@ -465,7 +465,7 @@
           <a:p>
             <a:fld id="{0E53518D-3F35-4B0C-9D05-EDF88E72A843}" type="datetimeFigureOut">
               <a:rPr lang="zh-CN" altLang="en-US" smtClean="0"/>
-              <a:t>2020/11/24</a:t>
+              <a:t>2020/11/25</a:t>
             </a:fld>
             <a:endParaRPr lang="zh-CN" altLang="en-US"/>
           </a:p>
@@ -673,7 +673,7 @@
           <a:p>
             <a:fld id="{0E53518D-3F35-4B0C-9D05-EDF88E72A843}" type="datetimeFigureOut">
               <a:rPr lang="zh-CN" altLang="en-US" smtClean="0"/>
-              <a:t>2020/11/24</a:t>
+              <a:t>2020/11/25</a:t>
             </a:fld>
             <a:endParaRPr lang="zh-CN" altLang="en-US"/>
           </a:p>
@@ -871,7 +871,7 @@
           <a:p>
             <a:fld id="{0E53518D-3F35-4B0C-9D05-EDF88E72A843}" type="datetimeFigureOut">
               <a:rPr lang="zh-CN" altLang="en-US" smtClean="0"/>
-              <a:t>2020/11/24</a:t>
+              <a:t>2020/11/25</a:t>
             </a:fld>
             <a:endParaRPr lang="zh-CN" altLang="en-US"/>
           </a:p>
@@ -1146,7 +1146,7 @@
           <a:p>
             <a:fld id="{0E53518D-3F35-4B0C-9D05-EDF88E72A843}" type="datetimeFigureOut">
               <a:rPr lang="zh-CN" altLang="en-US" smtClean="0"/>
-              <a:t>2020/11/24</a:t>
+              <a:t>2020/11/25</a:t>
             </a:fld>
             <a:endParaRPr lang="zh-CN" altLang="en-US"/>
           </a:p>
@@ -1411,7 +1411,7 @@
           <a:p>
             <a:fld id="{0E53518D-3F35-4B0C-9D05-EDF88E72A843}" type="datetimeFigureOut">
               <a:rPr lang="zh-CN" altLang="en-US" smtClean="0"/>
-              <a:t>2020/11/24</a:t>
+              <a:t>2020/11/25</a:t>
             </a:fld>
             <a:endParaRPr lang="zh-CN" altLang="en-US"/>
           </a:p>
@@ -1823,7 +1823,7 @@
           <a:p>
             <a:fld id="{0E53518D-3F35-4B0C-9D05-EDF88E72A843}" type="datetimeFigureOut">
               <a:rPr lang="zh-CN" altLang="en-US" smtClean="0"/>
-              <a:t>2020/11/24</a:t>
+              <a:t>2020/11/25</a:t>
             </a:fld>
             <a:endParaRPr lang="zh-CN" altLang="en-US"/>
           </a:p>
@@ -1964,7 +1964,7 @@
           <a:p>
             <a:fld id="{0E53518D-3F35-4B0C-9D05-EDF88E72A843}" type="datetimeFigureOut">
               <a:rPr lang="zh-CN" altLang="en-US" smtClean="0"/>
-              <a:t>2020/11/24</a:t>
+              <a:t>2020/11/25</a:t>
             </a:fld>
             <a:endParaRPr lang="zh-CN" altLang="en-US"/>
           </a:p>
@@ -2077,7 +2077,7 @@
           <a:p>
             <a:fld id="{0E53518D-3F35-4B0C-9D05-EDF88E72A843}" type="datetimeFigureOut">
               <a:rPr lang="zh-CN" altLang="en-US" smtClean="0"/>
-              <a:t>2020/11/24</a:t>
+              <a:t>2020/11/25</a:t>
             </a:fld>
             <a:endParaRPr lang="zh-CN" altLang="en-US"/>
           </a:p>
@@ -2388,7 +2388,7 @@
           <a:p>
             <a:fld id="{0E53518D-3F35-4B0C-9D05-EDF88E72A843}" type="datetimeFigureOut">
               <a:rPr lang="zh-CN" altLang="en-US" smtClean="0"/>
-              <a:t>2020/11/24</a:t>
+              <a:t>2020/11/25</a:t>
             </a:fld>
             <a:endParaRPr lang="zh-CN" altLang="en-US"/>
           </a:p>
@@ -2676,7 +2676,7 @@
           <a:p>
             <a:fld id="{0E53518D-3F35-4B0C-9D05-EDF88E72A843}" type="datetimeFigureOut">
               <a:rPr lang="zh-CN" altLang="en-US" smtClean="0"/>
-              <a:t>2020/11/24</a:t>
+              <a:t>2020/11/25</a:t>
             </a:fld>
             <a:endParaRPr lang="zh-CN" altLang="en-US"/>
           </a:p>
@@ -2917,7 +2917,7 @@
           <a:p>
             <a:fld id="{0E53518D-3F35-4B0C-9D05-EDF88E72A843}" type="datetimeFigureOut">
               <a:rPr lang="zh-CN" altLang="en-US" smtClean="0"/>
-              <a:t>2020/11/24</a:t>
+              <a:t>2020/11/25</a:t>
             </a:fld>
             <a:endParaRPr lang="zh-CN" altLang="en-US"/>
           </a:p>
@@ -45505,8 +45505,8 @@
           </a:fontRef>
         </p:style>
       </p:cxnSp>
-      <mc:AlternateContent xmlns:mc="http://schemas.openxmlformats.org/markup-compatibility/2006">
-        <mc:Choice xmlns:a14="http://schemas.microsoft.com/office/drawing/2010/main" Requires="a14">
+      <mc:AlternateContent xmlns:mc="http://schemas.openxmlformats.org/markup-compatibility/2006" xmlns:a14="http://schemas.microsoft.com/office/drawing/2010/main">
+        <mc:Choice Requires="a14">
           <p:sp>
             <p:nvSpPr>
               <p:cNvPr id="79" name="文本框 78">
@@ -45575,7 +45575,7 @@
             </p:txBody>
           </p:sp>
         </mc:Choice>
-        <mc:Fallback>
+        <mc:Fallback xmlns="">
           <p:sp>
             <p:nvSpPr>
               <p:cNvPr id="79" name="文本框 78">
@@ -45599,7 +45599,7 @@
                 <a:avLst/>
               </a:prstGeom>
               <a:blipFill>
-                <a:blip r:embed="rId2"/>
+                <a:blip r:embed="rId40"/>
                 <a:stretch>
                   <a:fillRect/>
                 </a:stretch>
@@ -45620,8 +45620,8 @@
           </p:sp>
         </mc:Fallback>
       </mc:AlternateContent>
-      <mc:AlternateContent xmlns:mc="http://schemas.openxmlformats.org/markup-compatibility/2006">
-        <mc:Choice xmlns:a14="http://schemas.microsoft.com/office/drawing/2010/main" Requires="a14">
+      <mc:AlternateContent xmlns:mc="http://schemas.openxmlformats.org/markup-compatibility/2006" xmlns:a14="http://schemas.microsoft.com/office/drawing/2010/main">
+        <mc:Choice Requires="a14">
           <p:sp>
             <p:nvSpPr>
               <p:cNvPr id="80" name="文本框 79">
@@ -45690,7 +45690,7 @@
             </p:txBody>
           </p:sp>
         </mc:Choice>
-        <mc:Fallback>
+        <mc:Fallback xmlns="">
           <p:sp>
             <p:nvSpPr>
               <p:cNvPr id="80" name="文本框 79">
@@ -45714,7 +45714,7 @@
                 <a:avLst/>
               </a:prstGeom>
               <a:blipFill>
-                <a:blip r:embed="rId3"/>
+                <a:blip r:embed="rId41"/>
                 <a:stretch>
                   <a:fillRect/>
                 </a:stretch>
@@ -45735,8 +45735,8 @@
           </p:sp>
         </mc:Fallback>
       </mc:AlternateContent>
-      <mc:AlternateContent xmlns:mc="http://schemas.openxmlformats.org/markup-compatibility/2006">
-        <mc:Choice xmlns:a14="http://schemas.microsoft.com/office/drawing/2010/main" Requires="a14">
+      <mc:AlternateContent xmlns:mc="http://schemas.openxmlformats.org/markup-compatibility/2006" xmlns:a14="http://schemas.microsoft.com/office/drawing/2010/main">
+        <mc:Choice Requires="a14">
           <p:sp>
             <p:nvSpPr>
               <p:cNvPr id="81" name="文本框 80">
@@ -45805,7 +45805,7 @@
             </p:txBody>
           </p:sp>
         </mc:Choice>
-        <mc:Fallback>
+        <mc:Fallback xmlns="">
           <p:sp>
             <p:nvSpPr>
               <p:cNvPr id="81" name="文本框 80">
@@ -45829,7 +45829,7 @@
                 <a:avLst/>
               </a:prstGeom>
               <a:blipFill>
-                <a:blip r:embed="rId4"/>
+                <a:blip r:embed="rId42"/>
                 <a:stretch>
                   <a:fillRect/>
                 </a:stretch>
@@ -50494,8 +50494,8 @@
           </a:fontRef>
         </p:style>
       </p:cxnSp>
-      <mc:AlternateContent xmlns:mc="http://schemas.openxmlformats.org/markup-compatibility/2006">
-        <mc:Choice xmlns:a14="http://schemas.microsoft.com/office/drawing/2010/main" Requires="a14">
+      <mc:AlternateContent xmlns:mc="http://schemas.openxmlformats.org/markup-compatibility/2006" xmlns:a14="http://schemas.microsoft.com/office/drawing/2010/main">
+        <mc:Choice Requires="a14">
           <p:sp>
             <p:nvSpPr>
               <p:cNvPr id="28" name="文本框 27"/>
@@ -50558,7 +50558,7 @@
             </p:txBody>
           </p:sp>
         </mc:Choice>
-        <mc:Fallback>
+        <mc:Fallback xmlns="">
           <p:sp>
             <p:nvSpPr>
               <p:cNvPr id="28" name="文本框 27"/>
@@ -50576,7 +50576,7 @@
                 <a:avLst/>
               </a:prstGeom>
               <a:blipFill>
-                <a:blip r:embed="rId5"/>
+                <a:blip r:embed="rId43"/>
                 <a:stretch>
                   <a:fillRect/>
                 </a:stretch>
@@ -50597,8 +50597,8 @@
           </p:sp>
         </mc:Fallback>
       </mc:AlternateContent>
-      <mc:AlternateContent xmlns:mc="http://schemas.openxmlformats.org/markup-compatibility/2006">
-        <mc:Choice xmlns:a14="http://schemas.microsoft.com/office/drawing/2010/main" Requires="a14">
+      <mc:AlternateContent xmlns:mc="http://schemas.openxmlformats.org/markup-compatibility/2006" xmlns:a14="http://schemas.microsoft.com/office/drawing/2010/main">
+        <mc:Choice Requires="a14">
           <p:sp>
             <p:nvSpPr>
               <p:cNvPr id="249" name="文本框 248"/>
@@ -50661,7 +50661,7 @@
             </p:txBody>
           </p:sp>
         </mc:Choice>
-        <mc:Fallback>
+        <mc:Fallback xmlns="">
           <p:sp>
             <p:nvSpPr>
               <p:cNvPr id="249" name="文本框 248"/>
@@ -50679,7 +50679,7 @@
                 <a:avLst/>
               </a:prstGeom>
               <a:blipFill>
-                <a:blip r:embed="rId6"/>
+                <a:blip r:embed="rId44"/>
                 <a:stretch>
                   <a:fillRect/>
                 </a:stretch>
@@ -50700,8 +50700,8 @@
           </p:sp>
         </mc:Fallback>
       </mc:AlternateContent>
-      <mc:AlternateContent xmlns:mc="http://schemas.openxmlformats.org/markup-compatibility/2006">
-        <mc:Choice xmlns:a14="http://schemas.microsoft.com/office/drawing/2010/main" Requires="a14">
+      <mc:AlternateContent xmlns:mc="http://schemas.openxmlformats.org/markup-compatibility/2006" xmlns:a14="http://schemas.microsoft.com/office/drawing/2010/main">
+        <mc:Choice Requires="a14">
           <p:sp>
             <p:nvSpPr>
               <p:cNvPr id="250" name="文本框 249"/>
@@ -50764,7 +50764,7 @@
             </p:txBody>
           </p:sp>
         </mc:Choice>
-        <mc:Fallback>
+        <mc:Fallback xmlns="">
           <p:sp>
             <p:nvSpPr>
               <p:cNvPr id="250" name="文本框 249"/>
@@ -50782,7 +50782,7 @@
                 <a:avLst/>
               </a:prstGeom>
               <a:blipFill>
-                <a:blip r:embed="rId7"/>
+                <a:blip r:embed="rId45"/>
                 <a:stretch>
                   <a:fillRect/>
                 </a:stretch>
@@ -50803,8 +50803,8 @@
           </p:sp>
         </mc:Fallback>
       </mc:AlternateContent>
-      <mc:AlternateContent xmlns:mc="http://schemas.openxmlformats.org/markup-compatibility/2006">
-        <mc:Choice xmlns:a14="http://schemas.microsoft.com/office/drawing/2010/main" Requires="a14">
+      <mc:AlternateContent xmlns:mc="http://schemas.openxmlformats.org/markup-compatibility/2006" xmlns:a14="http://schemas.microsoft.com/office/drawing/2010/main">
+        <mc:Choice Requires="a14">
           <p:sp>
             <p:nvSpPr>
               <p:cNvPr id="251" name="文本框 250"/>
@@ -50867,7 +50867,7 @@
             </p:txBody>
           </p:sp>
         </mc:Choice>
-        <mc:Fallback>
+        <mc:Fallback xmlns="">
           <p:sp>
             <p:nvSpPr>
               <p:cNvPr id="251" name="文本框 250"/>
@@ -50885,7 +50885,7 @@
                 <a:avLst/>
               </a:prstGeom>
               <a:blipFill>
-                <a:blip r:embed="rId8"/>
+                <a:blip r:embed="rId46"/>
                 <a:stretch>
                   <a:fillRect/>
                 </a:stretch>
@@ -50906,8 +50906,8 @@
           </p:sp>
         </mc:Fallback>
       </mc:AlternateContent>
-      <mc:AlternateContent xmlns:mc="http://schemas.openxmlformats.org/markup-compatibility/2006">
-        <mc:Choice xmlns:a14="http://schemas.microsoft.com/office/drawing/2010/main" Requires="a14">
+      <mc:AlternateContent xmlns:mc="http://schemas.openxmlformats.org/markup-compatibility/2006" xmlns:a14="http://schemas.microsoft.com/office/drawing/2010/main">
+        <mc:Choice Requires="a14">
           <p:sp>
             <p:nvSpPr>
               <p:cNvPr id="252" name="文本框 251"/>
@@ -50970,7 +50970,7 @@
             </p:txBody>
           </p:sp>
         </mc:Choice>
-        <mc:Fallback>
+        <mc:Fallback xmlns="">
           <p:sp>
             <p:nvSpPr>
               <p:cNvPr id="252" name="文本框 251"/>
@@ -50988,7 +50988,7 @@
                 <a:avLst/>
               </a:prstGeom>
               <a:blipFill>
-                <a:blip r:embed="rId9"/>
+                <a:blip r:embed="rId47"/>
                 <a:stretch>
                   <a:fillRect/>
                 </a:stretch>
@@ -51009,8 +51009,8 @@
           </p:sp>
         </mc:Fallback>
       </mc:AlternateContent>
-      <mc:AlternateContent xmlns:mc="http://schemas.openxmlformats.org/markup-compatibility/2006">
-        <mc:Choice xmlns:a14="http://schemas.microsoft.com/office/drawing/2010/main" Requires="a14">
+      <mc:AlternateContent xmlns:mc="http://schemas.openxmlformats.org/markup-compatibility/2006" xmlns:a14="http://schemas.microsoft.com/office/drawing/2010/main">
+        <mc:Choice Requires="a14">
           <p:sp>
             <p:nvSpPr>
               <p:cNvPr id="254" name="文本框 253"/>
@@ -51073,7 +51073,7 @@
             </p:txBody>
           </p:sp>
         </mc:Choice>
-        <mc:Fallback>
+        <mc:Fallback xmlns="">
           <p:sp>
             <p:nvSpPr>
               <p:cNvPr id="254" name="文本框 253"/>
@@ -51091,7 +51091,7 @@
                 <a:avLst/>
               </a:prstGeom>
               <a:blipFill>
-                <a:blip r:embed="rId10"/>
+                <a:blip r:embed="rId48"/>
                 <a:stretch>
                   <a:fillRect/>
                 </a:stretch>
@@ -51156,8 +51156,8 @@
           </a:fontRef>
         </p:style>
       </p:cxnSp>
-      <mc:AlternateContent xmlns:mc="http://schemas.openxmlformats.org/markup-compatibility/2006">
-        <mc:Choice xmlns:a14="http://schemas.microsoft.com/office/drawing/2010/main" Requires="a14">
+      <mc:AlternateContent xmlns:mc="http://schemas.openxmlformats.org/markup-compatibility/2006" xmlns:a14="http://schemas.microsoft.com/office/drawing/2010/main">
+        <mc:Choice Requires="a14">
           <p:sp>
             <p:nvSpPr>
               <p:cNvPr id="189" name="文本框 188">
@@ -51232,7 +51232,7 @@
             </p:txBody>
           </p:sp>
         </mc:Choice>
-        <mc:Fallback>
+        <mc:Fallback xmlns="">
           <p:sp>
             <p:nvSpPr>
               <p:cNvPr id="189" name="文本框 188">
@@ -51256,7 +51256,7 @@
                 <a:avLst/>
               </a:prstGeom>
               <a:blipFill>
-                <a:blip r:embed="rId11"/>
+                <a:blip r:embed="rId49"/>
                 <a:stretch>
                   <a:fillRect b="-9836"/>
                 </a:stretch>
@@ -51319,8 +51319,8 @@
           </a:fontRef>
         </p:style>
       </p:cxnSp>
-      <mc:AlternateContent xmlns:mc="http://schemas.openxmlformats.org/markup-compatibility/2006">
-        <mc:Choice xmlns:a14="http://schemas.microsoft.com/office/drawing/2010/main" Requires="a14">
+      <mc:AlternateContent xmlns:mc="http://schemas.openxmlformats.org/markup-compatibility/2006" xmlns:a14="http://schemas.microsoft.com/office/drawing/2010/main">
+        <mc:Choice Requires="a14">
           <p:sp>
             <p:nvSpPr>
               <p:cNvPr id="191" name="文本框 190">
@@ -51395,7 +51395,7 @@
             </p:txBody>
           </p:sp>
         </mc:Choice>
-        <mc:Fallback>
+        <mc:Fallback xmlns="">
           <p:sp>
             <p:nvSpPr>
               <p:cNvPr id="191" name="文本框 190">
@@ -51419,7 +51419,7 @@
                 <a:avLst/>
               </a:prstGeom>
               <a:blipFill>
-                <a:blip r:embed="rId12"/>
+                <a:blip r:embed="rId50"/>
                 <a:stretch>
                   <a:fillRect b="-9836"/>
                 </a:stretch>
@@ -51526,8 +51526,8 @@
           </a:fontRef>
         </p:style>
       </p:cxnSp>
-      <mc:AlternateContent xmlns:mc="http://schemas.openxmlformats.org/markup-compatibility/2006">
-        <mc:Choice xmlns:a14="http://schemas.microsoft.com/office/drawing/2010/main" Requires="a14">
+      <mc:AlternateContent xmlns:mc="http://schemas.openxmlformats.org/markup-compatibility/2006" xmlns:a14="http://schemas.microsoft.com/office/drawing/2010/main">
+        <mc:Choice Requires="a14">
           <p:sp>
             <p:nvSpPr>
               <p:cNvPr id="193" name="文本框 192">
@@ -51599,7 +51599,7 @@
             </p:txBody>
           </p:sp>
         </mc:Choice>
-        <mc:Fallback>
+        <mc:Fallback xmlns="">
           <p:sp>
             <p:nvSpPr>
               <p:cNvPr id="193" name="文本框 192">
@@ -51623,7 +51623,7 @@
                 <a:avLst/>
               </a:prstGeom>
               <a:blipFill>
-                <a:blip r:embed="rId13"/>
+                <a:blip r:embed="rId51"/>
                 <a:stretch>
                   <a:fillRect b="-8197"/>
                 </a:stretch>
@@ -51686,8 +51686,8 @@
           </a:fontRef>
         </p:style>
       </p:cxnSp>
-      <mc:AlternateContent xmlns:mc="http://schemas.openxmlformats.org/markup-compatibility/2006">
-        <mc:Choice xmlns:a14="http://schemas.microsoft.com/office/drawing/2010/main" Requires="a14">
+      <mc:AlternateContent xmlns:mc="http://schemas.openxmlformats.org/markup-compatibility/2006" xmlns:a14="http://schemas.microsoft.com/office/drawing/2010/main">
+        <mc:Choice Requires="a14">
           <p:sp>
             <p:nvSpPr>
               <p:cNvPr id="197" name="文本框 196">
@@ -51759,7 +51759,7 @@
             </p:txBody>
           </p:sp>
         </mc:Choice>
-        <mc:Fallback>
+        <mc:Fallback xmlns="">
           <p:sp>
             <p:nvSpPr>
               <p:cNvPr id="197" name="文本框 196">
@@ -51783,7 +51783,7 @@
                 <a:avLst/>
               </a:prstGeom>
               <a:blipFill>
-                <a:blip r:embed="rId14"/>
+                <a:blip r:embed="rId52"/>
                 <a:stretch>
                   <a:fillRect b="-9836"/>
                 </a:stretch>
@@ -51848,8 +51848,8 @@
           </a:fontRef>
         </p:style>
       </p:cxnSp>
-      <mc:AlternateContent xmlns:mc="http://schemas.openxmlformats.org/markup-compatibility/2006">
-        <mc:Choice xmlns:a14="http://schemas.microsoft.com/office/drawing/2010/main" Requires="a14">
+      <mc:AlternateContent xmlns:mc="http://schemas.openxmlformats.org/markup-compatibility/2006" xmlns:a14="http://schemas.microsoft.com/office/drawing/2010/main">
+        <mc:Choice Requires="a14">
           <p:sp>
             <p:nvSpPr>
               <p:cNvPr id="198" name="文本框 197">
@@ -51921,7 +51921,7 @@
             </p:txBody>
           </p:sp>
         </mc:Choice>
-        <mc:Fallback>
+        <mc:Fallback xmlns="">
           <p:sp>
             <p:nvSpPr>
               <p:cNvPr id="198" name="文本框 197">
@@ -51945,7 +51945,7 @@
                 <a:avLst/>
               </a:prstGeom>
               <a:blipFill>
-                <a:blip r:embed="rId15"/>
+                <a:blip r:embed="rId53"/>
                 <a:stretch>
                   <a:fillRect b="-10000"/>
                 </a:stretch>
@@ -52186,8 +52186,8 @@
           </a:fontRef>
         </p:style>
       </p:cxnSp>
-      <mc:AlternateContent xmlns:mc="http://schemas.openxmlformats.org/markup-compatibility/2006">
-        <mc:Choice xmlns:a14="http://schemas.microsoft.com/office/drawing/2010/main" Requires="a14">
+      <mc:AlternateContent xmlns:mc="http://schemas.openxmlformats.org/markup-compatibility/2006" xmlns:a14="http://schemas.microsoft.com/office/drawing/2010/main">
+        <mc:Choice Requires="a14">
           <p:sp>
             <p:nvSpPr>
               <p:cNvPr id="204" name="文本框 203">
@@ -52259,7 +52259,7 @@
             </p:txBody>
           </p:sp>
         </mc:Choice>
-        <mc:Fallback>
+        <mc:Fallback xmlns="">
           <p:sp>
             <p:nvSpPr>
               <p:cNvPr id="204" name="文本框 203">
@@ -52283,7 +52283,7 @@
                 <a:avLst/>
               </a:prstGeom>
               <a:blipFill>
-                <a:blip r:embed="rId16"/>
+                <a:blip r:embed="rId54"/>
                 <a:stretch>
                   <a:fillRect b="-9836"/>
                 </a:stretch>
@@ -52348,8 +52348,8 @@
           </a:fontRef>
         </p:style>
       </p:cxnSp>
-      <mc:AlternateContent xmlns:mc="http://schemas.openxmlformats.org/markup-compatibility/2006">
-        <mc:Choice xmlns:a14="http://schemas.microsoft.com/office/drawing/2010/main" Requires="a14">
+      <mc:AlternateContent xmlns:mc="http://schemas.openxmlformats.org/markup-compatibility/2006" xmlns:a14="http://schemas.microsoft.com/office/drawing/2010/main">
+        <mc:Choice Requires="a14">
           <p:sp>
             <p:nvSpPr>
               <p:cNvPr id="206" name="文本框 205">
@@ -52421,7 +52421,7 @@
             </p:txBody>
           </p:sp>
         </mc:Choice>
-        <mc:Fallback>
+        <mc:Fallback xmlns="">
           <p:sp>
             <p:nvSpPr>
               <p:cNvPr id="206" name="文本框 205">
@@ -52445,7 +52445,7 @@
                 <a:avLst/>
               </a:prstGeom>
               <a:blipFill>
-                <a:blip r:embed="rId17"/>
+                <a:blip r:embed="rId55"/>
                 <a:stretch>
                   <a:fillRect b="-10000"/>
                 </a:stretch>
@@ -52686,8 +52686,8 @@
           </a:fontRef>
         </p:style>
       </p:cxnSp>
-      <mc:AlternateContent xmlns:mc="http://schemas.openxmlformats.org/markup-compatibility/2006">
-        <mc:Choice xmlns:a14="http://schemas.microsoft.com/office/drawing/2010/main" Requires="a14">
+      <mc:AlternateContent xmlns:mc="http://schemas.openxmlformats.org/markup-compatibility/2006" xmlns:a14="http://schemas.microsoft.com/office/drawing/2010/main">
+        <mc:Choice Requires="a14">
           <p:sp>
             <p:nvSpPr>
               <p:cNvPr id="212" name="文本框 211">
@@ -52759,7 +52759,7 @@
             </p:txBody>
           </p:sp>
         </mc:Choice>
-        <mc:Fallback>
+        <mc:Fallback xmlns="">
           <p:sp>
             <p:nvSpPr>
               <p:cNvPr id="212" name="文本框 211">
@@ -52783,7 +52783,7 @@
                 <a:avLst/>
               </a:prstGeom>
               <a:blipFill>
-                <a:blip r:embed="rId18"/>
+                <a:blip r:embed="rId56"/>
                 <a:stretch>
                   <a:fillRect b="-8197"/>
                 </a:stretch>
@@ -52848,8 +52848,8 @@
           </a:fontRef>
         </p:style>
       </p:cxnSp>
-      <mc:AlternateContent xmlns:mc="http://schemas.openxmlformats.org/markup-compatibility/2006">
-        <mc:Choice xmlns:a14="http://schemas.microsoft.com/office/drawing/2010/main" Requires="a14">
+      <mc:AlternateContent xmlns:mc="http://schemas.openxmlformats.org/markup-compatibility/2006" xmlns:a14="http://schemas.microsoft.com/office/drawing/2010/main">
+        <mc:Choice Requires="a14">
           <p:sp>
             <p:nvSpPr>
               <p:cNvPr id="214" name="文本框 213">
@@ -52921,7 +52921,7 @@
             </p:txBody>
           </p:sp>
         </mc:Choice>
-        <mc:Fallback>
+        <mc:Fallback xmlns="">
           <p:sp>
             <p:nvSpPr>
               <p:cNvPr id="214" name="文本框 213">
@@ -52945,7 +52945,7 @@
                 <a:avLst/>
               </a:prstGeom>
               <a:blipFill>
-                <a:blip r:embed="rId19"/>
+                <a:blip r:embed="rId57"/>
                 <a:stretch>
                   <a:fillRect b="-10000"/>
                 </a:stretch>
@@ -53097,8 +53097,8 @@
           </a:fontRef>
         </p:style>
       </p:cxnSp>
-      <mc:AlternateContent xmlns:mc="http://schemas.openxmlformats.org/markup-compatibility/2006">
-        <mc:Choice xmlns:a14="http://schemas.microsoft.com/office/drawing/2010/main" Requires="a14">
+      <mc:AlternateContent xmlns:mc="http://schemas.openxmlformats.org/markup-compatibility/2006" xmlns:a14="http://schemas.microsoft.com/office/drawing/2010/main">
+        <mc:Choice Requires="a14">
           <p:sp>
             <p:nvSpPr>
               <p:cNvPr id="255" name="文本框 254">
@@ -53167,7 +53167,7 @@
             </p:txBody>
           </p:sp>
         </mc:Choice>
-        <mc:Fallback>
+        <mc:Fallback xmlns="">
           <p:sp>
             <p:nvSpPr>
               <p:cNvPr id="255" name="文本框 254">
@@ -53191,7 +53191,7 @@
                 <a:avLst/>
               </a:prstGeom>
               <a:blipFill>
-                <a:blip r:embed="rId20"/>
+                <a:blip r:embed="rId58"/>
                 <a:stretch>
                   <a:fillRect/>
                 </a:stretch>
@@ -53550,8 +53550,8 @@
           </a:fontRef>
         </p:style>
       </p:cxnSp>
-      <mc:AlternateContent xmlns:mc="http://schemas.openxmlformats.org/markup-compatibility/2006">
-        <mc:Choice xmlns:a14="http://schemas.microsoft.com/office/drawing/2010/main" Requires="a14">
+      <mc:AlternateContent xmlns:mc="http://schemas.openxmlformats.org/markup-compatibility/2006" xmlns:a14="http://schemas.microsoft.com/office/drawing/2010/main">
+        <mc:Choice Requires="a14">
           <p:sp>
             <p:nvSpPr>
               <p:cNvPr id="265" name="文本框 264">
@@ -53620,7 +53620,7 @@
             </p:txBody>
           </p:sp>
         </mc:Choice>
-        <mc:Fallback>
+        <mc:Fallback xmlns="">
           <p:sp>
             <p:nvSpPr>
               <p:cNvPr id="265" name="文本框 264">
@@ -53644,7 +53644,7 @@
                 <a:avLst/>
               </a:prstGeom>
               <a:blipFill>
-                <a:blip r:embed="rId21"/>
+                <a:blip r:embed="rId59"/>
                 <a:stretch>
                   <a:fillRect/>
                 </a:stretch>
@@ -53753,8 +53753,8 @@
           </a:fontRef>
         </p:style>
       </p:cxnSp>
-      <mc:AlternateContent xmlns:mc="http://schemas.openxmlformats.org/markup-compatibility/2006">
-        <mc:Choice xmlns:a14="http://schemas.microsoft.com/office/drawing/2010/main" Requires="a14">
+      <mc:AlternateContent xmlns:mc="http://schemas.openxmlformats.org/markup-compatibility/2006" xmlns:a14="http://schemas.microsoft.com/office/drawing/2010/main">
+        <mc:Choice Requires="a14">
           <p:sp>
             <p:nvSpPr>
               <p:cNvPr id="267" name="文本框 266">
@@ -53823,7 +53823,7 @@
             </p:txBody>
           </p:sp>
         </mc:Choice>
-        <mc:Fallback>
+        <mc:Fallback xmlns="">
           <p:sp>
             <p:nvSpPr>
               <p:cNvPr id="267" name="文本框 266">
@@ -53847,7 +53847,7 @@
                 <a:avLst/>
               </a:prstGeom>
               <a:blipFill>
-                <a:blip r:embed="rId22"/>
+                <a:blip r:embed="rId60"/>
                 <a:stretch>
                   <a:fillRect/>
                 </a:stretch>
@@ -53868,8 +53868,8 @@
           </p:sp>
         </mc:Fallback>
       </mc:AlternateContent>
-      <mc:AlternateContent xmlns:mc="http://schemas.openxmlformats.org/markup-compatibility/2006">
-        <mc:Choice xmlns:a14="http://schemas.microsoft.com/office/drawing/2010/main" Requires="a14">
+      <mc:AlternateContent xmlns:mc="http://schemas.openxmlformats.org/markup-compatibility/2006" xmlns:a14="http://schemas.microsoft.com/office/drawing/2010/main">
+        <mc:Choice Requires="a14">
           <p:sp>
             <p:nvSpPr>
               <p:cNvPr id="268" name="文本框 267">
@@ -53938,7 +53938,7 @@
             </p:txBody>
           </p:sp>
         </mc:Choice>
-        <mc:Fallback>
+        <mc:Fallback xmlns="">
           <p:sp>
             <p:nvSpPr>
               <p:cNvPr id="268" name="文本框 267">
@@ -53962,7 +53962,7 @@
                 <a:avLst/>
               </a:prstGeom>
               <a:blipFill>
-                <a:blip r:embed="rId23"/>
+                <a:blip r:embed="rId61"/>
                 <a:stretch>
                   <a:fillRect/>
                 </a:stretch>
@@ -54114,8 +54114,8 @@
           </a:fontRef>
         </p:style>
       </p:cxnSp>
-      <mc:AlternateContent xmlns:mc="http://schemas.openxmlformats.org/markup-compatibility/2006">
-        <mc:Choice xmlns:a14="http://schemas.microsoft.com/office/drawing/2010/main" Requires="a14">
+      <mc:AlternateContent xmlns:mc="http://schemas.openxmlformats.org/markup-compatibility/2006" xmlns:a14="http://schemas.microsoft.com/office/drawing/2010/main">
+        <mc:Choice Requires="a14">
           <p:sp>
             <p:nvSpPr>
               <p:cNvPr id="272" name="文本框 271">
@@ -54184,7 +54184,7 @@
             </p:txBody>
           </p:sp>
         </mc:Choice>
-        <mc:Fallback>
+        <mc:Fallback xmlns="">
           <p:sp>
             <p:nvSpPr>
               <p:cNvPr id="272" name="文本框 271">
@@ -54208,7 +54208,7 @@
                 <a:avLst/>
               </a:prstGeom>
               <a:blipFill>
-                <a:blip r:embed="rId24"/>
+                <a:blip r:embed="rId62"/>
                 <a:stretch>
                   <a:fillRect/>
                 </a:stretch>
@@ -54273,8 +54273,8 @@
           </a:fontRef>
         </p:style>
       </p:cxnSp>
-      <mc:AlternateContent xmlns:mc="http://schemas.openxmlformats.org/markup-compatibility/2006">
-        <mc:Choice xmlns:a14="http://schemas.microsoft.com/office/drawing/2010/main" Requires="a14">
+      <mc:AlternateContent xmlns:mc="http://schemas.openxmlformats.org/markup-compatibility/2006" xmlns:a14="http://schemas.microsoft.com/office/drawing/2010/main">
+        <mc:Choice Requires="a14">
           <p:sp>
             <p:nvSpPr>
               <p:cNvPr id="274" name="文本框 273">
@@ -54343,7 +54343,7 @@
             </p:txBody>
           </p:sp>
         </mc:Choice>
-        <mc:Fallback>
+        <mc:Fallback xmlns="">
           <p:sp>
             <p:nvSpPr>
               <p:cNvPr id="274" name="文本框 273">
@@ -54367,7 +54367,7 @@
                 <a:avLst/>
               </a:prstGeom>
               <a:blipFill>
-                <a:blip r:embed="rId25"/>
+                <a:blip r:embed="rId63"/>
                 <a:stretch>
                   <a:fillRect/>
                 </a:stretch>
@@ -54519,8 +54519,8 @@
           </a:fontRef>
         </p:style>
       </p:cxnSp>
-      <mc:AlternateContent xmlns:mc="http://schemas.openxmlformats.org/markup-compatibility/2006">
-        <mc:Choice xmlns:a14="http://schemas.microsoft.com/office/drawing/2010/main" Requires="a14">
+      <mc:AlternateContent xmlns:mc="http://schemas.openxmlformats.org/markup-compatibility/2006" xmlns:a14="http://schemas.microsoft.com/office/drawing/2010/main">
+        <mc:Choice Requires="a14">
           <p:sp>
             <p:nvSpPr>
               <p:cNvPr id="278" name="文本框 277">
@@ -54589,7 +54589,7 @@
             </p:txBody>
           </p:sp>
         </mc:Choice>
-        <mc:Fallback>
+        <mc:Fallback xmlns="">
           <p:sp>
             <p:nvSpPr>
               <p:cNvPr id="278" name="文本框 277">
@@ -54613,7 +54613,7 @@
                 <a:avLst/>
               </a:prstGeom>
               <a:blipFill>
-                <a:blip r:embed="rId26"/>
+                <a:blip r:embed="rId64"/>
                 <a:stretch>
                   <a:fillRect/>
                 </a:stretch>
@@ -54678,8 +54678,8 @@
           </a:fontRef>
         </p:style>
       </p:cxnSp>
-      <mc:AlternateContent xmlns:mc="http://schemas.openxmlformats.org/markup-compatibility/2006">
-        <mc:Choice xmlns:a14="http://schemas.microsoft.com/office/drawing/2010/main" Requires="a14">
+      <mc:AlternateContent xmlns:mc="http://schemas.openxmlformats.org/markup-compatibility/2006" xmlns:a14="http://schemas.microsoft.com/office/drawing/2010/main">
+        <mc:Choice Requires="a14">
           <p:sp>
             <p:nvSpPr>
               <p:cNvPr id="280" name="文本框 279">
@@ -54748,7 +54748,7 @@
             </p:txBody>
           </p:sp>
         </mc:Choice>
-        <mc:Fallback>
+        <mc:Fallback xmlns="">
           <p:sp>
             <p:nvSpPr>
               <p:cNvPr id="280" name="文本框 279">
@@ -54772,7 +54772,7 @@
                 <a:avLst/>
               </a:prstGeom>
               <a:blipFill>
-                <a:blip r:embed="rId27"/>
+                <a:blip r:embed="rId65"/>
                 <a:stretch>
                   <a:fillRect/>
                 </a:stretch>
@@ -55057,8 +55057,8 @@
           </a:fontRef>
         </p:style>
       </p:cxnSp>
-      <mc:AlternateContent xmlns:mc="http://schemas.openxmlformats.org/markup-compatibility/2006">
-        <mc:Choice xmlns:a14="http://schemas.microsoft.com/office/drawing/2010/main" Requires="a14">
+      <mc:AlternateContent xmlns:mc="http://schemas.openxmlformats.org/markup-compatibility/2006" xmlns:a14="http://schemas.microsoft.com/office/drawing/2010/main">
+        <mc:Choice Requires="a14">
           <p:sp>
             <p:nvSpPr>
               <p:cNvPr id="288" name="文本框 287">
@@ -55127,7 +55127,7 @@
             </p:txBody>
           </p:sp>
         </mc:Choice>
-        <mc:Fallback>
+        <mc:Fallback xmlns="">
           <p:sp>
             <p:nvSpPr>
               <p:cNvPr id="288" name="文本框 287">
@@ -55151,7 +55151,7 @@
                 <a:avLst/>
               </a:prstGeom>
               <a:blipFill>
-                <a:blip r:embed="rId28"/>
+                <a:blip r:embed="rId66"/>
                 <a:stretch>
                   <a:fillRect/>
                 </a:stretch>
@@ -55260,8 +55260,8 @@
           </a:fontRef>
         </p:style>
       </p:cxnSp>
-      <mc:AlternateContent xmlns:mc="http://schemas.openxmlformats.org/markup-compatibility/2006">
-        <mc:Choice xmlns:a14="http://schemas.microsoft.com/office/drawing/2010/main" Requires="a14">
+      <mc:AlternateContent xmlns:mc="http://schemas.openxmlformats.org/markup-compatibility/2006" xmlns:a14="http://schemas.microsoft.com/office/drawing/2010/main">
+        <mc:Choice Requires="a14">
           <p:sp>
             <p:nvSpPr>
               <p:cNvPr id="291" name="文本框 290">
@@ -55330,7 +55330,7 @@
             </p:txBody>
           </p:sp>
         </mc:Choice>
-        <mc:Fallback>
+        <mc:Fallback xmlns="">
           <p:sp>
             <p:nvSpPr>
               <p:cNvPr id="291" name="文本框 290">
@@ -55354,7 +55354,7 @@
                 <a:avLst/>
               </a:prstGeom>
               <a:blipFill>
-                <a:blip r:embed="rId29"/>
+                <a:blip r:embed="rId67"/>
                 <a:stretch>
                   <a:fillRect/>
                 </a:stretch>
@@ -55639,8 +55639,8 @@
           </a:fontRef>
         </p:style>
       </p:cxnSp>
-      <mc:AlternateContent xmlns:mc="http://schemas.openxmlformats.org/markup-compatibility/2006">
-        <mc:Choice xmlns:a14="http://schemas.microsoft.com/office/drawing/2010/main" Requires="a14">
+      <mc:AlternateContent xmlns:mc="http://schemas.openxmlformats.org/markup-compatibility/2006" xmlns:a14="http://schemas.microsoft.com/office/drawing/2010/main">
+        <mc:Choice Requires="a14">
           <p:sp>
             <p:nvSpPr>
               <p:cNvPr id="310" name="文本框 309">
@@ -55709,7 +55709,7 @@
             </p:txBody>
           </p:sp>
         </mc:Choice>
-        <mc:Fallback>
+        <mc:Fallback xmlns="">
           <p:sp>
             <p:nvSpPr>
               <p:cNvPr id="310" name="文本框 309">
@@ -55733,7 +55733,7 @@
                 <a:avLst/>
               </a:prstGeom>
               <a:blipFill>
-                <a:blip r:embed="rId30"/>
+                <a:blip r:embed="rId68"/>
                 <a:stretch>
                   <a:fillRect/>
                 </a:stretch>
@@ -55842,8 +55842,8 @@
           </a:fontRef>
         </p:style>
       </p:cxnSp>
-      <mc:AlternateContent xmlns:mc="http://schemas.openxmlformats.org/markup-compatibility/2006">
-        <mc:Choice xmlns:a14="http://schemas.microsoft.com/office/drawing/2010/main" Requires="a14">
+      <mc:AlternateContent xmlns:mc="http://schemas.openxmlformats.org/markup-compatibility/2006" xmlns:a14="http://schemas.microsoft.com/office/drawing/2010/main">
+        <mc:Choice Requires="a14">
           <p:sp>
             <p:nvSpPr>
               <p:cNvPr id="313" name="文本框 312">
@@ -55912,7 +55912,7 @@
             </p:txBody>
           </p:sp>
         </mc:Choice>
-        <mc:Fallback>
+        <mc:Fallback xmlns="">
           <p:sp>
             <p:nvSpPr>
               <p:cNvPr id="313" name="文本框 312">
@@ -55936,7 +55936,7 @@
                 <a:avLst/>
               </a:prstGeom>
               <a:blipFill>
-                <a:blip r:embed="rId31"/>
+                <a:blip r:embed="rId69"/>
                 <a:stretch>
                   <a:fillRect/>
                 </a:stretch>
